--- a/Force Field Transformation.pptx
+++ b/Force Field Transformation.pptx
@@ -5,19 +5,21 @@
     <p:sldMasterId id="2147483660" r:id="rId1"/>
   </p:sldMasterIdLst>
   <p:notesMasterIdLst>
-    <p:notesMasterId r:id="rId12"/>
+    <p:notesMasterId r:id="rId14"/>
   </p:notesMasterIdLst>
   <p:sldIdLst>
     <p:sldId id="256" r:id="rId2"/>
-    <p:sldId id="257" r:id="rId3"/>
+    <p:sldId id="267" r:id="rId3"/>
     <p:sldId id="258" r:id="rId4"/>
     <p:sldId id="259" r:id="rId5"/>
-    <p:sldId id="260" r:id="rId6"/>
-    <p:sldId id="261" r:id="rId7"/>
-    <p:sldId id="262" r:id="rId8"/>
-    <p:sldId id="265" r:id="rId9"/>
-    <p:sldId id="263" r:id="rId10"/>
-    <p:sldId id="264" r:id="rId11"/>
+    <p:sldId id="266" r:id="rId6"/>
+    <p:sldId id="268" r:id="rId7"/>
+    <p:sldId id="260" r:id="rId8"/>
+    <p:sldId id="261" r:id="rId9"/>
+    <p:sldId id="262" r:id="rId10"/>
+    <p:sldId id="265" r:id="rId11"/>
+    <p:sldId id="263" r:id="rId12"/>
+    <p:sldId id="264" r:id="rId13"/>
   </p:sldIdLst>
   <p:sldSz cx="9144000" cy="6858000" type="screen4x3"/>
   <p:notesSz cx="6858000" cy="9144000"/>
@@ -116,6 +118,11 @@
       </a:defRPr>
     </a:lvl9pPr>
   </p:defaultTextStyle>
+  <p:extLst>
+    <p:ext uri="{EFAFB233-063F-42B5-8137-9DF3F51BA10A}">
+      <p15:sldGuideLst xmlns:p15="http://schemas.microsoft.com/office/powerpoint/2012/main"/>
+    </p:ext>
+  </p:extLst>
 </p:presentation>
 </file>
 
@@ -201,7 +208,7 @@
           <a:p>
             <a:fld id="{2D375E8E-D067-40BE-8067-60BEC63713A2}" type="datetimeFigureOut">
               <a:rPr lang="en-GB" smtClean="0"/>
-              <a:t>01/02/2018</a:t>
+              <a:t>02/02/2018</a:t>
             </a:fld>
             <a:endParaRPr lang="en-GB"/>
           </a:p>
@@ -513,6 +520,46 @@
           <a:bodyPr/>
           <a:lstStyle/>
           <a:p>
+            <a:pPr marL="171450" lvl="0" indent="-171450">
+              <a:buFont typeface="Arial" panose="020B0604020202020204" pitchFamily="34" charset="0"/>
+              <a:buChar char="•"/>
+            </a:pPr>
+            <a:r>
+              <a:rPr lang="en-GB" dirty="0" smtClean="0"/>
+              <a:t>Objective:</a:t>
+            </a:r>
+          </a:p>
+          <a:p>
+            <a:pPr marL="628650" lvl="1" indent="-171450">
+              <a:buFont typeface="Arial" panose="020B0604020202020204" pitchFamily="34" charset="0"/>
+              <a:buChar char="•"/>
+            </a:pPr>
+            <a:r>
+              <a:rPr lang="en-GB" dirty="0" smtClean="0"/>
+              <a:t>reduce dimensionality of pattern space</a:t>
+            </a:r>
+          </a:p>
+          <a:p>
+            <a:pPr marL="628650" lvl="1" indent="-171450">
+              <a:buFont typeface="Arial" panose="020B0604020202020204" pitchFamily="34" charset="0"/>
+              <a:buChar char="•"/>
+            </a:pPr>
+            <a:r>
+              <a:rPr lang="en-GB" dirty="0" smtClean="0"/>
+              <a:t>yet maintain discriminator power for classification and invariant description</a:t>
+            </a:r>
+          </a:p>
+          <a:p>
+            <a:pPr marL="171450" lvl="0" indent="-171450">
+              <a:buFont typeface="Arial" panose="020B0604020202020204" pitchFamily="34" charset="0"/>
+              <a:buChar char="•"/>
+            </a:pPr>
+            <a:r>
+              <a:rPr lang="en-GB" dirty="0" smtClean="0"/>
+              <a:t>Used/invented by … for ear biometric</a:t>
+            </a:r>
+          </a:p>
+          <a:p>
             <a:endParaRPr lang="en-GB" dirty="0"/>
           </a:p>
         </p:txBody>
@@ -534,7 +581,7 @@
           <a:p>
             <a:fld id="{EF2D93C9-B2FF-4D76-8851-D84BA33B2773}" type="slidenum">
               <a:rPr lang="en-GB" smtClean="0"/>
-              <a:t>2</a:t>
+              <a:t>3</a:t>
             </a:fld>
             <a:endParaRPr lang="en-GB"/>
           </a:p>
@@ -543,7 +590,331 @@
     </p:spTree>
     <p:extLst>
       <p:ext uri="{BB962C8B-B14F-4D97-AF65-F5344CB8AC3E}">
-        <p14:creationId xmlns:p14="http://schemas.microsoft.com/office/powerpoint/2010/main" val="2604480960"/>
+        <p14:creationId xmlns:p14="http://schemas.microsoft.com/office/powerpoint/2010/main" val="3810489641"/>
+      </p:ext>
+    </p:extLst>
+  </p:cSld>
+  <p:clrMapOvr>
+    <a:masterClrMapping/>
+  </p:clrMapOvr>
+</p:notes>
+</file>
+
+<file path=ppt/notesSlides/notesSlide2.xml><?xml version="1.0" encoding="utf-8"?>
+<p:notes xmlns:a="http://schemas.openxmlformats.org/drawingml/2006/main" xmlns:r="http://schemas.openxmlformats.org/officeDocument/2006/relationships" xmlns:p="http://schemas.openxmlformats.org/presentationml/2006/main">
+  <p:cSld>
+    <p:spTree>
+      <p:nvGrpSpPr>
+        <p:cNvPr id="1" name=""/>
+        <p:cNvGrpSpPr/>
+        <p:nvPr/>
+      </p:nvGrpSpPr>
+      <p:grpSpPr>
+        <a:xfrm>
+          <a:off x="0" y="0"/>
+          <a:ext cx="0" cy="0"/>
+          <a:chOff x="0" y="0"/>
+          <a:chExt cx="0" cy="0"/>
+        </a:xfrm>
+      </p:grpSpPr>
+      <p:sp>
+        <p:nvSpPr>
+          <p:cNvPr id="2" name="Folienbildplatzhalter 1"/>
+          <p:cNvSpPr>
+            <a:spLocks noGrp="1" noRot="1" noChangeAspect="1"/>
+          </p:cNvSpPr>
+          <p:nvPr>
+            <p:ph type="sldImg"/>
+          </p:nvPr>
+        </p:nvSpPr>
+        <p:spPr/>
+      </p:sp>
+      <p:sp>
+        <p:nvSpPr>
+          <p:cNvPr id="3" name="Notizenplatzhalter 2"/>
+          <p:cNvSpPr>
+            <a:spLocks noGrp="1"/>
+          </p:cNvSpPr>
+          <p:nvPr>
+            <p:ph type="body" idx="1"/>
+          </p:nvPr>
+        </p:nvSpPr>
+        <p:spPr/>
+        <p:txBody>
+          <a:bodyPr/>
+          <a:lstStyle/>
+          <a:p>
+            <a:pPr marL="228600" lvl="0" indent="-228600">
+              <a:buFont typeface="+mj-lt"/>
+              <a:buAutoNum type="arabicPeriod"/>
+            </a:pPr>
+            <a:r>
+              <a:rPr lang="en-GB" dirty="0" smtClean="0"/>
+              <a:t>Approaches:</a:t>
+            </a:r>
+          </a:p>
+          <a:p>
+            <a:pPr marL="685800" lvl="1" indent="-228600">
+              <a:buFont typeface="+mj-lt"/>
+              <a:buAutoNum type="arabicPeriod"/>
+            </a:pPr>
+            <a:r>
+              <a:rPr lang="en-GB" dirty="0" smtClean="0"/>
+              <a:t>Brute Force:</a:t>
+            </a:r>
+            <a:br>
+              <a:rPr lang="en-GB" dirty="0" smtClean="0"/>
+            </a:br>
+            <a:r>
+              <a:rPr lang="en-GB" dirty="0" smtClean="0"/>
+              <a:t>Each pixel is transformed using the Energy &amp; Force equations</a:t>
+            </a:r>
+          </a:p>
+          <a:p>
+            <a:pPr marL="685800" lvl="1" indent="-228600">
+              <a:buFont typeface="+mj-lt"/>
+              <a:buAutoNum type="arabicPeriod"/>
+            </a:pPr>
+            <a:r>
+              <a:rPr lang="en-GB" dirty="0" smtClean="0"/>
+              <a:t>Frequency Domain Analysis: </a:t>
+            </a:r>
+            <a:br>
+              <a:rPr lang="en-GB" dirty="0" smtClean="0"/>
+            </a:br>
+            <a:r>
+              <a:rPr lang="en-GB" dirty="0" smtClean="0"/>
+              <a:t>Fourier Transform etc. and then equations applied</a:t>
+            </a:r>
+          </a:p>
+          <a:p>
+            <a:endParaRPr lang="en-GB" dirty="0"/>
+          </a:p>
+        </p:txBody>
+      </p:sp>
+      <p:sp>
+        <p:nvSpPr>
+          <p:cNvPr id="4" name="Foliennummernplatzhalter 3"/>
+          <p:cNvSpPr>
+            <a:spLocks noGrp="1"/>
+          </p:cNvSpPr>
+          <p:nvPr>
+            <p:ph type="sldNum" sz="quarter" idx="10"/>
+          </p:nvPr>
+        </p:nvSpPr>
+        <p:spPr/>
+        <p:txBody>
+          <a:bodyPr/>
+          <a:lstStyle/>
+          <a:p>
+            <a:fld id="{EF2D93C9-B2FF-4D76-8851-D84BA33B2773}" type="slidenum">
+              <a:rPr lang="en-GB" smtClean="0"/>
+              <a:t>4</a:t>
+            </a:fld>
+            <a:endParaRPr lang="en-GB"/>
+          </a:p>
+        </p:txBody>
+      </p:sp>
+    </p:spTree>
+    <p:extLst>
+      <p:ext uri="{BB962C8B-B14F-4D97-AF65-F5344CB8AC3E}">
+        <p14:creationId xmlns:p14="http://schemas.microsoft.com/office/powerpoint/2010/main" val="2649223641"/>
+      </p:ext>
+    </p:extLst>
+  </p:cSld>
+  <p:clrMapOvr>
+    <a:masterClrMapping/>
+  </p:clrMapOvr>
+</p:notes>
+</file>
+
+<file path=ppt/notesSlides/notesSlide3.xml><?xml version="1.0" encoding="utf-8"?>
+<p:notes xmlns:a="http://schemas.openxmlformats.org/drawingml/2006/main" xmlns:r="http://schemas.openxmlformats.org/officeDocument/2006/relationships" xmlns:p="http://schemas.openxmlformats.org/presentationml/2006/main">
+  <p:cSld>
+    <p:spTree>
+      <p:nvGrpSpPr>
+        <p:cNvPr id="1" name=""/>
+        <p:cNvGrpSpPr/>
+        <p:nvPr/>
+      </p:nvGrpSpPr>
+      <p:grpSpPr>
+        <a:xfrm>
+          <a:off x="0" y="0"/>
+          <a:ext cx="0" cy="0"/>
+          <a:chOff x="0" y="0"/>
+          <a:chExt cx="0" cy="0"/>
+        </a:xfrm>
+      </p:grpSpPr>
+      <p:sp>
+        <p:nvSpPr>
+          <p:cNvPr id="2" name="Folienbildplatzhalter 1"/>
+          <p:cNvSpPr>
+            <a:spLocks noGrp="1" noRot="1" noChangeAspect="1"/>
+          </p:cNvSpPr>
+          <p:nvPr>
+            <p:ph type="sldImg"/>
+          </p:nvPr>
+        </p:nvSpPr>
+        <p:spPr/>
+      </p:sp>
+      <p:sp>
+        <p:nvSpPr>
+          <p:cNvPr id="3" name="Notizenplatzhalter 2"/>
+          <p:cNvSpPr>
+            <a:spLocks noGrp="1"/>
+          </p:cNvSpPr>
+          <p:nvPr>
+            <p:ph type="body" idx="1"/>
+          </p:nvPr>
+        </p:nvSpPr>
+        <p:spPr/>
+        <p:txBody>
+          <a:bodyPr/>
+          <a:lstStyle/>
+          <a:p>
+            <a:pPr lvl="0"/>
+            <a:r>
+              <a:rPr lang="en-GB" dirty="0" smtClean="0"/>
+              <a:t>Assumption: (for mathematical convenience):</a:t>
+            </a:r>
+            <a:br>
+              <a:rPr lang="en-GB" dirty="0" smtClean="0"/>
+            </a:br>
+            <a:r>
+              <a:rPr lang="en-GB" dirty="0" smtClean="0"/>
+              <a:t>Each pixel exerts an isotropic force on all the other pixels (they represent attractive particles, that act as the source of a spherically symmetric force field) that is proportional to pixel intensity and inversely proportional to the square of the distance, i.e. the inverse square law</a:t>
+            </a:r>
+          </a:p>
+          <a:p>
+            <a:endParaRPr lang="en-GB" dirty="0"/>
+          </a:p>
+        </p:txBody>
+      </p:sp>
+      <p:sp>
+        <p:nvSpPr>
+          <p:cNvPr id="4" name="Foliennummernplatzhalter 3"/>
+          <p:cNvSpPr>
+            <a:spLocks noGrp="1"/>
+          </p:cNvSpPr>
+          <p:nvPr>
+            <p:ph type="sldNum" sz="quarter" idx="10"/>
+          </p:nvPr>
+        </p:nvSpPr>
+        <p:spPr/>
+        <p:txBody>
+          <a:bodyPr/>
+          <a:lstStyle/>
+          <a:p>
+            <a:fld id="{EF2D93C9-B2FF-4D76-8851-D84BA33B2773}" type="slidenum">
+              <a:rPr lang="en-GB" smtClean="0"/>
+              <a:t>5</a:t>
+            </a:fld>
+            <a:endParaRPr lang="en-GB"/>
+          </a:p>
+        </p:txBody>
+      </p:sp>
+    </p:spTree>
+    <p:extLst>
+      <p:ext uri="{BB962C8B-B14F-4D97-AF65-F5344CB8AC3E}">
+        <p14:creationId xmlns:p14="http://schemas.microsoft.com/office/powerpoint/2010/main" val="4226367707"/>
+      </p:ext>
+    </p:extLst>
+  </p:cSld>
+  <p:clrMapOvr>
+    <a:masterClrMapping/>
+  </p:clrMapOvr>
+</p:notes>
+</file>
+
+<file path=ppt/notesSlides/notesSlide4.xml><?xml version="1.0" encoding="utf-8"?>
+<p:notes xmlns:a="http://schemas.openxmlformats.org/drawingml/2006/main" xmlns:r="http://schemas.openxmlformats.org/officeDocument/2006/relationships" xmlns:p="http://schemas.openxmlformats.org/presentationml/2006/main">
+  <p:cSld>
+    <p:spTree>
+      <p:nvGrpSpPr>
+        <p:cNvPr id="1" name=""/>
+        <p:cNvGrpSpPr/>
+        <p:nvPr/>
+      </p:nvGrpSpPr>
+      <p:grpSpPr>
+        <a:xfrm>
+          <a:off x="0" y="0"/>
+          <a:ext cx="0" cy="0"/>
+          <a:chOff x="0" y="0"/>
+          <a:chExt cx="0" cy="0"/>
+        </a:xfrm>
+      </p:grpSpPr>
+      <p:sp>
+        <p:nvSpPr>
+          <p:cNvPr id="2" name="Folienbildplatzhalter 1"/>
+          <p:cNvSpPr>
+            <a:spLocks noGrp="1" noRot="1" noChangeAspect="1"/>
+          </p:cNvSpPr>
+          <p:nvPr>
+            <p:ph type="sldImg"/>
+          </p:nvPr>
+        </p:nvSpPr>
+        <p:spPr/>
+      </p:sp>
+      <p:sp>
+        <p:nvSpPr>
+          <p:cNvPr id="3" name="Notizenplatzhalter 2"/>
+          <p:cNvSpPr>
+            <a:spLocks noGrp="1"/>
+          </p:cNvSpPr>
+          <p:nvPr>
+            <p:ph type="body" idx="1"/>
+          </p:nvPr>
+        </p:nvSpPr>
+        <p:spPr/>
+        <p:txBody>
+          <a:bodyPr/>
+          <a:lstStyle/>
+          <a:p>
+            <a:pPr lvl="0"/>
+            <a:r>
+              <a:rPr lang="en-GB" dirty="0" smtClean="0"/>
+              <a:t>Assumption: (for mathematical convenience):</a:t>
+            </a:r>
+            <a:br>
+              <a:rPr lang="en-GB" dirty="0" smtClean="0"/>
+            </a:br>
+            <a:r>
+              <a:rPr lang="en-GB" dirty="0" smtClean="0"/>
+              <a:t>Each pixel exerts an isotropic force on all the other pixels (they represent attractive particles, that act as the source of a spherically symmetric force field) that is proportional to pixel intensity and inversely proportional to the square of the distance, i.e. the inverse square law</a:t>
+            </a:r>
+          </a:p>
+          <a:p>
+            <a:endParaRPr lang="en-GB" dirty="0"/>
+          </a:p>
+        </p:txBody>
+      </p:sp>
+      <p:sp>
+        <p:nvSpPr>
+          <p:cNvPr id="4" name="Foliennummernplatzhalter 3"/>
+          <p:cNvSpPr>
+            <a:spLocks noGrp="1"/>
+          </p:cNvSpPr>
+          <p:nvPr>
+            <p:ph type="sldNum" sz="quarter" idx="10"/>
+          </p:nvPr>
+        </p:nvSpPr>
+        <p:spPr/>
+        <p:txBody>
+          <a:bodyPr/>
+          <a:lstStyle/>
+          <a:p>
+            <a:fld id="{EF2D93C9-B2FF-4D76-8851-D84BA33B2773}" type="slidenum">
+              <a:rPr lang="en-GB" smtClean="0"/>
+              <a:t>6</a:t>
+            </a:fld>
+            <a:endParaRPr lang="en-GB"/>
+          </a:p>
+        </p:txBody>
+      </p:sp>
+    </p:spTree>
+    <p:extLst>
+      <p:ext uri="{BB962C8B-B14F-4D97-AF65-F5344CB8AC3E}">
+        <p14:creationId xmlns:p14="http://schemas.microsoft.com/office/powerpoint/2010/main" val="3383879922"/>
       </p:ext>
     </p:extLst>
   </p:cSld>
@@ -1148,14 +1519,25 @@
             <p:ph type="title"/>
           </p:nvPr>
         </p:nvSpPr>
-        <p:spPr/>
-        <p:txBody>
-          <a:bodyPr/>
-          <a:lstStyle/>
-          <a:p>
-            <a:r>
-              <a:rPr lang="de-DE" smtClean="0"/>
-              <a:t>Titelmasterformat durch Klicken bearbeiten</a:t>
+        <p:spPr>
+          <a:xfrm>
+            <a:off x="628650" y="254643"/>
+            <a:ext cx="7886700" cy="497711"/>
+          </a:xfrm>
+        </p:spPr>
+        <p:txBody>
+          <a:bodyPr>
+            <a:noAutofit/>
+          </a:bodyPr>
+          <a:lstStyle>
+            <a:lvl1pPr>
+              <a:defRPr sz="2800"/>
+            </a:lvl1pPr>
+          </a:lstStyle>
+          <a:p>
+            <a:r>
+              <a:rPr lang="de-DE" dirty="0" smtClean="0"/>
+              <a:t>Titelmasterformat</a:t>
             </a:r>
             <a:endParaRPr lang="en-US" dirty="0"/>
           </a:p>
@@ -1171,7 +1553,12 @@
             <p:ph idx="1"/>
           </p:nvPr>
         </p:nvSpPr>
-        <p:spPr/>
+        <p:spPr>
+          <a:xfrm>
+            <a:off x="628650" y="1516283"/>
+            <a:ext cx="7886700" cy="4660679"/>
+          </a:xfrm>
+        </p:spPr>
         <p:txBody>
           <a:bodyPr/>
           <a:lstStyle/>
@@ -1282,6 +1669,36 @@
           </a:p>
         </p:txBody>
       </p:sp>
+      <p:cxnSp>
+        <p:nvCxnSpPr>
+          <p:cNvPr id="8" name="Gerader Verbinder 7"/>
+          <p:cNvCxnSpPr/>
+          <p:nvPr userDrawn="1"/>
+        </p:nvCxnSpPr>
+        <p:spPr>
+          <a:xfrm>
+            <a:off x="628650" y="752354"/>
+            <a:ext cx="7886700" cy="0"/>
+          </a:xfrm>
+          <a:prstGeom prst="line">
+            <a:avLst/>
+          </a:prstGeom>
+        </p:spPr>
+        <p:style>
+          <a:lnRef idx="2">
+            <a:schemeClr val="dk1"/>
+          </a:lnRef>
+          <a:fillRef idx="0">
+            <a:schemeClr val="dk1"/>
+          </a:fillRef>
+          <a:effectRef idx="1">
+            <a:schemeClr val="dk1"/>
+          </a:effectRef>
+          <a:fontRef idx="minor">
+            <a:schemeClr val="tx1"/>
+          </a:fontRef>
+        </p:style>
+      </p:cxnSp>
     </p:spTree>
     <p:extLst>
       <p:ext uri="{BB962C8B-B14F-4D97-AF65-F5344CB8AC3E}">
@@ -3016,35 +3433,35 @@
           <a:p>
             <a:pPr lvl="0"/>
             <a:r>
-              <a:rPr lang="de-DE" smtClean="0"/>
+              <a:rPr lang="de-DE" dirty="0" smtClean="0"/>
               <a:t>Formatvorlagen des Textmasters bearbeiten</a:t>
             </a:r>
           </a:p>
           <a:p>
             <a:pPr lvl="1"/>
             <a:r>
-              <a:rPr lang="de-DE" smtClean="0"/>
+              <a:rPr lang="de-DE" dirty="0" smtClean="0"/>
               <a:t>Zweite Ebene</a:t>
             </a:r>
           </a:p>
           <a:p>
             <a:pPr lvl="2"/>
             <a:r>
-              <a:rPr lang="de-DE" smtClean="0"/>
+              <a:rPr lang="de-DE" dirty="0" smtClean="0"/>
               <a:t>Dritte Ebene</a:t>
             </a:r>
           </a:p>
           <a:p>
             <a:pPr lvl="3"/>
             <a:r>
-              <a:rPr lang="de-DE" smtClean="0"/>
+              <a:rPr lang="de-DE" dirty="0" smtClean="0"/>
               <a:t>Vierte Ebene</a:t>
             </a:r>
           </a:p>
           <a:p>
             <a:pPr lvl="4"/>
             <a:r>
-              <a:rPr lang="de-DE" smtClean="0"/>
+              <a:rPr lang="de-DE" dirty="0" smtClean="0"/>
               <a:t>Fünfte Ebene</a:t>
             </a:r>
             <a:endParaRPr lang="en-US" dirty="0"/>
@@ -3269,6 +3686,9 @@
         <a:spcBef>
           <a:spcPts val="1000"/>
         </a:spcBef>
+        <a:spcAft>
+          <a:spcPts val="600"/>
+        </a:spcAft>
         <a:buFont typeface="Arial" panose="020B0604020202020204" pitchFamily="34" charset="0"/>
         <a:buChar char="•"/>
         <a:defRPr sz="2800" kern="1200">
@@ -3287,6 +3707,9 @@
         <a:spcBef>
           <a:spcPts val="500"/>
         </a:spcBef>
+        <a:spcAft>
+          <a:spcPts val="0"/>
+        </a:spcAft>
         <a:buFont typeface="Arial" panose="020B0604020202020204" pitchFamily="34" charset="0"/>
         <a:buChar char="•"/>
         <a:defRPr sz="2400" kern="1200">
@@ -3305,6 +3728,9 @@
         <a:spcBef>
           <a:spcPts val="500"/>
         </a:spcBef>
+        <a:spcAft>
+          <a:spcPts val="0"/>
+        </a:spcAft>
         <a:buFont typeface="Arial" panose="020B0604020202020204" pitchFamily="34" charset="0"/>
         <a:buChar char="•"/>
         <a:defRPr sz="2000" kern="1200">
@@ -3323,6 +3749,9 @@
         <a:spcBef>
           <a:spcPts val="500"/>
         </a:spcBef>
+        <a:spcAft>
+          <a:spcPts val="0"/>
+        </a:spcAft>
         <a:buFont typeface="Arial" panose="020B0604020202020204" pitchFamily="34" charset="0"/>
         <a:buChar char="•"/>
         <a:defRPr sz="1800" kern="1200">
@@ -3341,6 +3770,9 @@
         <a:spcBef>
           <a:spcPts val="500"/>
         </a:spcBef>
+        <a:spcAft>
+          <a:spcPts val="0"/>
+        </a:spcAft>
         <a:buFont typeface="Arial" panose="020B0604020202020204" pitchFamily="34" charset="0"/>
         <a:buChar char="•"/>
         <a:defRPr sz="1800" kern="1200">
@@ -3712,12 +4144,14 @@
         </p:nvSpPr>
         <p:spPr/>
         <p:txBody>
-          <a:bodyPr/>
+          <a:bodyPr>
+            <a:normAutofit/>
+          </a:bodyPr>
           <a:lstStyle/>
           <a:p>
             <a:r>
               <a:rPr lang="en-GB" dirty="0" smtClean="0"/>
-              <a:t>Sources</a:t>
+              <a:t>Result</a:t>
             </a:r>
             <a:endParaRPr lang="en-GB" dirty="0"/>
           </a:p>
@@ -3740,29 +4174,7 @@
           <a:p>
             <a:r>
               <a:rPr lang="en-GB" dirty="0" smtClean="0"/>
-              <a:t>3 Papers</a:t>
-            </a:r>
-          </a:p>
-          <a:p>
-            <a:r>
-              <a:rPr lang="en-GB" dirty="0" smtClean="0"/>
-              <a:t>Marks book</a:t>
-            </a:r>
-          </a:p>
-          <a:p>
-            <a:r>
-              <a:rPr lang="en-GB" dirty="0" err="1" smtClean="0"/>
-              <a:t>Linkedin</a:t>
-            </a:r>
-            <a:r>
-              <a:rPr lang="en-GB" dirty="0" smtClean="0"/>
-              <a:t> slides</a:t>
-            </a:r>
-          </a:p>
-          <a:p>
-            <a:r>
-              <a:rPr lang="en-GB" dirty="0" smtClean="0"/>
-              <a:t>Git repo from that guy (maybe)</a:t>
+              <a:t>Other application areas?</a:t>
             </a:r>
             <a:endParaRPr lang="en-GB" dirty="0"/>
           </a:p>
@@ -3832,6 +4244,385 @@
             <a:fld id="{FB9D3F8E-99BC-4812-95D4-548B8E992B94}" type="slidenum">
               <a:rPr lang="en-GB" smtClean="0"/>
               <a:t>10</a:t>
+            </a:fld>
+            <a:endParaRPr lang="en-GB"/>
+          </a:p>
+        </p:txBody>
+      </p:sp>
+    </p:spTree>
+    <p:extLst>
+      <p:ext uri="{BB962C8B-B14F-4D97-AF65-F5344CB8AC3E}">
+        <p14:creationId xmlns:p14="http://schemas.microsoft.com/office/powerpoint/2010/main" val="1695073607"/>
+      </p:ext>
+    </p:extLst>
+  </p:cSld>
+  <p:clrMapOvr>
+    <a:masterClrMapping/>
+  </p:clrMapOvr>
+  <p:timing>
+    <p:tnLst>
+      <p:par>
+        <p:cTn id="1" dur="indefinite" restart="never" nodeType="tmRoot"/>
+      </p:par>
+    </p:tnLst>
+  </p:timing>
+</p:sld>
+</file>
+
+<file path=ppt/slides/slide11.xml><?xml version="1.0" encoding="utf-8"?>
+<p:sld xmlns:a="http://schemas.openxmlformats.org/drawingml/2006/main" xmlns:r="http://schemas.openxmlformats.org/officeDocument/2006/relationships" xmlns:p="http://schemas.openxmlformats.org/presentationml/2006/main">
+  <p:cSld>
+    <p:spTree>
+      <p:nvGrpSpPr>
+        <p:cNvPr id="1" name=""/>
+        <p:cNvGrpSpPr/>
+        <p:nvPr/>
+      </p:nvGrpSpPr>
+      <p:grpSpPr>
+        <a:xfrm>
+          <a:off x="0" y="0"/>
+          <a:ext cx="0" cy="0"/>
+          <a:chOff x="0" y="0"/>
+          <a:chExt cx="0" cy="0"/>
+        </a:xfrm>
+      </p:grpSpPr>
+      <p:sp>
+        <p:nvSpPr>
+          <p:cNvPr id="2" name="Titel 1"/>
+          <p:cNvSpPr>
+            <a:spLocks noGrp="1"/>
+          </p:cNvSpPr>
+          <p:nvPr>
+            <p:ph type="title"/>
+          </p:nvPr>
+        </p:nvSpPr>
+        <p:spPr/>
+        <p:txBody>
+          <a:bodyPr>
+            <a:normAutofit/>
+          </a:bodyPr>
+          <a:lstStyle/>
+          <a:p>
+            <a:r>
+              <a:rPr lang="en-GB" dirty="0" smtClean="0"/>
+              <a:t>Discussion</a:t>
+            </a:r>
+            <a:endParaRPr lang="en-GB" dirty="0"/>
+          </a:p>
+        </p:txBody>
+      </p:sp>
+      <p:sp>
+        <p:nvSpPr>
+          <p:cNvPr id="3" name="Inhaltsplatzhalter 2"/>
+          <p:cNvSpPr>
+            <a:spLocks noGrp="1"/>
+          </p:cNvSpPr>
+          <p:nvPr>
+            <p:ph idx="1"/>
+          </p:nvPr>
+        </p:nvSpPr>
+        <p:spPr/>
+        <p:txBody>
+          <a:bodyPr/>
+          <a:lstStyle/>
+          <a:p>
+            <a:r>
+              <a:rPr lang="en-GB" dirty="0" smtClean="0"/>
+              <a:t>Any Questions?</a:t>
+            </a:r>
+          </a:p>
+          <a:p>
+            <a:endParaRPr lang="en-GB" dirty="0"/>
+          </a:p>
+          <a:p>
+            <a:pPr marL="0" indent="0">
+              <a:buNone/>
+            </a:pPr>
+            <a:endParaRPr lang="en-GB" dirty="0"/>
+          </a:p>
+        </p:txBody>
+      </p:sp>
+      <p:sp>
+        <p:nvSpPr>
+          <p:cNvPr id="4" name="Datumsplatzhalter 3"/>
+          <p:cNvSpPr>
+            <a:spLocks noGrp="1"/>
+          </p:cNvSpPr>
+          <p:nvPr>
+            <p:ph type="dt" sz="half" idx="10"/>
+          </p:nvPr>
+        </p:nvSpPr>
+        <p:spPr/>
+        <p:txBody>
+          <a:bodyPr/>
+          <a:lstStyle/>
+          <a:p>
+            <a:r>
+              <a:rPr lang="en-US" smtClean="0"/>
+              <a:t>Ganiyu Ibraheem  Philipp Seybold</a:t>
+            </a:r>
+            <a:endParaRPr lang="en-GB" dirty="0"/>
+          </a:p>
+        </p:txBody>
+      </p:sp>
+      <p:sp>
+        <p:nvSpPr>
+          <p:cNvPr id="5" name="Fußzeilenplatzhalter 4"/>
+          <p:cNvSpPr>
+            <a:spLocks noGrp="1"/>
+          </p:cNvSpPr>
+          <p:nvPr>
+            <p:ph type="ftr" sz="quarter" idx="11"/>
+          </p:nvPr>
+        </p:nvSpPr>
+        <p:spPr/>
+        <p:txBody>
+          <a:bodyPr/>
+          <a:lstStyle/>
+          <a:p>
+            <a:r>
+              <a:rPr lang="en-GB" smtClean="0"/>
+              <a:t>COMP6206 Advanced Computer Vision</a:t>
+            </a:r>
+            <a:endParaRPr lang="en-GB"/>
+          </a:p>
+        </p:txBody>
+      </p:sp>
+      <p:sp>
+        <p:nvSpPr>
+          <p:cNvPr id="6" name="Foliennummernplatzhalter 5"/>
+          <p:cNvSpPr>
+            <a:spLocks noGrp="1"/>
+          </p:cNvSpPr>
+          <p:nvPr>
+            <p:ph type="sldNum" sz="quarter" idx="12"/>
+          </p:nvPr>
+        </p:nvSpPr>
+        <p:spPr/>
+        <p:txBody>
+          <a:bodyPr/>
+          <a:lstStyle/>
+          <a:p>
+            <a:fld id="{FB9D3F8E-99BC-4812-95D4-548B8E992B94}" type="slidenum">
+              <a:rPr lang="en-GB" smtClean="0"/>
+              <a:t>11</a:t>
+            </a:fld>
+            <a:endParaRPr lang="en-GB"/>
+          </a:p>
+        </p:txBody>
+      </p:sp>
+      <p:pic>
+        <p:nvPicPr>
+          <p:cNvPr id="1028" name="Picture 4" descr="https://justshootitpodcast.files.wordpress.com/2016/01/questions.jpg?w=428&amp;h=281&amp;crop=1"/>
+          <p:cNvPicPr>
+            <a:picLocks noChangeAspect="1" noChangeArrowheads="1"/>
+          </p:cNvPicPr>
+          <p:nvPr/>
+        </p:nvPicPr>
+        <p:blipFill>
+          <a:blip r:embed="rId2">
+            <a:extLst>
+              <a:ext uri="{28A0092B-C50C-407E-A947-70E740481C1C}">
+                <a14:useLocalDpi xmlns:a14="http://schemas.microsoft.com/office/drawing/2010/main" val="0"/>
+              </a:ext>
+            </a:extLst>
+          </a:blip>
+          <a:srcRect/>
+          <a:stretch>
+            <a:fillRect/>
+          </a:stretch>
+        </p:blipFill>
+        <p:spPr bwMode="auto">
+          <a:xfrm>
+            <a:off x="495300" y="2663031"/>
+            <a:ext cx="4076700" cy="2676525"/>
+          </a:xfrm>
+          <a:prstGeom prst="rect">
+            <a:avLst/>
+          </a:prstGeom>
+          <a:noFill/>
+          <a:extLst>
+            <a:ext uri="{909E8E84-426E-40DD-AFC4-6F175D3DCCD1}">
+              <a14:hiddenFill xmlns:a14="http://schemas.microsoft.com/office/drawing/2010/main">
+                <a:solidFill>
+                  <a:srgbClr val="FFFFFF"/>
+                </a:solidFill>
+              </a14:hiddenFill>
+            </a:ext>
+          </a:extLst>
+        </p:spPr>
+      </p:pic>
+    </p:spTree>
+    <p:extLst>
+      <p:ext uri="{BB962C8B-B14F-4D97-AF65-F5344CB8AC3E}">
+        <p14:creationId xmlns:p14="http://schemas.microsoft.com/office/powerpoint/2010/main" val="1772213154"/>
+      </p:ext>
+    </p:extLst>
+  </p:cSld>
+  <p:clrMapOvr>
+    <a:masterClrMapping/>
+  </p:clrMapOvr>
+  <p:timing>
+    <p:tnLst>
+      <p:par>
+        <p:cTn id="1" dur="indefinite" restart="never" nodeType="tmRoot"/>
+      </p:par>
+    </p:tnLst>
+  </p:timing>
+</p:sld>
+</file>
+
+<file path=ppt/slides/slide12.xml><?xml version="1.0" encoding="utf-8"?>
+<p:sld xmlns:a="http://schemas.openxmlformats.org/drawingml/2006/main" xmlns:r="http://schemas.openxmlformats.org/officeDocument/2006/relationships" xmlns:p="http://schemas.openxmlformats.org/presentationml/2006/main">
+  <p:cSld>
+    <p:spTree>
+      <p:nvGrpSpPr>
+        <p:cNvPr id="1" name=""/>
+        <p:cNvGrpSpPr/>
+        <p:nvPr/>
+      </p:nvGrpSpPr>
+      <p:grpSpPr>
+        <a:xfrm>
+          <a:off x="0" y="0"/>
+          <a:ext cx="0" cy="0"/>
+          <a:chOff x="0" y="0"/>
+          <a:chExt cx="0" cy="0"/>
+        </a:xfrm>
+      </p:grpSpPr>
+      <p:sp>
+        <p:nvSpPr>
+          <p:cNvPr id="2" name="Titel 1"/>
+          <p:cNvSpPr>
+            <a:spLocks noGrp="1"/>
+          </p:cNvSpPr>
+          <p:nvPr>
+            <p:ph type="title"/>
+          </p:nvPr>
+        </p:nvSpPr>
+        <p:spPr/>
+        <p:txBody>
+          <a:bodyPr>
+            <a:normAutofit/>
+          </a:bodyPr>
+          <a:lstStyle/>
+          <a:p>
+            <a:r>
+              <a:rPr lang="en-GB" dirty="0" smtClean="0"/>
+              <a:t>Sources</a:t>
+            </a:r>
+            <a:endParaRPr lang="en-GB" dirty="0"/>
+          </a:p>
+        </p:txBody>
+      </p:sp>
+      <p:sp>
+        <p:nvSpPr>
+          <p:cNvPr id="3" name="Inhaltsplatzhalter 2"/>
+          <p:cNvSpPr>
+            <a:spLocks noGrp="1"/>
+          </p:cNvSpPr>
+          <p:nvPr>
+            <p:ph idx="1"/>
+          </p:nvPr>
+        </p:nvSpPr>
+        <p:spPr/>
+        <p:txBody>
+          <a:bodyPr/>
+          <a:lstStyle/>
+          <a:p>
+            <a:r>
+              <a:rPr lang="en-GB" dirty="0" smtClean="0"/>
+              <a:t>3 Papers</a:t>
+            </a:r>
+          </a:p>
+          <a:p>
+            <a:r>
+              <a:rPr lang="en-GB" dirty="0" smtClean="0"/>
+              <a:t>Marks book</a:t>
+            </a:r>
+          </a:p>
+          <a:p>
+            <a:r>
+              <a:rPr lang="en-GB" dirty="0" err="1" smtClean="0"/>
+              <a:t>Linkedin</a:t>
+            </a:r>
+            <a:r>
+              <a:rPr lang="en-GB" dirty="0" smtClean="0"/>
+              <a:t> slides</a:t>
+            </a:r>
+          </a:p>
+          <a:p>
+            <a:r>
+              <a:rPr lang="en-GB" dirty="0" smtClean="0"/>
+              <a:t>Git repo from that guy (maybe)</a:t>
+            </a:r>
+            <a:endParaRPr lang="en-GB" dirty="0"/>
+          </a:p>
+        </p:txBody>
+      </p:sp>
+      <p:sp>
+        <p:nvSpPr>
+          <p:cNvPr id="4" name="Datumsplatzhalter 3"/>
+          <p:cNvSpPr>
+            <a:spLocks noGrp="1"/>
+          </p:cNvSpPr>
+          <p:nvPr>
+            <p:ph type="dt" sz="half" idx="10"/>
+          </p:nvPr>
+        </p:nvSpPr>
+        <p:spPr/>
+        <p:txBody>
+          <a:bodyPr/>
+          <a:lstStyle/>
+          <a:p>
+            <a:r>
+              <a:rPr lang="en-US" smtClean="0"/>
+              <a:t>Ganiyu Ibraheem  Philipp Seybold</a:t>
+            </a:r>
+            <a:endParaRPr lang="en-GB" dirty="0"/>
+          </a:p>
+        </p:txBody>
+      </p:sp>
+      <p:sp>
+        <p:nvSpPr>
+          <p:cNvPr id="5" name="Fußzeilenplatzhalter 4"/>
+          <p:cNvSpPr>
+            <a:spLocks noGrp="1"/>
+          </p:cNvSpPr>
+          <p:nvPr>
+            <p:ph type="ftr" sz="quarter" idx="11"/>
+          </p:nvPr>
+        </p:nvSpPr>
+        <p:spPr/>
+        <p:txBody>
+          <a:bodyPr/>
+          <a:lstStyle/>
+          <a:p>
+            <a:r>
+              <a:rPr lang="en-GB" smtClean="0"/>
+              <a:t>COMP6206 Advanced Computer Vision</a:t>
+            </a:r>
+            <a:endParaRPr lang="en-GB"/>
+          </a:p>
+        </p:txBody>
+      </p:sp>
+      <p:sp>
+        <p:nvSpPr>
+          <p:cNvPr id="6" name="Foliennummernplatzhalter 5"/>
+          <p:cNvSpPr>
+            <a:spLocks noGrp="1"/>
+          </p:cNvSpPr>
+          <p:nvPr>
+            <p:ph type="sldNum" sz="quarter" idx="12"/>
+          </p:nvPr>
+        </p:nvSpPr>
+        <p:spPr/>
+        <p:txBody>
+          <a:bodyPr/>
+          <a:lstStyle/>
+          <a:p>
+            <a:fld id="{FB9D3F8E-99BC-4812-95D4-548B8E992B94}" type="slidenum">
+              <a:rPr lang="en-GB" smtClean="0"/>
+              <a:t>12</a:t>
             </a:fld>
             <a:endParaRPr lang="en-GB"/>
           </a:p>
@@ -3876,7 +4667,7 @@
       </p:grpSpPr>
       <p:sp>
         <p:nvSpPr>
-          <p:cNvPr id="6" name="Titel 5"/>
+          <p:cNvPr id="2" name="Titel 1"/>
           <p:cNvSpPr>
             <a:spLocks noGrp="1"/>
           </p:cNvSpPr>
@@ -3890,76 +4681,15 @@
           <a:lstStyle/>
           <a:p>
             <a:r>
-              <a:rPr lang="en-GB" dirty="0" smtClean="0"/>
+              <a:rPr lang="en-GB" dirty="0"/>
               <a:t>Overview</a:t>
             </a:r>
-            <a:endParaRPr lang="en-GB" dirty="0"/>
-          </a:p>
-        </p:txBody>
-      </p:sp>
-      <p:sp>
-        <p:nvSpPr>
-          <p:cNvPr id="7" name="Inhaltsplatzhalter 6"/>
-          <p:cNvSpPr>
-            <a:spLocks noGrp="1"/>
-          </p:cNvSpPr>
-          <p:nvPr>
-            <p:ph idx="1"/>
-          </p:nvPr>
-        </p:nvSpPr>
-        <p:spPr/>
-        <p:txBody>
-          <a:bodyPr/>
-          <a:lstStyle/>
-          <a:p>
-            <a:r>
-              <a:rPr lang="en-GB" dirty="0" smtClean="0"/>
-              <a:t>Definition</a:t>
-            </a:r>
-            <a:endParaRPr lang="en-GB" dirty="0"/>
-          </a:p>
-          <a:p>
-            <a:r>
-              <a:rPr lang="en-GB" dirty="0" smtClean="0"/>
-              <a:t>Approach</a:t>
-            </a:r>
-          </a:p>
-          <a:p>
-            <a:r>
-              <a:rPr lang="en-GB" dirty="0" smtClean="0"/>
-              <a:t>Method Application</a:t>
-            </a:r>
-          </a:p>
-          <a:p>
-            <a:r>
-              <a:rPr lang="en-GB" dirty="0" smtClean="0"/>
-              <a:t>Demonstration</a:t>
-            </a:r>
-          </a:p>
-          <a:p>
-            <a:r>
-              <a:rPr lang="en-GB" dirty="0" smtClean="0"/>
-              <a:t>Result</a:t>
-            </a:r>
-          </a:p>
-          <a:p>
-            <a:r>
-              <a:rPr lang="en-GB" dirty="0" smtClean="0"/>
-              <a:t>Discussion</a:t>
-            </a:r>
-            <a:endParaRPr lang="en-GB" dirty="0"/>
-          </a:p>
-          <a:p>
-            <a:endParaRPr lang="en-GB" dirty="0" smtClean="0"/>
-          </a:p>
-          <a:p>
-            <a:endParaRPr lang="en-GB" dirty="0"/>
-          </a:p>
-        </p:txBody>
-      </p:sp>
-      <p:sp>
-        <p:nvSpPr>
-          <p:cNvPr id="10" name="Datumsplatzhalter 9"/>
+          </a:p>
+        </p:txBody>
+      </p:sp>
+      <p:sp>
+        <p:nvSpPr>
+          <p:cNvPr id="3" name="Datumsplatzhalter 2"/>
           <p:cNvSpPr>
             <a:spLocks noGrp="1"/>
           </p:cNvSpPr>
@@ -3976,13 +4706,13 @@
               <a:rPr lang="en-US" smtClean="0"/>
               <a:t>Ganiyu Ibraheem  Philipp Seybold</a:t>
             </a:r>
-            <a:endParaRPr lang="en-GB" dirty="0"/>
-          </a:p>
-        </p:txBody>
-      </p:sp>
-      <p:sp>
-        <p:nvSpPr>
-          <p:cNvPr id="11" name="Fußzeilenplatzhalter 10"/>
+            <a:endParaRPr lang="en-GB"/>
+          </a:p>
+        </p:txBody>
+      </p:sp>
+      <p:sp>
+        <p:nvSpPr>
+          <p:cNvPr id="4" name="Fußzeilenplatzhalter 3"/>
           <p:cNvSpPr>
             <a:spLocks noGrp="1"/>
           </p:cNvSpPr>
@@ -4005,7 +4735,7 @@
       </p:sp>
       <p:sp>
         <p:nvSpPr>
-          <p:cNvPr id="12" name="Foliennummernplatzhalter 11"/>
+          <p:cNvPr id="5" name="Foliennummernplatzhalter 4"/>
           <p:cNvSpPr>
             <a:spLocks noGrp="1"/>
           </p:cNvSpPr>
@@ -4026,10 +4756,246 @@
           </a:p>
         </p:txBody>
       </p:sp>
+      <p:sp>
+        <p:nvSpPr>
+          <p:cNvPr id="7" name="Inhaltsplatzhalter 6"/>
+          <p:cNvSpPr txBox="1">
+            <a:spLocks/>
+          </p:cNvSpPr>
+          <p:nvPr/>
+        </p:nvSpPr>
+        <p:spPr>
+          <a:xfrm>
+            <a:off x="628650" y="1690689"/>
+            <a:ext cx="7886700" cy="4486274"/>
+          </a:xfrm>
+          <a:prstGeom prst="rect">
+            <a:avLst/>
+          </a:prstGeom>
+        </p:spPr>
+        <p:txBody>
+          <a:bodyPr/>
+          <a:lstStyle>
+            <a:lvl1pPr marL="228600" indent="-228600" algn="l" defTabSz="914400" rtl="0" eaLnBrk="1" latinLnBrk="0" hangingPunct="1">
+              <a:lnSpc>
+                <a:spcPct val="90000"/>
+              </a:lnSpc>
+              <a:spcBef>
+                <a:spcPts val="1000"/>
+              </a:spcBef>
+              <a:spcAft>
+                <a:spcPts val="600"/>
+              </a:spcAft>
+              <a:buFont typeface="Arial" panose="020B0604020202020204" pitchFamily="34" charset="0"/>
+              <a:buChar char="•"/>
+              <a:defRPr sz="2800" kern="1200">
+                <a:solidFill>
+                  <a:schemeClr val="tx1"/>
+                </a:solidFill>
+                <a:latin typeface="+mn-lt"/>
+                <a:ea typeface="+mn-ea"/>
+                <a:cs typeface="+mn-cs"/>
+              </a:defRPr>
+            </a:lvl1pPr>
+            <a:lvl2pPr marL="685800" indent="-228600" algn="l" defTabSz="914400" rtl="0" eaLnBrk="1" latinLnBrk="0" hangingPunct="1">
+              <a:lnSpc>
+                <a:spcPct val="90000"/>
+              </a:lnSpc>
+              <a:spcBef>
+                <a:spcPts val="500"/>
+              </a:spcBef>
+              <a:spcAft>
+                <a:spcPts val="0"/>
+              </a:spcAft>
+              <a:buFont typeface="Arial" panose="020B0604020202020204" pitchFamily="34" charset="0"/>
+              <a:buChar char="•"/>
+              <a:defRPr sz="2400" kern="1200">
+                <a:solidFill>
+                  <a:schemeClr val="tx1"/>
+                </a:solidFill>
+                <a:latin typeface="+mn-lt"/>
+                <a:ea typeface="+mn-ea"/>
+                <a:cs typeface="+mn-cs"/>
+              </a:defRPr>
+            </a:lvl2pPr>
+            <a:lvl3pPr marL="1143000" indent="-228600" algn="l" defTabSz="914400" rtl="0" eaLnBrk="1" latinLnBrk="0" hangingPunct="1">
+              <a:lnSpc>
+                <a:spcPct val="90000"/>
+              </a:lnSpc>
+              <a:spcBef>
+                <a:spcPts val="500"/>
+              </a:spcBef>
+              <a:spcAft>
+                <a:spcPts val="0"/>
+              </a:spcAft>
+              <a:buFont typeface="Arial" panose="020B0604020202020204" pitchFamily="34" charset="0"/>
+              <a:buChar char="•"/>
+              <a:defRPr sz="2000" kern="1200">
+                <a:solidFill>
+                  <a:schemeClr val="tx1"/>
+                </a:solidFill>
+                <a:latin typeface="+mn-lt"/>
+                <a:ea typeface="+mn-ea"/>
+                <a:cs typeface="+mn-cs"/>
+              </a:defRPr>
+            </a:lvl3pPr>
+            <a:lvl4pPr marL="1600200" indent="-228600" algn="l" defTabSz="914400" rtl="0" eaLnBrk="1" latinLnBrk="0" hangingPunct="1">
+              <a:lnSpc>
+                <a:spcPct val="90000"/>
+              </a:lnSpc>
+              <a:spcBef>
+                <a:spcPts val="500"/>
+              </a:spcBef>
+              <a:spcAft>
+                <a:spcPts val="0"/>
+              </a:spcAft>
+              <a:buFont typeface="Arial" panose="020B0604020202020204" pitchFamily="34" charset="0"/>
+              <a:buChar char="•"/>
+              <a:defRPr sz="1800" kern="1200">
+                <a:solidFill>
+                  <a:schemeClr val="tx1"/>
+                </a:solidFill>
+                <a:latin typeface="+mn-lt"/>
+                <a:ea typeface="+mn-ea"/>
+                <a:cs typeface="+mn-cs"/>
+              </a:defRPr>
+            </a:lvl4pPr>
+            <a:lvl5pPr marL="2057400" indent="-228600" algn="l" defTabSz="914400" rtl="0" eaLnBrk="1" latinLnBrk="0" hangingPunct="1">
+              <a:lnSpc>
+                <a:spcPct val="90000"/>
+              </a:lnSpc>
+              <a:spcBef>
+                <a:spcPts val="500"/>
+              </a:spcBef>
+              <a:spcAft>
+                <a:spcPts val="0"/>
+              </a:spcAft>
+              <a:buFont typeface="Arial" panose="020B0604020202020204" pitchFamily="34" charset="0"/>
+              <a:buChar char="•"/>
+              <a:defRPr sz="1800" kern="1200">
+                <a:solidFill>
+                  <a:schemeClr val="tx1"/>
+                </a:solidFill>
+                <a:latin typeface="+mn-lt"/>
+                <a:ea typeface="+mn-ea"/>
+                <a:cs typeface="+mn-cs"/>
+              </a:defRPr>
+            </a:lvl5pPr>
+            <a:lvl6pPr marL="2514600" indent="-228600" algn="l" defTabSz="914400" rtl="0" eaLnBrk="1" latinLnBrk="0" hangingPunct="1">
+              <a:lnSpc>
+                <a:spcPct val="90000"/>
+              </a:lnSpc>
+              <a:spcBef>
+                <a:spcPts val="500"/>
+              </a:spcBef>
+              <a:buFont typeface="Arial" panose="020B0604020202020204" pitchFamily="34" charset="0"/>
+              <a:buChar char="•"/>
+              <a:defRPr sz="1800" kern="1200">
+                <a:solidFill>
+                  <a:schemeClr val="tx1"/>
+                </a:solidFill>
+                <a:latin typeface="+mn-lt"/>
+                <a:ea typeface="+mn-ea"/>
+                <a:cs typeface="+mn-cs"/>
+              </a:defRPr>
+            </a:lvl6pPr>
+            <a:lvl7pPr marL="2971800" indent="-228600" algn="l" defTabSz="914400" rtl="0" eaLnBrk="1" latinLnBrk="0" hangingPunct="1">
+              <a:lnSpc>
+                <a:spcPct val="90000"/>
+              </a:lnSpc>
+              <a:spcBef>
+                <a:spcPts val="500"/>
+              </a:spcBef>
+              <a:buFont typeface="Arial" panose="020B0604020202020204" pitchFamily="34" charset="0"/>
+              <a:buChar char="•"/>
+              <a:defRPr sz="1800" kern="1200">
+                <a:solidFill>
+                  <a:schemeClr val="tx1"/>
+                </a:solidFill>
+                <a:latin typeface="+mn-lt"/>
+                <a:ea typeface="+mn-ea"/>
+                <a:cs typeface="+mn-cs"/>
+              </a:defRPr>
+            </a:lvl7pPr>
+            <a:lvl8pPr marL="3429000" indent="-228600" algn="l" defTabSz="914400" rtl="0" eaLnBrk="1" latinLnBrk="0" hangingPunct="1">
+              <a:lnSpc>
+                <a:spcPct val="90000"/>
+              </a:lnSpc>
+              <a:spcBef>
+                <a:spcPts val="500"/>
+              </a:spcBef>
+              <a:buFont typeface="Arial" panose="020B0604020202020204" pitchFamily="34" charset="0"/>
+              <a:buChar char="•"/>
+              <a:defRPr sz="1800" kern="1200">
+                <a:solidFill>
+                  <a:schemeClr val="tx1"/>
+                </a:solidFill>
+                <a:latin typeface="+mn-lt"/>
+                <a:ea typeface="+mn-ea"/>
+                <a:cs typeface="+mn-cs"/>
+              </a:defRPr>
+            </a:lvl8pPr>
+            <a:lvl9pPr marL="3886200" indent="-228600" algn="l" defTabSz="914400" rtl="0" eaLnBrk="1" latinLnBrk="0" hangingPunct="1">
+              <a:lnSpc>
+                <a:spcPct val="90000"/>
+              </a:lnSpc>
+              <a:spcBef>
+                <a:spcPts val="500"/>
+              </a:spcBef>
+              <a:buFont typeface="Arial" panose="020B0604020202020204" pitchFamily="34" charset="0"/>
+              <a:buChar char="•"/>
+              <a:defRPr sz="1800" kern="1200">
+                <a:solidFill>
+                  <a:schemeClr val="tx1"/>
+                </a:solidFill>
+                <a:latin typeface="+mn-lt"/>
+                <a:ea typeface="+mn-ea"/>
+                <a:cs typeface="+mn-cs"/>
+              </a:defRPr>
+            </a:lvl9pPr>
+          </a:lstStyle>
+          <a:p>
+            <a:r>
+              <a:rPr lang="en-GB" smtClean="0"/>
+              <a:t>Definition</a:t>
+            </a:r>
+          </a:p>
+          <a:p>
+            <a:r>
+              <a:rPr lang="en-GB" smtClean="0"/>
+              <a:t>Method Application</a:t>
+            </a:r>
+          </a:p>
+          <a:p>
+            <a:r>
+              <a:rPr lang="en-GB" smtClean="0"/>
+              <a:t>Demonstration</a:t>
+            </a:r>
+          </a:p>
+          <a:p>
+            <a:r>
+              <a:rPr lang="en-GB" smtClean="0"/>
+              <a:t>Result</a:t>
+            </a:r>
+          </a:p>
+          <a:p>
+            <a:r>
+              <a:rPr lang="en-GB" smtClean="0"/>
+              <a:t>Discussion</a:t>
+            </a:r>
+          </a:p>
+          <a:p>
+            <a:endParaRPr lang="en-GB" smtClean="0"/>
+          </a:p>
+          <a:p>
+            <a:endParaRPr lang="en-GB" dirty="0"/>
+          </a:p>
+        </p:txBody>
+      </p:sp>
     </p:spTree>
     <p:extLst>
       <p:ext uri="{BB962C8B-B14F-4D97-AF65-F5344CB8AC3E}">
-        <p14:creationId xmlns:p14="http://schemas.microsoft.com/office/powerpoint/2010/main" val="1568393793"/>
+        <p14:creationId xmlns:p14="http://schemas.microsoft.com/office/powerpoint/2010/main" val="457621211"/>
       </p:ext>
     </p:extLst>
   </p:cSld>
@@ -4075,7 +5041,9 @@
         </p:nvSpPr>
         <p:spPr/>
         <p:txBody>
-          <a:bodyPr/>
+          <a:bodyPr>
+            <a:normAutofit/>
+          </a:bodyPr>
           <a:lstStyle/>
           <a:p>
             <a:r>
@@ -4103,26 +5071,82 @@
           <a:p>
             <a:pPr lvl="0"/>
             <a:r>
+              <a:rPr lang="en-GB" dirty="0" smtClean="0"/>
+              <a:t>Objective:</a:t>
+            </a:r>
+          </a:p>
+          <a:p>
+            <a:pPr lvl="1"/>
+            <a:r>
+              <a:rPr lang="en-GB" dirty="0" smtClean="0"/>
+              <a:t>Reduce </a:t>
+            </a:r>
+            <a:r>
               <a:rPr lang="en-GB" dirty="0"/>
-              <a:t>Objective:</a:t>
+              <a:t>dimensionality of pattern </a:t>
+            </a:r>
+            <a:r>
+              <a:rPr lang="en-GB" dirty="0" smtClean="0"/>
+              <a:t>space</a:t>
+            </a:r>
+          </a:p>
+          <a:p>
+            <a:pPr lvl="1"/>
+            <a:r>
+              <a:rPr lang="en-GB" dirty="0" smtClean="0"/>
+              <a:t>Maintain </a:t>
+            </a:r>
+            <a:r>
+              <a:rPr lang="en-GB" dirty="0"/>
+              <a:t>discriminator </a:t>
+            </a:r>
+            <a:r>
+              <a:rPr lang="en-GB" dirty="0" smtClean="0"/>
+              <a:t>power</a:t>
+            </a:r>
+            <a:endParaRPr lang="en-GB" dirty="0"/>
+          </a:p>
+          <a:p>
+            <a:r>
+              <a:rPr lang="en-GB" dirty="0" smtClean="0"/>
+              <a:t>By: 	David </a:t>
+            </a:r>
+            <a:r>
+              <a:rPr lang="en-GB" dirty="0"/>
+              <a:t>J. Hurley, </a:t>
+            </a:r>
+            <a:r>
+              <a:rPr lang="en-GB" dirty="0" smtClean="0"/>
+              <a:t/>
             </a:r>
             <a:br>
+              <a:rPr lang="en-GB" dirty="0" smtClean="0"/>
+            </a:br>
+            <a:r>
+              <a:rPr lang="en-GB" dirty="0" smtClean="0"/>
+              <a:t>	Mark </a:t>
+            </a:r>
+            <a:r>
               <a:rPr lang="en-GB" dirty="0"/>
-            </a:br>
+              <a:t>S. </a:t>
+            </a:r>
+            <a:r>
+              <a:rPr lang="en-GB" dirty="0" smtClean="0"/>
+              <a:t>Nixon &amp; </a:t>
+            </a:r>
             <a:r>
               <a:rPr lang="en-GB" dirty="0"/>
-              <a:t>reduce dimensionality of pattern space, yet maintain discriminator power for classification and invariant description in context of ear </a:t>
-            </a:r>
+              <a:t>John N. Carter</a:t>
+            </a:r>
+          </a:p>
+          <a:p>
             <a:r>
               <a:rPr lang="en-GB" dirty="0" smtClean="0"/>
-              <a:t>biometrics</a:t>
-            </a:r>
-          </a:p>
-          <a:p>
-            <a:pPr lvl="0"/>
+              <a:t>Domain:</a:t>
+            </a:r>
             <a:r>
               <a:rPr lang="en-GB" dirty="0" smtClean="0"/>
-              <a:t>Used/invented by … for ear biometric</a:t>
+              <a:t> Ear &amp; face recognition</a:t>
             </a:r>
             <a:endParaRPr lang="en-GB" dirty="0"/>
           </a:p>
@@ -4249,12 +5273,14 @@
         </p:nvSpPr>
         <p:spPr/>
         <p:txBody>
-          <a:bodyPr/>
-          <a:lstStyle/>
-          <a:p>
-            <a:r>
-              <a:rPr lang="en-GB" dirty="0" smtClean="0"/>
-              <a:t>Approach</a:t>
+          <a:bodyPr>
+            <a:normAutofit/>
+          </a:bodyPr>
+          <a:lstStyle/>
+          <a:p>
+            <a:r>
+              <a:rPr lang="en-GB" dirty="0"/>
+              <a:t>Method</a:t>
             </a:r>
             <a:endParaRPr lang="en-GB" dirty="0"/>
           </a:p>
@@ -4273,7 +5299,7 @@
         <p:spPr/>
         <p:txBody>
           <a:bodyPr>
-            <a:normAutofit fontScale="85000" lnSpcReduction="20000"/>
+            <a:normAutofit/>
           </a:bodyPr>
           <a:lstStyle/>
           <a:p>
@@ -4284,62 +5310,67 @@
             </a:r>
           </a:p>
           <a:p>
-            <a:pPr lvl="1"/>
+            <a:pPr marL="914400" lvl="1" indent="-457200">
+              <a:buFont typeface="+mj-lt"/>
+              <a:buAutoNum type="arabicPeriod"/>
+            </a:pPr>
+            <a:r>
+              <a:rPr lang="en-GB" dirty="0" smtClean="0"/>
+              <a:t>Pixel by Pixel</a:t>
+            </a:r>
+          </a:p>
+          <a:p>
+            <a:pPr marL="914400" lvl="1" indent="-457200">
+              <a:buFont typeface="+mj-lt"/>
+              <a:buAutoNum type="arabicPeriod"/>
+            </a:pPr>
+            <a:r>
+              <a:rPr lang="en-GB" dirty="0" smtClean="0"/>
+              <a:t>Frequency </a:t>
+            </a:r>
             <a:r>
               <a:rPr lang="en-GB" dirty="0"/>
-              <a:t>Brute Force:</a:t>
-            </a:r>
-            <a:br>
-              <a:rPr lang="en-GB" dirty="0"/>
-            </a:br>
-            <a:r>
-              <a:rPr lang="en-GB" dirty="0"/>
-              <a:t>Each pixel is transformed using the Energy &amp; Force equations</a:t>
-            </a:r>
-          </a:p>
-          <a:p>
-            <a:pPr lvl="1"/>
-            <a:r>
-              <a:rPr lang="en-GB" dirty="0"/>
-              <a:t>Frequency Domain Analysis: Fourier Transform etc. and then equations applied</a:t>
-            </a:r>
-          </a:p>
-          <a:p>
-            <a:pPr lvl="0"/>
-            <a:r>
-              <a:rPr lang="en-GB" dirty="0"/>
-              <a:t>Two stages:</a:t>
-            </a:r>
-          </a:p>
-          <a:p>
-            <a:pPr lvl="1"/>
+              <a:t>Domain </a:t>
+            </a:r>
+            <a:r>
+              <a:rPr lang="en-GB" dirty="0" smtClean="0"/>
+              <a:t>Analysis</a:t>
+            </a:r>
+          </a:p>
+          <a:p>
+            <a:r>
+              <a:rPr lang="en-GB" dirty="0" smtClean="0"/>
+              <a:t>Steps:</a:t>
+            </a:r>
+            <a:endParaRPr lang="en-GB" dirty="0"/>
+          </a:p>
+          <a:p>
+            <a:pPr marL="914400" lvl="1" indent="-457200">
+              <a:buFont typeface="+mj-lt"/>
+              <a:buAutoNum type="arabicPeriod"/>
+            </a:pPr>
             <a:r>
               <a:rPr lang="en-GB" dirty="0"/>
               <a:t>Image to force field transformation</a:t>
             </a:r>
           </a:p>
           <a:p>
-            <a:pPr lvl="1"/>
+            <a:pPr marL="914400" lvl="1" indent="-457200">
+              <a:buFont typeface="+mj-lt"/>
+              <a:buAutoNum type="arabicPeriod"/>
+            </a:pPr>
+            <a:r>
+              <a:rPr lang="en-GB" dirty="0" smtClean="0"/>
+              <a:t>potential </a:t>
+            </a:r>
             <a:r>
               <a:rPr lang="en-GB" dirty="0"/>
-              <a:t>and potential well and channel extraction</a:t>
-            </a:r>
-          </a:p>
-          <a:p>
-            <a:pPr lvl="0"/>
-            <a:r>
-              <a:rPr lang="en-GB" dirty="0"/>
-              <a:t>Transform Assumption (for mathematical convenience):</a:t>
-            </a:r>
-            <a:br>
-              <a:rPr lang="en-GB" dirty="0"/>
-            </a:br>
-            <a:r>
-              <a:rPr lang="en-GB" dirty="0"/>
-              <a:t>Each pixel exerts an isotropic force on all the other pixels (they represent attractive particles, that act as the source of a spherically symmetric force field) that is proportional to pixel intensity and inversely proportional to the square of the distance, i.e. the inverse square law</a:t>
-            </a:r>
-          </a:p>
-          <a:p>
+              <a:t>well and channel </a:t>
+            </a:r>
+            <a:r>
+              <a:rPr lang="en-GB" dirty="0" smtClean="0"/>
+              <a:t>extraction</a:t>
+            </a:r>
             <a:endParaRPr lang="en-GB" dirty="0"/>
           </a:p>
         </p:txBody>
@@ -4462,7 +5493,1331 @@
         </p:nvSpPr>
         <p:spPr/>
         <p:txBody>
-          <a:bodyPr/>
+          <a:bodyPr>
+            <a:normAutofit/>
+          </a:bodyPr>
+          <a:lstStyle/>
+          <a:p>
+            <a:r>
+              <a:rPr lang="en-GB" dirty="0"/>
+              <a:t>Method</a:t>
+            </a:r>
+            <a:endParaRPr lang="en-GB" dirty="0"/>
+          </a:p>
+        </p:txBody>
+      </p:sp>
+      <p:sp>
+        <p:nvSpPr>
+          <p:cNvPr id="3" name="Inhaltsplatzhalter 2"/>
+          <p:cNvSpPr>
+            <a:spLocks noGrp="1"/>
+          </p:cNvSpPr>
+          <p:nvPr>
+            <p:ph idx="1"/>
+          </p:nvPr>
+        </p:nvSpPr>
+        <p:spPr>
+          <a:xfrm>
+            <a:off x="628650" y="1018573"/>
+            <a:ext cx="7886700" cy="1331088"/>
+          </a:xfrm>
+        </p:spPr>
+        <p:txBody>
+          <a:bodyPr>
+            <a:normAutofit/>
+          </a:bodyPr>
+          <a:lstStyle/>
+          <a:p>
+            <a:pPr lvl="0"/>
+            <a:r>
+              <a:rPr lang="en-GB" dirty="0" smtClean="0"/>
+              <a:t>A</a:t>
+            </a:r>
+            <a:r>
+              <a:rPr lang="en-GB" dirty="0" smtClean="0"/>
+              <a:t>ssumption: </a:t>
+            </a:r>
+            <a:br>
+              <a:rPr lang="en-GB" dirty="0" smtClean="0"/>
+            </a:br>
+            <a:r>
+              <a:rPr lang="en-GB" dirty="0" smtClean="0"/>
+              <a:t>Each </a:t>
+            </a:r>
+            <a:r>
+              <a:rPr lang="en-GB" dirty="0"/>
+              <a:t>pixel exerts an isotropic force </a:t>
+            </a:r>
+            <a:r>
+              <a:rPr lang="en-GB" dirty="0" smtClean="0"/>
+              <a:t>proportional </a:t>
+            </a:r>
+            <a:r>
+              <a:rPr lang="en-GB" dirty="0"/>
+              <a:t>to </a:t>
+            </a:r>
+            <a:r>
+              <a:rPr lang="en-GB" dirty="0" smtClean="0"/>
+              <a:t>its intensity</a:t>
+            </a:r>
+          </a:p>
+        </p:txBody>
+      </p:sp>
+      <p:sp>
+        <p:nvSpPr>
+          <p:cNvPr id="4" name="Datumsplatzhalter 3"/>
+          <p:cNvSpPr>
+            <a:spLocks noGrp="1"/>
+          </p:cNvSpPr>
+          <p:nvPr>
+            <p:ph type="dt" sz="half" idx="10"/>
+          </p:nvPr>
+        </p:nvSpPr>
+        <p:spPr/>
+        <p:txBody>
+          <a:bodyPr/>
+          <a:lstStyle/>
+          <a:p>
+            <a:r>
+              <a:rPr lang="en-US" smtClean="0"/>
+              <a:t>Ganiyu Ibraheem  Philipp Seybold</a:t>
+            </a:r>
+            <a:endParaRPr lang="en-GB" dirty="0"/>
+          </a:p>
+        </p:txBody>
+      </p:sp>
+      <p:sp>
+        <p:nvSpPr>
+          <p:cNvPr id="5" name="Fußzeilenplatzhalter 4"/>
+          <p:cNvSpPr>
+            <a:spLocks noGrp="1"/>
+          </p:cNvSpPr>
+          <p:nvPr>
+            <p:ph type="ftr" sz="quarter" idx="11"/>
+          </p:nvPr>
+        </p:nvSpPr>
+        <p:spPr/>
+        <p:txBody>
+          <a:bodyPr/>
+          <a:lstStyle/>
+          <a:p>
+            <a:r>
+              <a:rPr lang="en-GB" dirty="0" smtClean="0"/>
+              <a:t>COMP6206 Advanced Computer Vision</a:t>
+            </a:r>
+            <a:endParaRPr lang="en-GB" dirty="0"/>
+          </a:p>
+        </p:txBody>
+      </p:sp>
+      <p:sp>
+        <p:nvSpPr>
+          <p:cNvPr id="6" name="Foliennummernplatzhalter 5"/>
+          <p:cNvSpPr>
+            <a:spLocks noGrp="1"/>
+          </p:cNvSpPr>
+          <p:nvPr>
+            <p:ph type="sldNum" sz="quarter" idx="12"/>
+          </p:nvPr>
+        </p:nvSpPr>
+        <p:spPr/>
+        <p:txBody>
+          <a:bodyPr/>
+          <a:lstStyle/>
+          <a:p>
+            <a:fld id="{FB9D3F8E-99BC-4812-95D4-548B8E992B94}" type="slidenum">
+              <a:rPr lang="en-GB" smtClean="0"/>
+              <a:t>5</a:t>
+            </a:fld>
+            <a:endParaRPr lang="en-GB"/>
+          </a:p>
+        </p:txBody>
+      </p:sp>
+      <p:grpSp>
+        <p:nvGrpSpPr>
+          <p:cNvPr id="9" name="Gruppieren 8"/>
+          <p:cNvGrpSpPr>
+            <a:grpSpLocks noChangeAspect="1"/>
+          </p:cNvGrpSpPr>
+          <p:nvPr/>
+        </p:nvGrpSpPr>
+        <p:grpSpPr>
+          <a:xfrm>
+            <a:off x="427450" y="2615880"/>
+            <a:ext cx="4144549" cy="3290314"/>
+            <a:chOff x="628649" y="2307887"/>
+            <a:chExt cx="4895851" cy="3886765"/>
+          </a:xfrm>
+        </p:grpSpPr>
+        <p:pic>
+          <p:nvPicPr>
+            <p:cNvPr id="7" name="Grafik 6"/>
+            <p:cNvPicPr>
+              <a:picLocks noChangeAspect="1"/>
+            </p:cNvPicPr>
+            <p:nvPr/>
+          </p:nvPicPr>
+          <p:blipFill rotWithShape="1">
+            <a:blip r:embed="rId3">
+              <a:extLst>
+                <a:ext uri="{28A0092B-C50C-407E-A947-70E740481C1C}">
+                  <a14:useLocalDpi xmlns:a14="http://schemas.microsoft.com/office/drawing/2010/main" val="0"/>
+                </a:ext>
+              </a:extLst>
+            </a:blip>
+            <a:srcRect l="1351" t="1488"/>
+            <a:stretch/>
+          </p:blipFill>
+          <p:spPr>
+            <a:xfrm>
+              <a:off x="628650" y="2307887"/>
+              <a:ext cx="4895850" cy="3459439"/>
+            </a:xfrm>
+            <a:prstGeom prst="rect">
+              <a:avLst/>
+            </a:prstGeom>
+          </p:spPr>
+        </p:pic>
+        <p:sp>
+          <p:nvSpPr>
+            <p:cNvPr id="8" name="Rechteck 7"/>
+            <p:cNvSpPr/>
+            <p:nvPr/>
+          </p:nvSpPr>
+          <p:spPr>
+            <a:xfrm>
+              <a:off x="628649" y="5794542"/>
+              <a:ext cx="4895851" cy="400110"/>
+            </a:xfrm>
+            <a:prstGeom prst="rect">
+              <a:avLst/>
+            </a:prstGeom>
+          </p:spPr>
+          <p:txBody>
+            <a:bodyPr wrap="square">
+              <a:spAutoFit/>
+            </a:bodyPr>
+            <a:lstStyle/>
+            <a:p>
+              <a:pPr lvl="0" algn="ctr"/>
+              <a:r>
+                <a:rPr lang="en-GB" sz="2000" dirty="0"/>
+                <a:t>Force field vectors </a:t>
+              </a:r>
+              <a:r>
+                <a:rPr lang="en-GB" sz="2000" dirty="0" smtClean="0"/>
+                <a:t>of </a:t>
+              </a:r>
+              <a:r>
+                <a:rPr lang="en-GB" sz="2000" dirty="0"/>
+                <a:t>an electric </a:t>
+              </a:r>
+              <a:r>
+                <a:rPr lang="en-GB" sz="2000" dirty="0" smtClean="0"/>
+                <a:t>field</a:t>
+              </a:r>
+              <a:endParaRPr lang="en-GB" sz="2000" dirty="0"/>
+            </a:p>
+          </p:txBody>
+        </p:sp>
+      </p:grpSp>
+      <p:pic>
+        <p:nvPicPr>
+          <p:cNvPr id="10" name="Grafik 9"/>
+          <p:cNvPicPr>
+            <a:picLocks noChangeAspect="1"/>
+          </p:cNvPicPr>
+          <p:nvPr/>
+        </p:nvPicPr>
+        <p:blipFill rotWithShape="1">
+          <a:blip r:embed="rId4">
+            <a:extLst>
+              <a:ext uri="{28A0092B-C50C-407E-A947-70E740481C1C}">
+                <a14:useLocalDpi xmlns:a14="http://schemas.microsoft.com/office/drawing/2010/main" val="0"/>
+              </a:ext>
+            </a:extLst>
+          </a:blip>
+          <a:srcRect b="29759"/>
+          <a:stretch/>
+        </p:blipFill>
+        <p:spPr>
+          <a:xfrm>
+            <a:off x="4571998" y="2225341"/>
+            <a:ext cx="4361235" cy="2144963"/>
+          </a:xfrm>
+          <a:prstGeom prst="rect">
+            <a:avLst/>
+          </a:prstGeom>
+        </p:spPr>
+      </p:pic>
+      <p:sp>
+        <p:nvSpPr>
+          <p:cNvPr id="11" name="Rechteck 10"/>
+          <p:cNvSpPr/>
+          <p:nvPr/>
+        </p:nvSpPr>
+        <p:spPr>
+          <a:xfrm>
+            <a:off x="4571998" y="5565702"/>
+            <a:ext cx="4361236" cy="400110"/>
+          </a:xfrm>
+          <a:prstGeom prst="rect">
+            <a:avLst/>
+          </a:prstGeom>
+        </p:spPr>
+        <p:txBody>
+          <a:bodyPr wrap="square">
+            <a:spAutoFit/>
+          </a:bodyPr>
+          <a:lstStyle/>
+          <a:p>
+            <a:pPr algn="ctr"/>
+            <a:r>
+              <a:rPr lang="en-GB" sz="2000" dirty="0"/>
+              <a:t>Newton's law of </a:t>
+            </a:r>
+            <a:r>
+              <a:rPr lang="en-GB" sz="2000" dirty="0" smtClean="0"/>
+              <a:t>gravitation</a:t>
+            </a:r>
+            <a:endParaRPr lang="en-GB" sz="2000" dirty="0"/>
+          </a:p>
+        </p:txBody>
+      </p:sp>
+      <mc:AlternateContent xmlns:mc="http://schemas.openxmlformats.org/markup-compatibility/2006">
+        <mc:Choice xmlns:a14="http://schemas.microsoft.com/office/drawing/2010/main" Requires="a14">
+          <p:sp>
+            <p:nvSpPr>
+              <p:cNvPr id="12" name="Textfeld 11"/>
+              <p:cNvSpPr txBox="1"/>
+              <p:nvPr/>
+            </p:nvSpPr>
+            <p:spPr>
+              <a:xfrm>
+                <a:off x="5168348" y="4293824"/>
+                <a:ext cx="3346999" cy="1327158"/>
+              </a:xfrm>
+              <a:prstGeom prst="rect">
+                <a:avLst/>
+              </a:prstGeom>
+              <a:noFill/>
+            </p:spPr>
+            <p:txBody>
+              <a:bodyPr wrap="square" rtlCol="0">
+                <a:spAutoFit/>
+              </a:bodyPr>
+              <a:lstStyle/>
+              <a:p>
+                <a:pPr algn="ctr"/>
+                <a14:m>
+                  <m:oMathPara xmlns:m="http://schemas.openxmlformats.org/officeDocument/2006/math">
+                    <m:oMathParaPr>
+                      <m:jc m:val="centerGroup"/>
+                    </m:oMathParaPr>
+                    <m:oMath xmlns:m="http://schemas.openxmlformats.org/officeDocument/2006/math">
+                      <m:sSub>
+                        <m:sSubPr>
+                          <m:ctrlPr>
+                            <a:rPr lang="en-GB" sz="2000" b="0" i="1" smtClean="0">
+                              <a:latin typeface="Cambria Math" panose="02040503050406030204" pitchFamily="18" charset="0"/>
+                            </a:rPr>
+                          </m:ctrlPr>
+                        </m:sSubPr>
+                        <m:e>
+                          <m:r>
+                            <a:rPr lang="en-GB" sz="2000" b="0" i="1" smtClean="0">
+                              <a:latin typeface="Cambria Math" panose="02040503050406030204" pitchFamily="18" charset="0"/>
+                            </a:rPr>
+                            <m:t>𝐹</m:t>
+                          </m:r>
+                        </m:e>
+                        <m:sub>
+                          <m:r>
+                            <a:rPr lang="en-GB" sz="2000" b="0" i="1" smtClean="0">
+                              <a:latin typeface="Cambria Math" panose="02040503050406030204" pitchFamily="18" charset="0"/>
+                            </a:rPr>
+                            <m:t>1</m:t>
+                          </m:r>
+                        </m:sub>
+                      </m:sSub>
+                      <m:r>
+                        <a:rPr lang="en-GB" sz="2000" b="0" i="1" smtClean="0">
+                          <a:latin typeface="Cambria Math" panose="02040503050406030204" pitchFamily="18" charset="0"/>
+                        </a:rPr>
+                        <m:t>=</m:t>
+                      </m:r>
+                      <m:sSub>
+                        <m:sSubPr>
+                          <m:ctrlPr>
+                            <a:rPr lang="en-GB" sz="2000" b="0" i="1" smtClean="0">
+                              <a:latin typeface="Cambria Math" panose="02040503050406030204" pitchFamily="18" charset="0"/>
+                            </a:rPr>
+                          </m:ctrlPr>
+                        </m:sSubPr>
+                        <m:e>
+                          <m:r>
+                            <a:rPr lang="en-GB" sz="2000" b="0" i="1" smtClean="0">
+                              <a:latin typeface="Cambria Math" panose="02040503050406030204" pitchFamily="18" charset="0"/>
+                            </a:rPr>
+                            <m:t>𝐹</m:t>
+                          </m:r>
+                        </m:e>
+                        <m:sub>
+                          <m:r>
+                            <a:rPr lang="en-GB" sz="2000" b="0" i="1" smtClean="0">
+                              <a:latin typeface="Cambria Math" panose="02040503050406030204" pitchFamily="18" charset="0"/>
+                            </a:rPr>
+                            <m:t>2</m:t>
+                          </m:r>
+                        </m:sub>
+                      </m:sSub>
+                      <m:r>
+                        <a:rPr lang="en-GB" sz="2000" b="0" i="1" smtClean="0">
+                          <a:latin typeface="Cambria Math" panose="02040503050406030204" pitchFamily="18" charset="0"/>
+                        </a:rPr>
+                        <m:t>=</m:t>
+                      </m:r>
+                      <m:r>
+                        <a:rPr lang="en-GB" sz="2000" b="0" i="1" smtClean="0">
+                          <a:latin typeface="Cambria Math" panose="02040503050406030204" pitchFamily="18" charset="0"/>
+                        </a:rPr>
+                        <m:t>𝐺</m:t>
+                      </m:r>
+                      <m:f>
+                        <m:fPr>
+                          <m:ctrlPr>
+                            <a:rPr lang="en-GB" sz="2000" b="0" i="1" smtClean="0">
+                              <a:latin typeface="Cambria Math" panose="02040503050406030204" pitchFamily="18" charset="0"/>
+                            </a:rPr>
+                          </m:ctrlPr>
+                        </m:fPr>
+                        <m:num>
+                          <m:sSub>
+                            <m:sSubPr>
+                              <m:ctrlPr>
+                                <a:rPr lang="en-GB" sz="2000" b="0" i="1" smtClean="0">
+                                  <a:latin typeface="Cambria Math" panose="02040503050406030204" pitchFamily="18" charset="0"/>
+                                </a:rPr>
+                              </m:ctrlPr>
+                            </m:sSubPr>
+                            <m:e>
+                              <m:r>
+                                <a:rPr lang="en-GB" sz="2000" b="0" i="1" smtClean="0">
+                                  <a:latin typeface="Cambria Math" panose="02040503050406030204" pitchFamily="18" charset="0"/>
+                                </a:rPr>
+                                <m:t>𝑚</m:t>
+                              </m:r>
+                            </m:e>
+                            <m:sub>
+                              <m:r>
+                                <a:rPr lang="en-GB" sz="2000" b="0" i="1" smtClean="0">
+                                  <a:latin typeface="Cambria Math" panose="02040503050406030204" pitchFamily="18" charset="0"/>
+                                </a:rPr>
+                                <m:t>1</m:t>
+                              </m:r>
+                            </m:sub>
+                          </m:sSub>
+                          <m:r>
+                            <a:rPr lang="en-GB" sz="2000" b="0" i="1" smtClean="0">
+                              <a:latin typeface="Cambria Math" panose="02040503050406030204" pitchFamily="18" charset="0"/>
+                            </a:rPr>
+                            <m:t>⋅</m:t>
+                          </m:r>
+                          <m:sSub>
+                            <m:sSubPr>
+                              <m:ctrlPr>
+                                <a:rPr lang="en-GB" sz="2000" b="0" i="1" smtClean="0">
+                                  <a:latin typeface="Cambria Math" panose="02040503050406030204" pitchFamily="18" charset="0"/>
+                                </a:rPr>
+                              </m:ctrlPr>
+                            </m:sSubPr>
+                            <m:e>
+                              <m:r>
+                                <a:rPr lang="en-GB" sz="2000" b="0" i="1" smtClean="0">
+                                  <a:latin typeface="Cambria Math" panose="02040503050406030204" pitchFamily="18" charset="0"/>
+                                </a:rPr>
+                                <m:t>𝑚</m:t>
+                              </m:r>
+                            </m:e>
+                            <m:sub>
+                              <m:r>
+                                <a:rPr lang="en-GB" sz="2000" b="0" i="1" smtClean="0">
+                                  <a:latin typeface="Cambria Math" panose="02040503050406030204" pitchFamily="18" charset="0"/>
+                                </a:rPr>
+                                <m:t>2</m:t>
+                              </m:r>
+                            </m:sub>
+                          </m:sSub>
+                        </m:num>
+                        <m:den>
+                          <m:sSup>
+                            <m:sSupPr>
+                              <m:ctrlPr>
+                                <a:rPr lang="en-GB" sz="2000" b="0" i="1" smtClean="0">
+                                  <a:latin typeface="Cambria Math" panose="02040503050406030204" pitchFamily="18" charset="0"/>
+                                </a:rPr>
+                              </m:ctrlPr>
+                            </m:sSupPr>
+                            <m:e>
+                              <m:r>
+                                <a:rPr lang="en-GB" sz="2000" b="0" i="1" smtClean="0">
+                                  <a:latin typeface="Cambria Math" panose="02040503050406030204" pitchFamily="18" charset="0"/>
+                                </a:rPr>
+                                <m:t>𝑟</m:t>
+                              </m:r>
+                            </m:e>
+                            <m:sup>
+                              <m:r>
+                                <a:rPr lang="en-GB" sz="2000" b="0" i="1" smtClean="0">
+                                  <a:latin typeface="Cambria Math" panose="02040503050406030204" pitchFamily="18" charset="0"/>
+                                </a:rPr>
+                                <m:t>2</m:t>
+                              </m:r>
+                            </m:sup>
+                          </m:sSup>
+                        </m:den>
+                      </m:f>
+                    </m:oMath>
+                  </m:oMathPara>
+                </a14:m>
+                <a:endParaRPr lang="en-GB" sz="2000" b="0" i="1" dirty="0" smtClean="0">
+                  <a:latin typeface="Cambria Math" panose="02040503050406030204" pitchFamily="18" charset="0"/>
+                </a:endParaRPr>
+              </a:p>
+              <a:p>
+                <a:pPr algn="ctr"/>
+                <a:r>
+                  <a:rPr lang="en-GB" sz="900" i="1" dirty="0">
+                    <a:latin typeface="Cambria Math" panose="02040503050406030204" pitchFamily="18" charset="0"/>
+                  </a:rPr>
+                  <a:t> </a:t>
+                </a:r>
+                <a:r>
+                  <a:rPr lang="en-GB" sz="900" i="1" dirty="0" smtClean="0">
+                    <a:latin typeface="Cambria Math" panose="02040503050406030204" pitchFamily="18" charset="0"/>
+                  </a:rPr>
+                  <a:t> </a:t>
+                </a:r>
+                <a:endParaRPr lang="en-GB" sz="800" b="0" i="1" dirty="0" smtClean="0">
+                  <a:latin typeface="Cambria Math" panose="02040503050406030204" pitchFamily="18" charset="0"/>
+                </a:endParaRPr>
+              </a:p>
+              <a:p>
+                <a:pPr algn="ctr"/>
+                <a14:m>
+                  <m:oMathPara xmlns:m="http://schemas.openxmlformats.org/officeDocument/2006/math">
+                    <m:oMathParaPr>
+                      <m:jc m:val="centerGroup"/>
+                    </m:oMathParaPr>
+                    <m:oMath xmlns:m="http://schemas.openxmlformats.org/officeDocument/2006/math">
+                      <m:r>
+                        <a:rPr lang="en-GB" sz="2000" i="1" dirty="0" smtClean="0">
+                          <a:latin typeface="Cambria Math" panose="02040503050406030204" pitchFamily="18" charset="0"/>
+                        </a:rPr>
+                        <m:t>𝐸</m:t>
+                      </m:r>
+                      <m:r>
+                        <a:rPr lang="en-GB" sz="2000" i="1" dirty="0" smtClean="0">
+                          <a:latin typeface="Cambria Math" panose="02040503050406030204" pitchFamily="18" charset="0"/>
+                        </a:rPr>
+                        <m:t> = </m:t>
+                      </m:r>
+                      <m:r>
+                        <a:rPr lang="en-GB" sz="2000" i="1">
+                          <a:latin typeface="Cambria Math" panose="02040503050406030204" pitchFamily="18" charset="0"/>
+                        </a:rPr>
+                        <m:t>𝐺</m:t>
+                      </m:r>
+                      <m:f>
+                        <m:fPr>
+                          <m:ctrlPr>
+                            <a:rPr lang="en-GB" sz="2000" i="1">
+                              <a:latin typeface="Cambria Math" panose="02040503050406030204" pitchFamily="18" charset="0"/>
+                            </a:rPr>
+                          </m:ctrlPr>
+                        </m:fPr>
+                        <m:num>
+                          <m:sSub>
+                            <m:sSubPr>
+                              <m:ctrlPr>
+                                <a:rPr lang="en-GB" sz="2000" i="1">
+                                  <a:latin typeface="Cambria Math" panose="02040503050406030204" pitchFamily="18" charset="0"/>
+                                </a:rPr>
+                              </m:ctrlPr>
+                            </m:sSubPr>
+                            <m:e>
+                              <m:r>
+                                <a:rPr lang="en-GB" sz="2000" i="1">
+                                  <a:latin typeface="Cambria Math" panose="02040503050406030204" pitchFamily="18" charset="0"/>
+                                </a:rPr>
+                                <m:t>𝑚</m:t>
+                              </m:r>
+                            </m:e>
+                            <m:sub>
+                              <m:r>
+                                <a:rPr lang="en-GB" sz="2000" i="1">
+                                  <a:latin typeface="Cambria Math" panose="02040503050406030204" pitchFamily="18" charset="0"/>
+                                </a:rPr>
+                                <m:t>1</m:t>
+                              </m:r>
+                            </m:sub>
+                          </m:sSub>
+                          <m:r>
+                            <a:rPr lang="en-GB" sz="2000" i="1">
+                              <a:latin typeface="Cambria Math" panose="02040503050406030204" pitchFamily="18" charset="0"/>
+                            </a:rPr>
+                            <m:t>⋅</m:t>
+                          </m:r>
+                          <m:sSub>
+                            <m:sSubPr>
+                              <m:ctrlPr>
+                                <a:rPr lang="en-GB" sz="2000" i="1">
+                                  <a:latin typeface="Cambria Math" panose="02040503050406030204" pitchFamily="18" charset="0"/>
+                                </a:rPr>
+                              </m:ctrlPr>
+                            </m:sSubPr>
+                            <m:e>
+                              <m:r>
+                                <a:rPr lang="en-GB" sz="2000" i="1">
+                                  <a:latin typeface="Cambria Math" panose="02040503050406030204" pitchFamily="18" charset="0"/>
+                                </a:rPr>
+                                <m:t>𝑚</m:t>
+                              </m:r>
+                            </m:e>
+                            <m:sub>
+                              <m:r>
+                                <a:rPr lang="en-GB" sz="2000" i="1">
+                                  <a:latin typeface="Cambria Math" panose="02040503050406030204" pitchFamily="18" charset="0"/>
+                                </a:rPr>
+                                <m:t>2</m:t>
+                              </m:r>
+                            </m:sub>
+                          </m:sSub>
+                        </m:num>
+                        <m:den>
+                          <m:r>
+                            <a:rPr lang="en-GB" sz="2000" b="0" i="1" smtClean="0">
+                              <a:latin typeface="Cambria Math" panose="02040503050406030204" pitchFamily="18" charset="0"/>
+                            </a:rPr>
+                            <m:t>𝑟</m:t>
+                          </m:r>
+                        </m:den>
+                      </m:f>
+                    </m:oMath>
+                  </m:oMathPara>
+                </a14:m>
+                <a:endParaRPr lang="en-GB" dirty="0"/>
+              </a:p>
+            </p:txBody>
+          </p:sp>
+        </mc:Choice>
+        <mc:Fallback>
+          <p:sp>
+            <p:nvSpPr>
+              <p:cNvPr id="12" name="Textfeld 11"/>
+              <p:cNvSpPr txBox="1">
+                <a:spLocks noRot="1" noChangeAspect="1" noMove="1" noResize="1" noEditPoints="1" noAdjustHandles="1" noChangeArrowheads="1" noChangeShapeType="1" noTextEdit="1"/>
+              </p:cNvSpPr>
+              <p:nvPr/>
+            </p:nvSpPr>
+            <p:spPr>
+              <a:xfrm>
+                <a:off x="5168348" y="4293824"/>
+                <a:ext cx="3346999" cy="1327158"/>
+              </a:xfrm>
+              <a:prstGeom prst="rect">
+                <a:avLst/>
+              </a:prstGeom>
+              <a:blipFill>
+                <a:blip r:embed="rId5"/>
+                <a:stretch>
+                  <a:fillRect/>
+                </a:stretch>
+              </a:blipFill>
+            </p:spPr>
+            <p:txBody>
+              <a:bodyPr/>
+              <a:lstStyle/>
+              <a:p>
+                <a:r>
+                  <a:rPr lang="en-GB">
+                    <a:noFill/>
+                  </a:rPr>
+                  <a:t> </a:t>
+                </a:r>
+              </a:p>
+            </p:txBody>
+          </p:sp>
+        </mc:Fallback>
+      </mc:AlternateContent>
+    </p:spTree>
+    <p:extLst>
+      <p:ext uri="{BB962C8B-B14F-4D97-AF65-F5344CB8AC3E}">
+        <p14:creationId xmlns:p14="http://schemas.microsoft.com/office/powerpoint/2010/main" val="4272142545"/>
+      </p:ext>
+    </p:extLst>
+  </p:cSld>
+  <p:clrMapOvr>
+    <a:masterClrMapping/>
+  </p:clrMapOvr>
+  <p:timing>
+    <p:tnLst>
+      <p:par>
+        <p:cTn id="1" dur="indefinite" restart="never" nodeType="tmRoot"/>
+      </p:par>
+    </p:tnLst>
+  </p:timing>
+</p:sld>
+</file>
+
+<file path=ppt/slides/slide6.xml><?xml version="1.0" encoding="utf-8"?>
+<p:sld xmlns:a="http://schemas.openxmlformats.org/drawingml/2006/main" xmlns:r="http://schemas.openxmlformats.org/officeDocument/2006/relationships" xmlns:p="http://schemas.openxmlformats.org/presentationml/2006/main">
+  <p:cSld>
+    <p:spTree>
+      <p:nvGrpSpPr>
+        <p:cNvPr id="1" name=""/>
+        <p:cNvGrpSpPr/>
+        <p:nvPr/>
+      </p:nvGrpSpPr>
+      <p:grpSpPr>
+        <a:xfrm>
+          <a:off x="0" y="0"/>
+          <a:ext cx="0" cy="0"/>
+          <a:chOff x="0" y="0"/>
+          <a:chExt cx="0" cy="0"/>
+        </a:xfrm>
+      </p:grpSpPr>
+      <p:sp>
+        <p:nvSpPr>
+          <p:cNvPr id="2" name="Titel 1"/>
+          <p:cNvSpPr>
+            <a:spLocks noGrp="1"/>
+          </p:cNvSpPr>
+          <p:nvPr>
+            <p:ph type="title"/>
+          </p:nvPr>
+        </p:nvSpPr>
+        <p:spPr/>
+        <p:txBody>
+          <a:bodyPr>
+            <a:normAutofit/>
+          </a:bodyPr>
+          <a:lstStyle/>
+          <a:p>
+            <a:r>
+              <a:rPr lang="en-GB" dirty="0"/>
+              <a:t>Method</a:t>
+            </a:r>
+            <a:endParaRPr lang="en-GB" dirty="0"/>
+          </a:p>
+        </p:txBody>
+      </p:sp>
+      <p:sp>
+        <p:nvSpPr>
+          <p:cNvPr id="4" name="Datumsplatzhalter 3"/>
+          <p:cNvSpPr>
+            <a:spLocks noGrp="1"/>
+          </p:cNvSpPr>
+          <p:nvPr>
+            <p:ph type="dt" sz="half" idx="10"/>
+          </p:nvPr>
+        </p:nvSpPr>
+        <p:spPr/>
+        <p:txBody>
+          <a:bodyPr/>
+          <a:lstStyle/>
+          <a:p>
+            <a:r>
+              <a:rPr lang="en-US" smtClean="0"/>
+              <a:t>Ganiyu Ibraheem  Philipp Seybold</a:t>
+            </a:r>
+            <a:endParaRPr lang="en-GB" dirty="0"/>
+          </a:p>
+        </p:txBody>
+      </p:sp>
+      <p:sp>
+        <p:nvSpPr>
+          <p:cNvPr id="5" name="Fußzeilenplatzhalter 4"/>
+          <p:cNvSpPr>
+            <a:spLocks noGrp="1"/>
+          </p:cNvSpPr>
+          <p:nvPr>
+            <p:ph type="ftr" sz="quarter" idx="11"/>
+          </p:nvPr>
+        </p:nvSpPr>
+        <p:spPr/>
+        <p:txBody>
+          <a:bodyPr/>
+          <a:lstStyle/>
+          <a:p>
+            <a:r>
+              <a:rPr lang="en-GB" dirty="0" smtClean="0"/>
+              <a:t>COMP6206 Advanced Computer Vision</a:t>
+            </a:r>
+            <a:endParaRPr lang="en-GB" dirty="0"/>
+          </a:p>
+        </p:txBody>
+      </p:sp>
+      <p:sp>
+        <p:nvSpPr>
+          <p:cNvPr id="6" name="Foliennummernplatzhalter 5"/>
+          <p:cNvSpPr>
+            <a:spLocks noGrp="1"/>
+          </p:cNvSpPr>
+          <p:nvPr>
+            <p:ph type="sldNum" sz="quarter" idx="12"/>
+          </p:nvPr>
+        </p:nvSpPr>
+        <p:spPr/>
+        <p:txBody>
+          <a:bodyPr/>
+          <a:lstStyle/>
+          <a:p>
+            <a:fld id="{FB9D3F8E-99BC-4812-95D4-548B8E992B94}" type="slidenum">
+              <a:rPr lang="en-GB" smtClean="0"/>
+              <a:t>6</a:t>
+            </a:fld>
+            <a:endParaRPr lang="en-GB"/>
+          </a:p>
+        </p:txBody>
+      </p:sp>
+      <p:pic>
+        <p:nvPicPr>
+          <p:cNvPr id="14" name="Grafik 13"/>
+          <p:cNvPicPr>
+            <a:picLocks noChangeAspect="1"/>
+          </p:cNvPicPr>
+          <p:nvPr/>
+        </p:nvPicPr>
+        <p:blipFill>
+          <a:blip r:embed="rId3" cstate="print">
+            <a:extLst>
+              <a:ext uri="{28A0092B-C50C-407E-A947-70E740481C1C}">
+                <a14:useLocalDpi xmlns:a14="http://schemas.microsoft.com/office/drawing/2010/main" val="0"/>
+              </a:ext>
+            </a:extLst>
+          </a:blip>
+          <a:stretch>
+            <a:fillRect/>
+          </a:stretch>
+        </p:blipFill>
+        <p:spPr>
+          <a:xfrm>
+            <a:off x="2004584" y="795130"/>
+            <a:ext cx="5134832" cy="2992326"/>
+          </a:xfrm>
+          <a:prstGeom prst="rect">
+            <a:avLst/>
+          </a:prstGeom>
+        </p:spPr>
+      </p:pic>
+      <mc:AlternateContent xmlns:mc="http://schemas.openxmlformats.org/markup-compatibility/2006">
+        <mc:Choice xmlns:a14="http://schemas.microsoft.com/office/drawing/2010/main" Requires="a14">
+          <p:sp>
+            <p:nvSpPr>
+              <p:cNvPr id="15" name="Textfeld 14"/>
+              <p:cNvSpPr txBox="1"/>
+              <p:nvPr/>
+            </p:nvSpPr>
+            <p:spPr>
+              <a:xfrm>
+                <a:off x="628650" y="3830232"/>
+                <a:ext cx="7886700" cy="1293239"/>
+              </a:xfrm>
+              <a:prstGeom prst="rect">
+                <a:avLst/>
+              </a:prstGeom>
+              <a:noFill/>
+            </p:spPr>
+            <p:txBody>
+              <a:bodyPr wrap="square" rtlCol="0">
+                <a:spAutoFit/>
+              </a:bodyPr>
+              <a:lstStyle/>
+              <a:p>
+                <a:pPr algn="ctr"/>
+                <a14:m>
+                  <m:oMathPara xmlns:m="http://schemas.openxmlformats.org/officeDocument/2006/math">
+                    <m:oMathParaPr>
+                      <m:jc m:val="centerGroup"/>
+                    </m:oMathParaPr>
+                    <m:oMath xmlns:m="http://schemas.openxmlformats.org/officeDocument/2006/math">
+                      <m:sSub>
+                        <m:sSubPr>
+                          <m:ctrlPr>
+                            <a:rPr lang="en-GB" sz="2000" b="0" i="1" smtClean="0">
+                              <a:latin typeface="Cambria Math" panose="02040503050406030204" pitchFamily="18" charset="0"/>
+                            </a:rPr>
+                          </m:ctrlPr>
+                        </m:sSubPr>
+                        <m:e>
+                          <m:r>
+                            <a:rPr lang="en-GB" sz="2000" b="0" i="1" smtClean="0">
+                              <a:latin typeface="Cambria Math" panose="02040503050406030204" pitchFamily="18" charset="0"/>
+                            </a:rPr>
+                            <m:t>𝐹</m:t>
+                          </m:r>
+                        </m:e>
+                        <m:sub>
+                          <m:r>
+                            <a:rPr lang="en-GB" sz="2000" b="0" i="1" smtClean="0">
+                              <a:latin typeface="Cambria Math" panose="02040503050406030204" pitchFamily="18" charset="0"/>
+                            </a:rPr>
+                            <m:t>𝑖</m:t>
+                          </m:r>
+                        </m:sub>
+                      </m:sSub>
+                      <m:d>
+                        <m:dPr>
+                          <m:ctrlPr>
+                            <a:rPr lang="en-GB" sz="2000" b="0" i="1" smtClean="0">
+                              <a:latin typeface="Cambria Math" panose="02040503050406030204" pitchFamily="18" charset="0"/>
+                            </a:rPr>
+                          </m:ctrlPr>
+                        </m:dPr>
+                        <m:e>
+                          <m:sSub>
+                            <m:sSubPr>
+                              <m:ctrlPr>
+                                <a:rPr lang="en-GB" sz="2000" b="0" i="1" smtClean="0">
+                                  <a:latin typeface="Cambria Math" panose="02040503050406030204" pitchFamily="18" charset="0"/>
+                                </a:rPr>
+                              </m:ctrlPr>
+                            </m:sSubPr>
+                            <m:e>
+                              <m:r>
+                                <a:rPr lang="en-GB" sz="2000" b="0" i="1" smtClean="0">
+                                  <a:latin typeface="Cambria Math" panose="02040503050406030204" pitchFamily="18" charset="0"/>
+                                </a:rPr>
+                                <m:t>𝑟</m:t>
+                              </m:r>
+                            </m:e>
+                            <m:sub>
+                              <m:r>
+                                <a:rPr lang="en-GB" sz="2000" b="0" i="1" smtClean="0">
+                                  <a:latin typeface="Cambria Math" panose="02040503050406030204" pitchFamily="18" charset="0"/>
+                                </a:rPr>
+                                <m:t>𝑗</m:t>
+                              </m:r>
+                            </m:sub>
+                          </m:sSub>
+                        </m:e>
+                      </m:d>
+                      <m:r>
+                        <a:rPr lang="en-GB" sz="2000" b="0" i="1" smtClean="0">
+                          <a:latin typeface="Cambria Math" panose="02040503050406030204" pitchFamily="18" charset="0"/>
+                        </a:rPr>
+                        <m:t>= </m:t>
+                      </m:r>
+                      <m:r>
+                        <a:rPr lang="en-GB" sz="2000" b="0" i="1" smtClean="0">
+                          <a:latin typeface="Cambria Math" panose="02040503050406030204" pitchFamily="18" charset="0"/>
+                        </a:rPr>
+                        <m:t>…= </m:t>
+                      </m:r>
+                      <m:r>
+                        <a:rPr lang="en-GB" sz="2000" i="1">
+                          <a:latin typeface="Cambria Math" panose="02040503050406030204" pitchFamily="18" charset="0"/>
+                        </a:rPr>
+                        <m:t>𝑃</m:t>
+                      </m:r>
+                      <m:d>
+                        <m:dPr>
+                          <m:ctrlPr>
+                            <a:rPr lang="en-GB" sz="2000" i="1">
+                              <a:latin typeface="Cambria Math" panose="02040503050406030204" pitchFamily="18" charset="0"/>
+                            </a:rPr>
+                          </m:ctrlPr>
+                        </m:dPr>
+                        <m:e>
+                          <m:sSub>
+                            <m:sSubPr>
+                              <m:ctrlPr>
+                                <a:rPr lang="en-GB" sz="2000" i="1">
+                                  <a:latin typeface="Cambria Math" panose="02040503050406030204" pitchFamily="18" charset="0"/>
+                                </a:rPr>
+                              </m:ctrlPr>
+                            </m:sSubPr>
+                            <m:e>
+                              <m:r>
+                                <a:rPr lang="en-GB" sz="2000" i="1">
+                                  <a:latin typeface="Cambria Math" panose="02040503050406030204" pitchFamily="18" charset="0"/>
+                                </a:rPr>
+                                <m:t>𝑟</m:t>
+                              </m:r>
+                            </m:e>
+                            <m:sub>
+                              <m:r>
+                                <a:rPr lang="en-GB" sz="2000" i="1">
+                                  <a:latin typeface="Cambria Math" panose="02040503050406030204" pitchFamily="18" charset="0"/>
+                                </a:rPr>
+                                <m:t>𝑖</m:t>
+                              </m:r>
+                            </m:sub>
+                          </m:sSub>
+                        </m:e>
+                      </m:d>
+                      <m:f>
+                        <m:fPr>
+                          <m:ctrlPr>
+                            <a:rPr lang="en-GB" sz="2000" i="1">
+                              <a:latin typeface="Cambria Math" panose="02040503050406030204" pitchFamily="18" charset="0"/>
+                            </a:rPr>
+                          </m:ctrlPr>
+                        </m:fPr>
+                        <m:num>
+                          <m:sSub>
+                            <m:sSubPr>
+                              <m:ctrlPr>
+                                <a:rPr lang="en-GB" sz="2000" i="1">
+                                  <a:latin typeface="Cambria Math" panose="02040503050406030204" pitchFamily="18" charset="0"/>
+                                </a:rPr>
+                              </m:ctrlPr>
+                            </m:sSubPr>
+                            <m:e>
+                              <m:r>
+                                <a:rPr lang="en-GB" sz="2000" i="1">
+                                  <a:latin typeface="Cambria Math" panose="02040503050406030204" pitchFamily="18" charset="0"/>
+                                </a:rPr>
+                                <m:t>𝑟</m:t>
+                              </m:r>
+                            </m:e>
+                            <m:sub>
+                              <m:r>
+                                <a:rPr lang="en-GB" sz="2000" i="1">
+                                  <a:latin typeface="Cambria Math" panose="02040503050406030204" pitchFamily="18" charset="0"/>
+                                </a:rPr>
+                                <m:t>𝑖</m:t>
+                              </m:r>
+                            </m:sub>
+                          </m:sSub>
+                          <m:r>
+                            <a:rPr lang="en-GB" sz="2000" i="1">
+                              <a:latin typeface="Cambria Math" panose="02040503050406030204" pitchFamily="18" charset="0"/>
+                            </a:rPr>
+                            <m:t>−</m:t>
+                          </m:r>
+                          <m:sSub>
+                            <m:sSubPr>
+                              <m:ctrlPr>
+                                <a:rPr lang="en-GB" sz="2000" i="1">
+                                  <a:latin typeface="Cambria Math" panose="02040503050406030204" pitchFamily="18" charset="0"/>
+                                </a:rPr>
+                              </m:ctrlPr>
+                            </m:sSubPr>
+                            <m:e>
+                              <m:r>
+                                <a:rPr lang="en-GB" sz="2000" i="1">
+                                  <a:latin typeface="Cambria Math" panose="02040503050406030204" pitchFamily="18" charset="0"/>
+                                </a:rPr>
+                                <m:t>𝑟</m:t>
+                              </m:r>
+                            </m:e>
+                            <m:sub>
+                              <m:r>
+                                <a:rPr lang="en-GB" sz="2000" i="1">
+                                  <a:latin typeface="Cambria Math" panose="02040503050406030204" pitchFamily="18" charset="0"/>
+                                </a:rPr>
+                                <m:t>𝑗</m:t>
+                              </m:r>
+                            </m:sub>
+                          </m:sSub>
+                        </m:num>
+                        <m:den>
+                          <m:sSup>
+                            <m:sSupPr>
+                              <m:ctrlPr>
+                                <a:rPr lang="en-GB" sz="2000" i="1">
+                                  <a:latin typeface="Cambria Math" panose="02040503050406030204" pitchFamily="18" charset="0"/>
+                                </a:rPr>
+                              </m:ctrlPr>
+                            </m:sSupPr>
+                            <m:e>
+                              <m:d>
+                                <m:dPr>
+                                  <m:begChr m:val="|"/>
+                                  <m:endChr m:val="|"/>
+                                  <m:ctrlPr>
+                                    <a:rPr lang="en-GB" sz="2000" i="1">
+                                      <a:latin typeface="Cambria Math" panose="02040503050406030204" pitchFamily="18" charset="0"/>
+                                    </a:rPr>
+                                  </m:ctrlPr>
+                                </m:dPr>
+                                <m:e>
+                                  <m:sSub>
+                                    <m:sSubPr>
+                                      <m:ctrlPr>
+                                        <a:rPr lang="en-GB" sz="2000" i="1">
+                                          <a:latin typeface="Cambria Math" panose="02040503050406030204" pitchFamily="18" charset="0"/>
+                                        </a:rPr>
+                                      </m:ctrlPr>
+                                    </m:sSubPr>
+                                    <m:e>
+                                      <m:r>
+                                        <a:rPr lang="en-GB" sz="2000" i="1">
+                                          <a:latin typeface="Cambria Math" panose="02040503050406030204" pitchFamily="18" charset="0"/>
+                                        </a:rPr>
+                                        <m:t>𝑟</m:t>
+                                      </m:r>
+                                    </m:e>
+                                    <m:sub>
+                                      <m:r>
+                                        <a:rPr lang="en-GB" sz="2000" i="1">
+                                          <a:latin typeface="Cambria Math" panose="02040503050406030204" pitchFamily="18" charset="0"/>
+                                        </a:rPr>
+                                        <m:t>𝑖</m:t>
+                                      </m:r>
+                                    </m:sub>
+                                  </m:sSub>
+                                  <m:r>
+                                    <a:rPr lang="en-GB" sz="2000" i="1">
+                                      <a:latin typeface="Cambria Math" panose="02040503050406030204" pitchFamily="18" charset="0"/>
+                                    </a:rPr>
+                                    <m:t>−</m:t>
+                                  </m:r>
+                                  <m:sSub>
+                                    <m:sSubPr>
+                                      <m:ctrlPr>
+                                        <a:rPr lang="en-GB" sz="2000" i="1">
+                                          <a:latin typeface="Cambria Math" panose="02040503050406030204" pitchFamily="18" charset="0"/>
+                                        </a:rPr>
+                                      </m:ctrlPr>
+                                    </m:sSubPr>
+                                    <m:e>
+                                      <m:r>
+                                        <a:rPr lang="en-GB" sz="2000" i="1">
+                                          <a:latin typeface="Cambria Math" panose="02040503050406030204" pitchFamily="18" charset="0"/>
+                                        </a:rPr>
+                                        <m:t>𝑟</m:t>
+                                      </m:r>
+                                    </m:e>
+                                    <m:sub>
+                                      <m:r>
+                                        <a:rPr lang="en-GB" sz="2000" i="1">
+                                          <a:latin typeface="Cambria Math" panose="02040503050406030204" pitchFamily="18" charset="0"/>
+                                        </a:rPr>
+                                        <m:t>𝑗</m:t>
+                                      </m:r>
+                                    </m:sub>
+                                  </m:sSub>
+                                </m:e>
+                              </m:d>
+                            </m:e>
+                            <m:sup>
+                              <m:r>
+                                <a:rPr lang="en-GB" sz="2000" i="1">
+                                  <a:latin typeface="Cambria Math" panose="02040503050406030204" pitchFamily="18" charset="0"/>
+                                </a:rPr>
+                                <m:t>3</m:t>
+                              </m:r>
+                            </m:sup>
+                          </m:sSup>
+                          <m:r>
+                            <a:rPr lang="en-GB" sz="2000" i="1">
+                              <a:latin typeface="Cambria Math" panose="02040503050406030204" pitchFamily="18" charset="0"/>
+                            </a:rPr>
+                            <m:t> </m:t>
+                          </m:r>
+                        </m:den>
+                      </m:f>
+                    </m:oMath>
+                  </m:oMathPara>
+                </a14:m>
+                <a:endParaRPr lang="en-GB" sz="2000" b="0" i="1" dirty="0" smtClean="0">
+                  <a:latin typeface="Cambria Math" panose="02040503050406030204" pitchFamily="18" charset="0"/>
+                </a:endParaRPr>
+              </a:p>
+              <a:p>
+                <a:pPr algn="ctr"/>
+                <a:r>
+                  <a:rPr lang="en-GB" sz="900" i="1" dirty="0">
+                    <a:latin typeface="Cambria Math" panose="02040503050406030204" pitchFamily="18" charset="0"/>
+                  </a:rPr>
+                  <a:t> </a:t>
+                </a:r>
+                <a:r>
+                  <a:rPr lang="en-GB" sz="900" i="1" dirty="0" smtClean="0">
+                    <a:latin typeface="Cambria Math" panose="02040503050406030204" pitchFamily="18" charset="0"/>
+                  </a:rPr>
+                  <a:t> </a:t>
+                </a:r>
+                <a:endParaRPr lang="en-GB" sz="800" b="0" i="1" dirty="0" smtClean="0">
+                  <a:latin typeface="Cambria Math" panose="02040503050406030204" pitchFamily="18" charset="0"/>
+                </a:endParaRPr>
+              </a:p>
+              <a:p>
+                <a:pPr algn="ctr"/>
+                <a14:m>
+                  <m:oMathPara xmlns:m="http://schemas.openxmlformats.org/officeDocument/2006/math">
+                    <m:oMathParaPr>
+                      <m:jc m:val="centerGroup"/>
+                    </m:oMathParaPr>
+                    <m:oMath xmlns:m="http://schemas.openxmlformats.org/officeDocument/2006/math">
+                      <m:sSub>
+                        <m:sSubPr>
+                          <m:ctrlPr>
+                            <a:rPr lang="en-GB" sz="2000" b="0" i="1" dirty="0" smtClean="0">
+                              <a:latin typeface="Cambria Math" panose="02040503050406030204" pitchFamily="18" charset="0"/>
+                            </a:rPr>
+                          </m:ctrlPr>
+                        </m:sSubPr>
+                        <m:e>
+                          <m:r>
+                            <a:rPr lang="en-GB" sz="2000" i="1" dirty="0" smtClean="0">
+                              <a:latin typeface="Cambria Math" panose="02040503050406030204" pitchFamily="18" charset="0"/>
+                            </a:rPr>
+                            <m:t>𝐸</m:t>
+                          </m:r>
+                        </m:e>
+                        <m:sub>
+                          <m:r>
+                            <a:rPr lang="en-GB" sz="2000" b="0" i="1" dirty="0" smtClean="0">
+                              <a:latin typeface="Cambria Math" panose="02040503050406030204" pitchFamily="18" charset="0"/>
+                            </a:rPr>
+                            <m:t>𝑖</m:t>
+                          </m:r>
+                        </m:sub>
+                      </m:sSub>
+                      <m:d>
+                        <m:dPr>
+                          <m:ctrlPr>
+                            <a:rPr lang="en-GB" sz="2000" b="0" i="1" dirty="0" smtClean="0">
+                              <a:latin typeface="Cambria Math" panose="02040503050406030204" pitchFamily="18" charset="0"/>
+                            </a:rPr>
+                          </m:ctrlPr>
+                        </m:dPr>
+                        <m:e>
+                          <m:sSub>
+                            <m:sSubPr>
+                              <m:ctrlPr>
+                                <a:rPr lang="en-GB" sz="2000" b="0" i="1" dirty="0" smtClean="0">
+                                  <a:latin typeface="Cambria Math" panose="02040503050406030204" pitchFamily="18" charset="0"/>
+                                </a:rPr>
+                              </m:ctrlPr>
+                            </m:sSubPr>
+                            <m:e>
+                              <m:r>
+                                <a:rPr lang="en-GB" sz="2000" b="0" i="1" dirty="0" smtClean="0">
+                                  <a:latin typeface="Cambria Math" panose="02040503050406030204" pitchFamily="18" charset="0"/>
+                                </a:rPr>
+                                <m:t>𝑟</m:t>
+                              </m:r>
+                            </m:e>
+                            <m:sub>
+                              <m:r>
+                                <a:rPr lang="en-GB" sz="2000" b="0" i="1" dirty="0" smtClean="0">
+                                  <a:latin typeface="Cambria Math" panose="02040503050406030204" pitchFamily="18" charset="0"/>
+                                </a:rPr>
+                                <m:t>𝑗</m:t>
+                              </m:r>
+                            </m:sub>
+                          </m:sSub>
+                        </m:e>
+                      </m:d>
+                      <m:r>
+                        <a:rPr lang="en-GB" sz="2000" i="1" dirty="0" smtClean="0">
+                          <a:latin typeface="Cambria Math" panose="02040503050406030204" pitchFamily="18" charset="0"/>
+                        </a:rPr>
+                        <m:t> =</m:t>
+                      </m:r>
+                    </m:oMath>
+                  </m:oMathPara>
+                </a14:m>
+                <a:endParaRPr lang="en-GB" dirty="0"/>
+              </a:p>
+            </p:txBody>
+          </p:sp>
+        </mc:Choice>
+        <mc:Fallback>
+          <p:sp>
+            <p:nvSpPr>
+              <p:cNvPr id="15" name="Textfeld 14"/>
+              <p:cNvSpPr txBox="1">
+                <a:spLocks noRot="1" noChangeAspect="1" noMove="1" noResize="1" noEditPoints="1" noAdjustHandles="1" noChangeArrowheads="1" noChangeShapeType="1" noTextEdit="1"/>
+              </p:cNvSpPr>
+              <p:nvPr/>
+            </p:nvSpPr>
+            <p:spPr>
+              <a:xfrm>
+                <a:off x="628650" y="3830232"/>
+                <a:ext cx="7886700" cy="1293239"/>
+              </a:xfrm>
+              <a:prstGeom prst="rect">
+                <a:avLst/>
+              </a:prstGeom>
+              <a:blipFill>
+                <a:blip r:embed="rId4"/>
+                <a:stretch>
+                  <a:fillRect b="-2830"/>
+                </a:stretch>
+              </a:blipFill>
+            </p:spPr>
+            <p:txBody>
+              <a:bodyPr/>
+              <a:lstStyle/>
+              <a:p>
+                <a:r>
+                  <a:rPr lang="en-GB">
+                    <a:noFill/>
+                  </a:rPr>
+                  <a:t> </a:t>
+                </a:r>
+              </a:p>
+            </p:txBody>
+          </p:sp>
+        </mc:Fallback>
+      </mc:AlternateContent>
+    </p:spTree>
+    <p:extLst>
+      <p:ext uri="{BB962C8B-B14F-4D97-AF65-F5344CB8AC3E}">
+        <p14:creationId xmlns:p14="http://schemas.microsoft.com/office/powerpoint/2010/main" val="2606852807"/>
+      </p:ext>
+    </p:extLst>
+  </p:cSld>
+  <p:clrMapOvr>
+    <a:masterClrMapping/>
+  </p:clrMapOvr>
+  <p:timing>
+    <p:tnLst>
+      <p:par>
+        <p:cTn id="1" dur="indefinite" restart="never" nodeType="tmRoot"/>
+      </p:par>
+    </p:tnLst>
+  </p:timing>
+</p:sld>
+</file>
+
+<file path=ppt/slides/slide7.xml><?xml version="1.0" encoding="utf-8"?>
+<p:sld xmlns:a="http://schemas.openxmlformats.org/drawingml/2006/main" xmlns:r="http://schemas.openxmlformats.org/officeDocument/2006/relationships" xmlns:p="http://schemas.openxmlformats.org/presentationml/2006/main">
+  <p:cSld>
+    <p:spTree>
+      <p:nvGrpSpPr>
+        <p:cNvPr id="1" name=""/>
+        <p:cNvGrpSpPr/>
+        <p:nvPr/>
+      </p:nvGrpSpPr>
+      <p:grpSpPr>
+        <a:xfrm>
+          <a:off x="0" y="0"/>
+          <a:ext cx="0" cy="0"/>
+          <a:chOff x="0" y="0"/>
+          <a:chExt cx="0" cy="0"/>
+        </a:xfrm>
+      </p:grpSpPr>
+      <p:sp>
+        <p:nvSpPr>
+          <p:cNvPr id="2" name="Titel 1"/>
+          <p:cNvSpPr>
+            <a:spLocks noGrp="1"/>
+          </p:cNvSpPr>
+          <p:nvPr>
+            <p:ph type="title"/>
+          </p:nvPr>
+        </p:nvSpPr>
+        <p:spPr/>
+        <p:txBody>
+          <a:bodyPr>
+            <a:normAutofit/>
+          </a:bodyPr>
           <a:lstStyle/>
           <a:p>
             <a:r>
@@ -4473,8 +6828,8 @@
           </a:p>
         </p:txBody>
       </p:sp>
-      <mc:AlternateContent xmlns:mc="http://schemas.openxmlformats.org/markup-compatibility/2006">
-        <mc:Choice xmlns:a14="http://schemas.microsoft.com/office/drawing/2010/main" Requires="a14">
+      <mc:AlternateContent xmlns:mc="http://schemas.openxmlformats.org/markup-compatibility/2006" xmlns:a14="http://schemas.microsoft.com/office/drawing/2010/main">
+        <mc:Choice Requires="a14">
           <p:sp>
             <p:nvSpPr>
               <p:cNvPr id="3" name="Inhaltsplatzhalter 2"/>
@@ -4586,18 +6941,24 @@
                     <m:sSub>
                       <m:sSubPr>
                         <m:ctrlPr>
-                          <a:rPr lang="en-GB" i="1"/>
+                          <a:rPr lang="en-GB" i="1">
+                            <a:latin typeface="Cambria Math" panose="02040503050406030204" pitchFamily="18" charset="0"/>
+                          </a:rPr>
                         </m:ctrlPr>
                       </m:sSubPr>
                       <m:e>
                         <m:r>
-                          <a:rPr lang="en-GB" i="1"/>
+                          <a:rPr lang="en-GB" i="1">
+                            <a:latin typeface="Cambria Math" panose="02040503050406030204" pitchFamily="18" charset="0"/>
+                          </a:rPr>
                           <m:t>𝐹</m:t>
                         </m:r>
                       </m:e>
                       <m:sub>
                         <m:r>
-                          <a:rPr lang="en-GB" i="1"/>
+                          <a:rPr lang="en-GB" i="1">
+                            <a:latin typeface="Cambria Math" panose="02040503050406030204" pitchFamily="18" charset="0"/>
+                          </a:rPr>
                           <m:t>𝑖</m:t>
                         </m:r>
                       </m:sub>
@@ -4605,25 +6966,33 @@
                     <m:d>
                       <m:dPr>
                         <m:ctrlPr>
-                          <a:rPr lang="en-GB" i="1"/>
+                          <a:rPr lang="en-GB" i="1">
+                            <a:latin typeface="Cambria Math" panose="02040503050406030204" pitchFamily="18" charset="0"/>
+                          </a:rPr>
                         </m:ctrlPr>
                       </m:dPr>
                       <m:e>
                         <m:sSub>
                           <m:sSubPr>
                             <m:ctrlPr>
-                              <a:rPr lang="en-GB" i="1"/>
+                              <a:rPr lang="en-GB" i="1">
+                                <a:latin typeface="Cambria Math" panose="02040503050406030204" pitchFamily="18" charset="0"/>
+                              </a:rPr>
                             </m:ctrlPr>
                           </m:sSubPr>
                           <m:e>
                             <m:r>
-                              <a:rPr lang="en-GB" i="1"/>
+                              <a:rPr lang="en-GB" i="1">
+                                <a:latin typeface="Cambria Math" panose="02040503050406030204" pitchFamily="18" charset="0"/>
+                              </a:rPr>
                               <m:t>𝑟</m:t>
                             </m:r>
                           </m:e>
                           <m:sub>
                             <m:r>
-                              <a:rPr lang="en-GB" i="1"/>
+                              <a:rPr lang="en-GB" i="1">
+                                <a:latin typeface="Cambria Math" panose="02040503050406030204" pitchFamily="18" charset="0"/>
+                              </a:rPr>
                               <m:t>𝑗</m:t>
                             </m:r>
                           </m:sub>
@@ -4631,35 +7000,47 @@
                       </m:e>
                     </m:d>
                     <m:r>
-                      <a:rPr lang="en-GB" i="1"/>
+                      <a:rPr lang="en-GB" i="1">
+                        <a:latin typeface="Cambria Math" panose="02040503050406030204" pitchFamily="18" charset="0"/>
+                      </a:rPr>
                       <m:t>=</m:t>
                     </m:r>
                     <m:r>
-                      <a:rPr lang="en-GB" i="1"/>
+                      <a:rPr lang="en-GB" i="1">
+                        <a:latin typeface="Cambria Math" panose="02040503050406030204" pitchFamily="18" charset="0"/>
+                      </a:rPr>
                       <m:t>𝑃</m:t>
                     </m:r>
                     <m:d>
                       <m:dPr>
                         <m:ctrlPr>
-                          <a:rPr lang="en-GB" i="1"/>
+                          <a:rPr lang="en-GB" i="1">
+                            <a:latin typeface="Cambria Math" panose="02040503050406030204" pitchFamily="18" charset="0"/>
+                          </a:rPr>
                         </m:ctrlPr>
                       </m:dPr>
                       <m:e>
                         <m:sSub>
                           <m:sSubPr>
                             <m:ctrlPr>
-                              <a:rPr lang="en-GB" i="1"/>
+                              <a:rPr lang="en-GB" i="1">
+                                <a:latin typeface="Cambria Math" panose="02040503050406030204" pitchFamily="18" charset="0"/>
+                              </a:rPr>
                             </m:ctrlPr>
                           </m:sSubPr>
                           <m:e>
                             <m:r>
-                              <a:rPr lang="en-GB" i="1"/>
+                              <a:rPr lang="en-GB" i="1">
+                                <a:latin typeface="Cambria Math" panose="02040503050406030204" pitchFamily="18" charset="0"/>
+                              </a:rPr>
                               <m:t>𝑟</m:t>
                             </m:r>
                           </m:e>
                           <m:sub>
                             <m:r>
-                              <a:rPr lang="en-GB" i="1"/>
+                              <a:rPr lang="en-GB" i="1">
+                                <a:latin typeface="Cambria Math" panose="02040503050406030204" pitchFamily="18" charset="0"/>
+                              </a:rPr>
                               <m:t>𝑖</m:t>
                             </m:r>
                           </m:sub>
@@ -4669,48 +7050,64 @@
                     <m:f>
                       <m:fPr>
                         <m:ctrlPr>
-                          <a:rPr lang="en-GB" i="1"/>
+                          <a:rPr lang="en-GB" i="1">
+                            <a:latin typeface="Cambria Math" panose="02040503050406030204" pitchFamily="18" charset="0"/>
+                          </a:rPr>
                         </m:ctrlPr>
                       </m:fPr>
                       <m:num>
                         <m:sSub>
                           <m:sSubPr>
                             <m:ctrlPr>
-                              <a:rPr lang="en-GB" i="1"/>
+                              <a:rPr lang="en-GB" i="1">
+                                <a:latin typeface="Cambria Math" panose="02040503050406030204" pitchFamily="18" charset="0"/>
+                              </a:rPr>
                             </m:ctrlPr>
                           </m:sSubPr>
                           <m:e>
                             <m:r>
-                              <a:rPr lang="en-GB" i="1"/>
+                              <a:rPr lang="en-GB" i="1">
+                                <a:latin typeface="Cambria Math" panose="02040503050406030204" pitchFamily="18" charset="0"/>
+                              </a:rPr>
                               <m:t>𝑟</m:t>
                             </m:r>
                           </m:e>
                           <m:sub>
                             <m:r>
-                              <a:rPr lang="en-GB" i="1"/>
+                              <a:rPr lang="en-GB" i="1">
+                                <a:latin typeface="Cambria Math" panose="02040503050406030204" pitchFamily="18" charset="0"/>
+                              </a:rPr>
                               <m:t>𝑖</m:t>
                             </m:r>
                           </m:sub>
                         </m:sSub>
                         <m:r>
-                          <a:rPr lang="en-GB" i="1"/>
+                          <a:rPr lang="en-GB" i="1">
+                            <a:latin typeface="Cambria Math" panose="02040503050406030204" pitchFamily="18" charset="0"/>
+                          </a:rPr>
                           <m:t>−</m:t>
                         </m:r>
                         <m:sSub>
                           <m:sSubPr>
                             <m:ctrlPr>
-                              <a:rPr lang="en-GB" i="1"/>
+                              <a:rPr lang="en-GB" i="1">
+                                <a:latin typeface="Cambria Math" panose="02040503050406030204" pitchFamily="18" charset="0"/>
+                              </a:rPr>
                             </m:ctrlPr>
                           </m:sSubPr>
                           <m:e>
                             <m:r>
-                              <a:rPr lang="en-GB" i="1"/>
+                              <a:rPr lang="en-GB" i="1">
+                                <a:latin typeface="Cambria Math" panose="02040503050406030204" pitchFamily="18" charset="0"/>
+                              </a:rPr>
                               <m:t>𝑟</m:t>
                             </m:r>
                           </m:e>
                           <m:sub>
                             <m:r>
-                              <a:rPr lang="en-GB" i="1"/>
+                              <a:rPr lang="en-GB" i="1">
+                                <a:latin typeface="Cambria Math" panose="02040503050406030204" pitchFamily="18" charset="0"/>
+                              </a:rPr>
                               <m:t>𝑗</m:t>
                             </m:r>
                           </m:sub>
@@ -4720,7 +7117,9 @@
                         <m:sSup>
                           <m:sSupPr>
                             <m:ctrlPr>
-                              <a:rPr lang="en-GB" i="1"/>
+                              <a:rPr lang="en-GB" i="1">
+                                <a:latin typeface="Cambria Math" panose="02040503050406030204" pitchFamily="18" charset="0"/>
+                              </a:rPr>
                             </m:ctrlPr>
                           </m:sSupPr>
                           <m:e>
@@ -4729,48 +7128,64 @@
                                 <m:begChr m:val="|"/>
                                 <m:endChr m:val="|"/>
                                 <m:ctrlPr>
-                                  <a:rPr lang="en-GB" i="1"/>
+                                  <a:rPr lang="en-GB" i="1">
+                                    <a:latin typeface="Cambria Math" panose="02040503050406030204" pitchFamily="18" charset="0"/>
+                                  </a:rPr>
                                 </m:ctrlPr>
                               </m:dPr>
                               <m:e>
                                 <m:sSub>
                                   <m:sSubPr>
                                     <m:ctrlPr>
-                                      <a:rPr lang="en-GB" i="1"/>
+                                      <a:rPr lang="en-GB" i="1">
+                                        <a:latin typeface="Cambria Math" panose="02040503050406030204" pitchFamily="18" charset="0"/>
+                                      </a:rPr>
                                     </m:ctrlPr>
                                   </m:sSubPr>
                                   <m:e>
                                     <m:r>
-                                      <a:rPr lang="en-GB" i="1"/>
+                                      <a:rPr lang="en-GB" i="1">
+                                        <a:latin typeface="Cambria Math" panose="02040503050406030204" pitchFamily="18" charset="0"/>
+                                      </a:rPr>
                                       <m:t>𝑟</m:t>
                                     </m:r>
                                   </m:e>
                                   <m:sub>
                                     <m:r>
-                                      <a:rPr lang="en-GB" i="1"/>
+                                      <a:rPr lang="en-GB" i="1">
+                                        <a:latin typeface="Cambria Math" panose="02040503050406030204" pitchFamily="18" charset="0"/>
+                                      </a:rPr>
                                       <m:t>𝑖</m:t>
                                     </m:r>
                                   </m:sub>
                                 </m:sSub>
                                 <m:r>
-                                  <a:rPr lang="en-GB" i="1"/>
+                                  <a:rPr lang="en-GB" i="1">
+                                    <a:latin typeface="Cambria Math" panose="02040503050406030204" pitchFamily="18" charset="0"/>
+                                  </a:rPr>
                                   <m:t>−</m:t>
                                 </m:r>
                                 <m:sSub>
                                   <m:sSubPr>
                                     <m:ctrlPr>
-                                      <a:rPr lang="en-GB" i="1"/>
+                                      <a:rPr lang="en-GB" i="1">
+                                        <a:latin typeface="Cambria Math" panose="02040503050406030204" pitchFamily="18" charset="0"/>
+                                      </a:rPr>
                                     </m:ctrlPr>
                                   </m:sSubPr>
                                   <m:e>
                                     <m:r>
-                                      <a:rPr lang="en-GB" i="1"/>
+                                      <a:rPr lang="en-GB" i="1">
+                                        <a:latin typeface="Cambria Math" panose="02040503050406030204" pitchFamily="18" charset="0"/>
+                                      </a:rPr>
                                       <m:t>𝑟</m:t>
                                     </m:r>
                                   </m:e>
                                   <m:sub>
                                     <m:r>
-                                      <a:rPr lang="en-GB" i="1"/>
+                                      <a:rPr lang="en-GB" i="1">
+                                        <a:latin typeface="Cambria Math" panose="02040503050406030204" pitchFamily="18" charset="0"/>
+                                      </a:rPr>
                                       <m:t>𝑗</m:t>
                                     </m:r>
                                   </m:sub>
@@ -4780,19 +7195,25 @@
                           </m:e>
                           <m:sup>
                             <m:r>
-                              <a:rPr lang="en-GB" i="1"/>
+                              <a:rPr lang="en-GB" i="1">
+                                <a:latin typeface="Cambria Math" panose="02040503050406030204" pitchFamily="18" charset="0"/>
+                              </a:rPr>
                               <m:t>3</m:t>
                             </m:r>
                           </m:sup>
                         </m:sSup>
                         <m:r>
-                          <a:rPr lang="en-GB" i="1"/>
+                          <a:rPr lang="en-GB" i="1">
+                            <a:latin typeface="Cambria Math" panose="02040503050406030204" pitchFamily="18" charset="0"/>
+                          </a:rPr>
                           <m:t> </m:t>
                         </m:r>
                       </m:den>
                     </m:f>
                     <m:r>
-                      <a:rPr lang="en-GB" i="1"/>
+                      <a:rPr lang="en-GB" i="1">
+                        <a:latin typeface="Cambria Math" panose="02040503050406030204" pitchFamily="18" charset="0"/>
+                      </a:rPr>
                       <m:t> </m:t>
                     </m:r>
                   </m:oMath>
@@ -4889,7 +7310,7 @@
             </p:txBody>
           </p:sp>
         </mc:Choice>
-        <mc:Fallback>
+        <mc:Fallback xmlns="">
           <p:sp>
             <p:nvSpPr>
               <p:cNvPr id="3" name="Inhaltsplatzhalter 2"/>
@@ -4990,7 +7411,7 @@
           <a:p>
             <a:fld id="{FB9D3F8E-99BC-4812-95D4-548B8E992B94}" type="slidenum">
               <a:rPr lang="en-GB" smtClean="0"/>
-              <a:t>5</a:t>
+              <a:t>7</a:t>
             </a:fld>
             <a:endParaRPr lang="en-GB"/>
           </a:p>
@@ -5000,404 +7421,6 @@
     <p:extLst>
       <p:ext uri="{BB962C8B-B14F-4D97-AF65-F5344CB8AC3E}">
         <p14:creationId xmlns:p14="http://schemas.microsoft.com/office/powerpoint/2010/main" val="328334221"/>
-      </p:ext>
-    </p:extLst>
-  </p:cSld>
-  <p:clrMapOvr>
-    <a:masterClrMapping/>
-  </p:clrMapOvr>
-  <p:timing>
-    <p:tnLst>
-      <p:par>
-        <p:cTn id="1" dur="indefinite" restart="never" nodeType="tmRoot"/>
-      </p:par>
-    </p:tnLst>
-  </p:timing>
-</p:sld>
-</file>
-
-<file path=ppt/slides/slide6.xml><?xml version="1.0" encoding="utf-8"?>
-<p:sld xmlns:a="http://schemas.openxmlformats.org/drawingml/2006/main" xmlns:r="http://schemas.openxmlformats.org/officeDocument/2006/relationships" xmlns:p="http://schemas.openxmlformats.org/presentationml/2006/main">
-  <p:cSld>
-    <p:spTree>
-      <p:nvGrpSpPr>
-        <p:cNvPr id="1" name=""/>
-        <p:cNvGrpSpPr/>
-        <p:nvPr/>
-      </p:nvGrpSpPr>
-      <p:grpSpPr>
-        <a:xfrm>
-          <a:off x="0" y="0"/>
-          <a:ext cx="0" cy="0"/>
-          <a:chOff x="0" y="0"/>
-          <a:chExt cx="0" cy="0"/>
-        </a:xfrm>
-      </p:grpSpPr>
-      <p:sp>
-        <p:nvSpPr>
-          <p:cNvPr id="2" name="Titel 1"/>
-          <p:cNvSpPr>
-            <a:spLocks noGrp="1"/>
-          </p:cNvSpPr>
-          <p:nvPr>
-            <p:ph type="title"/>
-          </p:nvPr>
-        </p:nvSpPr>
-        <p:spPr/>
-        <p:txBody>
-          <a:bodyPr/>
-          <a:lstStyle/>
-          <a:p>
-            <a:r>
-              <a:rPr lang="en-GB" dirty="0" smtClean="0"/>
-              <a:t>Demonstration</a:t>
-            </a:r>
-            <a:endParaRPr lang="en-GB" dirty="0"/>
-          </a:p>
-        </p:txBody>
-      </p:sp>
-      <p:sp>
-        <p:nvSpPr>
-          <p:cNvPr id="3" name="Inhaltsplatzhalter 2"/>
-          <p:cNvSpPr>
-            <a:spLocks noGrp="1"/>
-          </p:cNvSpPr>
-          <p:nvPr>
-            <p:ph idx="1"/>
-          </p:nvPr>
-        </p:nvSpPr>
-        <p:spPr/>
-        <p:txBody>
-          <a:bodyPr/>
-          <a:lstStyle/>
-          <a:p>
-            <a:r>
-              <a:rPr lang="en-GB" dirty="0" smtClean="0"/>
-              <a:t>Our own ears pictures etc. like in method application, e.g. force field lines, moving test pixel initialisation, peaks/wells, edges (compare to </a:t>
-            </a:r>
-            <a:r>
-              <a:rPr lang="en-GB" dirty="0" err="1" smtClean="0"/>
-              <a:t>sobel</a:t>
-            </a:r>
-            <a:r>
-              <a:rPr lang="en-GB" dirty="0" smtClean="0"/>
-              <a:t>?), potential energy patterns</a:t>
-            </a:r>
-          </a:p>
-          <a:p>
-            <a:r>
-              <a:rPr lang="en-GB" dirty="0" smtClean="0"/>
-              <a:t>Live demo with camera</a:t>
-            </a:r>
-            <a:endParaRPr lang="en-GB" dirty="0"/>
-          </a:p>
-        </p:txBody>
-      </p:sp>
-      <p:sp>
-        <p:nvSpPr>
-          <p:cNvPr id="4" name="Datumsplatzhalter 3"/>
-          <p:cNvSpPr>
-            <a:spLocks noGrp="1"/>
-          </p:cNvSpPr>
-          <p:nvPr>
-            <p:ph type="dt" sz="half" idx="10"/>
-          </p:nvPr>
-        </p:nvSpPr>
-        <p:spPr/>
-        <p:txBody>
-          <a:bodyPr/>
-          <a:lstStyle/>
-          <a:p>
-            <a:r>
-              <a:rPr lang="en-US" smtClean="0"/>
-              <a:t>Ganiyu Ibraheem  Philipp Seybold</a:t>
-            </a:r>
-            <a:endParaRPr lang="en-GB" dirty="0"/>
-          </a:p>
-        </p:txBody>
-      </p:sp>
-      <p:sp>
-        <p:nvSpPr>
-          <p:cNvPr id="5" name="Fußzeilenplatzhalter 4"/>
-          <p:cNvSpPr>
-            <a:spLocks noGrp="1"/>
-          </p:cNvSpPr>
-          <p:nvPr>
-            <p:ph type="ftr" sz="quarter" idx="11"/>
-          </p:nvPr>
-        </p:nvSpPr>
-        <p:spPr/>
-        <p:txBody>
-          <a:bodyPr/>
-          <a:lstStyle/>
-          <a:p>
-            <a:r>
-              <a:rPr lang="en-GB" smtClean="0"/>
-              <a:t>COMP6206 Advanced Computer Vision</a:t>
-            </a:r>
-            <a:endParaRPr lang="en-GB"/>
-          </a:p>
-        </p:txBody>
-      </p:sp>
-      <p:sp>
-        <p:nvSpPr>
-          <p:cNvPr id="6" name="Foliennummernplatzhalter 5"/>
-          <p:cNvSpPr>
-            <a:spLocks noGrp="1"/>
-          </p:cNvSpPr>
-          <p:nvPr>
-            <p:ph type="sldNum" sz="quarter" idx="12"/>
-          </p:nvPr>
-        </p:nvSpPr>
-        <p:spPr/>
-        <p:txBody>
-          <a:bodyPr/>
-          <a:lstStyle/>
-          <a:p>
-            <a:fld id="{FB9D3F8E-99BC-4812-95D4-548B8E992B94}" type="slidenum">
-              <a:rPr lang="en-GB" smtClean="0"/>
-              <a:t>6</a:t>
-            </a:fld>
-            <a:endParaRPr lang="en-GB"/>
-          </a:p>
-        </p:txBody>
-      </p:sp>
-    </p:spTree>
-    <p:extLst>
-      <p:ext uri="{BB962C8B-B14F-4D97-AF65-F5344CB8AC3E}">
-        <p14:creationId xmlns:p14="http://schemas.microsoft.com/office/powerpoint/2010/main" val="3430909982"/>
-      </p:ext>
-    </p:extLst>
-  </p:cSld>
-  <p:clrMapOvr>
-    <a:masterClrMapping/>
-  </p:clrMapOvr>
-  <p:timing>
-    <p:tnLst>
-      <p:par>
-        <p:cTn id="1" dur="indefinite" restart="never" nodeType="tmRoot"/>
-      </p:par>
-    </p:tnLst>
-  </p:timing>
-</p:sld>
-</file>
-
-<file path=ppt/slides/slide7.xml><?xml version="1.0" encoding="utf-8"?>
-<p:sld xmlns:a="http://schemas.openxmlformats.org/drawingml/2006/main" xmlns:r="http://schemas.openxmlformats.org/officeDocument/2006/relationships" xmlns:p="http://schemas.openxmlformats.org/presentationml/2006/main">
-  <p:cSld>
-    <p:spTree>
-      <p:nvGrpSpPr>
-        <p:cNvPr id="1" name=""/>
-        <p:cNvGrpSpPr/>
-        <p:nvPr/>
-      </p:nvGrpSpPr>
-      <p:grpSpPr>
-        <a:xfrm>
-          <a:off x="0" y="0"/>
-          <a:ext cx="0" cy="0"/>
-          <a:chOff x="0" y="0"/>
-          <a:chExt cx="0" cy="0"/>
-        </a:xfrm>
-      </p:grpSpPr>
-      <p:sp>
-        <p:nvSpPr>
-          <p:cNvPr id="2" name="Titel 1"/>
-          <p:cNvSpPr>
-            <a:spLocks noGrp="1"/>
-          </p:cNvSpPr>
-          <p:nvPr>
-            <p:ph type="title"/>
-          </p:nvPr>
-        </p:nvSpPr>
-        <p:spPr/>
-        <p:txBody>
-          <a:bodyPr/>
-          <a:lstStyle/>
-          <a:p>
-            <a:r>
-              <a:rPr lang="en-GB" dirty="0" smtClean="0"/>
-              <a:t>Result</a:t>
-            </a:r>
-            <a:endParaRPr lang="en-GB" dirty="0"/>
-          </a:p>
-        </p:txBody>
-      </p:sp>
-      <p:sp>
-        <p:nvSpPr>
-          <p:cNvPr id="3" name="Inhaltsplatzhalter 2"/>
-          <p:cNvSpPr>
-            <a:spLocks noGrp="1"/>
-          </p:cNvSpPr>
-          <p:nvPr>
-            <p:ph idx="1"/>
-          </p:nvPr>
-        </p:nvSpPr>
-        <p:spPr/>
-        <p:txBody>
-          <a:bodyPr>
-            <a:normAutofit fontScale="92500" lnSpcReduction="10000"/>
-          </a:bodyPr>
-          <a:lstStyle/>
-          <a:p>
-            <a:pPr lvl="0"/>
-            <a:r>
-              <a:rPr lang="en-GB" dirty="0"/>
-              <a:t>Advantages:</a:t>
-            </a:r>
-          </a:p>
-          <a:p>
-            <a:pPr lvl="1"/>
-            <a:r>
-              <a:rPr lang="en-GB" dirty="0"/>
-              <a:t>Simplified implementation in time domain</a:t>
-            </a:r>
-          </a:p>
-          <a:p>
-            <a:pPr lvl="1"/>
-            <a:r>
-              <a:rPr lang="en-GB" dirty="0"/>
-              <a:t>Time complexity reduced due to working in frequency domain: O(n * log(n))</a:t>
-            </a:r>
-          </a:p>
-          <a:p>
-            <a:pPr lvl="1"/>
-            <a:r>
-              <a:rPr lang="en-GB" dirty="0"/>
-              <a:t>Impervious to distortion in image due to motion</a:t>
-            </a:r>
-          </a:p>
-          <a:p>
-            <a:pPr lvl="1"/>
-            <a:r>
-              <a:rPr lang="en-GB" dirty="0"/>
-              <a:t>Finds application in edge detection</a:t>
-            </a:r>
-          </a:p>
-          <a:p>
-            <a:pPr lvl="1"/>
-            <a:r>
-              <a:rPr lang="en-GB" dirty="0"/>
-              <a:t>Higher efficiency (99.2%) as compared to other techniques</a:t>
-            </a:r>
-          </a:p>
-          <a:p>
-            <a:pPr lvl="0"/>
-            <a:r>
-              <a:rPr lang="en-GB" dirty="0"/>
-              <a:t>Disadvantages:</a:t>
-            </a:r>
-          </a:p>
-          <a:p>
-            <a:pPr lvl="1"/>
-            <a:r>
-              <a:rPr lang="en-GB" dirty="0"/>
-              <a:t>At times, transform generates only one ‘well’ (source, origin</a:t>
-            </a:r>
-            <a:r>
-              <a:rPr lang="en-GB" sz="2800" dirty="0"/>
-              <a:t>)</a:t>
-            </a:r>
-            <a:endParaRPr lang="en-GB" dirty="0"/>
-          </a:p>
-          <a:p>
-            <a:pPr lvl="1"/>
-            <a:r>
-              <a:rPr lang="en-GB" dirty="0"/>
-              <a:t>High computational costs for brute-force method: O(n²)</a:t>
-            </a:r>
-          </a:p>
-          <a:p>
-            <a:pPr lvl="1"/>
-            <a:r>
-              <a:rPr lang="en-GB" dirty="0"/>
-              <a:t>Not widely applicable</a:t>
-            </a:r>
-          </a:p>
-          <a:p>
-            <a:pPr lvl="1"/>
-            <a:r>
-              <a:rPr lang="en-GB" dirty="0"/>
-              <a:t>Occlusion by hair</a:t>
-            </a:r>
-          </a:p>
-          <a:p>
-            <a:endParaRPr lang="en-GB" dirty="0"/>
-          </a:p>
-        </p:txBody>
-      </p:sp>
-      <p:sp>
-        <p:nvSpPr>
-          <p:cNvPr id="4" name="Datumsplatzhalter 3"/>
-          <p:cNvSpPr>
-            <a:spLocks noGrp="1"/>
-          </p:cNvSpPr>
-          <p:nvPr>
-            <p:ph type="dt" sz="half" idx="10"/>
-          </p:nvPr>
-        </p:nvSpPr>
-        <p:spPr/>
-        <p:txBody>
-          <a:bodyPr/>
-          <a:lstStyle/>
-          <a:p>
-            <a:r>
-              <a:rPr lang="en-US" smtClean="0"/>
-              <a:t>Ganiyu Ibraheem  Philipp Seybold</a:t>
-            </a:r>
-            <a:endParaRPr lang="en-GB" dirty="0"/>
-          </a:p>
-        </p:txBody>
-      </p:sp>
-      <p:sp>
-        <p:nvSpPr>
-          <p:cNvPr id="5" name="Fußzeilenplatzhalter 4"/>
-          <p:cNvSpPr>
-            <a:spLocks noGrp="1"/>
-          </p:cNvSpPr>
-          <p:nvPr>
-            <p:ph type="ftr" sz="quarter" idx="11"/>
-          </p:nvPr>
-        </p:nvSpPr>
-        <p:spPr/>
-        <p:txBody>
-          <a:bodyPr/>
-          <a:lstStyle/>
-          <a:p>
-            <a:r>
-              <a:rPr lang="en-GB" smtClean="0"/>
-              <a:t>COMP6206 Advanced Computer Vision</a:t>
-            </a:r>
-            <a:endParaRPr lang="en-GB"/>
-          </a:p>
-        </p:txBody>
-      </p:sp>
-      <p:sp>
-        <p:nvSpPr>
-          <p:cNvPr id="6" name="Foliennummernplatzhalter 5"/>
-          <p:cNvSpPr>
-            <a:spLocks noGrp="1"/>
-          </p:cNvSpPr>
-          <p:nvPr>
-            <p:ph type="sldNum" sz="quarter" idx="12"/>
-          </p:nvPr>
-        </p:nvSpPr>
-        <p:spPr/>
-        <p:txBody>
-          <a:bodyPr/>
-          <a:lstStyle/>
-          <a:p>
-            <a:fld id="{FB9D3F8E-99BC-4812-95D4-548B8E992B94}" type="slidenum">
-              <a:rPr lang="en-GB" smtClean="0"/>
-              <a:t>7</a:t>
-            </a:fld>
-            <a:endParaRPr lang="en-GB"/>
-          </a:p>
-        </p:txBody>
-      </p:sp>
-    </p:spTree>
-    <p:extLst>
-      <p:ext uri="{BB962C8B-B14F-4D97-AF65-F5344CB8AC3E}">
-        <p14:creationId xmlns:p14="http://schemas.microsoft.com/office/powerpoint/2010/main" val="1276399475"/>
       </p:ext>
     </p:extLst>
   </p:cSld>
@@ -5443,12 +7466,14 @@
         </p:nvSpPr>
         <p:spPr/>
         <p:txBody>
-          <a:bodyPr/>
+          <a:bodyPr>
+            <a:normAutofit/>
+          </a:bodyPr>
           <a:lstStyle/>
           <a:p>
             <a:r>
               <a:rPr lang="en-GB" dirty="0" smtClean="0"/>
-              <a:t>Result</a:t>
+              <a:t>Demonstration</a:t>
             </a:r>
             <a:endParaRPr lang="en-GB" dirty="0"/>
           </a:p>
@@ -5471,7 +7496,21 @@
           <a:p>
             <a:r>
               <a:rPr lang="en-GB" dirty="0" smtClean="0"/>
-              <a:t>Other application areas?</a:t>
+              <a:t>Our own ears pictures etc. like in method application, e.g. force field lines, moving test pixel initialisation, peaks/wells, edges (compare to </a:t>
+            </a:r>
+            <a:r>
+              <a:rPr lang="en-GB" dirty="0" err="1" smtClean="0"/>
+              <a:t>sobel</a:t>
+            </a:r>
+            <a:r>
+              <a:rPr lang="en-GB" dirty="0" smtClean="0"/>
+              <a:t>?), potential energy patterns</a:t>
+            </a:r>
+          </a:p>
+          <a:p>
+            <a:r>
+              <a:rPr lang="en-GB" dirty="0" smtClean="0"/>
+              <a:t>Live demo with camera</a:t>
             </a:r>
             <a:endParaRPr lang="en-GB" dirty="0"/>
           </a:p>
@@ -5549,7 +7588,7 @@
     </p:spTree>
     <p:extLst>
       <p:ext uri="{BB962C8B-B14F-4D97-AF65-F5344CB8AC3E}">
-        <p14:creationId xmlns:p14="http://schemas.microsoft.com/office/powerpoint/2010/main" val="1695073607"/>
+        <p14:creationId xmlns:p14="http://schemas.microsoft.com/office/powerpoint/2010/main" val="3430909982"/>
       </p:ext>
     </p:extLst>
   </p:cSld>
@@ -5595,12 +7634,14 @@
         </p:nvSpPr>
         <p:spPr/>
         <p:txBody>
-          <a:bodyPr/>
+          <a:bodyPr>
+            <a:normAutofit/>
+          </a:bodyPr>
           <a:lstStyle/>
           <a:p>
             <a:r>
               <a:rPr lang="en-GB" dirty="0" smtClean="0"/>
-              <a:t>Discussion</a:t>
+              <a:t>Result</a:t>
             </a:r>
             <a:endParaRPr lang="en-GB" dirty="0"/>
           </a:p>
@@ -5618,21 +7659,93 @@
         </p:nvSpPr>
         <p:spPr/>
         <p:txBody>
-          <a:bodyPr/>
-          <a:lstStyle/>
-          <a:p>
-            <a:r>
-              <a:rPr lang="en-GB" dirty="0" smtClean="0"/>
-              <a:t>Any Questions?</a:t>
-            </a:r>
-          </a:p>
-          <a:p>
+          <a:bodyPr>
+            <a:normAutofit fontScale="92500" lnSpcReduction="10000"/>
+          </a:bodyPr>
+          <a:lstStyle/>
+          <a:p>
+            <a:pPr lvl="0"/>
+            <a:r>
+              <a:rPr lang="en-GB" dirty="0"/>
+              <a:t>Advantages:</a:t>
+            </a:r>
+          </a:p>
+          <a:p>
+            <a:pPr lvl="1"/>
+            <a:r>
+              <a:rPr lang="en-GB" dirty="0"/>
+              <a:t>Simplified implementation in time domain</a:t>
+            </a:r>
+          </a:p>
+          <a:p>
+            <a:pPr lvl="1"/>
+            <a:r>
+              <a:rPr lang="en-GB" dirty="0"/>
+              <a:t>Time complexity reduced due to working in frequency domain: O(n * log(n))</a:t>
+            </a:r>
+          </a:p>
+          <a:p>
+            <a:pPr lvl="1"/>
+            <a:r>
+              <a:rPr lang="en-GB" dirty="0"/>
+              <a:t>Impervious to distortion in image due to motion</a:t>
+            </a:r>
+          </a:p>
+          <a:p>
+            <a:pPr lvl="1"/>
+            <a:r>
+              <a:rPr lang="en-GB" dirty="0"/>
+              <a:t>Finds application in edge detection</a:t>
+            </a:r>
+          </a:p>
+          <a:p>
+            <a:pPr lvl="1"/>
+            <a:r>
+              <a:rPr lang="en-GB" dirty="0"/>
+              <a:t>Higher efficiency (99.2%) as compared to other techniques</a:t>
+            </a:r>
+          </a:p>
+          <a:p>
+            <a:pPr lvl="0"/>
+            <a:r>
+              <a:rPr lang="en-GB" dirty="0"/>
+              <a:t>Disadvantages:</a:t>
+            </a:r>
+          </a:p>
+          <a:p>
+            <a:pPr lvl="1"/>
+            <a:r>
+              <a:rPr lang="en-GB" dirty="0"/>
+              <a:t>At times, transform generates only one ‘well’ (source, origin</a:t>
+            </a:r>
+            <a:r>
+              <a:rPr lang="en-GB" sz="2800" dirty="0"/>
+              <a:t>)</a:t>
+            </a:r>
             <a:endParaRPr lang="en-GB" dirty="0"/>
           </a:p>
           <a:p>
-            <a:pPr marL="0" indent="0">
-              <a:buNone/>
-            </a:pPr>
+            <a:pPr lvl="1"/>
+            <a:r>
+              <a:rPr lang="en-GB" dirty="0"/>
+              <a:t>High computational costs for brute-force method: O(n²)</a:t>
+            </a:r>
+          </a:p>
+          <a:p>
+            <a:pPr lvl="1"/>
+            <a:r>
+              <a:rPr lang="en-GB" dirty="0"/>
+              <a:t>Not widely applicable</a:t>
+            </a:r>
+          </a:p>
+          <a:p>
+            <a:pPr lvl="1"/>
+            <a:r>
+              <a:rPr lang="en-GB" dirty="0"/>
+              <a:t>Occlusion by hair</a:t>
+            </a:r>
+          </a:p>
+          <a:p>
             <a:endParaRPr lang="en-GB" dirty="0"/>
           </a:p>
         </p:txBody>
@@ -5706,51 +7819,10 @@
           </a:p>
         </p:txBody>
       </p:sp>
-      <p:pic>
-        <p:nvPicPr>
-          <p:cNvPr id="1028" name="Picture 4" descr="https://justshootitpodcast.files.wordpress.com/2016/01/questions.jpg?w=428&amp;h=281&amp;crop=1"/>
-          <p:cNvPicPr>
-            <a:picLocks noChangeAspect="1" noChangeArrowheads="1"/>
-          </p:cNvPicPr>
-          <p:nvPr/>
-        </p:nvPicPr>
-        <p:blipFill>
-          <a:blip r:embed="rId2">
-            <a:extLst>
-              <a:ext uri="{28A0092B-C50C-407E-A947-70E740481C1C}">
-                <a14:useLocalDpi xmlns:a14="http://schemas.microsoft.com/office/drawing/2010/main" val="0"/>
-              </a:ext>
-            </a:extLst>
-          </a:blip>
-          <a:srcRect/>
-          <a:stretch>
-            <a:fillRect/>
-          </a:stretch>
-        </p:blipFill>
-        <p:spPr bwMode="auto">
-          <a:xfrm>
-            <a:off x="495300" y="2663031"/>
-            <a:ext cx="4076700" cy="2676525"/>
-          </a:xfrm>
-          <a:prstGeom prst="rect">
-            <a:avLst/>
-          </a:prstGeom>
-          <a:noFill/>
-          <a:extLst>
-            <a:ext uri="{909E8E84-426E-40DD-AFC4-6F175D3DCCD1}">
-              <a14:hiddenFill xmlns:a14="http://schemas.microsoft.com/office/drawing/2010/main">
-                <a:solidFill>
-                  <a:srgbClr val="FFFFFF"/>
-                </a:solidFill>
-              </a14:hiddenFill>
-            </a:ext>
-          </a:extLst>
-        </p:spPr>
-      </p:pic>
     </p:spTree>
     <p:extLst>
       <p:ext uri="{BB962C8B-B14F-4D97-AF65-F5344CB8AC3E}">
-        <p14:creationId xmlns:p14="http://schemas.microsoft.com/office/powerpoint/2010/main" val="1772213154"/>
+        <p14:creationId xmlns:p14="http://schemas.microsoft.com/office/powerpoint/2010/main" val="1276399475"/>
       </p:ext>
     </p:extLst>
   </p:cSld>

--- a/Force Field Transformation.pptx
+++ b/Force Field Transformation.pptx
@@ -208,7 +208,7 @@
           <a:p>
             <a:fld id="{2D375E8E-D067-40BE-8067-60BEC63713A2}" type="datetimeFigureOut">
               <a:rPr lang="en-GB" smtClean="0"/>
-              <a:t>02/02/2018</a:t>
+              <a:t>03/02/2018</a:t>
             </a:fld>
             <a:endParaRPr lang="en-GB"/>
           </a:p>
@@ -272,35 +272,35 @@
           <a:p>
             <a:pPr lvl="0"/>
             <a:r>
-              <a:rPr lang="de-DE" smtClean="0"/>
+              <a:rPr lang="de-DE"/>
               <a:t>Formatvorlagen des Textmasters bearbeiten</a:t>
             </a:r>
           </a:p>
           <a:p>
             <a:pPr lvl="1"/>
             <a:r>
-              <a:rPr lang="de-DE" smtClean="0"/>
+              <a:rPr lang="de-DE"/>
               <a:t>Zweite Ebene</a:t>
             </a:r>
           </a:p>
           <a:p>
             <a:pPr lvl="2"/>
             <a:r>
-              <a:rPr lang="de-DE" smtClean="0"/>
+              <a:rPr lang="de-DE"/>
               <a:t>Dritte Ebene</a:t>
             </a:r>
           </a:p>
           <a:p>
             <a:pPr lvl="3"/>
             <a:r>
-              <a:rPr lang="de-DE" smtClean="0"/>
+              <a:rPr lang="de-DE"/>
               <a:t>Vierte Ebene</a:t>
             </a:r>
           </a:p>
           <a:p>
             <a:pPr lvl="4"/>
             <a:r>
-              <a:rPr lang="de-DE" smtClean="0"/>
+              <a:rPr lang="de-DE"/>
               <a:t>Fünfte Ebene</a:t>
             </a:r>
             <a:endParaRPr lang="en-GB"/>
@@ -367,7 +367,7 @@
           <a:p>
             <a:fld id="{EF2D93C9-B2FF-4D76-8851-D84BA33B2773}" type="slidenum">
               <a:rPr lang="en-GB" smtClean="0"/>
-              <a:t>‹Nr.›</a:t>
+              <a:t>‹#›</a:t>
             </a:fld>
             <a:endParaRPr lang="en-GB"/>
           </a:p>
@@ -525,7 +525,7 @@
               <a:buChar char="•"/>
             </a:pPr>
             <a:r>
-              <a:rPr lang="en-GB" dirty="0" smtClean="0"/>
+              <a:rPr lang="en-GB" dirty="0"/>
               <a:t>Objective:</a:t>
             </a:r>
           </a:p>
@@ -535,7 +535,7 @@
               <a:buChar char="•"/>
             </a:pPr>
             <a:r>
-              <a:rPr lang="en-GB" dirty="0" smtClean="0"/>
+              <a:rPr lang="en-GB" dirty="0"/>
               <a:t>reduce dimensionality of pattern space</a:t>
             </a:r>
           </a:p>
@@ -545,7 +545,7 @@
               <a:buChar char="•"/>
             </a:pPr>
             <a:r>
-              <a:rPr lang="en-GB" dirty="0" smtClean="0"/>
+              <a:rPr lang="en-GB" dirty="0"/>
               <a:t>yet maintain discriminator power for classification and invariant description</a:t>
             </a:r>
           </a:p>
@@ -555,7 +555,7 @@
               <a:buChar char="•"/>
             </a:pPr>
             <a:r>
-              <a:rPr lang="en-GB" dirty="0" smtClean="0"/>
+              <a:rPr lang="en-GB" dirty="0"/>
               <a:t>Used/invented by … for ear biometric</a:t>
             </a:r>
           </a:p>
@@ -649,7 +649,7 @@
               <a:buAutoNum type="arabicPeriod"/>
             </a:pPr>
             <a:r>
-              <a:rPr lang="en-GB" dirty="0" smtClean="0"/>
+              <a:rPr lang="en-GB" dirty="0"/>
               <a:t>Approaches:</a:t>
             </a:r>
           </a:p>
@@ -659,14 +659,14 @@
               <a:buAutoNum type="arabicPeriod"/>
             </a:pPr>
             <a:r>
-              <a:rPr lang="en-GB" dirty="0" smtClean="0"/>
+              <a:rPr lang="en-GB" dirty="0"/>
               <a:t>Brute Force:</a:t>
             </a:r>
             <a:br>
-              <a:rPr lang="en-GB" dirty="0" smtClean="0"/>
+              <a:rPr lang="en-GB" dirty="0"/>
             </a:br>
             <a:r>
-              <a:rPr lang="en-GB" dirty="0" smtClean="0"/>
+              <a:rPr lang="en-GB" dirty="0"/>
               <a:t>Each pixel is transformed using the Energy &amp; Force equations</a:t>
             </a:r>
           </a:p>
@@ -676,14 +676,14 @@
               <a:buAutoNum type="arabicPeriod"/>
             </a:pPr>
             <a:r>
-              <a:rPr lang="en-GB" dirty="0" smtClean="0"/>
+              <a:rPr lang="en-GB" dirty="0"/>
               <a:t>Frequency Domain Analysis: </a:t>
             </a:r>
             <a:br>
-              <a:rPr lang="en-GB" dirty="0" smtClean="0"/>
+              <a:rPr lang="en-GB" dirty="0"/>
             </a:br>
             <a:r>
-              <a:rPr lang="en-GB" dirty="0" smtClean="0"/>
+              <a:rPr lang="en-GB" dirty="0"/>
               <a:t>Fourier Transform etc. and then equations applied</a:t>
             </a:r>
           </a:p>
@@ -774,14 +774,14 @@
           <a:p>
             <a:pPr lvl="0"/>
             <a:r>
-              <a:rPr lang="en-GB" dirty="0" smtClean="0"/>
+              <a:rPr lang="en-GB" dirty="0"/>
               <a:t>Assumption: (for mathematical convenience):</a:t>
             </a:r>
             <a:br>
-              <a:rPr lang="en-GB" dirty="0" smtClean="0"/>
+              <a:rPr lang="en-GB" dirty="0"/>
             </a:br>
             <a:r>
-              <a:rPr lang="en-GB" dirty="0" smtClean="0"/>
+              <a:rPr lang="en-GB" dirty="0"/>
               <a:t>Each pixel exerts an isotropic force on all the other pixels (they represent attractive particles, that act as the source of a spherically symmetric force field) that is proportional to pixel intensity and inversely proportional to the square of the distance, i.e. the inverse square law</a:t>
             </a:r>
           </a:p>
@@ -872,14 +872,14 @@
           <a:p>
             <a:pPr lvl="0"/>
             <a:r>
-              <a:rPr lang="en-GB" dirty="0" smtClean="0"/>
+              <a:rPr lang="en-GB" dirty="0"/>
               <a:t>Assumption: (for mathematical convenience):</a:t>
             </a:r>
             <a:br>
-              <a:rPr lang="en-GB" dirty="0" smtClean="0"/>
+              <a:rPr lang="en-GB" dirty="0"/>
             </a:br>
             <a:r>
-              <a:rPr lang="en-GB" dirty="0" smtClean="0"/>
+              <a:rPr lang="en-GB" dirty="0"/>
               <a:t>Each pixel exerts an isotropic force on all the other pixels (they represent attractive particles, that act as the source of a spherically symmetric force field) that is proportional to pixel intensity and inversely proportional to the square of the distance, i.e. the inverse square law</a:t>
             </a:r>
           </a:p>
@@ -966,7 +966,7 @@
           </a:lstStyle>
           <a:p>
             <a:r>
-              <a:rPr lang="de-DE" smtClean="0"/>
+              <a:rPr lang="de-DE"/>
               <a:t>Titelmasterformat durch Klicken bearbeiten</a:t>
             </a:r>
             <a:endParaRPr lang="en-US" dirty="0"/>
@@ -1031,7 +1031,7 @@
           </a:lstStyle>
           <a:p>
             <a:r>
-              <a:rPr lang="de-DE" dirty="0" smtClean="0"/>
+              <a:rPr lang="de-DE" dirty="0"/>
               <a:t>Formatvorlage des Untertitelmasters durch Klicken bearbeiten</a:t>
             </a:r>
             <a:endParaRPr lang="en-US" dirty="0"/>
@@ -1054,7 +1054,7 @@
           <a:lstStyle/>
           <a:p>
             <a:r>
-              <a:rPr lang="en-US" smtClean="0"/>
+              <a:rPr lang="en-US"/>
               <a:t>Ganiyu Ibraheem  Philipp Seybold</a:t>
             </a:r>
             <a:endParaRPr lang="en-GB" dirty="0"/>
@@ -1077,10 +1077,9 @@
           <a:lstStyle/>
           <a:p>
             <a:r>
-              <a:rPr lang="en-GB" dirty="0" smtClean="0"/>
+              <a:rPr lang="en-GB" dirty="0"/>
               <a:t>COMP6206 Advanced Computer Vision</a:t>
             </a:r>
-            <a:endParaRPr lang="en-GB" dirty="0"/>
           </a:p>
         </p:txBody>
       </p:sp>
@@ -1101,7 +1100,7 @@
           <a:p>
             <a:fld id="{FB9D3F8E-99BC-4812-95D4-548B8E992B94}" type="slidenum">
               <a:rPr lang="en-GB" smtClean="0"/>
-              <a:t>‹Nr.›</a:t>
+              <a:t>‹#›</a:t>
             </a:fld>
             <a:endParaRPr lang="en-GB"/>
           </a:p>
@@ -1117,13 +1116,6 @@
   <p:clrMapOvr>
     <a:masterClrMapping/>
   </p:clrMapOvr>
-  <p:timing>
-    <p:tnLst>
-      <p:par>
-        <p:cTn id="1" dur="indefinite" restart="never" nodeType="tmRoot"/>
-      </p:par>
-    </p:tnLst>
-  </p:timing>
 </p:sldLayout>
 </file>
 
@@ -1160,7 +1152,7 @@
           <a:lstStyle/>
           <a:p>
             <a:r>
-              <a:rPr lang="de-DE" smtClean="0"/>
+              <a:rPr lang="de-DE"/>
               <a:t>Titelmasterformat durch Klicken bearbeiten</a:t>
             </a:r>
             <a:endParaRPr lang="en-US" dirty="0"/>
@@ -1184,35 +1176,35 @@
           <a:p>
             <a:pPr lvl="0"/>
             <a:r>
-              <a:rPr lang="de-DE" smtClean="0"/>
+              <a:rPr lang="de-DE"/>
               <a:t>Formatvorlagen des Textmasters bearbeiten</a:t>
             </a:r>
           </a:p>
           <a:p>
             <a:pPr lvl="1"/>
             <a:r>
-              <a:rPr lang="de-DE" smtClean="0"/>
+              <a:rPr lang="de-DE"/>
               <a:t>Zweite Ebene</a:t>
             </a:r>
           </a:p>
           <a:p>
             <a:pPr lvl="2"/>
             <a:r>
-              <a:rPr lang="de-DE" smtClean="0"/>
+              <a:rPr lang="de-DE"/>
               <a:t>Dritte Ebene</a:t>
             </a:r>
           </a:p>
           <a:p>
             <a:pPr lvl="3"/>
             <a:r>
-              <a:rPr lang="de-DE" smtClean="0"/>
+              <a:rPr lang="de-DE"/>
               <a:t>Vierte Ebene</a:t>
             </a:r>
           </a:p>
           <a:p>
             <a:pPr lvl="4"/>
             <a:r>
-              <a:rPr lang="de-DE" smtClean="0"/>
+              <a:rPr lang="de-DE"/>
               <a:t>Fünfte Ebene</a:t>
             </a:r>
             <a:endParaRPr lang="en-US" dirty="0"/>
@@ -1235,7 +1227,7 @@
           <a:lstStyle/>
           <a:p>
             <a:r>
-              <a:rPr lang="en-US" smtClean="0"/>
+              <a:rPr lang="en-US"/>
               <a:t>Ganiyu Ibraheem  Philipp Seybold</a:t>
             </a:r>
             <a:endParaRPr lang="en-GB"/>
@@ -1258,10 +1250,9 @@
           <a:lstStyle/>
           <a:p>
             <a:r>
-              <a:rPr lang="en-GB" smtClean="0"/>
+              <a:rPr lang="en-GB"/>
               <a:t>COMP6206 Advanced Computer Vision</a:t>
             </a:r>
-            <a:endParaRPr lang="en-GB"/>
           </a:p>
         </p:txBody>
       </p:sp>
@@ -1282,7 +1273,7 @@
           <a:p>
             <a:fld id="{FB9D3F8E-99BC-4812-95D4-548B8E992B94}" type="slidenum">
               <a:rPr lang="en-GB" smtClean="0"/>
-              <a:t>‹Nr.›</a:t>
+              <a:t>‹#›</a:t>
             </a:fld>
             <a:endParaRPr lang="en-GB"/>
           </a:p>
@@ -1298,13 +1289,6 @@
   <p:clrMapOvr>
     <a:masterClrMapping/>
   </p:clrMapOvr>
-  <p:timing>
-    <p:tnLst>
-      <p:par>
-        <p:cTn id="1" dur="indefinite" restart="never" nodeType="tmRoot"/>
-      </p:par>
-    </p:tnLst>
-  </p:timing>
 </p:sldLayout>
 </file>
 
@@ -1346,7 +1330,7 @@
           <a:lstStyle/>
           <a:p>
             <a:r>
-              <a:rPr lang="de-DE" smtClean="0"/>
+              <a:rPr lang="de-DE"/>
               <a:t>Titelmasterformat durch Klicken bearbeiten</a:t>
             </a:r>
             <a:endParaRPr lang="en-US" dirty="0"/>
@@ -1375,35 +1359,35 @@
           <a:p>
             <a:pPr lvl="0"/>
             <a:r>
-              <a:rPr lang="de-DE" smtClean="0"/>
+              <a:rPr lang="de-DE"/>
               <a:t>Formatvorlagen des Textmasters bearbeiten</a:t>
             </a:r>
           </a:p>
           <a:p>
             <a:pPr lvl="1"/>
             <a:r>
-              <a:rPr lang="de-DE" smtClean="0"/>
+              <a:rPr lang="de-DE"/>
               <a:t>Zweite Ebene</a:t>
             </a:r>
           </a:p>
           <a:p>
             <a:pPr lvl="2"/>
             <a:r>
-              <a:rPr lang="de-DE" smtClean="0"/>
+              <a:rPr lang="de-DE"/>
               <a:t>Dritte Ebene</a:t>
             </a:r>
           </a:p>
           <a:p>
             <a:pPr lvl="3"/>
             <a:r>
-              <a:rPr lang="de-DE" smtClean="0"/>
+              <a:rPr lang="de-DE"/>
               <a:t>Vierte Ebene</a:t>
             </a:r>
           </a:p>
           <a:p>
             <a:pPr lvl="4"/>
             <a:r>
-              <a:rPr lang="de-DE" smtClean="0"/>
+              <a:rPr lang="de-DE"/>
               <a:t>Fünfte Ebene</a:t>
             </a:r>
             <a:endParaRPr lang="en-US" dirty="0"/>
@@ -1426,7 +1410,7 @@
           <a:lstStyle/>
           <a:p>
             <a:r>
-              <a:rPr lang="en-US" smtClean="0"/>
+              <a:rPr lang="en-US"/>
               <a:t>Ganiyu Ibraheem  Philipp Seybold</a:t>
             </a:r>
             <a:endParaRPr lang="en-GB"/>
@@ -1449,10 +1433,9 @@
           <a:lstStyle/>
           <a:p>
             <a:r>
-              <a:rPr lang="en-GB" smtClean="0"/>
+              <a:rPr lang="en-GB"/>
               <a:t>COMP6206 Advanced Computer Vision</a:t>
             </a:r>
-            <a:endParaRPr lang="en-GB"/>
           </a:p>
         </p:txBody>
       </p:sp>
@@ -1473,7 +1456,7 @@
           <a:p>
             <a:fld id="{FB9D3F8E-99BC-4812-95D4-548B8E992B94}" type="slidenum">
               <a:rPr lang="en-GB" smtClean="0"/>
-              <a:t>‹Nr.›</a:t>
+              <a:t>‹#›</a:t>
             </a:fld>
             <a:endParaRPr lang="en-GB"/>
           </a:p>
@@ -1536,7 +1519,7 @@
           </a:lstStyle>
           <a:p>
             <a:r>
-              <a:rPr lang="de-DE" dirty="0" smtClean="0"/>
+              <a:rPr lang="de-DE" dirty="0"/>
               <a:t>Titelmasterformat</a:t>
             </a:r>
             <a:endParaRPr lang="en-US" dirty="0"/>
@@ -1565,35 +1548,35 @@
           <a:p>
             <a:pPr lvl="0"/>
             <a:r>
-              <a:rPr lang="de-DE" dirty="0" smtClean="0"/>
+              <a:rPr lang="de-DE" dirty="0"/>
               <a:t>Formatvorlagen des Textmasters bearbeiten</a:t>
             </a:r>
           </a:p>
           <a:p>
             <a:pPr lvl="1"/>
             <a:r>
-              <a:rPr lang="de-DE" dirty="0" smtClean="0"/>
+              <a:rPr lang="de-DE" dirty="0"/>
               <a:t>Zweite Ebene</a:t>
             </a:r>
           </a:p>
           <a:p>
             <a:pPr lvl="2"/>
             <a:r>
-              <a:rPr lang="de-DE" dirty="0" smtClean="0"/>
+              <a:rPr lang="de-DE" dirty="0"/>
               <a:t>Dritte Ebene</a:t>
             </a:r>
           </a:p>
           <a:p>
             <a:pPr lvl="3"/>
             <a:r>
-              <a:rPr lang="de-DE" dirty="0" smtClean="0"/>
+              <a:rPr lang="de-DE" dirty="0"/>
               <a:t>Vierte Ebene</a:t>
             </a:r>
           </a:p>
           <a:p>
             <a:pPr lvl="4"/>
             <a:r>
-              <a:rPr lang="de-DE" dirty="0" smtClean="0"/>
+              <a:rPr lang="de-DE" dirty="0"/>
               <a:t>Fünfte Ebene</a:t>
             </a:r>
             <a:endParaRPr lang="en-US" dirty="0"/>
@@ -1616,7 +1599,7 @@
           <a:lstStyle/>
           <a:p>
             <a:r>
-              <a:rPr lang="en-US" smtClean="0"/>
+              <a:rPr lang="en-US"/>
               <a:t>Ganiyu Ibraheem  Philipp Seybold</a:t>
             </a:r>
             <a:endParaRPr lang="en-GB" dirty="0"/>
@@ -1639,10 +1622,9 @@
           <a:lstStyle/>
           <a:p>
             <a:r>
-              <a:rPr lang="en-GB" smtClean="0"/>
+              <a:rPr lang="en-GB"/>
               <a:t>COMP6206 Advanced Computer Vision</a:t>
             </a:r>
-            <a:endParaRPr lang="en-GB"/>
           </a:p>
         </p:txBody>
       </p:sp>
@@ -1663,7 +1645,7 @@
           <a:p>
             <a:fld id="{FB9D3F8E-99BC-4812-95D4-548B8E992B94}" type="slidenum">
               <a:rPr lang="en-GB" smtClean="0"/>
-              <a:t>‹Nr.›</a:t>
+              <a:t>‹#›</a:t>
             </a:fld>
             <a:endParaRPr lang="en-GB"/>
           </a:p>
@@ -1709,13 +1691,6 @@
   <p:clrMapOvr>
     <a:masterClrMapping/>
   </p:clrMapOvr>
-  <p:timing>
-    <p:tnLst>
-      <p:par>
-        <p:cTn id="1" dur="indefinite" restart="never" nodeType="tmRoot"/>
-      </p:par>
-    </p:tnLst>
-  </p:timing>
 </p:sldLayout>
 </file>
 
@@ -1761,7 +1736,7 @@
           </a:lstStyle>
           <a:p>
             <a:r>
-              <a:rPr lang="de-DE" smtClean="0"/>
+              <a:rPr lang="de-DE"/>
               <a:t>Titelmasterformat durch Klicken bearbeiten</a:t>
             </a:r>
             <a:endParaRPr lang="en-US" dirty="0"/>
@@ -1879,7 +1854,7 @@
           <a:p>
             <a:pPr lvl="0"/>
             <a:r>
-              <a:rPr lang="de-DE" smtClean="0"/>
+              <a:rPr lang="de-DE"/>
               <a:t>Formatvorlagen des Textmasters bearbeiten</a:t>
             </a:r>
           </a:p>
@@ -1901,7 +1876,7 @@
           <a:lstStyle/>
           <a:p>
             <a:r>
-              <a:rPr lang="en-US" smtClean="0"/>
+              <a:rPr lang="en-US"/>
               <a:t>Ganiyu Ibraheem  Philipp Seybold</a:t>
             </a:r>
             <a:endParaRPr lang="en-GB"/>
@@ -1924,10 +1899,9 @@
           <a:lstStyle/>
           <a:p>
             <a:r>
-              <a:rPr lang="en-GB" smtClean="0"/>
+              <a:rPr lang="en-GB"/>
               <a:t>COMP6206 Advanced Computer Vision</a:t>
             </a:r>
-            <a:endParaRPr lang="en-GB"/>
           </a:p>
         </p:txBody>
       </p:sp>
@@ -1948,7 +1922,7 @@
           <a:p>
             <a:fld id="{FB9D3F8E-99BC-4812-95D4-548B8E992B94}" type="slidenum">
               <a:rPr lang="en-GB" smtClean="0"/>
-              <a:t>‹Nr.›</a:t>
+              <a:t>‹#›</a:t>
             </a:fld>
             <a:endParaRPr lang="en-GB"/>
           </a:p>
@@ -1964,13 +1938,6 @@
   <p:clrMapOvr>
     <a:masterClrMapping/>
   </p:clrMapOvr>
-  <p:timing>
-    <p:tnLst>
-      <p:par>
-        <p:cTn id="1" dur="indefinite" restart="never" nodeType="tmRoot"/>
-      </p:par>
-    </p:tnLst>
-  </p:timing>
 </p:sldLayout>
 </file>
 
@@ -2007,7 +1974,7 @@
           <a:lstStyle/>
           <a:p>
             <a:r>
-              <a:rPr lang="de-DE" smtClean="0"/>
+              <a:rPr lang="de-DE"/>
               <a:t>Titelmasterformat durch Klicken bearbeiten</a:t>
             </a:r>
             <a:endParaRPr lang="en-US" dirty="0"/>
@@ -2036,35 +2003,35 @@
           <a:p>
             <a:pPr lvl="0"/>
             <a:r>
-              <a:rPr lang="de-DE" smtClean="0"/>
+              <a:rPr lang="de-DE"/>
               <a:t>Formatvorlagen des Textmasters bearbeiten</a:t>
             </a:r>
           </a:p>
           <a:p>
             <a:pPr lvl="1"/>
             <a:r>
-              <a:rPr lang="de-DE" smtClean="0"/>
+              <a:rPr lang="de-DE"/>
               <a:t>Zweite Ebene</a:t>
             </a:r>
           </a:p>
           <a:p>
             <a:pPr lvl="2"/>
             <a:r>
-              <a:rPr lang="de-DE" smtClean="0"/>
+              <a:rPr lang="de-DE"/>
               <a:t>Dritte Ebene</a:t>
             </a:r>
           </a:p>
           <a:p>
             <a:pPr lvl="3"/>
             <a:r>
-              <a:rPr lang="de-DE" smtClean="0"/>
+              <a:rPr lang="de-DE"/>
               <a:t>Vierte Ebene</a:t>
             </a:r>
           </a:p>
           <a:p>
             <a:pPr lvl="4"/>
             <a:r>
-              <a:rPr lang="de-DE" smtClean="0"/>
+              <a:rPr lang="de-DE"/>
               <a:t>Fünfte Ebene</a:t>
             </a:r>
             <a:endParaRPr lang="en-US" dirty="0"/>
@@ -2093,35 +2060,35 @@
           <a:p>
             <a:pPr lvl="0"/>
             <a:r>
-              <a:rPr lang="de-DE" smtClean="0"/>
+              <a:rPr lang="de-DE"/>
               <a:t>Formatvorlagen des Textmasters bearbeiten</a:t>
             </a:r>
           </a:p>
           <a:p>
             <a:pPr lvl="1"/>
             <a:r>
-              <a:rPr lang="de-DE" smtClean="0"/>
+              <a:rPr lang="de-DE"/>
               <a:t>Zweite Ebene</a:t>
             </a:r>
           </a:p>
           <a:p>
             <a:pPr lvl="2"/>
             <a:r>
-              <a:rPr lang="de-DE" smtClean="0"/>
+              <a:rPr lang="de-DE"/>
               <a:t>Dritte Ebene</a:t>
             </a:r>
           </a:p>
           <a:p>
             <a:pPr lvl="3"/>
             <a:r>
-              <a:rPr lang="de-DE" smtClean="0"/>
+              <a:rPr lang="de-DE"/>
               <a:t>Vierte Ebene</a:t>
             </a:r>
           </a:p>
           <a:p>
             <a:pPr lvl="4"/>
             <a:r>
-              <a:rPr lang="de-DE" smtClean="0"/>
+              <a:rPr lang="de-DE"/>
               <a:t>Fünfte Ebene</a:t>
             </a:r>
             <a:endParaRPr lang="en-US" dirty="0"/>
@@ -2144,7 +2111,7 @@
           <a:lstStyle/>
           <a:p>
             <a:r>
-              <a:rPr lang="en-US" smtClean="0"/>
+              <a:rPr lang="en-US"/>
               <a:t>Ganiyu Ibraheem  Philipp Seybold</a:t>
             </a:r>
             <a:endParaRPr lang="en-GB"/>
@@ -2167,10 +2134,9 @@
           <a:lstStyle/>
           <a:p>
             <a:r>
-              <a:rPr lang="en-GB" smtClean="0"/>
+              <a:rPr lang="en-GB"/>
               <a:t>COMP6206 Advanced Computer Vision</a:t>
             </a:r>
-            <a:endParaRPr lang="en-GB"/>
           </a:p>
         </p:txBody>
       </p:sp>
@@ -2191,7 +2157,7 @@
           <a:p>
             <a:fld id="{FB9D3F8E-99BC-4812-95D4-548B8E992B94}" type="slidenum">
               <a:rPr lang="en-GB" smtClean="0"/>
-              <a:t>‹Nr.›</a:t>
+              <a:t>‹#›</a:t>
             </a:fld>
             <a:endParaRPr lang="en-GB"/>
           </a:p>
@@ -2207,13 +2173,6 @@
   <p:clrMapOvr>
     <a:masterClrMapping/>
   </p:clrMapOvr>
-  <p:timing>
-    <p:tnLst>
-      <p:par>
-        <p:cTn id="1" dur="indefinite" restart="never" nodeType="tmRoot"/>
-      </p:par>
-    </p:tnLst>
-  </p:timing>
 </p:sldLayout>
 </file>
 
@@ -2255,7 +2214,7 @@
           <a:lstStyle/>
           <a:p>
             <a:r>
-              <a:rPr lang="de-DE" smtClean="0"/>
+              <a:rPr lang="de-DE"/>
               <a:t>Titelmasterformat durch Klicken bearbeiten</a:t>
             </a:r>
             <a:endParaRPr lang="en-US" dirty="0"/>
@@ -2321,7 +2280,7 @@
           <a:p>
             <a:pPr lvl="0"/>
             <a:r>
-              <a:rPr lang="de-DE" smtClean="0"/>
+              <a:rPr lang="de-DE"/>
               <a:t>Formatvorlagen des Textmasters bearbeiten</a:t>
             </a:r>
           </a:p>
@@ -2349,35 +2308,35 @@
           <a:p>
             <a:pPr lvl="0"/>
             <a:r>
-              <a:rPr lang="de-DE" smtClean="0"/>
+              <a:rPr lang="de-DE"/>
               <a:t>Formatvorlagen des Textmasters bearbeiten</a:t>
             </a:r>
           </a:p>
           <a:p>
             <a:pPr lvl="1"/>
             <a:r>
-              <a:rPr lang="de-DE" smtClean="0"/>
+              <a:rPr lang="de-DE"/>
               <a:t>Zweite Ebene</a:t>
             </a:r>
           </a:p>
           <a:p>
             <a:pPr lvl="2"/>
             <a:r>
-              <a:rPr lang="de-DE" smtClean="0"/>
+              <a:rPr lang="de-DE"/>
               <a:t>Dritte Ebene</a:t>
             </a:r>
           </a:p>
           <a:p>
             <a:pPr lvl="3"/>
             <a:r>
-              <a:rPr lang="de-DE" smtClean="0"/>
+              <a:rPr lang="de-DE"/>
               <a:t>Vierte Ebene</a:t>
             </a:r>
           </a:p>
           <a:p>
             <a:pPr lvl="4"/>
             <a:r>
-              <a:rPr lang="de-DE" smtClean="0"/>
+              <a:rPr lang="de-DE"/>
               <a:t>Fünfte Ebene</a:t>
             </a:r>
             <a:endParaRPr lang="en-US" dirty="0"/>
@@ -2443,7 +2402,7 @@
           <a:p>
             <a:pPr lvl="0"/>
             <a:r>
-              <a:rPr lang="de-DE" smtClean="0"/>
+              <a:rPr lang="de-DE"/>
               <a:t>Formatvorlagen des Textmasters bearbeiten</a:t>
             </a:r>
           </a:p>
@@ -2471,35 +2430,35 @@
           <a:p>
             <a:pPr lvl="0"/>
             <a:r>
-              <a:rPr lang="de-DE" smtClean="0"/>
+              <a:rPr lang="de-DE"/>
               <a:t>Formatvorlagen des Textmasters bearbeiten</a:t>
             </a:r>
           </a:p>
           <a:p>
             <a:pPr lvl="1"/>
             <a:r>
-              <a:rPr lang="de-DE" smtClean="0"/>
+              <a:rPr lang="de-DE"/>
               <a:t>Zweite Ebene</a:t>
             </a:r>
           </a:p>
           <a:p>
             <a:pPr lvl="2"/>
             <a:r>
-              <a:rPr lang="de-DE" smtClean="0"/>
+              <a:rPr lang="de-DE"/>
               <a:t>Dritte Ebene</a:t>
             </a:r>
           </a:p>
           <a:p>
             <a:pPr lvl="3"/>
             <a:r>
-              <a:rPr lang="de-DE" smtClean="0"/>
+              <a:rPr lang="de-DE"/>
               <a:t>Vierte Ebene</a:t>
             </a:r>
           </a:p>
           <a:p>
             <a:pPr lvl="4"/>
             <a:r>
-              <a:rPr lang="de-DE" smtClean="0"/>
+              <a:rPr lang="de-DE"/>
               <a:t>Fünfte Ebene</a:t>
             </a:r>
             <a:endParaRPr lang="en-US" dirty="0"/>
@@ -2522,7 +2481,7 @@
           <a:lstStyle/>
           <a:p>
             <a:r>
-              <a:rPr lang="en-US" smtClean="0"/>
+              <a:rPr lang="en-US"/>
               <a:t>Ganiyu Ibraheem  Philipp Seybold</a:t>
             </a:r>
             <a:endParaRPr lang="en-GB"/>
@@ -2545,10 +2504,9 @@
           <a:lstStyle/>
           <a:p>
             <a:r>
-              <a:rPr lang="en-GB" smtClean="0"/>
+              <a:rPr lang="en-GB"/>
               <a:t>COMP6206 Advanced Computer Vision</a:t>
             </a:r>
-            <a:endParaRPr lang="en-GB"/>
           </a:p>
         </p:txBody>
       </p:sp>
@@ -2569,7 +2527,7 @@
           <a:p>
             <a:fld id="{FB9D3F8E-99BC-4812-95D4-548B8E992B94}" type="slidenum">
               <a:rPr lang="en-GB" smtClean="0"/>
-              <a:t>‹Nr.›</a:t>
+              <a:t>‹#›</a:t>
             </a:fld>
             <a:endParaRPr lang="en-GB"/>
           </a:p>
@@ -2621,7 +2579,7 @@
           <a:lstStyle/>
           <a:p>
             <a:r>
-              <a:rPr lang="de-DE" smtClean="0"/>
+              <a:rPr lang="de-DE"/>
               <a:t>Titelmasterformat durch Klicken bearbeiten</a:t>
             </a:r>
             <a:endParaRPr lang="en-US" dirty="0"/>
@@ -2644,7 +2602,7 @@
           <a:lstStyle/>
           <a:p>
             <a:r>
-              <a:rPr lang="en-US" smtClean="0"/>
+              <a:rPr lang="en-US"/>
               <a:t>Ganiyu Ibraheem  Philipp Seybold</a:t>
             </a:r>
             <a:endParaRPr lang="en-GB"/>
@@ -2667,10 +2625,9 @@
           <a:lstStyle/>
           <a:p>
             <a:r>
-              <a:rPr lang="en-GB" smtClean="0"/>
+              <a:rPr lang="en-GB"/>
               <a:t>COMP6206 Advanced Computer Vision</a:t>
             </a:r>
-            <a:endParaRPr lang="en-GB"/>
           </a:p>
         </p:txBody>
       </p:sp>
@@ -2691,7 +2648,7 @@
           <a:p>
             <a:fld id="{FB9D3F8E-99BC-4812-95D4-548B8E992B94}" type="slidenum">
               <a:rPr lang="en-GB" smtClean="0"/>
-              <a:t>‹Nr.›</a:t>
+              <a:t>‹#›</a:t>
             </a:fld>
             <a:endParaRPr lang="en-GB"/>
           </a:p>
@@ -2743,7 +2700,7 @@
           <a:lstStyle/>
           <a:p>
             <a:r>
-              <a:rPr lang="en-US" smtClean="0"/>
+              <a:rPr lang="en-US"/>
               <a:t>Ganiyu Ibraheem  Philipp Seybold</a:t>
             </a:r>
             <a:endParaRPr lang="en-GB"/>
@@ -2766,10 +2723,9 @@
           <a:lstStyle/>
           <a:p>
             <a:r>
-              <a:rPr lang="en-GB" smtClean="0"/>
+              <a:rPr lang="en-GB"/>
               <a:t>COMP6206 Advanced Computer Vision</a:t>
             </a:r>
-            <a:endParaRPr lang="en-GB"/>
           </a:p>
         </p:txBody>
       </p:sp>
@@ -2790,7 +2746,7 @@
           <a:p>
             <a:fld id="{FB9D3F8E-99BC-4812-95D4-548B8E992B94}" type="slidenum">
               <a:rPr lang="en-GB" smtClean="0"/>
-              <a:t>‹Nr.›</a:t>
+              <a:t>‹#›</a:t>
             </a:fld>
             <a:endParaRPr lang="en-GB"/>
           </a:p>
@@ -2851,7 +2807,7 @@
           </a:lstStyle>
           <a:p>
             <a:r>
-              <a:rPr lang="de-DE" smtClean="0"/>
+              <a:rPr lang="de-DE"/>
               <a:t>Titelmasterformat durch Klicken bearbeiten</a:t>
             </a:r>
             <a:endParaRPr lang="en-US" dirty="0"/>
@@ -2908,35 +2864,35 @@
           <a:p>
             <a:pPr lvl="0"/>
             <a:r>
-              <a:rPr lang="de-DE" smtClean="0"/>
+              <a:rPr lang="de-DE"/>
               <a:t>Formatvorlagen des Textmasters bearbeiten</a:t>
             </a:r>
           </a:p>
           <a:p>
             <a:pPr lvl="1"/>
             <a:r>
-              <a:rPr lang="de-DE" smtClean="0"/>
+              <a:rPr lang="de-DE"/>
               <a:t>Zweite Ebene</a:t>
             </a:r>
           </a:p>
           <a:p>
             <a:pPr lvl="2"/>
             <a:r>
-              <a:rPr lang="de-DE" smtClean="0"/>
+              <a:rPr lang="de-DE"/>
               <a:t>Dritte Ebene</a:t>
             </a:r>
           </a:p>
           <a:p>
             <a:pPr lvl="3"/>
             <a:r>
-              <a:rPr lang="de-DE" smtClean="0"/>
+              <a:rPr lang="de-DE"/>
               <a:t>Vierte Ebene</a:t>
             </a:r>
           </a:p>
           <a:p>
             <a:pPr lvl="4"/>
             <a:r>
-              <a:rPr lang="de-DE" smtClean="0"/>
+              <a:rPr lang="de-DE"/>
               <a:t>Fünfte Ebene</a:t>
             </a:r>
             <a:endParaRPr lang="en-US" dirty="0"/>
@@ -3002,7 +2958,7 @@
           <a:p>
             <a:pPr lvl="0"/>
             <a:r>
-              <a:rPr lang="de-DE" smtClean="0"/>
+              <a:rPr lang="de-DE"/>
               <a:t>Formatvorlagen des Textmasters bearbeiten</a:t>
             </a:r>
           </a:p>
@@ -3024,7 +2980,7 @@
           <a:lstStyle/>
           <a:p>
             <a:r>
-              <a:rPr lang="en-US" smtClean="0"/>
+              <a:rPr lang="en-US"/>
               <a:t>Ganiyu Ibraheem  Philipp Seybold</a:t>
             </a:r>
             <a:endParaRPr lang="en-GB"/>
@@ -3047,10 +3003,9 @@
           <a:lstStyle/>
           <a:p>
             <a:r>
-              <a:rPr lang="en-GB" smtClean="0"/>
+              <a:rPr lang="en-GB"/>
               <a:t>COMP6206 Advanced Computer Vision</a:t>
             </a:r>
-            <a:endParaRPr lang="en-GB"/>
           </a:p>
         </p:txBody>
       </p:sp>
@@ -3071,7 +3026,7 @@
           <a:p>
             <a:fld id="{FB9D3F8E-99BC-4812-95D4-548B8E992B94}" type="slidenum">
               <a:rPr lang="en-GB" smtClean="0"/>
-              <a:t>‹Nr.›</a:t>
+              <a:t>‹#›</a:t>
             </a:fld>
             <a:endParaRPr lang="en-GB"/>
           </a:p>
@@ -3132,7 +3087,7 @@
           </a:lstStyle>
           <a:p>
             <a:r>
-              <a:rPr lang="de-DE" smtClean="0"/>
+              <a:rPr lang="de-DE"/>
               <a:t>Titelmasterformat durch Klicken bearbeiten</a:t>
             </a:r>
             <a:endParaRPr lang="en-US" dirty="0"/>
@@ -3197,7 +3152,7 @@
           </a:lstStyle>
           <a:p>
             <a:r>
-              <a:rPr lang="de-DE" smtClean="0"/>
+              <a:rPr lang="de-DE"/>
               <a:t>Bild durch Klicken auf Symbol hinzufügen</a:t>
             </a:r>
             <a:endParaRPr lang="en-US" dirty="0"/>
@@ -3263,7 +3218,7 @@
           <a:p>
             <a:pPr lvl="0"/>
             <a:r>
-              <a:rPr lang="de-DE" smtClean="0"/>
+              <a:rPr lang="de-DE"/>
               <a:t>Formatvorlagen des Textmasters bearbeiten</a:t>
             </a:r>
           </a:p>
@@ -3285,7 +3240,7 @@
           <a:lstStyle/>
           <a:p>
             <a:r>
-              <a:rPr lang="en-US" smtClean="0"/>
+              <a:rPr lang="en-US"/>
               <a:t>Ganiyu Ibraheem  Philipp Seybold</a:t>
             </a:r>
             <a:endParaRPr lang="en-GB"/>
@@ -3308,10 +3263,9 @@
           <a:lstStyle/>
           <a:p>
             <a:r>
-              <a:rPr lang="en-GB" smtClean="0"/>
+              <a:rPr lang="en-GB"/>
               <a:t>COMP6206 Advanced Computer Vision</a:t>
             </a:r>
-            <a:endParaRPr lang="en-GB"/>
           </a:p>
         </p:txBody>
       </p:sp>
@@ -3332,7 +3286,7 @@
           <a:p>
             <a:fld id="{FB9D3F8E-99BC-4812-95D4-548B8E992B94}" type="slidenum">
               <a:rPr lang="en-GB" smtClean="0"/>
-              <a:t>‹Nr.›</a:t>
+              <a:t>‹#›</a:t>
             </a:fld>
             <a:endParaRPr lang="en-GB"/>
           </a:p>
@@ -3399,7 +3353,7 @@
           <a:lstStyle/>
           <a:p>
             <a:r>
-              <a:rPr lang="de-DE" smtClean="0"/>
+              <a:rPr lang="de-DE"/>
               <a:t>Titelmasterformat durch Klicken bearbeiten</a:t>
             </a:r>
             <a:endParaRPr lang="en-US" dirty="0"/>
@@ -3433,35 +3387,35 @@
           <a:p>
             <a:pPr lvl="0"/>
             <a:r>
-              <a:rPr lang="de-DE" dirty="0" smtClean="0"/>
+              <a:rPr lang="de-DE" dirty="0"/>
               <a:t>Formatvorlagen des Textmasters bearbeiten</a:t>
             </a:r>
           </a:p>
           <a:p>
             <a:pPr lvl="1"/>
             <a:r>
-              <a:rPr lang="de-DE" dirty="0" smtClean="0"/>
+              <a:rPr lang="de-DE" dirty="0"/>
               <a:t>Zweite Ebene</a:t>
             </a:r>
           </a:p>
           <a:p>
             <a:pPr lvl="2"/>
             <a:r>
-              <a:rPr lang="de-DE" dirty="0" smtClean="0"/>
+              <a:rPr lang="de-DE" dirty="0"/>
               <a:t>Dritte Ebene</a:t>
             </a:r>
           </a:p>
           <a:p>
             <a:pPr lvl="3"/>
             <a:r>
-              <a:rPr lang="de-DE" dirty="0" smtClean="0"/>
+              <a:rPr lang="de-DE" dirty="0"/>
               <a:t>Vierte Ebene</a:t>
             </a:r>
           </a:p>
           <a:p>
             <a:pPr lvl="4"/>
             <a:r>
-              <a:rPr lang="de-DE" dirty="0" smtClean="0"/>
+              <a:rPr lang="de-DE" dirty="0"/>
               <a:t>Fünfte Ebene</a:t>
             </a:r>
             <a:endParaRPr lang="en-US" dirty="0"/>
@@ -3502,7 +3456,7 @@
           </a:lstStyle>
           <a:p>
             <a:r>
-              <a:rPr lang="en-US" dirty="0" smtClean="0"/>
+              <a:rPr lang="en-US" dirty="0"/>
               <a:t>Ganiyu Ibraheem  Philipp Seybold</a:t>
             </a:r>
             <a:endParaRPr lang="en-GB" dirty="0"/>
@@ -3543,10 +3497,9 @@
           </a:lstStyle>
           <a:p>
             <a:r>
-              <a:rPr lang="en-GB" dirty="0" smtClean="0"/>
+              <a:rPr lang="en-GB" dirty="0"/>
               <a:t>COMP6206 Advanced Computer Vision</a:t>
             </a:r>
-            <a:endParaRPr lang="en-GB" dirty="0"/>
           </a:p>
         </p:txBody>
       </p:sp>
@@ -3585,7 +3538,7 @@
           <a:p>
             <a:fld id="{FB9D3F8E-99BC-4812-95D4-548B8E992B94}" type="slidenum">
               <a:rPr lang="en-GB" smtClean="0"/>
-              <a:t>‹Nr.›</a:t>
+              <a:t>‹#›</a:t>
             </a:fld>
             <a:endParaRPr lang="en-GB"/>
           </a:p>
@@ -3650,13 +3603,6 @@
     <p:sldLayoutId id="2147483670" r:id="rId10"/>
     <p:sldLayoutId id="2147483671" r:id="rId11"/>
   </p:sldLayoutIdLst>
-  <p:timing>
-    <p:tnLst>
-      <p:par>
-        <p:cTn id="1" dur="indefinite" restart="never" nodeType="tmRoot"/>
-      </p:par>
-    </p:tnLst>
-  </p:timing>
   <p:hf hdr="0"/>
   <p:txStyles>
     <p:titleStyle>
@@ -3989,67 +3935,65 @@
           <a:lstStyle/>
           <a:p>
             <a:r>
-              <a:rPr lang="en-GB" dirty="0" smtClean="0"/>
+              <a:rPr lang="en-GB" dirty="0"/>
               <a:t>Force Field Transformation</a:t>
             </a:r>
+          </a:p>
+        </p:txBody>
+      </p:sp>
+      <p:sp>
+        <p:nvSpPr>
+          <p:cNvPr id="70" name="Untertitel 69"/>
+          <p:cNvSpPr>
+            <a:spLocks noGrp="1"/>
+          </p:cNvSpPr>
+          <p:nvPr>
+            <p:ph type="subTitle" idx="1"/>
+          </p:nvPr>
+        </p:nvSpPr>
+        <p:spPr/>
+        <p:txBody>
+          <a:bodyPr/>
+          <a:lstStyle/>
+          <a:p>
+            <a:r>
+              <a:rPr lang="en-GB" dirty="0"/>
+              <a:t>Ganiyu Ibraheem &amp; Philipp Seybold</a:t>
+            </a:r>
+          </a:p>
+          <a:p>
+            <a:r>
+              <a:rPr lang="en-GB" dirty="0"/>
+              <a:t>Advanced Computer Vision</a:t>
+            </a:r>
+          </a:p>
+        </p:txBody>
+      </p:sp>
+      <p:sp>
+        <p:nvSpPr>
+          <p:cNvPr id="8" name="Datumsplatzhalter 7"/>
+          <p:cNvSpPr>
+            <a:spLocks noGrp="1"/>
+          </p:cNvSpPr>
+          <p:nvPr>
+            <p:ph type="dt" sz="half" idx="10"/>
+          </p:nvPr>
+        </p:nvSpPr>
+        <p:spPr/>
+        <p:txBody>
+          <a:bodyPr/>
+          <a:lstStyle/>
+          <a:p>
+            <a:r>
+              <a:rPr lang="en-US" dirty="0"/>
+              <a:t>Ganiyu Ibraheem  Philipp Seybold</a:t>
+            </a:r>
             <a:endParaRPr lang="en-GB" dirty="0"/>
           </a:p>
         </p:txBody>
       </p:sp>
       <p:sp>
         <p:nvSpPr>
-          <p:cNvPr id="70" name="Untertitel 69"/>
-          <p:cNvSpPr>
-            <a:spLocks noGrp="1"/>
-          </p:cNvSpPr>
-          <p:nvPr>
-            <p:ph type="subTitle" idx="1"/>
-          </p:nvPr>
-        </p:nvSpPr>
-        <p:spPr/>
-        <p:txBody>
-          <a:bodyPr/>
-          <a:lstStyle/>
-          <a:p>
-            <a:r>
-              <a:rPr lang="en-GB" dirty="0" smtClean="0"/>
-              <a:t>Ganiyu Ibraheem &amp; Philipp Seybold</a:t>
-            </a:r>
-          </a:p>
-          <a:p>
-            <a:r>
-              <a:rPr lang="en-GB" dirty="0" smtClean="0"/>
-              <a:t>Advanced Computer Vision</a:t>
-            </a:r>
-            <a:endParaRPr lang="en-GB" dirty="0"/>
-          </a:p>
-        </p:txBody>
-      </p:sp>
-      <p:sp>
-        <p:nvSpPr>
-          <p:cNvPr id="8" name="Datumsplatzhalter 7"/>
-          <p:cNvSpPr>
-            <a:spLocks noGrp="1"/>
-          </p:cNvSpPr>
-          <p:nvPr>
-            <p:ph type="dt" sz="half" idx="10"/>
-          </p:nvPr>
-        </p:nvSpPr>
-        <p:spPr/>
-        <p:txBody>
-          <a:bodyPr/>
-          <a:lstStyle/>
-          <a:p>
-            <a:r>
-              <a:rPr lang="en-US" dirty="0" smtClean="0"/>
-              <a:t>Ganiyu Ibraheem  Philipp Seybold</a:t>
-            </a:r>
-            <a:endParaRPr lang="en-GB" dirty="0"/>
-          </a:p>
-        </p:txBody>
-      </p:sp>
-      <p:sp>
-        <p:nvSpPr>
           <p:cNvPr id="9" name="Fußzeilenplatzhalter 8"/>
           <p:cNvSpPr>
             <a:spLocks noGrp="1"/>
@@ -4064,7 +4008,7 @@
           <a:lstStyle/>
           <a:p>
             <a:r>
-              <a:rPr lang="en-GB" smtClean="0"/>
+              <a:rPr lang="en-GB"/>
               <a:t>COMP6206 Advanced Computer Vision</a:t>
             </a:r>
             <a:endParaRPr lang="en-GB" dirty="0"/>
@@ -4105,13 +4049,6 @@
   <p:clrMapOvr>
     <a:masterClrMapping/>
   </p:clrMapOvr>
-  <p:timing>
-    <p:tnLst>
-      <p:par>
-        <p:cTn id="1" dur="indefinite" restart="never" nodeType="tmRoot"/>
-      </p:par>
-    </p:tnLst>
-  </p:timing>
 </p:sld>
 </file>
 
@@ -4150,61 +4087,59 @@
           <a:lstStyle/>
           <a:p>
             <a:r>
-              <a:rPr lang="en-GB" dirty="0" smtClean="0"/>
+              <a:rPr lang="en-GB" dirty="0"/>
               <a:t>Result</a:t>
             </a:r>
+          </a:p>
+        </p:txBody>
+      </p:sp>
+      <p:sp>
+        <p:nvSpPr>
+          <p:cNvPr id="3" name="Inhaltsplatzhalter 2"/>
+          <p:cNvSpPr>
+            <a:spLocks noGrp="1"/>
+          </p:cNvSpPr>
+          <p:nvPr>
+            <p:ph idx="1"/>
+          </p:nvPr>
+        </p:nvSpPr>
+        <p:spPr/>
+        <p:txBody>
+          <a:bodyPr/>
+          <a:lstStyle/>
+          <a:p>
+            <a:r>
+              <a:rPr lang="en-GB" dirty="0"/>
+              <a:t>Other application areas?</a:t>
+            </a:r>
+          </a:p>
+        </p:txBody>
+      </p:sp>
+      <p:sp>
+        <p:nvSpPr>
+          <p:cNvPr id="4" name="Datumsplatzhalter 3"/>
+          <p:cNvSpPr>
+            <a:spLocks noGrp="1"/>
+          </p:cNvSpPr>
+          <p:nvPr>
+            <p:ph type="dt" sz="half" idx="10"/>
+          </p:nvPr>
+        </p:nvSpPr>
+        <p:spPr/>
+        <p:txBody>
+          <a:bodyPr/>
+          <a:lstStyle/>
+          <a:p>
+            <a:r>
+              <a:rPr lang="en-US"/>
+              <a:t>Ganiyu Ibraheem  Philipp Seybold</a:t>
+            </a:r>
             <a:endParaRPr lang="en-GB" dirty="0"/>
           </a:p>
         </p:txBody>
       </p:sp>
       <p:sp>
         <p:nvSpPr>
-          <p:cNvPr id="3" name="Inhaltsplatzhalter 2"/>
-          <p:cNvSpPr>
-            <a:spLocks noGrp="1"/>
-          </p:cNvSpPr>
-          <p:nvPr>
-            <p:ph idx="1"/>
-          </p:nvPr>
-        </p:nvSpPr>
-        <p:spPr/>
-        <p:txBody>
-          <a:bodyPr/>
-          <a:lstStyle/>
-          <a:p>
-            <a:r>
-              <a:rPr lang="en-GB" dirty="0" smtClean="0"/>
-              <a:t>Other application areas?</a:t>
-            </a:r>
-            <a:endParaRPr lang="en-GB" dirty="0"/>
-          </a:p>
-        </p:txBody>
-      </p:sp>
-      <p:sp>
-        <p:nvSpPr>
-          <p:cNvPr id="4" name="Datumsplatzhalter 3"/>
-          <p:cNvSpPr>
-            <a:spLocks noGrp="1"/>
-          </p:cNvSpPr>
-          <p:nvPr>
-            <p:ph type="dt" sz="half" idx="10"/>
-          </p:nvPr>
-        </p:nvSpPr>
-        <p:spPr/>
-        <p:txBody>
-          <a:bodyPr/>
-          <a:lstStyle/>
-          <a:p>
-            <a:r>
-              <a:rPr lang="en-US" smtClean="0"/>
-              <a:t>Ganiyu Ibraheem  Philipp Seybold</a:t>
-            </a:r>
-            <a:endParaRPr lang="en-GB" dirty="0"/>
-          </a:p>
-        </p:txBody>
-      </p:sp>
-      <p:sp>
-        <p:nvSpPr>
           <p:cNvPr id="5" name="Fußzeilenplatzhalter 4"/>
           <p:cNvSpPr>
             <a:spLocks noGrp="1"/>
@@ -4219,10 +4154,9 @@
           <a:lstStyle/>
           <a:p>
             <a:r>
-              <a:rPr lang="en-GB" smtClean="0"/>
+              <a:rPr lang="en-GB"/>
               <a:t>COMP6206 Advanced Computer Vision</a:t>
             </a:r>
-            <a:endParaRPr lang="en-GB"/>
           </a:p>
         </p:txBody>
       </p:sp>
@@ -4259,13 +4193,6 @@
   <p:clrMapOvr>
     <a:masterClrMapping/>
   </p:clrMapOvr>
-  <p:timing>
-    <p:tnLst>
-      <p:par>
-        <p:cTn id="1" dur="indefinite" restart="never" nodeType="tmRoot"/>
-      </p:par>
-    </p:tnLst>
-  </p:timing>
 </p:sld>
 </file>
 
@@ -4304,10 +4231,9 @@
           <a:lstStyle/>
           <a:p>
             <a:r>
-              <a:rPr lang="en-GB" dirty="0" smtClean="0"/>
+              <a:rPr lang="en-GB" dirty="0"/>
               <a:t>Discussion</a:t>
             </a:r>
-            <a:endParaRPr lang="en-GB" dirty="0"/>
           </a:p>
         </p:txBody>
       </p:sp>
@@ -4327,7 +4253,7 @@
           <a:lstStyle/>
           <a:p>
             <a:r>
-              <a:rPr lang="en-GB" dirty="0" smtClean="0"/>
+              <a:rPr lang="en-GB" dirty="0"/>
               <a:t>Any Questions?</a:t>
             </a:r>
           </a:p>
@@ -4358,7 +4284,7 @@
           <a:lstStyle/>
           <a:p>
             <a:r>
-              <a:rPr lang="en-US" smtClean="0"/>
+              <a:rPr lang="en-US"/>
               <a:t>Ganiyu Ibraheem  Philipp Seybold</a:t>
             </a:r>
             <a:endParaRPr lang="en-GB" dirty="0"/>
@@ -4381,10 +4307,9 @@
           <a:lstStyle/>
           <a:p>
             <a:r>
-              <a:rPr lang="en-GB" smtClean="0"/>
+              <a:rPr lang="en-GB"/>
               <a:t>COMP6206 Advanced Computer Vision</a:t>
             </a:r>
-            <a:endParaRPr lang="en-GB"/>
           </a:p>
         </p:txBody>
       </p:sp>
@@ -4462,13 +4387,6 @@
   <p:clrMapOvr>
     <a:masterClrMapping/>
   </p:clrMapOvr>
-  <p:timing>
-    <p:tnLst>
-      <p:par>
-        <p:cTn id="1" dur="indefinite" restart="never" nodeType="tmRoot"/>
-      </p:par>
-    </p:tnLst>
-  </p:timing>
 </p:sld>
 </file>
 
@@ -4507,83 +4425,81 @@
           <a:lstStyle/>
           <a:p>
             <a:r>
-              <a:rPr lang="en-GB" dirty="0" smtClean="0"/>
+              <a:rPr lang="en-GB" dirty="0"/>
               <a:t>Sources</a:t>
             </a:r>
+          </a:p>
+        </p:txBody>
+      </p:sp>
+      <p:sp>
+        <p:nvSpPr>
+          <p:cNvPr id="3" name="Inhaltsplatzhalter 2"/>
+          <p:cNvSpPr>
+            <a:spLocks noGrp="1"/>
+          </p:cNvSpPr>
+          <p:nvPr>
+            <p:ph idx="1"/>
+          </p:nvPr>
+        </p:nvSpPr>
+        <p:spPr/>
+        <p:txBody>
+          <a:bodyPr/>
+          <a:lstStyle/>
+          <a:p>
+            <a:r>
+              <a:rPr lang="en-GB" dirty="0"/>
+              <a:t>3 Papers</a:t>
+            </a:r>
+          </a:p>
+          <a:p>
+            <a:r>
+              <a:rPr lang="en-GB" dirty="0"/>
+              <a:t>Marks book</a:t>
+            </a:r>
+          </a:p>
+          <a:p>
+            <a:r>
+              <a:rPr lang="en-GB" dirty="0" err="1"/>
+              <a:t>Linkedin</a:t>
+            </a:r>
+            <a:r>
+              <a:rPr lang="en-GB" dirty="0"/>
+              <a:t> slides</a:t>
+            </a:r>
+          </a:p>
+          <a:p>
+            <a:r>
+              <a:rPr lang="en-GB" dirty="0"/>
+              <a:t>Git repo from that guy (maybe)</a:t>
+            </a:r>
+          </a:p>
+        </p:txBody>
+      </p:sp>
+      <p:sp>
+        <p:nvSpPr>
+          <p:cNvPr id="4" name="Datumsplatzhalter 3"/>
+          <p:cNvSpPr>
+            <a:spLocks noGrp="1"/>
+          </p:cNvSpPr>
+          <p:nvPr>
+            <p:ph type="dt" sz="half" idx="10"/>
+          </p:nvPr>
+        </p:nvSpPr>
+        <p:spPr/>
+        <p:txBody>
+          <a:bodyPr/>
+          <a:lstStyle/>
+          <a:p>
+            <a:r>
+              <a:rPr lang="en-US"/>
+              <a:t>Ganiyu Ibraheem  Philipp Seybold</a:t>
+            </a:r>
             <a:endParaRPr lang="en-GB" dirty="0"/>
           </a:p>
         </p:txBody>
       </p:sp>
       <p:sp>
         <p:nvSpPr>
-          <p:cNvPr id="3" name="Inhaltsplatzhalter 2"/>
-          <p:cNvSpPr>
-            <a:spLocks noGrp="1"/>
-          </p:cNvSpPr>
-          <p:nvPr>
-            <p:ph idx="1"/>
-          </p:nvPr>
-        </p:nvSpPr>
-        <p:spPr/>
-        <p:txBody>
-          <a:bodyPr/>
-          <a:lstStyle/>
-          <a:p>
-            <a:r>
-              <a:rPr lang="en-GB" dirty="0" smtClean="0"/>
-              <a:t>3 Papers</a:t>
-            </a:r>
-          </a:p>
-          <a:p>
-            <a:r>
-              <a:rPr lang="en-GB" dirty="0" smtClean="0"/>
-              <a:t>Marks book</a:t>
-            </a:r>
-          </a:p>
-          <a:p>
-            <a:r>
-              <a:rPr lang="en-GB" dirty="0" err="1" smtClean="0"/>
-              <a:t>Linkedin</a:t>
-            </a:r>
-            <a:r>
-              <a:rPr lang="en-GB" dirty="0" smtClean="0"/>
-              <a:t> slides</a:t>
-            </a:r>
-          </a:p>
-          <a:p>
-            <a:r>
-              <a:rPr lang="en-GB" dirty="0" smtClean="0"/>
-              <a:t>Git repo from that guy (maybe)</a:t>
-            </a:r>
-            <a:endParaRPr lang="en-GB" dirty="0"/>
-          </a:p>
-        </p:txBody>
-      </p:sp>
-      <p:sp>
-        <p:nvSpPr>
-          <p:cNvPr id="4" name="Datumsplatzhalter 3"/>
-          <p:cNvSpPr>
-            <a:spLocks noGrp="1"/>
-          </p:cNvSpPr>
-          <p:nvPr>
-            <p:ph type="dt" sz="half" idx="10"/>
-          </p:nvPr>
-        </p:nvSpPr>
-        <p:spPr/>
-        <p:txBody>
-          <a:bodyPr/>
-          <a:lstStyle/>
-          <a:p>
-            <a:r>
-              <a:rPr lang="en-US" smtClean="0"/>
-              <a:t>Ganiyu Ibraheem  Philipp Seybold</a:t>
-            </a:r>
-            <a:endParaRPr lang="en-GB" dirty="0"/>
-          </a:p>
-        </p:txBody>
-      </p:sp>
-      <p:sp>
-        <p:nvSpPr>
           <p:cNvPr id="5" name="Fußzeilenplatzhalter 4"/>
           <p:cNvSpPr>
             <a:spLocks noGrp="1"/>
@@ -4598,10 +4514,9 @@
           <a:lstStyle/>
           <a:p>
             <a:r>
-              <a:rPr lang="en-GB" smtClean="0"/>
+              <a:rPr lang="en-GB"/>
               <a:t>COMP6206 Advanced Computer Vision</a:t>
             </a:r>
-            <a:endParaRPr lang="en-GB"/>
           </a:p>
         </p:txBody>
       </p:sp>
@@ -4638,13 +4553,6 @@
   <p:clrMapOvr>
     <a:masterClrMapping/>
   </p:clrMapOvr>
-  <p:timing>
-    <p:tnLst>
-      <p:par>
-        <p:cTn id="1" dur="indefinite" restart="never" nodeType="tmRoot"/>
-      </p:par>
-    </p:tnLst>
-  </p:timing>
 </p:sld>
 </file>
 
@@ -4703,7 +4611,7 @@
           <a:lstStyle/>
           <a:p>
             <a:r>
-              <a:rPr lang="en-US" smtClean="0"/>
+              <a:rPr lang="en-US"/>
               <a:t>Ganiyu Ibraheem  Philipp Seybold</a:t>
             </a:r>
             <a:endParaRPr lang="en-GB"/>
@@ -4726,10 +4634,9 @@
           <a:lstStyle/>
           <a:p>
             <a:r>
-              <a:rPr lang="en-GB" smtClean="0"/>
+              <a:rPr lang="en-GB"/>
               <a:t>COMP6206 Advanced Computer Vision</a:t>
             </a:r>
-            <a:endParaRPr lang="en-GB"/>
           </a:p>
         </p:txBody>
       </p:sp>
@@ -4956,36 +4863,36 @@
           </a:lstStyle>
           <a:p>
             <a:r>
-              <a:rPr lang="en-GB" smtClean="0"/>
+              <a:rPr lang="en-GB"/>
               <a:t>Definition</a:t>
             </a:r>
           </a:p>
           <a:p>
             <a:r>
-              <a:rPr lang="en-GB" smtClean="0"/>
+              <a:rPr lang="en-GB"/>
               <a:t>Method Application</a:t>
             </a:r>
           </a:p>
           <a:p>
             <a:r>
-              <a:rPr lang="en-GB" smtClean="0"/>
+              <a:rPr lang="en-GB"/>
               <a:t>Demonstration</a:t>
             </a:r>
           </a:p>
           <a:p>
             <a:r>
-              <a:rPr lang="en-GB" smtClean="0"/>
+              <a:rPr lang="en-GB"/>
               <a:t>Result</a:t>
             </a:r>
           </a:p>
           <a:p>
             <a:r>
-              <a:rPr lang="en-GB" smtClean="0"/>
+              <a:rPr lang="en-GB"/>
               <a:t>Discussion</a:t>
             </a:r>
           </a:p>
           <a:p>
-            <a:endParaRPr lang="en-GB" smtClean="0"/>
+            <a:endParaRPr lang="en-GB"/>
           </a:p>
           <a:p>
             <a:endParaRPr lang="en-GB" dirty="0"/>
@@ -5002,13 +4909,6 @@
   <p:clrMapOvr>
     <a:masterClrMapping/>
   </p:clrMapOvr>
-  <p:timing>
-    <p:tnLst>
-      <p:par>
-        <p:cTn id="1" dur="indefinite" restart="never" nodeType="tmRoot"/>
-      </p:par>
-    </p:tnLst>
-  </p:timing>
 </p:sld>
 </file>
 
@@ -5047,135 +4947,92 @@
           <a:lstStyle/>
           <a:p>
             <a:r>
-              <a:rPr lang="en-GB" dirty="0" smtClean="0"/>
+              <a:rPr lang="en-GB" dirty="0"/>
               <a:t>Definition</a:t>
             </a:r>
+          </a:p>
+        </p:txBody>
+      </p:sp>
+      <p:sp>
+        <p:nvSpPr>
+          <p:cNvPr id="3" name="Inhaltsplatzhalter 2"/>
+          <p:cNvSpPr>
+            <a:spLocks noGrp="1"/>
+          </p:cNvSpPr>
+          <p:nvPr>
+            <p:ph idx="1"/>
+          </p:nvPr>
+        </p:nvSpPr>
+        <p:spPr/>
+        <p:txBody>
+          <a:bodyPr/>
+          <a:lstStyle/>
+          <a:p>
+            <a:pPr lvl="0"/>
+            <a:r>
+              <a:rPr lang="en-GB" dirty="0"/>
+              <a:t>Objective:</a:t>
+            </a:r>
+          </a:p>
+          <a:p>
+            <a:pPr lvl="1"/>
+            <a:r>
+              <a:rPr lang="en-GB" dirty="0"/>
+              <a:t>Reduce dimensionality of pattern space</a:t>
+            </a:r>
+          </a:p>
+          <a:p>
+            <a:pPr lvl="1"/>
+            <a:r>
+              <a:rPr lang="en-GB" dirty="0"/>
+              <a:t>Maintain discriminator power</a:t>
+            </a:r>
+          </a:p>
+          <a:p>
+            <a:r>
+              <a:rPr lang="en-GB" dirty="0"/>
+              <a:t>By: 	David J. Hurley, </a:t>
+            </a:r>
+            <a:br>
+              <a:rPr lang="en-GB" dirty="0"/>
+            </a:br>
+            <a:r>
+              <a:rPr lang="en-GB" dirty="0"/>
+              <a:t>	Mark S. Nixon &amp; John N. Carter</a:t>
+            </a:r>
+          </a:p>
+          <a:p>
+            <a:r>
+              <a:rPr lang="en-GB" dirty="0"/>
+              <a:t>Domain: Ear &amp; face recognition</a:t>
+            </a:r>
+          </a:p>
+          <a:p>
             <a:endParaRPr lang="en-GB" dirty="0"/>
           </a:p>
         </p:txBody>
       </p:sp>
       <p:sp>
         <p:nvSpPr>
-          <p:cNvPr id="3" name="Inhaltsplatzhalter 2"/>
-          <p:cNvSpPr>
-            <a:spLocks noGrp="1"/>
-          </p:cNvSpPr>
-          <p:nvPr>
-            <p:ph idx="1"/>
-          </p:nvPr>
-        </p:nvSpPr>
-        <p:spPr/>
-        <p:txBody>
-          <a:bodyPr/>
-          <a:lstStyle/>
-          <a:p>
-            <a:pPr lvl="0"/>
-            <a:r>
-              <a:rPr lang="en-GB" dirty="0" smtClean="0"/>
-              <a:t>Objective:</a:t>
-            </a:r>
-          </a:p>
-          <a:p>
-            <a:pPr lvl="1"/>
-            <a:r>
-              <a:rPr lang="en-GB" dirty="0" smtClean="0"/>
-              <a:t>Reduce </a:t>
-            </a:r>
-            <a:r>
-              <a:rPr lang="en-GB" dirty="0"/>
-              <a:t>dimensionality of pattern </a:t>
-            </a:r>
-            <a:r>
-              <a:rPr lang="en-GB" dirty="0" smtClean="0"/>
-              <a:t>space</a:t>
-            </a:r>
-          </a:p>
-          <a:p>
-            <a:pPr lvl="1"/>
-            <a:r>
-              <a:rPr lang="en-GB" dirty="0" smtClean="0"/>
-              <a:t>Maintain </a:t>
-            </a:r>
-            <a:r>
-              <a:rPr lang="en-GB" dirty="0"/>
-              <a:t>discriminator </a:t>
-            </a:r>
-            <a:r>
-              <a:rPr lang="en-GB" dirty="0" smtClean="0"/>
-              <a:t>power</a:t>
+          <p:cNvPr id="4" name="Datumsplatzhalter 3"/>
+          <p:cNvSpPr>
+            <a:spLocks noGrp="1"/>
+          </p:cNvSpPr>
+          <p:nvPr>
+            <p:ph type="dt" sz="half" idx="10"/>
+          </p:nvPr>
+        </p:nvSpPr>
+        <p:spPr/>
+        <p:txBody>
+          <a:bodyPr/>
+          <a:lstStyle/>
+          <a:p>
+            <a:r>
+              <a:rPr lang="en-US"/>
+              <a:t>Ganiyu Ibraheem  Philipp Seybold</a:t>
             </a:r>
             <a:endParaRPr lang="en-GB" dirty="0"/>
           </a:p>
-          <a:p>
-            <a:r>
-              <a:rPr lang="en-GB" dirty="0" smtClean="0"/>
-              <a:t>By: 	David </a:t>
-            </a:r>
-            <a:r>
-              <a:rPr lang="en-GB" dirty="0"/>
-              <a:t>J. Hurley, </a:t>
-            </a:r>
-            <a:r>
-              <a:rPr lang="en-GB" dirty="0" smtClean="0"/>
-              <a:t/>
-            </a:r>
-            <a:br>
-              <a:rPr lang="en-GB" dirty="0" smtClean="0"/>
-            </a:br>
-            <a:r>
-              <a:rPr lang="en-GB" dirty="0" smtClean="0"/>
-              <a:t>	Mark </a:t>
-            </a:r>
-            <a:r>
-              <a:rPr lang="en-GB" dirty="0"/>
-              <a:t>S. </a:t>
-            </a:r>
-            <a:r>
-              <a:rPr lang="en-GB" dirty="0" smtClean="0"/>
-              <a:t>Nixon &amp; </a:t>
-            </a:r>
-            <a:r>
-              <a:rPr lang="en-GB" dirty="0"/>
-              <a:t>John N. Carter</a:t>
-            </a:r>
-          </a:p>
-          <a:p>
-            <a:r>
-              <a:rPr lang="en-GB" dirty="0" smtClean="0"/>
-              <a:t>Domain:</a:t>
-            </a:r>
-            <a:r>
-              <a:rPr lang="en-GB" dirty="0" smtClean="0"/>
-              <a:t> Ear &amp; face recognition</a:t>
-            </a:r>
-            <a:endParaRPr lang="en-GB" dirty="0"/>
-          </a:p>
-          <a:p>
-            <a:endParaRPr lang="en-GB" dirty="0"/>
-          </a:p>
-        </p:txBody>
-      </p:sp>
-      <p:sp>
-        <p:nvSpPr>
-          <p:cNvPr id="4" name="Datumsplatzhalter 3"/>
-          <p:cNvSpPr>
-            <a:spLocks noGrp="1"/>
-          </p:cNvSpPr>
-          <p:nvPr>
-            <p:ph type="dt" sz="half" idx="10"/>
-          </p:nvPr>
-        </p:nvSpPr>
-        <p:spPr/>
-        <p:txBody>
-          <a:bodyPr/>
-          <a:lstStyle/>
-          <a:p>
-            <a:r>
-              <a:rPr lang="en-US" smtClean="0"/>
-              <a:t>Ganiyu Ibraheem  Philipp Seybold</a:t>
-            </a:r>
-            <a:endParaRPr lang="en-GB" dirty="0"/>
-          </a:p>
         </p:txBody>
       </p:sp>
       <p:sp>
@@ -5194,10 +5051,9 @@
           <a:lstStyle/>
           <a:p>
             <a:r>
-              <a:rPr lang="en-GB" smtClean="0"/>
+              <a:rPr lang="en-GB"/>
               <a:t>COMP6206 Advanced Computer Vision</a:t>
             </a:r>
-            <a:endParaRPr lang="en-GB"/>
           </a:p>
         </p:txBody>
       </p:sp>
@@ -5234,13 +5090,6 @@
   <p:clrMapOvr>
     <a:masterClrMapping/>
   </p:clrMapOvr>
-  <p:timing>
-    <p:tnLst>
-      <p:par>
-        <p:cTn id="1" dur="indefinite" restart="never" nodeType="tmRoot"/>
-      </p:par>
-    </p:tnLst>
-  </p:timing>
 </p:sld>
 </file>
 
@@ -5282,7 +5131,6 @@
               <a:rPr lang="en-GB" dirty="0"/>
               <a:t>Method</a:t>
             </a:r>
-            <a:endParaRPr lang="en-GB" dirty="0"/>
           </a:p>
         </p:txBody>
       </p:sp>
@@ -5315,7 +5163,7 @@
               <a:buAutoNum type="arabicPeriod"/>
             </a:pPr>
             <a:r>
-              <a:rPr lang="en-GB" dirty="0" smtClean="0"/>
+              <a:rPr lang="en-GB" dirty="0"/>
               <a:t>Pixel by Pixel</a:t>
             </a:r>
           </a:p>
@@ -5325,24 +5173,15 @@
               <a:buAutoNum type="arabicPeriod"/>
             </a:pPr>
             <a:r>
-              <a:rPr lang="en-GB" dirty="0" smtClean="0"/>
-              <a:t>Frequency </a:t>
-            </a:r>
-            <a:r>
               <a:rPr lang="en-GB" dirty="0"/>
-              <a:t>Domain </a:t>
-            </a:r>
-            <a:r>
-              <a:rPr lang="en-GB" dirty="0" smtClean="0"/>
-              <a:t>Analysis</a:t>
-            </a:r>
-          </a:p>
-          <a:p>
-            <a:r>
-              <a:rPr lang="en-GB" dirty="0" smtClean="0"/>
+              <a:t>Frequency Domain Analysis</a:t>
+            </a:r>
+          </a:p>
+          <a:p>
+            <a:r>
+              <a:rPr lang="en-GB" dirty="0"/>
               <a:t>Steps:</a:t>
             </a:r>
-            <a:endParaRPr lang="en-GB" dirty="0"/>
           </a:p>
           <a:p>
             <a:pPr marL="914400" lvl="1" indent="-457200">
@@ -5360,16 +5199,30 @@
               <a:buAutoNum type="arabicPeriod"/>
             </a:pPr>
             <a:r>
-              <a:rPr lang="en-GB" dirty="0" smtClean="0"/>
-              <a:t>potential </a:t>
-            </a:r>
-            <a:r>
               <a:rPr lang="en-GB" dirty="0"/>
-              <a:t>well and channel </a:t>
-            </a:r>
-            <a:r>
-              <a:rPr lang="en-GB" dirty="0" smtClean="0"/>
-              <a:t>extraction</a:t>
+              <a:t>potential well and channel extraction</a:t>
+            </a:r>
+          </a:p>
+        </p:txBody>
+      </p:sp>
+      <p:sp>
+        <p:nvSpPr>
+          <p:cNvPr id="4" name="Datumsplatzhalter 3"/>
+          <p:cNvSpPr>
+            <a:spLocks noGrp="1"/>
+          </p:cNvSpPr>
+          <p:nvPr>
+            <p:ph type="dt" sz="half" idx="10"/>
+          </p:nvPr>
+        </p:nvSpPr>
+        <p:spPr/>
+        <p:txBody>
+          <a:bodyPr/>
+          <a:lstStyle/>
+          <a:p>
+            <a:r>
+              <a:rPr lang="en-US"/>
+              <a:t>Ganiyu Ibraheem  Philipp Seybold</a:t>
             </a:r>
             <a:endParaRPr lang="en-GB" dirty="0"/>
           </a:p>
@@ -5377,29 +5230,6 @@
       </p:sp>
       <p:sp>
         <p:nvSpPr>
-          <p:cNvPr id="4" name="Datumsplatzhalter 3"/>
-          <p:cNvSpPr>
-            <a:spLocks noGrp="1"/>
-          </p:cNvSpPr>
-          <p:nvPr>
-            <p:ph type="dt" sz="half" idx="10"/>
-          </p:nvPr>
-        </p:nvSpPr>
-        <p:spPr/>
-        <p:txBody>
-          <a:bodyPr/>
-          <a:lstStyle/>
-          <a:p>
-            <a:r>
-              <a:rPr lang="en-US" smtClean="0"/>
-              <a:t>Ganiyu Ibraheem  Philipp Seybold</a:t>
-            </a:r>
-            <a:endParaRPr lang="en-GB" dirty="0"/>
-          </a:p>
-        </p:txBody>
-      </p:sp>
-      <p:sp>
-        <p:nvSpPr>
           <p:cNvPr id="5" name="Fußzeilenplatzhalter 4"/>
           <p:cNvSpPr>
             <a:spLocks noGrp="1"/>
@@ -5414,10 +5244,9 @@
           <a:lstStyle/>
           <a:p>
             <a:r>
-              <a:rPr lang="en-GB" smtClean="0"/>
+              <a:rPr lang="en-GB"/>
               <a:t>COMP6206 Advanced Computer Vision</a:t>
             </a:r>
-            <a:endParaRPr lang="en-GB"/>
           </a:p>
         </p:txBody>
       </p:sp>
@@ -5454,13 +5283,6 @@
   <p:clrMapOvr>
     <a:masterClrMapping/>
   </p:clrMapOvr>
-  <p:timing>
-    <p:tnLst>
-      <p:par>
-        <p:cTn id="1" dur="indefinite" restart="never" nodeType="tmRoot"/>
-      </p:par>
-    </p:tnLst>
-  </p:timing>
 </p:sld>
 </file>
 
@@ -5502,7 +5324,6 @@
               <a:rPr lang="en-GB" dirty="0"/>
               <a:t>Method</a:t>
             </a:r>
-            <a:endParaRPr lang="en-GB" dirty="0"/>
           </a:p>
         </p:txBody>
       </p:sp>
@@ -5530,82 +5351,61 @@
           <a:p>
             <a:pPr lvl="0"/>
             <a:r>
-              <a:rPr lang="en-GB" dirty="0" smtClean="0"/>
-              <a:t>A</a:t>
-            </a:r>
-            <a:r>
-              <a:rPr lang="en-GB" dirty="0" smtClean="0"/>
-              <a:t>ssumption: </a:t>
+              <a:rPr lang="en-GB" dirty="0"/>
+              <a:t>Assumption: </a:t>
             </a:r>
             <a:br>
-              <a:rPr lang="en-GB" dirty="0" smtClean="0"/>
+              <a:rPr lang="en-GB" dirty="0"/>
             </a:br>
             <a:r>
-              <a:rPr lang="en-GB" dirty="0" smtClean="0"/>
-              <a:t>Each </a:t>
-            </a:r>
-            <a:r>
               <a:rPr lang="en-GB" dirty="0"/>
-              <a:t>pixel exerts an isotropic force </a:t>
-            </a:r>
-            <a:r>
-              <a:rPr lang="en-GB" dirty="0" smtClean="0"/>
-              <a:t>proportional </a:t>
-            </a:r>
+              <a:t>Each pixel exerts an isotropic force proportional to its intensity</a:t>
+            </a:r>
+          </a:p>
+        </p:txBody>
+      </p:sp>
+      <p:sp>
+        <p:nvSpPr>
+          <p:cNvPr id="4" name="Datumsplatzhalter 3"/>
+          <p:cNvSpPr>
+            <a:spLocks noGrp="1"/>
+          </p:cNvSpPr>
+          <p:nvPr>
+            <p:ph type="dt" sz="half" idx="10"/>
+          </p:nvPr>
+        </p:nvSpPr>
+        <p:spPr/>
+        <p:txBody>
+          <a:bodyPr/>
+          <a:lstStyle/>
+          <a:p>
+            <a:r>
+              <a:rPr lang="en-US"/>
+              <a:t>Ganiyu Ibraheem  Philipp Seybold</a:t>
+            </a:r>
+            <a:endParaRPr lang="en-GB" dirty="0"/>
+          </a:p>
+        </p:txBody>
+      </p:sp>
+      <p:sp>
+        <p:nvSpPr>
+          <p:cNvPr id="5" name="Fußzeilenplatzhalter 4"/>
+          <p:cNvSpPr>
+            <a:spLocks noGrp="1"/>
+          </p:cNvSpPr>
+          <p:nvPr>
+            <p:ph type="ftr" sz="quarter" idx="11"/>
+          </p:nvPr>
+        </p:nvSpPr>
+        <p:spPr/>
+        <p:txBody>
+          <a:bodyPr/>
+          <a:lstStyle/>
+          <a:p>
             <a:r>
               <a:rPr lang="en-GB" dirty="0"/>
-              <a:t>to </a:t>
-            </a:r>
-            <a:r>
-              <a:rPr lang="en-GB" dirty="0" smtClean="0"/>
-              <a:t>its intensity</a:t>
-            </a:r>
-          </a:p>
-        </p:txBody>
-      </p:sp>
-      <p:sp>
-        <p:nvSpPr>
-          <p:cNvPr id="4" name="Datumsplatzhalter 3"/>
-          <p:cNvSpPr>
-            <a:spLocks noGrp="1"/>
-          </p:cNvSpPr>
-          <p:nvPr>
-            <p:ph type="dt" sz="half" idx="10"/>
-          </p:nvPr>
-        </p:nvSpPr>
-        <p:spPr/>
-        <p:txBody>
-          <a:bodyPr/>
-          <a:lstStyle/>
-          <a:p>
-            <a:r>
-              <a:rPr lang="en-US" smtClean="0"/>
-              <a:t>Ganiyu Ibraheem  Philipp Seybold</a:t>
-            </a:r>
-            <a:endParaRPr lang="en-GB" dirty="0"/>
-          </a:p>
-        </p:txBody>
-      </p:sp>
-      <p:sp>
-        <p:nvSpPr>
-          <p:cNvPr id="5" name="Fußzeilenplatzhalter 4"/>
-          <p:cNvSpPr>
-            <a:spLocks noGrp="1"/>
-          </p:cNvSpPr>
-          <p:nvPr>
-            <p:ph type="ftr" sz="quarter" idx="11"/>
-          </p:nvPr>
-        </p:nvSpPr>
-        <p:spPr/>
-        <p:txBody>
-          <a:bodyPr/>
-          <a:lstStyle/>
-          <a:p>
-            <a:r>
-              <a:rPr lang="en-GB" dirty="0" smtClean="0"/>
               <a:t>COMP6206 Advanced Computer Vision</a:t>
             </a:r>
-            <a:endParaRPr lang="en-GB" dirty="0"/>
           </a:p>
         </p:txBody>
       </p:sp>
@@ -5701,21 +5501,8 @@
               <a:pPr lvl="0" algn="ctr"/>
               <a:r>
                 <a:rPr lang="en-GB" sz="2000" dirty="0"/>
-                <a:t>Force field vectors </a:t>
+                <a:t>Force field vectors of an electric field</a:t>
               </a:r>
-              <a:r>
-                <a:rPr lang="en-GB" sz="2000" dirty="0" smtClean="0"/>
-                <a:t>of </a:t>
-              </a:r>
-              <a:r>
-                <a:rPr lang="en-GB" sz="2000" dirty="0"/>
-                <a:t>an electric </a:t>
-              </a:r>
-              <a:r>
-                <a:rPr lang="en-GB" sz="2000" dirty="0" smtClean="0"/>
-                <a:t>field</a:t>
-              </a:r>
-              <a:endParaRPr lang="en-GB" sz="2000" dirty="0"/>
             </a:p>
           </p:txBody>
         </p:sp>
@@ -5773,18 +5560,13 @@
             <a:pPr algn="ctr"/>
             <a:r>
               <a:rPr lang="en-GB" sz="2000" dirty="0"/>
-              <a:t>Newton's law of </a:t>
-            </a:r>
-            <a:r>
-              <a:rPr lang="en-GB" sz="2000" dirty="0" smtClean="0"/>
-              <a:t>gravitation</a:t>
-            </a:r>
-            <a:endParaRPr lang="en-GB" sz="2000" dirty="0"/>
-          </a:p>
-        </p:txBody>
-      </p:sp>
-      <mc:AlternateContent xmlns:mc="http://schemas.openxmlformats.org/markup-compatibility/2006">
-        <mc:Choice xmlns:a14="http://schemas.microsoft.com/office/drawing/2010/main" Requires="a14">
+              <a:t>Newton's law of gravitation</a:t>
+            </a:r>
+          </a:p>
+        </p:txBody>
+      </p:sp>
+      <mc:AlternateContent xmlns:mc="http://schemas.openxmlformats.org/markup-compatibility/2006" xmlns:a14="http://schemas.microsoft.com/office/drawing/2010/main">
+        <mc:Choice Requires="a14">
           <p:sp>
             <p:nvSpPr>
               <p:cNvPr id="12" name="Textfeld 11"/>
@@ -5979,7 +5761,7 @@
                     </m:oMath>
                   </m:oMathPara>
                 </a14:m>
-                <a:endParaRPr lang="en-GB" sz="2000" b="0" i="1" dirty="0" smtClean="0">
+                <a:endParaRPr lang="en-GB" sz="2000" b="0" i="1" dirty="0">
                   <a:latin typeface="Cambria Math" panose="02040503050406030204" pitchFamily="18" charset="0"/>
                 </a:endParaRPr>
               </a:p>
@@ -5989,15 +5771,9 @@
                   <a:rPr lang="en-GB" sz="900" i="1" dirty="0">
                     <a:latin typeface="Cambria Math" panose="02040503050406030204" pitchFamily="18" charset="0"/>
                   </a:rPr>
-                  <a:t> </a:t>
+                  <a:t>  </a:t>
                 </a:r>
-                <a:r>
-                  <a:rPr lang="en-GB" sz="900" i="1" dirty="0" smtClean="0">
-                    <a:latin typeface="Cambria Math" panose="02040503050406030204" pitchFamily="18" charset="0"/>
-                  </a:rPr>
-                  <a:t> </a:t>
-                </a:r>
-                <a:endParaRPr lang="en-GB" sz="800" b="0" i="1" dirty="0" smtClean="0">
+                <a:endParaRPr lang="en-GB" sz="800" b="0" i="1" dirty="0">
                   <a:latin typeface="Cambria Math" panose="02040503050406030204" pitchFamily="18" charset="0"/>
                 </a:endParaRPr>
               </a:p>
@@ -6110,7 +5886,7 @@
             </p:txBody>
           </p:sp>
         </mc:Choice>
-        <mc:Fallback>
+        <mc:Fallback xmlns="">
           <p:sp>
             <p:nvSpPr>
               <p:cNvPr id="12" name="Textfeld 11"/>
@@ -6159,13 +5935,6 @@
   <p:clrMapOvr>
     <a:masterClrMapping/>
   </p:clrMapOvr>
-  <p:timing>
-    <p:tnLst>
-      <p:par>
-        <p:cTn id="1" dur="indefinite" restart="never" nodeType="tmRoot"/>
-      </p:par>
-    </p:tnLst>
-  </p:timing>
 </p:sld>
 </file>
 
@@ -6207,35 +5976,34 @@
               <a:rPr lang="en-GB" dirty="0"/>
               <a:t>Method</a:t>
             </a:r>
+          </a:p>
+        </p:txBody>
+      </p:sp>
+      <p:sp>
+        <p:nvSpPr>
+          <p:cNvPr id="4" name="Datumsplatzhalter 3"/>
+          <p:cNvSpPr>
+            <a:spLocks noGrp="1"/>
+          </p:cNvSpPr>
+          <p:nvPr>
+            <p:ph type="dt" sz="half" idx="10"/>
+          </p:nvPr>
+        </p:nvSpPr>
+        <p:spPr/>
+        <p:txBody>
+          <a:bodyPr/>
+          <a:lstStyle/>
+          <a:p>
+            <a:r>
+              <a:rPr lang="en-US"/>
+              <a:t>Ganiyu Ibraheem  Philipp Seybold</a:t>
+            </a:r>
             <a:endParaRPr lang="en-GB" dirty="0"/>
           </a:p>
         </p:txBody>
       </p:sp>
       <p:sp>
         <p:nvSpPr>
-          <p:cNvPr id="4" name="Datumsplatzhalter 3"/>
-          <p:cNvSpPr>
-            <a:spLocks noGrp="1"/>
-          </p:cNvSpPr>
-          <p:nvPr>
-            <p:ph type="dt" sz="half" idx="10"/>
-          </p:nvPr>
-        </p:nvSpPr>
-        <p:spPr/>
-        <p:txBody>
-          <a:bodyPr/>
-          <a:lstStyle/>
-          <a:p>
-            <a:r>
-              <a:rPr lang="en-US" smtClean="0"/>
-              <a:t>Ganiyu Ibraheem  Philipp Seybold</a:t>
-            </a:r>
-            <a:endParaRPr lang="en-GB" dirty="0"/>
-          </a:p>
-        </p:txBody>
-      </p:sp>
-      <p:sp>
-        <p:nvSpPr>
           <p:cNvPr id="5" name="Fußzeilenplatzhalter 4"/>
           <p:cNvSpPr>
             <a:spLocks noGrp="1"/>
@@ -6250,10 +6018,9 @@
           <a:lstStyle/>
           <a:p>
             <a:r>
-              <a:rPr lang="en-GB" dirty="0" smtClean="0"/>
+              <a:rPr lang="en-GB" dirty="0"/>
               <a:t>COMP6206 Advanced Computer Vision</a:t>
             </a:r>
-            <a:endParaRPr lang="en-GB" dirty="0"/>
           </a:p>
         </p:txBody>
       </p:sp>
@@ -6310,8 +6077,8 @@
           </a:prstGeom>
         </p:spPr>
       </p:pic>
-      <mc:AlternateContent xmlns:mc="http://schemas.openxmlformats.org/markup-compatibility/2006">
-        <mc:Choice xmlns:a14="http://schemas.microsoft.com/office/drawing/2010/main" Requires="a14">
+      <mc:AlternateContent xmlns:mc="http://schemas.openxmlformats.org/markup-compatibility/2006" xmlns:a14="http://schemas.microsoft.com/office/drawing/2010/main">
+        <mc:Choice Requires="a14">
           <p:sp>
             <p:nvSpPr>
               <p:cNvPr id="15" name="Textfeld 14"/>
@@ -6406,13 +6173,7 @@
                         <a:rPr lang="en-GB" sz="2000" b="0" i="1" smtClean="0">
                           <a:latin typeface="Cambria Math" panose="02040503050406030204" pitchFamily="18" charset="0"/>
                         </a:rPr>
-                        <m:t>= </m:t>
-                      </m:r>
-                      <m:r>
-                        <a:rPr lang="en-GB" sz="2000" b="0" i="1" smtClean="0">
-                          <a:latin typeface="Cambria Math" panose="02040503050406030204" pitchFamily="18" charset="0"/>
-                        </a:rPr>
-                        <m:t>…= </m:t>
+                        <m:t>= …= </m:t>
                       </m:r>
                       <m:r>
                         <a:rPr lang="en-GB" sz="2000" i="1">
@@ -6622,7 +6383,7 @@
                     </m:oMath>
                   </m:oMathPara>
                 </a14:m>
-                <a:endParaRPr lang="en-GB" sz="2000" b="0" i="1" dirty="0" smtClean="0">
+                <a:endParaRPr lang="en-GB" sz="2000" b="0" i="1" dirty="0">
                   <a:latin typeface="Cambria Math" panose="02040503050406030204" pitchFamily="18" charset="0"/>
                 </a:endParaRPr>
               </a:p>
@@ -6632,15 +6393,9 @@
                   <a:rPr lang="en-GB" sz="900" i="1" dirty="0">
                     <a:latin typeface="Cambria Math" panose="02040503050406030204" pitchFamily="18" charset="0"/>
                   </a:rPr>
-                  <a:t> </a:t>
+                  <a:t>  </a:t>
                 </a:r>
-                <a:r>
-                  <a:rPr lang="en-GB" sz="900" i="1" dirty="0" smtClean="0">
-                    <a:latin typeface="Cambria Math" panose="02040503050406030204" pitchFamily="18" charset="0"/>
-                  </a:rPr>
-                  <a:t> </a:t>
-                </a:r>
-                <a:endParaRPr lang="en-GB" sz="800" b="0" i="1" dirty="0" smtClean="0">
+                <a:endParaRPr lang="en-GB" sz="800" b="0" i="1" dirty="0">
                   <a:latin typeface="Cambria Math" panose="02040503050406030204" pitchFamily="18" charset="0"/>
                 </a:endParaRPr>
               </a:p>
@@ -6727,7 +6482,7 @@
             </p:txBody>
           </p:sp>
         </mc:Choice>
-        <mc:Fallback>
+        <mc:Fallback xmlns="">
           <p:sp>
             <p:nvSpPr>
               <p:cNvPr id="15" name="Textfeld 14"/>
@@ -6776,13 +6531,6 @@
   <p:clrMapOvr>
     <a:masterClrMapping/>
   </p:clrMapOvr>
-  <p:timing>
-    <p:tnLst>
-      <p:par>
-        <p:cTn id="1" dur="indefinite" restart="never" nodeType="tmRoot"/>
-      </p:par>
-    </p:tnLst>
-  </p:timing>
 </p:sld>
 </file>
 
@@ -6821,10 +6569,9 @@
           <a:lstStyle/>
           <a:p>
             <a:r>
-              <a:rPr lang="en-GB" dirty="0" smtClean="0"/>
+              <a:rPr lang="en-GB" dirty="0"/>
               <a:t>Method Application</a:t>
             </a:r>
-            <a:endParaRPr lang="en-GB" dirty="0"/>
           </a:p>
         </p:txBody>
       </p:sp>
@@ -7263,22 +7010,14 @@
                 </a:r>
                 <a:r>
                   <a:rPr lang="en-GB" dirty="0"/>
-                  <a:t>(represents the amount of energy that is exerted on a pixel if it moved around, like in physics … ) (picture </a:t>
-                </a:r>
-                <a:r>
-                  <a:rPr lang="en-GB" dirty="0" smtClean="0"/>
-                  <a:t>4)</a:t>
+                  <a:t>(represents the amount of energy that is exerted on a pixel if it moved around, like in physics … ) (picture 4)</a:t>
                 </a:r>
               </a:p>
               <a:p>
                 <a:pPr lvl="1"/>
                 <a:r>
-                  <a:rPr lang="en-GB" dirty="0" smtClean="0"/>
-                  <a:t>To </a:t>
-                </a:r>
-                <a:r>
                   <a:rPr lang="en-GB" dirty="0"/>
-                  <a:t>discover the force field lines: generate an array of unit value mobile test pixels arranged in  a closed loop surrounding the ear, which are then solely being ‘pulled’ by the force (gravity) fields of the ear’s pixels vectors so that their trajectory form the field line until they reached an extremum in the potential energy surface: </a:t>
+                  <a:t>To discover the force field lines: generate an array of unit value mobile test pixels arranged in  a closed loop surrounding the ear, which are then solely being ‘pulled’ by the force (gravity) fields of the ear’s pixels vectors so that their trajectory form the field line until they reached an extremum in the potential energy surface: </a:t>
                 </a:r>
                 <a:br>
                   <a:rPr lang="en-GB" dirty="0"/>
@@ -7292,20 +7031,15 @@
                 </a:br>
                 <a:r>
                   <a:rPr lang="en-GB" dirty="0"/>
-                  <a:t>(picture 1, 2 &amp; 3</a:t>
-                </a:r>
-                <a:r>
-                  <a:rPr lang="en-GB" dirty="0" smtClean="0"/>
-                  <a:t>)</a:t>
+                  <a:t>(picture 1, 2 &amp; 3)</a:t>
                 </a:r>
               </a:p>
               <a:p>
                 <a:pPr lvl="1"/>
                 <a:r>
-                  <a:rPr lang="en-GB" dirty="0" smtClean="0"/>
+                  <a:rPr lang="en-GB" dirty="0"/>
                   <a:t>….</a:t>
                 </a:r>
-                <a:endParaRPr lang="en-GB" dirty="0"/>
               </a:p>
             </p:txBody>
           </p:sp>
@@ -7364,7 +7098,7 @@
           <a:lstStyle/>
           <a:p>
             <a:r>
-              <a:rPr lang="en-US" smtClean="0"/>
+              <a:rPr lang="en-US"/>
               <a:t>Ganiyu Ibraheem  Philipp Seybold</a:t>
             </a:r>
             <a:endParaRPr lang="en-GB" dirty="0"/>
@@ -7387,10 +7121,9 @@
           <a:lstStyle/>
           <a:p>
             <a:r>
-              <a:rPr lang="en-GB" smtClean="0"/>
+              <a:rPr lang="en-GB"/>
               <a:t>COMP6206 Advanced Computer Vision</a:t>
             </a:r>
-            <a:endParaRPr lang="en-GB"/>
           </a:p>
         </p:txBody>
       </p:sp>
@@ -7427,13 +7160,6 @@
   <p:clrMapOvr>
     <a:masterClrMapping/>
   </p:clrMapOvr>
-  <p:timing>
-    <p:tnLst>
-      <p:par>
-        <p:cTn id="1" dur="indefinite" restart="never" nodeType="tmRoot"/>
-      </p:par>
-    </p:tnLst>
-  </p:timing>
 </p:sld>
 </file>
 
@@ -7472,75 +7198,73 @@
           <a:lstStyle/>
           <a:p>
             <a:r>
-              <a:rPr lang="en-GB" dirty="0" smtClean="0"/>
+              <a:rPr lang="en-GB" dirty="0"/>
               <a:t>Demonstration</a:t>
             </a:r>
+          </a:p>
+        </p:txBody>
+      </p:sp>
+      <p:sp>
+        <p:nvSpPr>
+          <p:cNvPr id="3" name="Inhaltsplatzhalter 2"/>
+          <p:cNvSpPr>
+            <a:spLocks noGrp="1"/>
+          </p:cNvSpPr>
+          <p:nvPr>
+            <p:ph idx="1"/>
+          </p:nvPr>
+        </p:nvSpPr>
+        <p:spPr/>
+        <p:txBody>
+          <a:bodyPr/>
+          <a:lstStyle/>
+          <a:p>
+            <a:r>
+              <a:rPr lang="en-GB" dirty="0"/>
+              <a:t>Our own ears pictures etc. like in method application, e.g. force field lines, moving test pixel initialisation, peaks/wells, edges (compare to </a:t>
+            </a:r>
+            <a:r>
+              <a:rPr lang="en-GB" dirty="0" err="1"/>
+              <a:t>sobel</a:t>
+            </a:r>
+            <a:r>
+              <a:rPr lang="en-GB" dirty="0"/>
+              <a:t>?), potential energy patterns</a:t>
+            </a:r>
+          </a:p>
+          <a:p>
+            <a:r>
+              <a:rPr lang="en-GB" dirty="0"/>
+              <a:t>Live demo with camera</a:t>
+            </a:r>
+          </a:p>
+        </p:txBody>
+      </p:sp>
+      <p:sp>
+        <p:nvSpPr>
+          <p:cNvPr id="4" name="Datumsplatzhalter 3"/>
+          <p:cNvSpPr>
+            <a:spLocks noGrp="1"/>
+          </p:cNvSpPr>
+          <p:nvPr>
+            <p:ph type="dt" sz="half" idx="10"/>
+          </p:nvPr>
+        </p:nvSpPr>
+        <p:spPr/>
+        <p:txBody>
+          <a:bodyPr/>
+          <a:lstStyle/>
+          <a:p>
+            <a:r>
+              <a:rPr lang="en-US"/>
+              <a:t>Ganiyu Ibraheem  Philipp Seybold</a:t>
+            </a:r>
             <a:endParaRPr lang="en-GB" dirty="0"/>
           </a:p>
         </p:txBody>
       </p:sp>
       <p:sp>
         <p:nvSpPr>
-          <p:cNvPr id="3" name="Inhaltsplatzhalter 2"/>
-          <p:cNvSpPr>
-            <a:spLocks noGrp="1"/>
-          </p:cNvSpPr>
-          <p:nvPr>
-            <p:ph idx="1"/>
-          </p:nvPr>
-        </p:nvSpPr>
-        <p:spPr/>
-        <p:txBody>
-          <a:bodyPr/>
-          <a:lstStyle/>
-          <a:p>
-            <a:r>
-              <a:rPr lang="en-GB" dirty="0" smtClean="0"/>
-              <a:t>Our own ears pictures etc. like in method application, e.g. force field lines, moving test pixel initialisation, peaks/wells, edges (compare to </a:t>
-            </a:r>
-            <a:r>
-              <a:rPr lang="en-GB" dirty="0" err="1" smtClean="0"/>
-              <a:t>sobel</a:t>
-            </a:r>
-            <a:r>
-              <a:rPr lang="en-GB" dirty="0" smtClean="0"/>
-              <a:t>?), potential energy patterns</a:t>
-            </a:r>
-          </a:p>
-          <a:p>
-            <a:r>
-              <a:rPr lang="en-GB" dirty="0" smtClean="0"/>
-              <a:t>Live demo with camera</a:t>
-            </a:r>
-            <a:endParaRPr lang="en-GB" dirty="0"/>
-          </a:p>
-        </p:txBody>
-      </p:sp>
-      <p:sp>
-        <p:nvSpPr>
-          <p:cNvPr id="4" name="Datumsplatzhalter 3"/>
-          <p:cNvSpPr>
-            <a:spLocks noGrp="1"/>
-          </p:cNvSpPr>
-          <p:nvPr>
-            <p:ph type="dt" sz="half" idx="10"/>
-          </p:nvPr>
-        </p:nvSpPr>
-        <p:spPr/>
-        <p:txBody>
-          <a:bodyPr/>
-          <a:lstStyle/>
-          <a:p>
-            <a:r>
-              <a:rPr lang="en-US" smtClean="0"/>
-              <a:t>Ganiyu Ibraheem  Philipp Seybold</a:t>
-            </a:r>
-            <a:endParaRPr lang="en-GB" dirty="0"/>
-          </a:p>
-        </p:txBody>
-      </p:sp>
-      <p:sp>
-        <p:nvSpPr>
           <p:cNvPr id="5" name="Fußzeilenplatzhalter 4"/>
           <p:cNvSpPr>
             <a:spLocks noGrp="1"/>
@@ -7555,10 +7279,9 @@
           <a:lstStyle/>
           <a:p>
             <a:r>
-              <a:rPr lang="en-GB" smtClean="0"/>
+              <a:rPr lang="en-GB"/>
               <a:t>COMP6206 Advanced Computer Vision</a:t>
             </a:r>
-            <a:endParaRPr lang="en-GB"/>
           </a:p>
         </p:txBody>
       </p:sp>
@@ -7595,13 +7318,6 @@
   <p:clrMapOvr>
     <a:masterClrMapping/>
   </p:clrMapOvr>
-  <p:timing>
-    <p:tnLst>
-      <p:par>
-        <p:cTn id="1" dur="indefinite" restart="never" nodeType="tmRoot"/>
-      </p:par>
-    </p:tnLst>
-  </p:timing>
 </p:sld>
 </file>
 
@@ -7640,10 +7356,9 @@
           <a:lstStyle/>
           <a:p>
             <a:r>
-              <a:rPr lang="en-GB" dirty="0" smtClean="0"/>
+              <a:rPr lang="en-GB" dirty="0"/>
               <a:t>Result</a:t>
             </a:r>
-            <a:endParaRPr lang="en-GB" dirty="0"/>
           </a:p>
         </p:txBody>
       </p:sp>
@@ -7660,7 +7375,7 @@
         <p:spPr/>
         <p:txBody>
           <a:bodyPr>
-            <a:normAutofit fontScale="92500" lnSpcReduction="10000"/>
+            <a:normAutofit fontScale="85000" lnSpcReduction="20000"/>
           </a:bodyPr>
           <a:lstStyle/>
           <a:p>
@@ -7706,6 +7421,32 @@
             </a:r>
           </a:p>
           <a:p>
+            <a:pPr lvl="1"/>
+            <a:r>
+              <a:rPr lang="en-GB" dirty="0"/>
+              <a:t>The Force Field Transforms </a:t>
+            </a:r>
+            <a:r>
+              <a:rPr lang="en-GB"/>
+              <a:t>are invertible</a:t>
+            </a:r>
+            <a:endParaRPr lang="en-GB" dirty="0"/>
+          </a:p>
+          <a:p>
+            <a:pPr lvl="1"/>
+            <a:r>
+              <a:rPr lang="en-GB" dirty="0"/>
+              <a:t>It is scale invariant and tolerant to low noise</a:t>
+            </a:r>
+          </a:p>
+          <a:p>
+            <a:pPr lvl="2"/>
+            <a:r>
+              <a:rPr lang="en-GB" dirty="0"/>
+              <a:t>Also invariant to different changes in illumination</a:t>
+            </a:r>
+          </a:p>
+          <a:p>
             <a:pPr lvl="0"/>
             <a:r>
               <a:rPr lang="en-GB" dirty="0"/>
@@ -7766,7 +7507,7 @@
           <a:lstStyle/>
           <a:p>
             <a:r>
-              <a:rPr lang="en-US" smtClean="0"/>
+              <a:rPr lang="en-US"/>
               <a:t>Ganiyu Ibraheem  Philipp Seybold</a:t>
             </a:r>
             <a:endParaRPr lang="en-GB" dirty="0"/>
@@ -7789,10 +7530,9 @@
           <a:lstStyle/>
           <a:p>
             <a:r>
-              <a:rPr lang="en-GB" smtClean="0"/>
+              <a:rPr lang="en-GB"/>
               <a:t>COMP6206 Advanced Computer Vision</a:t>
             </a:r>
-            <a:endParaRPr lang="en-GB"/>
           </a:p>
         </p:txBody>
       </p:sp>
@@ -7829,13 +7569,6 @@
   <p:clrMapOvr>
     <a:masterClrMapping/>
   </p:clrMapOvr>
-  <p:timing>
-    <p:tnLst>
-      <p:par>
-        <p:cTn id="1" dur="indefinite" restart="never" nodeType="tmRoot"/>
-      </p:par>
-    </p:tnLst>
-  </p:timing>
 </p:sld>
 </file>
 

--- a/Force Field Transformation.pptx
+++ b/Force Field Transformation.pptx
@@ -5,7 +5,7 @@
     <p:sldMasterId id="2147483660" r:id="rId1"/>
   </p:sldMasterIdLst>
   <p:notesMasterIdLst>
-    <p:notesMasterId r:id="rId14"/>
+    <p:notesMasterId r:id="rId17"/>
   </p:notesMasterIdLst>
   <p:sldIdLst>
     <p:sldId id="256" r:id="rId2"/>
@@ -14,12 +14,15 @@
     <p:sldId id="259" r:id="rId5"/>
     <p:sldId id="266" r:id="rId6"/>
     <p:sldId id="268" r:id="rId7"/>
-    <p:sldId id="260" r:id="rId8"/>
-    <p:sldId id="261" r:id="rId9"/>
-    <p:sldId id="262" r:id="rId10"/>
-    <p:sldId id="265" r:id="rId11"/>
-    <p:sldId id="263" r:id="rId12"/>
-    <p:sldId id="264" r:id="rId13"/>
+    <p:sldId id="269" r:id="rId8"/>
+    <p:sldId id="270" r:id="rId9"/>
+    <p:sldId id="260" r:id="rId10"/>
+    <p:sldId id="271" r:id="rId11"/>
+    <p:sldId id="261" r:id="rId12"/>
+    <p:sldId id="262" r:id="rId13"/>
+    <p:sldId id="265" r:id="rId14"/>
+    <p:sldId id="263" r:id="rId15"/>
+    <p:sldId id="264" r:id="rId16"/>
   </p:sldIdLst>
   <p:sldSz cx="9144000" cy="6858000" type="screen4x3"/>
   <p:notesSz cx="6858000" cy="9144000"/>
@@ -208,7 +211,7 @@
           <a:p>
             <a:fld id="{2D375E8E-D067-40BE-8067-60BEC63713A2}" type="datetimeFigureOut">
               <a:rPr lang="en-GB" smtClean="0"/>
-              <a:t>03/02/2018</a:t>
+              <a:t>05/02/2018</a:t>
             </a:fld>
             <a:endParaRPr lang="en-GB"/>
           </a:p>
@@ -272,35 +275,35 @@
           <a:p>
             <a:pPr lvl="0"/>
             <a:r>
-              <a:rPr lang="de-DE"/>
+              <a:rPr lang="de-DE" smtClean="0"/>
               <a:t>Formatvorlagen des Textmasters bearbeiten</a:t>
             </a:r>
           </a:p>
           <a:p>
             <a:pPr lvl="1"/>
             <a:r>
-              <a:rPr lang="de-DE"/>
+              <a:rPr lang="de-DE" smtClean="0"/>
               <a:t>Zweite Ebene</a:t>
             </a:r>
           </a:p>
           <a:p>
             <a:pPr lvl="2"/>
             <a:r>
-              <a:rPr lang="de-DE"/>
+              <a:rPr lang="de-DE" smtClean="0"/>
               <a:t>Dritte Ebene</a:t>
             </a:r>
           </a:p>
           <a:p>
             <a:pPr lvl="3"/>
             <a:r>
-              <a:rPr lang="de-DE"/>
+              <a:rPr lang="de-DE" smtClean="0"/>
               <a:t>Vierte Ebene</a:t>
             </a:r>
           </a:p>
           <a:p>
             <a:pPr lvl="4"/>
             <a:r>
-              <a:rPr lang="de-DE"/>
+              <a:rPr lang="de-DE" smtClean="0"/>
               <a:t>Fünfte Ebene</a:t>
             </a:r>
             <a:endParaRPr lang="en-GB"/>
@@ -367,7 +370,7 @@
           <a:p>
             <a:fld id="{EF2D93C9-B2FF-4D76-8851-D84BA33B2773}" type="slidenum">
               <a:rPr lang="en-GB" smtClean="0"/>
-              <a:t>‹#›</a:t>
+              <a:t>‹Nr.›</a:t>
             </a:fld>
             <a:endParaRPr lang="en-GB"/>
           </a:p>
@@ -525,7 +528,7 @@
               <a:buChar char="•"/>
             </a:pPr>
             <a:r>
-              <a:rPr lang="en-GB" dirty="0"/>
+              <a:rPr lang="en-GB" dirty="0" smtClean="0"/>
               <a:t>Objective:</a:t>
             </a:r>
           </a:p>
@@ -535,7 +538,7 @@
               <a:buChar char="•"/>
             </a:pPr>
             <a:r>
-              <a:rPr lang="en-GB" dirty="0"/>
+              <a:rPr lang="en-GB" dirty="0" smtClean="0"/>
               <a:t>reduce dimensionality of pattern space</a:t>
             </a:r>
           </a:p>
@@ -545,7 +548,7 @@
               <a:buChar char="•"/>
             </a:pPr>
             <a:r>
-              <a:rPr lang="en-GB" dirty="0"/>
+              <a:rPr lang="en-GB" dirty="0" smtClean="0"/>
               <a:t>yet maintain discriminator power for classification and invariant description</a:t>
             </a:r>
           </a:p>
@@ -555,7 +558,7 @@
               <a:buChar char="•"/>
             </a:pPr>
             <a:r>
-              <a:rPr lang="en-GB" dirty="0"/>
+              <a:rPr lang="en-GB" dirty="0" smtClean="0"/>
               <a:t>Used/invented by … for ear biometric</a:t>
             </a:r>
           </a:p>
@@ -649,7 +652,7 @@
               <a:buAutoNum type="arabicPeriod"/>
             </a:pPr>
             <a:r>
-              <a:rPr lang="en-GB" dirty="0"/>
+              <a:rPr lang="en-GB" dirty="0" smtClean="0"/>
               <a:t>Approaches:</a:t>
             </a:r>
           </a:p>
@@ -659,14 +662,14 @@
               <a:buAutoNum type="arabicPeriod"/>
             </a:pPr>
             <a:r>
-              <a:rPr lang="en-GB" dirty="0"/>
+              <a:rPr lang="en-GB" dirty="0" smtClean="0"/>
               <a:t>Brute Force:</a:t>
             </a:r>
             <a:br>
-              <a:rPr lang="en-GB" dirty="0"/>
+              <a:rPr lang="en-GB" dirty="0" smtClean="0"/>
             </a:br>
             <a:r>
-              <a:rPr lang="en-GB" dirty="0"/>
+              <a:rPr lang="en-GB" dirty="0" smtClean="0"/>
               <a:t>Each pixel is transformed using the Energy &amp; Force equations</a:t>
             </a:r>
           </a:p>
@@ -676,14 +679,14 @@
               <a:buAutoNum type="arabicPeriod"/>
             </a:pPr>
             <a:r>
-              <a:rPr lang="en-GB" dirty="0"/>
+              <a:rPr lang="en-GB" dirty="0" smtClean="0"/>
               <a:t>Frequency Domain Analysis: </a:t>
             </a:r>
             <a:br>
-              <a:rPr lang="en-GB" dirty="0"/>
+              <a:rPr lang="en-GB" dirty="0" smtClean="0"/>
             </a:br>
             <a:r>
-              <a:rPr lang="en-GB" dirty="0"/>
+              <a:rPr lang="en-GB" dirty="0" smtClean="0"/>
               <a:t>Fourier Transform etc. and then equations applied</a:t>
             </a:r>
           </a:p>
@@ -774,15 +777,19 @@
           <a:p>
             <a:pPr lvl="0"/>
             <a:r>
-              <a:rPr lang="en-GB" dirty="0"/>
+              <a:rPr lang="en-GB" dirty="0" smtClean="0"/>
               <a:t>Assumption: (for mathematical convenience):</a:t>
             </a:r>
             <a:br>
-              <a:rPr lang="en-GB" dirty="0"/>
+              <a:rPr lang="en-GB" dirty="0" smtClean="0"/>
             </a:br>
             <a:r>
-              <a:rPr lang="en-GB" dirty="0"/>
-              <a:t>Each pixel exerts an isotropic force on all the other pixels (they represent attractive particles, that act as the source of a spherically symmetric force field) that is proportional to pixel intensity and inversely proportional to the square of the distance, i.e. the inverse square law</a:t>
+              <a:rPr lang="en-GB" dirty="0" smtClean="0"/>
+              <a:t>Each pixel exerts an isotropic force on all the other pixels (they represent attractive particles, that act as the source of a spherically symmetric force field) that is proportional to pixel intensity and inversely proportional to the square of the distance, i.e. the</a:t>
+            </a:r>
+            <a:r>
+              <a:rPr lang="en-GB" b="1" dirty="0" smtClean="0"/>
+              <a:t> inverse square law</a:t>
             </a:r>
           </a:p>
           <a:p>
@@ -855,39 +862,1017 @@
         </p:nvSpPr>
         <p:spPr/>
       </p:sp>
-      <p:sp>
-        <p:nvSpPr>
-          <p:cNvPr id="3" name="Notizenplatzhalter 2"/>
-          <p:cNvSpPr>
-            <a:spLocks noGrp="1"/>
-          </p:cNvSpPr>
-          <p:nvPr>
-            <p:ph type="body" idx="1"/>
-          </p:nvPr>
-        </p:nvSpPr>
-        <p:spPr/>
-        <p:txBody>
-          <a:bodyPr/>
-          <a:lstStyle/>
-          <a:p>
-            <a:pPr lvl="0"/>
-            <a:r>
-              <a:rPr lang="en-GB" dirty="0"/>
-              <a:t>Assumption: (for mathematical convenience):</a:t>
-            </a:r>
-            <a:br>
-              <a:rPr lang="en-GB" dirty="0"/>
-            </a:br>
-            <a:r>
-              <a:rPr lang="en-GB" dirty="0"/>
-              <a:t>Each pixel exerts an isotropic force on all the other pixels (they represent attractive particles, that act as the source of a spherically symmetric force field) that is proportional to pixel intensity and inversely proportional to the square of the distance, i.e. the inverse square law</a:t>
-            </a:r>
-          </a:p>
-          <a:p>
-            <a:endParaRPr lang="en-GB" dirty="0"/>
-          </a:p>
-        </p:txBody>
-      </p:sp>
+      <mc:AlternateContent xmlns:mc="http://schemas.openxmlformats.org/markup-compatibility/2006" xmlns:a14="http://schemas.microsoft.com/office/drawing/2010/main">
+        <mc:Choice Requires="a14">
+          <p:sp>
+            <p:nvSpPr>
+              <p:cNvPr id="3" name="Notizenplatzhalter 2"/>
+              <p:cNvSpPr>
+                <a:spLocks noGrp="1"/>
+              </p:cNvSpPr>
+              <p:nvPr>
+                <p:ph type="body" idx="1"/>
+              </p:nvPr>
+            </p:nvSpPr>
+            <p:spPr/>
+            <p:txBody>
+              <a:bodyPr/>
+              <a:lstStyle/>
+              <a:p>
+                <a:pPr marL="228600" indent="-228600">
+                  <a:buFont typeface="+mj-lt"/>
+                  <a:buAutoNum type="arabicPeriod"/>
+                </a:pPr>
+                <a:r>
+                  <a:rPr lang="en-GB" b="0" i="0" dirty="0" smtClean="0">
+                    <a:latin typeface="+mn-lt"/>
+                  </a:rPr>
+                  <a:t>The definition</a:t>
+                </a:r>
+                <a:r>
+                  <a:rPr lang="en-GB" b="0" i="0" baseline="0" dirty="0" smtClean="0">
+                    <a:latin typeface="+mn-lt"/>
+                  </a:rPr>
+                  <a:t> for force field vectors in the gravity domain: </a:t>
+                </a:r>
+                <a14:m>
+                  <m:oMath xmlns:m="http://schemas.openxmlformats.org/officeDocument/2006/math">
+                    <m:sSub>
+                      <m:sSubPr>
+                        <m:ctrlPr>
+                          <a:rPr lang="en-GB" sz="1200" b="0" i="1" smtClean="0">
+                            <a:latin typeface="Cambria Math" panose="02040503050406030204" pitchFamily="18" charset="0"/>
+                          </a:rPr>
+                        </m:ctrlPr>
+                      </m:sSubPr>
+                      <m:e>
+                        <m:r>
+                          <a:rPr lang="en-GB" sz="1200" b="0" i="1" smtClean="0">
+                            <a:latin typeface="Cambria Math" panose="02040503050406030204" pitchFamily="18" charset="0"/>
+                          </a:rPr>
+                          <m:t>𝐹</m:t>
+                        </m:r>
+                      </m:e>
+                      <m:sub>
+                        <m:r>
+                          <a:rPr lang="en-GB" sz="1200" b="0" i="1" smtClean="0">
+                            <a:latin typeface="Cambria Math" panose="02040503050406030204" pitchFamily="18" charset="0"/>
+                          </a:rPr>
+                          <m:t>𝑖</m:t>
+                        </m:r>
+                      </m:sub>
+                    </m:sSub>
+                    <m:d>
+                      <m:dPr>
+                        <m:ctrlPr>
+                          <a:rPr lang="en-GB" sz="1200" b="0" i="1" smtClean="0">
+                            <a:latin typeface="Cambria Math" panose="02040503050406030204" pitchFamily="18" charset="0"/>
+                          </a:rPr>
+                        </m:ctrlPr>
+                      </m:dPr>
+                      <m:e>
+                        <m:sSub>
+                          <m:sSubPr>
+                            <m:ctrlPr>
+                              <a:rPr lang="en-GB" sz="1200" b="0" i="1" smtClean="0">
+                                <a:latin typeface="Cambria Math" panose="02040503050406030204" pitchFamily="18" charset="0"/>
+                              </a:rPr>
+                            </m:ctrlPr>
+                          </m:sSubPr>
+                          <m:e>
+                            <m:r>
+                              <a:rPr lang="en-GB" sz="1200" b="0" i="1" smtClean="0">
+                                <a:latin typeface="Cambria Math" panose="02040503050406030204" pitchFamily="18" charset="0"/>
+                              </a:rPr>
+                              <m:t>𝑟</m:t>
+                            </m:r>
+                          </m:e>
+                          <m:sub>
+                            <m:r>
+                              <a:rPr lang="en-GB" sz="1200" b="0" i="1" smtClean="0">
+                                <a:latin typeface="Cambria Math" panose="02040503050406030204" pitchFamily="18" charset="0"/>
+                              </a:rPr>
+                              <m:t>𝑗</m:t>
+                            </m:r>
+                          </m:sub>
+                        </m:sSub>
+                      </m:e>
+                    </m:d>
+                    <m:r>
+                      <a:rPr lang="en-GB" sz="1200" b="0" i="1" smtClean="0">
+                        <a:latin typeface="Cambria Math" panose="02040503050406030204" pitchFamily="18" charset="0"/>
+                      </a:rPr>
+                      <m:t>=−</m:t>
+                    </m:r>
+                    <m:r>
+                      <a:rPr lang="en-GB" sz="1200" b="0" i="1" smtClean="0">
+                        <a:latin typeface="Cambria Math" panose="02040503050406030204" pitchFamily="18" charset="0"/>
+                      </a:rPr>
+                      <m:t>𝐺</m:t>
+                    </m:r>
+                    <m:f>
+                      <m:fPr>
+                        <m:ctrlPr>
+                          <a:rPr lang="en-GB" sz="1200" b="0" i="1" smtClean="0">
+                            <a:latin typeface="Cambria Math" panose="02040503050406030204" pitchFamily="18" charset="0"/>
+                          </a:rPr>
+                        </m:ctrlPr>
+                      </m:fPr>
+                      <m:num>
+                        <m:sSub>
+                          <m:sSubPr>
+                            <m:ctrlPr>
+                              <a:rPr lang="en-GB" sz="1200" b="0" i="1" smtClean="0">
+                                <a:latin typeface="Cambria Math" panose="02040503050406030204" pitchFamily="18" charset="0"/>
+                              </a:rPr>
+                            </m:ctrlPr>
+                          </m:sSubPr>
+                          <m:e>
+                            <m:r>
+                              <a:rPr lang="en-GB" sz="1200" b="0" i="1" smtClean="0">
+                                <a:latin typeface="Cambria Math" panose="02040503050406030204" pitchFamily="18" charset="0"/>
+                              </a:rPr>
+                              <m:t>𝑚</m:t>
+                            </m:r>
+                          </m:e>
+                          <m:sub>
+                            <m:r>
+                              <a:rPr lang="en-GB" sz="1200" b="0" i="1" smtClean="0">
+                                <a:latin typeface="Cambria Math" panose="02040503050406030204" pitchFamily="18" charset="0"/>
+                              </a:rPr>
+                              <m:t>𝑖</m:t>
+                            </m:r>
+                          </m:sub>
+                        </m:sSub>
+                        <m:sSub>
+                          <m:sSubPr>
+                            <m:ctrlPr>
+                              <a:rPr lang="en-GB" sz="1200" b="0" i="1" smtClean="0">
+                                <a:latin typeface="Cambria Math" panose="02040503050406030204" pitchFamily="18" charset="0"/>
+                              </a:rPr>
+                            </m:ctrlPr>
+                          </m:sSubPr>
+                          <m:e>
+                            <m:r>
+                              <a:rPr lang="en-GB" sz="1200" b="0" i="1" smtClean="0">
+                                <a:latin typeface="Cambria Math" panose="02040503050406030204" pitchFamily="18" charset="0"/>
+                              </a:rPr>
+                              <m:t>𝑚</m:t>
+                            </m:r>
+                          </m:e>
+                          <m:sub>
+                            <m:r>
+                              <a:rPr lang="en-GB" sz="1200" b="0" i="1" smtClean="0">
+                                <a:latin typeface="Cambria Math" panose="02040503050406030204" pitchFamily="18" charset="0"/>
+                              </a:rPr>
+                              <m:t>𝑗</m:t>
+                            </m:r>
+                          </m:sub>
+                        </m:sSub>
+                      </m:num>
+                      <m:den>
+                        <m:sSup>
+                          <m:sSupPr>
+                            <m:ctrlPr>
+                              <a:rPr lang="en-GB" sz="1200" b="0" i="1" smtClean="0">
+                                <a:latin typeface="Cambria Math" panose="02040503050406030204" pitchFamily="18" charset="0"/>
+                              </a:rPr>
+                            </m:ctrlPr>
+                          </m:sSupPr>
+                          <m:e>
+                            <m:d>
+                              <m:dPr>
+                                <m:begChr m:val="|"/>
+                                <m:endChr m:val="|"/>
+                                <m:ctrlPr>
+                                  <a:rPr lang="en-GB" sz="1200" b="0" i="1" smtClean="0">
+                                    <a:latin typeface="Cambria Math" panose="02040503050406030204" pitchFamily="18" charset="0"/>
+                                  </a:rPr>
+                                </m:ctrlPr>
+                              </m:dPr>
+                              <m:e>
+                                <m:sSub>
+                                  <m:sSubPr>
+                                    <m:ctrlPr>
+                                      <a:rPr lang="en-GB" sz="1200" i="1">
+                                        <a:latin typeface="Cambria Math" panose="02040503050406030204" pitchFamily="18" charset="0"/>
+                                      </a:rPr>
+                                    </m:ctrlPr>
+                                  </m:sSubPr>
+                                  <m:e>
+                                    <m:r>
+                                      <a:rPr lang="en-GB" sz="1200" i="1">
+                                        <a:latin typeface="Cambria Math" panose="02040503050406030204" pitchFamily="18" charset="0"/>
+                                      </a:rPr>
+                                      <m:t>𝑟</m:t>
+                                    </m:r>
+                                  </m:e>
+                                  <m:sub>
+                                    <m:r>
+                                      <a:rPr lang="en-GB" sz="1200" i="1">
+                                        <a:latin typeface="Cambria Math" panose="02040503050406030204" pitchFamily="18" charset="0"/>
+                                      </a:rPr>
+                                      <m:t>𝑖</m:t>
+                                    </m:r>
+                                  </m:sub>
+                                </m:sSub>
+                                <m:r>
+                                  <a:rPr lang="en-GB" sz="1200" i="1">
+                                    <a:latin typeface="Cambria Math" panose="02040503050406030204" pitchFamily="18" charset="0"/>
+                                  </a:rPr>
+                                  <m:t>−</m:t>
+                                </m:r>
+                                <m:sSub>
+                                  <m:sSubPr>
+                                    <m:ctrlPr>
+                                      <a:rPr lang="en-GB" sz="1200" i="1">
+                                        <a:latin typeface="Cambria Math" panose="02040503050406030204" pitchFamily="18" charset="0"/>
+                                      </a:rPr>
+                                    </m:ctrlPr>
+                                  </m:sSubPr>
+                                  <m:e>
+                                    <m:r>
+                                      <a:rPr lang="en-GB" sz="1200" i="1">
+                                        <a:latin typeface="Cambria Math" panose="02040503050406030204" pitchFamily="18" charset="0"/>
+                                      </a:rPr>
+                                      <m:t>𝑟</m:t>
+                                    </m:r>
+                                  </m:e>
+                                  <m:sub>
+                                    <m:r>
+                                      <a:rPr lang="en-GB" sz="1200" i="1">
+                                        <a:latin typeface="Cambria Math" panose="02040503050406030204" pitchFamily="18" charset="0"/>
+                                      </a:rPr>
+                                      <m:t>𝑗</m:t>
+                                    </m:r>
+                                  </m:sub>
+                                </m:sSub>
+                              </m:e>
+                            </m:d>
+                          </m:e>
+                          <m:sup>
+                            <m:r>
+                              <a:rPr lang="en-GB" sz="1200" b="0" i="1" smtClean="0">
+                                <a:latin typeface="Cambria Math" panose="02040503050406030204" pitchFamily="18" charset="0"/>
+                              </a:rPr>
+                              <m:t>2</m:t>
+                            </m:r>
+                          </m:sup>
+                        </m:sSup>
+                      </m:den>
+                    </m:f>
+                    <m:r>
+                      <a:rPr lang="en-GB" sz="1200" b="0" i="1" smtClean="0">
+                        <a:latin typeface="Cambria Math" panose="02040503050406030204" pitchFamily="18" charset="0"/>
+                      </a:rPr>
+                      <m:t>⋅</m:t>
+                    </m:r>
+                    <m:sSub>
+                      <m:sSubPr>
+                        <m:ctrlPr>
+                          <a:rPr lang="en-GB" sz="1200" b="0" i="1" smtClean="0">
+                            <a:latin typeface="Cambria Math" panose="02040503050406030204" pitchFamily="18" charset="0"/>
+                          </a:rPr>
+                        </m:ctrlPr>
+                      </m:sSubPr>
+                      <m:e>
+                        <m:acc>
+                          <m:accPr>
+                            <m:chr m:val="̂"/>
+                            <m:ctrlPr>
+                              <a:rPr lang="en-GB" sz="1200" b="0" i="1" smtClean="0">
+                                <a:latin typeface="Cambria Math" panose="02040503050406030204" pitchFamily="18" charset="0"/>
+                              </a:rPr>
+                            </m:ctrlPr>
+                          </m:accPr>
+                          <m:e>
+                            <m:r>
+                              <a:rPr lang="en-GB" sz="1200" b="0" i="1" smtClean="0">
+                                <a:latin typeface="Cambria Math" panose="02040503050406030204" pitchFamily="18" charset="0"/>
+                              </a:rPr>
+                              <m:t>𝑟</m:t>
+                            </m:r>
+                          </m:e>
+                        </m:acc>
+                      </m:e>
+                      <m:sub>
+                        <m:r>
+                          <a:rPr lang="en-GB" sz="1200" b="0" i="1" smtClean="0">
+                            <a:latin typeface="Cambria Math" panose="02040503050406030204" pitchFamily="18" charset="0"/>
+                          </a:rPr>
+                          <m:t>𝑖𝑗</m:t>
+                        </m:r>
+                      </m:sub>
+                    </m:sSub>
+                  </m:oMath>
+                </a14:m>
+                <a:r>
+                  <a:rPr lang="en-GB" b="0" i="0" dirty="0" smtClean="0">
+                    <a:latin typeface="+mn-lt"/>
+                  </a:rPr>
+                  <a:t>, where </a:t>
+                </a:r>
+                <a14:m>
+                  <m:oMath xmlns:m="http://schemas.openxmlformats.org/officeDocument/2006/math">
+                    <m:sSub>
+                      <m:sSubPr>
+                        <m:ctrlPr>
+                          <a:rPr lang="en-GB" sz="1200" b="0" i="1" smtClean="0">
+                            <a:latin typeface="Cambria Math" panose="02040503050406030204" pitchFamily="18" charset="0"/>
+                          </a:rPr>
+                        </m:ctrlPr>
+                      </m:sSubPr>
+                      <m:e>
+                        <m:acc>
+                          <m:accPr>
+                            <m:chr m:val="̂"/>
+                            <m:ctrlPr>
+                              <a:rPr lang="en-GB" sz="1200" b="0" i="1" smtClean="0">
+                                <a:latin typeface="Cambria Math" panose="02040503050406030204" pitchFamily="18" charset="0"/>
+                              </a:rPr>
+                            </m:ctrlPr>
+                          </m:accPr>
+                          <m:e>
+                            <m:r>
+                              <a:rPr lang="en-GB" sz="1200" b="0" i="1" smtClean="0">
+                                <a:latin typeface="Cambria Math" panose="02040503050406030204" pitchFamily="18" charset="0"/>
+                              </a:rPr>
+                              <m:t>𝑟</m:t>
+                            </m:r>
+                          </m:e>
+                        </m:acc>
+                      </m:e>
+                      <m:sub>
+                        <m:r>
+                          <a:rPr lang="en-GB" sz="1200" b="0" i="1" smtClean="0">
+                            <a:latin typeface="Cambria Math" panose="02040503050406030204" pitchFamily="18" charset="0"/>
+                          </a:rPr>
+                          <m:t>𝑖𝑗</m:t>
+                        </m:r>
+                      </m:sub>
+                    </m:sSub>
+                  </m:oMath>
+                </a14:m>
+                <a:r>
+                  <a:rPr lang="en-GB" b="0" i="0" dirty="0" smtClean="0">
+                    <a:latin typeface="+mn-lt"/>
+                  </a:rPr>
+                  <a:t> is the unit vector</a:t>
+                </a:r>
+              </a:p>
+              <a:p>
+                <a:pPr marL="228600" indent="-228600">
+                  <a:buFont typeface="+mj-lt"/>
+                  <a:buAutoNum type="arabicPeriod"/>
+                </a:pPr>
+                <a14:m>
+                  <m:oMath xmlns:m="http://schemas.openxmlformats.org/officeDocument/2006/math">
+                    <m:sSub>
+                      <m:sSubPr>
+                        <m:ctrlPr>
+                          <a:rPr lang="en-GB" b="0" i="1" smtClean="0">
+                            <a:latin typeface="Cambria Math" panose="02040503050406030204" pitchFamily="18" charset="0"/>
+                          </a:rPr>
+                        </m:ctrlPr>
+                      </m:sSubPr>
+                      <m:e>
+                        <m:r>
+                          <a:rPr lang="en-GB" b="0" i="1" smtClean="0">
+                            <a:latin typeface="Cambria Math" panose="02040503050406030204" pitchFamily="18" charset="0"/>
+                          </a:rPr>
+                          <m:t>𝐹</m:t>
+                        </m:r>
+                      </m:e>
+                      <m:sub>
+                        <m:r>
+                          <a:rPr lang="en-GB" b="0" i="1" smtClean="0">
+                            <a:latin typeface="Cambria Math" panose="02040503050406030204" pitchFamily="18" charset="0"/>
+                          </a:rPr>
+                          <m:t>𝑖</m:t>
+                        </m:r>
+                      </m:sub>
+                    </m:sSub>
+                    <m:d>
+                      <m:dPr>
+                        <m:ctrlPr>
+                          <a:rPr lang="en-GB" b="0" i="1" smtClean="0">
+                            <a:latin typeface="Cambria Math" panose="02040503050406030204" pitchFamily="18" charset="0"/>
+                          </a:rPr>
+                        </m:ctrlPr>
+                      </m:dPr>
+                      <m:e>
+                        <m:sSub>
+                          <m:sSubPr>
+                            <m:ctrlPr>
+                              <a:rPr lang="en-GB" b="0" i="1" smtClean="0">
+                                <a:latin typeface="Cambria Math" panose="02040503050406030204" pitchFamily="18" charset="0"/>
+                              </a:rPr>
+                            </m:ctrlPr>
+                          </m:sSubPr>
+                          <m:e>
+                            <m:r>
+                              <a:rPr lang="en-GB" b="0" i="1" smtClean="0">
+                                <a:latin typeface="Cambria Math" panose="02040503050406030204" pitchFamily="18" charset="0"/>
+                              </a:rPr>
+                              <m:t>𝑟</m:t>
+                            </m:r>
+                          </m:e>
+                          <m:sub>
+                            <m:r>
+                              <a:rPr lang="en-GB" b="0" i="1" smtClean="0">
+                                <a:latin typeface="Cambria Math" panose="02040503050406030204" pitchFamily="18" charset="0"/>
+                              </a:rPr>
+                              <m:t>𝑗</m:t>
+                            </m:r>
+                          </m:sub>
+                        </m:sSub>
+                      </m:e>
+                    </m:d>
+                  </m:oMath>
+                </a14:m>
+                <a:r>
+                  <a:rPr lang="en-GB" dirty="0" smtClean="0"/>
+                  <a:t> is</a:t>
+                </a:r>
+                <a:r>
+                  <a:rPr lang="en-GB" baseline="0" dirty="0" smtClean="0"/>
+                  <a:t> the force field vector of a pixel position vector </a:t>
+                </a:r>
+                <a14:m>
+                  <m:oMath xmlns:m="http://schemas.openxmlformats.org/officeDocument/2006/math">
+                    <m:sSub>
+                      <m:sSubPr>
+                        <m:ctrlPr>
+                          <a:rPr lang="en-GB" b="0" i="1" baseline="0" smtClean="0">
+                            <a:latin typeface="Cambria Math" panose="02040503050406030204" pitchFamily="18" charset="0"/>
+                          </a:rPr>
+                        </m:ctrlPr>
+                      </m:sSubPr>
+                      <m:e>
+                        <m:r>
+                          <a:rPr lang="en-GB" b="0" i="1" baseline="0" smtClean="0">
+                            <a:latin typeface="Cambria Math" panose="02040503050406030204" pitchFamily="18" charset="0"/>
+                          </a:rPr>
+                          <m:t>𝑟</m:t>
+                        </m:r>
+                      </m:e>
+                      <m:sub>
+                        <m:r>
+                          <a:rPr lang="en-GB" b="0" i="1" baseline="0" smtClean="0">
+                            <a:latin typeface="Cambria Math" panose="02040503050406030204" pitchFamily="18" charset="0"/>
+                          </a:rPr>
+                          <m:t>𝑗</m:t>
+                        </m:r>
+                      </m:sub>
+                    </m:sSub>
+                  </m:oMath>
+                </a14:m>
+                <a:r>
+                  <a:rPr lang="en-GB" baseline="0" dirty="0" smtClean="0"/>
+                  <a:t> that another vector </a:t>
+                </a:r>
+                <a14:m>
+                  <m:oMath xmlns:m="http://schemas.openxmlformats.org/officeDocument/2006/math">
+                    <m:sSub>
+                      <m:sSubPr>
+                        <m:ctrlPr>
+                          <a:rPr lang="en-GB" b="0" i="1" baseline="0" smtClean="0">
+                            <a:latin typeface="Cambria Math" panose="02040503050406030204" pitchFamily="18" charset="0"/>
+                          </a:rPr>
+                        </m:ctrlPr>
+                      </m:sSubPr>
+                      <m:e>
+                        <m:r>
+                          <a:rPr lang="en-GB" b="0" i="1" baseline="0" smtClean="0">
+                            <a:latin typeface="Cambria Math" panose="02040503050406030204" pitchFamily="18" charset="0"/>
+                          </a:rPr>
+                          <m:t>𝑟</m:t>
+                        </m:r>
+                      </m:e>
+                      <m:sub>
+                        <m:r>
+                          <a:rPr lang="en-GB" b="0" i="1" baseline="0" smtClean="0">
+                            <a:latin typeface="Cambria Math" panose="02040503050406030204" pitchFamily="18" charset="0"/>
+                          </a:rPr>
+                          <m:t>𝑖</m:t>
+                        </m:r>
+                      </m:sub>
+                    </m:sSub>
+                  </m:oMath>
+                </a14:m>
+                <a:r>
+                  <a:rPr lang="en-GB" dirty="0" smtClean="0"/>
+                  <a:t> exerts on</a:t>
+                </a:r>
+                <a:r>
+                  <a:rPr lang="en-GB" baseline="0" dirty="0" smtClean="0"/>
+                  <a:t> it. </a:t>
+                </a:r>
+              </a:p>
+              <a:p>
+                <a:pPr marL="228600" indent="-228600">
+                  <a:buFont typeface="+mj-lt"/>
+                  <a:buAutoNum type="arabicPeriod"/>
+                </a:pPr>
+                <a:r>
+                  <a:rPr lang="en-GB" baseline="0" dirty="0" smtClean="0"/>
+                  <a:t>The sum over all these force vectors</a:t>
+                </a:r>
+                <a:r>
+                  <a:rPr lang="en-GB" dirty="0" smtClean="0"/>
+                  <a:t>, where</a:t>
+                </a:r>
+                <a:r>
+                  <a:rPr lang="en-GB" baseline="0" dirty="0" smtClean="0"/>
+                  <a:t> the pixel intensities </a:t>
+                </a:r>
+                <a:r>
+                  <a:rPr lang="en-GB" dirty="0" smtClean="0"/>
+                  <a:t> </a:t>
+                </a:r>
+                <a14:m>
+                  <m:oMath xmlns:m="http://schemas.openxmlformats.org/officeDocument/2006/math">
+                    <m:r>
+                      <a:rPr lang="en-GB" b="0" i="1" smtClean="0">
+                        <a:latin typeface="Cambria Math" panose="02040503050406030204" pitchFamily="18" charset="0"/>
+                      </a:rPr>
+                      <m:t>𝑃</m:t>
+                    </m:r>
+                    <m:d>
+                      <m:dPr>
+                        <m:ctrlPr>
+                          <a:rPr lang="en-GB" b="0" i="1" smtClean="0">
+                            <a:latin typeface="Cambria Math" panose="02040503050406030204" pitchFamily="18" charset="0"/>
+                          </a:rPr>
+                        </m:ctrlPr>
+                      </m:dPr>
+                      <m:e>
+                        <m:sSub>
+                          <m:sSubPr>
+                            <m:ctrlPr>
+                              <a:rPr lang="en-GB" b="0" i="1" smtClean="0">
+                                <a:latin typeface="Cambria Math" panose="02040503050406030204" pitchFamily="18" charset="0"/>
+                              </a:rPr>
+                            </m:ctrlPr>
+                          </m:sSubPr>
+                          <m:e>
+                            <m:r>
+                              <a:rPr lang="en-GB" b="0" i="1" smtClean="0">
+                                <a:latin typeface="Cambria Math" panose="02040503050406030204" pitchFamily="18" charset="0"/>
+                              </a:rPr>
+                              <m:t>𝑟</m:t>
+                            </m:r>
+                          </m:e>
+                          <m:sub>
+                            <m:r>
+                              <a:rPr lang="en-GB" b="0" i="1" smtClean="0">
+                                <a:latin typeface="Cambria Math" panose="02040503050406030204" pitchFamily="18" charset="0"/>
+                              </a:rPr>
+                              <m:t>𝑖</m:t>
+                            </m:r>
+                          </m:sub>
+                        </m:sSub>
+                      </m:e>
+                    </m:d>
+                  </m:oMath>
+                </a14:m>
+                <a:r>
+                  <a:rPr lang="en-GB" dirty="0" smtClean="0"/>
+                  <a:t> are unified, gives</a:t>
+                </a:r>
+                <a:r>
+                  <a:rPr lang="en-GB" baseline="0" dirty="0" smtClean="0"/>
+                  <a:t> the force field vector </a:t>
+                </a:r>
+                <a14:m>
+                  <m:oMath xmlns:m="http://schemas.openxmlformats.org/officeDocument/2006/math">
+                    <m:r>
+                      <a:rPr lang="en-GB" b="0" i="1" baseline="0" smtClean="0">
+                        <a:latin typeface="Cambria Math" panose="02040503050406030204" pitchFamily="18" charset="0"/>
+                      </a:rPr>
+                      <m:t>𝐹</m:t>
+                    </m:r>
+                    <m:d>
+                      <m:dPr>
+                        <m:ctrlPr>
+                          <a:rPr lang="en-GB" b="0" i="1" baseline="0" smtClean="0">
+                            <a:latin typeface="Cambria Math" panose="02040503050406030204" pitchFamily="18" charset="0"/>
+                          </a:rPr>
+                        </m:ctrlPr>
+                      </m:dPr>
+                      <m:e>
+                        <m:sSub>
+                          <m:sSubPr>
+                            <m:ctrlPr>
+                              <a:rPr lang="en-GB" b="0" i="1" baseline="0" smtClean="0">
+                                <a:latin typeface="Cambria Math" panose="02040503050406030204" pitchFamily="18" charset="0"/>
+                              </a:rPr>
+                            </m:ctrlPr>
+                          </m:sSubPr>
+                          <m:e>
+                            <m:r>
+                              <a:rPr lang="en-GB" b="0" i="1" baseline="0" smtClean="0">
+                                <a:latin typeface="Cambria Math" panose="02040503050406030204" pitchFamily="18" charset="0"/>
+                              </a:rPr>
+                              <m:t>𝑟</m:t>
+                            </m:r>
+                          </m:e>
+                          <m:sub>
+                            <m:r>
+                              <a:rPr lang="en-GB" b="0" i="1" baseline="0" smtClean="0">
+                                <a:latin typeface="Cambria Math" panose="02040503050406030204" pitchFamily="18" charset="0"/>
+                              </a:rPr>
+                              <m:t>𝑗</m:t>
+                            </m:r>
+                          </m:sub>
+                        </m:sSub>
+                      </m:e>
+                    </m:d>
+                  </m:oMath>
+                </a14:m>
+                <a:r>
+                  <a:rPr lang="en-GB" dirty="0" smtClean="0"/>
+                  <a:t> for that position </a:t>
+                </a:r>
+                <a14:m>
+                  <m:oMath xmlns:m="http://schemas.openxmlformats.org/officeDocument/2006/math">
+                    <m:sSub>
+                      <m:sSubPr>
+                        <m:ctrlPr>
+                          <a:rPr lang="en-GB" b="0" i="1" baseline="0" smtClean="0">
+                            <a:latin typeface="Cambria Math" panose="02040503050406030204" pitchFamily="18" charset="0"/>
+                          </a:rPr>
+                        </m:ctrlPr>
+                      </m:sSubPr>
+                      <m:e>
+                        <m:r>
+                          <a:rPr lang="en-GB" b="0" i="1" baseline="0" smtClean="0">
+                            <a:latin typeface="Cambria Math" panose="02040503050406030204" pitchFamily="18" charset="0"/>
+                          </a:rPr>
+                          <m:t>𝑟</m:t>
+                        </m:r>
+                      </m:e>
+                      <m:sub>
+                        <m:r>
+                          <a:rPr lang="en-GB" b="0" i="1" baseline="0" smtClean="0">
+                            <a:latin typeface="Cambria Math" panose="02040503050406030204" pitchFamily="18" charset="0"/>
+                          </a:rPr>
+                          <m:t>𝑗</m:t>
+                        </m:r>
+                      </m:sub>
+                    </m:sSub>
+                  </m:oMath>
+                </a14:m>
+                <a:endParaRPr lang="en-GB" dirty="0" smtClean="0"/>
+              </a:p>
+              <a:p>
+                <a:pPr marL="228600" indent="-228600">
+                  <a:buFont typeface="+mj-lt"/>
+                  <a:buAutoNum type="arabicPeriod"/>
+                </a:pPr>
+                <a:r>
+                  <a:rPr lang="en-GB" dirty="0" smtClean="0"/>
+                  <a:t>Same for the potential Energy field</a:t>
+                </a:r>
+                <a:r>
+                  <a:rPr lang="en-GB" baseline="0" dirty="0" smtClean="0"/>
+                  <a:t> that is associated with the force field generated by each pixel, </a:t>
+                </a:r>
+              </a:p>
+              <a:p>
+                <a:pPr marL="685800" lvl="1" indent="-228600">
+                  <a:buFont typeface="+mj-lt"/>
+                  <a:buAutoNum type="arabicPeriod"/>
+                </a:pPr>
+                <a:r>
+                  <a:rPr lang="en-GB" baseline="0" dirty="0" smtClean="0"/>
+                  <a:t>with </a:t>
+                </a:r>
+                <a14:m>
+                  <m:oMath xmlns:m="http://schemas.openxmlformats.org/officeDocument/2006/math">
+                    <m:sSub>
+                      <m:sSubPr>
+                        <m:ctrlPr>
+                          <a:rPr lang="en-GB" b="0" i="1" baseline="0" smtClean="0">
+                            <a:latin typeface="Cambria Math" panose="02040503050406030204" pitchFamily="18" charset="0"/>
+                          </a:rPr>
+                        </m:ctrlPr>
+                      </m:sSubPr>
+                      <m:e>
+                        <m:r>
+                          <a:rPr lang="en-GB" b="0" i="1" baseline="0" smtClean="0">
+                            <a:latin typeface="Cambria Math" panose="02040503050406030204" pitchFamily="18" charset="0"/>
+                          </a:rPr>
+                          <m:t>𝐸</m:t>
+                        </m:r>
+                      </m:e>
+                      <m:sub>
+                        <m:r>
+                          <a:rPr lang="en-GB" b="0" i="1" baseline="0" smtClean="0">
+                            <a:latin typeface="Cambria Math" panose="02040503050406030204" pitchFamily="18" charset="0"/>
+                          </a:rPr>
+                          <m:t>𝑖</m:t>
+                        </m:r>
+                      </m:sub>
+                    </m:sSub>
+                    <m:d>
+                      <m:dPr>
+                        <m:ctrlPr>
+                          <a:rPr lang="en-GB" b="0" i="1" baseline="0" smtClean="0">
+                            <a:latin typeface="Cambria Math" panose="02040503050406030204" pitchFamily="18" charset="0"/>
+                          </a:rPr>
+                        </m:ctrlPr>
+                      </m:dPr>
+                      <m:e>
+                        <m:sSub>
+                          <m:sSubPr>
+                            <m:ctrlPr>
+                              <a:rPr lang="en-GB" b="0" i="1" baseline="0" smtClean="0">
+                                <a:latin typeface="Cambria Math" panose="02040503050406030204" pitchFamily="18" charset="0"/>
+                              </a:rPr>
+                            </m:ctrlPr>
+                          </m:sSubPr>
+                          <m:e>
+                            <m:r>
+                              <a:rPr lang="en-GB" b="0" i="1" baseline="0" smtClean="0">
+                                <a:latin typeface="Cambria Math" panose="02040503050406030204" pitchFamily="18" charset="0"/>
+                              </a:rPr>
+                              <m:t>𝑟</m:t>
+                            </m:r>
+                          </m:e>
+                          <m:sub>
+                            <m:r>
+                              <a:rPr lang="en-GB" b="0" i="1" baseline="0" smtClean="0">
+                                <a:latin typeface="Cambria Math" panose="02040503050406030204" pitchFamily="18" charset="0"/>
+                              </a:rPr>
+                              <m:t>𝑗</m:t>
+                            </m:r>
+                          </m:sub>
+                        </m:sSub>
+                      </m:e>
+                    </m:d>
+                  </m:oMath>
+                </a14:m>
+                <a:r>
+                  <a:rPr lang="en-GB" dirty="0" smtClean="0"/>
+                  <a:t> being the potential energy that its</a:t>
+                </a:r>
+                <a:r>
+                  <a:rPr lang="en-GB" baseline="0" dirty="0" smtClean="0"/>
+                  <a:t> imparted to a pixel of unit intensity at the pixel location </a:t>
+                </a:r>
+                <a:r>
+                  <a:rPr lang="en-GB" baseline="0" dirty="0" err="1" smtClean="0"/>
+                  <a:t>r_j</a:t>
+                </a:r>
+                <a:r>
+                  <a:rPr lang="en-GB" baseline="0" dirty="0" smtClean="0"/>
+                  <a:t> by the energy field of any other pixel with position vector </a:t>
+                </a:r>
+                <a:r>
+                  <a:rPr lang="en-GB" baseline="0" dirty="0" err="1" smtClean="0"/>
+                  <a:t>r_i</a:t>
+                </a:r>
+                <a:r>
+                  <a:rPr lang="en-GB" baseline="0" dirty="0" smtClean="0"/>
+                  <a:t> and pixel intensity P(</a:t>
+                </a:r>
+                <a:r>
+                  <a:rPr lang="en-GB" baseline="0" dirty="0" err="1" smtClean="0"/>
+                  <a:t>r_i</a:t>
+                </a:r>
+                <a:r>
+                  <a:rPr lang="en-GB" baseline="0" dirty="0" smtClean="0"/>
+                  <a:t>)</a:t>
+                </a:r>
+                <a:endParaRPr lang="en-GB" dirty="0"/>
+              </a:p>
+            </p:txBody>
+          </p:sp>
+        </mc:Choice>
+        <mc:Fallback xmlns="">
+          <p:sp>
+            <p:nvSpPr>
+              <p:cNvPr id="3" name="Notizenplatzhalter 2"/>
+              <p:cNvSpPr>
+                <a:spLocks noGrp="1"/>
+              </p:cNvSpPr>
+              <p:nvPr>
+                <p:ph type="body" idx="1"/>
+              </p:nvPr>
+            </p:nvSpPr>
+            <p:spPr/>
+            <p:txBody>
+              <a:bodyPr/>
+              <a:lstStyle/>
+              <a:p>
+                <a:pPr marL="228600" indent="-228600">
+                  <a:buFont typeface="+mj-lt"/>
+                  <a:buAutoNum type="arabicPeriod"/>
+                </a:pPr>
+                <a:r>
+                  <a:rPr lang="en-GB" b="0" i="0" dirty="0" smtClean="0">
+                    <a:latin typeface="+mn-lt"/>
+                  </a:rPr>
+                  <a:t>The definition</a:t>
+                </a:r>
+                <a:r>
+                  <a:rPr lang="en-GB" b="0" i="0" baseline="0" dirty="0" smtClean="0">
+                    <a:latin typeface="+mn-lt"/>
+                  </a:rPr>
+                  <a:t> for force field vectors in the gravity domain: </a:t>
+                </a:r>
+                <a:r>
+                  <a:rPr lang="en-GB" sz="1200" b="0" i="0" smtClean="0">
+                    <a:latin typeface="Cambria Math" panose="02040503050406030204" pitchFamily="18" charset="0"/>
+                  </a:rPr>
+                  <a:t>𝐹</a:t>
+                </a:r>
+                <a:r>
+                  <a:rPr lang="en-GB" sz="1200" b="0" i="0" smtClean="0">
+                    <a:latin typeface="Cambria Math" panose="02040503050406030204" pitchFamily="18" charset="0"/>
+                  </a:rPr>
+                  <a:t>_</a:t>
+                </a:r>
+                <a:r>
+                  <a:rPr lang="en-GB" sz="1200" b="0" i="0" smtClean="0">
+                    <a:latin typeface="Cambria Math" panose="02040503050406030204" pitchFamily="18" charset="0"/>
+                  </a:rPr>
+                  <a:t>𝑖 (𝑟_𝑗 )=−𝐺 (𝑚_𝑖 𝑚_𝑗)/|</a:t>
+                </a:r>
+                <a:r>
+                  <a:rPr lang="en-GB" sz="1200" i="0">
+                    <a:latin typeface="Cambria Math" panose="02040503050406030204" pitchFamily="18" charset="0"/>
+                  </a:rPr>
+                  <a:t>𝑟_𝑖−𝑟_𝑗 |</a:t>
+                </a:r>
+                <a:r>
+                  <a:rPr lang="en-GB" sz="1200" b="0" i="0" smtClean="0">
+                    <a:latin typeface="Cambria Math" panose="02040503050406030204" pitchFamily="18" charset="0"/>
+                  </a:rPr>
+                  <a:t>^2 ⋅𝑟 ̂_𝑖𝑗</a:t>
+                </a:r>
+                <a:r>
+                  <a:rPr lang="en-GB" b="0" i="0" dirty="0" smtClean="0">
+                    <a:latin typeface="+mn-lt"/>
+                  </a:rPr>
+                  <a:t>, where </a:t>
+                </a:r>
+                <a:r>
+                  <a:rPr lang="en-GB" sz="1200" b="0" i="0" smtClean="0">
+                    <a:latin typeface="Cambria Math" panose="02040503050406030204" pitchFamily="18" charset="0"/>
+                  </a:rPr>
+                  <a:t>𝑟 ̂</a:t>
+                </a:r>
+                <a:r>
+                  <a:rPr lang="en-GB" sz="1200" b="0" i="0" smtClean="0">
+                    <a:latin typeface="Cambria Math" panose="02040503050406030204" pitchFamily="18" charset="0"/>
+                  </a:rPr>
+                  <a:t>_</a:t>
+                </a:r>
+                <a:r>
+                  <a:rPr lang="en-GB" sz="1200" b="0" i="0" smtClean="0">
+                    <a:latin typeface="Cambria Math" panose="02040503050406030204" pitchFamily="18" charset="0"/>
+                  </a:rPr>
+                  <a:t>𝑖𝑗</a:t>
+                </a:r>
+                <a:r>
+                  <a:rPr lang="en-GB" b="0" i="0" dirty="0" smtClean="0">
+                    <a:latin typeface="+mn-lt"/>
+                  </a:rPr>
+                  <a:t> is the unit vector</a:t>
+                </a:r>
+              </a:p>
+              <a:p>
+                <a:pPr marL="228600" indent="-228600">
+                  <a:buFont typeface="+mj-lt"/>
+                  <a:buAutoNum type="arabicPeriod"/>
+                </a:pPr>
+                <a:r>
+                  <a:rPr lang="en-GB" b="0" i="0" smtClean="0">
+                    <a:latin typeface="Cambria Math" panose="02040503050406030204" pitchFamily="18" charset="0"/>
+                  </a:rPr>
+                  <a:t>𝐹_𝑖 (𝑟_𝑗 )</a:t>
+                </a:r>
+                <a:r>
+                  <a:rPr lang="en-GB" dirty="0" smtClean="0"/>
+                  <a:t> is</a:t>
+                </a:r>
+                <a:r>
+                  <a:rPr lang="en-GB" baseline="0" dirty="0" smtClean="0"/>
+                  <a:t> the force field vector of a pixel position vector </a:t>
+                </a:r>
+                <a:r>
+                  <a:rPr lang="en-GB" b="0" i="0" baseline="0" smtClean="0">
+                    <a:latin typeface="Cambria Math" panose="02040503050406030204" pitchFamily="18" charset="0"/>
+                  </a:rPr>
+                  <a:t>𝑟_𝑗</a:t>
+                </a:r>
+                <a:r>
+                  <a:rPr lang="en-GB" baseline="0" dirty="0" smtClean="0"/>
+                  <a:t> that another vector </a:t>
+                </a:r>
+                <a:r>
+                  <a:rPr lang="en-GB" b="0" i="0" baseline="0" smtClean="0">
+                    <a:latin typeface="Cambria Math" panose="02040503050406030204" pitchFamily="18" charset="0"/>
+                  </a:rPr>
+                  <a:t>𝑟_𝑖</a:t>
+                </a:r>
+                <a:r>
+                  <a:rPr lang="en-GB" dirty="0" smtClean="0"/>
+                  <a:t> exerts on</a:t>
+                </a:r>
+                <a:r>
+                  <a:rPr lang="en-GB" baseline="0" dirty="0" smtClean="0"/>
+                  <a:t> it. </a:t>
+                </a:r>
+              </a:p>
+              <a:p>
+                <a:pPr marL="228600" indent="-228600">
+                  <a:buFont typeface="+mj-lt"/>
+                  <a:buAutoNum type="arabicPeriod"/>
+                </a:pPr>
+                <a:r>
+                  <a:rPr lang="en-GB" baseline="0" dirty="0" smtClean="0"/>
+                  <a:t>The sum over all these force vectors</a:t>
+                </a:r>
+                <a:r>
+                  <a:rPr lang="en-GB" dirty="0" smtClean="0"/>
+                  <a:t>, where</a:t>
+                </a:r>
+                <a:r>
+                  <a:rPr lang="en-GB" baseline="0" dirty="0" smtClean="0"/>
+                  <a:t> the pixel intensities </a:t>
+                </a:r>
+                <a:r>
+                  <a:rPr lang="en-GB" dirty="0" smtClean="0"/>
+                  <a:t> </a:t>
+                </a:r>
+                <a:r>
+                  <a:rPr lang="en-GB" b="0" i="0" smtClean="0">
+                    <a:latin typeface="Cambria Math" panose="02040503050406030204" pitchFamily="18" charset="0"/>
+                  </a:rPr>
+                  <a:t>𝑃(𝑟_𝑖 )</a:t>
+                </a:r>
+                <a:r>
+                  <a:rPr lang="en-GB" dirty="0" smtClean="0"/>
+                  <a:t> are unified, gives</a:t>
+                </a:r>
+                <a:r>
+                  <a:rPr lang="en-GB" baseline="0" dirty="0" smtClean="0"/>
+                  <a:t> the force field vector </a:t>
+                </a:r>
+                <a:r>
+                  <a:rPr lang="en-GB" b="0" i="0" baseline="0" smtClean="0">
+                    <a:latin typeface="Cambria Math" panose="02040503050406030204" pitchFamily="18" charset="0"/>
+                  </a:rPr>
+                  <a:t>𝐹</a:t>
+                </a:r>
+                <a:r>
+                  <a:rPr lang="en-GB" b="0" i="0" baseline="0" smtClean="0">
+                    <a:latin typeface="Cambria Math" panose="02040503050406030204" pitchFamily="18" charset="0"/>
+                  </a:rPr>
+                  <a:t>(𝑟_𝑗 )</a:t>
+                </a:r>
+                <a:r>
+                  <a:rPr lang="en-GB" dirty="0" smtClean="0"/>
+                  <a:t> for that position </a:t>
+                </a:r>
+                <a:r>
+                  <a:rPr lang="en-GB" b="0" i="0" baseline="0" smtClean="0">
+                    <a:latin typeface="Cambria Math" panose="02040503050406030204" pitchFamily="18" charset="0"/>
+                  </a:rPr>
+                  <a:t>𝑟</a:t>
+                </a:r>
+                <a:r>
+                  <a:rPr lang="en-GB" b="0" i="0" baseline="0" smtClean="0">
+                    <a:latin typeface="Cambria Math" panose="02040503050406030204" pitchFamily="18" charset="0"/>
+                  </a:rPr>
+                  <a:t>_</a:t>
+                </a:r>
+                <a:r>
+                  <a:rPr lang="en-GB" b="0" i="0" baseline="0" smtClean="0">
+                    <a:latin typeface="Cambria Math" panose="02040503050406030204" pitchFamily="18" charset="0"/>
+                  </a:rPr>
+                  <a:t>𝑗</a:t>
+                </a:r>
+                <a:endParaRPr lang="en-GB" dirty="0" smtClean="0"/>
+              </a:p>
+              <a:p>
+                <a:pPr marL="228600" indent="-228600">
+                  <a:buFont typeface="+mj-lt"/>
+                  <a:buAutoNum type="arabicPeriod"/>
+                </a:pPr>
+                <a:r>
+                  <a:rPr lang="en-GB" dirty="0" smtClean="0"/>
+                  <a:t>Same for Energy</a:t>
+                </a:r>
+                <a:endParaRPr lang="en-GB" dirty="0"/>
+              </a:p>
+            </p:txBody>
+          </p:sp>
+        </mc:Fallback>
+      </mc:AlternateContent>
       <p:sp>
         <p:nvSpPr>
           <p:cNvPr id="4" name="Foliennummernplatzhalter 3"/>
@@ -915,6 +1900,588 @@
     <p:extLst>
       <p:ext uri="{BB962C8B-B14F-4D97-AF65-F5344CB8AC3E}">
         <p14:creationId xmlns:p14="http://schemas.microsoft.com/office/powerpoint/2010/main" val="3383879922"/>
+      </p:ext>
+    </p:extLst>
+  </p:cSld>
+  <p:clrMapOvr>
+    <a:masterClrMapping/>
+  </p:clrMapOvr>
+</p:notes>
+</file>
+
+<file path=ppt/notesSlides/notesSlide5.xml><?xml version="1.0" encoding="utf-8"?>
+<p:notes xmlns:a="http://schemas.openxmlformats.org/drawingml/2006/main" xmlns:r="http://schemas.openxmlformats.org/officeDocument/2006/relationships" xmlns:p="http://schemas.openxmlformats.org/presentationml/2006/main">
+  <p:cSld>
+    <p:spTree>
+      <p:nvGrpSpPr>
+        <p:cNvPr id="1" name=""/>
+        <p:cNvGrpSpPr/>
+        <p:nvPr/>
+      </p:nvGrpSpPr>
+      <p:grpSpPr>
+        <a:xfrm>
+          <a:off x="0" y="0"/>
+          <a:ext cx="0" cy="0"/>
+          <a:chOff x="0" y="0"/>
+          <a:chExt cx="0" cy="0"/>
+        </a:xfrm>
+      </p:grpSpPr>
+      <p:sp>
+        <p:nvSpPr>
+          <p:cNvPr id="2" name="Folienbildplatzhalter 1"/>
+          <p:cNvSpPr>
+            <a:spLocks noGrp="1" noRot="1" noChangeAspect="1"/>
+          </p:cNvSpPr>
+          <p:nvPr>
+            <p:ph type="sldImg"/>
+          </p:nvPr>
+        </p:nvSpPr>
+        <p:spPr/>
+      </p:sp>
+      <p:sp>
+        <p:nvSpPr>
+          <p:cNvPr id="3" name="Notizenplatzhalter 2"/>
+          <p:cNvSpPr>
+            <a:spLocks noGrp="1"/>
+          </p:cNvSpPr>
+          <p:nvPr>
+            <p:ph type="body" idx="1"/>
+          </p:nvPr>
+        </p:nvSpPr>
+        <p:spPr/>
+        <p:txBody>
+          <a:bodyPr/>
+          <a:lstStyle/>
+          <a:p>
+            <a:pPr marL="228600" indent="-228600">
+              <a:buFont typeface="+mj-lt"/>
+              <a:buAutoNum type="arabicPeriod"/>
+            </a:pPr>
+            <a:r>
+              <a:rPr lang="en-GB" dirty="0" smtClean="0"/>
+              <a:t>Calculating the force field vectors for each pixel in an</a:t>
+            </a:r>
+            <a:r>
+              <a:rPr lang="en-GB" baseline="0" dirty="0" smtClean="0"/>
+              <a:t> image of an area of interest</a:t>
+            </a:r>
+            <a:endParaRPr lang="en-GB" dirty="0" smtClean="0"/>
+          </a:p>
+          <a:p>
+            <a:pPr marL="228600" lvl="0" indent="-228600">
+              <a:buFont typeface="+mj-lt"/>
+              <a:buAutoNum type="arabicPeriod"/>
+            </a:pPr>
+            <a:r>
+              <a:rPr lang="en-GB" dirty="0" smtClean="0"/>
+              <a:t>Calculating the potential energy fields for each pixel to find the overlapping potential energy functions of all the image pixels for that specific pixel location which is repeated for all pixels in the image to generate a </a:t>
+            </a:r>
+            <a:r>
+              <a:rPr lang="en-GB" b="1" dirty="0" smtClean="0"/>
+              <a:t>potential energy surface </a:t>
+            </a:r>
+            <a:endParaRPr lang="en-GB" dirty="0" smtClean="0"/>
+          </a:p>
+        </p:txBody>
+      </p:sp>
+      <p:sp>
+        <p:nvSpPr>
+          <p:cNvPr id="4" name="Foliennummernplatzhalter 3"/>
+          <p:cNvSpPr>
+            <a:spLocks noGrp="1"/>
+          </p:cNvSpPr>
+          <p:nvPr>
+            <p:ph type="sldNum" sz="quarter" idx="10"/>
+          </p:nvPr>
+        </p:nvSpPr>
+        <p:spPr/>
+        <p:txBody>
+          <a:bodyPr/>
+          <a:lstStyle/>
+          <a:p>
+            <a:fld id="{EF2D93C9-B2FF-4D76-8851-D84BA33B2773}" type="slidenum">
+              <a:rPr lang="en-GB" smtClean="0"/>
+              <a:t>7</a:t>
+            </a:fld>
+            <a:endParaRPr lang="en-GB"/>
+          </a:p>
+        </p:txBody>
+      </p:sp>
+    </p:spTree>
+    <p:extLst>
+      <p:ext uri="{BB962C8B-B14F-4D97-AF65-F5344CB8AC3E}">
+        <p14:creationId xmlns:p14="http://schemas.microsoft.com/office/powerpoint/2010/main" val="164991367"/>
+      </p:ext>
+    </p:extLst>
+  </p:cSld>
+  <p:clrMapOvr>
+    <a:masterClrMapping/>
+  </p:clrMapOvr>
+</p:notes>
+</file>
+
+<file path=ppt/notesSlides/notesSlide6.xml><?xml version="1.0" encoding="utf-8"?>
+<p:notes xmlns:a="http://schemas.openxmlformats.org/drawingml/2006/main" xmlns:r="http://schemas.openxmlformats.org/officeDocument/2006/relationships" xmlns:p="http://schemas.openxmlformats.org/presentationml/2006/main">
+  <p:cSld>
+    <p:spTree>
+      <p:nvGrpSpPr>
+        <p:cNvPr id="1" name=""/>
+        <p:cNvGrpSpPr/>
+        <p:nvPr/>
+      </p:nvGrpSpPr>
+      <p:grpSpPr>
+        <a:xfrm>
+          <a:off x="0" y="0"/>
+          <a:ext cx="0" cy="0"/>
+          <a:chOff x="0" y="0"/>
+          <a:chExt cx="0" cy="0"/>
+        </a:xfrm>
+      </p:grpSpPr>
+      <p:sp>
+        <p:nvSpPr>
+          <p:cNvPr id="2" name="Folienbildplatzhalter 1"/>
+          <p:cNvSpPr>
+            <a:spLocks noGrp="1" noRot="1" noChangeAspect="1"/>
+          </p:cNvSpPr>
+          <p:nvPr>
+            <p:ph type="sldImg"/>
+          </p:nvPr>
+        </p:nvSpPr>
+        <p:spPr/>
+      </p:sp>
+      <p:sp>
+        <p:nvSpPr>
+          <p:cNvPr id="3" name="Notizenplatzhalter 2"/>
+          <p:cNvSpPr>
+            <a:spLocks noGrp="1"/>
+          </p:cNvSpPr>
+          <p:nvPr>
+            <p:ph type="body" idx="1"/>
+          </p:nvPr>
+        </p:nvSpPr>
+        <p:spPr/>
+        <p:txBody>
+          <a:bodyPr/>
+          <a:lstStyle/>
+          <a:p>
+            <a:pPr marL="228600" indent="-228600">
+              <a:buFont typeface="+mj-lt"/>
+              <a:buAutoNum type="arabicPeriod"/>
+            </a:pPr>
+            <a:r>
+              <a:rPr lang="en-GB" dirty="0" smtClean="0"/>
+              <a:t>Force field –&gt; potential energy surface: comparable to mountain with peaks and ridges, where peaks = potential energy wells (sources) and ridges = energy channels, that lead to the wells (picture 2)</a:t>
+            </a:r>
+          </a:p>
+          <a:p>
+            <a:pPr marL="685800" lvl="1" indent="-228600">
+              <a:buFont typeface="+mj-lt"/>
+              <a:buAutoNum type="arabicPeriod"/>
+            </a:pPr>
+            <a:r>
+              <a:rPr lang="en-GB" dirty="0" smtClean="0"/>
+              <a:t>Image scaling or initialisation (picture 1) position translation invariant</a:t>
+            </a:r>
+          </a:p>
+          <a:p>
+            <a:pPr marL="685800" lvl="1" indent="-228600">
+              <a:buFont typeface="+mj-lt"/>
+              <a:buAutoNum type="arabicPeriod"/>
+            </a:pPr>
+            <a:r>
+              <a:rPr lang="en-GB" dirty="0" smtClean="0"/>
+              <a:t>Very tolerant of noise due to its inherent averaging</a:t>
+            </a:r>
+          </a:p>
+          <a:p>
+            <a:pPr marL="228600" indent="-228600">
+              <a:buFont typeface="+mj-lt"/>
+              <a:buAutoNum type="arabicPeriod"/>
+            </a:pPr>
+            <a:r>
+              <a:rPr lang="en-GB" dirty="0" smtClean="0"/>
+              <a:t>To discover the force field lines: generate an array of unit value mobile test pixels arranged in  a closed loop surrounding the ear, which are then solely being ‘pulled’ by the force (gravity) fields of the ear’s pixels vectors so that their trajectory form the field line until they reached an extremum in the potential energy surface: </a:t>
+            </a:r>
+            <a:br>
+              <a:rPr lang="en-GB" dirty="0" smtClean="0"/>
+            </a:br>
+            <a:r>
+              <a:rPr lang="en-GB" dirty="0" smtClean="0"/>
+              <a:t>gradient is zero and no further force is exerted = no more movement</a:t>
+            </a:r>
+          </a:p>
+          <a:p>
+            <a:pPr marL="228600" indent="-228600">
+              <a:buFont typeface="+mj-lt"/>
+              <a:buAutoNum type="arabicPeriod"/>
+            </a:pPr>
+            <a:r>
+              <a:rPr lang="en-GB" dirty="0" smtClean="0"/>
+              <a:t>Picture</a:t>
+            </a:r>
+            <a:r>
+              <a:rPr lang="en-GB" baseline="0" dirty="0" smtClean="0"/>
+              <a:t> 3: superimposed wells over force field magnitude</a:t>
+            </a:r>
+            <a:endParaRPr lang="en-GB" dirty="0" smtClean="0"/>
+          </a:p>
+        </p:txBody>
+      </p:sp>
+      <p:sp>
+        <p:nvSpPr>
+          <p:cNvPr id="4" name="Foliennummernplatzhalter 3"/>
+          <p:cNvSpPr>
+            <a:spLocks noGrp="1"/>
+          </p:cNvSpPr>
+          <p:nvPr>
+            <p:ph type="sldNum" sz="quarter" idx="10"/>
+          </p:nvPr>
+        </p:nvSpPr>
+        <p:spPr/>
+        <p:txBody>
+          <a:bodyPr/>
+          <a:lstStyle/>
+          <a:p>
+            <a:fld id="{EF2D93C9-B2FF-4D76-8851-D84BA33B2773}" type="slidenum">
+              <a:rPr lang="en-GB" smtClean="0"/>
+              <a:t>8</a:t>
+            </a:fld>
+            <a:endParaRPr lang="en-GB"/>
+          </a:p>
+        </p:txBody>
+      </p:sp>
+    </p:spTree>
+    <p:extLst>
+      <p:ext uri="{BB962C8B-B14F-4D97-AF65-F5344CB8AC3E}">
+        <p14:creationId xmlns:p14="http://schemas.microsoft.com/office/powerpoint/2010/main" val="3797664584"/>
+      </p:ext>
+    </p:extLst>
+  </p:cSld>
+  <p:clrMapOvr>
+    <a:masterClrMapping/>
+  </p:clrMapOvr>
+</p:notes>
+</file>
+
+<file path=ppt/notesSlides/notesSlide7.xml><?xml version="1.0" encoding="utf-8"?>
+<p:notes xmlns:a="http://schemas.openxmlformats.org/drawingml/2006/main" xmlns:r="http://schemas.openxmlformats.org/officeDocument/2006/relationships" xmlns:p="http://schemas.openxmlformats.org/presentationml/2006/main">
+  <p:cSld>
+    <p:spTree>
+      <p:nvGrpSpPr>
+        <p:cNvPr id="1" name=""/>
+        <p:cNvGrpSpPr/>
+        <p:nvPr/>
+      </p:nvGrpSpPr>
+      <p:grpSpPr>
+        <a:xfrm>
+          <a:off x="0" y="0"/>
+          <a:ext cx="0" cy="0"/>
+          <a:chOff x="0" y="0"/>
+          <a:chExt cx="0" cy="0"/>
+        </a:xfrm>
+      </p:grpSpPr>
+      <p:sp>
+        <p:nvSpPr>
+          <p:cNvPr id="2" name="Folienbildplatzhalter 1"/>
+          <p:cNvSpPr>
+            <a:spLocks noGrp="1" noRot="1" noChangeAspect="1"/>
+          </p:cNvSpPr>
+          <p:nvPr>
+            <p:ph type="sldImg"/>
+          </p:nvPr>
+        </p:nvSpPr>
+        <p:spPr/>
+      </p:sp>
+      <p:sp>
+        <p:nvSpPr>
+          <p:cNvPr id="3" name="Notizenplatzhalter 2"/>
+          <p:cNvSpPr>
+            <a:spLocks noGrp="1"/>
+          </p:cNvSpPr>
+          <p:nvPr>
+            <p:ph type="body" idx="1"/>
+          </p:nvPr>
+        </p:nvSpPr>
+        <p:spPr/>
+        <p:txBody>
+          <a:bodyPr/>
+          <a:lstStyle/>
+          <a:p>
+            <a:pPr marL="228600" indent="-228600">
+              <a:buFont typeface="+mj-lt"/>
+              <a:buAutoNum type="arabicPeriod"/>
+            </a:pPr>
+            <a:r>
+              <a:rPr lang="en-GB" dirty="0" smtClean="0"/>
+              <a:t>Ok</a:t>
+            </a:r>
+          </a:p>
+          <a:p>
+            <a:pPr marL="228600" indent="-228600">
+              <a:buFont typeface="+mj-lt"/>
+              <a:buAutoNum type="arabicPeriod"/>
+            </a:pPr>
+            <a:r>
+              <a:rPr lang="en-GB" dirty="0" smtClean="0"/>
+              <a:t>O</a:t>
+            </a:r>
+          </a:p>
+          <a:p>
+            <a:pPr marL="228600" indent="-228600">
+              <a:buFont typeface="+mj-lt"/>
+              <a:buAutoNum type="arabicPeriod"/>
+            </a:pPr>
+            <a:r>
+              <a:rPr lang="en-GB" dirty="0" smtClean="0"/>
+              <a:t>O</a:t>
+            </a:r>
+          </a:p>
+          <a:p>
+            <a:pPr marL="228600" indent="-228600">
+              <a:buFont typeface="+mj-lt"/>
+              <a:buAutoNum type="arabicPeriod"/>
+            </a:pPr>
+            <a:r>
+              <a:rPr lang="en-GB" dirty="0" smtClean="0"/>
+              <a:t>Representation</a:t>
+            </a:r>
+            <a:r>
+              <a:rPr lang="en-GB" baseline="0" dirty="0" smtClean="0"/>
+              <a:t> matrices are square and invertible, which was confirmed by test on different sized images</a:t>
+            </a:r>
+          </a:p>
+          <a:p>
+            <a:pPr marL="228600" indent="-228600">
+              <a:buFont typeface="+mj-lt"/>
+              <a:buAutoNum type="arabicPeriod"/>
+            </a:pPr>
+            <a:r>
+              <a:rPr lang="en-GB" baseline="0" dirty="0" smtClean="0"/>
+              <a:t>Confirmed by measured averaged normalised distance of the wells positions together with the accumulated direction to the position of each well-point from a chosen reference point</a:t>
+            </a:r>
+          </a:p>
+          <a:p>
+            <a:pPr marL="685800" lvl="1" indent="-228600">
+              <a:buFont typeface="+mj-lt"/>
+              <a:buAutoNum type="arabicPeriod"/>
+            </a:pPr>
+            <a:r>
+              <a:rPr lang="en-GB" baseline="0" dirty="0" smtClean="0"/>
+              <a:t>Use enough initialisation points to ensure all wells are extracted</a:t>
+            </a:r>
+          </a:p>
+          <a:p>
+            <a:pPr marL="685800" lvl="1" indent="-228600">
+              <a:buFont typeface="+mj-lt"/>
+              <a:buAutoNum type="arabicPeriod"/>
+            </a:pPr>
+            <a:r>
+              <a:rPr lang="en-GB" baseline="0" dirty="0" smtClean="0"/>
+              <a:t>For Robustness against noise: Use channels instead of wells positions</a:t>
+            </a:r>
+            <a:endParaRPr lang="en-GB" dirty="0"/>
+          </a:p>
+        </p:txBody>
+      </p:sp>
+      <p:sp>
+        <p:nvSpPr>
+          <p:cNvPr id="4" name="Foliennummernplatzhalter 3"/>
+          <p:cNvSpPr>
+            <a:spLocks noGrp="1"/>
+          </p:cNvSpPr>
+          <p:nvPr>
+            <p:ph type="sldNum" sz="quarter" idx="10"/>
+          </p:nvPr>
+        </p:nvSpPr>
+        <p:spPr/>
+        <p:txBody>
+          <a:bodyPr/>
+          <a:lstStyle/>
+          <a:p>
+            <a:fld id="{EF2D93C9-B2FF-4D76-8851-D84BA33B2773}" type="slidenum">
+              <a:rPr lang="en-GB" smtClean="0"/>
+              <a:t>9</a:t>
+            </a:fld>
+            <a:endParaRPr lang="en-GB"/>
+          </a:p>
+        </p:txBody>
+      </p:sp>
+    </p:spTree>
+    <p:extLst>
+      <p:ext uri="{BB962C8B-B14F-4D97-AF65-F5344CB8AC3E}">
+        <p14:creationId xmlns:p14="http://schemas.microsoft.com/office/powerpoint/2010/main" val="1755698891"/>
+      </p:ext>
+    </p:extLst>
+  </p:cSld>
+  <p:clrMapOvr>
+    <a:masterClrMapping/>
+  </p:clrMapOvr>
+</p:notes>
+</file>
+
+<file path=ppt/notesSlides/notesSlide8.xml><?xml version="1.0" encoding="utf-8"?>
+<p:notes xmlns:a="http://schemas.openxmlformats.org/drawingml/2006/main" xmlns:r="http://schemas.openxmlformats.org/officeDocument/2006/relationships" xmlns:p="http://schemas.openxmlformats.org/presentationml/2006/main">
+  <p:cSld>
+    <p:spTree>
+      <p:nvGrpSpPr>
+        <p:cNvPr id="1" name=""/>
+        <p:cNvGrpSpPr/>
+        <p:nvPr/>
+      </p:nvGrpSpPr>
+      <p:grpSpPr>
+        <a:xfrm>
+          <a:off x="0" y="0"/>
+          <a:ext cx="0" cy="0"/>
+          <a:chOff x="0" y="0"/>
+          <a:chExt cx="0" cy="0"/>
+        </a:xfrm>
+      </p:grpSpPr>
+      <p:sp>
+        <p:nvSpPr>
+          <p:cNvPr id="2" name="Folienbildplatzhalter 1"/>
+          <p:cNvSpPr>
+            <a:spLocks noGrp="1" noRot="1" noChangeAspect="1"/>
+          </p:cNvSpPr>
+          <p:nvPr>
+            <p:ph type="sldImg"/>
+          </p:nvPr>
+        </p:nvSpPr>
+        <p:spPr/>
+      </p:sp>
+      <p:sp>
+        <p:nvSpPr>
+          <p:cNvPr id="3" name="Notizenplatzhalter 2"/>
+          <p:cNvSpPr>
+            <a:spLocks noGrp="1"/>
+          </p:cNvSpPr>
+          <p:nvPr>
+            <p:ph type="body" idx="1"/>
+          </p:nvPr>
+        </p:nvSpPr>
+        <p:spPr/>
+        <p:txBody>
+          <a:bodyPr/>
+          <a:lstStyle/>
+          <a:p>
+            <a:pPr marL="228600" indent="-228600">
+              <a:buFont typeface="+mj-lt"/>
+              <a:buAutoNum type="arabicPeriod"/>
+            </a:pPr>
+            <a:endParaRPr lang="en-GB" dirty="0"/>
+          </a:p>
+        </p:txBody>
+      </p:sp>
+      <p:sp>
+        <p:nvSpPr>
+          <p:cNvPr id="4" name="Foliennummernplatzhalter 3"/>
+          <p:cNvSpPr>
+            <a:spLocks noGrp="1"/>
+          </p:cNvSpPr>
+          <p:nvPr>
+            <p:ph type="sldNum" sz="quarter" idx="10"/>
+          </p:nvPr>
+        </p:nvSpPr>
+        <p:spPr/>
+        <p:txBody>
+          <a:bodyPr/>
+          <a:lstStyle/>
+          <a:p>
+            <a:fld id="{EF2D93C9-B2FF-4D76-8851-D84BA33B2773}" type="slidenum">
+              <a:rPr lang="en-GB" smtClean="0"/>
+              <a:t>10</a:t>
+            </a:fld>
+            <a:endParaRPr lang="en-GB"/>
+          </a:p>
+        </p:txBody>
+      </p:sp>
+    </p:spTree>
+    <p:extLst>
+      <p:ext uri="{BB962C8B-B14F-4D97-AF65-F5344CB8AC3E}">
+        <p14:creationId xmlns:p14="http://schemas.microsoft.com/office/powerpoint/2010/main" val="2576540839"/>
+      </p:ext>
+    </p:extLst>
+  </p:cSld>
+  <p:clrMapOvr>
+    <a:masterClrMapping/>
+  </p:clrMapOvr>
+</p:notes>
+</file>
+
+<file path=ppt/notesSlides/notesSlide9.xml><?xml version="1.0" encoding="utf-8"?>
+<p:notes xmlns:a="http://schemas.openxmlformats.org/drawingml/2006/main" xmlns:r="http://schemas.openxmlformats.org/officeDocument/2006/relationships" xmlns:p="http://schemas.openxmlformats.org/presentationml/2006/main">
+  <p:cSld>
+    <p:spTree>
+      <p:nvGrpSpPr>
+        <p:cNvPr id="1" name=""/>
+        <p:cNvGrpSpPr/>
+        <p:nvPr/>
+      </p:nvGrpSpPr>
+      <p:grpSpPr>
+        <a:xfrm>
+          <a:off x="0" y="0"/>
+          <a:ext cx="0" cy="0"/>
+          <a:chOff x="0" y="0"/>
+          <a:chExt cx="0" cy="0"/>
+        </a:xfrm>
+      </p:grpSpPr>
+      <p:sp>
+        <p:nvSpPr>
+          <p:cNvPr id="2" name="Folienbildplatzhalter 1"/>
+          <p:cNvSpPr>
+            <a:spLocks noGrp="1" noRot="1" noChangeAspect="1"/>
+          </p:cNvSpPr>
+          <p:nvPr>
+            <p:ph type="sldImg"/>
+          </p:nvPr>
+        </p:nvSpPr>
+        <p:spPr/>
+      </p:sp>
+      <p:sp>
+        <p:nvSpPr>
+          <p:cNvPr id="3" name="Notizenplatzhalter 2"/>
+          <p:cNvSpPr>
+            <a:spLocks noGrp="1"/>
+          </p:cNvSpPr>
+          <p:nvPr>
+            <p:ph type="body" idx="1"/>
+          </p:nvPr>
+        </p:nvSpPr>
+        <p:spPr/>
+        <p:txBody>
+          <a:bodyPr/>
+          <a:lstStyle/>
+          <a:p>
+            <a:endParaRPr lang="en-GB" dirty="0"/>
+          </a:p>
+        </p:txBody>
+      </p:sp>
+      <p:sp>
+        <p:nvSpPr>
+          <p:cNvPr id="4" name="Foliennummernplatzhalter 3"/>
+          <p:cNvSpPr>
+            <a:spLocks noGrp="1"/>
+          </p:cNvSpPr>
+          <p:nvPr>
+            <p:ph type="sldNum" sz="quarter" idx="10"/>
+          </p:nvPr>
+        </p:nvSpPr>
+        <p:spPr/>
+        <p:txBody>
+          <a:bodyPr/>
+          <a:lstStyle/>
+          <a:p>
+            <a:fld id="{EF2D93C9-B2FF-4D76-8851-D84BA33B2773}" type="slidenum">
+              <a:rPr lang="en-GB" smtClean="0"/>
+              <a:t>15</a:t>
+            </a:fld>
+            <a:endParaRPr lang="en-GB"/>
+          </a:p>
+        </p:txBody>
+      </p:sp>
+    </p:spTree>
+    <p:extLst>
+      <p:ext uri="{BB962C8B-B14F-4D97-AF65-F5344CB8AC3E}">
+        <p14:creationId xmlns:p14="http://schemas.microsoft.com/office/powerpoint/2010/main" val="2127599305"/>
       </p:ext>
     </p:extLst>
   </p:cSld>
@@ -966,7 +2533,7 @@
           </a:lstStyle>
           <a:p>
             <a:r>
-              <a:rPr lang="de-DE"/>
+              <a:rPr lang="de-DE" smtClean="0"/>
               <a:t>Titelmasterformat durch Klicken bearbeiten</a:t>
             </a:r>
             <a:endParaRPr lang="en-US" dirty="0"/>
@@ -1031,7 +2598,7 @@
           </a:lstStyle>
           <a:p>
             <a:r>
-              <a:rPr lang="de-DE" dirty="0"/>
+              <a:rPr lang="de-DE" dirty="0" smtClean="0"/>
               <a:t>Formatvorlage des Untertitelmasters durch Klicken bearbeiten</a:t>
             </a:r>
             <a:endParaRPr lang="en-US" dirty="0"/>
@@ -1054,7 +2621,7 @@
           <a:lstStyle/>
           <a:p>
             <a:r>
-              <a:rPr lang="en-US"/>
+              <a:rPr lang="en-US" smtClean="0"/>
               <a:t>Ganiyu Ibraheem  Philipp Seybold</a:t>
             </a:r>
             <a:endParaRPr lang="en-GB" dirty="0"/>
@@ -1077,9 +2644,10 @@
           <a:lstStyle/>
           <a:p>
             <a:r>
-              <a:rPr lang="en-GB" dirty="0"/>
+              <a:rPr lang="en-GB" dirty="0" smtClean="0"/>
               <a:t>COMP6206 Advanced Computer Vision</a:t>
             </a:r>
+            <a:endParaRPr lang="en-GB" dirty="0"/>
           </a:p>
         </p:txBody>
       </p:sp>
@@ -1100,7 +2668,7 @@
           <a:p>
             <a:fld id="{FB9D3F8E-99BC-4812-95D4-548B8E992B94}" type="slidenum">
               <a:rPr lang="en-GB" smtClean="0"/>
-              <a:t>‹#›</a:t>
+              <a:t>‹Nr.›</a:t>
             </a:fld>
             <a:endParaRPr lang="en-GB"/>
           </a:p>
@@ -1116,6 +2684,13 @@
   <p:clrMapOvr>
     <a:masterClrMapping/>
   </p:clrMapOvr>
+  <p:timing>
+    <p:tnLst>
+      <p:par>
+        <p:cTn id="1" dur="indefinite" restart="never" nodeType="tmRoot"/>
+      </p:par>
+    </p:tnLst>
+  </p:timing>
 </p:sldLayout>
 </file>
 
@@ -1152,7 +2727,7 @@
           <a:lstStyle/>
           <a:p>
             <a:r>
-              <a:rPr lang="de-DE"/>
+              <a:rPr lang="de-DE" smtClean="0"/>
               <a:t>Titelmasterformat durch Klicken bearbeiten</a:t>
             </a:r>
             <a:endParaRPr lang="en-US" dirty="0"/>
@@ -1176,35 +2751,35 @@
           <a:p>
             <a:pPr lvl="0"/>
             <a:r>
-              <a:rPr lang="de-DE"/>
+              <a:rPr lang="de-DE" smtClean="0"/>
               <a:t>Formatvorlagen des Textmasters bearbeiten</a:t>
             </a:r>
           </a:p>
           <a:p>
             <a:pPr lvl="1"/>
             <a:r>
-              <a:rPr lang="de-DE"/>
+              <a:rPr lang="de-DE" smtClean="0"/>
               <a:t>Zweite Ebene</a:t>
             </a:r>
           </a:p>
           <a:p>
             <a:pPr lvl="2"/>
             <a:r>
-              <a:rPr lang="de-DE"/>
+              <a:rPr lang="de-DE" smtClean="0"/>
               <a:t>Dritte Ebene</a:t>
             </a:r>
           </a:p>
           <a:p>
             <a:pPr lvl="3"/>
             <a:r>
-              <a:rPr lang="de-DE"/>
+              <a:rPr lang="de-DE" smtClean="0"/>
               <a:t>Vierte Ebene</a:t>
             </a:r>
           </a:p>
           <a:p>
             <a:pPr lvl="4"/>
             <a:r>
-              <a:rPr lang="de-DE"/>
+              <a:rPr lang="de-DE" smtClean="0"/>
               <a:t>Fünfte Ebene</a:t>
             </a:r>
             <a:endParaRPr lang="en-US" dirty="0"/>
@@ -1227,7 +2802,7 @@
           <a:lstStyle/>
           <a:p>
             <a:r>
-              <a:rPr lang="en-US"/>
+              <a:rPr lang="en-US" smtClean="0"/>
               <a:t>Ganiyu Ibraheem  Philipp Seybold</a:t>
             </a:r>
             <a:endParaRPr lang="en-GB"/>
@@ -1250,9 +2825,10 @@
           <a:lstStyle/>
           <a:p>
             <a:r>
-              <a:rPr lang="en-GB"/>
+              <a:rPr lang="en-GB" smtClean="0"/>
               <a:t>COMP6206 Advanced Computer Vision</a:t>
             </a:r>
+            <a:endParaRPr lang="en-GB"/>
           </a:p>
         </p:txBody>
       </p:sp>
@@ -1273,7 +2849,7 @@
           <a:p>
             <a:fld id="{FB9D3F8E-99BC-4812-95D4-548B8E992B94}" type="slidenum">
               <a:rPr lang="en-GB" smtClean="0"/>
-              <a:t>‹#›</a:t>
+              <a:t>‹Nr.›</a:t>
             </a:fld>
             <a:endParaRPr lang="en-GB"/>
           </a:p>
@@ -1289,6 +2865,13 @@
   <p:clrMapOvr>
     <a:masterClrMapping/>
   </p:clrMapOvr>
+  <p:timing>
+    <p:tnLst>
+      <p:par>
+        <p:cTn id="1" dur="indefinite" restart="never" nodeType="tmRoot"/>
+      </p:par>
+    </p:tnLst>
+  </p:timing>
 </p:sldLayout>
 </file>
 
@@ -1330,7 +2913,7 @@
           <a:lstStyle/>
           <a:p>
             <a:r>
-              <a:rPr lang="de-DE"/>
+              <a:rPr lang="de-DE" smtClean="0"/>
               <a:t>Titelmasterformat durch Klicken bearbeiten</a:t>
             </a:r>
             <a:endParaRPr lang="en-US" dirty="0"/>
@@ -1359,35 +2942,35 @@
           <a:p>
             <a:pPr lvl="0"/>
             <a:r>
-              <a:rPr lang="de-DE"/>
+              <a:rPr lang="de-DE" smtClean="0"/>
               <a:t>Formatvorlagen des Textmasters bearbeiten</a:t>
             </a:r>
           </a:p>
           <a:p>
             <a:pPr lvl="1"/>
             <a:r>
-              <a:rPr lang="de-DE"/>
+              <a:rPr lang="de-DE" smtClean="0"/>
               <a:t>Zweite Ebene</a:t>
             </a:r>
           </a:p>
           <a:p>
             <a:pPr lvl="2"/>
             <a:r>
-              <a:rPr lang="de-DE"/>
+              <a:rPr lang="de-DE" smtClean="0"/>
               <a:t>Dritte Ebene</a:t>
             </a:r>
           </a:p>
           <a:p>
             <a:pPr lvl="3"/>
             <a:r>
-              <a:rPr lang="de-DE"/>
+              <a:rPr lang="de-DE" smtClean="0"/>
               <a:t>Vierte Ebene</a:t>
             </a:r>
           </a:p>
           <a:p>
             <a:pPr lvl="4"/>
             <a:r>
-              <a:rPr lang="de-DE"/>
+              <a:rPr lang="de-DE" smtClean="0"/>
               <a:t>Fünfte Ebene</a:t>
             </a:r>
             <a:endParaRPr lang="en-US" dirty="0"/>
@@ -1410,7 +2993,7 @@
           <a:lstStyle/>
           <a:p>
             <a:r>
-              <a:rPr lang="en-US"/>
+              <a:rPr lang="en-US" smtClean="0"/>
               <a:t>Ganiyu Ibraheem  Philipp Seybold</a:t>
             </a:r>
             <a:endParaRPr lang="en-GB"/>
@@ -1433,9 +3016,10 @@
           <a:lstStyle/>
           <a:p>
             <a:r>
-              <a:rPr lang="en-GB"/>
+              <a:rPr lang="en-GB" smtClean="0"/>
               <a:t>COMP6206 Advanced Computer Vision</a:t>
             </a:r>
+            <a:endParaRPr lang="en-GB"/>
           </a:p>
         </p:txBody>
       </p:sp>
@@ -1456,7 +3040,7 @@
           <a:p>
             <a:fld id="{FB9D3F8E-99BC-4812-95D4-548B8E992B94}" type="slidenum">
               <a:rPr lang="en-GB" smtClean="0"/>
-              <a:t>‹#›</a:t>
+              <a:t>‹Nr.›</a:t>
             </a:fld>
             <a:endParaRPr lang="en-GB"/>
           </a:p>
@@ -1519,7 +3103,7 @@
           </a:lstStyle>
           <a:p>
             <a:r>
-              <a:rPr lang="de-DE" dirty="0"/>
+              <a:rPr lang="de-DE" dirty="0" smtClean="0"/>
               <a:t>Titelmasterformat</a:t>
             </a:r>
             <a:endParaRPr lang="en-US" dirty="0"/>
@@ -1548,35 +3132,35 @@
           <a:p>
             <a:pPr lvl="0"/>
             <a:r>
-              <a:rPr lang="de-DE" dirty="0"/>
+              <a:rPr lang="de-DE" dirty="0" smtClean="0"/>
               <a:t>Formatvorlagen des Textmasters bearbeiten</a:t>
             </a:r>
           </a:p>
           <a:p>
             <a:pPr lvl="1"/>
             <a:r>
-              <a:rPr lang="de-DE" dirty="0"/>
+              <a:rPr lang="de-DE" dirty="0" smtClean="0"/>
               <a:t>Zweite Ebene</a:t>
             </a:r>
           </a:p>
           <a:p>
             <a:pPr lvl="2"/>
             <a:r>
-              <a:rPr lang="de-DE" dirty="0"/>
+              <a:rPr lang="de-DE" dirty="0" smtClean="0"/>
               <a:t>Dritte Ebene</a:t>
             </a:r>
           </a:p>
           <a:p>
             <a:pPr lvl="3"/>
             <a:r>
-              <a:rPr lang="de-DE" dirty="0"/>
+              <a:rPr lang="de-DE" dirty="0" smtClean="0"/>
               <a:t>Vierte Ebene</a:t>
             </a:r>
           </a:p>
           <a:p>
             <a:pPr lvl="4"/>
             <a:r>
-              <a:rPr lang="de-DE" dirty="0"/>
+              <a:rPr lang="de-DE" dirty="0" smtClean="0"/>
               <a:t>Fünfte Ebene</a:t>
             </a:r>
             <a:endParaRPr lang="en-US" dirty="0"/>
@@ -1599,7 +3183,7 @@
           <a:lstStyle/>
           <a:p>
             <a:r>
-              <a:rPr lang="en-US"/>
+              <a:rPr lang="en-US" smtClean="0"/>
               <a:t>Ganiyu Ibraheem  Philipp Seybold</a:t>
             </a:r>
             <a:endParaRPr lang="en-GB" dirty="0"/>
@@ -1622,9 +3206,10 @@
           <a:lstStyle/>
           <a:p>
             <a:r>
-              <a:rPr lang="en-GB"/>
+              <a:rPr lang="en-GB" smtClean="0"/>
               <a:t>COMP6206 Advanced Computer Vision</a:t>
             </a:r>
+            <a:endParaRPr lang="en-GB"/>
           </a:p>
         </p:txBody>
       </p:sp>
@@ -1645,7 +3230,7 @@
           <a:p>
             <a:fld id="{FB9D3F8E-99BC-4812-95D4-548B8E992B94}" type="slidenum">
               <a:rPr lang="en-GB" smtClean="0"/>
-              <a:t>‹#›</a:t>
+              <a:t>‹Nr.›</a:t>
             </a:fld>
             <a:endParaRPr lang="en-GB"/>
           </a:p>
@@ -1691,6 +3276,13 @@
   <p:clrMapOvr>
     <a:masterClrMapping/>
   </p:clrMapOvr>
+  <p:timing>
+    <p:tnLst>
+      <p:par>
+        <p:cTn id="1" dur="indefinite" restart="never" nodeType="tmRoot"/>
+      </p:par>
+    </p:tnLst>
+  </p:timing>
 </p:sldLayout>
 </file>
 
@@ -1736,7 +3328,7 @@
           </a:lstStyle>
           <a:p>
             <a:r>
-              <a:rPr lang="de-DE"/>
+              <a:rPr lang="de-DE" smtClean="0"/>
               <a:t>Titelmasterformat durch Klicken bearbeiten</a:t>
             </a:r>
             <a:endParaRPr lang="en-US" dirty="0"/>
@@ -1854,7 +3446,7 @@
           <a:p>
             <a:pPr lvl="0"/>
             <a:r>
-              <a:rPr lang="de-DE"/>
+              <a:rPr lang="de-DE" smtClean="0"/>
               <a:t>Formatvorlagen des Textmasters bearbeiten</a:t>
             </a:r>
           </a:p>
@@ -1876,7 +3468,7 @@
           <a:lstStyle/>
           <a:p>
             <a:r>
-              <a:rPr lang="en-US"/>
+              <a:rPr lang="en-US" smtClean="0"/>
               <a:t>Ganiyu Ibraheem  Philipp Seybold</a:t>
             </a:r>
             <a:endParaRPr lang="en-GB"/>
@@ -1899,9 +3491,10 @@
           <a:lstStyle/>
           <a:p>
             <a:r>
-              <a:rPr lang="en-GB"/>
+              <a:rPr lang="en-GB" smtClean="0"/>
               <a:t>COMP6206 Advanced Computer Vision</a:t>
             </a:r>
+            <a:endParaRPr lang="en-GB"/>
           </a:p>
         </p:txBody>
       </p:sp>
@@ -1922,7 +3515,7 @@
           <a:p>
             <a:fld id="{FB9D3F8E-99BC-4812-95D4-548B8E992B94}" type="slidenum">
               <a:rPr lang="en-GB" smtClean="0"/>
-              <a:t>‹#›</a:t>
+              <a:t>‹Nr.›</a:t>
             </a:fld>
             <a:endParaRPr lang="en-GB"/>
           </a:p>
@@ -1938,6 +3531,13 @@
   <p:clrMapOvr>
     <a:masterClrMapping/>
   </p:clrMapOvr>
+  <p:timing>
+    <p:tnLst>
+      <p:par>
+        <p:cTn id="1" dur="indefinite" restart="never" nodeType="tmRoot"/>
+      </p:par>
+    </p:tnLst>
+  </p:timing>
 </p:sldLayout>
 </file>
 
@@ -1974,7 +3574,7 @@
           <a:lstStyle/>
           <a:p>
             <a:r>
-              <a:rPr lang="de-DE"/>
+              <a:rPr lang="de-DE" smtClean="0"/>
               <a:t>Titelmasterformat durch Klicken bearbeiten</a:t>
             </a:r>
             <a:endParaRPr lang="en-US" dirty="0"/>
@@ -2003,35 +3603,35 @@
           <a:p>
             <a:pPr lvl="0"/>
             <a:r>
-              <a:rPr lang="de-DE"/>
+              <a:rPr lang="de-DE" smtClean="0"/>
               <a:t>Formatvorlagen des Textmasters bearbeiten</a:t>
             </a:r>
           </a:p>
           <a:p>
             <a:pPr lvl="1"/>
             <a:r>
-              <a:rPr lang="de-DE"/>
+              <a:rPr lang="de-DE" smtClean="0"/>
               <a:t>Zweite Ebene</a:t>
             </a:r>
           </a:p>
           <a:p>
             <a:pPr lvl="2"/>
             <a:r>
-              <a:rPr lang="de-DE"/>
+              <a:rPr lang="de-DE" smtClean="0"/>
               <a:t>Dritte Ebene</a:t>
             </a:r>
           </a:p>
           <a:p>
             <a:pPr lvl="3"/>
             <a:r>
-              <a:rPr lang="de-DE"/>
+              <a:rPr lang="de-DE" smtClean="0"/>
               <a:t>Vierte Ebene</a:t>
             </a:r>
           </a:p>
           <a:p>
             <a:pPr lvl="4"/>
             <a:r>
-              <a:rPr lang="de-DE"/>
+              <a:rPr lang="de-DE" smtClean="0"/>
               <a:t>Fünfte Ebene</a:t>
             </a:r>
             <a:endParaRPr lang="en-US" dirty="0"/>
@@ -2060,35 +3660,35 @@
           <a:p>
             <a:pPr lvl="0"/>
             <a:r>
-              <a:rPr lang="de-DE"/>
+              <a:rPr lang="de-DE" smtClean="0"/>
               <a:t>Formatvorlagen des Textmasters bearbeiten</a:t>
             </a:r>
           </a:p>
           <a:p>
             <a:pPr lvl="1"/>
             <a:r>
-              <a:rPr lang="de-DE"/>
+              <a:rPr lang="de-DE" smtClean="0"/>
               <a:t>Zweite Ebene</a:t>
             </a:r>
           </a:p>
           <a:p>
             <a:pPr lvl="2"/>
             <a:r>
-              <a:rPr lang="de-DE"/>
+              <a:rPr lang="de-DE" smtClean="0"/>
               <a:t>Dritte Ebene</a:t>
             </a:r>
           </a:p>
           <a:p>
             <a:pPr lvl="3"/>
             <a:r>
-              <a:rPr lang="de-DE"/>
+              <a:rPr lang="de-DE" smtClean="0"/>
               <a:t>Vierte Ebene</a:t>
             </a:r>
           </a:p>
           <a:p>
             <a:pPr lvl="4"/>
             <a:r>
-              <a:rPr lang="de-DE"/>
+              <a:rPr lang="de-DE" smtClean="0"/>
               <a:t>Fünfte Ebene</a:t>
             </a:r>
             <a:endParaRPr lang="en-US" dirty="0"/>
@@ -2111,7 +3711,7 @@
           <a:lstStyle/>
           <a:p>
             <a:r>
-              <a:rPr lang="en-US"/>
+              <a:rPr lang="en-US" smtClean="0"/>
               <a:t>Ganiyu Ibraheem  Philipp Seybold</a:t>
             </a:r>
             <a:endParaRPr lang="en-GB"/>
@@ -2134,9 +3734,10 @@
           <a:lstStyle/>
           <a:p>
             <a:r>
-              <a:rPr lang="en-GB"/>
+              <a:rPr lang="en-GB" smtClean="0"/>
               <a:t>COMP6206 Advanced Computer Vision</a:t>
             </a:r>
+            <a:endParaRPr lang="en-GB"/>
           </a:p>
         </p:txBody>
       </p:sp>
@@ -2157,7 +3758,7 @@
           <a:p>
             <a:fld id="{FB9D3F8E-99BC-4812-95D4-548B8E992B94}" type="slidenum">
               <a:rPr lang="en-GB" smtClean="0"/>
-              <a:t>‹#›</a:t>
+              <a:t>‹Nr.›</a:t>
             </a:fld>
             <a:endParaRPr lang="en-GB"/>
           </a:p>
@@ -2173,6 +3774,13 @@
   <p:clrMapOvr>
     <a:masterClrMapping/>
   </p:clrMapOvr>
+  <p:timing>
+    <p:tnLst>
+      <p:par>
+        <p:cTn id="1" dur="indefinite" restart="never" nodeType="tmRoot"/>
+      </p:par>
+    </p:tnLst>
+  </p:timing>
 </p:sldLayout>
 </file>
 
@@ -2214,7 +3822,7 @@
           <a:lstStyle/>
           <a:p>
             <a:r>
-              <a:rPr lang="de-DE"/>
+              <a:rPr lang="de-DE" smtClean="0"/>
               <a:t>Titelmasterformat durch Klicken bearbeiten</a:t>
             </a:r>
             <a:endParaRPr lang="en-US" dirty="0"/>
@@ -2280,7 +3888,7 @@
           <a:p>
             <a:pPr lvl="0"/>
             <a:r>
-              <a:rPr lang="de-DE"/>
+              <a:rPr lang="de-DE" smtClean="0"/>
               <a:t>Formatvorlagen des Textmasters bearbeiten</a:t>
             </a:r>
           </a:p>
@@ -2308,35 +3916,35 @@
           <a:p>
             <a:pPr lvl="0"/>
             <a:r>
-              <a:rPr lang="de-DE"/>
+              <a:rPr lang="de-DE" smtClean="0"/>
               <a:t>Formatvorlagen des Textmasters bearbeiten</a:t>
             </a:r>
           </a:p>
           <a:p>
             <a:pPr lvl="1"/>
             <a:r>
-              <a:rPr lang="de-DE"/>
+              <a:rPr lang="de-DE" smtClean="0"/>
               <a:t>Zweite Ebene</a:t>
             </a:r>
           </a:p>
           <a:p>
             <a:pPr lvl="2"/>
             <a:r>
-              <a:rPr lang="de-DE"/>
+              <a:rPr lang="de-DE" smtClean="0"/>
               <a:t>Dritte Ebene</a:t>
             </a:r>
           </a:p>
           <a:p>
             <a:pPr lvl="3"/>
             <a:r>
-              <a:rPr lang="de-DE"/>
+              <a:rPr lang="de-DE" smtClean="0"/>
               <a:t>Vierte Ebene</a:t>
             </a:r>
           </a:p>
           <a:p>
             <a:pPr lvl="4"/>
             <a:r>
-              <a:rPr lang="de-DE"/>
+              <a:rPr lang="de-DE" smtClean="0"/>
               <a:t>Fünfte Ebene</a:t>
             </a:r>
             <a:endParaRPr lang="en-US" dirty="0"/>
@@ -2402,7 +4010,7 @@
           <a:p>
             <a:pPr lvl="0"/>
             <a:r>
-              <a:rPr lang="de-DE"/>
+              <a:rPr lang="de-DE" smtClean="0"/>
               <a:t>Formatvorlagen des Textmasters bearbeiten</a:t>
             </a:r>
           </a:p>
@@ -2430,35 +4038,35 @@
           <a:p>
             <a:pPr lvl="0"/>
             <a:r>
-              <a:rPr lang="de-DE"/>
+              <a:rPr lang="de-DE" smtClean="0"/>
               <a:t>Formatvorlagen des Textmasters bearbeiten</a:t>
             </a:r>
           </a:p>
           <a:p>
             <a:pPr lvl="1"/>
             <a:r>
-              <a:rPr lang="de-DE"/>
+              <a:rPr lang="de-DE" smtClean="0"/>
               <a:t>Zweite Ebene</a:t>
             </a:r>
           </a:p>
           <a:p>
             <a:pPr lvl="2"/>
             <a:r>
-              <a:rPr lang="de-DE"/>
+              <a:rPr lang="de-DE" smtClean="0"/>
               <a:t>Dritte Ebene</a:t>
             </a:r>
           </a:p>
           <a:p>
             <a:pPr lvl="3"/>
             <a:r>
-              <a:rPr lang="de-DE"/>
+              <a:rPr lang="de-DE" smtClean="0"/>
               <a:t>Vierte Ebene</a:t>
             </a:r>
           </a:p>
           <a:p>
             <a:pPr lvl="4"/>
             <a:r>
-              <a:rPr lang="de-DE"/>
+              <a:rPr lang="de-DE" smtClean="0"/>
               <a:t>Fünfte Ebene</a:t>
             </a:r>
             <a:endParaRPr lang="en-US" dirty="0"/>
@@ -2481,7 +4089,7 @@
           <a:lstStyle/>
           <a:p>
             <a:r>
-              <a:rPr lang="en-US"/>
+              <a:rPr lang="en-US" smtClean="0"/>
               <a:t>Ganiyu Ibraheem  Philipp Seybold</a:t>
             </a:r>
             <a:endParaRPr lang="en-GB"/>
@@ -2504,9 +4112,10 @@
           <a:lstStyle/>
           <a:p>
             <a:r>
-              <a:rPr lang="en-GB"/>
+              <a:rPr lang="en-GB" smtClean="0"/>
               <a:t>COMP6206 Advanced Computer Vision</a:t>
             </a:r>
+            <a:endParaRPr lang="en-GB"/>
           </a:p>
         </p:txBody>
       </p:sp>
@@ -2527,7 +4136,7 @@
           <a:p>
             <a:fld id="{FB9D3F8E-99BC-4812-95D4-548B8E992B94}" type="slidenum">
               <a:rPr lang="en-GB" smtClean="0"/>
-              <a:t>‹#›</a:t>
+              <a:t>‹Nr.›</a:t>
             </a:fld>
             <a:endParaRPr lang="en-GB"/>
           </a:p>
@@ -2579,7 +4188,7 @@
           <a:lstStyle/>
           <a:p>
             <a:r>
-              <a:rPr lang="de-DE"/>
+              <a:rPr lang="de-DE" smtClean="0"/>
               <a:t>Titelmasterformat durch Klicken bearbeiten</a:t>
             </a:r>
             <a:endParaRPr lang="en-US" dirty="0"/>
@@ -2602,7 +4211,7 @@
           <a:lstStyle/>
           <a:p>
             <a:r>
-              <a:rPr lang="en-US"/>
+              <a:rPr lang="en-US" smtClean="0"/>
               <a:t>Ganiyu Ibraheem  Philipp Seybold</a:t>
             </a:r>
             <a:endParaRPr lang="en-GB"/>
@@ -2625,9 +4234,10 @@
           <a:lstStyle/>
           <a:p>
             <a:r>
-              <a:rPr lang="en-GB"/>
+              <a:rPr lang="en-GB" smtClean="0"/>
               <a:t>COMP6206 Advanced Computer Vision</a:t>
             </a:r>
+            <a:endParaRPr lang="en-GB"/>
           </a:p>
         </p:txBody>
       </p:sp>
@@ -2648,7 +4258,7 @@
           <a:p>
             <a:fld id="{FB9D3F8E-99BC-4812-95D4-548B8E992B94}" type="slidenum">
               <a:rPr lang="en-GB" smtClean="0"/>
-              <a:t>‹#›</a:t>
+              <a:t>‹Nr.›</a:t>
             </a:fld>
             <a:endParaRPr lang="en-GB"/>
           </a:p>
@@ -2700,7 +4310,7 @@
           <a:lstStyle/>
           <a:p>
             <a:r>
-              <a:rPr lang="en-US"/>
+              <a:rPr lang="en-US" smtClean="0"/>
               <a:t>Ganiyu Ibraheem  Philipp Seybold</a:t>
             </a:r>
             <a:endParaRPr lang="en-GB"/>
@@ -2723,9 +4333,10 @@
           <a:lstStyle/>
           <a:p>
             <a:r>
-              <a:rPr lang="en-GB"/>
+              <a:rPr lang="en-GB" smtClean="0"/>
               <a:t>COMP6206 Advanced Computer Vision</a:t>
             </a:r>
+            <a:endParaRPr lang="en-GB"/>
           </a:p>
         </p:txBody>
       </p:sp>
@@ -2746,7 +4357,7 @@
           <a:p>
             <a:fld id="{FB9D3F8E-99BC-4812-95D4-548B8E992B94}" type="slidenum">
               <a:rPr lang="en-GB" smtClean="0"/>
-              <a:t>‹#›</a:t>
+              <a:t>‹Nr.›</a:t>
             </a:fld>
             <a:endParaRPr lang="en-GB"/>
           </a:p>
@@ -2807,7 +4418,7 @@
           </a:lstStyle>
           <a:p>
             <a:r>
-              <a:rPr lang="de-DE"/>
+              <a:rPr lang="de-DE" smtClean="0"/>
               <a:t>Titelmasterformat durch Klicken bearbeiten</a:t>
             </a:r>
             <a:endParaRPr lang="en-US" dirty="0"/>
@@ -2864,35 +4475,35 @@
           <a:p>
             <a:pPr lvl="0"/>
             <a:r>
-              <a:rPr lang="de-DE"/>
+              <a:rPr lang="de-DE" smtClean="0"/>
               <a:t>Formatvorlagen des Textmasters bearbeiten</a:t>
             </a:r>
           </a:p>
           <a:p>
             <a:pPr lvl="1"/>
             <a:r>
-              <a:rPr lang="de-DE"/>
+              <a:rPr lang="de-DE" smtClean="0"/>
               <a:t>Zweite Ebene</a:t>
             </a:r>
           </a:p>
           <a:p>
             <a:pPr lvl="2"/>
             <a:r>
-              <a:rPr lang="de-DE"/>
+              <a:rPr lang="de-DE" smtClean="0"/>
               <a:t>Dritte Ebene</a:t>
             </a:r>
           </a:p>
           <a:p>
             <a:pPr lvl="3"/>
             <a:r>
-              <a:rPr lang="de-DE"/>
+              <a:rPr lang="de-DE" smtClean="0"/>
               <a:t>Vierte Ebene</a:t>
             </a:r>
           </a:p>
           <a:p>
             <a:pPr lvl="4"/>
             <a:r>
-              <a:rPr lang="de-DE"/>
+              <a:rPr lang="de-DE" smtClean="0"/>
               <a:t>Fünfte Ebene</a:t>
             </a:r>
             <a:endParaRPr lang="en-US" dirty="0"/>
@@ -2958,7 +4569,7 @@
           <a:p>
             <a:pPr lvl="0"/>
             <a:r>
-              <a:rPr lang="de-DE"/>
+              <a:rPr lang="de-DE" smtClean="0"/>
               <a:t>Formatvorlagen des Textmasters bearbeiten</a:t>
             </a:r>
           </a:p>
@@ -2980,7 +4591,7 @@
           <a:lstStyle/>
           <a:p>
             <a:r>
-              <a:rPr lang="en-US"/>
+              <a:rPr lang="en-US" smtClean="0"/>
               <a:t>Ganiyu Ibraheem  Philipp Seybold</a:t>
             </a:r>
             <a:endParaRPr lang="en-GB"/>
@@ -3003,9 +4614,10 @@
           <a:lstStyle/>
           <a:p>
             <a:r>
-              <a:rPr lang="en-GB"/>
+              <a:rPr lang="en-GB" smtClean="0"/>
               <a:t>COMP6206 Advanced Computer Vision</a:t>
             </a:r>
+            <a:endParaRPr lang="en-GB"/>
           </a:p>
         </p:txBody>
       </p:sp>
@@ -3026,7 +4638,7 @@
           <a:p>
             <a:fld id="{FB9D3F8E-99BC-4812-95D4-548B8E992B94}" type="slidenum">
               <a:rPr lang="en-GB" smtClean="0"/>
-              <a:t>‹#›</a:t>
+              <a:t>‹Nr.›</a:t>
             </a:fld>
             <a:endParaRPr lang="en-GB"/>
           </a:p>
@@ -3087,7 +4699,7 @@
           </a:lstStyle>
           <a:p>
             <a:r>
-              <a:rPr lang="de-DE"/>
+              <a:rPr lang="de-DE" smtClean="0"/>
               <a:t>Titelmasterformat durch Klicken bearbeiten</a:t>
             </a:r>
             <a:endParaRPr lang="en-US" dirty="0"/>
@@ -3152,7 +4764,7 @@
           </a:lstStyle>
           <a:p>
             <a:r>
-              <a:rPr lang="de-DE"/>
+              <a:rPr lang="de-DE" smtClean="0"/>
               <a:t>Bild durch Klicken auf Symbol hinzufügen</a:t>
             </a:r>
             <a:endParaRPr lang="en-US" dirty="0"/>
@@ -3218,7 +4830,7 @@
           <a:p>
             <a:pPr lvl="0"/>
             <a:r>
-              <a:rPr lang="de-DE"/>
+              <a:rPr lang="de-DE" smtClean="0"/>
               <a:t>Formatvorlagen des Textmasters bearbeiten</a:t>
             </a:r>
           </a:p>
@@ -3240,7 +4852,7 @@
           <a:lstStyle/>
           <a:p>
             <a:r>
-              <a:rPr lang="en-US"/>
+              <a:rPr lang="en-US" smtClean="0"/>
               <a:t>Ganiyu Ibraheem  Philipp Seybold</a:t>
             </a:r>
             <a:endParaRPr lang="en-GB"/>
@@ -3263,9 +4875,10 @@
           <a:lstStyle/>
           <a:p>
             <a:r>
-              <a:rPr lang="en-GB"/>
+              <a:rPr lang="en-GB" smtClean="0"/>
               <a:t>COMP6206 Advanced Computer Vision</a:t>
             </a:r>
+            <a:endParaRPr lang="en-GB"/>
           </a:p>
         </p:txBody>
       </p:sp>
@@ -3286,7 +4899,7 @@
           <a:p>
             <a:fld id="{FB9D3F8E-99BC-4812-95D4-548B8E992B94}" type="slidenum">
               <a:rPr lang="en-GB" smtClean="0"/>
-              <a:t>‹#›</a:t>
+              <a:t>‹Nr.›</a:t>
             </a:fld>
             <a:endParaRPr lang="en-GB"/>
           </a:p>
@@ -3353,7 +4966,7 @@
           <a:lstStyle/>
           <a:p>
             <a:r>
-              <a:rPr lang="de-DE"/>
+              <a:rPr lang="de-DE" smtClean="0"/>
               <a:t>Titelmasterformat durch Klicken bearbeiten</a:t>
             </a:r>
             <a:endParaRPr lang="en-US" dirty="0"/>
@@ -3387,35 +5000,35 @@
           <a:p>
             <a:pPr lvl="0"/>
             <a:r>
-              <a:rPr lang="de-DE" dirty="0"/>
+              <a:rPr lang="de-DE" dirty="0" smtClean="0"/>
               <a:t>Formatvorlagen des Textmasters bearbeiten</a:t>
             </a:r>
           </a:p>
           <a:p>
             <a:pPr lvl="1"/>
             <a:r>
-              <a:rPr lang="de-DE" dirty="0"/>
+              <a:rPr lang="de-DE" dirty="0" smtClean="0"/>
               <a:t>Zweite Ebene</a:t>
             </a:r>
           </a:p>
           <a:p>
             <a:pPr lvl="2"/>
             <a:r>
-              <a:rPr lang="de-DE" dirty="0"/>
+              <a:rPr lang="de-DE" dirty="0" smtClean="0"/>
               <a:t>Dritte Ebene</a:t>
             </a:r>
           </a:p>
           <a:p>
             <a:pPr lvl="3"/>
             <a:r>
-              <a:rPr lang="de-DE" dirty="0"/>
+              <a:rPr lang="de-DE" dirty="0" smtClean="0"/>
               <a:t>Vierte Ebene</a:t>
             </a:r>
           </a:p>
           <a:p>
             <a:pPr lvl="4"/>
             <a:r>
-              <a:rPr lang="de-DE" dirty="0"/>
+              <a:rPr lang="de-DE" dirty="0" smtClean="0"/>
               <a:t>Fünfte Ebene</a:t>
             </a:r>
             <a:endParaRPr lang="en-US" dirty="0"/>
@@ -3456,7 +5069,7 @@
           </a:lstStyle>
           <a:p>
             <a:r>
-              <a:rPr lang="en-US" dirty="0"/>
+              <a:rPr lang="en-US" dirty="0" smtClean="0"/>
               <a:t>Ganiyu Ibraheem  Philipp Seybold</a:t>
             </a:r>
             <a:endParaRPr lang="en-GB" dirty="0"/>
@@ -3497,9 +5110,10 @@
           </a:lstStyle>
           <a:p>
             <a:r>
-              <a:rPr lang="en-GB" dirty="0"/>
+              <a:rPr lang="en-GB" dirty="0" smtClean="0"/>
               <a:t>COMP6206 Advanced Computer Vision</a:t>
             </a:r>
+            <a:endParaRPr lang="en-GB" dirty="0"/>
           </a:p>
         </p:txBody>
       </p:sp>
@@ -3538,7 +5152,7 @@
           <a:p>
             <a:fld id="{FB9D3F8E-99BC-4812-95D4-548B8E992B94}" type="slidenum">
               <a:rPr lang="en-GB" smtClean="0"/>
-              <a:t>‹#›</a:t>
+              <a:t>‹Nr.›</a:t>
             </a:fld>
             <a:endParaRPr lang="en-GB"/>
           </a:p>
@@ -3603,6 +5217,13 @@
     <p:sldLayoutId id="2147483670" r:id="rId10"/>
     <p:sldLayoutId id="2147483671" r:id="rId11"/>
   </p:sldLayoutIdLst>
+  <p:timing>
+    <p:tnLst>
+      <p:par>
+        <p:cTn id="1" dur="indefinite" restart="never" nodeType="tmRoot"/>
+      </p:par>
+    </p:tnLst>
+  </p:timing>
   <p:hf hdr="0"/>
   <p:txStyles>
     <p:titleStyle>
@@ -3935,9 +5556,10 @@
           <a:lstStyle/>
           <a:p>
             <a:r>
-              <a:rPr lang="en-GB" dirty="0"/>
+              <a:rPr lang="en-GB" dirty="0" smtClean="0"/>
               <a:t>Force Field Transformation</a:t>
             </a:r>
+            <a:endParaRPr lang="en-GB" dirty="0"/>
           </a:p>
         </p:txBody>
       </p:sp>
@@ -3957,15 +5579,16 @@
           <a:lstStyle/>
           <a:p>
             <a:r>
-              <a:rPr lang="en-GB" dirty="0"/>
+              <a:rPr lang="en-GB" dirty="0" smtClean="0"/>
               <a:t>Ganiyu Ibraheem &amp; Philipp Seybold</a:t>
             </a:r>
           </a:p>
           <a:p>
             <a:r>
-              <a:rPr lang="en-GB" dirty="0"/>
+              <a:rPr lang="en-GB" dirty="0" smtClean="0"/>
               <a:t>Advanced Computer Vision</a:t>
             </a:r>
+            <a:endParaRPr lang="en-GB" dirty="0"/>
           </a:p>
         </p:txBody>
       </p:sp>
@@ -3985,7 +5608,7 @@
           <a:lstStyle/>
           <a:p>
             <a:r>
-              <a:rPr lang="en-US" dirty="0"/>
+              <a:rPr lang="en-US" dirty="0" smtClean="0"/>
               <a:t>Ganiyu Ibraheem  Philipp Seybold</a:t>
             </a:r>
             <a:endParaRPr lang="en-GB" dirty="0"/>
@@ -4008,7 +5631,7 @@
           <a:lstStyle/>
           <a:p>
             <a:r>
-              <a:rPr lang="en-GB"/>
+              <a:rPr lang="en-GB" smtClean="0"/>
               <a:t>COMP6206 Advanced Computer Vision</a:t>
             </a:r>
             <a:endParaRPr lang="en-GB" dirty="0"/>
@@ -4049,6 +5672,13 @@
   <p:clrMapOvr>
     <a:masterClrMapping/>
   </p:clrMapOvr>
+  <p:timing>
+    <p:tnLst>
+      <p:par>
+        <p:cTn id="1" dur="indefinite" restart="never" nodeType="tmRoot"/>
+      </p:par>
+    </p:tnLst>
+  </p:timing>
 </p:sld>
 </file>
 
@@ -4087,9 +5717,10 @@
           <a:lstStyle/>
           <a:p>
             <a:r>
-              <a:rPr lang="en-GB" dirty="0"/>
-              <a:t>Result</a:t>
-            </a:r>
+              <a:rPr lang="en-GB" dirty="0" smtClean="0"/>
+              <a:t>Method Application</a:t>
+            </a:r>
+            <a:endParaRPr lang="en-GB" dirty="0"/>
           </a:p>
         </p:txBody>
       </p:sp>
@@ -4103,15 +5734,30 @@
             <p:ph idx="1"/>
           </p:nvPr>
         </p:nvSpPr>
-        <p:spPr/>
-        <p:txBody>
-          <a:bodyPr/>
-          <a:lstStyle/>
-          <a:p>
-            <a:r>
-              <a:rPr lang="en-GB" dirty="0"/>
-              <a:t>Other application areas?</a:t>
-            </a:r>
+        <p:spPr>
+          <a:xfrm>
+            <a:off x="628650" y="1831278"/>
+            <a:ext cx="7886700" cy="4351338"/>
+          </a:xfrm>
+        </p:spPr>
+        <p:txBody>
+          <a:bodyPr>
+            <a:normAutofit/>
+          </a:bodyPr>
+          <a:lstStyle/>
+          <a:p>
+            <a:pPr marL="0" indent="0">
+              <a:buNone/>
+            </a:pPr>
+            <a:r>
+              <a:rPr lang="en-GB" dirty="0" smtClean="0"/>
+              <a:t>Pseudo </a:t>
+            </a:r>
+            <a:r>
+              <a:rPr lang="en-GB" dirty="0" smtClean="0"/>
+              <a:t>Code … ?</a:t>
+            </a:r>
+            <a:endParaRPr lang="en-GB" dirty="0"/>
           </a:p>
         </p:txBody>
       </p:sp>
@@ -4131,7 +5777,7 @@
           <a:lstStyle/>
           <a:p>
             <a:r>
-              <a:rPr lang="en-US"/>
+              <a:rPr lang="en-US" smtClean="0"/>
               <a:t>Ganiyu Ibraheem  Philipp Seybold</a:t>
             </a:r>
             <a:endParaRPr lang="en-GB" dirty="0"/>
@@ -4154,9 +5800,10 @@
           <a:lstStyle/>
           <a:p>
             <a:r>
-              <a:rPr lang="en-GB"/>
+              <a:rPr lang="en-GB" smtClean="0"/>
               <a:t>COMP6206 Advanced Computer Vision</a:t>
             </a:r>
+            <a:endParaRPr lang="en-GB"/>
           </a:p>
         </p:txBody>
       </p:sp>
@@ -4186,13 +5833,20 @@
     </p:spTree>
     <p:extLst>
       <p:ext uri="{BB962C8B-B14F-4D97-AF65-F5344CB8AC3E}">
-        <p14:creationId xmlns:p14="http://schemas.microsoft.com/office/powerpoint/2010/main" val="1695073607"/>
+        <p14:creationId xmlns:p14="http://schemas.microsoft.com/office/powerpoint/2010/main" val="3657221346"/>
       </p:ext>
     </p:extLst>
   </p:cSld>
   <p:clrMapOvr>
     <a:masterClrMapping/>
   </p:clrMapOvr>
+  <p:timing>
+    <p:tnLst>
+      <p:par>
+        <p:cTn id="1" dur="indefinite" restart="never" nodeType="tmRoot"/>
+      </p:par>
+    </p:tnLst>
+  </p:timing>
 </p:sld>
 </file>
 
@@ -4231,9 +5885,589 @@
           <a:lstStyle/>
           <a:p>
             <a:r>
+              <a:rPr lang="en-GB" dirty="0" smtClean="0"/>
+              <a:t>Demonstration</a:t>
+            </a:r>
+            <a:endParaRPr lang="en-GB" dirty="0"/>
+          </a:p>
+        </p:txBody>
+      </p:sp>
+      <p:sp>
+        <p:nvSpPr>
+          <p:cNvPr id="3" name="Inhaltsplatzhalter 2"/>
+          <p:cNvSpPr>
+            <a:spLocks noGrp="1"/>
+          </p:cNvSpPr>
+          <p:nvPr>
+            <p:ph idx="1"/>
+          </p:nvPr>
+        </p:nvSpPr>
+        <p:spPr/>
+        <p:txBody>
+          <a:bodyPr/>
+          <a:lstStyle/>
+          <a:p>
+            <a:r>
+              <a:rPr lang="en-GB" dirty="0" smtClean="0"/>
+              <a:t>Our own ears pictures etc. like in method application, e.g. force field lines, moving test pixel initialisation, peaks/wells, edges (compare to </a:t>
+            </a:r>
+            <a:r>
+              <a:rPr lang="en-GB" dirty="0" err="1" smtClean="0"/>
+              <a:t>sobel</a:t>
+            </a:r>
+            <a:r>
+              <a:rPr lang="en-GB" dirty="0" smtClean="0"/>
+              <a:t>?), potential energy patterns</a:t>
+            </a:r>
+          </a:p>
+          <a:p>
+            <a:r>
+              <a:rPr lang="en-GB" dirty="0" smtClean="0"/>
+              <a:t>Live demo with camera</a:t>
+            </a:r>
+            <a:endParaRPr lang="en-GB" dirty="0"/>
+          </a:p>
+        </p:txBody>
+      </p:sp>
+      <p:sp>
+        <p:nvSpPr>
+          <p:cNvPr id="4" name="Datumsplatzhalter 3"/>
+          <p:cNvSpPr>
+            <a:spLocks noGrp="1"/>
+          </p:cNvSpPr>
+          <p:nvPr>
+            <p:ph type="dt" sz="half" idx="10"/>
+          </p:nvPr>
+        </p:nvSpPr>
+        <p:spPr/>
+        <p:txBody>
+          <a:bodyPr/>
+          <a:lstStyle/>
+          <a:p>
+            <a:r>
+              <a:rPr lang="en-US" smtClean="0"/>
+              <a:t>Ganiyu Ibraheem  Philipp Seybold</a:t>
+            </a:r>
+            <a:endParaRPr lang="en-GB" dirty="0"/>
+          </a:p>
+        </p:txBody>
+      </p:sp>
+      <p:sp>
+        <p:nvSpPr>
+          <p:cNvPr id="5" name="Fußzeilenplatzhalter 4"/>
+          <p:cNvSpPr>
+            <a:spLocks noGrp="1"/>
+          </p:cNvSpPr>
+          <p:nvPr>
+            <p:ph type="ftr" sz="quarter" idx="11"/>
+          </p:nvPr>
+        </p:nvSpPr>
+        <p:spPr/>
+        <p:txBody>
+          <a:bodyPr/>
+          <a:lstStyle/>
+          <a:p>
+            <a:r>
+              <a:rPr lang="en-GB" smtClean="0"/>
+              <a:t>COMP6206 Advanced Computer Vision</a:t>
+            </a:r>
+            <a:endParaRPr lang="en-GB"/>
+          </a:p>
+        </p:txBody>
+      </p:sp>
+      <p:sp>
+        <p:nvSpPr>
+          <p:cNvPr id="6" name="Foliennummernplatzhalter 5"/>
+          <p:cNvSpPr>
+            <a:spLocks noGrp="1"/>
+          </p:cNvSpPr>
+          <p:nvPr>
+            <p:ph type="sldNum" sz="quarter" idx="12"/>
+          </p:nvPr>
+        </p:nvSpPr>
+        <p:spPr/>
+        <p:txBody>
+          <a:bodyPr/>
+          <a:lstStyle/>
+          <a:p>
+            <a:fld id="{FB9D3F8E-99BC-4812-95D4-548B8E992B94}" type="slidenum">
+              <a:rPr lang="en-GB" smtClean="0"/>
+              <a:t>11</a:t>
+            </a:fld>
+            <a:endParaRPr lang="en-GB"/>
+          </a:p>
+        </p:txBody>
+      </p:sp>
+    </p:spTree>
+    <p:extLst>
+      <p:ext uri="{BB962C8B-B14F-4D97-AF65-F5344CB8AC3E}">
+        <p14:creationId xmlns:p14="http://schemas.microsoft.com/office/powerpoint/2010/main" val="3430909982"/>
+      </p:ext>
+    </p:extLst>
+  </p:cSld>
+  <p:clrMapOvr>
+    <a:masterClrMapping/>
+  </p:clrMapOvr>
+  <p:timing>
+    <p:tnLst>
+      <p:par>
+        <p:cTn id="1" dur="indefinite" restart="never" nodeType="tmRoot"/>
+      </p:par>
+    </p:tnLst>
+  </p:timing>
+</p:sld>
+</file>
+
+<file path=ppt/slides/slide12.xml><?xml version="1.0" encoding="utf-8"?>
+<p:sld xmlns:a="http://schemas.openxmlformats.org/drawingml/2006/main" xmlns:r="http://schemas.openxmlformats.org/officeDocument/2006/relationships" xmlns:p="http://schemas.openxmlformats.org/presentationml/2006/main">
+  <p:cSld>
+    <p:spTree>
+      <p:nvGrpSpPr>
+        <p:cNvPr id="1" name=""/>
+        <p:cNvGrpSpPr/>
+        <p:nvPr/>
+      </p:nvGrpSpPr>
+      <p:grpSpPr>
+        <a:xfrm>
+          <a:off x="0" y="0"/>
+          <a:ext cx="0" cy="0"/>
+          <a:chOff x="0" y="0"/>
+          <a:chExt cx="0" cy="0"/>
+        </a:xfrm>
+      </p:grpSpPr>
+      <p:sp>
+        <p:nvSpPr>
+          <p:cNvPr id="2" name="Titel 1"/>
+          <p:cNvSpPr>
+            <a:spLocks noGrp="1"/>
+          </p:cNvSpPr>
+          <p:nvPr>
+            <p:ph type="title"/>
+          </p:nvPr>
+        </p:nvSpPr>
+        <p:spPr/>
+        <p:txBody>
+          <a:bodyPr>
+            <a:normAutofit/>
+          </a:bodyPr>
+          <a:lstStyle/>
+          <a:p>
+            <a:r>
+              <a:rPr lang="en-GB" dirty="0" smtClean="0"/>
+              <a:t>Result</a:t>
+            </a:r>
+            <a:endParaRPr lang="en-GB" dirty="0"/>
+          </a:p>
+        </p:txBody>
+      </p:sp>
+      <p:sp>
+        <p:nvSpPr>
+          <p:cNvPr id="3" name="Inhaltsplatzhalter 2"/>
+          <p:cNvSpPr>
+            <a:spLocks noGrp="1"/>
+          </p:cNvSpPr>
+          <p:nvPr>
+            <p:ph idx="1"/>
+          </p:nvPr>
+        </p:nvSpPr>
+        <p:spPr/>
+        <p:txBody>
+          <a:bodyPr>
+            <a:normAutofit fontScale="85000" lnSpcReduction="20000"/>
+          </a:bodyPr>
+          <a:lstStyle/>
+          <a:p>
+            <a:pPr lvl="0"/>
+            <a:r>
               <a:rPr lang="en-GB" dirty="0"/>
+              <a:t>Advantages:</a:t>
+            </a:r>
+          </a:p>
+          <a:p>
+            <a:pPr lvl="1"/>
+            <a:r>
+              <a:rPr lang="en-GB" dirty="0"/>
+              <a:t>Simplified implementation in time domain</a:t>
+            </a:r>
+          </a:p>
+          <a:p>
+            <a:pPr lvl="1"/>
+            <a:r>
+              <a:rPr lang="en-GB" dirty="0"/>
+              <a:t>Time complexity reduced due to working in frequency domain: O(n * log(n))</a:t>
+            </a:r>
+          </a:p>
+          <a:p>
+            <a:pPr lvl="1"/>
+            <a:r>
+              <a:rPr lang="en-GB" dirty="0"/>
+              <a:t>Impervious to distortion in image due to motion</a:t>
+            </a:r>
+          </a:p>
+          <a:p>
+            <a:pPr lvl="1"/>
+            <a:r>
+              <a:rPr lang="en-GB" dirty="0"/>
+              <a:t>Finds application in edge detection</a:t>
+            </a:r>
+          </a:p>
+          <a:p>
+            <a:pPr lvl="1"/>
+            <a:r>
+              <a:rPr lang="en-GB" dirty="0"/>
+              <a:t>Higher efficiency (99.2%) as compared to other techniques</a:t>
+            </a:r>
+          </a:p>
+          <a:p>
+            <a:pPr lvl="1"/>
+            <a:r>
+              <a:rPr lang="en-GB" dirty="0"/>
+              <a:t>The Force Field Transforms are invertible</a:t>
+            </a:r>
+          </a:p>
+          <a:p>
+            <a:pPr lvl="1"/>
+            <a:r>
+              <a:rPr lang="en-GB" dirty="0"/>
+              <a:t>It is scale invariant and tolerant to low noise</a:t>
+            </a:r>
+          </a:p>
+          <a:p>
+            <a:pPr lvl="2"/>
+            <a:r>
+              <a:rPr lang="en-GB" dirty="0"/>
+              <a:t>Also invariant to different changes in illumination</a:t>
+            </a:r>
+          </a:p>
+          <a:p>
+            <a:pPr lvl="0"/>
+            <a:r>
+              <a:rPr lang="en-GB" dirty="0"/>
+              <a:t>Disadvantages:</a:t>
+            </a:r>
+          </a:p>
+          <a:p>
+            <a:pPr lvl="1"/>
+            <a:r>
+              <a:rPr lang="en-GB" dirty="0"/>
+              <a:t>At times, transform generates only one ‘well’ (source, origin</a:t>
+            </a:r>
+            <a:r>
+              <a:rPr lang="en-GB" sz="2800" dirty="0"/>
+              <a:t>)</a:t>
+            </a:r>
+            <a:endParaRPr lang="en-GB" dirty="0"/>
+          </a:p>
+          <a:p>
+            <a:pPr lvl="1"/>
+            <a:r>
+              <a:rPr lang="en-GB" dirty="0"/>
+              <a:t>High computational costs for brute-force method: O(n²)</a:t>
+            </a:r>
+          </a:p>
+          <a:p>
+            <a:pPr lvl="1"/>
+            <a:r>
+              <a:rPr lang="en-GB" dirty="0"/>
+              <a:t>Not widely applicable</a:t>
+            </a:r>
+          </a:p>
+          <a:p>
+            <a:pPr lvl="1"/>
+            <a:r>
+              <a:rPr lang="en-GB" dirty="0"/>
+              <a:t>Occlusion by </a:t>
+            </a:r>
+            <a:r>
+              <a:rPr lang="en-GB" dirty="0" smtClean="0"/>
+              <a:t>hair</a:t>
+            </a:r>
+            <a:endParaRPr lang="en-GB" dirty="0"/>
+          </a:p>
+        </p:txBody>
+      </p:sp>
+      <p:sp>
+        <p:nvSpPr>
+          <p:cNvPr id="4" name="Datumsplatzhalter 3"/>
+          <p:cNvSpPr>
+            <a:spLocks noGrp="1"/>
+          </p:cNvSpPr>
+          <p:nvPr>
+            <p:ph type="dt" sz="half" idx="10"/>
+          </p:nvPr>
+        </p:nvSpPr>
+        <p:spPr/>
+        <p:txBody>
+          <a:bodyPr/>
+          <a:lstStyle/>
+          <a:p>
+            <a:r>
+              <a:rPr lang="en-US" smtClean="0"/>
+              <a:t>Ganiyu Ibraheem  Philipp Seybold</a:t>
+            </a:r>
+            <a:endParaRPr lang="en-GB" dirty="0"/>
+          </a:p>
+        </p:txBody>
+      </p:sp>
+      <p:sp>
+        <p:nvSpPr>
+          <p:cNvPr id="5" name="Fußzeilenplatzhalter 4"/>
+          <p:cNvSpPr>
+            <a:spLocks noGrp="1"/>
+          </p:cNvSpPr>
+          <p:nvPr>
+            <p:ph type="ftr" sz="quarter" idx="11"/>
+          </p:nvPr>
+        </p:nvSpPr>
+        <p:spPr/>
+        <p:txBody>
+          <a:bodyPr/>
+          <a:lstStyle/>
+          <a:p>
+            <a:r>
+              <a:rPr lang="en-GB" smtClean="0"/>
+              <a:t>COMP6206 Advanced Computer Vision</a:t>
+            </a:r>
+            <a:endParaRPr lang="en-GB"/>
+          </a:p>
+        </p:txBody>
+      </p:sp>
+      <p:sp>
+        <p:nvSpPr>
+          <p:cNvPr id="6" name="Foliennummernplatzhalter 5"/>
+          <p:cNvSpPr>
+            <a:spLocks noGrp="1"/>
+          </p:cNvSpPr>
+          <p:nvPr>
+            <p:ph type="sldNum" sz="quarter" idx="12"/>
+          </p:nvPr>
+        </p:nvSpPr>
+        <p:spPr/>
+        <p:txBody>
+          <a:bodyPr/>
+          <a:lstStyle/>
+          <a:p>
+            <a:fld id="{FB9D3F8E-99BC-4812-95D4-548B8E992B94}" type="slidenum">
+              <a:rPr lang="en-GB" smtClean="0"/>
+              <a:t>12</a:t>
+            </a:fld>
+            <a:endParaRPr lang="en-GB"/>
+          </a:p>
+        </p:txBody>
+      </p:sp>
+    </p:spTree>
+    <p:extLst>
+      <p:ext uri="{BB962C8B-B14F-4D97-AF65-F5344CB8AC3E}">
+        <p14:creationId xmlns:p14="http://schemas.microsoft.com/office/powerpoint/2010/main" val="1276399475"/>
+      </p:ext>
+    </p:extLst>
+  </p:cSld>
+  <p:clrMapOvr>
+    <a:masterClrMapping/>
+  </p:clrMapOvr>
+  <p:timing>
+    <p:tnLst>
+      <p:par>
+        <p:cTn id="1" dur="indefinite" restart="never" nodeType="tmRoot"/>
+      </p:par>
+    </p:tnLst>
+  </p:timing>
+</p:sld>
+</file>
+
+<file path=ppt/slides/slide13.xml><?xml version="1.0" encoding="utf-8"?>
+<p:sld xmlns:a="http://schemas.openxmlformats.org/drawingml/2006/main" xmlns:r="http://schemas.openxmlformats.org/officeDocument/2006/relationships" xmlns:p="http://schemas.openxmlformats.org/presentationml/2006/main">
+  <p:cSld>
+    <p:spTree>
+      <p:nvGrpSpPr>
+        <p:cNvPr id="1" name=""/>
+        <p:cNvGrpSpPr/>
+        <p:nvPr/>
+      </p:nvGrpSpPr>
+      <p:grpSpPr>
+        <a:xfrm>
+          <a:off x="0" y="0"/>
+          <a:ext cx="0" cy="0"/>
+          <a:chOff x="0" y="0"/>
+          <a:chExt cx="0" cy="0"/>
+        </a:xfrm>
+      </p:grpSpPr>
+      <p:sp>
+        <p:nvSpPr>
+          <p:cNvPr id="2" name="Titel 1"/>
+          <p:cNvSpPr>
+            <a:spLocks noGrp="1"/>
+          </p:cNvSpPr>
+          <p:nvPr>
+            <p:ph type="title"/>
+          </p:nvPr>
+        </p:nvSpPr>
+        <p:spPr/>
+        <p:txBody>
+          <a:bodyPr>
+            <a:normAutofit/>
+          </a:bodyPr>
+          <a:lstStyle/>
+          <a:p>
+            <a:r>
+              <a:rPr lang="en-GB" dirty="0" smtClean="0"/>
+              <a:t>Result</a:t>
+            </a:r>
+            <a:endParaRPr lang="en-GB" dirty="0"/>
+          </a:p>
+        </p:txBody>
+      </p:sp>
+      <p:sp>
+        <p:nvSpPr>
+          <p:cNvPr id="3" name="Inhaltsplatzhalter 2"/>
+          <p:cNvSpPr>
+            <a:spLocks noGrp="1"/>
+          </p:cNvSpPr>
+          <p:nvPr>
+            <p:ph idx="1"/>
+          </p:nvPr>
+        </p:nvSpPr>
+        <p:spPr/>
+        <p:txBody>
+          <a:bodyPr/>
+          <a:lstStyle/>
+          <a:p>
+            <a:r>
+              <a:rPr lang="en-GB" dirty="0" smtClean="0"/>
+              <a:t>Other application areas?</a:t>
+            </a:r>
+            <a:endParaRPr lang="en-GB" dirty="0"/>
+          </a:p>
+        </p:txBody>
+      </p:sp>
+      <p:sp>
+        <p:nvSpPr>
+          <p:cNvPr id="4" name="Datumsplatzhalter 3"/>
+          <p:cNvSpPr>
+            <a:spLocks noGrp="1"/>
+          </p:cNvSpPr>
+          <p:nvPr>
+            <p:ph type="dt" sz="half" idx="10"/>
+          </p:nvPr>
+        </p:nvSpPr>
+        <p:spPr/>
+        <p:txBody>
+          <a:bodyPr/>
+          <a:lstStyle/>
+          <a:p>
+            <a:r>
+              <a:rPr lang="en-US" smtClean="0"/>
+              <a:t>Ganiyu Ibraheem  Philipp Seybold</a:t>
+            </a:r>
+            <a:endParaRPr lang="en-GB" dirty="0"/>
+          </a:p>
+        </p:txBody>
+      </p:sp>
+      <p:sp>
+        <p:nvSpPr>
+          <p:cNvPr id="5" name="Fußzeilenplatzhalter 4"/>
+          <p:cNvSpPr>
+            <a:spLocks noGrp="1"/>
+          </p:cNvSpPr>
+          <p:nvPr>
+            <p:ph type="ftr" sz="quarter" idx="11"/>
+          </p:nvPr>
+        </p:nvSpPr>
+        <p:spPr/>
+        <p:txBody>
+          <a:bodyPr/>
+          <a:lstStyle/>
+          <a:p>
+            <a:r>
+              <a:rPr lang="en-GB" smtClean="0"/>
+              <a:t>COMP6206 Advanced Computer Vision</a:t>
+            </a:r>
+            <a:endParaRPr lang="en-GB"/>
+          </a:p>
+        </p:txBody>
+      </p:sp>
+      <p:sp>
+        <p:nvSpPr>
+          <p:cNvPr id="6" name="Foliennummernplatzhalter 5"/>
+          <p:cNvSpPr>
+            <a:spLocks noGrp="1"/>
+          </p:cNvSpPr>
+          <p:nvPr>
+            <p:ph type="sldNum" sz="quarter" idx="12"/>
+          </p:nvPr>
+        </p:nvSpPr>
+        <p:spPr/>
+        <p:txBody>
+          <a:bodyPr/>
+          <a:lstStyle/>
+          <a:p>
+            <a:fld id="{FB9D3F8E-99BC-4812-95D4-548B8E992B94}" type="slidenum">
+              <a:rPr lang="en-GB" smtClean="0"/>
+              <a:t>13</a:t>
+            </a:fld>
+            <a:endParaRPr lang="en-GB"/>
+          </a:p>
+        </p:txBody>
+      </p:sp>
+    </p:spTree>
+    <p:extLst>
+      <p:ext uri="{BB962C8B-B14F-4D97-AF65-F5344CB8AC3E}">
+        <p14:creationId xmlns:p14="http://schemas.microsoft.com/office/powerpoint/2010/main" val="1695073607"/>
+      </p:ext>
+    </p:extLst>
+  </p:cSld>
+  <p:clrMapOvr>
+    <a:masterClrMapping/>
+  </p:clrMapOvr>
+  <p:timing>
+    <p:tnLst>
+      <p:par>
+        <p:cTn id="1" dur="indefinite" restart="never" nodeType="tmRoot"/>
+      </p:par>
+    </p:tnLst>
+  </p:timing>
+</p:sld>
+</file>
+
+<file path=ppt/slides/slide14.xml><?xml version="1.0" encoding="utf-8"?>
+<p:sld xmlns:a="http://schemas.openxmlformats.org/drawingml/2006/main" xmlns:r="http://schemas.openxmlformats.org/officeDocument/2006/relationships" xmlns:p="http://schemas.openxmlformats.org/presentationml/2006/main">
+  <p:cSld>
+    <p:spTree>
+      <p:nvGrpSpPr>
+        <p:cNvPr id="1" name=""/>
+        <p:cNvGrpSpPr/>
+        <p:nvPr/>
+      </p:nvGrpSpPr>
+      <p:grpSpPr>
+        <a:xfrm>
+          <a:off x="0" y="0"/>
+          <a:ext cx="0" cy="0"/>
+          <a:chOff x="0" y="0"/>
+          <a:chExt cx="0" cy="0"/>
+        </a:xfrm>
+      </p:grpSpPr>
+      <p:sp>
+        <p:nvSpPr>
+          <p:cNvPr id="2" name="Titel 1"/>
+          <p:cNvSpPr>
+            <a:spLocks noGrp="1"/>
+          </p:cNvSpPr>
+          <p:nvPr>
+            <p:ph type="title"/>
+          </p:nvPr>
+        </p:nvSpPr>
+        <p:spPr/>
+        <p:txBody>
+          <a:bodyPr>
+            <a:normAutofit/>
+          </a:bodyPr>
+          <a:lstStyle/>
+          <a:p>
+            <a:r>
+              <a:rPr lang="en-GB" dirty="0" smtClean="0"/>
               <a:t>Discussion</a:t>
             </a:r>
+            <a:endParaRPr lang="en-GB" dirty="0"/>
           </a:p>
         </p:txBody>
       </p:sp>
@@ -4253,7 +6487,7 @@
           <a:lstStyle/>
           <a:p>
             <a:r>
-              <a:rPr lang="en-GB" dirty="0"/>
+              <a:rPr lang="en-GB" dirty="0" smtClean="0"/>
               <a:t>Any Questions?</a:t>
             </a:r>
           </a:p>
@@ -4284,7 +6518,7 @@
           <a:lstStyle/>
           <a:p>
             <a:r>
-              <a:rPr lang="en-US"/>
+              <a:rPr lang="en-US" smtClean="0"/>
               <a:t>Ganiyu Ibraheem  Philipp Seybold</a:t>
             </a:r>
             <a:endParaRPr lang="en-GB" dirty="0"/>
@@ -4307,9 +6541,10 @@
           <a:lstStyle/>
           <a:p>
             <a:r>
-              <a:rPr lang="en-GB"/>
+              <a:rPr lang="en-GB" smtClean="0"/>
               <a:t>COMP6206 Advanced Computer Vision</a:t>
             </a:r>
+            <a:endParaRPr lang="en-GB"/>
           </a:p>
         </p:txBody>
       </p:sp>
@@ -4330,7 +6565,7 @@
           <a:p>
             <a:fld id="{FB9D3F8E-99BC-4812-95D4-548B8E992B94}" type="slidenum">
               <a:rPr lang="en-GB" smtClean="0"/>
-              <a:t>11</a:t>
+              <a:t>14</a:t>
             </a:fld>
             <a:endParaRPr lang="en-GB"/>
           </a:p>
@@ -4387,10 +6622,17 @@
   <p:clrMapOvr>
     <a:masterClrMapping/>
   </p:clrMapOvr>
+  <p:timing>
+    <p:tnLst>
+      <p:par>
+        <p:cTn id="1" dur="indefinite" restart="never" nodeType="tmRoot"/>
+      </p:par>
+    </p:tnLst>
+  </p:timing>
 </p:sld>
 </file>
 
-<file path=ppt/slides/slide12.xml><?xml version="1.0" encoding="utf-8"?>
+<file path=ppt/slides/slide15.xml><?xml version="1.0" encoding="utf-8"?>
 <p:sld xmlns:a="http://schemas.openxmlformats.org/drawingml/2006/main" xmlns:r="http://schemas.openxmlformats.org/officeDocument/2006/relationships" xmlns:p="http://schemas.openxmlformats.org/presentationml/2006/main">
   <p:cSld>
     <p:spTree>
@@ -4425,53 +6667,10 @@
           <a:lstStyle/>
           <a:p>
             <a:r>
-              <a:rPr lang="en-GB" dirty="0"/>
+              <a:rPr lang="en-GB" dirty="0" smtClean="0"/>
               <a:t>Sources</a:t>
             </a:r>
-          </a:p>
-        </p:txBody>
-      </p:sp>
-      <p:sp>
-        <p:nvSpPr>
-          <p:cNvPr id="3" name="Inhaltsplatzhalter 2"/>
-          <p:cNvSpPr>
-            <a:spLocks noGrp="1"/>
-          </p:cNvSpPr>
-          <p:nvPr>
-            <p:ph idx="1"/>
-          </p:nvPr>
-        </p:nvSpPr>
-        <p:spPr/>
-        <p:txBody>
-          <a:bodyPr/>
-          <a:lstStyle/>
-          <a:p>
-            <a:r>
-              <a:rPr lang="en-GB" dirty="0"/>
-              <a:t>3 Papers</a:t>
-            </a:r>
-          </a:p>
-          <a:p>
-            <a:r>
-              <a:rPr lang="en-GB" dirty="0"/>
-              <a:t>Marks book</a:t>
-            </a:r>
-          </a:p>
-          <a:p>
-            <a:r>
-              <a:rPr lang="en-GB" dirty="0" err="1"/>
-              <a:t>Linkedin</a:t>
-            </a:r>
-            <a:r>
-              <a:rPr lang="en-GB" dirty="0"/>
-              <a:t> slides</a:t>
-            </a:r>
-          </a:p>
-          <a:p>
-            <a:r>
-              <a:rPr lang="en-GB" dirty="0"/>
-              <a:t>Git repo from that guy (maybe)</a:t>
-            </a:r>
+            <a:endParaRPr lang="en-GB" dirty="0"/>
           </a:p>
         </p:txBody>
       </p:sp>
@@ -4491,7 +6690,7 @@
           <a:lstStyle/>
           <a:p>
             <a:r>
-              <a:rPr lang="en-US"/>
+              <a:rPr lang="en-US" smtClean="0"/>
               <a:t>Ganiyu Ibraheem  Philipp Seybold</a:t>
             </a:r>
             <a:endParaRPr lang="en-GB" dirty="0"/>
@@ -4514,9 +6713,10 @@
           <a:lstStyle/>
           <a:p>
             <a:r>
-              <a:rPr lang="en-GB"/>
+              <a:rPr lang="en-GB" smtClean="0"/>
               <a:t>COMP6206 Advanced Computer Vision</a:t>
             </a:r>
+            <a:endParaRPr lang="en-GB"/>
           </a:p>
         </p:txBody>
       </p:sp>
@@ -4537,12 +6737,292 @@
           <a:p>
             <a:fld id="{FB9D3F8E-99BC-4812-95D4-548B8E992B94}" type="slidenum">
               <a:rPr lang="en-GB" smtClean="0"/>
-              <a:t>12</a:t>
+              <a:t>15</a:t>
             </a:fld>
             <a:endParaRPr lang="en-GB"/>
           </a:p>
         </p:txBody>
       </p:sp>
+      <p:graphicFrame>
+        <p:nvGraphicFramePr>
+          <p:cNvPr id="8" name="Tabelle 7"/>
+          <p:cNvGraphicFramePr>
+            <a:graphicFrameLocks noGrp="1"/>
+          </p:cNvGraphicFramePr>
+          <p:nvPr>
+            <p:extLst>
+              <p:ext uri="{D42A27DB-BD31-4B8C-83A1-F6EECF244321}">
+                <p14:modId xmlns:p14="http://schemas.microsoft.com/office/powerpoint/2010/main" val="857702585"/>
+              </p:ext>
+            </p:extLst>
+          </p:nvPr>
+        </p:nvGraphicFramePr>
+        <p:xfrm>
+          <a:off x="628650" y="1482344"/>
+          <a:ext cx="7886700" cy="3120136"/>
+        </p:xfrm>
+        <a:graphic>
+          <a:graphicData uri="http://schemas.openxmlformats.org/drawingml/2006/table">
+            <a:tbl>
+              <a:tblPr firstRow="1" bandRow="1">
+                <a:tableStyleId>{2D5ABB26-0587-4C30-8999-92F81FD0307C}</a:tableStyleId>
+              </a:tblPr>
+              <a:tblGrid>
+                <a:gridCol w="602742">
+                  <a:extLst>
+                    <a:ext uri="{9D8B030D-6E8A-4147-A177-3AD203B41FA5}">
+                      <a16:colId xmlns:a16="http://schemas.microsoft.com/office/drawing/2014/main" val="1144154568"/>
+                    </a:ext>
+                  </a:extLst>
+                </a:gridCol>
+                <a:gridCol w="7283958">
+                  <a:extLst>
+                    <a:ext uri="{9D8B030D-6E8A-4147-A177-3AD203B41FA5}">
+                      <a16:colId xmlns:a16="http://schemas.microsoft.com/office/drawing/2014/main" val="2266596445"/>
+                    </a:ext>
+                  </a:extLst>
+                </a:gridCol>
+              </a:tblGrid>
+              <a:tr h="895096">
+                <a:tc>
+                  <a:txBody>
+                    <a:bodyPr/>
+                    <a:lstStyle/>
+                    <a:p>
+                      <a:r>
+                        <a:rPr lang="en-GB" dirty="0" smtClean="0"/>
+                        <a:t>[1]</a:t>
+                      </a:r>
+                      <a:endParaRPr lang="en-GB" dirty="0"/>
+                    </a:p>
+                  </a:txBody>
+                  <a:tcPr/>
+                </a:tc>
+                <a:tc>
+                  <a:txBody>
+                    <a:bodyPr/>
+                    <a:lstStyle/>
+                    <a:p>
+                      <a:pPr marL="0" marR="0" indent="0" algn="l" defTabSz="914400" rtl="0" eaLnBrk="1" fontAlgn="auto" latinLnBrk="0" hangingPunct="1">
+                        <a:lnSpc>
+                          <a:spcPct val="100000"/>
+                        </a:lnSpc>
+                        <a:spcBef>
+                          <a:spcPts val="0"/>
+                        </a:spcBef>
+                        <a:spcAft>
+                          <a:spcPts val="0"/>
+                        </a:spcAft>
+                        <a:buClrTx/>
+                        <a:buSzTx/>
+                        <a:buFontTx/>
+                        <a:buNone/>
+                        <a:tabLst/>
+                        <a:defRPr/>
+                      </a:pPr>
+                      <a:r>
+                        <a:rPr lang="en-GB" sz="1800" dirty="0" smtClean="0"/>
+                        <a:t>D.J. Hurley, M.S. Nixon, J.N. Carter, “</a:t>
+                      </a:r>
+                      <a:r>
+                        <a:rPr lang="en-GB" sz="1800" b="0" i="0" u="none" strike="noStrike" kern="1200" baseline="0" dirty="0" smtClean="0">
+                          <a:solidFill>
+                            <a:schemeClr val="tx1"/>
+                          </a:solidFill>
+                          <a:latin typeface="+mn-lt"/>
+                          <a:ea typeface="+mn-ea"/>
+                          <a:cs typeface="+mn-cs"/>
+                        </a:rPr>
+                        <a:t>Force field feature extraction for ear biometrics</a:t>
+                      </a:r>
+                      <a:r>
+                        <a:rPr lang="en-GB" sz="1800" dirty="0" smtClean="0"/>
+                        <a:t>”, </a:t>
+                      </a:r>
+                      <a:r>
+                        <a:rPr lang="en-GB" sz="1800" dirty="0" err="1" smtClean="0"/>
+                        <a:t>doi</a:t>
+                      </a:r>
+                      <a:r>
+                        <a:rPr lang="en-GB" sz="1800" dirty="0" smtClean="0"/>
+                        <a:t>: 10.1016/j.cviu.2004.11.001,2004.</a:t>
+                      </a:r>
+                    </a:p>
+                  </a:txBody>
+                  <a:tcPr/>
+                </a:tc>
+                <a:extLst>
+                  <a:ext uri="{0D108BD9-81ED-4DB2-BD59-A6C34878D82A}">
+                    <a16:rowId xmlns:a16="http://schemas.microsoft.com/office/drawing/2014/main" val="2091674178"/>
+                  </a:ext>
+                </a:extLst>
+              </a:tr>
+              <a:tr h="370840">
+                <a:tc>
+                  <a:txBody>
+                    <a:bodyPr/>
+                    <a:lstStyle/>
+                    <a:p>
+                      <a:endParaRPr lang="en-GB" dirty="0"/>
+                    </a:p>
+                  </a:txBody>
+                  <a:tcPr/>
+                </a:tc>
+                <a:tc>
+                  <a:txBody>
+                    <a:bodyPr/>
+                    <a:lstStyle/>
+                    <a:p>
+                      <a:endParaRPr lang="en-GB" dirty="0"/>
+                    </a:p>
+                  </a:txBody>
+                  <a:tcPr/>
+                </a:tc>
+                <a:extLst>
+                  <a:ext uri="{0D108BD9-81ED-4DB2-BD59-A6C34878D82A}">
+                    <a16:rowId xmlns:a16="http://schemas.microsoft.com/office/drawing/2014/main" val="3571696316"/>
+                  </a:ext>
+                </a:extLst>
+              </a:tr>
+              <a:tr h="370840">
+                <a:tc>
+                  <a:txBody>
+                    <a:bodyPr/>
+                    <a:lstStyle/>
+                    <a:p>
+                      <a:endParaRPr lang="en-GB"/>
+                    </a:p>
+                  </a:txBody>
+                  <a:tcPr/>
+                </a:tc>
+                <a:tc>
+                  <a:txBody>
+                    <a:bodyPr/>
+                    <a:lstStyle/>
+                    <a:p>
+                      <a:endParaRPr lang="en-GB" dirty="0"/>
+                    </a:p>
+                  </a:txBody>
+                  <a:tcPr/>
+                </a:tc>
+                <a:extLst>
+                  <a:ext uri="{0D108BD9-81ED-4DB2-BD59-A6C34878D82A}">
+                    <a16:rowId xmlns:a16="http://schemas.microsoft.com/office/drawing/2014/main" val="3944246603"/>
+                  </a:ext>
+                </a:extLst>
+              </a:tr>
+              <a:tr h="370840">
+                <a:tc>
+                  <a:txBody>
+                    <a:bodyPr/>
+                    <a:lstStyle/>
+                    <a:p>
+                      <a:endParaRPr lang="en-GB"/>
+                    </a:p>
+                  </a:txBody>
+                  <a:tcPr/>
+                </a:tc>
+                <a:tc>
+                  <a:txBody>
+                    <a:bodyPr/>
+                    <a:lstStyle/>
+                    <a:p>
+                      <a:endParaRPr lang="en-GB"/>
+                    </a:p>
+                  </a:txBody>
+                  <a:tcPr/>
+                </a:tc>
+                <a:extLst>
+                  <a:ext uri="{0D108BD9-81ED-4DB2-BD59-A6C34878D82A}">
+                    <a16:rowId xmlns:a16="http://schemas.microsoft.com/office/drawing/2014/main" val="479990301"/>
+                  </a:ext>
+                </a:extLst>
+              </a:tr>
+              <a:tr h="370840">
+                <a:tc>
+                  <a:txBody>
+                    <a:bodyPr/>
+                    <a:lstStyle/>
+                    <a:p>
+                      <a:endParaRPr lang="en-GB" dirty="0"/>
+                    </a:p>
+                  </a:txBody>
+                  <a:tcPr/>
+                </a:tc>
+                <a:tc>
+                  <a:txBody>
+                    <a:bodyPr/>
+                    <a:lstStyle/>
+                    <a:p>
+                      <a:endParaRPr lang="en-GB"/>
+                    </a:p>
+                  </a:txBody>
+                  <a:tcPr/>
+                </a:tc>
+                <a:extLst>
+                  <a:ext uri="{0D108BD9-81ED-4DB2-BD59-A6C34878D82A}">
+                    <a16:rowId xmlns:a16="http://schemas.microsoft.com/office/drawing/2014/main" val="337983444"/>
+                  </a:ext>
+                </a:extLst>
+              </a:tr>
+              <a:tr h="370840">
+                <a:tc>
+                  <a:txBody>
+                    <a:bodyPr/>
+                    <a:lstStyle/>
+                    <a:p>
+                      <a:endParaRPr lang="en-GB"/>
+                    </a:p>
+                  </a:txBody>
+                  <a:tcPr/>
+                </a:tc>
+                <a:tc>
+                  <a:txBody>
+                    <a:bodyPr/>
+                    <a:lstStyle/>
+                    <a:p>
+                      <a:endParaRPr lang="en-GB"/>
+                    </a:p>
+                  </a:txBody>
+                  <a:tcPr/>
+                </a:tc>
+                <a:extLst>
+                  <a:ext uri="{0D108BD9-81ED-4DB2-BD59-A6C34878D82A}">
+                    <a16:rowId xmlns:a16="http://schemas.microsoft.com/office/drawing/2014/main" val="1411202274"/>
+                  </a:ext>
+                </a:extLst>
+              </a:tr>
+              <a:tr h="370840">
+                <a:tc>
+                  <a:txBody>
+                    <a:bodyPr/>
+                    <a:lstStyle/>
+                    <a:p>
+                      <a:endParaRPr lang="en-GB" dirty="0"/>
+                    </a:p>
+                  </a:txBody>
+                  <a:tcPr/>
+                </a:tc>
+                <a:tc>
+                  <a:txBody>
+                    <a:bodyPr/>
+                    <a:lstStyle/>
+                    <a:p>
+                      <a:endParaRPr lang="en-GB" dirty="0"/>
+                    </a:p>
+                  </a:txBody>
+                  <a:tcPr/>
+                </a:tc>
+                <a:extLst>
+                  <a:ext uri="{0D108BD9-81ED-4DB2-BD59-A6C34878D82A}">
+                    <a16:rowId xmlns:a16="http://schemas.microsoft.com/office/drawing/2014/main" val="2242115957"/>
+                  </a:ext>
+                </a:extLst>
+              </a:tr>
+            </a:tbl>
+          </a:graphicData>
+        </a:graphic>
+      </p:graphicFrame>
     </p:spTree>
     <p:extLst>
       <p:ext uri="{BB962C8B-B14F-4D97-AF65-F5344CB8AC3E}">
@@ -4553,6 +7033,13 @@
   <p:clrMapOvr>
     <a:masterClrMapping/>
   </p:clrMapOvr>
+  <p:timing>
+    <p:tnLst>
+      <p:par>
+        <p:cTn id="1" dur="indefinite" restart="never" nodeType="tmRoot"/>
+      </p:par>
+    </p:tnLst>
+  </p:timing>
 </p:sld>
 </file>
 
@@ -4611,7 +7098,7 @@
           <a:lstStyle/>
           <a:p>
             <a:r>
-              <a:rPr lang="en-US"/>
+              <a:rPr lang="en-US" smtClean="0"/>
               <a:t>Ganiyu Ibraheem  Philipp Seybold</a:t>
             </a:r>
             <a:endParaRPr lang="en-GB"/>
@@ -4634,9 +7121,10 @@
           <a:lstStyle/>
           <a:p>
             <a:r>
-              <a:rPr lang="en-GB"/>
+              <a:rPr lang="en-GB" smtClean="0"/>
               <a:t>COMP6206 Advanced Computer Vision</a:t>
             </a:r>
+            <a:endParaRPr lang="en-GB"/>
           </a:p>
         </p:txBody>
       </p:sp>
@@ -4863,36 +7351,36 @@
           </a:lstStyle>
           <a:p>
             <a:r>
-              <a:rPr lang="en-GB"/>
+              <a:rPr lang="en-GB" smtClean="0"/>
               <a:t>Definition</a:t>
             </a:r>
           </a:p>
           <a:p>
             <a:r>
-              <a:rPr lang="en-GB"/>
+              <a:rPr lang="en-GB" smtClean="0"/>
               <a:t>Method Application</a:t>
             </a:r>
           </a:p>
           <a:p>
             <a:r>
-              <a:rPr lang="en-GB"/>
+              <a:rPr lang="en-GB" smtClean="0"/>
               <a:t>Demonstration</a:t>
             </a:r>
           </a:p>
           <a:p>
             <a:r>
-              <a:rPr lang="en-GB"/>
+              <a:rPr lang="en-GB" smtClean="0"/>
               <a:t>Result</a:t>
             </a:r>
           </a:p>
           <a:p>
             <a:r>
-              <a:rPr lang="en-GB"/>
+              <a:rPr lang="en-GB" smtClean="0"/>
               <a:t>Discussion</a:t>
             </a:r>
           </a:p>
           <a:p>
-            <a:endParaRPr lang="en-GB"/>
+            <a:endParaRPr lang="en-GB" smtClean="0"/>
           </a:p>
           <a:p>
             <a:endParaRPr lang="en-GB" dirty="0"/>
@@ -4909,6 +7397,13 @@
   <p:clrMapOvr>
     <a:masterClrMapping/>
   </p:clrMapOvr>
+  <p:timing>
+    <p:tnLst>
+      <p:par>
+        <p:cTn id="1" dur="indefinite" restart="never" nodeType="tmRoot"/>
+      </p:par>
+    </p:tnLst>
+  </p:timing>
 </p:sld>
 </file>
 
@@ -4947,69 +7442,108 @@
           <a:lstStyle/>
           <a:p>
             <a:r>
+              <a:rPr lang="en-GB" dirty="0" smtClean="0"/>
+              <a:t>Definition</a:t>
+            </a:r>
+            <a:endParaRPr lang="en-GB" dirty="0"/>
+          </a:p>
+        </p:txBody>
+      </p:sp>
+      <p:sp>
+        <p:nvSpPr>
+          <p:cNvPr id="3" name="Inhaltsplatzhalter 2"/>
+          <p:cNvSpPr>
+            <a:spLocks noGrp="1"/>
+          </p:cNvSpPr>
+          <p:nvPr>
+            <p:ph idx="1"/>
+          </p:nvPr>
+        </p:nvSpPr>
+        <p:spPr/>
+        <p:txBody>
+          <a:bodyPr/>
+          <a:lstStyle/>
+          <a:p>
+            <a:pPr lvl="0"/>
+            <a:r>
+              <a:rPr lang="en-GB" dirty="0" smtClean="0"/>
+              <a:t>Objective:</a:t>
+            </a:r>
+          </a:p>
+          <a:p>
+            <a:pPr lvl="1"/>
+            <a:r>
+              <a:rPr lang="en-GB" dirty="0" smtClean="0"/>
+              <a:t>Reduce </a:t>
+            </a:r>
+            <a:r>
               <a:rPr lang="en-GB" dirty="0"/>
-              <a:t>Definition</a:t>
-            </a:r>
-          </a:p>
-        </p:txBody>
-      </p:sp>
-      <p:sp>
-        <p:nvSpPr>
-          <p:cNvPr id="3" name="Inhaltsplatzhalter 2"/>
-          <p:cNvSpPr>
-            <a:spLocks noGrp="1"/>
-          </p:cNvSpPr>
-          <p:nvPr>
-            <p:ph idx="1"/>
-          </p:nvPr>
-        </p:nvSpPr>
-        <p:spPr/>
-        <p:txBody>
-          <a:bodyPr/>
-          <a:lstStyle/>
-          <a:p>
-            <a:pPr lvl="0"/>
+              <a:t>dimensionality of pattern </a:t>
+            </a:r>
+            <a:r>
+              <a:rPr lang="en-GB" dirty="0" smtClean="0"/>
+              <a:t>space</a:t>
+            </a:r>
+          </a:p>
+          <a:p>
+            <a:pPr lvl="1"/>
+            <a:r>
+              <a:rPr lang="en-GB" dirty="0" smtClean="0"/>
+              <a:t>Maintain </a:t>
+            </a:r>
             <a:r>
               <a:rPr lang="en-GB" dirty="0"/>
-              <a:t>Objective:</a:t>
-            </a:r>
-          </a:p>
-          <a:p>
-            <a:pPr lvl="1"/>
+              <a:t>discriminator </a:t>
+            </a:r>
+            <a:r>
+              <a:rPr lang="en-GB" dirty="0" smtClean="0"/>
+              <a:t>power</a:t>
+            </a:r>
+            <a:endParaRPr lang="en-GB" dirty="0"/>
+          </a:p>
+          <a:p>
+            <a:r>
+              <a:rPr lang="en-GB" dirty="0" smtClean="0"/>
+              <a:t>By: 	David </a:t>
+            </a:r>
             <a:r>
               <a:rPr lang="en-GB" dirty="0"/>
-              <a:t>Reduce dimensionality of pattern space</a:t>
-            </a:r>
-          </a:p>
-          <a:p>
-            <a:pPr lvl="1"/>
+              <a:t>J. Hurley, </a:t>
+            </a:r>
+            <a:r>
+              <a:rPr lang="en-GB" dirty="0" smtClean="0"/>
+              <a:t/>
+            </a:r>
+            <a:br>
+              <a:rPr lang="en-GB" dirty="0" smtClean="0"/>
+            </a:br>
+            <a:r>
+              <a:rPr lang="en-GB" dirty="0" smtClean="0"/>
+              <a:t>	Mark </a:t>
+            </a:r>
             <a:r>
               <a:rPr lang="en-GB" dirty="0"/>
-              <a:t>Maintain discriminator power</a:t>
-            </a:r>
-          </a:p>
-          <a:p>
+              <a:t>S. </a:t>
+            </a:r>
+            <a:r>
+              <a:rPr lang="en-GB" dirty="0" smtClean="0"/>
+              <a:t>Nixon &amp; </a:t>
+            </a:r>
             <a:r>
               <a:rPr lang="en-GB" dirty="0"/>
-              <a:t>By: 	David J. Hurley, </a:t>
-            </a:r>
-            <a:br>
-              <a:rPr lang="en-GB" dirty="0"/>
-            </a:br>
-            <a:r>
-              <a:rPr lang="en-GB" dirty="0"/>
-              <a:t>	Mark S. Nixon &amp; John N. Carter</a:t>
-            </a:r>
-          </a:p>
-          <a:p>
-            <a:r>
-              <a:rPr lang="en-GB" dirty="0"/>
+              <a:t>John N. Carter</a:t>
+            </a:r>
+          </a:p>
+          <a:p>
+            <a:r>
+              <a:rPr lang="en-GB" dirty="0" smtClean="0"/>
               <a:t>Domain: Ear &amp; face recognition</a:t>
             </a:r>
-          </a:p>
-          <a:p>
             <a:endParaRPr lang="en-GB" dirty="0"/>
           </a:p>
+          <a:p>
+            <a:endParaRPr lang="en-GB" dirty="0"/>
+          </a:p>
         </p:txBody>
       </p:sp>
       <p:sp>
@@ -5028,7 +7562,7 @@
           <a:lstStyle/>
           <a:p>
             <a:r>
-              <a:rPr lang="en-US"/>
+              <a:rPr lang="en-US" smtClean="0"/>
               <a:t>Ganiyu Ibraheem  Philipp Seybold</a:t>
             </a:r>
             <a:endParaRPr lang="en-GB" dirty="0"/>
@@ -5051,9 +7585,10 @@
           <a:lstStyle/>
           <a:p>
             <a:r>
-              <a:rPr lang="en-GB"/>
+              <a:rPr lang="en-GB" smtClean="0"/>
               <a:t>COMP6206 Advanced Computer Vision</a:t>
             </a:r>
+            <a:endParaRPr lang="en-GB"/>
           </a:p>
         </p:txBody>
       </p:sp>
@@ -5090,6 +7625,13 @@
   <p:clrMapOvr>
     <a:masterClrMapping/>
   </p:clrMapOvr>
+  <p:timing>
+    <p:tnLst>
+      <p:par>
+        <p:cTn id="1" dur="indefinite" restart="never" nodeType="tmRoot"/>
+      </p:par>
+    </p:tnLst>
+  </p:timing>
 </p:sld>
 </file>
 
@@ -5163,7 +7705,7 @@
               <a:buAutoNum type="arabicPeriod"/>
             </a:pPr>
             <a:r>
-              <a:rPr lang="en-GB" dirty="0"/>
+              <a:rPr lang="en-GB" dirty="0" smtClean="0"/>
               <a:t>Pixel by Pixel</a:t>
             </a:r>
           </a:p>
@@ -5173,15 +7715,24 @@
               <a:buAutoNum type="arabicPeriod"/>
             </a:pPr>
             <a:r>
+              <a:rPr lang="en-GB" dirty="0" smtClean="0"/>
+              <a:t>Frequency </a:t>
+            </a:r>
+            <a:r>
               <a:rPr lang="en-GB" dirty="0"/>
-              <a:t>Frequency Domain Analysis</a:t>
-            </a:r>
-          </a:p>
-          <a:p>
-            <a:r>
-              <a:rPr lang="en-GB" dirty="0"/>
+              <a:t>Domain </a:t>
+            </a:r>
+            <a:r>
+              <a:rPr lang="en-GB" dirty="0" smtClean="0"/>
+              <a:t>Analysis</a:t>
+            </a:r>
+          </a:p>
+          <a:p>
+            <a:r>
+              <a:rPr lang="en-GB" dirty="0" smtClean="0"/>
               <a:t>Steps:</a:t>
             </a:r>
+            <a:endParaRPr lang="en-GB" dirty="0"/>
           </a:p>
           <a:p>
             <a:pPr marL="914400" lvl="1" indent="-457200">
@@ -5199,9 +7750,18 @@
               <a:buAutoNum type="arabicPeriod"/>
             </a:pPr>
             <a:r>
+              <a:rPr lang="en-GB" dirty="0" smtClean="0"/>
+              <a:t>potential </a:t>
+            </a:r>
+            <a:r>
               <a:rPr lang="en-GB" dirty="0"/>
-              <a:t>potential well and channel extraction</a:t>
-            </a:r>
+              <a:t>well and channel </a:t>
+            </a:r>
+            <a:r>
+              <a:rPr lang="en-GB" dirty="0" smtClean="0"/>
+              <a:t>extraction</a:t>
+            </a:r>
+            <a:endParaRPr lang="en-GB" dirty="0"/>
           </a:p>
         </p:txBody>
       </p:sp>
@@ -5221,7 +7781,7 @@
           <a:lstStyle/>
           <a:p>
             <a:r>
-              <a:rPr lang="en-US"/>
+              <a:rPr lang="en-US" smtClean="0"/>
               <a:t>Ganiyu Ibraheem  Philipp Seybold</a:t>
             </a:r>
             <a:endParaRPr lang="en-GB" dirty="0"/>
@@ -5244,9 +7804,10 @@
           <a:lstStyle/>
           <a:p>
             <a:r>
-              <a:rPr lang="en-GB"/>
+              <a:rPr lang="en-GB" smtClean="0"/>
               <a:t>COMP6206 Advanced Computer Vision</a:t>
             </a:r>
+            <a:endParaRPr lang="en-GB"/>
           </a:p>
         </p:txBody>
       </p:sp>
@@ -5283,6 +7844,13 @@
   <p:clrMapOvr>
     <a:masterClrMapping/>
   </p:clrMapOvr>
+  <p:timing>
+    <p:tnLst>
+      <p:par>
+        <p:cTn id="1" dur="indefinite" restart="never" nodeType="tmRoot"/>
+      </p:par>
+    </p:tnLst>
+  </p:timing>
 </p:sld>
 </file>
 
@@ -5327,43 +7895,188 @@
           </a:p>
         </p:txBody>
       </p:sp>
-      <p:sp>
-        <p:nvSpPr>
-          <p:cNvPr id="3" name="Inhaltsplatzhalter 2"/>
-          <p:cNvSpPr>
-            <a:spLocks noGrp="1"/>
-          </p:cNvSpPr>
-          <p:nvPr>
-            <p:ph idx="1"/>
-          </p:nvPr>
-        </p:nvSpPr>
-        <p:spPr>
-          <a:xfrm>
-            <a:off x="628650" y="1018573"/>
-            <a:ext cx="7886700" cy="1331088"/>
-          </a:xfrm>
-        </p:spPr>
-        <p:txBody>
-          <a:bodyPr>
-            <a:normAutofit/>
-          </a:bodyPr>
-          <a:lstStyle/>
-          <a:p>
-            <a:pPr lvl="0"/>
-            <a:r>
-              <a:rPr lang="en-GB" dirty="0"/>
-              <a:t>Assumption: </a:t>
-            </a:r>
-            <a:br>
-              <a:rPr lang="en-GB" dirty="0"/>
-            </a:br>
-            <a:r>
-              <a:rPr lang="en-GB" dirty="0"/>
-              <a:t>Each pixel exerts an isotropic force proportional to its intensity</a:t>
-            </a:r>
-          </a:p>
-        </p:txBody>
-      </p:sp>
+      <mc:AlternateContent xmlns:mc="http://schemas.openxmlformats.org/markup-compatibility/2006" xmlns:a14="http://schemas.microsoft.com/office/drawing/2010/main">
+        <mc:Choice Requires="a14">
+          <p:sp>
+            <p:nvSpPr>
+              <p:cNvPr id="3" name="Inhaltsplatzhalter 2"/>
+              <p:cNvSpPr>
+                <a:spLocks noGrp="1"/>
+              </p:cNvSpPr>
+              <p:nvPr>
+                <p:ph idx="1"/>
+              </p:nvPr>
+            </p:nvSpPr>
+            <p:spPr>
+              <a:xfrm>
+                <a:off x="628650" y="1018573"/>
+                <a:ext cx="7886700" cy="1331088"/>
+              </a:xfrm>
+            </p:spPr>
+            <p:txBody>
+              <a:bodyPr>
+                <a:normAutofit/>
+              </a:bodyPr>
+              <a:lstStyle/>
+              <a:p>
+                <a:pPr lvl="0"/>
+                <a:r>
+                  <a:rPr lang="en-GB" dirty="0" smtClean="0"/>
+                  <a:t>Assumption: </a:t>
+                </a:r>
+                <a:br>
+                  <a:rPr lang="en-GB" dirty="0" smtClean="0"/>
+                </a:br>
+                <a:r>
+                  <a:rPr lang="en-GB" dirty="0" smtClean="0"/>
+                  <a:t>Each </a:t>
+                </a:r>
+                <a:r>
+                  <a:rPr lang="en-GB" dirty="0"/>
+                  <a:t>pixel </a:t>
+                </a:r>
+                <a14:m>
+                  <m:oMath xmlns:m="http://schemas.openxmlformats.org/officeDocument/2006/math">
+                    <m:sSub>
+                      <m:sSubPr>
+                        <m:ctrlPr>
+                          <a:rPr lang="en-GB" b="0" i="1" smtClean="0">
+                            <a:latin typeface="Cambria Math" panose="02040503050406030204" pitchFamily="18" charset="0"/>
+                          </a:rPr>
+                        </m:ctrlPr>
+                      </m:sSubPr>
+                      <m:e>
+                        <m:r>
+                          <a:rPr lang="en-GB" b="0" i="1" smtClean="0">
+                            <a:latin typeface="Cambria Math" panose="02040503050406030204" pitchFamily="18" charset="0"/>
+                          </a:rPr>
+                          <m:t>𝑟</m:t>
+                        </m:r>
+                      </m:e>
+                      <m:sub>
+                        <m:r>
+                          <a:rPr lang="en-GB" b="0" i="1" smtClean="0">
+                            <a:latin typeface="Cambria Math" panose="02040503050406030204" pitchFamily="18" charset="0"/>
+                          </a:rPr>
+                          <m:t>𝑖</m:t>
+                        </m:r>
+                      </m:sub>
+                    </m:sSub>
+                  </m:oMath>
+                </a14:m>
+                <a:r>
+                  <a:rPr lang="en-GB" dirty="0" smtClean="0"/>
+                  <a:t> exerts </a:t>
+                </a:r>
+                <a:r>
+                  <a:rPr lang="en-GB" dirty="0"/>
+                  <a:t>an isotropic force </a:t>
+                </a:r>
+                <a:r>
+                  <a:rPr lang="en-GB" dirty="0" smtClean="0"/>
+                  <a:t>proportional </a:t>
+                </a:r>
+                <a:r>
+                  <a:rPr lang="en-GB" dirty="0"/>
+                  <a:t>to </a:t>
+                </a:r>
+                <a:r>
+                  <a:rPr lang="en-GB" dirty="0" smtClean="0"/>
+                  <a:t>its intensity (brightness) </a:t>
+                </a:r>
+                <a14:m>
+                  <m:oMath xmlns:m="http://schemas.openxmlformats.org/officeDocument/2006/math">
+                    <m:r>
+                      <a:rPr lang="en-GB" b="0" i="1" smtClean="0">
+                        <a:latin typeface="Cambria Math" panose="02040503050406030204" pitchFamily="18" charset="0"/>
+                      </a:rPr>
+                      <m:t>𝑃</m:t>
+                    </m:r>
+                    <m:r>
+                      <a:rPr lang="en-GB" b="0" i="1" smtClean="0">
+                        <a:latin typeface="Cambria Math" panose="02040503050406030204" pitchFamily="18" charset="0"/>
+                      </a:rPr>
+                      <m:t>(</m:t>
+                    </m:r>
+                    <m:sSub>
+                      <m:sSubPr>
+                        <m:ctrlPr>
+                          <a:rPr lang="en-GB" b="0" i="1" smtClean="0">
+                            <a:latin typeface="Cambria Math" panose="02040503050406030204" pitchFamily="18" charset="0"/>
+                          </a:rPr>
+                        </m:ctrlPr>
+                      </m:sSubPr>
+                      <m:e>
+                        <m:r>
+                          <a:rPr lang="en-GB" b="0" i="1" smtClean="0">
+                            <a:latin typeface="Cambria Math" panose="02040503050406030204" pitchFamily="18" charset="0"/>
+                          </a:rPr>
+                          <m:t>𝑟</m:t>
+                        </m:r>
+                      </m:e>
+                      <m:sub>
+                        <m:r>
+                          <a:rPr lang="en-GB" b="0" i="1" smtClean="0">
+                            <a:latin typeface="Cambria Math" panose="02040503050406030204" pitchFamily="18" charset="0"/>
+                          </a:rPr>
+                          <m:t>𝑖</m:t>
+                        </m:r>
+                      </m:sub>
+                    </m:sSub>
+                    <m:r>
+                      <a:rPr lang="en-GB" b="0" i="1" smtClean="0">
+                        <a:latin typeface="Cambria Math" panose="02040503050406030204" pitchFamily="18" charset="0"/>
+                      </a:rPr>
+                      <m:t>)</m:t>
+                    </m:r>
+                  </m:oMath>
+                </a14:m>
+                <a:r>
+                  <a:rPr lang="en-GB" dirty="0" smtClean="0"/>
+                  <a:t> </a:t>
+                </a:r>
+              </a:p>
+            </p:txBody>
+          </p:sp>
+        </mc:Choice>
+        <mc:Fallback xmlns="">
+          <p:sp>
+            <p:nvSpPr>
+              <p:cNvPr id="3" name="Inhaltsplatzhalter 2"/>
+              <p:cNvSpPr>
+                <a:spLocks noGrp="1" noRot="1" noChangeAspect="1" noMove="1" noResize="1" noEditPoints="1" noAdjustHandles="1" noChangeArrowheads="1" noChangeShapeType="1" noTextEdit="1"/>
+              </p:cNvSpPr>
+              <p:nvPr>
+                <p:ph idx="1"/>
+              </p:nvPr>
+            </p:nvSpPr>
+            <p:spPr>
+              <a:xfrm>
+                <a:off x="628650" y="1018573"/>
+                <a:ext cx="7886700" cy="1331088"/>
+              </a:xfrm>
+              <a:blipFill>
+                <a:blip r:embed="rId3"/>
+                <a:stretch>
+                  <a:fillRect l="-1391" t="-7339" b="-6881"/>
+                </a:stretch>
+              </a:blipFill>
+            </p:spPr>
+            <p:txBody>
+              <a:bodyPr/>
+              <a:lstStyle/>
+              <a:p>
+                <a:r>
+                  <a:rPr lang="en-GB">
+                    <a:noFill/>
+                  </a:rPr>
+                  <a:t> </a:t>
+                </a:r>
+              </a:p>
+            </p:txBody>
+          </p:sp>
+        </mc:Fallback>
+      </mc:AlternateContent>
       <p:sp>
         <p:nvSpPr>
           <p:cNvPr id="4" name="Datumsplatzhalter 3"/>
@@ -5380,7 +8093,7 @@
           <a:lstStyle/>
           <a:p>
             <a:r>
-              <a:rPr lang="en-US"/>
+              <a:rPr lang="en-US" smtClean="0"/>
               <a:t>Ganiyu Ibraheem  Philipp Seybold</a:t>
             </a:r>
             <a:endParaRPr lang="en-GB" dirty="0"/>
@@ -5403,9 +8116,10 @@
           <a:lstStyle/>
           <a:p>
             <a:r>
-              <a:rPr lang="en-GB" dirty="0"/>
+              <a:rPr lang="en-GB" dirty="0" smtClean="0"/>
               <a:t>COMP6206 Advanced Computer Vision</a:t>
             </a:r>
+            <a:endParaRPr lang="en-GB" dirty="0"/>
           </a:p>
         </p:txBody>
       </p:sp>
@@ -5442,10 +8156,10 @@
         </p:nvGrpSpPr>
         <p:grpSpPr>
           <a:xfrm>
-            <a:off x="427450" y="2615880"/>
-            <a:ext cx="4144549" cy="3290314"/>
-            <a:chOff x="628649" y="2307887"/>
-            <a:chExt cx="4895851" cy="3886765"/>
+            <a:off x="427450" y="2523279"/>
+            <a:ext cx="4144549" cy="3463936"/>
+            <a:chOff x="628649" y="2389924"/>
+            <a:chExt cx="4895851" cy="4091857"/>
           </a:xfrm>
         </p:grpSpPr>
         <p:pic>
@@ -5457,7 +8171,7 @@
             <p:nvPr/>
           </p:nvPicPr>
           <p:blipFill rotWithShape="1">
-            <a:blip r:embed="rId3">
+            <a:blip r:embed="rId4">
               <a:extLst>
                 <a:ext uri="{28A0092B-C50C-407E-A947-70E740481C1C}">
                   <a14:useLocalDpi xmlns:a14="http://schemas.microsoft.com/office/drawing/2010/main" val="0"/>
@@ -5469,8 +8183,8 @@
           </p:blipFill>
           <p:spPr>
             <a:xfrm>
-              <a:off x="628650" y="2307887"/>
-              <a:ext cx="4895850" cy="3459439"/>
+              <a:off x="628650" y="2389924"/>
+              <a:ext cx="4895850" cy="3459438"/>
             </a:xfrm>
             <a:prstGeom prst="rect">
               <a:avLst/>
@@ -5485,8 +8199,8 @@
           </p:nvSpPr>
           <p:spPr>
             <a:xfrm>
-              <a:off x="628649" y="5794542"/>
-              <a:ext cx="4895851" cy="400110"/>
+              <a:off x="628649" y="6081672"/>
+              <a:ext cx="4895851" cy="400109"/>
             </a:xfrm>
             <a:prstGeom prst="rect">
               <a:avLst/>
@@ -5501,8 +8215,21 @@
               <a:pPr lvl="0" algn="ctr"/>
               <a:r>
                 <a:rPr lang="en-GB" sz="2000" dirty="0"/>
-                <a:t>Force field vectors of an electric field</a:t>
+                <a:t>Force field vectors </a:t>
               </a:r>
+              <a:r>
+                <a:rPr lang="en-GB" sz="2000" dirty="0" smtClean="0"/>
+                <a:t>of </a:t>
+              </a:r>
+              <a:r>
+                <a:rPr lang="en-GB" sz="2000" dirty="0"/>
+                <a:t>an electric </a:t>
+              </a:r>
+              <a:r>
+                <a:rPr lang="en-GB" sz="2000" dirty="0" smtClean="0"/>
+                <a:t>field</a:t>
+              </a:r>
+              <a:endParaRPr lang="en-GB" sz="2000" dirty="0"/>
             </a:p>
           </p:txBody>
         </p:sp>
@@ -5516,7 +8243,7 @@
           <p:nvPr/>
         </p:nvPicPr>
         <p:blipFill rotWithShape="1">
-          <a:blip r:embed="rId4">
+          <a:blip r:embed="rId5">
             <a:extLst>
               <a:ext uri="{28A0092B-C50C-407E-A947-70E740481C1C}">
                 <a14:useLocalDpi xmlns:a14="http://schemas.microsoft.com/office/drawing/2010/main" val="0"/>
@@ -5528,7 +8255,7 @@
         </p:blipFill>
         <p:spPr>
           <a:xfrm>
-            <a:off x="4571998" y="2225341"/>
+            <a:off x="4571998" y="2167466"/>
             <a:ext cx="4361235" cy="2144963"/>
           </a:xfrm>
           <a:prstGeom prst="rect">
@@ -5544,7 +8271,7 @@
         </p:nvSpPr>
         <p:spPr>
           <a:xfrm>
-            <a:off x="4571998" y="5565702"/>
+            <a:off x="4571997" y="5648505"/>
             <a:ext cx="4361236" cy="400110"/>
           </a:xfrm>
           <a:prstGeom prst="rect">
@@ -5560,8 +8287,13 @@
             <a:pPr algn="ctr"/>
             <a:r>
               <a:rPr lang="en-GB" sz="2000" dirty="0"/>
-              <a:t>Newton's law of gravitation</a:t>
-            </a:r>
+              <a:t>Newton's law of </a:t>
+            </a:r>
+            <a:r>
+              <a:rPr lang="en-GB" sz="2000" dirty="0" smtClean="0"/>
+              <a:t>gravitation</a:t>
+            </a:r>
+            <a:endParaRPr lang="en-GB" sz="2000" dirty="0"/>
           </a:p>
         </p:txBody>
       </p:sp>
@@ -5575,8 +8307,8 @@
             </p:nvSpPr>
             <p:spPr>
               <a:xfrm>
-                <a:off x="5168348" y="4293824"/>
-                <a:ext cx="3346999" cy="1327158"/>
+                <a:off x="5168348" y="4178076"/>
+                <a:ext cx="3346999" cy="1506438"/>
               </a:xfrm>
               <a:prstGeom prst="rect">
                 <a:avLst/>
@@ -5599,14 +8331,14 @@
                       <m:sSub>
                         <m:sSubPr>
                           <m:ctrlPr>
-                            <a:rPr lang="en-GB" sz="2000" b="0" i="1" smtClean="0">
+                            <a:rPr lang="en-GB" sz="2400" b="0" i="1" smtClean="0">
                               <a:latin typeface="Cambria Math" panose="02040503050406030204" pitchFamily="18" charset="0"/>
                             </a:rPr>
                           </m:ctrlPr>
                         </m:sSubPr>
                         <m:e>
                           <m:r>
-                            <a:rPr lang="en-GB" sz="2000" b="0" i="1" smtClean="0">
+                            <a:rPr lang="en-GB" sz="2400" b="0" i="1" smtClean="0">
                               <a:latin typeface="Cambria Math" panose="02040503050406030204" pitchFamily="18" charset="0"/>
                             </a:rPr>
                             <m:t>𝐹</m:t>
@@ -5614,7 +8346,7 @@
                         </m:e>
                         <m:sub>
                           <m:r>
-                            <a:rPr lang="en-GB" sz="2000" b="0" i="1" smtClean="0">
+                            <a:rPr lang="en-GB" sz="2400" b="0" i="1" smtClean="0">
                               <a:latin typeface="Cambria Math" panose="02040503050406030204" pitchFamily="18" charset="0"/>
                             </a:rPr>
                             <m:t>1</m:t>
@@ -5622,7 +8354,7 @@
                         </m:sub>
                       </m:sSub>
                       <m:r>
-                        <a:rPr lang="en-GB" sz="2000" b="0" i="1" smtClean="0">
+                        <a:rPr lang="en-GB" sz="2400" b="0" i="1" smtClean="0">
                           <a:latin typeface="Cambria Math" panose="02040503050406030204" pitchFamily="18" charset="0"/>
                         </a:rPr>
                         <m:t>=</m:t>
@@ -5630,14 +8362,14 @@
                       <m:sSub>
                         <m:sSubPr>
                           <m:ctrlPr>
-                            <a:rPr lang="en-GB" sz="2000" b="0" i="1" smtClean="0">
+                            <a:rPr lang="en-GB" sz="2400" b="0" i="1" smtClean="0">
                               <a:latin typeface="Cambria Math" panose="02040503050406030204" pitchFamily="18" charset="0"/>
                             </a:rPr>
                           </m:ctrlPr>
                         </m:sSubPr>
                         <m:e>
                           <m:r>
-                            <a:rPr lang="en-GB" sz="2000" b="0" i="1" smtClean="0">
+                            <a:rPr lang="en-GB" sz="2400" b="0" i="1" smtClean="0">
                               <a:latin typeface="Cambria Math" panose="02040503050406030204" pitchFamily="18" charset="0"/>
                             </a:rPr>
                             <m:t>𝐹</m:t>
@@ -5645,7 +8377,7 @@
                         </m:e>
                         <m:sub>
                           <m:r>
-                            <a:rPr lang="en-GB" sz="2000" b="0" i="1" smtClean="0">
+                            <a:rPr lang="en-GB" sz="2400" b="0" i="1" smtClean="0">
                               <a:latin typeface="Cambria Math" panose="02040503050406030204" pitchFamily="18" charset="0"/>
                             </a:rPr>
                             <m:t>2</m:t>
@@ -5653,13 +8385,13 @@
                         </m:sub>
                       </m:sSub>
                       <m:r>
-                        <a:rPr lang="en-GB" sz="2000" b="0" i="1" smtClean="0">
+                        <a:rPr lang="en-GB" sz="2400" b="0" i="1" smtClean="0">
                           <a:latin typeface="Cambria Math" panose="02040503050406030204" pitchFamily="18" charset="0"/>
                         </a:rPr>
                         <m:t>=</m:t>
                       </m:r>
                       <m:r>
-                        <a:rPr lang="en-GB" sz="2000" b="0" i="1" smtClean="0">
+                        <a:rPr lang="en-GB" sz="2400" b="0" i="1" smtClean="0">
                           <a:latin typeface="Cambria Math" panose="02040503050406030204" pitchFamily="18" charset="0"/>
                         </a:rPr>
                         <m:t>𝐺</m:t>
@@ -5667,7 +8399,7 @@
                       <m:f>
                         <m:fPr>
                           <m:ctrlPr>
-                            <a:rPr lang="en-GB" sz="2000" b="0" i="1" smtClean="0">
+                            <a:rPr lang="en-GB" sz="2400" b="0" i="1" smtClean="0">
                               <a:latin typeface="Cambria Math" panose="02040503050406030204" pitchFamily="18" charset="0"/>
                             </a:rPr>
                           </m:ctrlPr>
@@ -5676,14 +8408,14 @@
                           <m:sSub>
                             <m:sSubPr>
                               <m:ctrlPr>
-                                <a:rPr lang="en-GB" sz="2000" b="0" i="1" smtClean="0">
+                                <a:rPr lang="en-GB" sz="2400" b="0" i="1" smtClean="0">
                                   <a:latin typeface="Cambria Math" panose="02040503050406030204" pitchFamily="18" charset="0"/>
                                 </a:rPr>
                               </m:ctrlPr>
                             </m:sSubPr>
                             <m:e>
                               <m:r>
-                                <a:rPr lang="en-GB" sz="2000" b="0" i="1" smtClean="0">
+                                <a:rPr lang="en-GB" sz="2400" b="0" i="1" smtClean="0">
                                   <a:latin typeface="Cambria Math" panose="02040503050406030204" pitchFamily="18" charset="0"/>
                                 </a:rPr>
                                 <m:t>𝑚</m:t>
@@ -5691,7 +8423,7 @@
                             </m:e>
                             <m:sub>
                               <m:r>
-                                <a:rPr lang="en-GB" sz="2000" b="0" i="1" smtClean="0">
+                                <a:rPr lang="en-GB" sz="2400" b="0" i="1" smtClean="0">
                                   <a:latin typeface="Cambria Math" panose="02040503050406030204" pitchFamily="18" charset="0"/>
                                 </a:rPr>
                                 <m:t>1</m:t>
@@ -5699,7 +8431,7 @@
                             </m:sub>
                           </m:sSub>
                           <m:r>
-                            <a:rPr lang="en-GB" sz="2000" b="0" i="1" smtClean="0">
+                            <a:rPr lang="en-GB" sz="2400" b="0" i="1" smtClean="0">
                               <a:latin typeface="Cambria Math" panose="02040503050406030204" pitchFamily="18" charset="0"/>
                             </a:rPr>
                             <m:t>⋅</m:t>
@@ -5707,14 +8439,14 @@
                           <m:sSub>
                             <m:sSubPr>
                               <m:ctrlPr>
-                                <a:rPr lang="en-GB" sz="2000" b="0" i="1" smtClean="0">
+                                <a:rPr lang="en-GB" sz="2400" b="0" i="1" smtClean="0">
                                   <a:latin typeface="Cambria Math" panose="02040503050406030204" pitchFamily="18" charset="0"/>
                                 </a:rPr>
                               </m:ctrlPr>
                             </m:sSubPr>
                             <m:e>
                               <m:r>
-                                <a:rPr lang="en-GB" sz="2000" b="0" i="1" smtClean="0">
+                                <a:rPr lang="en-GB" sz="2400" b="0" i="1" smtClean="0">
                                   <a:latin typeface="Cambria Math" panose="02040503050406030204" pitchFamily="18" charset="0"/>
                                 </a:rPr>
                                 <m:t>𝑚</m:t>
@@ -5722,7 +8454,7 @@
                             </m:e>
                             <m:sub>
                               <m:r>
-                                <a:rPr lang="en-GB" sz="2000" b="0" i="1" smtClean="0">
+                                <a:rPr lang="en-GB" sz="2400" b="0" i="1" smtClean="0">
                                   <a:latin typeface="Cambria Math" panose="02040503050406030204" pitchFamily="18" charset="0"/>
                                 </a:rPr>
                                 <m:t>2</m:t>
@@ -5734,14 +8466,14 @@
                           <m:sSup>
                             <m:sSupPr>
                               <m:ctrlPr>
-                                <a:rPr lang="en-GB" sz="2000" b="0" i="1" smtClean="0">
+                                <a:rPr lang="en-GB" sz="2400" b="0" i="1" smtClean="0">
                                   <a:latin typeface="Cambria Math" panose="02040503050406030204" pitchFamily="18" charset="0"/>
                                 </a:rPr>
                               </m:ctrlPr>
                             </m:sSupPr>
                             <m:e>
                               <m:r>
-                                <a:rPr lang="en-GB" sz="2000" b="0" i="1" smtClean="0">
+                                <a:rPr lang="en-GB" sz="2400" b="0" i="1" smtClean="0">
                                   <a:latin typeface="Cambria Math" panose="02040503050406030204" pitchFamily="18" charset="0"/>
                                 </a:rPr>
                                 <m:t>𝑟</m:t>
@@ -5749,7 +8481,7 @@
                             </m:e>
                             <m:sup>
                               <m:r>
-                                <a:rPr lang="en-GB" sz="2000" b="0" i="1" smtClean="0">
+                                <a:rPr lang="en-GB" sz="2400" b="0" i="1" smtClean="0">
                                   <a:latin typeface="Cambria Math" panose="02040503050406030204" pitchFamily="18" charset="0"/>
                                 </a:rPr>
                                 <m:t>2</m:t>
@@ -5761,19 +8493,25 @@
                     </m:oMath>
                   </m:oMathPara>
                 </a14:m>
-                <a:endParaRPr lang="en-GB" sz="2000" b="0" i="1" dirty="0">
+                <a:endParaRPr lang="en-GB" sz="2400" b="0" i="1" dirty="0" smtClean="0">
                   <a:latin typeface="Cambria Math" panose="02040503050406030204" pitchFamily="18" charset="0"/>
                 </a:endParaRPr>
               </a:p>
               <a:p>
                 <a:pPr algn="ctr"/>
                 <a:r>
-                  <a:rPr lang="en-GB" sz="900" i="1" dirty="0">
+                  <a:rPr lang="en-GB" sz="1000" i="1" dirty="0">
                     <a:latin typeface="Cambria Math" panose="02040503050406030204" pitchFamily="18" charset="0"/>
                   </a:rPr>
-                  <a:t>  </a:t>
+                  <a:t> </a:t>
                 </a:r>
-                <a:endParaRPr lang="en-GB" sz="800" b="0" i="1" dirty="0">
+                <a:r>
+                  <a:rPr lang="en-GB" sz="1000" i="1" dirty="0" smtClean="0">
+                    <a:latin typeface="Cambria Math" panose="02040503050406030204" pitchFamily="18" charset="0"/>
+                  </a:rPr>
+                  <a:t> </a:t>
+                </a:r>
+                <a:endParaRPr lang="en-GB" sz="900" b="0" i="1" dirty="0" smtClean="0">
                   <a:latin typeface="Cambria Math" panose="02040503050406030204" pitchFamily="18" charset="0"/>
                 </a:endParaRPr>
               </a:p>
@@ -5786,19 +8524,19 @@
                     </m:oMathParaPr>
                     <m:oMath xmlns:m="http://schemas.openxmlformats.org/officeDocument/2006/math">
                       <m:r>
-                        <a:rPr lang="en-GB" sz="2000" i="1" dirty="0" smtClean="0">
+                        <a:rPr lang="en-GB" sz="2400" i="1" dirty="0" smtClean="0">
                           <a:latin typeface="Cambria Math" panose="02040503050406030204" pitchFamily="18" charset="0"/>
                         </a:rPr>
                         <m:t>𝐸</m:t>
                       </m:r>
                       <m:r>
-                        <a:rPr lang="en-GB" sz="2000" i="1" dirty="0" smtClean="0">
+                        <a:rPr lang="en-GB" sz="2400" i="1" dirty="0" smtClean="0">
                           <a:latin typeface="Cambria Math" panose="02040503050406030204" pitchFamily="18" charset="0"/>
                         </a:rPr>
                         <m:t> = </m:t>
                       </m:r>
                       <m:r>
-                        <a:rPr lang="en-GB" sz="2000" i="1">
+                        <a:rPr lang="en-GB" sz="2400" i="1">
                           <a:latin typeface="Cambria Math" panose="02040503050406030204" pitchFamily="18" charset="0"/>
                         </a:rPr>
                         <m:t>𝐺</m:t>
@@ -5806,7 +8544,7 @@
                       <m:f>
                         <m:fPr>
                           <m:ctrlPr>
-                            <a:rPr lang="en-GB" sz="2000" i="1">
+                            <a:rPr lang="en-GB" sz="2400" i="1">
                               <a:latin typeface="Cambria Math" panose="02040503050406030204" pitchFamily="18" charset="0"/>
                             </a:rPr>
                           </m:ctrlPr>
@@ -5815,14 +8553,14 @@
                           <m:sSub>
                             <m:sSubPr>
                               <m:ctrlPr>
-                                <a:rPr lang="en-GB" sz="2000" i="1">
+                                <a:rPr lang="en-GB" sz="2400" i="1">
                                   <a:latin typeface="Cambria Math" panose="02040503050406030204" pitchFamily="18" charset="0"/>
                                 </a:rPr>
                               </m:ctrlPr>
                             </m:sSubPr>
                             <m:e>
                               <m:r>
-                                <a:rPr lang="en-GB" sz="2000" i="1">
+                                <a:rPr lang="en-GB" sz="2400" i="1">
                                   <a:latin typeface="Cambria Math" panose="02040503050406030204" pitchFamily="18" charset="0"/>
                                 </a:rPr>
                                 <m:t>𝑚</m:t>
@@ -5830,7 +8568,7 @@
                             </m:e>
                             <m:sub>
                               <m:r>
-                                <a:rPr lang="en-GB" sz="2000" i="1">
+                                <a:rPr lang="en-GB" sz="2400" i="1">
                                   <a:latin typeface="Cambria Math" panose="02040503050406030204" pitchFamily="18" charset="0"/>
                                 </a:rPr>
                                 <m:t>1</m:t>
@@ -5838,7 +8576,7 @@
                             </m:sub>
                           </m:sSub>
                           <m:r>
-                            <a:rPr lang="en-GB" sz="2000" i="1">
+                            <a:rPr lang="en-GB" sz="2400" i="1">
                               <a:latin typeface="Cambria Math" panose="02040503050406030204" pitchFamily="18" charset="0"/>
                             </a:rPr>
                             <m:t>⋅</m:t>
@@ -5846,14 +8584,14 @@
                           <m:sSub>
                             <m:sSubPr>
                               <m:ctrlPr>
-                                <a:rPr lang="en-GB" sz="2000" i="1">
+                                <a:rPr lang="en-GB" sz="2400" i="1">
                                   <a:latin typeface="Cambria Math" panose="02040503050406030204" pitchFamily="18" charset="0"/>
                                 </a:rPr>
                               </m:ctrlPr>
                             </m:sSubPr>
                             <m:e>
                               <m:r>
-                                <a:rPr lang="en-GB" sz="2000" i="1">
+                                <a:rPr lang="en-GB" sz="2400" i="1">
                                   <a:latin typeface="Cambria Math" panose="02040503050406030204" pitchFamily="18" charset="0"/>
                                 </a:rPr>
                                 <m:t>𝑚</m:t>
@@ -5861,7 +8599,7 @@
                             </m:e>
                             <m:sub>
                               <m:r>
-                                <a:rPr lang="en-GB" sz="2000" i="1">
+                                <a:rPr lang="en-GB" sz="2400" i="1">
                                   <a:latin typeface="Cambria Math" panose="02040503050406030204" pitchFamily="18" charset="0"/>
                                 </a:rPr>
                                 <m:t>2</m:t>
@@ -5871,7 +8609,7 @@
                         </m:num>
                         <m:den>
                           <m:r>
-                            <a:rPr lang="en-GB" sz="2000" b="0" i="1" smtClean="0">
+                            <a:rPr lang="en-GB" sz="2400" b="0" i="1" smtClean="0">
                               <a:latin typeface="Cambria Math" panose="02040503050406030204" pitchFamily="18" charset="0"/>
                             </a:rPr>
                             <m:t>𝑟</m:t>
@@ -5897,14 +8635,14 @@
             </p:nvSpPr>
             <p:spPr>
               <a:xfrm>
-                <a:off x="5168348" y="4293824"/>
-                <a:ext cx="3346999" cy="1327158"/>
+                <a:off x="5168348" y="4178076"/>
+                <a:ext cx="3346999" cy="1506438"/>
               </a:xfrm>
               <a:prstGeom prst="rect">
                 <a:avLst/>
               </a:prstGeom>
               <a:blipFill>
-                <a:blip r:embed="rId5"/>
+                <a:blip r:embed="rId6"/>
                 <a:stretch>
                   <a:fillRect/>
                 </a:stretch>
@@ -5925,6 +8663,40 @@
           </p:sp>
         </mc:Fallback>
       </mc:AlternateContent>
+      <p:sp>
+        <p:nvSpPr>
+          <p:cNvPr id="13" name="Rechteck 12"/>
+          <p:cNvSpPr/>
+          <p:nvPr/>
+        </p:nvSpPr>
+        <p:spPr>
+          <a:xfrm>
+            <a:off x="-391591" y="5987215"/>
+            <a:ext cx="4144549" cy="307777"/>
+          </a:xfrm>
+          <a:prstGeom prst="rect">
+            <a:avLst/>
+          </a:prstGeom>
+        </p:spPr>
+        <p:txBody>
+          <a:bodyPr wrap="square">
+            <a:spAutoFit/>
+          </a:bodyPr>
+          <a:lstStyle/>
+          <a:p>
+            <a:pPr lvl="0" algn="ctr"/>
+            <a:r>
+              <a:rPr lang="en-GB" sz="1400" dirty="0" smtClean="0"/>
+              <a:t>Images s</a:t>
+            </a:r>
+            <a:r>
+              <a:rPr lang="en-GB" sz="1400" dirty="0" smtClean="0"/>
+              <a:t>ource: wikipedia.org</a:t>
+            </a:r>
+            <a:endParaRPr lang="en-GB" sz="1400" dirty="0"/>
+          </a:p>
+        </p:txBody>
+      </p:sp>
     </p:spTree>
     <p:extLst>
       <p:ext uri="{BB962C8B-B14F-4D97-AF65-F5344CB8AC3E}">
@@ -5935,6 +8707,13 @@
   <p:clrMapOvr>
     <a:masterClrMapping/>
   </p:clrMapOvr>
+  <p:timing>
+    <p:tnLst>
+      <p:par>
+        <p:cTn id="1" dur="indefinite" restart="never" nodeType="tmRoot"/>
+      </p:par>
+    </p:tnLst>
+  </p:timing>
 </p:sld>
 </file>
 
@@ -5995,7 +8774,7 @@
           <a:lstStyle/>
           <a:p>
             <a:r>
-              <a:rPr lang="en-US"/>
+              <a:rPr lang="en-US" smtClean="0"/>
               <a:t>Ganiyu Ibraheem  Philipp Seybold</a:t>
             </a:r>
             <a:endParaRPr lang="en-GB" dirty="0"/>
@@ -6018,9 +8797,10 @@
           <a:lstStyle/>
           <a:p>
             <a:r>
-              <a:rPr lang="en-GB" dirty="0"/>
+              <a:rPr lang="en-GB" dirty="0" smtClean="0"/>
               <a:t>COMP6206 Advanced Computer Vision</a:t>
             </a:r>
+            <a:endParaRPr lang="en-GB" dirty="0"/>
           </a:p>
         </p:txBody>
       </p:sp>
@@ -6047,36 +8827,6 @@
           </a:p>
         </p:txBody>
       </p:sp>
-      <p:pic>
-        <p:nvPicPr>
-          <p:cNvPr id="14" name="Grafik 13"/>
-          <p:cNvPicPr>
-            <a:picLocks noChangeAspect="1"/>
-          </p:cNvPicPr>
-          <p:nvPr/>
-        </p:nvPicPr>
-        <p:blipFill>
-          <a:blip r:embed="rId3" cstate="print">
-            <a:extLst>
-              <a:ext uri="{28A0092B-C50C-407E-A947-70E740481C1C}">
-                <a14:useLocalDpi xmlns:a14="http://schemas.microsoft.com/office/drawing/2010/main" val="0"/>
-              </a:ext>
-            </a:extLst>
-          </a:blip>
-          <a:stretch>
-            <a:fillRect/>
-          </a:stretch>
-        </p:blipFill>
-        <p:spPr>
-          <a:xfrm>
-            <a:off x="2004584" y="795130"/>
-            <a:ext cx="5134832" cy="2992326"/>
-          </a:xfrm>
-          <a:prstGeom prst="rect">
-            <a:avLst/>
-          </a:prstGeom>
-        </p:spPr>
-      </p:pic>
       <mc:AlternateContent xmlns:mc="http://schemas.openxmlformats.org/markup-compatibility/2006" xmlns:a14="http://schemas.microsoft.com/office/drawing/2010/main">
         <mc:Choice Requires="a14">
           <p:sp>
@@ -6087,8 +8837,8 @@
             </p:nvSpPr>
             <p:spPr>
               <a:xfrm>
-                <a:off x="628650" y="3830232"/>
-                <a:ext cx="7886700" cy="1293239"/>
+                <a:off x="324091" y="4531358"/>
+                <a:ext cx="8414795" cy="1565172"/>
               </a:xfrm>
               <a:prstGeom prst="rect">
                 <a:avLst/>
@@ -6101,383 +8851,1164 @@
               </a:bodyPr>
               <a:lstStyle/>
               <a:p>
-                <a:pPr algn="ctr"/>
                 <a14:m>
-                  <m:oMathPara xmlns:m="http://schemas.openxmlformats.org/officeDocument/2006/math">
-                    <m:oMathParaPr>
-                      <m:jc m:val="centerGroup"/>
-                    </m:oMathParaPr>
-                    <m:oMath xmlns:m="http://schemas.openxmlformats.org/officeDocument/2006/math">
-                      <m:sSub>
-                        <m:sSubPr>
-                          <m:ctrlPr>
-                            <a:rPr lang="en-GB" sz="2000" b="0" i="1" smtClean="0">
-                              <a:latin typeface="Cambria Math" panose="02040503050406030204" pitchFamily="18" charset="0"/>
-                            </a:rPr>
-                          </m:ctrlPr>
-                        </m:sSubPr>
-                        <m:e>
-                          <m:r>
-                            <a:rPr lang="en-GB" sz="2000" b="0" i="1" smtClean="0">
-                              <a:latin typeface="Cambria Math" panose="02040503050406030204" pitchFamily="18" charset="0"/>
-                            </a:rPr>
-                            <m:t>𝐹</m:t>
-                          </m:r>
-                        </m:e>
-                        <m:sub>
-                          <m:r>
-                            <a:rPr lang="en-GB" sz="2000" b="0" i="1" smtClean="0">
-                              <a:latin typeface="Cambria Math" panose="02040503050406030204" pitchFamily="18" charset="0"/>
-                            </a:rPr>
-                            <m:t>𝑖</m:t>
-                          </m:r>
-                        </m:sub>
-                      </m:sSub>
-                      <m:d>
-                        <m:dPr>
-                          <m:ctrlPr>
-                            <a:rPr lang="en-GB" sz="2000" b="0" i="1" smtClean="0">
-                              <a:latin typeface="Cambria Math" panose="02040503050406030204" pitchFamily="18" charset="0"/>
-                            </a:rPr>
-                          </m:ctrlPr>
-                        </m:dPr>
-                        <m:e>
-                          <m:sSub>
-                            <m:sSubPr>
-                              <m:ctrlPr>
-                                <a:rPr lang="en-GB" sz="2000" b="0" i="1" smtClean="0">
-                                  <a:latin typeface="Cambria Math" panose="02040503050406030204" pitchFamily="18" charset="0"/>
-                                </a:rPr>
-                              </m:ctrlPr>
-                            </m:sSubPr>
-                            <m:e>
-                              <m:r>
-                                <a:rPr lang="en-GB" sz="2000" b="0" i="1" smtClean="0">
-                                  <a:latin typeface="Cambria Math" panose="02040503050406030204" pitchFamily="18" charset="0"/>
-                                </a:rPr>
-                                <m:t>𝑟</m:t>
-                              </m:r>
-                            </m:e>
-                            <m:sub>
-                              <m:r>
-                                <a:rPr lang="en-GB" sz="2000" b="0" i="1" smtClean="0">
-                                  <a:latin typeface="Cambria Math" panose="02040503050406030204" pitchFamily="18" charset="0"/>
-                                </a:rPr>
-                                <m:t>𝑗</m:t>
-                              </m:r>
-                            </m:sub>
-                          </m:sSub>
-                        </m:e>
-                      </m:d>
-                      <m:r>
-                        <a:rPr lang="en-GB" sz="2000" b="0" i="1" smtClean="0">
-                          <a:latin typeface="Cambria Math" panose="02040503050406030204" pitchFamily="18" charset="0"/>
-                        </a:rPr>
-                        <m:t>= …= </m:t>
-                      </m:r>
-                      <m:r>
-                        <a:rPr lang="en-GB" sz="2000" i="1">
-                          <a:latin typeface="Cambria Math" panose="02040503050406030204" pitchFamily="18" charset="0"/>
-                        </a:rPr>
-                        <m:t>𝑃</m:t>
-                      </m:r>
-                      <m:d>
-                        <m:dPr>
-                          <m:ctrlPr>
-                            <a:rPr lang="en-GB" sz="2000" i="1">
-                              <a:latin typeface="Cambria Math" panose="02040503050406030204" pitchFamily="18" charset="0"/>
-                            </a:rPr>
-                          </m:ctrlPr>
-                        </m:dPr>
-                        <m:e>
-                          <m:sSub>
-                            <m:sSubPr>
-                              <m:ctrlPr>
-                                <a:rPr lang="en-GB" sz="2000" i="1">
-                                  <a:latin typeface="Cambria Math" panose="02040503050406030204" pitchFamily="18" charset="0"/>
-                                </a:rPr>
-                              </m:ctrlPr>
-                            </m:sSubPr>
-                            <m:e>
-                              <m:r>
-                                <a:rPr lang="en-GB" sz="2000" i="1">
-                                  <a:latin typeface="Cambria Math" panose="02040503050406030204" pitchFamily="18" charset="0"/>
-                                </a:rPr>
-                                <m:t>𝑟</m:t>
-                              </m:r>
-                            </m:e>
-                            <m:sub>
-                              <m:r>
-                                <a:rPr lang="en-GB" sz="2000" i="1">
-                                  <a:latin typeface="Cambria Math" panose="02040503050406030204" pitchFamily="18" charset="0"/>
-                                </a:rPr>
-                                <m:t>𝑖</m:t>
-                              </m:r>
-                            </m:sub>
-                          </m:sSub>
-                        </m:e>
-                      </m:d>
-                      <m:f>
-                        <m:fPr>
-                          <m:ctrlPr>
-                            <a:rPr lang="en-GB" sz="2000" i="1">
-                              <a:latin typeface="Cambria Math" panose="02040503050406030204" pitchFamily="18" charset="0"/>
-                            </a:rPr>
-                          </m:ctrlPr>
-                        </m:fPr>
-                        <m:num>
-                          <m:sSub>
-                            <m:sSubPr>
-                              <m:ctrlPr>
-                                <a:rPr lang="en-GB" sz="2000" i="1">
-                                  <a:latin typeface="Cambria Math" panose="02040503050406030204" pitchFamily="18" charset="0"/>
-                                </a:rPr>
-                              </m:ctrlPr>
-                            </m:sSubPr>
-                            <m:e>
-                              <m:r>
-                                <a:rPr lang="en-GB" sz="2000" i="1">
-                                  <a:latin typeface="Cambria Math" panose="02040503050406030204" pitchFamily="18" charset="0"/>
-                                </a:rPr>
-                                <m:t>𝑟</m:t>
-                              </m:r>
-                            </m:e>
-                            <m:sub>
-                              <m:r>
-                                <a:rPr lang="en-GB" sz="2000" i="1">
-                                  <a:latin typeface="Cambria Math" panose="02040503050406030204" pitchFamily="18" charset="0"/>
-                                </a:rPr>
-                                <m:t>𝑖</m:t>
-                              </m:r>
-                            </m:sub>
-                          </m:sSub>
-                          <m:r>
-                            <a:rPr lang="en-GB" sz="2000" i="1">
-                              <a:latin typeface="Cambria Math" panose="02040503050406030204" pitchFamily="18" charset="0"/>
-                            </a:rPr>
-                            <m:t>−</m:t>
-                          </m:r>
-                          <m:sSub>
-                            <m:sSubPr>
-                              <m:ctrlPr>
-                                <a:rPr lang="en-GB" sz="2000" i="1">
-                                  <a:latin typeface="Cambria Math" panose="02040503050406030204" pitchFamily="18" charset="0"/>
-                                </a:rPr>
-                              </m:ctrlPr>
-                            </m:sSubPr>
-                            <m:e>
-                              <m:r>
-                                <a:rPr lang="en-GB" sz="2000" i="1">
-                                  <a:latin typeface="Cambria Math" panose="02040503050406030204" pitchFamily="18" charset="0"/>
-                                </a:rPr>
-                                <m:t>𝑟</m:t>
-                              </m:r>
-                            </m:e>
-                            <m:sub>
-                              <m:r>
-                                <a:rPr lang="en-GB" sz="2000" i="1">
-                                  <a:latin typeface="Cambria Math" panose="02040503050406030204" pitchFamily="18" charset="0"/>
-                                </a:rPr>
-                                <m:t>𝑗</m:t>
-                              </m:r>
-                            </m:sub>
-                          </m:sSub>
-                        </m:num>
-                        <m:den>
-                          <m:sSup>
-                            <m:sSupPr>
-                              <m:ctrlPr>
-                                <a:rPr lang="en-GB" sz="2000" i="1">
-                                  <a:latin typeface="Cambria Math" panose="02040503050406030204" pitchFamily="18" charset="0"/>
-                                </a:rPr>
-                              </m:ctrlPr>
-                            </m:sSupPr>
-                            <m:e>
-                              <m:d>
-                                <m:dPr>
-                                  <m:begChr m:val="|"/>
-                                  <m:endChr m:val="|"/>
-                                  <m:ctrlPr>
-                                    <a:rPr lang="en-GB" sz="2000" i="1">
-                                      <a:latin typeface="Cambria Math" panose="02040503050406030204" pitchFamily="18" charset="0"/>
-                                    </a:rPr>
-                                  </m:ctrlPr>
-                                </m:dPr>
-                                <m:e>
-                                  <m:sSub>
-                                    <m:sSubPr>
-                                      <m:ctrlPr>
-                                        <a:rPr lang="en-GB" sz="2000" i="1">
-                                          <a:latin typeface="Cambria Math" panose="02040503050406030204" pitchFamily="18" charset="0"/>
-                                        </a:rPr>
-                                      </m:ctrlPr>
-                                    </m:sSubPr>
-                                    <m:e>
-                                      <m:r>
-                                        <a:rPr lang="en-GB" sz="2000" i="1">
-                                          <a:latin typeface="Cambria Math" panose="02040503050406030204" pitchFamily="18" charset="0"/>
-                                        </a:rPr>
-                                        <m:t>𝑟</m:t>
-                                      </m:r>
-                                    </m:e>
-                                    <m:sub>
-                                      <m:r>
-                                        <a:rPr lang="en-GB" sz="2000" i="1">
-                                          <a:latin typeface="Cambria Math" panose="02040503050406030204" pitchFamily="18" charset="0"/>
-                                        </a:rPr>
-                                        <m:t>𝑖</m:t>
-                                      </m:r>
-                                    </m:sub>
-                                  </m:sSub>
-                                  <m:r>
-                                    <a:rPr lang="en-GB" sz="2000" i="1">
-                                      <a:latin typeface="Cambria Math" panose="02040503050406030204" pitchFamily="18" charset="0"/>
-                                    </a:rPr>
-                                    <m:t>−</m:t>
-                                  </m:r>
-                                  <m:sSub>
-                                    <m:sSubPr>
-                                      <m:ctrlPr>
-                                        <a:rPr lang="en-GB" sz="2000" i="1">
-                                          <a:latin typeface="Cambria Math" panose="02040503050406030204" pitchFamily="18" charset="0"/>
-                                        </a:rPr>
-                                      </m:ctrlPr>
-                                    </m:sSubPr>
-                                    <m:e>
-                                      <m:r>
-                                        <a:rPr lang="en-GB" sz="2000" i="1">
-                                          <a:latin typeface="Cambria Math" panose="02040503050406030204" pitchFamily="18" charset="0"/>
-                                        </a:rPr>
-                                        <m:t>𝑟</m:t>
-                                      </m:r>
-                                    </m:e>
-                                    <m:sub>
-                                      <m:r>
-                                        <a:rPr lang="en-GB" sz="2000" i="1">
-                                          <a:latin typeface="Cambria Math" panose="02040503050406030204" pitchFamily="18" charset="0"/>
-                                        </a:rPr>
-                                        <m:t>𝑗</m:t>
-                                      </m:r>
-                                    </m:sub>
-                                  </m:sSub>
-                                </m:e>
-                              </m:d>
-                            </m:e>
-                            <m:sup>
-                              <m:r>
-                                <a:rPr lang="en-GB" sz="2000" i="1">
-                                  <a:latin typeface="Cambria Math" panose="02040503050406030204" pitchFamily="18" charset="0"/>
-                                </a:rPr>
-                                <m:t>3</m:t>
-                              </m:r>
-                            </m:sup>
-                          </m:sSup>
-                          <m:r>
-                            <a:rPr lang="en-GB" sz="2000" i="1">
-                              <a:latin typeface="Cambria Math" panose="02040503050406030204" pitchFamily="18" charset="0"/>
-                            </a:rPr>
-                            <m:t> </m:t>
-                          </m:r>
-                        </m:den>
-                      </m:f>
-                    </m:oMath>
-                  </m:oMathPara>
+                  <m:oMath xmlns:m="http://schemas.openxmlformats.org/officeDocument/2006/math">
+                    <m:sSub>
+                      <m:sSubPr>
+                        <m:ctrlPr>
+                          <a:rPr lang="en-GB" sz="2400" b="0" i="1" smtClean="0">
+                            <a:latin typeface="Cambria Math" panose="02040503050406030204" pitchFamily="18" charset="0"/>
+                          </a:rPr>
+                        </m:ctrlPr>
+                      </m:sSubPr>
+                      <m:e>
+                        <m:r>
+                          <a:rPr lang="en-GB" sz="2400" b="0" i="1" smtClean="0">
+                            <a:latin typeface="Cambria Math" panose="02040503050406030204" pitchFamily="18" charset="0"/>
+                          </a:rPr>
+                          <m:t>𝐹</m:t>
+                        </m:r>
+                      </m:e>
+                      <m:sub>
+                        <m:r>
+                          <a:rPr lang="en-GB" sz="2400" b="0" i="1" smtClean="0">
+                            <a:latin typeface="Cambria Math" panose="02040503050406030204" pitchFamily="18" charset="0"/>
+                          </a:rPr>
+                          <m:t>𝑖</m:t>
+                        </m:r>
+                      </m:sub>
+                    </m:sSub>
+                    <m:d>
+                      <m:dPr>
+                        <m:ctrlPr>
+                          <a:rPr lang="en-GB" sz="2400" b="0" i="1" smtClean="0">
+                            <a:latin typeface="Cambria Math" panose="02040503050406030204" pitchFamily="18" charset="0"/>
+                          </a:rPr>
+                        </m:ctrlPr>
+                      </m:dPr>
+                      <m:e>
+                        <m:sSub>
+                          <m:sSubPr>
+                            <m:ctrlPr>
+                              <a:rPr lang="en-GB" sz="2400" b="0" i="1" smtClean="0">
+                                <a:latin typeface="Cambria Math" panose="02040503050406030204" pitchFamily="18" charset="0"/>
+                              </a:rPr>
+                            </m:ctrlPr>
+                          </m:sSubPr>
+                          <m:e>
+                            <m:r>
+                              <a:rPr lang="en-GB" sz="2400" b="0" i="1" smtClean="0">
+                                <a:latin typeface="Cambria Math" panose="02040503050406030204" pitchFamily="18" charset="0"/>
+                              </a:rPr>
+                              <m:t>𝑟</m:t>
+                            </m:r>
+                          </m:e>
+                          <m:sub>
+                            <m:r>
+                              <a:rPr lang="en-GB" sz="2400" b="0" i="1" smtClean="0">
+                                <a:latin typeface="Cambria Math" panose="02040503050406030204" pitchFamily="18" charset="0"/>
+                              </a:rPr>
+                              <m:t>𝑗</m:t>
+                            </m:r>
+                          </m:sub>
+                        </m:sSub>
+                      </m:e>
+                    </m:d>
+                    <m:r>
+                      <a:rPr lang="en-GB" sz="2400" b="0" i="1" smtClean="0">
+                        <a:latin typeface="Cambria Math" panose="02040503050406030204" pitchFamily="18" charset="0"/>
+                      </a:rPr>
+                      <m:t>=−</m:t>
+                    </m:r>
+                    <m:r>
+                      <a:rPr lang="en-GB" sz="2400" b="0" i="1" smtClean="0">
+                        <a:latin typeface="Cambria Math" panose="02040503050406030204" pitchFamily="18" charset="0"/>
+                      </a:rPr>
+                      <m:t>𝐺</m:t>
+                    </m:r>
+                    <m:f>
+                      <m:fPr>
+                        <m:ctrlPr>
+                          <a:rPr lang="en-GB" sz="2400" b="0" i="1" smtClean="0">
+                            <a:latin typeface="Cambria Math" panose="02040503050406030204" pitchFamily="18" charset="0"/>
+                          </a:rPr>
+                        </m:ctrlPr>
+                      </m:fPr>
+                      <m:num>
+                        <m:sSub>
+                          <m:sSubPr>
+                            <m:ctrlPr>
+                              <a:rPr lang="en-GB" sz="2400" b="0" i="1" smtClean="0">
+                                <a:latin typeface="Cambria Math" panose="02040503050406030204" pitchFamily="18" charset="0"/>
+                              </a:rPr>
+                            </m:ctrlPr>
+                          </m:sSubPr>
+                          <m:e>
+                            <m:r>
+                              <a:rPr lang="en-GB" sz="2400" b="0" i="1" smtClean="0">
+                                <a:latin typeface="Cambria Math" panose="02040503050406030204" pitchFamily="18" charset="0"/>
+                              </a:rPr>
+                              <m:t>𝑚</m:t>
+                            </m:r>
+                          </m:e>
+                          <m:sub>
+                            <m:r>
+                              <a:rPr lang="en-GB" sz="2400" b="0" i="1" smtClean="0">
+                                <a:latin typeface="Cambria Math" panose="02040503050406030204" pitchFamily="18" charset="0"/>
+                              </a:rPr>
+                              <m:t>𝑖</m:t>
+                            </m:r>
+                          </m:sub>
+                        </m:sSub>
+                        <m:sSub>
+                          <m:sSubPr>
+                            <m:ctrlPr>
+                              <a:rPr lang="en-GB" sz="2400" b="0" i="1" smtClean="0">
+                                <a:latin typeface="Cambria Math" panose="02040503050406030204" pitchFamily="18" charset="0"/>
+                              </a:rPr>
+                            </m:ctrlPr>
+                          </m:sSubPr>
+                          <m:e>
+                            <m:r>
+                              <a:rPr lang="en-GB" sz="2400" b="0" i="1" smtClean="0">
+                                <a:latin typeface="Cambria Math" panose="02040503050406030204" pitchFamily="18" charset="0"/>
+                              </a:rPr>
+                              <m:t>𝑚</m:t>
+                            </m:r>
+                          </m:e>
+                          <m:sub>
+                            <m:r>
+                              <a:rPr lang="en-GB" sz="2400" b="0" i="1" smtClean="0">
+                                <a:latin typeface="Cambria Math" panose="02040503050406030204" pitchFamily="18" charset="0"/>
+                              </a:rPr>
+                              <m:t>𝑗</m:t>
+                            </m:r>
+                          </m:sub>
+                        </m:sSub>
+                      </m:num>
+                      <m:den>
+                        <m:sSup>
+                          <m:sSupPr>
+                            <m:ctrlPr>
+                              <a:rPr lang="en-GB" sz="2400" b="0" i="1" smtClean="0">
+                                <a:latin typeface="Cambria Math" panose="02040503050406030204" pitchFamily="18" charset="0"/>
+                              </a:rPr>
+                            </m:ctrlPr>
+                          </m:sSupPr>
+                          <m:e>
+                            <m:d>
+                              <m:dPr>
+                                <m:begChr m:val="|"/>
+                                <m:endChr m:val="|"/>
+                                <m:ctrlPr>
+                                  <a:rPr lang="en-GB" sz="2400" b="0" i="1" smtClean="0">
+                                    <a:latin typeface="Cambria Math" panose="02040503050406030204" pitchFamily="18" charset="0"/>
+                                  </a:rPr>
+                                </m:ctrlPr>
+                              </m:dPr>
+                              <m:e>
+                                <m:sSub>
+                                  <m:sSubPr>
+                                    <m:ctrlPr>
+                                      <a:rPr lang="en-GB" sz="2400" i="1">
+                                        <a:latin typeface="Cambria Math" panose="02040503050406030204" pitchFamily="18" charset="0"/>
+                                      </a:rPr>
+                                    </m:ctrlPr>
+                                  </m:sSubPr>
+                                  <m:e>
+                                    <m:r>
+                                      <a:rPr lang="en-GB" sz="2400" i="1">
+                                        <a:latin typeface="Cambria Math" panose="02040503050406030204" pitchFamily="18" charset="0"/>
+                                      </a:rPr>
+                                      <m:t>𝑟</m:t>
+                                    </m:r>
+                                  </m:e>
+                                  <m:sub>
+                                    <m:r>
+                                      <a:rPr lang="en-GB" sz="2400" i="1">
+                                        <a:latin typeface="Cambria Math" panose="02040503050406030204" pitchFamily="18" charset="0"/>
+                                      </a:rPr>
+                                      <m:t>𝑖</m:t>
+                                    </m:r>
+                                  </m:sub>
+                                </m:sSub>
+                                <m:r>
+                                  <a:rPr lang="en-GB" sz="2400" i="1">
+                                    <a:latin typeface="Cambria Math" panose="02040503050406030204" pitchFamily="18" charset="0"/>
+                                  </a:rPr>
+                                  <m:t>−</m:t>
+                                </m:r>
+                                <m:sSub>
+                                  <m:sSubPr>
+                                    <m:ctrlPr>
+                                      <a:rPr lang="en-GB" sz="2400" i="1">
+                                        <a:latin typeface="Cambria Math" panose="02040503050406030204" pitchFamily="18" charset="0"/>
+                                      </a:rPr>
+                                    </m:ctrlPr>
+                                  </m:sSubPr>
+                                  <m:e>
+                                    <m:r>
+                                      <a:rPr lang="en-GB" sz="2400" i="1">
+                                        <a:latin typeface="Cambria Math" panose="02040503050406030204" pitchFamily="18" charset="0"/>
+                                      </a:rPr>
+                                      <m:t>𝑟</m:t>
+                                    </m:r>
+                                  </m:e>
+                                  <m:sub>
+                                    <m:r>
+                                      <a:rPr lang="en-GB" sz="2400" i="1">
+                                        <a:latin typeface="Cambria Math" panose="02040503050406030204" pitchFamily="18" charset="0"/>
+                                      </a:rPr>
+                                      <m:t>𝑗</m:t>
+                                    </m:r>
+                                  </m:sub>
+                                </m:sSub>
+                              </m:e>
+                            </m:d>
+                          </m:e>
+                          <m:sup>
+                            <m:r>
+                              <a:rPr lang="en-GB" sz="2400" b="0" i="1" smtClean="0">
+                                <a:latin typeface="Cambria Math" panose="02040503050406030204" pitchFamily="18" charset="0"/>
+                              </a:rPr>
+                              <m:t>2</m:t>
+                            </m:r>
+                          </m:sup>
+                        </m:sSup>
+                      </m:den>
+                    </m:f>
+                    <m:r>
+                      <a:rPr lang="en-GB" sz="2400" b="0" i="1" smtClean="0">
+                        <a:latin typeface="Cambria Math" panose="02040503050406030204" pitchFamily="18" charset="0"/>
+                      </a:rPr>
+                      <m:t>⋅</m:t>
+                    </m:r>
+                    <m:sSub>
+                      <m:sSubPr>
+                        <m:ctrlPr>
+                          <a:rPr lang="en-GB" sz="2400" b="0" i="1" smtClean="0">
+                            <a:latin typeface="Cambria Math" panose="02040503050406030204" pitchFamily="18" charset="0"/>
+                          </a:rPr>
+                        </m:ctrlPr>
+                      </m:sSubPr>
+                      <m:e>
+                        <m:acc>
+                          <m:accPr>
+                            <m:chr m:val="̂"/>
+                            <m:ctrlPr>
+                              <a:rPr lang="en-GB" sz="2400" b="0" i="1" smtClean="0">
+                                <a:latin typeface="Cambria Math" panose="02040503050406030204" pitchFamily="18" charset="0"/>
+                              </a:rPr>
+                            </m:ctrlPr>
+                          </m:accPr>
+                          <m:e>
+                            <m:r>
+                              <a:rPr lang="en-GB" sz="2400" b="0" i="1" smtClean="0">
+                                <a:latin typeface="Cambria Math" panose="02040503050406030204" pitchFamily="18" charset="0"/>
+                              </a:rPr>
+                              <m:t>𝑟</m:t>
+                            </m:r>
+                          </m:e>
+                        </m:acc>
+                      </m:e>
+                      <m:sub>
+                        <m:r>
+                          <a:rPr lang="en-GB" sz="2400" b="0" i="1" smtClean="0">
+                            <a:latin typeface="Cambria Math" panose="02040503050406030204" pitchFamily="18" charset="0"/>
+                          </a:rPr>
+                          <m:t>𝑖𝑗</m:t>
+                        </m:r>
+                      </m:sub>
+                    </m:sSub>
+                    <m:r>
+                      <a:rPr lang="en-GB" sz="2400" b="0" i="1" smtClean="0">
+                        <a:latin typeface="Cambria Math" panose="02040503050406030204" pitchFamily="18" charset="0"/>
+                      </a:rPr>
+                      <m:t>⇒ </m:t>
+                    </m:r>
+                    <m:r>
+                      <a:rPr lang="en-GB" sz="2400" i="1">
+                        <a:latin typeface="Cambria Math" panose="02040503050406030204" pitchFamily="18" charset="0"/>
+                      </a:rPr>
+                      <m:t>𝑃</m:t>
+                    </m:r>
+                    <m:d>
+                      <m:dPr>
+                        <m:ctrlPr>
+                          <a:rPr lang="en-GB" sz="2400" i="1">
+                            <a:latin typeface="Cambria Math" panose="02040503050406030204" pitchFamily="18" charset="0"/>
+                          </a:rPr>
+                        </m:ctrlPr>
+                      </m:dPr>
+                      <m:e>
+                        <m:sSub>
+                          <m:sSubPr>
+                            <m:ctrlPr>
+                              <a:rPr lang="en-GB" sz="2400" i="1">
+                                <a:latin typeface="Cambria Math" panose="02040503050406030204" pitchFamily="18" charset="0"/>
+                              </a:rPr>
+                            </m:ctrlPr>
+                          </m:sSubPr>
+                          <m:e>
+                            <m:r>
+                              <a:rPr lang="en-GB" sz="2400" i="1">
+                                <a:latin typeface="Cambria Math" panose="02040503050406030204" pitchFamily="18" charset="0"/>
+                              </a:rPr>
+                              <m:t>𝑟</m:t>
+                            </m:r>
+                          </m:e>
+                          <m:sub>
+                            <m:r>
+                              <a:rPr lang="en-GB" sz="2400" i="1">
+                                <a:latin typeface="Cambria Math" panose="02040503050406030204" pitchFamily="18" charset="0"/>
+                              </a:rPr>
+                              <m:t>𝑖</m:t>
+                            </m:r>
+                          </m:sub>
+                        </m:sSub>
+                      </m:e>
+                    </m:d>
+                    <m:f>
+                      <m:fPr>
+                        <m:ctrlPr>
+                          <a:rPr lang="en-GB" sz="2400" i="1">
+                            <a:latin typeface="Cambria Math" panose="02040503050406030204" pitchFamily="18" charset="0"/>
+                          </a:rPr>
+                        </m:ctrlPr>
+                      </m:fPr>
+                      <m:num>
+                        <m:sSub>
+                          <m:sSubPr>
+                            <m:ctrlPr>
+                              <a:rPr lang="en-GB" sz="2400" i="1">
+                                <a:latin typeface="Cambria Math" panose="02040503050406030204" pitchFamily="18" charset="0"/>
+                              </a:rPr>
+                            </m:ctrlPr>
+                          </m:sSubPr>
+                          <m:e>
+                            <m:r>
+                              <a:rPr lang="en-GB" sz="2400" i="1">
+                                <a:latin typeface="Cambria Math" panose="02040503050406030204" pitchFamily="18" charset="0"/>
+                              </a:rPr>
+                              <m:t>𝑟</m:t>
+                            </m:r>
+                          </m:e>
+                          <m:sub>
+                            <m:r>
+                              <a:rPr lang="en-GB" sz="2400" i="1">
+                                <a:latin typeface="Cambria Math" panose="02040503050406030204" pitchFamily="18" charset="0"/>
+                              </a:rPr>
+                              <m:t>𝑖</m:t>
+                            </m:r>
+                          </m:sub>
+                        </m:sSub>
+                        <m:r>
+                          <a:rPr lang="en-GB" sz="2400" i="1">
+                            <a:latin typeface="Cambria Math" panose="02040503050406030204" pitchFamily="18" charset="0"/>
+                          </a:rPr>
+                          <m:t>−</m:t>
+                        </m:r>
+                        <m:sSub>
+                          <m:sSubPr>
+                            <m:ctrlPr>
+                              <a:rPr lang="en-GB" sz="2400" i="1">
+                                <a:latin typeface="Cambria Math" panose="02040503050406030204" pitchFamily="18" charset="0"/>
+                              </a:rPr>
+                            </m:ctrlPr>
+                          </m:sSubPr>
+                          <m:e>
+                            <m:r>
+                              <a:rPr lang="en-GB" sz="2400" i="1">
+                                <a:latin typeface="Cambria Math" panose="02040503050406030204" pitchFamily="18" charset="0"/>
+                              </a:rPr>
+                              <m:t>𝑟</m:t>
+                            </m:r>
+                          </m:e>
+                          <m:sub>
+                            <m:r>
+                              <a:rPr lang="en-GB" sz="2400" i="1">
+                                <a:latin typeface="Cambria Math" panose="02040503050406030204" pitchFamily="18" charset="0"/>
+                              </a:rPr>
+                              <m:t>𝑗</m:t>
+                            </m:r>
+                          </m:sub>
+                        </m:sSub>
+                      </m:num>
+                      <m:den>
+                        <m:sSup>
+                          <m:sSupPr>
+                            <m:ctrlPr>
+                              <a:rPr lang="en-GB" sz="2400" i="1">
+                                <a:latin typeface="Cambria Math" panose="02040503050406030204" pitchFamily="18" charset="0"/>
+                              </a:rPr>
+                            </m:ctrlPr>
+                          </m:sSupPr>
+                          <m:e>
+                            <m:d>
+                              <m:dPr>
+                                <m:begChr m:val="|"/>
+                                <m:endChr m:val="|"/>
+                                <m:ctrlPr>
+                                  <a:rPr lang="en-GB" sz="2400" i="1">
+                                    <a:latin typeface="Cambria Math" panose="02040503050406030204" pitchFamily="18" charset="0"/>
+                                  </a:rPr>
+                                </m:ctrlPr>
+                              </m:dPr>
+                              <m:e>
+                                <m:sSub>
+                                  <m:sSubPr>
+                                    <m:ctrlPr>
+                                      <a:rPr lang="en-GB" sz="2400" i="1">
+                                        <a:latin typeface="Cambria Math" panose="02040503050406030204" pitchFamily="18" charset="0"/>
+                                      </a:rPr>
+                                    </m:ctrlPr>
+                                  </m:sSubPr>
+                                  <m:e>
+                                    <m:r>
+                                      <a:rPr lang="en-GB" sz="2400" i="1">
+                                        <a:latin typeface="Cambria Math" panose="02040503050406030204" pitchFamily="18" charset="0"/>
+                                      </a:rPr>
+                                      <m:t>𝑟</m:t>
+                                    </m:r>
+                                  </m:e>
+                                  <m:sub>
+                                    <m:r>
+                                      <a:rPr lang="en-GB" sz="2400" i="1">
+                                        <a:latin typeface="Cambria Math" panose="02040503050406030204" pitchFamily="18" charset="0"/>
+                                      </a:rPr>
+                                      <m:t>𝑖</m:t>
+                                    </m:r>
+                                  </m:sub>
+                                </m:sSub>
+                                <m:r>
+                                  <a:rPr lang="en-GB" sz="2400" i="1">
+                                    <a:latin typeface="Cambria Math" panose="02040503050406030204" pitchFamily="18" charset="0"/>
+                                  </a:rPr>
+                                  <m:t>−</m:t>
+                                </m:r>
+                                <m:sSub>
+                                  <m:sSubPr>
+                                    <m:ctrlPr>
+                                      <a:rPr lang="en-GB" sz="2400" i="1">
+                                        <a:latin typeface="Cambria Math" panose="02040503050406030204" pitchFamily="18" charset="0"/>
+                                      </a:rPr>
+                                    </m:ctrlPr>
+                                  </m:sSubPr>
+                                  <m:e>
+                                    <m:r>
+                                      <a:rPr lang="en-GB" sz="2400" i="1">
+                                        <a:latin typeface="Cambria Math" panose="02040503050406030204" pitchFamily="18" charset="0"/>
+                                      </a:rPr>
+                                      <m:t>𝑟</m:t>
+                                    </m:r>
+                                  </m:e>
+                                  <m:sub>
+                                    <m:r>
+                                      <a:rPr lang="en-GB" sz="2400" i="1">
+                                        <a:latin typeface="Cambria Math" panose="02040503050406030204" pitchFamily="18" charset="0"/>
+                                      </a:rPr>
+                                      <m:t>𝑗</m:t>
+                                    </m:r>
+                                  </m:sub>
+                                </m:sSub>
+                              </m:e>
+                            </m:d>
+                          </m:e>
+                          <m:sup>
+                            <m:r>
+                              <a:rPr lang="en-GB" sz="2400" i="1">
+                                <a:latin typeface="Cambria Math" panose="02040503050406030204" pitchFamily="18" charset="0"/>
+                              </a:rPr>
+                              <m:t>3</m:t>
+                            </m:r>
+                          </m:sup>
+                        </m:sSup>
+                        <m:r>
+                          <a:rPr lang="en-GB" sz="2400" i="1">
+                            <a:latin typeface="Cambria Math" panose="02040503050406030204" pitchFamily="18" charset="0"/>
+                          </a:rPr>
+                          <m:t> </m:t>
+                        </m:r>
+                      </m:den>
+                    </m:f>
+                  </m:oMath>
                 </a14:m>
-                <a:endParaRPr lang="en-GB" sz="2000" b="0" i="1" dirty="0">
+                <a:r>
+                  <a:rPr lang="en-GB" sz="2400" i="1" dirty="0" smtClean="0">
+                    <a:latin typeface="Cambria Math" panose="02040503050406030204" pitchFamily="18" charset="0"/>
+                  </a:rPr>
+                  <a:t>	</a:t>
+                </a:r>
+                <a14:m>
+                  <m:oMath xmlns:m="http://schemas.openxmlformats.org/officeDocument/2006/math">
+                    <m:r>
+                      <a:rPr lang="en-GB" sz="2400" b="1" i="1" smtClean="0">
+                        <a:latin typeface="Cambria Math" panose="02040503050406030204" pitchFamily="18" charset="0"/>
+                      </a:rPr>
+                      <m:t>𝑭</m:t>
+                    </m:r>
+                    <m:d>
+                      <m:dPr>
+                        <m:ctrlPr>
+                          <a:rPr lang="en-GB" sz="2400" b="1" i="1" smtClean="0">
+                            <a:latin typeface="Cambria Math" panose="02040503050406030204" pitchFamily="18" charset="0"/>
+                          </a:rPr>
+                        </m:ctrlPr>
+                      </m:dPr>
+                      <m:e>
+                        <m:sSub>
+                          <m:sSubPr>
+                            <m:ctrlPr>
+                              <a:rPr lang="en-GB" sz="2400" b="1" i="1" smtClean="0">
+                                <a:latin typeface="Cambria Math" panose="02040503050406030204" pitchFamily="18" charset="0"/>
+                              </a:rPr>
+                            </m:ctrlPr>
+                          </m:sSubPr>
+                          <m:e>
+                            <m:r>
+                              <a:rPr lang="en-GB" sz="2400" b="1" i="1" smtClean="0">
+                                <a:latin typeface="Cambria Math" panose="02040503050406030204" pitchFamily="18" charset="0"/>
+                              </a:rPr>
+                              <m:t>𝒓</m:t>
+                            </m:r>
+                          </m:e>
+                          <m:sub>
+                            <m:r>
+                              <a:rPr lang="en-GB" sz="2400" b="1" i="1" smtClean="0">
+                                <a:latin typeface="Cambria Math" panose="02040503050406030204" pitchFamily="18" charset="0"/>
+                              </a:rPr>
+                              <m:t>𝒋</m:t>
+                            </m:r>
+                          </m:sub>
+                        </m:sSub>
+                      </m:e>
+                    </m:d>
+                    <m:r>
+                      <a:rPr lang="en-GB" sz="2400" b="0" i="1" smtClean="0">
+                        <a:latin typeface="Cambria Math" panose="02040503050406030204" pitchFamily="18" charset="0"/>
+                      </a:rPr>
+                      <m:t>=</m:t>
+                    </m:r>
+                    <m:nary>
+                      <m:naryPr>
+                        <m:chr m:val="∑"/>
+                        <m:ctrlPr>
+                          <a:rPr lang="en-GB" sz="2400" b="0" i="1" smtClean="0">
+                            <a:latin typeface="Cambria Math" panose="02040503050406030204" pitchFamily="18" charset="0"/>
+                          </a:rPr>
+                        </m:ctrlPr>
+                      </m:naryPr>
+                      <m:sub>
+                        <m:r>
+                          <m:rPr>
+                            <m:brk m:alnAt="23"/>
+                          </m:rPr>
+                          <a:rPr lang="en-GB" sz="2400" b="0" i="1" smtClean="0">
+                            <a:latin typeface="Cambria Math" panose="02040503050406030204" pitchFamily="18" charset="0"/>
+                          </a:rPr>
+                          <m:t>𝑖</m:t>
+                        </m:r>
+                        <m:r>
+                          <a:rPr lang="en-GB" sz="2400" b="0" i="1" smtClean="0">
+                            <a:latin typeface="Cambria Math" panose="02040503050406030204" pitchFamily="18" charset="0"/>
+                          </a:rPr>
+                          <m:t>=0</m:t>
+                        </m:r>
+                      </m:sub>
+                      <m:sup>
+                        <m:r>
+                          <a:rPr lang="en-GB" sz="2400" b="0" i="1" smtClean="0">
+                            <a:latin typeface="Cambria Math" panose="02040503050406030204" pitchFamily="18" charset="0"/>
+                          </a:rPr>
+                          <m:t>𝑁</m:t>
+                        </m:r>
+                        <m:r>
+                          <a:rPr lang="en-GB" sz="2400" b="0" i="1" smtClean="0">
+                            <a:latin typeface="Cambria Math" panose="02040503050406030204" pitchFamily="18" charset="0"/>
+                          </a:rPr>
+                          <m:t>−1</m:t>
+                        </m:r>
+                      </m:sup>
+                      <m:e>
+                        <m:sSub>
+                          <m:sSubPr>
+                            <m:ctrlPr>
+                              <a:rPr lang="en-GB" sz="2400" i="1">
+                                <a:latin typeface="Cambria Math" panose="02040503050406030204" pitchFamily="18" charset="0"/>
+                              </a:rPr>
+                            </m:ctrlPr>
+                          </m:sSubPr>
+                          <m:e>
+                            <m:r>
+                              <a:rPr lang="en-GB" sz="2400" i="1">
+                                <a:latin typeface="Cambria Math" panose="02040503050406030204" pitchFamily="18" charset="0"/>
+                              </a:rPr>
+                              <m:t>𝐹</m:t>
+                            </m:r>
+                          </m:e>
+                          <m:sub>
+                            <m:r>
+                              <a:rPr lang="en-GB" sz="2400" i="1">
+                                <a:latin typeface="Cambria Math" panose="02040503050406030204" pitchFamily="18" charset="0"/>
+                              </a:rPr>
+                              <m:t>𝑖</m:t>
+                            </m:r>
+                          </m:sub>
+                        </m:sSub>
+                        <m:d>
+                          <m:dPr>
+                            <m:ctrlPr>
+                              <a:rPr lang="en-GB" sz="2400" i="1">
+                                <a:latin typeface="Cambria Math" panose="02040503050406030204" pitchFamily="18" charset="0"/>
+                              </a:rPr>
+                            </m:ctrlPr>
+                          </m:dPr>
+                          <m:e>
+                            <m:sSub>
+                              <m:sSubPr>
+                                <m:ctrlPr>
+                                  <a:rPr lang="en-GB" sz="2400" i="1">
+                                    <a:latin typeface="Cambria Math" panose="02040503050406030204" pitchFamily="18" charset="0"/>
+                                  </a:rPr>
+                                </m:ctrlPr>
+                              </m:sSubPr>
+                              <m:e>
+                                <m:r>
+                                  <a:rPr lang="en-GB" sz="2400" i="1">
+                                    <a:latin typeface="Cambria Math" panose="02040503050406030204" pitchFamily="18" charset="0"/>
+                                  </a:rPr>
+                                  <m:t>𝑟</m:t>
+                                </m:r>
+                              </m:e>
+                              <m:sub>
+                                <m:r>
+                                  <a:rPr lang="en-GB" sz="2400" i="1">
+                                    <a:latin typeface="Cambria Math" panose="02040503050406030204" pitchFamily="18" charset="0"/>
+                                  </a:rPr>
+                                  <m:t>𝑗</m:t>
+                                </m:r>
+                              </m:sub>
+                            </m:sSub>
+                          </m:e>
+                        </m:d>
+                      </m:e>
+                    </m:nary>
+                  </m:oMath>
+                </a14:m>
+                <a:endParaRPr lang="en-GB" sz="2400" i="1" dirty="0" smtClean="0">
                   <a:latin typeface="Cambria Math" panose="02040503050406030204" pitchFamily="18" charset="0"/>
                 </a:endParaRPr>
               </a:p>
               <a:p>
-                <a:pPr algn="ctr"/>
-                <a:r>
-                  <a:rPr lang="en-GB" sz="900" i="1" dirty="0">
-                    <a:latin typeface="Cambria Math" panose="02040503050406030204" pitchFamily="18" charset="0"/>
-                  </a:rPr>
-                  <a:t>  </a:t>
-                </a:r>
-                <a:endParaRPr lang="en-GB" sz="800" b="0" i="1" dirty="0">
+                <a:endParaRPr lang="en-GB" sz="1200" i="1" dirty="0">
                   <a:latin typeface="Cambria Math" panose="02040503050406030204" pitchFamily="18" charset="0"/>
                 </a:endParaRPr>
               </a:p>
               <a:p>
-                <a:pPr algn="ctr"/>
                 <a14:m>
-                  <m:oMathPara xmlns:m="http://schemas.openxmlformats.org/officeDocument/2006/math">
-                    <m:oMathParaPr>
-                      <m:jc m:val="centerGroup"/>
-                    </m:oMathParaPr>
-                    <m:oMath xmlns:m="http://schemas.openxmlformats.org/officeDocument/2006/math">
-                      <m:sSub>
-                        <m:sSubPr>
-                          <m:ctrlPr>
-                            <a:rPr lang="en-GB" sz="2000" b="0" i="1" dirty="0" smtClean="0">
-                              <a:latin typeface="Cambria Math" panose="02040503050406030204" pitchFamily="18" charset="0"/>
-                            </a:rPr>
-                          </m:ctrlPr>
-                        </m:sSubPr>
-                        <m:e>
-                          <m:r>
-                            <a:rPr lang="en-GB" sz="2000" i="1" dirty="0" smtClean="0">
-                              <a:latin typeface="Cambria Math" panose="02040503050406030204" pitchFamily="18" charset="0"/>
-                            </a:rPr>
-                            <m:t>𝐸</m:t>
-                          </m:r>
-                        </m:e>
-                        <m:sub>
-                          <m:r>
-                            <a:rPr lang="en-GB" sz="2000" b="0" i="1" dirty="0" smtClean="0">
-                              <a:latin typeface="Cambria Math" panose="02040503050406030204" pitchFamily="18" charset="0"/>
-                            </a:rPr>
-                            <m:t>𝑖</m:t>
-                          </m:r>
-                        </m:sub>
-                      </m:sSub>
-                      <m:d>
-                        <m:dPr>
-                          <m:ctrlPr>
-                            <a:rPr lang="en-GB" sz="2000" b="0" i="1" dirty="0" smtClean="0">
-                              <a:latin typeface="Cambria Math" panose="02040503050406030204" pitchFamily="18" charset="0"/>
-                            </a:rPr>
-                          </m:ctrlPr>
-                        </m:dPr>
-                        <m:e>
-                          <m:sSub>
-                            <m:sSubPr>
-                              <m:ctrlPr>
-                                <a:rPr lang="en-GB" sz="2000" b="0" i="1" dirty="0" smtClean="0">
-                                  <a:latin typeface="Cambria Math" panose="02040503050406030204" pitchFamily="18" charset="0"/>
-                                </a:rPr>
-                              </m:ctrlPr>
-                            </m:sSubPr>
-                            <m:e>
-                              <m:r>
-                                <a:rPr lang="en-GB" sz="2000" b="0" i="1" dirty="0" smtClean="0">
-                                  <a:latin typeface="Cambria Math" panose="02040503050406030204" pitchFamily="18" charset="0"/>
-                                </a:rPr>
-                                <m:t>𝑟</m:t>
-                              </m:r>
-                            </m:e>
-                            <m:sub>
-                              <m:r>
-                                <a:rPr lang="en-GB" sz="2000" b="0" i="1" dirty="0" smtClean="0">
-                                  <a:latin typeface="Cambria Math" panose="02040503050406030204" pitchFamily="18" charset="0"/>
-                                </a:rPr>
-                                <m:t>𝑗</m:t>
-                              </m:r>
-                            </m:sub>
-                          </m:sSub>
-                        </m:e>
-                      </m:d>
-                      <m:r>
-                        <a:rPr lang="en-GB" sz="2000" i="1" dirty="0" smtClean="0">
-                          <a:latin typeface="Cambria Math" panose="02040503050406030204" pitchFamily="18" charset="0"/>
-                        </a:rPr>
-                        <m:t> =</m:t>
-                      </m:r>
-                    </m:oMath>
-                  </m:oMathPara>
+                  <m:oMath xmlns:m="http://schemas.openxmlformats.org/officeDocument/2006/math">
+                    <m:sSub>
+                      <m:sSubPr>
+                        <m:ctrlPr>
+                          <a:rPr lang="en-GB" sz="2400" b="0" i="1" dirty="0" smtClean="0">
+                            <a:latin typeface="Cambria Math" panose="02040503050406030204" pitchFamily="18" charset="0"/>
+                          </a:rPr>
+                        </m:ctrlPr>
+                      </m:sSubPr>
+                      <m:e>
+                        <m:r>
+                          <a:rPr lang="en-GB" sz="2400" i="1" dirty="0" smtClean="0">
+                            <a:latin typeface="Cambria Math" panose="02040503050406030204" pitchFamily="18" charset="0"/>
+                          </a:rPr>
+                          <m:t>𝐸</m:t>
+                        </m:r>
+                      </m:e>
+                      <m:sub>
+                        <m:r>
+                          <a:rPr lang="en-GB" sz="2400" b="0" i="1" dirty="0" smtClean="0">
+                            <a:latin typeface="Cambria Math" panose="02040503050406030204" pitchFamily="18" charset="0"/>
+                          </a:rPr>
+                          <m:t>𝑖</m:t>
+                        </m:r>
+                      </m:sub>
+                    </m:sSub>
+                    <m:d>
+                      <m:dPr>
+                        <m:ctrlPr>
+                          <a:rPr lang="en-GB" sz="2400" b="0" i="1" dirty="0" smtClean="0">
+                            <a:latin typeface="Cambria Math" panose="02040503050406030204" pitchFamily="18" charset="0"/>
+                          </a:rPr>
+                        </m:ctrlPr>
+                      </m:dPr>
+                      <m:e>
+                        <m:sSub>
+                          <m:sSubPr>
+                            <m:ctrlPr>
+                              <a:rPr lang="en-GB" sz="2400" b="0" i="1" dirty="0" smtClean="0">
+                                <a:latin typeface="Cambria Math" panose="02040503050406030204" pitchFamily="18" charset="0"/>
+                              </a:rPr>
+                            </m:ctrlPr>
+                          </m:sSubPr>
+                          <m:e>
+                            <m:r>
+                              <a:rPr lang="en-GB" sz="2400" b="0" i="1" dirty="0" smtClean="0">
+                                <a:latin typeface="Cambria Math" panose="02040503050406030204" pitchFamily="18" charset="0"/>
+                              </a:rPr>
+                              <m:t>𝑟</m:t>
+                            </m:r>
+                          </m:e>
+                          <m:sub>
+                            <m:r>
+                              <a:rPr lang="en-GB" sz="2400" b="0" i="1" dirty="0" smtClean="0">
+                                <a:latin typeface="Cambria Math" panose="02040503050406030204" pitchFamily="18" charset="0"/>
+                              </a:rPr>
+                              <m:t>𝑗</m:t>
+                            </m:r>
+                          </m:sub>
+                        </m:sSub>
+                      </m:e>
+                    </m:d>
+                    <m:r>
+                      <a:rPr lang="en-GB" sz="2400" b="0" i="1" dirty="0" smtClean="0">
+                        <a:latin typeface="Cambria Math" panose="02040503050406030204" pitchFamily="18" charset="0"/>
+                      </a:rPr>
+                      <m:t>=−</m:t>
+                    </m:r>
+                    <m:r>
+                      <a:rPr lang="en-GB" sz="2400" b="0" i="1" dirty="0" smtClean="0">
+                        <a:latin typeface="Cambria Math" panose="02040503050406030204" pitchFamily="18" charset="0"/>
+                      </a:rPr>
+                      <m:t>𝐺</m:t>
+                    </m:r>
+                    <m:f>
+                      <m:fPr>
+                        <m:ctrlPr>
+                          <a:rPr lang="en-GB" sz="2400" i="1">
+                            <a:latin typeface="Cambria Math" panose="02040503050406030204" pitchFamily="18" charset="0"/>
+                          </a:rPr>
+                        </m:ctrlPr>
+                      </m:fPr>
+                      <m:num>
+                        <m:sSub>
+                          <m:sSubPr>
+                            <m:ctrlPr>
+                              <a:rPr lang="en-GB" sz="2400" i="1">
+                                <a:latin typeface="Cambria Math" panose="02040503050406030204" pitchFamily="18" charset="0"/>
+                              </a:rPr>
+                            </m:ctrlPr>
+                          </m:sSubPr>
+                          <m:e>
+                            <m:r>
+                              <a:rPr lang="en-GB" sz="2400" i="1">
+                                <a:latin typeface="Cambria Math" panose="02040503050406030204" pitchFamily="18" charset="0"/>
+                              </a:rPr>
+                              <m:t>𝑚</m:t>
+                            </m:r>
+                          </m:e>
+                          <m:sub>
+                            <m:r>
+                              <a:rPr lang="en-GB" sz="2400" i="1">
+                                <a:latin typeface="Cambria Math" panose="02040503050406030204" pitchFamily="18" charset="0"/>
+                              </a:rPr>
+                              <m:t>𝑖</m:t>
+                            </m:r>
+                          </m:sub>
+                        </m:sSub>
+                        <m:sSub>
+                          <m:sSubPr>
+                            <m:ctrlPr>
+                              <a:rPr lang="en-GB" sz="2400" i="1">
+                                <a:latin typeface="Cambria Math" panose="02040503050406030204" pitchFamily="18" charset="0"/>
+                              </a:rPr>
+                            </m:ctrlPr>
+                          </m:sSubPr>
+                          <m:e>
+                            <m:r>
+                              <a:rPr lang="en-GB" sz="2400" i="1">
+                                <a:latin typeface="Cambria Math" panose="02040503050406030204" pitchFamily="18" charset="0"/>
+                              </a:rPr>
+                              <m:t>𝑚</m:t>
+                            </m:r>
+                          </m:e>
+                          <m:sub>
+                            <m:r>
+                              <a:rPr lang="en-GB" sz="2400" i="1">
+                                <a:latin typeface="Cambria Math" panose="02040503050406030204" pitchFamily="18" charset="0"/>
+                              </a:rPr>
+                              <m:t>𝑗</m:t>
+                            </m:r>
+                          </m:sub>
+                        </m:sSub>
+                      </m:num>
+                      <m:den>
+                        <m:d>
+                          <m:dPr>
+                            <m:begChr m:val="|"/>
+                            <m:endChr m:val="|"/>
+                            <m:ctrlPr>
+                              <a:rPr lang="en-GB" sz="2400" i="1">
+                                <a:latin typeface="Cambria Math" panose="02040503050406030204" pitchFamily="18" charset="0"/>
+                              </a:rPr>
+                            </m:ctrlPr>
+                          </m:dPr>
+                          <m:e>
+                            <m:sSub>
+                              <m:sSubPr>
+                                <m:ctrlPr>
+                                  <a:rPr lang="en-GB" sz="2400" i="1">
+                                    <a:latin typeface="Cambria Math" panose="02040503050406030204" pitchFamily="18" charset="0"/>
+                                  </a:rPr>
+                                </m:ctrlPr>
+                              </m:sSubPr>
+                              <m:e>
+                                <m:r>
+                                  <a:rPr lang="en-GB" sz="2400" i="1">
+                                    <a:latin typeface="Cambria Math" panose="02040503050406030204" pitchFamily="18" charset="0"/>
+                                  </a:rPr>
+                                  <m:t>𝑟</m:t>
+                                </m:r>
+                              </m:e>
+                              <m:sub>
+                                <m:r>
+                                  <a:rPr lang="en-GB" sz="2400" i="1">
+                                    <a:latin typeface="Cambria Math" panose="02040503050406030204" pitchFamily="18" charset="0"/>
+                                  </a:rPr>
+                                  <m:t>𝑖</m:t>
+                                </m:r>
+                              </m:sub>
+                            </m:sSub>
+                            <m:r>
+                              <a:rPr lang="en-GB" sz="2400" i="1">
+                                <a:latin typeface="Cambria Math" panose="02040503050406030204" pitchFamily="18" charset="0"/>
+                              </a:rPr>
+                              <m:t>−</m:t>
+                            </m:r>
+                            <m:sSub>
+                              <m:sSubPr>
+                                <m:ctrlPr>
+                                  <a:rPr lang="en-GB" sz="2400" i="1">
+                                    <a:latin typeface="Cambria Math" panose="02040503050406030204" pitchFamily="18" charset="0"/>
+                                  </a:rPr>
+                                </m:ctrlPr>
+                              </m:sSubPr>
+                              <m:e>
+                                <m:r>
+                                  <a:rPr lang="en-GB" sz="2400" i="1">
+                                    <a:latin typeface="Cambria Math" panose="02040503050406030204" pitchFamily="18" charset="0"/>
+                                  </a:rPr>
+                                  <m:t>𝑟</m:t>
+                                </m:r>
+                              </m:e>
+                              <m:sub>
+                                <m:r>
+                                  <a:rPr lang="en-GB" sz="2400" i="1">
+                                    <a:latin typeface="Cambria Math" panose="02040503050406030204" pitchFamily="18" charset="0"/>
+                                  </a:rPr>
+                                  <m:t>𝑗</m:t>
+                                </m:r>
+                              </m:sub>
+                            </m:sSub>
+                          </m:e>
+                        </m:d>
+                      </m:den>
+                    </m:f>
+                    <m:r>
+                      <a:rPr lang="en-GB" sz="2400" i="1" dirty="0">
+                        <a:latin typeface="Cambria Math" panose="02040503050406030204" pitchFamily="18" charset="0"/>
+                      </a:rPr>
+                      <m:t>⇒</m:t>
+                    </m:r>
+                    <m:f>
+                      <m:fPr>
+                        <m:ctrlPr>
+                          <a:rPr lang="en-GB" sz="2400" i="1">
+                            <a:latin typeface="Cambria Math" panose="02040503050406030204" pitchFamily="18" charset="0"/>
+                          </a:rPr>
+                        </m:ctrlPr>
+                      </m:fPr>
+                      <m:num>
+                        <m:r>
+                          <a:rPr lang="en-GB" sz="2400" i="1">
+                            <a:latin typeface="Cambria Math" panose="02040503050406030204" pitchFamily="18" charset="0"/>
+                          </a:rPr>
+                          <m:t>𝑃</m:t>
+                        </m:r>
+                        <m:d>
+                          <m:dPr>
+                            <m:ctrlPr>
+                              <a:rPr lang="en-GB" sz="2400" i="1">
+                                <a:latin typeface="Cambria Math" panose="02040503050406030204" pitchFamily="18" charset="0"/>
+                              </a:rPr>
+                            </m:ctrlPr>
+                          </m:dPr>
+                          <m:e>
+                            <m:sSub>
+                              <m:sSubPr>
+                                <m:ctrlPr>
+                                  <a:rPr lang="en-GB" sz="2400" i="1">
+                                    <a:latin typeface="Cambria Math" panose="02040503050406030204" pitchFamily="18" charset="0"/>
+                                  </a:rPr>
+                                </m:ctrlPr>
+                              </m:sSubPr>
+                              <m:e>
+                                <m:r>
+                                  <a:rPr lang="en-GB" sz="2400" i="1">
+                                    <a:latin typeface="Cambria Math" panose="02040503050406030204" pitchFamily="18" charset="0"/>
+                                  </a:rPr>
+                                  <m:t>𝑟</m:t>
+                                </m:r>
+                              </m:e>
+                              <m:sub>
+                                <m:r>
+                                  <a:rPr lang="en-GB" sz="2400" i="1">
+                                    <a:latin typeface="Cambria Math" panose="02040503050406030204" pitchFamily="18" charset="0"/>
+                                  </a:rPr>
+                                  <m:t>𝑖</m:t>
+                                </m:r>
+                              </m:sub>
+                            </m:sSub>
+                          </m:e>
+                        </m:d>
+                      </m:num>
+                      <m:den>
+                        <m:d>
+                          <m:dPr>
+                            <m:begChr m:val="|"/>
+                            <m:endChr m:val="|"/>
+                            <m:ctrlPr>
+                              <a:rPr lang="en-GB" sz="2400" i="1">
+                                <a:latin typeface="Cambria Math" panose="02040503050406030204" pitchFamily="18" charset="0"/>
+                              </a:rPr>
+                            </m:ctrlPr>
+                          </m:dPr>
+                          <m:e>
+                            <m:sSub>
+                              <m:sSubPr>
+                                <m:ctrlPr>
+                                  <a:rPr lang="en-GB" sz="2400" i="1">
+                                    <a:latin typeface="Cambria Math" panose="02040503050406030204" pitchFamily="18" charset="0"/>
+                                  </a:rPr>
+                                </m:ctrlPr>
+                              </m:sSubPr>
+                              <m:e>
+                                <m:r>
+                                  <a:rPr lang="en-GB" sz="2400" i="1">
+                                    <a:latin typeface="Cambria Math" panose="02040503050406030204" pitchFamily="18" charset="0"/>
+                                  </a:rPr>
+                                  <m:t>𝑟</m:t>
+                                </m:r>
+                              </m:e>
+                              <m:sub>
+                                <m:r>
+                                  <a:rPr lang="en-GB" sz="2400" i="1">
+                                    <a:latin typeface="Cambria Math" panose="02040503050406030204" pitchFamily="18" charset="0"/>
+                                  </a:rPr>
+                                  <m:t>𝑖</m:t>
+                                </m:r>
+                              </m:sub>
+                            </m:sSub>
+                            <m:r>
+                              <a:rPr lang="en-GB" sz="2400" i="1">
+                                <a:latin typeface="Cambria Math" panose="02040503050406030204" pitchFamily="18" charset="0"/>
+                              </a:rPr>
+                              <m:t>−</m:t>
+                            </m:r>
+                            <m:sSub>
+                              <m:sSubPr>
+                                <m:ctrlPr>
+                                  <a:rPr lang="en-GB" sz="2400" i="1">
+                                    <a:latin typeface="Cambria Math" panose="02040503050406030204" pitchFamily="18" charset="0"/>
+                                  </a:rPr>
+                                </m:ctrlPr>
+                              </m:sSubPr>
+                              <m:e>
+                                <m:r>
+                                  <a:rPr lang="en-GB" sz="2400" i="1">
+                                    <a:latin typeface="Cambria Math" panose="02040503050406030204" pitchFamily="18" charset="0"/>
+                                  </a:rPr>
+                                  <m:t>𝑟</m:t>
+                                </m:r>
+                              </m:e>
+                              <m:sub>
+                                <m:r>
+                                  <a:rPr lang="en-GB" sz="2400" i="1">
+                                    <a:latin typeface="Cambria Math" panose="02040503050406030204" pitchFamily="18" charset="0"/>
+                                  </a:rPr>
+                                  <m:t>𝑗</m:t>
+                                </m:r>
+                              </m:sub>
+                            </m:sSub>
+                          </m:e>
+                        </m:d>
+                      </m:den>
+                    </m:f>
+                  </m:oMath>
                 </a14:m>
-                <a:endParaRPr lang="en-GB" dirty="0"/>
+                <a:r>
+                  <a:rPr lang="en-GB" sz="2400" dirty="0" smtClean="0"/>
+                  <a:t> 			</a:t>
+                </a:r>
+                <a14:m>
+                  <m:oMath xmlns:m="http://schemas.openxmlformats.org/officeDocument/2006/math">
+                    <m:r>
+                      <a:rPr lang="en-GB" sz="2400" b="1" i="1" smtClean="0">
+                        <a:latin typeface="Cambria Math" panose="02040503050406030204" pitchFamily="18" charset="0"/>
+                      </a:rPr>
+                      <m:t>𝑬</m:t>
+                    </m:r>
+                    <m:d>
+                      <m:dPr>
+                        <m:ctrlPr>
+                          <a:rPr lang="en-GB" sz="2400" b="1" i="1" smtClean="0">
+                            <a:latin typeface="Cambria Math" panose="02040503050406030204" pitchFamily="18" charset="0"/>
+                          </a:rPr>
+                        </m:ctrlPr>
+                      </m:dPr>
+                      <m:e>
+                        <m:sSub>
+                          <m:sSubPr>
+                            <m:ctrlPr>
+                              <a:rPr lang="en-GB" sz="2400" b="1" i="1" smtClean="0">
+                                <a:latin typeface="Cambria Math" panose="02040503050406030204" pitchFamily="18" charset="0"/>
+                              </a:rPr>
+                            </m:ctrlPr>
+                          </m:sSubPr>
+                          <m:e>
+                            <m:r>
+                              <a:rPr lang="en-GB" sz="2400" b="1" i="1" smtClean="0">
+                                <a:latin typeface="Cambria Math" panose="02040503050406030204" pitchFamily="18" charset="0"/>
+                              </a:rPr>
+                              <m:t>𝒓</m:t>
+                            </m:r>
+                          </m:e>
+                          <m:sub>
+                            <m:r>
+                              <a:rPr lang="en-GB" sz="2400" b="1" i="1" smtClean="0">
+                                <a:latin typeface="Cambria Math" panose="02040503050406030204" pitchFamily="18" charset="0"/>
+                              </a:rPr>
+                              <m:t>𝒋</m:t>
+                            </m:r>
+                          </m:sub>
+                        </m:sSub>
+                      </m:e>
+                    </m:d>
+                    <m:r>
+                      <a:rPr lang="en-GB" sz="2400" b="0" i="1" smtClean="0">
+                        <a:latin typeface="Cambria Math" panose="02040503050406030204" pitchFamily="18" charset="0"/>
+                      </a:rPr>
+                      <m:t>=</m:t>
+                    </m:r>
+                    <m:nary>
+                      <m:naryPr>
+                        <m:chr m:val="∑"/>
+                        <m:ctrlPr>
+                          <a:rPr lang="en-GB" sz="2400" i="1">
+                            <a:latin typeface="Cambria Math" panose="02040503050406030204" pitchFamily="18" charset="0"/>
+                          </a:rPr>
+                        </m:ctrlPr>
+                      </m:naryPr>
+                      <m:sub>
+                        <m:r>
+                          <m:rPr>
+                            <m:brk m:alnAt="23"/>
+                          </m:rPr>
+                          <a:rPr lang="en-GB" sz="2400" i="1">
+                            <a:latin typeface="Cambria Math" panose="02040503050406030204" pitchFamily="18" charset="0"/>
+                          </a:rPr>
+                          <m:t>𝑖</m:t>
+                        </m:r>
+                        <m:r>
+                          <a:rPr lang="en-GB" sz="2400" i="1">
+                            <a:latin typeface="Cambria Math" panose="02040503050406030204" pitchFamily="18" charset="0"/>
+                          </a:rPr>
+                          <m:t>=0</m:t>
+                        </m:r>
+                      </m:sub>
+                      <m:sup>
+                        <m:r>
+                          <a:rPr lang="en-GB" sz="2400" i="1">
+                            <a:latin typeface="Cambria Math" panose="02040503050406030204" pitchFamily="18" charset="0"/>
+                          </a:rPr>
+                          <m:t>𝑁</m:t>
+                        </m:r>
+                        <m:r>
+                          <a:rPr lang="en-GB" sz="2400" i="1">
+                            <a:latin typeface="Cambria Math" panose="02040503050406030204" pitchFamily="18" charset="0"/>
+                          </a:rPr>
+                          <m:t>−1</m:t>
+                        </m:r>
+                      </m:sup>
+                      <m:e>
+                        <m:sSub>
+                          <m:sSubPr>
+                            <m:ctrlPr>
+                              <a:rPr lang="en-GB" sz="2400" i="1">
+                                <a:latin typeface="Cambria Math" panose="02040503050406030204" pitchFamily="18" charset="0"/>
+                              </a:rPr>
+                            </m:ctrlPr>
+                          </m:sSubPr>
+                          <m:e>
+                            <m:r>
+                              <a:rPr lang="en-GB" sz="2400" b="0" i="1" smtClean="0">
+                                <a:latin typeface="Cambria Math" panose="02040503050406030204" pitchFamily="18" charset="0"/>
+                              </a:rPr>
+                              <m:t>𝐸</m:t>
+                            </m:r>
+                          </m:e>
+                          <m:sub>
+                            <m:r>
+                              <a:rPr lang="en-GB" sz="2400" i="1">
+                                <a:latin typeface="Cambria Math" panose="02040503050406030204" pitchFamily="18" charset="0"/>
+                              </a:rPr>
+                              <m:t>𝑖</m:t>
+                            </m:r>
+                          </m:sub>
+                        </m:sSub>
+                        <m:d>
+                          <m:dPr>
+                            <m:ctrlPr>
+                              <a:rPr lang="en-GB" sz="2400" i="1">
+                                <a:latin typeface="Cambria Math" panose="02040503050406030204" pitchFamily="18" charset="0"/>
+                              </a:rPr>
+                            </m:ctrlPr>
+                          </m:dPr>
+                          <m:e>
+                            <m:sSub>
+                              <m:sSubPr>
+                                <m:ctrlPr>
+                                  <a:rPr lang="en-GB" sz="2400" i="1">
+                                    <a:latin typeface="Cambria Math" panose="02040503050406030204" pitchFamily="18" charset="0"/>
+                                  </a:rPr>
+                                </m:ctrlPr>
+                              </m:sSubPr>
+                              <m:e>
+                                <m:r>
+                                  <a:rPr lang="en-GB" sz="2400" i="1">
+                                    <a:latin typeface="Cambria Math" panose="02040503050406030204" pitchFamily="18" charset="0"/>
+                                  </a:rPr>
+                                  <m:t>𝑟</m:t>
+                                </m:r>
+                              </m:e>
+                              <m:sub>
+                                <m:r>
+                                  <a:rPr lang="en-GB" sz="2400" i="1">
+                                    <a:latin typeface="Cambria Math" panose="02040503050406030204" pitchFamily="18" charset="0"/>
+                                  </a:rPr>
+                                  <m:t>𝑗</m:t>
+                                </m:r>
+                              </m:sub>
+                            </m:sSub>
+                          </m:e>
+                        </m:d>
+                      </m:e>
+                    </m:nary>
+                  </m:oMath>
+                </a14:m>
+                <a:r>
+                  <a:rPr lang="en-GB" sz="2000" dirty="0" smtClean="0"/>
+                  <a:t>	</a:t>
+                </a:r>
+                <a:endParaRPr lang="en-GB" sz="2000" dirty="0"/>
               </a:p>
             </p:txBody>
           </p:sp>
@@ -6493,16 +10024,16 @@
             </p:nvSpPr>
             <p:spPr>
               <a:xfrm>
-                <a:off x="628650" y="3830232"/>
-                <a:ext cx="7886700" cy="1293239"/>
+                <a:off x="324091" y="4531358"/>
+                <a:ext cx="8414795" cy="1565172"/>
               </a:xfrm>
               <a:prstGeom prst="rect">
                 <a:avLst/>
               </a:prstGeom>
               <a:blipFill>
-                <a:blip r:embed="rId4"/>
+                <a:blip r:embed="rId3"/>
                 <a:stretch>
-                  <a:fillRect b="-2830"/>
+                  <a:fillRect/>
                 </a:stretch>
               </a:blipFill>
             </p:spPr>
@@ -6521,6 +10052,401 @@
           </p:sp>
         </mc:Fallback>
       </mc:AlternateContent>
+      <p:grpSp>
+        <p:nvGrpSpPr>
+          <p:cNvPr id="7" name="Gruppieren 6"/>
+          <p:cNvGrpSpPr>
+            <a:grpSpLocks noChangeAspect="1"/>
+          </p:cNvGrpSpPr>
+          <p:nvPr/>
+        </p:nvGrpSpPr>
+        <p:grpSpPr>
+          <a:xfrm>
+            <a:off x="1328873" y="786624"/>
+            <a:ext cx="6203039" cy="3614824"/>
+            <a:chOff x="2004584" y="795130"/>
+            <a:chExt cx="5134832" cy="2992326"/>
+          </a:xfrm>
+        </p:grpSpPr>
+        <p:pic>
+          <p:nvPicPr>
+            <p:cNvPr id="14" name="Grafik 13"/>
+            <p:cNvPicPr>
+              <a:picLocks noChangeAspect="1"/>
+            </p:cNvPicPr>
+            <p:nvPr/>
+          </p:nvPicPr>
+          <p:blipFill>
+            <a:blip r:embed="rId4" cstate="print">
+              <a:extLst>
+                <a:ext uri="{28A0092B-C50C-407E-A947-70E740481C1C}">
+                  <a14:useLocalDpi xmlns:a14="http://schemas.microsoft.com/office/drawing/2010/main" val="0"/>
+                </a:ext>
+              </a:extLst>
+            </a:blip>
+            <a:stretch>
+              <a:fillRect/>
+            </a:stretch>
+          </p:blipFill>
+          <p:spPr>
+            <a:xfrm>
+              <a:off x="2004584" y="795130"/>
+              <a:ext cx="5134832" cy="2992326"/>
+            </a:xfrm>
+            <a:prstGeom prst="rect">
+              <a:avLst/>
+            </a:prstGeom>
+          </p:spPr>
+        </p:pic>
+        <mc:AlternateContent xmlns:mc="http://schemas.openxmlformats.org/markup-compatibility/2006" xmlns:a14="http://schemas.microsoft.com/office/drawing/2010/main">
+          <mc:Choice Requires="a14">
+            <p:sp>
+              <p:nvSpPr>
+                <p:cNvPr id="3" name="Textfeld 2"/>
+                <p:cNvSpPr txBox="1"/>
+                <p:nvPr/>
+              </p:nvSpPr>
+              <p:spPr>
+                <a:xfrm>
+                  <a:off x="4868954" y="2070216"/>
+                  <a:ext cx="365760" cy="327174"/>
+                </a:xfrm>
+                <a:prstGeom prst="rect">
+                  <a:avLst/>
+                </a:prstGeom>
+                <a:noFill/>
+              </p:spPr>
+              <p:txBody>
+                <a:bodyPr wrap="square" rtlCol="0">
+                  <a:spAutoFit/>
+                </a:bodyPr>
+                <a:lstStyle/>
+                <a:p>
+                  <a:pPr/>
+                  <a14:m>
+                    <m:oMathPara xmlns:m="http://schemas.openxmlformats.org/officeDocument/2006/math">
+                      <m:oMathParaPr>
+                        <m:jc m:val="centerGroup"/>
+                      </m:oMathParaPr>
+                      <m:oMath xmlns:m="http://schemas.openxmlformats.org/officeDocument/2006/math">
+                        <m:sSub>
+                          <m:sSubPr>
+                            <m:ctrlPr>
+                              <a:rPr lang="en-GB" b="1" i="1" dirty="0" smtClean="0">
+                                <a:latin typeface="Cambria Math" panose="02040503050406030204" pitchFamily="18" charset="0"/>
+                                <a:cs typeface="Times New Roman" panose="02020603050405020304" pitchFamily="18" charset="0"/>
+                              </a:rPr>
+                            </m:ctrlPr>
+                          </m:sSubPr>
+                          <m:e>
+                            <m:r>
+                              <a:rPr lang="en-GB" b="1" i="0" dirty="0" smtClean="0">
+                                <a:latin typeface="Cambria Math" panose="02040503050406030204" pitchFamily="18" charset="0"/>
+                                <a:cs typeface="Times New Roman" panose="02020603050405020304" pitchFamily="18" charset="0"/>
+                              </a:rPr>
+                              <m:t>𝐫</m:t>
+                            </m:r>
+                          </m:e>
+                          <m:sub>
+                            <m:r>
+                              <a:rPr lang="en-GB" b="1" i="0" dirty="0" smtClean="0">
+                                <a:latin typeface="Cambria Math" panose="02040503050406030204" pitchFamily="18" charset="0"/>
+                                <a:cs typeface="Times New Roman" panose="02020603050405020304" pitchFamily="18" charset="0"/>
+                              </a:rPr>
+                              <m:t>𝐣</m:t>
+                            </m:r>
+                          </m:sub>
+                        </m:sSub>
+                      </m:oMath>
+                    </m:oMathPara>
+                  </a14:m>
+                  <a:endParaRPr lang="en-GB" b="1" dirty="0">
+                    <a:latin typeface="Times New Roman" panose="02020603050405020304" pitchFamily="18" charset="0"/>
+                    <a:cs typeface="Times New Roman" panose="02020603050405020304" pitchFamily="18" charset="0"/>
+                  </a:endParaRPr>
+                </a:p>
+              </p:txBody>
+            </p:sp>
+          </mc:Choice>
+          <mc:Fallback xmlns="">
+            <p:sp>
+              <p:nvSpPr>
+                <p:cNvPr id="3" name="Textfeld 2"/>
+                <p:cNvSpPr txBox="1">
+                  <a:spLocks noRot="1" noChangeAspect="1" noMove="1" noResize="1" noEditPoints="1" noAdjustHandles="1" noChangeArrowheads="1" noChangeShapeType="1" noTextEdit="1"/>
+                </p:cNvSpPr>
+                <p:nvPr/>
+              </p:nvSpPr>
+              <p:spPr>
+                <a:xfrm>
+                  <a:off x="4868954" y="2070216"/>
+                  <a:ext cx="365760" cy="327174"/>
+                </a:xfrm>
+                <a:prstGeom prst="rect">
+                  <a:avLst/>
+                </a:prstGeom>
+                <a:blipFill>
+                  <a:blip r:embed="rId5"/>
+                  <a:stretch>
+                    <a:fillRect b="-7692"/>
+                  </a:stretch>
+                </a:blipFill>
+              </p:spPr>
+              <p:txBody>
+                <a:bodyPr/>
+                <a:lstStyle/>
+                <a:p>
+                  <a:r>
+                    <a:rPr lang="en-GB">
+                      <a:noFill/>
+                    </a:rPr>
+                    <a:t> </a:t>
+                  </a:r>
+                </a:p>
+              </p:txBody>
+            </p:sp>
+          </mc:Fallback>
+        </mc:AlternateContent>
+      </p:grpSp>
+      <mc:AlternateContent xmlns:mc="http://schemas.openxmlformats.org/markup-compatibility/2006" xmlns:a14="http://schemas.microsoft.com/office/drawing/2010/main">
+        <mc:Choice Requires="a14">
+          <p:sp>
+            <p:nvSpPr>
+              <p:cNvPr id="10" name="Textfeld 9"/>
+              <p:cNvSpPr txBox="1"/>
+              <p:nvPr/>
+            </p:nvSpPr>
+            <p:spPr>
+              <a:xfrm>
+                <a:off x="5277186" y="3312744"/>
+                <a:ext cx="441850" cy="395236"/>
+              </a:xfrm>
+              <a:prstGeom prst="rect">
+                <a:avLst/>
+              </a:prstGeom>
+              <a:noFill/>
+            </p:spPr>
+            <p:txBody>
+              <a:bodyPr wrap="square" rtlCol="0">
+                <a:spAutoFit/>
+              </a:bodyPr>
+              <a:lstStyle/>
+              <a:p>
+                <a:pPr/>
+                <a14:m>
+                  <m:oMathPara xmlns:m="http://schemas.openxmlformats.org/officeDocument/2006/math">
+                    <m:oMathParaPr>
+                      <m:jc m:val="centerGroup"/>
+                    </m:oMathParaPr>
+                    <m:oMath xmlns:m="http://schemas.openxmlformats.org/officeDocument/2006/math">
+                      <m:sSub>
+                        <m:sSubPr>
+                          <m:ctrlPr>
+                            <a:rPr lang="en-GB" b="1" i="1" dirty="0" smtClean="0">
+                              <a:latin typeface="Cambria Math" panose="02040503050406030204" pitchFamily="18" charset="0"/>
+                              <a:cs typeface="Times New Roman" panose="02020603050405020304" pitchFamily="18" charset="0"/>
+                            </a:rPr>
+                          </m:ctrlPr>
+                        </m:sSubPr>
+                        <m:e/>
+                        <m:sub>
+                          <m:r>
+                            <a:rPr lang="en-GB" b="1" i="0" dirty="0" smtClean="0">
+                              <a:latin typeface="Cambria Math" panose="02040503050406030204" pitchFamily="18" charset="0"/>
+                              <a:cs typeface="Times New Roman" panose="02020603050405020304" pitchFamily="18" charset="0"/>
+                            </a:rPr>
+                            <m:t>𝐣</m:t>
+                          </m:r>
+                        </m:sub>
+                      </m:sSub>
+                    </m:oMath>
+                  </m:oMathPara>
+                </a14:m>
+                <a:endParaRPr lang="en-GB" b="1" dirty="0">
+                  <a:latin typeface="Times New Roman" panose="02020603050405020304" pitchFamily="18" charset="0"/>
+                  <a:cs typeface="Times New Roman" panose="02020603050405020304" pitchFamily="18" charset="0"/>
+                </a:endParaRPr>
+              </a:p>
+            </p:txBody>
+          </p:sp>
+        </mc:Choice>
+        <mc:Fallback xmlns="">
+          <p:sp>
+            <p:nvSpPr>
+              <p:cNvPr id="10" name="Textfeld 9"/>
+              <p:cNvSpPr txBox="1">
+                <a:spLocks noRot="1" noChangeAspect="1" noMove="1" noResize="1" noEditPoints="1" noAdjustHandles="1" noChangeArrowheads="1" noChangeShapeType="1" noTextEdit="1"/>
+              </p:cNvSpPr>
+              <p:nvPr/>
+            </p:nvSpPr>
+            <p:spPr>
+              <a:xfrm>
+                <a:off x="5277186" y="3312744"/>
+                <a:ext cx="441850" cy="395236"/>
+              </a:xfrm>
+              <a:prstGeom prst="rect">
+                <a:avLst/>
+              </a:prstGeom>
+              <a:blipFill>
+                <a:blip r:embed="rId6"/>
+                <a:stretch>
+                  <a:fillRect b="-9231"/>
+                </a:stretch>
+              </a:blipFill>
+            </p:spPr>
+            <p:txBody>
+              <a:bodyPr/>
+              <a:lstStyle/>
+              <a:p>
+                <a:r>
+                  <a:rPr lang="en-GB">
+                    <a:noFill/>
+                  </a:rPr>
+                  <a:t> </a:t>
+                </a:r>
+              </a:p>
+            </p:txBody>
+          </p:sp>
+        </mc:Fallback>
+      </mc:AlternateContent>
+      <mc:AlternateContent xmlns:mc="http://schemas.openxmlformats.org/markup-compatibility/2006" xmlns:a14="http://schemas.microsoft.com/office/drawing/2010/main">
+        <mc:Choice Requires="a14">
+          <p:sp>
+            <p:nvSpPr>
+              <p:cNvPr id="11" name="Textfeld 10"/>
+              <p:cNvSpPr txBox="1"/>
+              <p:nvPr/>
+            </p:nvSpPr>
+            <p:spPr>
+              <a:xfrm>
+                <a:off x="4095563" y="1416426"/>
+                <a:ext cx="441850" cy="361574"/>
+              </a:xfrm>
+              <a:prstGeom prst="rect">
+                <a:avLst/>
+              </a:prstGeom>
+              <a:noFill/>
+            </p:spPr>
+            <p:txBody>
+              <a:bodyPr wrap="square" rtlCol="0">
+                <a:spAutoFit/>
+              </a:bodyPr>
+              <a:lstStyle/>
+              <a:p>
+                <a:pPr/>
+                <a14:m>
+                  <m:oMathPara xmlns:m="http://schemas.openxmlformats.org/officeDocument/2006/math">
+                    <m:oMathParaPr>
+                      <m:jc m:val="centerGroup"/>
+                    </m:oMathParaPr>
+                    <m:oMath xmlns:m="http://schemas.openxmlformats.org/officeDocument/2006/math">
+                      <m:sSub>
+                        <m:sSubPr>
+                          <m:ctrlPr>
+                            <a:rPr lang="en-GB" sz="1600" b="1" i="1" dirty="0" smtClean="0">
+                              <a:latin typeface="Cambria Math" panose="02040503050406030204" pitchFamily="18" charset="0"/>
+                              <a:cs typeface="Times New Roman" panose="02020603050405020304" pitchFamily="18" charset="0"/>
+                            </a:rPr>
+                          </m:ctrlPr>
+                        </m:sSubPr>
+                        <m:e/>
+                        <m:sub>
+                          <m:r>
+                            <a:rPr lang="en-GB" sz="1600" b="1" i="0" dirty="0" smtClean="0">
+                              <a:latin typeface="Cambria Math" panose="02040503050406030204" pitchFamily="18" charset="0"/>
+                              <a:cs typeface="Times New Roman" panose="02020603050405020304" pitchFamily="18" charset="0"/>
+                            </a:rPr>
+                            <m:t>𝐣</m:t>
+                          </m:r>
+                        </m:sub>
+                      </m:sSub>
+                    </m:oMath>
+                  </m:oMathPara>
+                </a14:m>
+                <a:endParaRPr lang="en-GB" sz="1600" b="1" dirty="0">
+                  <a:latin typeface="Times New Roman" panose="02020603050405020304" pitchFamily="18" charset="0"/>
+                  <a:cs typeface="Times New Roman" panose="02020603050405020304" pitchFamily="18" charset="0"/>
+                </a:endParaRPr>
+              </a:p>
+            </p:txBody>
+          </p:sp>
+        </mc:Choice>
+        <mc:Fallback xmlns="">
+          <p:sp>
+            <p:nvSpPr>
+              <p:cNvPr id="11" name="Textfeld 10"/>
+              <p:cNvSpPr txBox="1">
+                <a:spLocks noRot="1" noChangeAspect="1" noMove="1" noResize="1" noEditPoints="1" noAdjustHandles="1" noChangeArrowheads="1" noChangeShapeType="1" noTextEdit="1"/>
+              </p:cNvSpPr>
+              <p:nvPr/>
+            </p:nvSpPr>
+            <p:spPr>
+              <a:xfrm>
+                <a:off x="4095563" y="1416426"/>
+                <a:ext cx="441850" cy="361574"/>
+              </a:xfrm>
+              <a:prstGeom prst="rect">
+                <a:avLst/>
+              </a:prstGeom>
+              <a:blipFill>
+                <a:blip r:embed="rId7"/>
+                <a:stretch>
+                  <a:fillRect b="-5000"/>
+                </a:stretch>
+              </a:blipFill>
+            </p:spPr>
+            <p:txBody>
+              <a:bodyPr/>
+              <a:lstStyle/>
+              <a:p>
+                <a:r>
+                  <a:rPr lang="en-GB">
+                    <a:noFill/>
+                  </a:rPr>
+                  <a:t> </a:t>
+                </a:r>
+              </a:p>
+            </p:txBody>
+          </p:sp>
+        </mc:Fallback>
+      </mc:AlternateContent>
+      <p:sp>
+        <p:nvSpPr>
+          <p:cNvPr id="12" name="Rechteck 11"/>
+          <p:cNvSpPr/>
+          <p:nvPr/>
+        </p:nvSpPr>
+        <p:spPr>
+          <a:xfrm>
+            <a:off x="3949579" y="4223581"/>
+            <a:ext cx="4144549" cy="307777"/>
+          </a:xfrm>
+          <a:prstGeom prst="rect">
+            <a:avLst/>
+          </a:prstGeom>
+        </p:spPr>
+        <p:txBody>
+          <a:bodyPr wrap="square">
+            <a:spAutoFit/>
+          </a:bodyPr>
+          <a:lstStyle/>
+          <a:p>
+            <a:pPr lvl="0"/>
+            <a:r>
+              <a:rPr lang="en-GB" sz="1400" dirty="0" smtClean="0"/>
+              <a:t>Image s</a:t>
+            </a:r>
+            <a:r>
+              <a:rPr lang="en-GB" sz="1400" dirty="0" smtClean="0"/>
+              <a:t>ource</a:t>
+            </a:r>
+            <a:r>
+              <a:rPr lang="en-GB" sz="1400" dirty="0"/>
+              <a:t>: [1]</a:t>
+            </a:r>
+          </a:p>
+        </p:txBody>
+      </p:sp>
     </p:spTree>
     <p:extLst>
       <p:ext uri="{BB962C8B-B14F-4D97-AF65-F5344CB8AC3E}">
@@ -6531,6 +10457,13 @@
   <p:clrMapOvr>
     <a:masterClrMapping/>
   </p:clrMapOvr>
+  <p:timing>
+    <p:tnLst>
+      <p:par>
+        <p:cTn id="1" dur="indefinite" restart="never" nodeType="tmRoot"/>
+      </p:par>
+    </p:tnLst>
+  </p:timing>
 </p:sld>
 </file>
 
@@ -6563,525 +10496,43 @@
         </p:nvSpPr>
         <p:spPr/>
         <p:txBody>
-          <a:bodyPr>
-            <a:normAutofit/>
-          </a:bodyPr>
-          <a:lstStyle/>
-          <a:p>
-            <a:r>
-              <a:rPr lang="en-GB" dirty="0"/>
-              <a:t>Method Application</a:t>
-            </a:r>
-          </a:p>
-        </p:txBody>
-      </p:sp>
-      <mc:AlternateContent xmlns:mc="http://schemas.openxmlformats.org/markup-compatibility/2006" xmlns:a14="http://schemas.microsoft.com/office/drawing/2010/main">
-        <mc:Choice Requires="a14">
-          <p:sp>
-            <p:nvSpPr>
-              <p:cNvPr id="3" name="Inhaltsplatzhalter 2"/>
-              <p:cNvSpPr>
-                <a:spLocks noGrp="1"/>
-              </p:cNvSpPr>
-              <p:nvPr>
-                <p:ph idx="1"/>
-              </p:nvPr>
-            </p:nvSpPr>
-            <p:spPr>
-              <a:xfrm>
-                <a:off x="628650" y="1831278"/>
-                <a:ext cx="7886700" cy="4351338"/>
-              </a:xfrm>
-            </p:spPr>
-            <p:txBody>
-              <a:bodyPr>
-                <a:normAutofit fontScale="55000" lnSpcReduction="20000"/>
-              </a:bodyPr>
-              <a:lstStyle/>
-              <a:p>
-                <a:pPr lvl="0"/>
-                <a:r>
-                  <a:rPr lang="en-GB" dirty="0"/>
-                  <a:t>Method</a:t>
-                </a:r>
-              </a:p>
-              <a:p>
-                <a:pPr lvl="1"/>
-                <a:r>
-                  <a:rPr lang="en-GB" dirty="0"/>
-                  <a:t>Force field –&gt; potential energy surface: comparable to mountain with peaks and ridges, where peaks = potential energy wells (sources) and ridges = energy channels, that lead to the wells (picture 2)</a:t>
-                </a:r>
-              </a:p>
-              <a:p>
-                <a:pPr lvl="2"/>
-                <a:r>
-                  <a:rPr lang="en-GB" dirty="0"/>
-                  <a:t>Image scaling or initialisation (picture 1) position translation invariant</a:t>
-                </a:r>
-              </a:p>
-              <a:p>
-                <a:pPr lvl="2"/>
-                <a:r>
-                  <a:rPr lang="en-GB" dirty="0"/>
-                  <a:t>Very tolerant of noise due to its inherent averaging</a:t>
-                </a:r>
-              </a:p>
-              <a:p>
-                <a:pPr lvl="1"/>
-                <a:r>
-                  <a:rPr lang="en-GB" dirty="0"/>
-                  <a:t>The image contains an array of N attracting particles that exert a force </a:t>
-                </a:r>
-                <a:r>
-                  <a:rPr lang="en-GB" dirty="0" err="1"/>
-                  <a:t>F_i</a:t>
-                </a:r>
-                <a:r>
-                  <a:rPr lang="en-GB" dirty="0"/>
-                  <a:t>(</a:t>
-                </a:r>
-                <a:r>
-                  <a:rPr lang="en-GB" dirty="0" err="1"/>
-                  <a:t>r_j</a:t>
-                </a:r>
-                <a:r>
-                  <a:rPr lang="en-GB" dirty="0"/>
-                  <a:t>) of unit intensity at the pixel location with position vector </a:t>
-                </a:r>
-                <a:r>
-                  <a:rPr lang="en-GB" dirty="0" err="1"/>
-                  <a:t>r_j</a:t>
-                </a:r>
-                <a:r>
-                  <a:rPr lang="en-GB" dirty="0"/>
-                  <a:t> by any other pixel </a:t>
-                </a:r>
-                <a:r>
-                  <a:rPr lang="en-GB" dirty="0" err="1"/>
-                  <a:t>pos.vec</a:t>
-                </a:r>
-                <a:r>
-                  <a:rPr lang="en-GB" dirty="0"/>
-                  <a:t>. </a:t>
-                </a:r>
-                <a:r>
-                  <a:rPr lang="en-GB" dirty="0" err="1"/>
-                  <a:t>r_i</a:t>
-                </a:r>
-                <a:r>
-                  <a:rPr lang="en-GB" dirty="0"/>
-                  <a:t> and pixel intensity P(</a:t>
-                </a:r>
-                <a:r>
-                  <a:rPr lang="en-GB" dirty="0" err="1"/>
-                  <a:t>r_i</a:t>
-                </a:r>
-                <a:r>
-                  <a:rPr lang="en-GB" dirty="0"/>
-                  <a:t>)</a:t>
-                </a:r>
-                <a:br>
-                  <a:rPr lang="en-GB" dirty="0"/>
-                </a:br>
-                <a14:m>
-                  <m:oMath xmlns:m="http://schemas.openxmlformats.org/officeDocument/2006/math">
-                    <m:sSub>
-                      <m:sSubPr>
-                        <m:ctrlPr>
-                          <a:rPr lang="en-GB" i="1">
-                            <a:latin typeface="Cambria Math" panose="02040503050406030204" pitchFamily="18" charset="0"/>
-                          </a:rPr>
-                        </m:ctrlPr>
-                      </m:sSubPr>
-                      <m:e>
-                        <m:r>
-                          <a:rPr lang="en-GB" i="1">
-                            <a:latin typeface="Cambria Math" panose="02040503050406030204" pitchFamily="18" charset="0"/>
-                          </a:rPr>
-                          <m:t>𝐹</m:t>
-                        </m:r>
-                      </m:e>
-                      <m:sub>
-                        <m:r>
-                          <a:rPr lang="en-GB" i="1">
-                            <a:latin typeface="Cambria Math" panose="02040503050406030204" pitchFamily="18" charset="0"/>
-                          </a:rPr>
-                          <m:t>𝑖</m:t>
-                        </m:r>
-                      </m:sub>
-                    </m:sSub>
-                    <m:d>
-                      <m:dPr>
-                        <m:ctrlPr>
-                          <a:rPr lang="en-GB" i="1">
-                            <a:latin typeface="Cambria Math" panose="02040503050406030204" pitchFamily="18" charset="0"/>
-                          </a:rPr>
-                        </m:ctrlPr>
-                      </m:dPr>
-                      <m:e>
-                        <m:sSub>
-                          <m:sSubPr>
-                            <m:ctrlPr>
-                              <a:rPr lang="en-GB" i="1">
-                                <a:latin typeface="Cambria Math" panose="02040503050406030204" pitchFamily="18" charset="0"/>
-                              </a:rPr>
-                            </m:ctrlPr>
-                          </m:sSubPr>
-                          <m:e>
-                            <m:r>
-                              <a:rPr lang="en-GB" i="1">
-                                <a:latin typeface="Cambria Math" panose="02040503050406030204" pitchFamily="18" charset="0"/>
-                              </a:rPr>
-                              <m:t>𝑟</m:t>
-                            </m:r>
-                          </m:e>
-                          <m:sub>
-                            <m:r>
-                              <a:rPr lang="en-GB" i="1">
-                                <a:latin typeface="Cambria Math" panose="02040503050406030204" pitchFamily="18" charset="0"/>
-                              </a:rPr>
-                              <m:t>𝑗</m:t>
-                            </m:r>
-                          </m:sub>
-                        </m:sSub>
-                      </m:e>
-                    </m:d>
-                    <m:r>
-                      <a:rPr lang="en-GB" i="1">
-                        <a:latin typeface="Cambria Math" panose="02040503050406030204" pitchFamily="18" charset="0"/>
-                      </a:rPr>
-                      <m:t>=</m:t>
-                    </m:r>
-                    <m:r>
-                      <a:rPr lang="en-GB" i="1">
-                        <a:latin typeface="Cambria Math" panose="02040503050406030204" pitchFamily="18" charset="0"/>
-                      </a:rPr>
-                      <m:t>𝑃</m:t>
-                    </m:r>
-                    <m:d>
-                      <m:dPr>
-                        <m:ctrlPr>
-                          <a:rPr lang="en-GB" i="1">
-                            <a:latin typeface="Cambria Math" panose="02040503050406030204" pitchFamily="18" charset="0"/>
-                          </a:rPr>
-                        </m:ctrlPr>
-                      </m:dPr>
-                      <m:e>
-                        <m:sSub>
-                          <m:sSubPr>
-                            <m:ctrlPr>
-                              <a:rPr lang="en-GB" i="1">
-                                <a:latin typeface="Cambria Math" panose="02040503050406030204" pitchFamily="18" charset="0"/>
-                              </a:rPr>
-                            </m:ctrlPr>
-                          </m:sSubPr>
-                          <m:e>
-                            <m:r>
-                              <a:rPr lang="en-GB" i="1">
-                                <a:latin typeface="Cambria Math" panose="02040503050406030204" pitchFamily="18" charset="0"/>
-                              </a:rPr>
-                              <m:t>𝑟</m:t>
-                            </m:r>
-                          </m:e>
-                          <m:sub>
-                            <m:r>
-                              <a:rPr lang="en-GB" i="1">
-                                <a:latin typeface="Cambria Math" panose="02040503050406030204" pitchFamily="18" charset="0"/>
-                              </a:rPr>
-                              <m:t>𝑖</m:t>
-                            </m:r>
-                          </m:sub>
-                        </m:sSub>
-                      </m:e>
-                    </m:d>
-                    <m:f>
-                      <m:fPr>
-                        <m:ctrlPr>
-                          <a:rPr lang="en-GB" i="1">
-                            <a:latin typeface="Cambria Math" panose="02040503050406030204" pitchFamily="18" charset="0"/>
-                          </a:rPr>
-                        </m:ctrlPr>
-                      </m:fPr>
-                      <m:num>
-                        <m:sSub>
-                          <m:sSubPr>
-                            <m:ctrlPr>
-                              <a:rPr lang="en-GB" i="1">
-                                <a:latin typeface="Cambria Math" panose="02040503050406030204" pitchFamily="18" charset="0"/>
-                              </a:rPr>
-                            </m:ctrlPr>
-                          </m:sSubPr>
-                          <m:e>
-                            <m:r>
-                              <a:rPr lang="en-GB" i="1">
-                                <a:latin typeface="Cambria Math" panose="02040503050406030204" pitchFamily="18" charset="0"/>
-                              </a:rPr>
-                              <m:t>𝑟</m:t>
-                            </m:r>
-                          </m:e>
-                          <m:sub>
-                            <m:r>
-                              <a:rPr lang="en-GB" i="1">
-                                <a:latin typeface="Cambria Math" panose="02040503050406030204" pitchFamily="18" charset="0"/>
-                              </a:rPr>
-                              <m:t>𝑖</m:t>
-                            </m:r>
-                          </m:sub>
-                        </m:sSub>
-                        <m:r>
-                          <a:rPr lang="en-GB" i="1">
-                            <a:latin typeface="Cambria Math" panose="02040503050406030204" pitchFamily="18" charset="0"/>
-                          </a:rPr>
-                          <m:t>−</m:t>
-                        </m:r>
-                        <m:sSub>
-                          <m:sSubPr>
-                            <m:ctrlPr>
-                              <a:rPr lang="en-GB" i="1">
-                                <a:latin typeface="Cambria Math" panose="02040503050406030204" pitchFamily="18" charset="0"/>
-                              </a:rPr>
-                            </m:ctrlPr>
-                          </m:sSubPr>
-                          <m:e>
-                            <m:r>
-                              <a:rPr lang="en-GB" i="1">
-                                <a:latin typeface="Cambria Math" panose="02040503050406030204" pitchFamily="18" charset="0"/>
-                              </a:rPr>
-                              <m:t>𝑟</m:t>
-                            </m:r>
-                          </m:e>
-                          <m:sub>
-                            <m:r>
-                              <a:rPr lang="en-GB" i="1">
-                                <a:latin typeface="Cambria Math" panose="02040503050406030204" pitchFamily="18" charset="0"/>
-                              </a:rPr>
-                              <m:t>𝑗</m:t>
-                            </m:r>
-                          </m:sub>
-                        </m:sSub>
-                      </m:num>
-                      <m:den>
-                        <m:sSup>
-                          <m:sSupPr>
-                            <m:ctrlPr>
-                              <a:rPr lang="en-GB" i="1">
-                                <a:latin typeface="Cambria Math" panose="02040503050406030204" pitchFamily="18" charset="0"/>
-                              </a:rPr>
-                            </m:ctrlPr>
-                          </m:sSupPr>
-                          <m:e>
-                            <m:d>
-                              <m:dPr>
-                                <m:begChr m:val="|"/>
-                                <m:endChr m:val="|"/>
-                                <m:ctrlPr>
-                                  <a:rPr lang="en-GB" i="1">
-                                    <a:latin typeface="Cambria Math" panose="02040503050406030204" pitchFamily="18" charset="0"/>
-                                  </a:rPr>
-                                </m:ctrlPr>
-                              </m:dPr>
-                              <m:e>
-                                <m:sSub>
-                                  <m:sSubPr>
-                                    <m:ctrlPr>
-                                      <a:rPr lang="en-GB" i="1">
-                                        <a:latin typeface="Cambria Math" panose="02040503050406030204" pitchFamily="18" charset="0"/>
-                                      </a:rPr>
-                                    </m:ctrlPr>
-                                  </m:sSubPr>
-                                  <m:e>
-                                    <m:r>
-                                      <a:rPr lang="en-GB" i="1">
-                                        <a:latin typeface="Cambria Math" panose="02040503050406030204" pitchFamily="18" charset="0"/>
-                                      </a:rPr>
-                                      <m:t>𝑟</m:t>
-                                    </m:r>
-                                  </m:e>
-                                  <m:sub>
-                                    <m:r>
-                                      <a:rPr lang="en-GB" i="1">
-                                        <a:latin typeface="Cambria Math" panose="02040503050406030204" pitchFamily="18" charset="0"/>
-                                      </a:rPr>
-                                      <m:t>𝑖</m:t>
-                                    </m:r>
-                                  </m:sub>
-                                </m:sSub>
-                                <m:r>
-                                  <a:rPr lang="en-GB" i="1">
-                                    <a:latin typeface="Cambria Math" panose="02040503050406030204" pitchFamily="18" charset="0"/>
-                                  </a:rPr>
-                                  <m:t>−</m:t>
-                                </m:r>
-                                <m:sSub>
-                                  <m:sSubPr>
-                                    <m:ctrlPr>
-                                      <a:rPr lang="en-GB" i="1">
-                                        <a:latin typeface="Cambria Math" panose="02040503050406030204" pitchFamily="18" charset="0"/>
-                                      </a:rPr>
-                                    </m:ctrlPr>
-                                  </m:sSubPr>
-                                  <m:e>
-                                    <m:r>
-                                      <a:rPr lang="en-GB" i="1">
-                                        <a:latin typeface="Cambria Math" panose="02040503050406030204" pitchFamily="18" charset="0"/>
-                                      </a:rPr>
-                                      <m:t>𝑟</m:t>
-                                    </m:r>
-                                  </m:e>
-                                  <m:sub>
-                                    <m:r>
-                                      <a:rPr lang="en-GB" i="1">
-                                        <a:latin typeface="Cambria Math" panose="02040503050406030204" pitchFamily="18" charset="0"/>
-                                      </a:rPr>
-                                      <m:t>𝑗</m:t>
-                                    </m:r>
-                                  </m:sub>
-                                </m:sSub>
-                              </m:e>
-                            </m:d>
-                          </m:e>
-                          <m:sup>
-                            <m:r>
-                              <a:rPr lang="en-GB" i="1">
-                                <a:latin typeface="Cambria Math" panose="02040503050406030204" pitchFamily="18" charset="0"/>
-                              </a:rPr>
-                              <m:t>3</m:t>
-                            </m:r>
-                          </m:sup>
-                        </m:sSup>
-                        <m:r>
-                          <a:rPr lang="en-GB" i="1">
-                            <a:latin typeface="Cambria Math" panose="02040503050406030204" pitchFamily="18" charset="0"/>
-                          </a:rPr>
-                          <m:t> </m:t>
-                        </m:r>
-                      </m:den>
-                    </m:f>
-                    <m:r>
-                      <a:rPr lang="en-GB" i="1">
-                        <a:latin typeface="Cambria Math" panose="02040503050406030204" pitchFamily="18" charset="0"/>
-                      </a:rPr>
-                      <m:t> </m:t>
-                    </m:r>
-                  </m:oMath>
-                </a14:m>
-                <a:r>
-                  <a:rPr lang="en-GB" dirty="0"/>
-                  <a:t>The sum over all other pixels j != </a:t>
-                </a:r>
-                <a:r>
-                  <a:rPr lang="en-GB" dirty="0" err="1"/>
-                  <a:t>i</a:t>
-                </a:r>
-                <a:r>
-                  <a:rPr lang="en-GB" dirty="0"/>
-                  <a:t> gives the force that vector </a:t>
-                </a:r>
-                <a:r>
-                  <a:rPr lang="en-GB" dirty="0" err="1"/>
-                  <a:t>r_j</a:t>
-                </a:r>
-                <a:r>
-                  <a:rPr lang="en-GB" dirty="0"/>
-                  <a:t> exerts overall in the image, in other words, the force field that is generated by pixel </a:t>
-                </a:r>
-                <a:r>
-                  <a:rPr lang="en-GB" dirty="0" err="1"/>
-                  <a:t>r_j</a:t>
-                </a:r>
-                <a:endParaRPr lang="en-GB" dirty="0"/>
-              </a:p>
-              <a:p>
-                <a:pPr lvl="1"/>
-                <a:r>
-                  <a:rPr lang="en-GB" dirty="0"/>
-                  <a:t>Following: Magnitude of force &lt;- inverse square law and a vector direction for the force</a:t>
-                </a:r>
-              </a:p>
-              <a:p>
-                <a:pPr lvl="1"/>
-                <a:r>
-                  <a:rPr lang="en-GB" dirty="0"/>
-                  <a:t>Calculating the potential energy fields for each pixel to find the overlapping potential energy functions of all the image pixels for that specific pixel location which is repeated for all pixels in the image to generate a </a:t>
-                </a:r>
-                <a:r>
-                  <a:rPr lang="en-GB" b="1" dirty="0"/>
-                  <a:t>potential energy surface </a:t>
-                </a:r>
-                <a:r>
-                  <a:rPr lang="en-GB" dirty="0"/>
-                  <a:t>(represents the amount of energy that is exerted on a pixel if it moved around, like in physics … ) (picture 4)</a:t>
-                </a:r>
-              </a:p>
-              <a:p>
-                <a:pPr lvl="1"/>
-                <a:r>
-                  <a:rPr lang="en-GB" dirty="0"/>
-                  <a:t>To discover the force field lines: generate an array of unit value mobile test pixels arranged in  a closed loop surrounding the ear, which are then solely being ‘pulled’ by the force (gravity) fields of the ear’s pixels vectors so that their trajectory form the field line until they reached an extremum in the potential energy surface: </a:t>
-                </a:r>
-                <a:br>
-                  <a:rPr lang="en-GB" dirty="0"/>
-                </a:br>
-                <a:r>
-                  <a:rPr lang="en-GB" dirty="0"/>
-                  <a:t>gradient is zero and no further force is exerted = no more movement </a:t>
-                </a:r>
-                <a:br>
-                  <a:rPr lang="en-GB" dirty="0"/>
-                </a:br>
-                <a:r>
-                  <a:rPr lang="en-GB" dirty="0"/>
-                  <a:t>(picture 1, 2 &amp; 3)</a:t>
-                </a:r>
-              </a:p>
-              <a:p>
-                <a:pPr lvl="1"/>
-                <a:r>
-                  <a:rPr lang="en-GB" dirty="0"/>
-                  <a:t>….</a:t>
-                </a:r>
-              </a:p>
-            </p:txBody>
-          </p:sp>
-        </mc:Choice>
-        <mc:Fallback xmlns="">
-          <p:sp>
-            <p:nvSpPr>
-              <p:cNvPr id="3" name="Inhaltsplatzhalter 2"/>
-              <p:cNvSpPr>
-                <a:spLocks noGrp="1" noRot="1" noChangeAspect="1" noMove="1" noResize="1" noEditPoints="1" noAdjustHandles="1" noChangeArrowheads="1" noChangeShapeType="1" noTextEdit="1"/>
-              </p:cNvSpPr>
-              <p:nvPr>
-                <p:ph idx="1"/>
-              </p:nvPr>
-            </p:nvSpPr>
-            <p:spPr>
-              <a:xfrm>
-                <a:off x="628650" y="1831278"/>
-                <a:ext cx="7886700" cy="4351338"/>
-              </a:xfrm>
-              <a:blipFill>
-                <a:blip r:embed="rId2"/>
-                <a:stretch>
-                  <a:fillRect l="-232" t="-1541" r="-155"/>
-                </a:stretch>
-              </a:blipFill>
-            </p:spPr>
-            <p:txBody>
-              <a:bodyPr/>
-              <a:lstStyle/>
-              <a:p>
-                <a:r>
-                  <a:rPr lang="en-GB">
-                    <a:noFill/>
-                  </a:rPr>
-                  <a:t> </a:t>
-                </a:r>
-              </a:p>
-            </p:txBody>
-          </p:sp>
-        </mc:Fallback>
-      </mc:AlternateContent>
+          <a:bodyPr/>
+          <a:lstStyle/>
+          <a:p>
+            <a:r>
+              <a:rPr lang="en-GB" dirty="0" smtClean="0"/>
+              <a:t>Method</a:t>
+            </a:r>
+            <a:endParaRPr lang="en-GB" dirty="0"/>
+          </a:p>
+        </p:txBody>
+      </p:sp>
+      <p:pic>
+        <p:nvPicPr>
+          <p:cNvPr id="7" name="Inhaltsplatzhalter 6"/>
+          <p:cNvPicPr>
+            <a:picLocks noGrp="1" noChangeAspect="1"/>
+          </p:cNvPicPr>
+          <p:nvPr>
+            <p:ph idx="1"/>
+          </p:nvPr>
+        </p:nvPicPr>
+        <p:blipFill>
+          <a:blip r:embed="rId3"/>
+          <a:stretch>
+            <a:fillRect/>
+          </a:stretch>
+        </p:blipFill>
+        <p:spPr>
+          <a:xfrm>
+            <a:off x="628650" y="1327641"/>
+            <a:ext cx="2723079" cy="4170086"/>
+          </a:xfrm>
+          <a:prstGeom prst="rect">
+            <a:avLst/>
+          </a:prstGeom>
+        </p:spPr>
+      </p:pic>
       <p:sp>
         <p:nvSpPr>
           <p:cNvPr id="4" name="Datumsplatzhalter 3"/>
@@ -7098,7 +10549,7 @@
           <a:lstStyle/>
           <a:p>
             <a:r>
-              <a:rPr lang="en-US"/>
+              <a:rPr lang="en-US" smtClean="0"/>
               <a:t>Ganiyu Ibraheem  Philipp Seybold</a:t>
             </a:r>
             <a:endParaRPr lang="en-GB" dirty="0"/>
@@ -7121,9 +10572,10 @@
           <a:lstStyle/>
           <a:p>
             <a:r>
-              <a:rPr lang="en-GB"/>
+              <a:rPr lang="en-GB" smtClean="0"/>
               <a:t>COMP6206 Advanced Computer Vision</a:t>
             </a:r>
+            <a:endParaRPr lang="en-GB"/>
           </a:p>
         </p:txBody>
       </p:sp>
@@ -7146,20 +10598,126 @@
               <a:rPr lang="en-GB" smtClean="0"/>
               <a:t>7</a:t>
             </a:fld>
-            <a:endParaRPr lang="en-GB"/>
+            <a:endParaRPr lang="en-GB" dirty="0"/>
+          </a:p>
+        </p:txBody>
+      </p:sp>
+      <p:pic>
+        <p:nvPicPr>
+          <p:cNvPr id="9" name="Grafik 8"/>
+          <p:cNvPicPr>
+            <a:picLocks noChangeAspect="1"/>
+          </p:cNvPicPr>
+          <p:nvPr/>
+        </p:nvPicPr>
+        <p:blipFill>
+          <a:blip r:embed="rId4"/>
+          <a:stretch>
+            <a:fillRect/>
+          </a:stretch>
+        </p:blipFill>
+        <p:spPr>
+          <a:xfrm>
+            <a:off x="4892962" y="1662488"/>
+            <a:ext cx="3622388" cy="3500391"/>
+          </a:xfrm>
+          <a:prstGeom prst="rect">
+            <a:avLst/>
+          </a:prstGeom>
+        </p:spPr>
+      </p:pic>
+      <p:sp>
+        <p:nvSpPr>
+          <p:cNvPr id="11" name="Rechteck 10"/>
+          <p:cNvSpPr/>
+          <p:nvPr/>
+        </p:nvSpPr>
+        <p:spPr>
+          <a:xfrm>
+            <a:off x="427450" y="5648505"/>
+            <a:ext cx="4144549" cy="338710"/>
+          </a:xfrm>
+          <a:prstGeom prst="rect">
+            <a:avLst/>
+          </a:prstGeom>
+        </p:spPr>
+        <p:txBody>
+          <a:bodyPr wrap="square">
+            <a:spAutoFit/>
+          </a:bodyPr>
+          <a:lstStyle/>
+          <a:p>
+            <a:pPr lvl="0" algn="ctr"/>
+            <a:r>
+              <a:rPr lang="en-GB" sz="2000" dirty="0"/>
+              <a:t>Force field vectors </a:t>
+            </a:r>
+            <a:r>
+              <a:rPr lang="en-GB" sz="2000" dirty="0" smtClean="0"/>
+              <a:t>of </a:t>
+            </a:r>
+            <a:r>
+              <a:rPr lang="en-GB" sz="2000" dirty="0"/>
+              <a:t>an electric </a:t>
+            </a:r>
+            <a:r>
+              <a:rPr lang="en-GB" sz="2000" dirty="0" smtClean="0"/>
+              <a:t>field</a:t>
+            </a:r>
+            <a:endParaRPr lang="en-GB" sz="2000" dirty="0"/>
+          </a:p>
+        </p:txBody>
+      </p:sp>
+      <p:sp>
+        <p:nvSpPr>
+          <p:cNvPr id="10" name="Rechteck 9"/>
+          <p:cNvSpPr/>
+          <p:nvPr/>
+        </p:nvSpPr>
+        <p:spPr>
+          <a:xfrm>
+            <a:off x="6749876" y="5953414"/>
+            <a:ext cx="4144549" cy="307777"/>
+          </a:xfrm>
+          <a:prstGeom prst="rect">
+            <a:avLst/>
+          </a:prstGeom>
+        </p:spPr>
+        <p:txBody>
+          <a:bodyPr wrap="square">
+            <a:spAutoFit/>
+          </a:bodyPr>
+          <a:lstStyle/>
+          <a:p>
+            <a:pPr lvl="0"/>
+            <a:r>
+              <a:rPr lang="en-GB" sz="1400" dirty="0" smtClean="0"/>
+              <a:t>Images source : </a:t>
+            </a:r>
+            <a:r>
+              <a:rPr lang="en-GB" sz="1400" dirty="0"/>
+              <a:t>[1]</a:t>
+            </a:r>
           </a:p>
         </p:txBody>
       </p:sp>
     </p:spTree>
     <p:extLst>
       <p:ext uri="{BB962C8B-B14F-4D97-AF65-F5344CB8AC3E}">
-        <p14:creationId xmlns:p14="http://schemas.microsoft.com/office/powerpoint/2010/main" val="328334221"/>
+        <p14:creationId xmlns:p14="http://schemas.microsoft.com/office/powerpoint/2010/main" val="2224400809"/>
       </p:ext>
     </p:extLst>
   </p:cSld>
   <p:clrMapOvr>
     <a:masterClrMapping/>
   </p:clrMapOvr>
+  <p:timing>
+    <p:tnLst>
+      <p:par>
+        <p:cTn id="1" dur="indefinite" restart="never" nodeType="tmRoot"/>
+      </p:par>
+    </p:tnLst>
+  </p:timing>
 </p:sld>
 </file>
 
@@ -7192,51 +10750,14 @@
         </p:nvSpPr>
         <p:spPr/>
         <p:txBody>
-          <a:bodyPr>
-            <a:normAutofit/>
-          </a:bodyPr>
-          <a:lstStyle/>
-          <a:p>
-            <a:r>
-              <a:rPr lang="en-GB" dirty="0"/>
-              <a:t>Demonstration</a:t>
-            </a:r>
-          </a:p>
-        </p:txBody>
-      </p:sp>
-      <p:sp>
-        <p:nvSpPr>
-          <p:cNvPr id="3" name="Inhaltsplatzhalter 2"/>
-          <p:cNvSpPr>
-            <a:spLocks noGrp="1"/>
-          </p:cNvSpPr>
-          <p:nvPr>
-            <p:ph idx="1"/>
-          </p:nvPr>
-        </p:nvSpPr>
-        <p:spPr/>
-        <p:txBody>
-          <a:bodyPr/>
-          <a:lstStyle/>
-          <a:p>
-            <a:r>
-              <a:rPr lang="en-GB" dirty="0"/>
-              <a:t>Our own ears pictures etc. like in method application, e.g. force field lines, moving test pixel initialisation, peaks/wells, edges (compare to </a:t>
-            </a:r>
-            <a:r>
-              <a:rPr lang="en-GB" dirty="0" err="1"/>
-              <a:t>sobel</a:t>
-            </a:r>
-            <a:r>
-              <a:rPr lang="en-GB" dirty="0"/>
-              <a:t>?), potential energy patterns</a:t>
-            </a:r>
-          </a:p>
-          <a:p>
-            <a:r>
-              <a:rPr lang="en-GB" dirty="0"/>
-              <a:t>Live demo with camera</a:t>
-            </a:r>
+          <a:bodyPr/>
+          <a:lstStyle/>
+          <a:p>
+            <a:r>
+              <a:rPr lang="en-GB" dirty="0" smtClean="0"/>
+              <a:t>Method</a:t>
+            </a:r>
+            <a:endParaRPr lang="en-GB" dirty="0"/>
           </a:p>
         </p:txBody>
       </p:sp>
@@ -7256,7 +10777,7 @@
           <a:lstStyle/>
           <a:p>
             <a:r>
-              <a:rPr lang="en-US"/>
+              <a:rPr lang="en-US" smtClean="0"/>
               <a:t>Ganiyu Ibraheem  Philipp Seybold</a:t>
             </a:r>
             <a:endParaRPr lang="en-GB" dirty="0"/>
@@ -7279,9 +10800,10 @@
           <a:lstStyle/>
           <a:p>
             <a:r>
-              <a:rPr lang="en-GB"/>
+              <a:rPr lang="en-GB" smtClean="0"/>
               <a:t>COMP6206 Advanced Computer Vision</a:t>
             </a:r>
+            <a:endParaRPr lang="en-GB"/>
           </a:p>
         </p:txBody>
       </p:sp>
@@ -7308,16 +10830,86 @@
           </a:p>
         </p:txBody>
       </p:sp>
+      <p:pic>
+        <p:nvPicPr>
+          <p:cNvPr id="8" name="Grafik 7"/>
+          <p:cNvPicPr>
+            <a:picLocks noChangeAspect="1"/>
+          </p:cNvPicPr>
+          <p:nvPr/>
+        </p:nvPicPr>
+        <p:blipFill>
+          <a:blip r:embed="rId3" cstate="print">
+            <a:extLst>
+              <a:ext uri="{28A0092B-C50C-407E-A947-70E740481C1C}">
+                <a14:useLocalDpi xmlns:a14="http://schemas.microsoft.com/office/drawing/2010/main" val="0"/>
+              </a:ext>
+            </a:extLst>
+          </a:blip>
+          <a:stretch>
+            <a:fillRect/>
+          </a:stretch>
+        </p:blipFill>
+        <p:spPr>
+          <a:xfrm>
+            <a:off x="484475" y="1365504"/>
+            <a:ext cx="8189371" cy="4025414"/>
+          </a:xfrm>
+          <a:prstGeom prst="rect">
+            <a:avLst/>
+          </a:prstGeom>
+        </p:spPr>
+      </p:pic>
+      <p:sp>
+        <p:nvSpPr>
+          <p:cNvPr id="9" name="Rechteck 8"/>
+          <p:cNvSpPr/>
+          <p:nvPr/>
+        </p:nvSpPr>
+        <p:spPr>
+          <a:xfrm>
+            <a:off x="6749876" y="5953414"/>
+            <a:ext cx="4144549" cy="307777"/>
+          </a:xfrm>
+          <a:prstGeom prst="rect">
+            <a:avLst/>
+          </a:prstGeom>
+        </p:spPr>
+        <p:txBody>
+          <a:bodyPr wrap="square">
+            <a:spAutoFit/>
+          </a:bodyPr>
+          <a:lstStyle/>
+          <a:p>
+            <a:pPr lvl="0"/>
+            <a:r>
+              <a:rPr lang="en-GB" sz="1400" dirty="0" smtClean="0"/>
+              <a:t>Images source : </a:t>
+            </a:r>
+            <a:r>
+              <a:rPr lang="en-GB" sz="1400" dirty="0"/>
+              <a:t>[1]</a:t>
+            </a:r>
+          </a:p>
+        </p:txBody>
+      </p:sp>
     </p:spTree>
     <p:extLst>
       <p:ext uri="{BB962C8B-B14F-4D97-AF65-F5344CB8AC3E}">
-        <p14:creationId xmlns:p14="http://schemas.microsoft.com/office/powerpoint/2010/main" val="3430909982"/>
+        <p14:creationId xmlns:p14="http://schemas.microsoft.com/office/powerpoint/2010/main" val="4245123755"/>
       </p:ext>
     </p:extLst>
   </p:cSld>
   <p:clrMapOvr>
     <a:masterClrMapping/>
   </p:clrMapOvr>
+  <p:timing>
+    <p:tnLst>
+      <p:par>
+        <p:cTn id="1" dur="indefinite" restart="never" nodeType="tmRoot"/>
+      </p:par>
+    </p:tnLst>
+  </p:timing>
 </p:sld>
 </file>
 
@@ -7356,9 +10948,10 @@
           <a:lstStyle/>
           <a:p>
             <a:r>
-              <a:rPr lang="en-GB" dirty="0"/>
-              <a:t>Result</a:t>
-            </a:r>
+              <a:rPr lang="en-GB" dirty="0" smtClean="0"/>
+              <a:t>Method Application</a:t>
+            </a:r>
+            <a:endParaRPr lang="en-GB" dirty="0"/>
           </a:p>
         </p:txBody>
       </p:sp>
@@ -7372,146 +10965,71 @@
             <p:ph idx="1"/>
           </p:nvPr>
         </p:nvSpPr>
-        <p:spPr/>
+        <p:spPr>
+          <a:xfrm>
+            <a:off x="628650" y="1831278"/>
+            <a:ext cx="7886700" cy="4351338"/>
+          </a:xfrm>
+        </p:spPr>
         <p:txBody>
           <a:bodyPr>
-            <a:normAutofit fontScale="85000" lnSpcReduction="20000"/>
+            <a:normAutofit/>
           </a:bodyPr>
           <a:lstStyle/>
           <a:p>
-            <a:pPr lvl="0"/>
-            <a:r>
-              <a:rPr lang="en-GB" dirty="0"/>
-              <a:t>Advantages:</a:t>
-            </a:r>
-          </a:p>
-          <a:p>
-            <a:pPr lvl="1"/>
-            <a:r>
-              <a:rPr lang="en-GB" dirty="0"/>
-              <a:t>Simplified implementation in time domain</a:t>
-            </a:r>
-          </a:p>
-          <a:p>
-            <a:pPr lvl="1"/>
-            <a:r>
-              <a:rPr lang="en-GB" dirty="0"/>
-              <a:t>Time complexity reduced due to working in frequency domain: O(n * log(n))</a:t>
-            </a:r>
-          </a:p>
-          <a:p>
-            <a:pPr lvl="1"/>
-            <a:r>
-              <a:rPr lang="en-GB" dirty="0"/>
-              <a:t>Impervious to distortion in image due to motion</a:t>
-            </a:r>
-          </a:p>
-          <a:p>
-            <a:pPr lvl="1"/>
-            <a:r>
-              <a:rPr lang="en-GB" dirty="0"/>
-              <a:t>Finds application in edge detection</a:t>
-            </a:r>
-          </a:p>
-          <a:p>
-            <a:pPr lvl="1"/>
-            <a:r>
-              <a:rPr lang="en-GB" dirty="0"/>
-              <a:t>Higher efficiency (99.2%) as compared to other techniques</a:t>
-            </a:r>
-          </a:p>
-          <a:p>
-            <a:pPr lvl="1"/>
-            <a:r>
-              <a:rPr lang="en-GB" dirty="0"/>
-              <a:t>The Force Field Transforms </a:t>
-            </a:r>
-            <a:r>
-              <a:rPr lang="en-GB"/>
-              <a:t>are invertible</a:t>
+            <a:r>
+              <a:rPr lang="en-GB" dirty="0" smtClean="0"/>
+              <a:t>Scale invariant</a:t>
+            </a:r>
+          </a:p>
+          <a:p>
+            <a:r>
+              <a:rPr lang="en-GB" dirty="0" smtClean="0"/>
+              <a:t>Intensity scale invariant</a:t>
+            </a:r>
+          </a:p>
+          <a:p>
+            <a:r>
+              <a:rPr lang="en-GB" dirty="0" smtClean="0"/>
+              <a:t>Affected by localized changes in illumination though</a:t>
+            </a:r>
+          </a:p>
+          <a:p>
+            <a:r>
+              <a:rPr lang="en-GB" dirty="0" smtClean="0"/>
+              <a:t>All information is conserved by the transform</a:t>
+            </a:r>
+          </a:p>
+          <a:p>
+            <a:r>
+              <a:rPr lang="en-GB" dirty="0" smtClean="0"/>
+              <a:t>Descriptors (Wells positions) unique for each ear</a:t>
             </a:r>
             <a:endParaRPr lang="en-GB" dirty="0"/>
           </a:p>
-          <a:p>
-            <a:pPr lvl="1"/>
-            <a:r>
-              <a:rPr lang="en-GB" dirty="0"/>
-              <a:t>It is scale invariant and tolerant to low noise</a:t>
-            </a:r>
-          </a:p>
-          <a:p>
-            <a:pPr lvl="2"/>
-            <a:r>
-              <a:rPr lang="en-GB" dirty="0"/>
-              <a:t>Also invariant to different changes in illumination</a:t>
-            </a:r>
-          </a:p>
-          <a:p>
-            <a:pPr lvl="0"/>
-            <a:r>
-              <a:rPr lang="en-GB" dirty="0"/>
-              <a:t>Disadvantages:</a:t>
-            </a:r>
-          </a:p>
-          <a:p>
-            <a:pPr lvl="1"/>
-            <a:r>
-              <a:rPr lang="en-GB" dirty="0"/>
-              <a:t>At times, transform generates only one ‘well’ (source, origin</a:t>
-            </a:r>
-            <a:r>
-              <a:rPr lang="en-GB" sz="2800" dirty="0"/>
-              <a:t>)</a:t>
+        </p:txBody>
+      </p:sp>
+      <p:sp>
+        <p:nvSpPr>
+          <p:cNvPr id="4" name="Datumsplatzhalter 3"/>
+          <p:cNvSpPr>
+            <a:spLocks noGrp="1"/>
+          </p:cNvSpPr>
+          <p:nvPr>
+            <p:ph type="dt" sz="half" idx="10"/>
+          </p:nvPr>
+        </p:nvSpPr>
+        <p:spPr/>
+        <p:txBody>
+          <a:bodyPr/>
+          <a:lstStyle/>
+          <a:p>
+            <a:r>
+              <a:rPr lang="en-US" smtClean="0"/>
+              <a:t>Ganiyu Ibraheem  Philipp Seybold</a:t>
             </a:r>
             <a:endParaRPr lang="en-GB" dirty="0"/>
           </a:p>
-          <a:p>
-            <a:pPr lvl="1"/>
-            <a:r>
-              <a:rPr lang="en-GB" dirty="0"/>
-              <a:t>High computational costs for brute-force method: O(n²)</a:t>
-            </a:r>
-          </a:p>
-          <a:p>
-            <a:pPr lvl="1"/>
-            <a:r>
-              <a:rPr lang="en-GB" dirty="0"/>
-              <a:t>Not widely applicable</a:t>
-            </a:r>
-          </a:p>
-          <a:p>
-            <a:pPr lvl="1"/>
-            <a:r>
-              <a:rPr lang="en-GB" dirty="0"/>
-              <a:t>Occlusion by hair</a:t>
-            </a:r>
-          </a:p>
-          <a:p>
-            <a:endParaRPr lang="en-GB" dirty="0"/>
-          </a:p>
-        </p:txBody>
-      </p:sp>
-      <p:sp>
-        <p:nvSpPr>
-          <p:cNvPr id="4" name="Datumsplatzhalter 3"/>
-          <p:cNvSpPr>
-            <a:spLocks noGrp="1"/>
-          </p:cNvSpPr>
-          <p:nvPr>
-            <p:ph type="dt" sz="half" idx="10"/>
-          </p:nvPr>
-        </p:nvSpPr>
-        <p:spPr/>
-        <p:txBody>
-          <a:bodyPr/>
-          <a:lstStyle/>
-          <a:p>
-            <a:r>
-              <a:rPr lang="en-US"/>
-              <a:t>Ganiyu Ibraheem  Philipp Seybold</a:t>
-            </a:r>
-            <a:endParaRPr lang="en-GB" dirty="0"/>
-          </a:p>
         </p:txBody>
       </p:sp>
       <p:sp>
@@ -7530,9 +11048,10 @@
           <a:lstStyle/>
           <a:p>
             <a:r>
-              <a:rPr lang="en-GB"/>
+              <a:rPr lang="en-GB" smtClean="0"/>
               <a:t>COMP6206 Advanced Computer Vision</a:t>
             </a:r>
+            <a:endParaRPr lang="en-GB"/>
           </a:p>
         </p:txBody>
       </p:sp>
@@ -7562,13 +11081,20 @@
     </p:spTree>
     <p:extLst>
       <p:ext uri="{BB962C8B-B14F-4D97-AF65-F5344CB8AC3E}">
-        <p14:creationId xmlns:p14="http://schemas.microsoft.com/office/powerpoint/2010/main" val="1276399475"/>
+        <p14:creationId xmlns:p14="http://schemas.microsoft.com/office/powerpoint/2010/main" val="328334221"/>
       </p:ext>
     </p:extLst>
   </p:cSld>
   <p:clrMapOvr>
     <a:masterClrMapping/>
   </p:clrMapOvr>
+  <p:timing>
+    <p:tnLst>
+      <p:par>
+        <p:cTn id="1" dur="indefinite" restart="never" nodeType="tmRoot"/>
+      </p:par>
+    </p:tnLst>
+  </p:timing>
 </p:sld>
 </file>
 

--- a/Force Field Transformation.pptx
+++ b/Force Field Transformation.pptx
@@ -5,7 +5,7 @@
     <p:sldMasterId id="2147483660" r:id="rId1"/>
   </p:sldMasterIdLst>
   <p:notesMasterIdLst>
-    <p:notesMasterId r:id="rId17"/>
+    <p:notesMasterId r:id="rId18"/>
   </p:notesMasterIdLst>
   <p:sldIdLst>
     <p:sldId id="256" r:id="rId2"/>
@@ -17,12 +17,13 @@
     <p:sldId id="269" r:id="rId8"/>
     <p:sldId id="270" r:id="rId9"/>
     <p:sldId id="260" r:id="rId10"/>
-    <p:sldId id="271" r:id="rId11"/>
-    <p:sldId id="261" r:id="rId12"/>
-    <p:sldId id="262" r:id="rId13"/>
-    <p:sldId id="265" r:id="rId14"/>
-    <p:sldId id="263" r:id="rId15"/>
-    <p:sldId id="264" r:id="rId16"/>
+    <p:sldId id="272" r:id="rId11"/>
+    <p:sldId id="271" r:id="rId12"/>
+    <p:sldId id="261" r:id="rId13"/>
+    <p:sldId id="262" r:id="rId14"/>
+    <p:sldId id="265" r:id="rId15"/>
+    <p:sldId id="263" r:id="rId16"/>
+    <p:sldId id="264" r:id="rId17"/>
   </p:sldIdLst>
   <p:sldSz cx="9144000" cy="6858000" type="screen4x3"/>
   <p:notesSz cx="6858000" cy="9144000"/>
@@ -211,7 +212,7 @@
           <a:p>
             <a:fld id="{2D375E8E-D067-40BE-8067-60BEC63713A2}" type="datetimeFigureOut">
               <a:rPr lang="en-GB" smtClean="0"/>
-              <a:t>05/02/2018</a:t>
+              <a:t>07/02/2018</a:t>
             </a:fld>
             <a:endParaRPr lang="en-GB"/>
           </a:p>
@@ -275,35 +276,35 @@
           <a:p>
             <a:pPr lvl="0"/>
             <a:r>
-              <a:rPr lang="de-DE" smtClean="0"/>
+              <a:rPr lang="de-DE"/>
               <a:t>Formatvorlagen des Textmasters bearbeiten</a:t>
             </a:r>
           </a:p>
           <a:p>
             <a:pPr lvl="1"/>
             <a:r>
-              <a:rPr lang="de-DE" smtClean="0"/>
+              <a:rPr lang="de-DE"/>
               <a:t>Zweite Ebene</a:t>
             </a:r>
           </a:p>
           <a:p>
             <a:pPr lvl="2"/>
             <a:r>
-              <a:rPr lang="de-DE" smtClean="0"/>
+              <a:rPr lang="de-DE"/>
               <a:t>Dritte Ebene</a:t>
             </a:r>
           </a:p>
           <a:p>
             <a:pPr lvl="3"/>
             <a:r>
-              <a:rPr lang="de-DE" smtClean="0"/>
+              <a:rPr lang="de-DE"/>
               <a:t>Vierte Ebene</a:t>
             </a:r>
           </a:p>
           <a:p>
             <a:pPr lvl="4"/>
             <a:r>
-              <a:rPr lang="de-DE" smtClean="0"/>
+              <a:rPr lang="de-DE"/>
               <a:t>Fünfte Ebene</a:t>
             </a:r>
             <a:endParaRPr lang="en-GB"/>
@@ -370,7 +371,7 @@
           <a:p>
             <a:fld id="{EF2D93C9-B2FF-4D76-8851-D84BA33B2773}" type="slidenum">
               <a:rPr lang="en-GB" smtClean="0"/>
-              <a:t>‹Nr.›</a:t>
+              <a:t>‹#›</a:t>
             </a:fld>
             <a:endParaRPr lang="en-GB"/>
           </a:p>
@@ -528,7 +529,7 @@
               <a:buChar char="•"/>
             </a:pPr>
             <a:r>
-              <a:rPr lang="en-GB" dirty="0" smtClean="0"/>
+              <a:rPr lang="en-GB" dirty="0"/>
               <a:t>Objective:</a:t>
             </a:r>
           </a:p>
@@ -538,7 +539,7 @@
               <a:buChar char="•"/>
             </a:pPr>
             <a:r>
-              <a:rPr lang="en-GB" dirty="0" smtClean="0"/>
+              <a:rPr lang="en-GB" dirty="0"/>
               <a:t>reduce dimensionality of pattern space</a:t>
             </a:r>
           </a:p>
@@ -548,7 +549,7 @@
               <a:buChar char="•"/>
             </a:pPr>
             <a:r>
-              <a:rPr lang="en-GB" dirty="0" smtClean="0"/>
+              <a:rPr lang="en-GB" dirty="0"/>
               <a:t>yet maintain discriminator power for classification and invariant description</a:t>
             </a:r>
           </a:p>
@@ -558,7 +559,7 @@
               <a:buChar char="•"/>
             </a:pPr>
             <a:r>
-              <a:rPr lang="en-GB" dirty="0" smtClean="0"/>
+              <a:rPr lang="en-GB" dirty="0"/>
               <a:t>Used/invented by … for ear biometric</a:t>
             </a:r>
           </a:p>
@@ -652,7 +653,7 @@
               <a:buAutoNum type="arabicPeriod"/>
             </a:pPr>
             <a:r>
-              <a:rPr lang="en-GB" dirty="0" smtClean="0"/>
+              <a:rPr lang="en-GB" dirty="0"/>
               <a:t>Approaches:</a:t>
             </a:r>
           </a:p>
@@ -662,14 +663,14 @@
               <a:buAutoNum type="arabicPeriod"/>
             </a:pPr>
             <a:r>
-              <a:rPr lang="en-GB" dirty="0" smtClean="0"/>
+              <a:rPr lang="en-GB" dirty="0"/>
               <a:t>Brute Force:</a:t>
             </a:r>
             <a:br>
-              <a:rPr lang="en-GB" dirty="0" smtClean="0"/>
+              <a:rPr lang="en-GB" dirty="0"/>
             </a:br>
             <a:r>
-              <a:rPr lang="en-GB" dirty="0" smtClean="0"/>
+              <a:rPr lang="en-GB" dirty="0"/>
               <a:t>Each pixel is transformed using the Energy &amp; Force equations</a:t>
             </a:r>
           </a:p>
@@ -679,14 +680,14 @@
               <a:buAutoNum type="arabicPeriod"/>
             </a:pPr>
             <a:r>
-              <a:rPr lang="en-GB" dirty="0" smtClean="0"/>
+              <a:rPr lang="en-GB" dirty="0"/>
               <a:t>Frequency Domain Analysis: </a:t>
             </a:r>
             <a:br>
-              <a:rPr lang="en-GB" dirty="0" smtClean="0"/>
+              <a:rPr lang="en-GB" dirty="0"/>
             </a:br>
             <a:r>
-              <a:rPr lang="en-GB" dirty="0" smtClean="0"/>
+              <a:rPr lang="en-GB" dirty="0"/>
               <a:t>Fourier Transform etc. and then equations applied</a:t>
             </a:r>
           </a:p>
@@ -777,18 +778,18 @@
           <a:p>
             <a:pPr lvl="0"/>
             <a:r>
-              <a:rPr lang="en-GB" dirty="0" smtClean="0"/>
+              <a:rPr lang="en-GB" dirty="0"/>
               <a:t>Assumption: (for mathematical convenience):</a:t>
             </a:r>
             <a:br>
-              <a:rPr lang="en-GB" dirty="0" smtClean="0"/>
+              <a:rPr lang="en-GB" dirty="0"/>
             </a:br>
             <a:r>
-              <a:rPr lang="en-GB" dirty="0" smtClean="0"/>
+              <a:rPr lang="en-GB" dirty="0"/>
               <a:t>Each pixel exerts an isotropic force on all the other pixels (they represent attractive particles, that act as the source of a spherically symmetric force field) that is proportional to pixel intensity and inversely proportional to the square of the distance, i.e. the</a:t>
             </a:r>
             <a:r>
-              <a:rPr lang="en-GB" b="1" dirty="0" smtClean="0"/>
+              <a:rPr lang="en-GB" b="1" dirty="0"/>
               <a:t> inverse square law</a:t>
             </a:r>
           </a:p>
@@ -884,13 +885,13 @@
                   <a:buAutoNum type="arabicPeriod"/>
                 </a:pPr>
                 <a:r>
-                  <a:rPr lang="en-GB" b="0" i="0" dirty="0" smtClean="0">
+                  <a:rPr lang="en-GB" b="0" i="0" dirty="0">
                     <a:latin typeface="+mn-lt"/>
                   </a:rPr>
                   <a:t>The definition</a:t>
                 </a:r>
                 <a:r>
-                  <a:rPr lang="en-GB" b="0" i="0" baseline="0" dirty="0" smtClean="0">
+                  <a:rPr lang="en-GB" b="0" i="0" baseline="0" dirty="0">
                     <a:latin typeface="+mn-lt"/>
                   </a:rPr>
                   <a:t> for force field vectors in the gravity domain: </a:t>
@@ -1167,7 +1168,7 @@
                   </m:oMath>
                 </a14:m>
                 <a:r>
-                  <a:rPr lang="en-GB" b="0" i="0" dirty="0" smtClean="0">
+                  <a:rPr lang="en-GB" b="0" i="0" dirty="0">
                     <a:latin typeface="+mn-lt"/>
                   </a:rPr>
                   <a:t>, where </a:t>
@@ -1214,7 +1215,7 @@
                   </m:oMath>
                 </a14:m>
                 <a:r>
-                  <a:rPr lang="en-GB" b="0" i="0" dirty="0" smtClean="0">
+                  <a:rPr lang="en-GB" b="0" i="0" dirty="0">
                     <a:latin typeface="+mn-lt"/>
                   </a:rPr>
                   <a:t> is the unit vector</a:t>
@@ -1291,11 +1292,11 @@
                   </m:oMath>
                 </a14:m>
                 <a:r>
-                  <a:rPr lang="en-GB" dirty="0" smtClean="0"/>
+                  <a:rPr lang="en-GB" dirty="0"/>
                   <a:t> is</a:t>
                 </a:r>
                 <a:r>
-                  <a:rPr lang="en-GB" baseline="0" dirty="0" smtClean="0"/>
+                  <a:rPr lang="en-GB" baseline="0" dirty="0"/>
                   <a:t> the force field vector of a pixel position vector </a:t>
                 </a:r>
                 <a14:m>
@@ -1328,7 +1329,7 @@
                   </m:oMath>
                 </a14:m>
                 <a:r>
-                  <a:rPr lang="en-GB" baseline="0" dirty="0" smtClean="0"/>
+                  <a:rPr lang="en-GB" baseline="0" dirty="0"/>
                   <a:t> that another vector </a:t>
                 </a:r>
                 <a14:m>
@@ -1361,11 +1362,11 @@
                   </m:oMath>
                 </a14:m>
                 <a:r>
-                  <a:rPr lang="en-GB" dirty="0" smtClean="0"/>
+                  <a:rPr lang="en-GB" dirty="0"/>
                   <a:t> exerts on</a:t>
                 </a:r>
                 <a:r>
-                  <a:rPr lang="en-GB" baseline="0" dirty="0" smtClean="0"/>
+                  <a:rPr lang="en-GB" baseline="0" dirty="0"/>
                   <a:t> it. </a:t>
                 </a:r>
               </a:p>
@@ -1375,19 +1376,19 @@
                   <a:buAutoNum type="arabicPeriod"/>
                 </a:pPr>
                 <a:r>
-                  <a:rPr lang="en-GB" baseline="0" dirty="0" smtClean="0"/>
+                  <a:rPr lang="en-GB" baseline="0" dirty="0"/>
                   <a:t>The sum over all these force vectors</a:t>
                 </a:r>
                 <a:r>
-                  <a:rPr lang="en-GB" dirty="0" smtClean="0"/>
+                  <a:rPr lang="en-GB" dirty="0"/>
                   <a:t>, where</a:t>
                 </a:r>
                 <a:r>
-                  <a:rPr lang="en-GB" baseline="0" dirty="0" smtClean="0"/>
+                  <a:rPr lang="en-GB" baseline="0" dirty="0"/>
                   <a:t> the pixel intensities </a:t>
                 </a:r>
                 <a:r>
-                  <a:rPr lang="en-GB" dirty="0" smtClean="0"/>
+                  <a:rPr lang="en-GB" dirty="0"/>
                   <a:t> </a:t>
                 </a:r>
                 <a14:m>
@@ -1437,11 +1438,11 @@
                   </m:oMath>
                 </a14:m>
                 <a:r>
-                  <a:rPr lang="en-GB" dirty="0" smtClean="0"/>
+                  <a:rPr lang="en-GB" dirty="0"/>
                   <a:t> are unified, gives</a:t>
                 </a:r>
                 <a:r>
-                  <a:rPr lang="en-GB" baseline="0" dirty="0" smtClean="0"/>
+                  <a:rPr lang="en-GB" baseline="0" dirty="0"/>
                   <a:t> the force field vector </a:t>
                 </a:r>
                 <a14:m>
@@ -1491,7 +1492,7 @@
                   </m:oMath>
                 </a14:m>
                 <a:r>
-                  <a:rPr lang="en-GB" dirty="0" smtClean="0"/>
+                  <a:rPr lang="en-GB" dirty="0"/>
                   <a:t> for that position </a:t>
                 </a:r>
                 <a14:m>
@@ -1523,7 +1524,7 @@
                     </m:sSub>
                   </m:oMath>
                 </a14:m>
-                <a:endParaRPr lang="en-GB" dirty="0" smtClean="0"/>
+                <a:endParaRPr lang="en-GB" dirty="0"/>
               </a:p>
               <a:p>
                 <a:pPr marL="228600" indent="-228600">
@@ -1531,11 +1532,11 @@
                   <a:buAutoNum type="arabicPeriod"/>
                 </a:pPr>
                 <a:r>
-                  <a:rPr lang="en-GB" dirty="0" smtClean="0"/>
+                  <a:rPr lang="en-GB" dirty="0"/>
                   <a:t>Same for the potential Energy field</a:t>
                 </a:r>
                 <a:r>
-                  <a:rPr lang="en-GB" baseline="0" dirty="0" smtClean="0"/>
+                  <a:rPr lang="en-GB" baseline="0" dirty="0"/>
                   <a:t> that is associated with the force field generated by each pixel, </a:t>
                 </a:r>
               </a:p>
@@ -1545,7 +1546,7 @@
                   <a:buAutoNum type="arabicPeriod"/>
                 </a:pPr>
                 <a:r>
-                  <a:rPr lang="en-GB" baseline="0" dirty="0" smtClean="0"/>
+                  <a:rPr lang="en-GB" baseline="0" dirty="0"/>
                   <a:t>with </a:t>
                 </a:r>
                 <a14:m>
@@ -1614,35 +1615,35 @@
                   </m:oMath>
                 </a14:m>
                 <a:r>
-                  <a:rPr lang="en-GB" dirty="0" smtClean="0"/>
+                  <a:rPr lang="en-GB" dirty="0"/>
                   <a:t> being the potential energy that its</a:t>
                 </a:r>
                 <a:r>
-                  <a:rPr lang="en-GB" baseline="0" dirty="0" smtClean="0"/>
+                  <a:rPr lang="en-GB" baseline="0" dirty="0"/>
                   <a:t> imparted to a pixel of unit intensity at the pixel location </a:t>
                 </a:r>
                 <a:r>
-                  <a:rPr lang="en-GB" baseline="0" dirty="0" err="1" smtClean="0"/>
+                  <a:rPr lang="en-GB" baseline="0" dirty="0" err="1"/>
                   <a:t>r_j</a:t>
                 </a:r>
                 <a:r>
-                  <a:rPr lang="en-GB" baseline="0" dirty="0" smtClean="0"/>
+                  <a:rPr lang="en-GB" baseline="0" dirty="0"/>
                   <a:t> by the energy field of any other pixel with position vector </a:t>
                 </a:r>
                 <a:r>
-                  <a:rPr lang="en-GB" baseline="0" dirty="0" err="1" smtClean="0"/>
+                  <a:rPr lang="en-GB" baseline="0" dirty="0" err="1"/>
                   <a:t>r_i</a:t>
                 </a:r>
                 <a:r>
-                  <a:rPr lang="en-GB" baseline="0" dirty="0" smtClean="0"/>
+                  <a:rPr lang="en-GB" baseline="0" dirty="0"/>
                   <a:t> and pixel intensity P(</a:t>
                 </a:r>
                 <a:r>
-                  <a:rPr lang="en-GB" baseline="0" dirty="0" err="1" smtClean="0"/>
+                  <a:rPr lang="en-GB" baseline="0" dirty="0" err="1"/>
                   <a:t>r_i</a:t>
                 </a:r>
                 <a:r>
-                  <a:rPr lang="en-GB" baseline="0" dirty="0" smtClean="0"/>
+                  <a:rPr lang="en-GB" baseline="0" dirty="0"/>
                   <a:t>)</a:t>
                 </a:r>
                 <a:endParaRPr lang="en-GB" dirty="0"/>
@@ -1958,14 +1959,14 @@
               <a:buAutoNum type="arabicPeriod"/>
             </a:pPr>
             <a:r>
-              <a:rPr lang="en-GB" dirty="0" smtClean="0"/>
+              <a:rPr lang="en-GB" dirty="0"/>
               <a:t>Calculating the force field vectors for each pixel in an</a:t>
             </a:r>
             <a:r>
-              <a:rPr lang="en-GB" baseline="0" dirty="0" smtClean="0"/>
+              <a:rPr lang="en-GB" baseline="0" dirty="0"/>
               <a:t> image of an area of interest</a:t>
             </a:r>
-            <a:endParaRPr lang="en-GB" dirty="0" smtClean="0"/>
+            <a:endParaRPr lang="en-GB" dirty="0"/>
           </a:p>
           <a:p>
             <a:pPr marL="228600" lvl="0" indent="-228600">
@@ -1973,14 +1974,14 @@
               <a:buAutoNum type="arabicPeriod"/>
             </a:pPr>
             <a:r>
-              <a:rPr lang="en-GB" dirty="0" smtClean="0"/>
+              <a:rPr lang="en-GB" dirty="0"/>
               <a:t>Calculating the potential energy fields for each pixel to find the overlapping potential energy functions of all the image pixels for that specific pixel location which is repeated for all pixels in the image to generate a </a:t>
             </a:r>
             <a:r>
-              <a:rPr lang="en-GB" b="1" dirty="0" smtClean="0"/>
+              <a:rPr lang="en-GB" b="1" dirty="0"/>
               <a:t>potential energy surface </a:t>
             </a:r>
-            <a:endParaRPr lang="en-GB" dirty="0" smtClean="0"/>
+            <a:endParaRPr lang="en-GB" dirty="0"/>
           </a:p>
         </p:txBody>
       </p:sp>
@@ -2069,7 +2070,7 @@
               <a:buAutoNum type="arabicPeriod"/>
             </a:pPr>
             <a:r>
-              <a:rPr lang="en-GB" dirty="0" smtClean="0"/>
+              <a:rPr lang="en-GB" dirty="0"/>
               <a:t>Force field –&gt; potential energy surface: comparable to mountain with peaks and ridges, where peaks = potential energy wells (sources) and ridges = energy channels, that lead to the wells (picture 2)</a:t>
             </a:r>
           </a:p>
@@ -2079,7 +2080,7 @@
               <a:buAutoNum type="arabicPeriod"/>
             </a:pPr>
             <a:r>
-              <a:rPr lang="en-GB" dirty="0" smtClean="0"/>
+              <a:rPr lang="en-GB" dirty="0"/>
               <a:t>Image scaling or initialisation (picture 1) position translation invariant</a:t>
             </a:r>
           </a:p>
@@ -2089,7 +2090,7 @@
               <a:buAutoNum type="arabicPeriod"/>
             </a:pPr>
             <a:r>
-              <a:rPr lang="en-GB" dirty="0" smtClean="0"/>
+              <a:rPr lang="en-GB" dirty="0"/>
               <a:t>Very tolerant of noise due to its inherent averaging</a:t>
             </a:r>
           </a:p>
@@ -2099,14 +2100,14 @@
               <a:buAutoNum type="arabicPeriod"/>
             </a:pPr>
             <a:r>
-              <a:rPr lang="en-GB" dirty="0" smtClean="0"/>
+              <a:rPr lang="en-GB" dirty="0"/>
               <a:t>To discover the force field lines: generate an array of unit value mobile test pixels arranged in  a closed loop surrounding the ear, which are then solely being ‘pulled’ by the force (gravity) fields of the ear’s pixels vectors so that their trajectory form the field line until they reached an extremum in the potential energy surface: </a:t>
             </a:r>
             <a:br>
-              <a:rPr lang="en-GB" dirty="0" smtClean="0"/>
+              <a:rPr lang="en-GB" dirty="0"/>
             </a:br>
             <a:r>
-              <a:rPr lang="en-GB" dirty="0" smtClean="0"/>
+              <a:rPr lang="en-GB" dirty="0"/>
               <a:t>gradient is zero and no further force is exerted = no more movement</a:t>
             </a:r>
           </a:p>
@@ -2116,14 +2117,14 @@
               <a:buAutoNum type="arabicPeriod"/>
             </a:pPr>
             <a:r>
-              <a:rPr lang="en-GB" dirty="0" smtClean="0"/>
+              <a:rPr lang="en-GB" dirty="0"/>
               <a:t>Picture</a:t>
             </a:r>
             <a:r>
-              <a:rPr lang="en-GB" baseline="0" dirty="0" smtClean="0"/>
+              <a:rPr lang="en-GB" baseline="0" dirty="0"/>
               <a:t> 3: superimposed wells over force field magnitude</a:t>
             </a:r>
-            <a:endParaRPr lang="en-GB" dirty="0" smtClean="0"/>
+            <a:endParaRPr lang="en-GB" dirty="0"/>
           </a:p>
         </p:txBody>
       </p:sp>
@@ -2212,7 +2213,7 @@
               <a:buAutoNum type="arabicPeriod"/>
             </a:pPr>
             <a:r>
-              <a:rPr lang="en-GB" dirty="0" smtClean="0"/>
+              <a:rPr lang="en-GB" dirty="0"/>
               <a:t>Ok</a:t>
             </a:r>
           </a:p>
@@ -2222,7 +2223,7 @@
               <a:buAutoNum type="arabicPeriod"/>
             </a:pPr>
             <a:r>
-              <a:rPr lang="en-GB" dirty="0" smtClean="0"/>
+              <a:rPr lang="en-GB" dirty="0"/>
               <a:t>O</a:t>
             </a:r>
           </a:p>
@@ -2232,7 +2233,7 @@
               <a:buAutoNum type="arabicPeriod"/>
             </a:pPr>
             <a:r>
-              <a:rPr lang="en-GB" dirty="0" smtClean="0"/>
+              <a:rPr lang="en-GB" dirty="0"/>
               <a:t>O</a:t>
             </a:r>
           </a:p>
@@ -2242,11 +2243,11 @@
               <a:buAutoNum type="arabicPeriod"/>
             </a:pPr>
             <a:r>
-              <a:rPr lang="en-GB" dirty="0" smtClean="0"/>
+              <a:rPr lang="en-GB" dirty="0"/>
               <a:t>Representation</a:t>
             </a:r>
             <a:r>
-              <a:rPr lang="en-GB" baseline="0" dirty="0" smtClean="0"/>
+              <a:rPr lang="en-GB" baseline="0" dirty="0"/>
               <a:t> matrices are square and invertible, which was confirmed by test on different sized images</a:t>
             </a:r>
           </a:p>
@@ -2256,7 +2257,7 @@
               <a:buAutoNum type="arabicPeriod"/>
             </a:pPr>
             <a:r>
-              <a:rPr lang="en-GB" baseline="0" dirty="0" smtClean="0"/>
+              <a:rPr lang="en-GB" baseline="0" dirty="0"/>
               <a:t>Confirmed by measured averaged normalised distance of the wells positions together with the accumulated direction to the position of each well-point from a chosen reference point</a:t>
             </a:r>
           </a:p>
@@ -2266,7 +2267,7 @@
               <a:buAutoNum type="arabicPeriod"/>
             </a:pPr>
             <a:r>
-              <a:rPr lang="en-GB" baseline="0" dirty="0" smtClean="0"/>
+              <a:rPr lang="en-GB" baseline="0" dirty="0"/>
               <a:t>Use enough initialisation points to ensure all wells are extracted</a:t>
             </a:r>
           </a:p>
@@ -2276,7 +2277,7 @@
               <a:buAutoNum type="arabicPeriod"/>
             </a:pPr>
             <a:r>
-              <a:rPr lang="en-GB" baseline="0" dirty="0" smtClean="0"/>
+              <a:rPr lang="en-GB" baseline="0" dirty="0"/>
               <a:t>For Robustness against noise: Use channels instead of wells positions</a:t>
             </a:r>
             <a:endParaRPr lang="en-GB" dirty="0"/>
@@ -2388,7 +2389,7 @@
           <a:p>
             <a:fld id="{EF2D93C9-B2FF-4D76-8851-D84BA33B2773}" type="slidenum">
               <a:rPr lang="en-GB" smtClean="0"/>
-              <a:t>10</a:t>
+              <a:t>11</a:t>
             </a:fld>
             <a:endParaRPr lang="en-GB"/>
           </a:p>
@@ -2472,7 +2473,7 @@
           <a:p>
             <a:fld id="{EF2D93C9-B2FF-4D76-8851-D84BA33B2773}" type="slidenum">
               <a:rPr lang="en-GB" smtClean="0"/>
-              <a:t>15</a:t>
+              <a:t>16</a:t>
             </a:fld>
             <a:endParaRPr lang="en-GB"/>
           </a:p>
@@ -2533,7 +2534,7 @@
           </a:lstStyle>
           <a:p>
             <a:r>
-              <a:rPr lang="de-DE" smtClean="0"/>
+              <a:rPr lang="de-DE"/>
               <a:t>Titelmasterformat durch Klicken bearbeiten</a:t>
             </a:r>
             <a:endParaRPr lang="en-US" dirty="0"/>
@@ -2598,7 +2599,7 @@
           </a:lstStyle>
           <a:p>
             <a:r>
-              <a:rPr lang="de-DE" dirty="0" smtClean="0"/>
+              <a:rPr lang="de-DE" dirty="0"/>
               <a:t>Formatvorlage des Untertitelmasters durch Klicken bearbeiten</a:t>
             </a:r>
             <a:endParaRPr lang="en-US" dirty="0"/>
@@ -2621,7 +2622,7 @@
           <a:lstStyle/>
           <a:p>
             <a:r>
-              <a:rPr lang="en-US" smtClean="0"/>
+              <a:rPr lang="en-US"/>
               <a:t>Ganiyu Ibraheem  Philipp Seybold</a:t>
             </a:r>
             <a:endParaRPr lang="en-GB" dirty="0"/>
@@ -2644,10 +2645,9 @@
           <a:lstStyle/>
           <a:p>
             <a:r>
-              <a:rPr lang="en-GB" dirty="0" smtClean="0"/>
+              <a:rPr lang="en-GB" dirty="0"/>
               <a:t>COMP6206 Advanced Computer Vision</a:t>
             </a:r>
-            <a:endParaRPr lang="en-GB" dirty="0"/>
           </a:p>
         </p:txBody>
       </p:sp>
@@ -2668,7 +2668,7 @@
           <a:p>
             <a:fld id="{FB9D3F8E-99BC-4812-95D4-548B8E992B94}" type="slidenum">
               <a:rPr lang="en-GB" smtClean="0"/>
-              <a:t>‹Nr.›</a:t>
+              <a:t>‹#›</a:t>
             </a:fld>
             <a:endParaRPr lang="en-GB"/>
           </a:p>
@@ -2684,13 +2684,6 @@
   <p:clrMapOvr>
     <a:masterClrMapping/>
   </p:clrMapOvr>
-  <p:timing>
-    <p:tnLst>
-      <p:par>
-        <p:cTn id="1" dur="indefinite" restart="never" nodeType="tmRoot"/>
-      </p:par>
-    </p:tnLst>
-  </p:timing>
 </p:sldLayout>
 </file>
 
@@ -2727,7 +2720,7 @@
           <a:lstStyle/>
           <a:p>
             <a:r>
-              <a:rPr lang="de-DE" smtClean="0"/>
+              <a:rPr lang="de-DE"/>
               <a:t>Titelmasterformat durch Klicken bearbeiten</a:t>
             </a:r>
             <a:endParaRPr lang="en-US" dirty="0"/>
@@ -2751,35 +2744,35 @@
           <a:p>
             <a:pPr lvl="0"/>
             <a:r>
-              <a:rPr lang="de-DE" smtClean="0"/>
+              <a:rPr lang="de-DE"/>
               <a:t>Formatvorlagen des Textmasters bearbeiten</a:t>
             </a:r>
           </a:p>
           <a:p>
             <a:pPr lvl="1"/>
             <a:r>
-              <a:rPr lang="de-DE" smtClean="0"/>
+              <a:rPr lang="de-DE"/>
               <a:t>Zweite Ebene</a:t>
             </a:r>
           </a:p>
           <a:p>
             <a:pPr lvl="2"/>
             <a:r>
-              <a:rPr lang="de-DE" smtClean="0"/>
+              <a:rPr lang="de-DE"/>
               <a:t>Dritte Ebene</a:t>
             </a:r>
           </a:p>
           <a:p>
             <a:pPr lvl="3"/>
             <a:r>
-              <a:rPr lang="de-DE" smtClean="0"/>
+              <a:rPr lang="de-DE"/>
               <a:t>Vierte Ebene</a:t>
             </a:r>
           </a:p>
           <a:p>
             <a:pPr lvl="4"/>
             <a:r>
-              <a:rPr lang="de-DE" smtClean="0"/>
+              <a:rPr lang="de-DE"/>
               <a:t>Fünfte Ebene</a:t>
             </a:r>
             <a:endParaRPr lang="en-US" dirty="0"/>
@@ -2802,7 +2795,7 @@
           <a:lstStyle/>
           <a:p>
             <a:r>
-              <a:rPr lang="en-US" smtClean="0"/>
+              <a:rPr lang="en-US"/>
               <a:t>Ganiyu Ibraheem  Philipp Seybold</a:t>
             </a:r>
             <a:endParaRPr lang="en-GB"/>
@@ -2825,10 +2818,9 @@
           <a:lstStyle/>
           <a:p>
             <a:r>
-              <a:rPr lang="en-GB" smtClean="0"/>
+              <a:rPr lang="en-GB"/>
               <a:t>COMP6206 Advanced Computer Vision</a:t>
             </a:r>
-            <a:endParaRPr lang="en-GB"/>
           </a:p>
         </p:txBody>
       </p:sp>
@@ -2849,7 +2841,7 @@
           <a:p>
             <a:fld id="{FB9D3F8E-99BC-4812-95D4-548B8E992B94}" type="slidenum">
               <a:rPr lang="en-GB" smtClean="0"/>
-              <a:t>‹Nr.›</a:t>
+              <a:t>‹#›</a:t>
             </a:fld>
             <a:endParaRPr lang="en-GB"/>
           </a:p>
@@ -2865,13 +2857,6 @@
   <p:clrMapOvr>
     <a:masterClrMapping/>
   </p:clrMapOvr>
-  <p:timing>
-    <p:tnLst>
-      <p:par>
-        <p:cTn id="1" dur="indefinite" restart="never" nodeType="tmRoot"/>
-      </p:par>
-    </p:tnLst>
-  </p:timing>
 </p:sldLayout>
 </file>
 
@@ -2913,7 +2898,7 @@
           <a:lstStyle/>
           <a:p>
             <a:r>
-              <a:rPr lang="de-DE" smtClean="0"/>
+              <a:rPr lang="de-DE"/>
               <a:t>Titelmasterformat durch Klicken bearbeiten</a:t>
             </a:r>
             <a:endParaRPr lang="en-US" dirty="0"/>
@@ -2942,35 +2927,35 @@
           <a:p>
             <a:pPr lvl="0"/>
             <a:r>
-              <a:rPr lang="de-DE" smtClean="0"/>
+              <a:rPr lang="de-DE"/>
               <a:t>Formatvorlagen des Textmasters bearbeiten</a:t>
             </a:r>
           </a:p>
           <a:p>
             <a:pPr lvl="1"/>
             <a:r>
-              <a:rPr lang="de-DE" smtClean="0"/>
+              <a:rPr lang="de-DE"/>
               <a:t>Zweite Ebene</a:t>
             </a:r>
           </a:p>
           <a:p>
             <a:pPr lvl="2"/>
             <a:r>
-              <a:rPr lang="de-DE" smtClean="0"/>
+              <a:rPr lang="de-DE"/>
               <a:t>Dritte Ebene</a:t>
             </a:r>
           </a:p>
           <a:p>
             <a:pPr lvl="3"/>
             <a:r>
-              <a:rPr lang="de-DE" smtClean="0"/>
+              <a:rPr lang="de-DE"/>
               <a:t>Vierte Ebene</a:t>
             </a:r>
           </a:p>
           <a:p>
             <a:pPr lvl="4"/>
             <a:r>
-              <a:rPr lang="de-DE" smtClean="0"/>
+              <a:rPr lang="de-DE"/>
               <a:t>Fünfte Ebene</a:t>
             </a:r>
             <a:endParaRPr lang="en-US" dirty="0"/>
@@ -2993,7 +2978,7 @@
           <a:lstStyle/>
           <a:p>
             <a:r>
-              <a:rPr lang="en-US" smtClean="0"/>
+              <a:rPr lang="en-US"/>
               <a:t>Ganiyu Ibraheem  Philipp Seybold</a:t>
             </a:r>
             <a:endParaRPr lang="en-GB"/>
@@ -3016,10 +3001,9 @@
           <a:lstStyle/>
           <a:p>
             <a:r>
-              <a:rPr lang="en-GB" smtClean="0"/>
+              <a:rPr lang="en-GB"/>
               <a:t>COMP6206 Advanced Computer Vision</a:t>
             </a:r>
-            <a:endParaRPr lang="en-GB"/>
           </a:p>
         </p:txBody>
       </p:sp>
@@ -3040,7 +3024,7 @@
           <a:p>
             <a:fld id="{FB9D3F8E-99BC-4812-95D4-548B8E992B94}" type="slidenum">
               <a:rPr lang="en-GB" smtClean="0"/>
-              <a:t>‹Nr.›</a:t>
+              <a:t>‹#›</a:t>
             </a:fld>
             <a:endParaRPr lang="en-GB"/>
           </a:p>
@@ -3103,7 +3087,7 @@
           </a:lstStyle>
           <a:p>
             <a:r>
-              <a:rPr lang="de-DE" dirty="0" smtClean="0"/>
+              <a:rPr lang="de-DE" dirty="0"/>
               <a:t>Titelmasterformat</a:t>
             </a:r>
             <a:endParaRPr lang="en-US" dirty="0"/>
@@ -3132,35 +3116,35 @@
           <a:p>
             <a:pPr lvl="0"/>
             <a:r>
-              <a:rPr lang="de-DE" dirty="0" smtClean="0"/>
+              <a:rPr lang="de-DE" dirty="0"/>
               <a:t>Formatvorlagen des Textmasters bearbeiten</a:t>
             </a:r>
           </a:p>
           <a:p>
             <a:pPr lvl="1"/>
             <a:r>
-              <a:rPr lang="de-DE" dirty="0" smtClean="0"/>
+              <a:rPr lang="de-DE" dirty="0"/>
               <a:t>Zweite Ebene</a:t>
             </a:r>
           </a:p>
           <a:p>
             <a:pPr lvl="2"/>
             <a:r>
-              <a:rPr lang="de-DE" dirty="0" smtClean="0"/>
+              <a:rPr lang="de-DE" dirty="0"/>
               <a:t>Dritte Ebene</a:t>
             </a:r>
           </a:p>
           <a:p>
             <a:pPr lvl="3"/>
             <a:r>
-              <a:rPr lang="de-DE" dirty="0" smtClean="0"/>
+              <a:rPr lang="de-DE" dirty="0"/>
               <a:t>Vierte Ebene</a:t>
             </a:r>
           </a:p>
           <a:p>
             <a:pPr lvl="4"/>
             <a:r>
-              <a:rPr lang="de-DE" dirty="0" smtClean="0"/>
+              <a:rPr lang="de-DE" dirty="0"/>
               <a:t>Fünfte Ebene</a:t>
             </a:r>
             <a:endParaRPr lang="en-US" dirty="0"/>
@@ -3183,7 +3167,7 @@
           <a:lstStyle/>
           <a:p>
             <a:r>
-              <a:rPr lang="en-US" smtClean="0"/>
+              <a:rPr lang="en-US"/>
               <a:t>Ganiyu Ibraheem  Philipp Seybold</a:t>
             </a:r>
             <a:endParaRPr lang="en-GB" dirty="0"/>
@@ -3206,10 +3190,9 @@
           <a:lstStyle/>
           <a:p>
             <a:r>
-              <a:rPr lang="en-GB" smtClean="0"/>
+              <a:rPr lang="en-GB"/>
               <a:t>COMP6206 Advanced Computer Vision</a:t>
             </a:r>
-            <a:endParaRPr lang="en-GB"/>
           </a:p>
         </p:txBody>
       </p:sp>
@@ -3230,7 +3213,7 @@
           <a:p>
             <a:fld id="{FB9D3F8E-99BC-4812-95D4-548B8E992B94}" type="slidenum">
               <a:rPr lang="en-GB" smtClean="0"/>
-              <a:t>‹Nr.›</a:t>
+              <a:t>‹#›</a:t>
             </a:fld>
             <a:endParaRPr lang="en-GB"/>
           </a:p>
@@ -3276,13 +3259,6 @@
   <p:clrMapOvr>
     <a:masterClrMapping/>
   </p:clrMapOvr>
-  <p:timing>
-    <p:tnLst>
-      <p:par>
-        <p:cTn id="1" dur="indefinite" restart="never" nodeType="tmRoot"/>
-      </p:par>
-    </p:tnLst>
-  </p:timing>
 </p:sldLayout>
 </file>
 
@@ -3328,7 +3304,7 @@
           </a:lstStyle>
           <a:p>
             <a:r>
-              <a:rPr lang="de-DE" smtClean="0"/>
+              <a:rPr lang="de-DE"/>
               <a:t>Titelmasterformat durch Klicken bearbeiten</a:t>
             </a:r>
             <a:endParaRPr lang="en-US" dirty="0"/>
@@ -3446,7 +3422,7 @@
           <a:p>
             <a:pPr lvl="0"/>
             <a:r>
-              <a:rPr lang="de-DE" smtClean="0"/>
+              <a:rPr lang="de-DE"/>
               <a:t>Formatvorlagen des Textmasters bearbeiten</a:t>
             </a:r>
           </a:p>
@@ -3468,7 +3444,7 @@
           <a:lstStyle/>
           <a:p>
             <a:r>
-              <a:rPr lang="en-US" smtClean="0"/>
+              <a:rPr lang="en-US"/>
               <a:t>Ganiyu Ibraheem  Philipp Seybold</a:t>
             </a:r>
             <a:endParaRPr lang="en-GB"/>
@@ -3491,10 +3467,9 @@
           <a:lstStyle/>
           <a:p>
             <a:r>
-              <a:rPr lang="en-GB" smtClean="0"/>
+              <a:rPr lang="en-GB"/>
               <a:t>COMP6206 Advanced Computer Vision</a:t>
             </a:r>
-            <a:endParaRPr lang="en-GB"/>
           </a:p>
         </p:txBody>
       </p:sp>
@@ -3515,7 +3490,7 @@
           <a:p>
             <a:fld id="{FB9D3F8E-99BC-4812-95D4-548B8E992B94}" type="slidenum">
               <a:rPr lang="en-GB" smtClean="0"/>
-              <a:t>‹Nr.›</a:t>
+              <a:t>‹#›</a:t>
             </a:fld>
             <a:endParaRPr lang="en-GB"/>
           </a:p>
@@ -3531,13 +3506,6 @@
   <p:clrMapOvr>
     <a:masterClrMapping/>
   </p:clrMapOvr>
-  <p:timing>
-    <p:tnLst>
-      <p:par>
-        <p:cTn id="1" dur="indefinite" restart="never" nodeType="tmRoot"/>
-      </p:par>
-    </p:tnLst>
-  </p:timing>
 </p:sldLayout>
 </file>
 
@@ -3574,7 +3542,7 @@
           <a:lstStyle/>
           <a:p>
             <a:r>
-              <a:rPr lang="de-DE" smtClean="0"/>
+              <a:rPr lang="de-DE"/>
               <a:t>Titelmasterformat durch Klicken bearbeiten</a:t>
             </a:r>
             <a:endParaRPr lang="en-US" dirty="0"/>
@@ -3603,35 +3571,35 @@
           <a:p>
             <a:pPr lvl="0"/>
             <a:r>
-              <a:rPr lang="de-DE" smtClean="0"/>
+              <a:rPr lang="de-DE"/>
               <a:t>Formatvorlagen des Textmasters bearbeiten</a:t>
             </a:r>
           </a:p>
           <a:p>
             <a:pPr lvl="1"/>
             <a:r>
-              <a:rPr lang="de-DE" smtClean="0"/>
+              <a:rPr lang="de-DE"/>
               <a:t>Zweite Ebene</a:t>
             </a:r>
           </a:p>
           <a:p>
             <a:pPr lvl="2"/>
             <a:r>
-              <a:rPr lang="de-DE" smtClean="0"/>
+              <a:rPr lang="de-DE"/>
               <a:t>Dritte Ebene</a:t>
             </a:r>
           </a:p>
           <a:p>
             <a:pPr lvl="3"/>
             <a:r>
-              <a:rPr lang="de-DE" smtClean="0"/>
+              <a:rPr lang="de-DE"/>
               <a:t>Vierte Ebene</a:t>
             </a:r>
           </a:p>
           <a:p>
             <a:pPr lvl="4"/>
             <a:r>
-              <a:rPr lang="de-DE" smtClean="0"/>
+              <a:rPr lang="de-DE"/>
               <a:t>Fünfte Ebene</a:t>
             </a:r>
             <a:endParaRPr lang="en-US" dirty="0"/>
@@ -3660,35 +3628,35 @@
           <a:p>
             <a:pPr lvl="0"/>
             <a:r>
-              <a:rPr lang="de-DE" smtClean="0"/>
+              <a:rPr lang="de-DE"/>
               <a:t>Formatvorlagen des Textmasters bearbeiten</a:t>
             </a:r>
           </a:p>
           <a:p>
             <a:pPr lvl="1"/>
             <a:r>
-              <a:rPr lang="de-DE" smtClean="0"/>
+              <a:rPr lang="de-DE"/>
               <a:t>Zweite Ebene</a:t>
             </a:r>
           </a:p>
           <a:p>
             <a:pPr lvl="2"/>
             <a:r>
-              <a:rPr lang="de-DE" smtClean="0"/>
+              <a:rPr lang="de-DE"/>
               <a:t>Dritte Ebene</a:t>
             </a:r>
           </a:p>
           <a:p>
             <a:pPr lvl="3"/>
             <a:r>
-              <a:rPr lang="de-DE" smtClean="0"/>
+              <a:rPr lang="de-DE"/>
               <a:t>Vierte Ebene</a:t>
             </a:r>
           </a:p>
           <a:p>
             <a:pPr lvl="4"/>
             <a:r>
-              <a:rPr lang="de-DE" smtClean="0"/>
+              <a:rPr lang="de-DE"/>
               <a:t>Fünfte Ebene</a:t>
             </a:r>
             <a:endParaRPr lang="en-US" dirty="0"/>
@@ -3711,7 +3679,7 @@
           <a:lstStyle/>
           <a:p>
             <a:r>
-              <a:rPr lang="en-US" smtClean="0"/>
+              <a:rPr lang="en-US"/>
               <a:t>Ganiyu Ibraheem  Philipp Seybold</a:t>
             </a:r>
             <a:endParaRPr lang="en-GB"/>
@@ -3734,10 +3702,9 @@
           <a:lstStyle/>
           <a:p>
             <a:r>
-              <a:rPr lang="en-GB" smtClean="0"/>
+              <a:rPr lang="en-GB"/>
               <a:t>COMP6206 Advanced Computer Vision</a:t>
             </a:r>
-            <a:endParaRPr lang="en-GB"/>
           </a:p>
         </p:txBody>
       </p:sp>
@@ -3758,7 +3725,7 @@
           <a:p>
             <a:fld id="{FB9D3F8E-99BC-4812-95D4-548B8E992B94}" type="slidenum">
               <a:rPr lang="en-GB" smtClean="0"/>
-              <a:t>‹Nr.›</a:t>
+              <a:t>‹#›</a:t>
             </a:fld>
             <a:endParaRPr lang="en-GB"/>
           </a:p>
@@ -3774,13 +3741,6 @@
   <p:clrMapOvr>
     <a:masterClrMapping/>
   </p:clrMapOvr>
-  <p:timing>
-    <p:tnLst>
-      <p:par>
-        <p:cTn id="1" dur="indefinite" restart="never" nodeType="tmRoot"/>
-      </p:par>
-    </p:tnLst>
-  </p:timing>
 </p:sldLayout>
 </file>
 
@@ -3822,7 +3782,7 @@
           <a:lstStyle/>
           <a:p>
             <a:r>
-              <a:rPr lang="de-DE" smtClean="0"/>
+              <a:rPr lang="de-DE"/>
               <a:t>Titelmasterformat durch Klicken bearbeiten</a:t>
             </a:r>
             <a:endParaRPr lang="en-US" dirty="0"/>
@@ -3888,7 +3848,7 @@
           <a:p>
             <a:pPr lvl="0"/>
             <a:r>
-              <a:rPr lang="de-DE" smtClean="0"/>
+              <a:rPr lang="de-DE"/>
               <a:t>Formatvorlagen des Textmasters bearbeiten</a:t>
             </a:r>
           </a:p>
@@ -3916,35 +3876,35 @@
           <a:p>
             <a:pPr lvl="0"/>
             <a:r>
-              <a:rPr lang="de-DE" smtClean="0"/>
+              <a:rPr lang="de-DE"/>
               <a:t>Formatvorlagen des Textmasters bearbeiten</a:t>
             </a:r>
           </a:p>
           <a:p>
             <a:pPr lvl="1"/>
             <a:r>
-              <a:rPr lang="de-DE" smtClean="0"/>
+              <a:rPr lang="de-DE"/>
               <a:t>Zweite Ebene</a:t>
             </a:r>
           </a:p>
           <a:p>
             <a:pPr lvl="2"/>
             <a:r>
-              <a:rPr lang="de-DE" smtClean="0"/>
+              <a:rPr lang="de-DE"/>
               <a:t>Dritte Ebene</a:t>
             </a:r>
           </a:p>
           <a:p>
             <a:pPr lvl="3"/>
             <a:r>
-              <a:rPr lang="de-DE" smtClean="0"/>
+              <a:rPr lang="de-DE"/>
               <a:t>Vierte Ebene</a:t>
             </a:r>
           </a:p>
           <a:p>
             <a:pPr lvl="4"/>
             <a:r>
-              <a:rPr lang="de-DE" smtClean="0"/>
+              <a:rPr lang="de-DE"/>
               <a:t>Fünfte Ebene</a:t>
             </a:r>
             <a:endParaRPr lang="en-US" dirty="0"/>
@@ -4010,7 +3970,7 @@
           <a:p>
             <a:pPr lvl="0"/>
             <a:r>
-              <a:rPr lang="de-DE" smtClean="0"/>
+              <a:rPr lang="de-DE"/>
               <a:t>Formatvorlagen des Textmasters bearbeiten</a:t>
             </a:r>
           </a:p>
@@ -4038,35 +3998,35 @@
           <a:p>
             <a:pPr lvl="0"/>
             <a:r>
-              <a:rPr lang="de-DE" smtClean="0"/>
+              <a:rPr lang="de-DE"/>
               <a:t>Formatvorlagen des Textmasters bearbeiten</a:t>
             </a:r>
           </a:p>
           <a:p>
             <a:pPr lvl="1"/>
             <a:r>
-              <a:rPr lang="de-DE" smtClean="0"/>
+              <a:rPr lang="de-DE"/>
               <a:t>Zweite Ebene</a:t>
             </a:r>
           </a:p>
           <a:p>
             <a:pPr lvl="2"/>
             <a:r>
-              <a:rPr lang="de-DE" smtClean="0"/>
+              <a:rPr lang="de-DE"/>
               <a:t>Dritte Ebene</a:t>
             </a:r>
           </a:p>
           <a:p>
             <a:pPr lvl="3"/>
             <a:r>
-              <a:rPr lang="de-DE" smtClean="0"/>
+              <a:rPr lang="de-DE"/>
               <a:t>Vierte Ebene</a:t>
             </a:r>
           </a:p>
           <a:p>
             <a:pPr lvl="4"/>
             <a:r>
-              <a:rPr lang="de-DE" smtClean="0"/>
+              <a:rPr lang="de-DE"/>
               <a:t>Fünfte Ebene</a:t>
             </a:r>
             <a:endParaRPr lang="en-US" dirty="0"/>
@@ -4089,7 +4049,7 @@
           <a:lstStyle/>
           <a:p>
             <a:r>
-              <a:rPr lang="en-US" smtClean="0"/>
+              <a:rPr lang="en-US"/>
               <a:t>Ganiyu Ibraheem  Philipp Seybold</a:t>
             </a:r>
             <a:endParaRPr lang="en-GB"/>
@@ -4112,10 +4072,9 @@
           <a:lstStyle/>
           <a:p>
             <a:r>
-              <a:rPr lang="en-GB" smtClean="0"/>
+              <a:rPr lang="en-GB"/>
               <a:t>COMP6206 Advanced Computer Vision</a:t>
             </a:r>
-            <a:endParaRPr lang="en-GB"/>
           </a:p>
         </p:txBody>
       </p:sp>
@@ -4136,7 +4095,7 @@
           <a:p>
             <a:fld id="{FB9D3F8E-99BC-4812-95D4-548B8E992B94}" type="slidenum">
               <a:rPr lang="en-GB" smtClean="0"/>
-              <a:t>‹Nr.›</a:t>
+              <a:t>‹#›</a:t>
             </a:fld>
             <a:endParaRPr lang="en-GB"/>
           </a:p>
@@ -4188,7 +4147,7 @@
           <a:lstStyle/>
           <a:p>
             <a:r>
-              <a:rPr lang="de-DE" smtClean="0"/>
+              <a:rPr lang="de-DE"/>
               <a:t>Titelmasterformat durch Klicken bearbeiten</a:t>
             </a:r>
             <a:endParaRPr lang="en-US" dirty="0"/>
@@ -4211,7 +4170,7 @@
           <a:lstStyle/>
           <a:p>
             <a:r>
-              <a:rPr lang="en-US" smtClean="0"/>
+              <a:rPr lang="en-US"/>
               <a:t>Ganiyu Ibraheem  Philipp Seybold</a:t>
             </a:r>
             <a:endParaRPr lang="en-GB"/>
@@ -4234,10 +4193,9 @@
           <a:lstStyle/>
           <a:p>
             <a:r>
-              <a:rPr lang="en-GB" smtClean="0"/>
+              <a:rPr lang="en-GB"/>
               <a:t>COMP6206 Advanced Computer Vision</a:t>
             </a:r>
-            <a:endParaRPr lang="en-GB"/>
           </a:p>
         </p:txBody>
       </p:sp>
@@ -4258,7 +4216,7 @@
           <a:p>
             <a:fld id="{FB9D3F8E-99BC-4812-95D4-548B8E992B94}" type="slidenum">
               <a:rPr lang="en-GB" smtClean="0"/>
-              <a:t>‹Nr.›</a:t>
+              <a:t>‹#›</a:t>
             </a:fld>
             <a:endParaRPr lang="en-GB"/>
           </a:p>
@@ -4310,7 +4268,7 @@
           <a:lstStyle/>
           <a:p>
             <a:r>
-              <a:rPr lang="en-US" smtClean="0"/>
+              <a:rPr lang="en-US"/>
               <a:t>Ganiyu Ibraheem  Philipp Seybold</a:t>
             </a:r>
             <a:endParaRPr lang="en-GB"/>
@@ -4333,10 +4291,9 @@
           <a:lstStyle/>
           <a:p>
             <a:r>
-              <a:rPr lang="en-GB" smtClean="0"/>
+              <a:rPr lang="en-GB"/>
               <a:t>COMP6206 Advanced Computer Vision</a:t>
             </a:r>
-            <a:endParaRPr lang="en-GB"/>
           </a:p>
         </p:txBody>
       </p:sp>
@@ -4357,7 +4314,7 @@
           <a:p>
             <a:fld id="{FB9D3F8E-99BC-4812-95D4-548B8E992B94}" type="slidenum">
               <a:rPr lang="en-GB" smtClean="0"/>
-              <a:t>‹Nr.›</a:t>
+              <a:t>‹#›</a:t>
             </a:fld>
             <a:endParaRPr lang="en-GB"/>
           </a:p>
@@ -4418,7 +4375,7 @@
           </a:lstStyle>
           <a:p>
             <a:r>
-              <a:rPr lang="de-DE" smtClean="0"/>
+              <a:rPr lang="de-DE"/>
               <a:t>Titelmasterformat durch Klicken bearbeiten</a:t>
             </a:r>
             <a:endParaRPr lang="en-US" dirty="0"/>
@@ -4475,35 +4432,35 @@
           <a:p>
             <a:pPr lvl="0"/>
             <a:r>
-              <a:rPr lang="de-DE" smtClean="0"/>
+              <a:rPr lang="de-DE"/>
               <a:t>Formatvorlagen des Textmasters bearbeiten</a:t>
             </a:r>
           </a:p>
           <a:p>
             <a:pPr lvl="1"/>
             <a:r>
-              <a:rPr lang="de-DE" smtClean="0"/>
+              <a:rPr lang="de-DE"/>
               <a:t>Zweite Ebene</a:t>
             </a:r>
           </a:p>
           <a:p>
             <a:pPr lvl="2"/>
             <a:r>
-              <a:rPr lang="de-DE" smtClean="0"/>
+              <a:rPr lang="de-DE"/>
               <a:t>Dritte Ebene</a:t>
             </a:r>
           </a:p>
           <a:p>
             <a:pPr lvl="3"/>
             <a:r>
-              <a:rPr lang="de-DE" smtClean="0"/>
+              <a:rPr lang="de-DE"/>
               <a:t>Vierte Ebene</a:t>
             </a:r>
           </a:p>
           <a:p>
             <a:pPr lvl="4"/>
             <a:r>
-              <a:rPr lang="de-DE" smtClean="0"/>
+              <a:rPr lang="de-DE"/>
               <a:t>Fünfte Ebene</a:t>
             </a:r>
             <a:endParaRPr lang="en-US" dirty="0"/>
@@ -4569,7 +4526,7 @@
           <a:p>
             <a:pPr lvl="0"/>
             <a:r>
-              <a:rPr lang="de-DE" smtClean="0"/>
+              <a:rPr lang="de-DE"/>
               <a:t>Formatvorlagen des Textmasters bearbeiten</a:t>
             </a:r>
           </a:p>
@@ -4591,7 +4548,7 @@
           <a:lstStyle/>
           <a:p>
             <a:r>
-              <a:rPr lang="en-US" smtClean="0"/>
+              <a:rPr lang="en-US"/>
               <a:t>Ganiyu Ibraheem  Philipp Seybold</a:t>
             </a:r>
             <a:endParaRPr lang="en-GB"/>
@@ -4614,10 +4571,9 @@
           <a:lstStyle/>
           <a:p>
             <a:r>
-              <a:rPr lang="en-GB" smtClean="0"/>
+              <a:rPr lang="en-GB"/>
               <a:t>COMP6206 Advanced Computer Vision</a:t>
             </a:r>
-            <a:endParaRPr lang="en-GB"/>
           </a:p>
         </p:txBody>
       </p:sp>
@@ -4638,7 +4594,7 @@
           <a:p>
             <a:fld id="{FB9D3F8E-99BC-4812-95D4-548B8E992B94}" type="slidenum">
               <a:rPr lang="en-GB" smtClean="0"/>
-              <a:t>‹Nr.›</a:t>
+              <a:t>‹#›</a:t>
             </a:fld>
             <a:endParaRPr lang="en-GB"/>
           </a:p>
@@ -4699,7 +4655,7 @@
           </a:lstStyle>
           <a:p>
             <a:r>
-              <a:rPr lang="de-DE" smtClean="0"/>
+              <a:rPr lang="de-DE"/>
               <a:t>Titelmasterformat durch Klicken bearbeiten</a:t>
             </a:r>
             <a:endParaRPr lang="en-US" dirty="0"/>
@@ -4764,7 +4720,7 @@
           </a:lstStyle>
           <a:p>
             <a:r>
-              <a:rPr lang="de-DE" smtClean="0"/>
+              <a:rPr lang="de-DE"/>
               <a:t>Bild durch Klicken auf Symbol hinzufügen</a:t>
             </a:r>
             <a:endParaRPr lang="en-US" dirty="0"/>
@@ -4830,7 +4786,7 @@
           <a:p>
             <a:pPr lvl="0"/>
             <a:r>
-              <a:rPr lang="de-DE" smtClean="0"/>
+              <a:rPr lang="de-DE"/>
               <a:t>Formatvorlagen des Textmasters bearbeiten</a:t>
             </a:r>
           </a:p>
@@ -4852,7 +4808,7 @@
           <a:lstStyle/>
           <a:p>
             <a:r>
-              <a:rPr lang="en-US" smtClean="0"/>
+              <a:rPr lang="en-US"/>
               <a:t>Ganiyu Ibraheem  Philipp Seybold</a:t>
             </a:r>
             <a:endParaRPr lang="en-GB"/>
@@ -4875,10 +4831,9 @@
           <a:lstStyle/>
           <a:p>
             <a:r>
-              <a:rPr lang="en-GB" smtClean="0"/>
+              <a:rPr lang="en-GB"/>
               <a:t>COMP6206 Advanced Computer Vision</a:t>
             </a:r>
-            <a:endParaRPr lang="en-GB"/>
           </a:p>
         </p:txBody>
       </p:sp>
@@ -4899,7 +4854,7 @@
           <a:p>
             <a:fld id="{FB9D3F8E-99BC-4812-95D4-548B8E992B94}" type="slidenum">
               <a:rPr lang="en-GB" smtClean="0"/>
-              <a:t>‹Nr.›</a:t>
+              <a:t>‹#›</a:t>
             </a:fld>
             <a:endParaRPr lang="en-GB"/>
           </a:p>
@@ -4966,7 +4921,7 @@
           <a:lstStyle/>
           <a:p>
             <a:r>
-              <a:rPr lang="de-DE" smtClean="0"/>
+              <a:rPr lang="de-DE"/>
               <a:t>Titelmasterformat durch Klicken bearbeiten</a:t>
             </a:r>
             <a:endParaRPr lang="en-US" dirty="0"/>
@@ -5000,35 +4955,35 @@
           <a:p>
             <a:pPr lvl="0"/>
             <a:r>
-              <a:rPr lang="de-DE" dirty="0" smtClean="0"/>
+              <a:rPr lang="de-DE" dirty="0"/>
               <a:t>Formatvorlagen des Textmasters bearbeiten</a:t>
             </a:r>
           </a:p>
           <a:p>
             <a:pPr lvl="1"/>
             <a:r>
-              <a:rPr lang="de-DE" dirty="0" smtClean="0"/>
+              <a:rPr lang="de-DE" dirty="0"/>
               <a:t>Zweite Ebene</a:t>
             </a:r>
           </a:p>
           <a:p>
             <a:pPr lvl="2"/>
             <a:r>
-              <a:rPr lang="de-DE" dirty="0" smtClean="0"/>
+              <a:rPr lang="de-DE" dirty="0"/>
               <a:t>Dritte Ebene</a:t>
             </a:r>
           </a:p>
           <a:p>
             <a:pPr lvl="3"/>
             <a:r>
-              <a:rPr lang="de-DE" dirty="0" smtClean="0"/>
+              <a:rPr lang="de-DE" dirty="0"/>
               <a:t>Vierte Ebene</a:t>
             </a:r>
           </a:p>
           <a:p>
             <a:pPr lvl="4"/>
             <a:r>
-              <a:rPr lang="de-DE" dirty="0" smtClean="0"/>
+              <a:rPr lang="de-DE" dirty="0"/>
               <a:t>Fünfte Ebene</a:t>
             </a:r>
             <a:endParaRPr lang="en-US" dirty="0"/>
@@ -5069,7 +5024,7 @@
           </a:lstStyle>
           <a:p>
             <a:r>
-              <a:rPr lang="en-US" dirty="0" smtClean="0"/>
+              <a:rPr lang="en-US" dirty="0"/>
               <a:t>Ganiyu Ibraheem  Philipp Seybold</a:t>
             </a:r>
             <a:endParaRPr lang="en-GB" dirty="0"/>
@@ -5110,10 +5065,9 @@
           </a:lstStyle>
           <a:p>
             <a:r>
-              <a:rPr lang="en-GB" dirty="0" smtClean="0"/>
+              <a:rPr lang="en-GB" dirty="0"/>
               <a:t>COMP6206 Advanced Computer Vision</a:t>
             </a:r>
-            <a:endParaRPr lang="en-GB" dirty="0"/>
           </a:p>
         </p:txBody>
       </p:sp>
@@ -5152,7 +5106,7 @@
           <a:p>
             <a:fld id="{FB9D3F8E-99BC-4812-95D4-548B8E992B94}" type="slidenum">
               <a:rPr lang="en-GB" smtClean="0"/>
-              <a:t>‹Nr.›</a:t>
+              <a:t>‹#›</a:t>
             </a:fld>
             <a:endParaRPr lang="en-GB"/>
           </a:p>
@@ -5217,13 +5171,6 @@
     <p:sldLayoutId id="2147483670" r:id="rId10"/>
     <p:sldLayoutId id="2147483671" r:id="rId11"/>
   </p:sldLayoutIdLst>
-  <p:timing>
-    <p:tnLst>
-      <p:par>
-        <p:cTn id="1" dur="indefinite" restart="never" nodeType="tmRoot"/>
-      </p:par>
-    </p:tnLst>
-  </p:timing>
   <p:hf hdr="0"/>
   <p:txStyles>
     <p:titleStyle>
@@ -5556,67 +5503,69 @@
           <a:lstStyle/>
           <a:p>
             <a:r>
-              <a:rPr lang="en-GB" dirty="0" smtClean="0"/>
+              <a:rPr lang="en-GB" dirty="0"/>
               <a:t>Force Field Transformation</a:t>
             </a:r>
+          </a:p>
+        </p:txBody>
+      </p:sp>
+      <p:sp>
+        <p:nvSpPr>
+          <p:cNvPr id="70" name="Untertitel 69"/>
+          <p:cNvSpPr>
+            <a:spLocks noGrp="1"/>
+          </p:cNvSpPr>
+          <p:nvPr>
+            <p:ph type="subTitle" idx="1"/>
+          </p:nvPr>
+        </p:nvSpPr>
+        <p:spPr/>
+        <p:txBody>
+          <a:bodyPr/>
+          <a:lstStyle/>
+          <a:p>
+            <a:r>
+              <a:rPr lang="en-GB" dirty="0" err="1"/>
+              <a:t>Ganiyu</a:t>
+            </a:r>
+            <a:r>
+              <a:rPr lang="en-GB" dirty="0"/>
+              <a:t> AJ Ibraheem &amp; Philipp Seybold</a:t>
+            </a:r>
+          </a:p>
+          <a:p>
+            <a:r>
+              <a:rPr lang="en-GB" dirty="0"/>
+              <a:t>Advanced Computer Vision</a:t>
+            </a:r>
+          </a:p>
+        </p:txBody>
+      </p:sp>
+      <p:sp>
+        <p:nvSpPr>
+          <p:cNvPr id="8" name="Datumsplatzhalter 7"/>
+          <p:cNvSpPr>
+            <a:spLocks noGrp="1"/>
+          </p:cNvSpPr>
+          <p:nvPr>
+            <p:ph type="dt" sz="half" idx="10"/>
+          </p:nvPr>
+        </p:nvSpPr>
+        <p:spPr/>
+        <p:txBody>
+          <a:bodyPr/>
+          <a:lstStyle/>
+          <a:p>
+            <a:r>
+              <a:rPr lang="en-US" dirty="0"/>
+              <a:t>Ganiyu Ibraheem  Philipp Seybold</a:t>
+            </a:r>
             <a:endParaRPr lang="en-GB" dirty="0"/>
           </a:p>
         </p:txBody>
       </p:sp>
       <p:sp>
         <p:nvSpPr>
-          <p:cNvPr id="70" name="Untertitel 69"/>
-          <p:cNvSpPr>
-            <a:spLocks noGrp="1"/>
-          </p:cNvSpPr>
-          <p:nvPr>
-            <p:ph type="subTitle" idx="1"/>
-          </p:nvPr>
-        </p:nvSpPr>
-        <p:spPr/>
-        <p:txBody>
-          <a:bodyPr/>
-          <a:lstStyle/>
-          <a:p>
-            <a:r>
-              <a:rPr lang="en-GB" dirty="0" smtClean="0"/>
-              <a:t>Ganiyu Ibraheem &amp; Philipp Seybold</a:t>
-            </a:r>
-          </a:p>
-          <a:p>
-            <a:r>
-              <a:rPr lang="en-GB" dirty="0" smtClean="0"/>
-              <a:t>Advanced Computer Vision</a:t>
-            </a:r>
-            <a:endParaRPr lang="en-GB" dirty="0"/>
-          </a:p>
-        </p:txBody>
-      </p:sp>
-      <p:sp>
-        <p:nvSpPr>
-          <p:cNvPr id="8" name="Datumsplatzhalter 7"/>
-          <p:cNvSpPr>
-            <a:spLocks noGrp="1"/>
-          </p:cNvSpPr>
-          <p:nvPr>
-            <p:ph type="dt" sz="half" idx="10"/>
-          </p:nvPr>
-        </p:nvSpPr>
-        <p:spPr/>
-        <p:txBody>
-          <a:bodyPr/>
-          <a:lstStyle/>
-          <a:p>
-            <a:r>
-              <a:rPr lang="en-US" dirty="0" smtClean="0"/>
-              <a:t>Ganiyu Ibraheem  Philipp Seybold</a:t>
-            </a:r>
-            <a:endParaRPr lang="en-GB" dirty="0"/>
-          </a:p>
-        </p:txBody>
-      </p:sp>
-      <p:sp>
-        <p:nvSpPr>
           <p:cNvPr id="9" name="Fußzeilenplatzhalter 8"/>
           <p:cNvSpPr>
             <a:spLocks noGrp="1"/>
@@ -5631,7 +5580,7 @@
           <a:lstStyle/>
           <a:p>
             <a:r>
-              <a:rPr lang="en-GB" smtClean="0"/>
+              <a:rPr lang="en-GB"/>
               <a:t>COMP6206 Advanced Computer Vision</a:t>
             </a:r>
             <a:endParaRPr lang="en-GB" dirty="0"/>
@@ -5672,13 +5621,6 @@
   <p:clrMapOvr>
     <a:masterClrMapping/>
   </p:clrMapOvr>
-  <p:timing>
-    <p:tnLst>
-      <p:par>
-        <p:cTn id="1" dur="indefinite" restart="never" nodeType="tmRoot"/>
-      </p:par>
-    </p:tnLst>
-  </p:timing>
 </p:sld>
 </file>
 
@@ -5701,7 +5643,13 @@
       </p:grpSpPr>
       <p:sp>
         <p:nvSpPr>
-          <p:cNvPr id="2" name="Titel 1"/>
+          <p:cNvPr id="2" name="Title 1">
+            <a:extLst>
+              <a:ext uri="{FF2B5EF4-FFF2-40B4-BE49-F238E27FC236}">
+                <a16:creationId xmlns:a16="http://schemas.microsoft.com/office/drawing/2014/main" id="{032116BB-99B8-1B47-903D-0D78A171B14E}"/>
+              </a:ext>
+            </a:extLst>
+          </p:cNvPr>
           <p:cNvSpPr>
             <a:spLocks noGrp="1"/>
           </p:cNvSpPr>
@@ -5711,14 +5659,66 @@
         </p:nvSpPr>
         <p:spPr/>
         <p:txBody>
-          <a:bodyPr>
-            <a:normAutofit/>
-          </a:bodyPr>
-          <a:lstStyle/>
-          <a:p>
-            <a:r>
-              <a:rPr lang="en-GB" dirty="0" smtClean="0"/>
-              <a:t>Method Application</a:t>
+          <a:bodyPr/>
+          <a:lstStyle/>
+          <a:p>
+            <a:r>
+              <a:rPr lang="en-GB" dirty="0"/>
+              <a:t>The Force Field Transform is invertible</a:t>
+            </a:r>
+            <a:endParaRPr lang="en-US" dirty="0"/>
+          </a:p>
+        </p:txBody>
+      </p:sp>
+      <p:sp>
+        <p:nvSpPr>
+          <p:cNvPr id="3" name="Content Placeholder 2">
+            <a:extLst>
+              <a:ext uri="{FF2B5EF4-FFF2-40B4-BE49-F238E27FC236}">
+                <a16:creationId xmlns:a16="http://schemas.microsoft.com/office/drawing/2014/main" id="{45431C1F-241E-5547-B2B1-A15FBFC10408}"/>
+              </a:ext>
+            </a:extLst>
+          </p:cNvPr>
+          <p:cNvSpPr>
+            <a:spLocks noGrp="1"/>
+          </p:cNvSpPr>
+          <p:nvPr>
+            <p:ph idx="1"/>
+          </p:nvPr>
+        </p:nvSpPr>
+        <p:spPr/>
+        <p:txBody>
+          <a:bodyPr/>
+          <a:lstStyle/>
+          <a:p>
+            <a:endParaRPr lang="en-US" dirty="0"/>
+          </a:p>
+        </p:txBody>
+      </p:sp>
+      <p:sp>
+        <p:nvSpPr>
+          <p:cNvPr id="4" name="Date Placeholder 3">
+            <a:extLst>
+              <a:ext uri="{FF2B5EF4-FFF2-40B4-BE49-F238E27FC236}">
+                <a16:creationId xmlns:a16="http://schemas.microsoft.com/office/drawing/2014/main" id="{2DFDCD58-8201-E04D-92E1-3DAFEEDCEC80}"/>
+              </a:ext>
+            </a:extLst>
+          </p:cNvPr>
+          <p:cNvSpPr>
+            <a:spLocks noGrp="1"/>
+          </p:cNvSpPr>
+          <p:nvPr>
+            <p:ph type="dt" sz="half" idx="10"/>
+          </p:nvPr>
+        </p:nvSpPr>
+        <p:spPr/>
+        <p:txBody>
+          <a:bodyPr/>
+          <a:lstStyle/>
+          <a:p>
+            <a:r>
+              <a:rPr lang="en-US"/>
+              <a:t>Ganiyu Ibraheem  Philipp Seybold</a:t>
             </a:r>
             <a:endParaRPr lang="en-GB" dirty="0"/>
           </a:p>
@@ -5726,67 +5726,13 @@
       </p:sp>
       <p:sp>
         <p:nvSpPr>
-          <p:cNvPr id="3" name="Inhaltsplatzhalter 2"/>
-          <p:cNvSpPr>
-            <a:spLocks noGrp="1"/>
-          </p:cNvSpPr>
-          <p:nvPr>
-            <p:ph idx="1"/>
-          </p:nvPr>
-        </p:nvSpPr>
-        <p:spPr>
-          <a:xfrm>
-            <a:off x="628650" y="1831278"/>
-            <a:ext cx="7886700" cy="4351338"/>
-          </a:xfrm>
-        </p:spPr>
-        <p:txBody>
-          <a:bodyPr>
-            <a:normAutofit/>
-          </a:bodyPr>
-          <a:lstStyle/>
-          <a:p>
-            <a:pPr marL="0" indent="0">
-              <a:buNone/>
-            </a:pPr>
-            <a:r>
-              <a:rPr lang="en-GB" dirty="0" smtClean="0"/>
-              <a:t>Pseudo </a:t>
-            </a:r>
-            <a:r>
-              <a:rPr lang="en-GB" dirty="0" smtClean="0"/>
-              <a:t>Code … ?</a:t>
-            </a:r>
-            <a:endParaRPr lang="en-GB" dirty="0"/>
-          </a:p>
-        </p:txBody>
-      </p:sp>
-      <p:sp>
-        <p:nvSpPr>
-          <p:cNvPr id="4" name="Datumsplatzhalter 3"/>
-          <p:cNvSpPr>
-            <a:spLocks noGrp="1"/>
-          </p:cNvSpPr>
-          <p:nvPr>
-            <p:ph type="dt" sz="half" idx="10"/>
-          </p:nvPr>
-        </p:nvSpPr>
-        <p:spPr/>
-        <p:txBody>
-          <a:bodyPr/>
-          <a:lstStyle/>
-          <a:p>
-            <a:r>
-              <a:rPr lang="en-US" smtClean="0"/>
-              <a:t>Ganiyu Ibraheem  Philipp Seybold</a:t>
-            </a:r>
-            <a:endParaRPr lang="en-GB" dirty="0"/>
-          </a:p>
-        </p:txBody>
-      </p:sp>
-      <p:sp>
-        <p:nvSpPr>
-          <p:cNvPr id="5" name="Fußzeilenplatzhalter 4"/>
+          <p:cNvPr id="5" name="Footer Placeholder 4">
+            <a:extLst>
+              <a:ext uri="{FF2B5EF4-FFF2-40B4-BE49-F238E27FC236}">
+                <a16:creationId xmlns:a16="http://schemas.microsoft.com/office/drawing/2014/main" id="{0C2F19B5-4B1E-7547-8AA0-846B5B982F50}"/>
+              </a:ext>
+            </a:extLst>
+          </p:cNvPr>
           <p:cNvSpPr>
             <a:spLocks noGrp="1"/>
           </p:cNvSpPr>
@@ -5800,16 +5746,21 @@
           <a:lstStyle/>
           <a:p>
             <a:r>
-              <a:rPr lang="en-GB" smtClean="0"/>
+              <a:rPr lang="en-GB"/>
               <a:t>COMP6206 Advanced Computer Vision</a:t>
             </a:r>
-            <a:endParaRPr lang="en-GB"/>
-          </a:p>
-        </p:txBody>
-      </p:sp>
-      <p:sp>
-        <p:nvSpPr>
-          <p:cNvPr id="6" name="Foliennummernplatzhalter 5"/>
+          </a:p>
+        </p:txBody>
+      </p:sp>
+      <p:sp>
+        <p:nvSpPr>
+          <p:cNvPr id="6" name="Slide Number Placeholder 5">
+            <a:extLst>
+              <a:ext uri="{FF2B5EF4-FFF2-40B4-BE49-F238E27FC236}">
+                <a16:creationId xmlns:a16="http://schemas.microsoft.com/office/drawing/2014/main" id="{CA155AFF-A9C5-9244-8445-63A65527CCED}"/>
+              </a:ext>
+            </a:extLst>
+          </p:cNvPr>
           <p:cNvSpPr>
             <a:spLocks noGrp="1"/>
           </p:cNvSpPr>
@@ -5833,20 +5784,13 @@
     </p:spTree>
     <p:extLst>
       <p:ext uri="{BB962C8B-B14F-4D97-AF65-F5344CB8AC3E}">
-        <p14:creationId xmlns:p14="http://schemas.microsoft.com/office/powerpoint/2010/main" val="3657221346"/>
+        <p14:creationId xmlns:p14="http://schemas.microsoft.com/office/powerpoint/2010/main" val="2683633549"/>
       </p:ext>
     </p:extLst>
   </p:cSld>
   <p:clrMapOvr>
     <a:masterClrMapping/>
   </p:clrMapOvr>
-  <p:timing>
-    <p:tnLst>
-      <p:par>
-        <p:cTn id="1" dur="indefinite" restart="never" nodeType="tmRoot"/>
-      </p:par>
-    </p:tnLst>
-  </p:timing>
 </p:sld>
 </file>
 
@@ -5885,8 +5829,62 @@
           <a:lstStyle/>
           <a:p>
             <a:r>
-              <a:rPr lang="en-GB" dirty="0" smtClean="0"/>
-              <a:t>Demonstration</a:t>
+              <a:rPr lang="en-GB" dirty="0"/>
+              <a:t>Method Application</a:t>
+            </a:r>
+          </a:p>
+        </p:txBody>
+      </p:sp>
+      <p:sp>
+        <p:nvSpPr>
+          <p:cNvPr id="3" name="Inhaltsplatzhalter 2"/>
+          <p:cNvSpPr>
+            <a:spLocks noGrp="1"/>
+          </p:cNvSpPr>
+          <p:nvPr>
+            <p:ph idx="1"/>
+          </p:nvPr>
+        </p:nvSpPr>
+        <p:spPr>
+          <a:xfrm>
+            <a:off x="628650" y="1831278"/>
+            <a:ext cx="7886700" cy="4351338"/>
+          </a:xfrm>
+        </p:spPr>
+        <p:txBody>
+          <a:bodyPr>
+            <a:normAutofit/>
+          </a:bodyPr>
+          <a:lstStyle/>
+          <a:p>
+            <a:pPr marL="0" indent="0">
+              <a:buNone/>
+            </a:pPr>
+            <a:r>
+              <a:rPr lang="en-GB" dirty="0"/>
+              <a:t>Pseudo Code … ?</a:t>
+            </a:r>
+          </a:p>
+        </p:txBody>
+      </p:sp>
+      <p:sp>
+        <p:nvSpPr>
+          <p:cNvPr id="4" name="Datumsplatzhalter 3"/>
+          <p:cNvSpPr>
+            <a:spLocks noGrp="1"/>
+          </p:cNvSpPr>
+          <p:nvPr>
+            <p:ph type="dt" sz="half" idx="10"/>
+          </p:nvPr>
+        </p:nvSpPr>
+        <p:spPr/>
+        <p:txBody>
+          <a:bodyPr/>
+          <a:lstStyle/>
+          <a:p>
+            <a:r>
+              <a:rPr lang="en-US"/>
+              <a:t>Ganiyu Ibraheem  Philipp Seybold</a:t>
             </a:r>
             <a:endParaRPr lang="en-GB" dirty="0"/>
           </a:p>
@@ -5894,66 +5892,6 @@
       </p:sp>
       <p:sp>
         <p:nvSpPr>
-          <p:cNvPr id="3" name="Inhaltsplatzhalter 2"/>
-          <p:cNvSpPr>
-            <a:spLocks noGrp="1"/>
-          </p:cNvSpPr>
-          <p:nvPr>
-            <p:ph idx="1"/>
-          </p:nvPr>
-        </p:nvSpPr>
-        <p:spPr/>
-        <p:txBody>
-          <a:bodyPr/>
-          <a:lstStyle/>
-          <a:p>
-            <a:r>
-              <a:rPr lang="en-GB" dirty="0" smtClean="0"/>
-              <a:t>Our own ears pictures etc. like in method application, e.g. force field lines, moving test pixel initialisation, peaks/wells, edges (compare to </a:t>
-            </a:r>
-            <a:r>
-              <a:rPr lang="en-GB" dirty="0" err="1" smtClean="0"/>
-              <a:t>sobel</a:t>
-            </a:r>
-            <a:r>
-              <a:rPr lang="en-GB" dirty="0" smtClean="0"/>
-              <a:t>?), potential energy patterns</a:t>
-            </a:r>
-          </a:p>
-          <a:p>
-            <a:r>
-              <a:rPr lang="en-GB" dirty="0" smtClean="0"/>
-              <a:t>Live demo with camera</a:t>
-            </a:r>
-            <a:endParaRPr lang="en-GB" dirty="0"/>
-          </a:p>
-        </p:txBody>
-      </p:sp>
-      <p:sp>
-        <p:nvSpPr>
-          <p:cNvPr id="4" name="Datumsplatzhalter 3"/>
-          <p:cNvSpPr>
-            <a:spLocks noGrp="1"/>
-          </p:cNvSpPr>
-          <p:nvPr>
-            <p:ph type="dt" sz="half" idx="10"/>
-          </p:nvPr>
-        </p:nvSpPr>
-        <p:spPr/>
-        <p:txBody>
-          <a:bodyPr/>
-          <a:lstStyle/>
-          <a:p>
-            <a:r>
-              <a:rPr lang="en-US" smtClean="0"/>
-              <a:t>Ganiyu Ibraheem  Philipp Seybold</a:t>
-            </a:r>
-            <a:endParaRPr lang="en-GB" dirty="0"/>
-          </a:p>
-        </p:txBody>
-      </p:sp>
-      <p:sp>
-        <p:nvSpPr>
           <p:cNvPr id="5" name="Fußzeilenplatzhalter 4"/>
           <p:cNvSpPr>
             <a:spLocks noGrp="1"/>
@@ -5968,10 +5906,9 @@
           <a:lstStyle/>
           <a:p>
             <a:r>
-              <a:rPr lang="en-GB" smtClean="0"/>
+              <a:rPr lang="en-GB"/>
               <a:t>COMP6206 Advanced Computer Vision</a:t>
             </a:r>
-            <a:endParaRPr lang="en-GB"/>
           </a:p>
         </p:txBody>
       </p:sp>
@@ -6001,20 +5938,13 @@
     </p:spTree>
     <p:extLst>
       <p:ext uri="{BB962C8B-B14F-4D97-AF65-F5344CB8AC3E}">
-        <p14:creationId xmlns:p14="http://schemas.microsoft.com/office/powerpoint/2010/main" val="3430909982"/>
+        <p14:creationId xmlns:p14="http://schemas.microsoft.com/office/powerpoint/2010/main" val="3657221346"/>
       </p:ext>
     </p:extLst>
   </p:cSld>
   <p:clrMapOvr>
     <a:masterClrMapping/>
   </p:clrMapOvr>
-  <p:timing>
-    <p:tnLst>
-      <p:par>
-        <p:cTn id="1" dur="indefinite" restart="never" nodeType="tmRoot"/>
-      </p:par>
-    </p:tnLst>
-  </p:timing>
 </p:sld>
 </file>
 
@@ -6053,8 +5983,66 @@
           <a:lstStyle/>
           <a:p>
             <a:r>
-              <a:rPr lang="en-GB" dirty="0" smtClean="0"/>
-              <a:t>Result</a:t>
+              <a:rPr lang="en-GB" dirty="0"/>
+              <a:t>Demonstration</a:t>
+            </a:r>
+          </a:p>
+        </p:txBody>
+      </p:sp>
+      <p:sp>
+        <p:nvSpPr>
+          <p:cNvPr id="3" name="Inhaltsplatzhalter 2"/>
+          <p:cNvSpPr>
+            <a:spLocks noGrp="1"/>
+          </p:cNvSpPr>
+          <p:nvPr>
+            <p:ph idx="1"/>
+          </p:nvPr>
+        </p:nvSpPr>
+        <p:spPr/>
+        <p:txBody>
+          <a:bodyPr/>
+          <a:lstStyle/>
+          <a:p>
+            <a:r>
+              <a:rPr lang="en-GB" dirty="0"/>
+              <a:t>Our own ears pictures etc. like in method application, e.g. force field lines, moving test pixel initialisation, peaks/wells, edges (compare to </a:t>
+            </a:r>
+            <a:r>
+              <a:rPr lang="en-GB" dirty="0" err="1"/>
+              <a:t>sobel</a:t>
+            </a:r>
+            <a:r>
+              <a:rPr lang="en-GB" dirty="0"/>
+              <a:t>?), potential energy patterns</a:t>
+            </a:r>
+          </a:p>
+          <a:p>
+            <a:r>
+              <a:rPr lang="en-GB" dirty="0"/>
+              <a:t>Live demo with camera</a:t>
+            </a:r>
+          </a:p>
+        </p:txBody>
+      </p:sp>
+      <p:sp>
+        <p:nvSpPr>
+          <p:cNvPr id="4" name="Datumsplatzhalter 3"/>
+          <p:cNvSpPr>
+            <a:spLocks noGrp="1"/>
+          </p:cNvSpPr>
+          <p:nvPr>
+            <p:ph type="dt" sz="half" idx="10"/>
+          </p:nvPr>
+        </p:nvSpPr>
+        <p:spPr/>
+        <p:txBody>
+          <a:bodyPr/>
+          <a:lstStyle/>
+          <a:p>
+            <a:r>
+              <a:rPr lang="en-US"/>
+              <a:t>Ganiyu Ibraheem  Philipp Seybold</a:t>
             </a:r>
             <a:endParaRPr lang="en-GB" dirty="0"/>
           </a:p>
@@ -6062,155 +6050,6 @@
       </p:sp>
       <p:sp>
         <p:nvSpPr>
-          <p:cNvPr id="3" name="Inhaltsplatzhalter 2"/>
-          <p:cNvSpPr>
-            <a:spLocks noGrp="1"/>
-          </p:cNvSpPr>
-          <p:nvPr>
-            <p:ph idx="1"/>
-          </p:nvPr>
-        </p:nvSpPr>
-        <p:spPr/>
-        <p:txBody>
-          <a:bodyPr>
-            <a:normAutofit fontScale="85000" lnSpcReduction="20000"/>
-          </a:bodyPr>
-          <a:lstStyle/>
-          <a:p>
-            <a:pPr lvl="0"/>
-            <a:r>
-              <a:rPr lang="en-GB" dirty="0"/>
-              <a:t>Advantages:</a:t>
-            </a:r>
-          </a:p>
-          <a:p>
-            <a:pPr lvl="1"/>
-            <a:r>
-              <a:rPr lang="en-GB" dirty="0"/>
-              <a:t>Simplified implementation in time domain</a:t>
-            </a:r>
-          </a:p>
-          <a:p>
-            <a:pPr lvl="1"/>
-            <a:r>
-              <a:rPr lang="en-GB" dirty="0"/>
-              <a:t>Time complexity reduced due to working in frequency domain: O(n * log(n))</a:t>
-            </a:r>
-          </a:p>
-          <a:p>
-            <a:pPr lvl="1"/>
-            <a:r>
-              <a:rPr lang="en-GB" dirty="0"/>
-              <a:t>Impervious to distortion in image due to motion</a:t>
-            </a:r>
-          </a:p>
-          <a:p>
-            <a:pPr lvl="1"/>
-            <a:r>
-              <a:rPr lang="en-GB" dirty="0"/>
-              <a:t>Finds application in edge detection</a:t>
-            </a:r>
-          </a:p>
-          <a:p>
-            <a:pPr lvl="1"/>
-            <a:r>
-              <a:rPr lang="en-GB" dirty="0"/>
-              <a:t>Higher efficiency (99.2%) as compared to other techniques</a:t>
-            </a:r>
-          </a:p>
-          <a:p>
-            <a:pPr lvl="1"/>
-            <a:r>
-              <a:rPr lang="en-GB" dirty="0"/>
-              <a:t>The Force Field Transforms are invertible</a:t>
-            </a:r>
-          </a:p>
-          <a:p>
-            <a:pPr lvl="1"/>
-            <a:r>
-              <a:rPr lang="en-GB" dirty="0"/>
-              <a:t>It is scale invariant and tolerant to low noise</a:t>
-            </a:r>
-          </a:p>
-          <a:p>
-            <a:pPr lvl="2"/>
-            <a:r>
-              <a:rPr lang="en-GB" dirty="0"/>
-              <a:t>Also invariant to different changes in illumination</a:t>
-            </a:r>
-          </a:p>
-          <a:p>
-            <a:pPr lvl="0"/>
-            <a:r>
-              <a:rPr lang="en-GB" dirty="0"/>
-              <a:t>Disadvantages:</a:t>
-            </a:r>
-          </a:p>
-          <a:p>
-            <a:pPr lvl="1"/>
-            <a:r>
-              <a:rPr lang="en-GB" dirty="0"/>
-              <a:t>At times, transform generates only one ‘well’ (source, origin</a:t>
-            </a:r>
-            <a:r>
-              <a:rPr lang="en-GB" sz="2800" dirty="0"/>
-              <a:t>)</a:t>
-            </a:r>
-            <a:endParaRPr lang="en-GB" dirty="0"/>
-          </a:p>
-          <a:p>
-            <a:pPr lvl="1"/>
-            <a:r>
-              <a:rPr lang="en-GB" dirty="0"/>
-              <a:t>High computational costs for brute-force method: O(n²)</a:t>
-            </a:r>
-          </a:p>
-          <a:p>
-            <a:pPr lvl="1"/>
-            <a:r>
-              <a:rPr lang="en-GB" dirty="0"/>
-              <a:t>Not widely applicable</a:t>
-            </a:r>
-          </a:p>
-          <a:p>
-            <a:pPr lvl="1"/>
-            <a:r>
-              <a:rPr lang="en-GB" dirty="0"/>
-              <a:t>Occlusion by </a:t>
-            </a:r>
-            <a:r>
-              <a:rPr lang="en-GB" dirty="0" smtClean="0"/>
-              <a:t>hair</a:t>
-            </a:r>
-            <a:endParaRPr lang="en-GB" dirty="0"/>
-          </a:p>
-        </p:txBody>
-      </p:sp>
-      <p:sp>
-        <p:nvSpPr>
-          <p:cNvPr id="4" name="Datumsplatzhalter 3"/>
-          <p:cNvSpPr>
-            <a:spLocks noGrp="1"/>
-          </p:cNvSpPr>
-          <p:nvPr>
-            <p:ph type="dt" sz="half" idx="10"/>
-          </p:nvPr>
-        </p:nvSpPr>
-        <p:spPr/>
-        <p:txBody>
-          <a:bodyPr/>
-          <a:lstStyle/>
-          <a:p>
-            <a:r>
-              <a:rPr lang="en-US" smtClean="0"/>
-              <a:t>Ganiyu Ibraheem  Philipp Seybold</a:t>
-            </a:r>
-            <a:endParaRPr lang="en-GB" dirty="0"/>
-          </a:p>
-        </p:txBody>
-      </p:sp>
-      <p:sp>
-        <p:nvSpPr>
           <p:cNvPr id="5" name="Fußzeilenplatzhalter 4"/>
           <p:cNvSpPr>
             <a:spLocks noGrp="1"/>
@@ -6225,10 +6064,9 @@
           <a:lstStyle/>
           <a:p>
             <a:r>
-              <a:rPr lang="en-GB" smtClean="0"/>
+              <a:rPr lang="en-GB"/>
               <a:t>COMP6206 Advanced Computer Vision</a:t>
             </a:r>
-            <a:endParaRPr lang="en-GB"/>
           </a:p>
         </p:txBody>
       </p:sp>
@@ -6258,20 +6096,13 @@
     </p:spTree>
     <p:extLst>
       <p:ext uri="{BB962C8B-B14F-4D97-AF65-F5344CB8AC3E}">
-        <p14:creationId xmlns:p14="http://schemas.microsoft.com/office/powerpoint/2010/main" val="1276399475"/>
+        <p14:creationId xmlns:p14="http://schemas.microsoft.com/office/powerpoint/2010/main" val="3430909982"/>
       </p:ext>
     </p:extLst>
   </p:cSld>
   <p:clrMapOvr>
     <a:masterClrMapping/>
   </p:clrMapOvr>
-  <p:timing>
-    <p:tnLst>
-      <p:par>
-        <p:cTn id="1" dur="indefinite" restart="never" nodeType="tmRoot"/>
-      </p:par>
-    </p:tnLst>
-  </p:timing>
 </p:sld>
 </file>
 
@@ -6310,31 +6141,151 @@
           <a:lstStyle/>
           <a:p>
             <a:r>
-              <a:rPr lang="en-GB" dirty="0" smtClean="0"/>
+              <a:rPr lang="en-GB" dirty="0"/>
               <a:t>Result</a:t>
             </a:r>
+          </a:p>
+        </p:txBody>
+      </p:sp>
+      <p:sp>
+        <p:nvSpPr>
+          <p:cNvPr id="3" name="Inhaltsplatzhalter 2"/>
+          <p:cNvSpPr>
+            <a:spLocks noGrp="1"/>
+          </p:cNvSpPr>
+          <p:nvPr>
+            <p:ph idx="1"/>
+          </p:nvPr>
+        </p:nvSpPr>
+        <p:spPr/>
+        <p:txBody>
+          <a:bodyPr>
+            <a:normAutofit fontScale="85000" lnSpcReduction="20000"/>
+          </a:bodyPr>
+          <a:lstStyle/>
+          <a:p>
+            <a:pPr lvl="0"/>
+            <a:r>
+              <a:rPr lang="en-GB" dirty="0"/>
+              <a:t>Advantages:</a:t>
+            </a:r>
+          </a:p>
+          <a:p>
+            <a:pPr lvl="1"/>
+            <a:r>
+              <a:rPr lang="en-GB" dirty="0"/>
+              <a:t>Simplified implementation in time domain</a:t>
+            </a:r>
+          </a:p>
+          <a:p>
+            <a:pPr lvl="1"/>
+            <a:r>
+              <a:rPr lang="en-GB" dirty="0"/>
+              <a:t>Time complexity reduced due to working in frequency domain: O(n * log(n))</a:t>
+            </a:r>
+          </a:p>
+          <a:p>
+            <a:pPr lvl="1"/>
+            <a:r>
+              <a:rPr lang="en-GB" dirty="0"/>
+              <a:t>Impervious to distortion in image due to motion</a:t>
+            </a:r>
+          </a:p>
+          <a:p>
+            <a:pPr lvl="1"/>
+            <a:r>
+              <a:rPr lang="en-GB" dirty="0"/>
+              <a:t>Finds application in edge detection</a:t>
+            </a:r>
+          </a:p>
+          <a:p>
+            <a:pPr lvl="1"/>
+            <a:r>
+              <a:rPr lang="en-GB" dirty="0"/>
+              <a:t>Higher efficiency (99.2%) as compared to other techniques</a:t>
+            </a:r>
+          </a:p>
+          <a:p>
+            <a:pPr lvl="1"/>
+            <a:r>
+              <a:rPr lang="en-GB" dirty="0"/>
+              <a:t>The Force Field Transforms are invertible</a:t>
+            </a:r>
+          </a:p>
+          <a:p>
+            <a:pPr lvl="1"/>
+            <a:r>
+              <a:rPr lang="en-GB" dirty="0"/>
+              <a:t>It is scale invariant and tolerant to low noise</a:t>
+            </a:r>
+          </a:p>
+          <a:p>
+            <a:pPr lvl="2"/>
+            <a:r>
+              <a:rPr lang="en-GB" dirty="0"/>
+              <a:t>Also invariant to different changes in illumination</a:t>
+            </a:r>
+          </a:p>
+          <a:p>
+            <a:pPr lvl="0"/>
+            <a:r>
+              <a:rPr lang="en-GB" dirty="0"/>
+              <a:t>Disadvantages:</a:t>
+            </a:r>
+          </a:p>
+          <a:p>
+            <a:pPr lvl="1"/>
+            <a:r>
+              <a:rPr lang="en-GB" dirty="0"/>
+              <a:t>At times, transform generates only one ‘well’ (source, origin</a:t>
+            </a:r>
+            <a:r>
+              <a:rPr lang="en-GB" sz="2800" dirty="0"/>
+              <a:t>)</a:t>
+            </a:r>
             <a:endParaRPr lang="en-GB" dirty="0"/>
           </a:p>
-        </p:txBody>
-      </p:sp>
-      <p:sp>
-        <p:nvSpPr>
-          <p:cNvPr id="3" name="Inhaltsplatzhalter 2"/>
-          <p:cNvSpPr>
-            <a:spLocks noGrp="1"/>
-          </p:cNvSpPr>
-          <p:nvPr>
-            <p:ph idx="1"/>
-          </p:nvPr>
-        </p:nvSpPr>
-        <p:spPr/>
-        <p:txBody>
-          <a:bodyPr/>
-          <a:lstStyle/>
-          <a:p>
-            <a:r>
-              <a:rPr lang="en-GB" dirty="0" smtClean="0"/>
-              <a:t>Other application areas?</a:t>
+          <a:p>
+            <a:pPr lvl="1"/>
+            <a:r>
+              <a:rPr lang="en-GB" dirty="0"/>
+              <a:t>High computational costs for brute-force method: O(n²)</a:t>
+            </a:r>
+          </a:p>
+          <a:p>
+            <a:pPr lvl="1"/>
+            <a:r>
+              <a:rPr lang="en-GB" dirty="0"/>
+              <a:t>Not widely applicable</a:t>
+            </a:r>
+          </a:p>
+          <a:p>
+            <a:pPr lvl="1"/>
+            <a:r>
+              <a:rPr lang="en-GB" dirty="0"/>
+              <a:t>Occlusion by hair</a:t>
+            </a:r>
+          </a:p>
+        </p:txBody>
+      </p:sp>
+      <p:sp>
+        <p:nvSpPr>
+          <p:cNvPr id="4" name="Datumsplatzhalter 3"/>
+          <p:cNvSpPr>
+            <a:spLocks noGrp="1"/>
+          </p:cNvSpPr>
+          <p:nvPr>
+            <p:ph type="dt" sz="half" idx="10"/>
+          </p:nvPr>
+        </p:nvSpPr>
+        <p:spPr/>
+        <p:txBody>
+          <a:bodyPr/>
+          <a:lstStyle/>
+          <a:p>
+            <a:r>
+              <a:rPr lang="en-US"/>
+              <a:t>Ganiyu Ibraheem  Philipp Seybold</a:t>
             </a:r>
             <a:endParaRPr lang="en-GB" dirty="0"/>
           </a:p>
@@ -6342,29 +6293,6 @@
       </p:sp>
       <p:sp>
         <p:nvSpPr>
-          <p:cNvPr id="4" name="Datumsplatzhalter 3"/>
-          <p:cNvSpPr>
-            <a:spLocks noGrp="1"/>
-          </p:cNvSpPr>
-          <p:nvPr>
-            <p:ph type="dt" sz="half" idx="10"/>
-          </p:nvPr>
-        </p:nvSpPr>
-        <p:spPr/>
-        <p:txBody>
-          <a:bodyPr/>
-          <a:lstStyle/>
-          <a:p>
-            <a:r>
-              <a:rPr lang="en-US" smtClean="0"/>
-              <a:t>Ganiyu Ibraheem  Philipp Seybold</a:t>
-            </a:r>
-            <a:endParaRPr lang="en-GB" dirty="0"/>
-          </a:p>
-        </p:txBody>
-      </p:sp>
-      <p:sp>
-        <p:nvSpPr>
           <p:cNvPr id="5" name="Fußzeilenplatzhalter 4"/>
           <p:cNvSpPr>
             <a:spLocks noGrp="1"/>
@@ -6379,10 +6307,9 @@
           <a:lstStyle/>
           <a:p>
             <a:r>
-              <a:rPr lang="en-GB" smtClean="0"/>
+              <a:rPr lang="en-GB"/>
               <a:t>COMP6206 Advanced Computer Vision</a:t>
             </a:r>
-            <a:endParaRPr lang="en-GB"/>
           </a:p>
         </p:txBody>
       </p:sp>
@@ -6412,20 +6339,13 @@
     </p:spTree>
     <p:extLst>
       <p:ext uri="{BB962C8B-B14F-4D97-AF65-F5344CB8AC3E}">
-        <p14:creationId xmlns:p14="http://schemas.microsoft.com/office/powerpoint/2010/main" val="1695073607"/>
+        <p14:creationId xmlns:p14="http://schemas.microsoft.com/office/powerpoint/2010/main" val="1276399475"/>
       </p:ext>
     </p:extLst>
   </p:cSld>
   <p:clrMapOvr>
     <a:masterClrMapping/>
   </p:clrMapOvr>
-  <p:timing>
-    <p:tnLst>
-      <p:par>
-        <p:cTn id="1" dur="indefinite" restart="never" nodeType="tmRoot"/>
-      </p:par>
-    </p:tnLst>
-  </p:timing>
 </p:sld>
 </file>
 
@@ -6464,10 +6384,153 @@
           <a:lstStyle/>
           <a:p>
             <a:r>
-              <a:rPr lang="en-GB" dirty="0" smtClean="0"/>
+              <a:rPr lang="en-GB" dirty="0"/>
+              <a:t>Result</a:t>
+            </a:r>
+          </a:p>
+        </p:txBody>
+      </p:sp>
+      <p:sp>
+        <p:nvSpPr>
+          <p:cNvPr id="3" name="Inhaltsplatzhalter 2"/>
+          <p:cNvSpPr>
+            <a:spLocks noGrp="1"/>
+          </p:cNvSpPr>
+          <p:nvPr>
+            <p:ph idx="1"/>
+          </p:nvPr>
+        </p:nvSpPr>
+        <p:spPr/>
+        <p:txBody>
+          <a:bodyPr/>
+          <a:lstStyle/>
+          <a:p>
+            <a:r>
+              <a:rPr lang="en-GB" dirty="0"/>
+              <a:t>Other application areas?</a:t>
+            </a:r>
+          </a:p>
+        </p:txBody>
+      </p:sp>
+      <p:sp>
+        <p:nvSpPr>
+          <p:cNvPr id="4" name="Datumsplatzhalter 3"/>
+          <p:cNvSpPr>
+            <a:spLocks noGrp="1"/>
+          </p:cNvSpPr>
+          <p:nvPr>
+            <p:ph type="dt" sz="half" idx="10"/>
+          </p:nvPr>
+        </p:nvSpPr>
+        <p:spPr/>
+        <p:txBody>
+          <a:bodyPr/>
+          <a:lstStyle/>
+          <a:p>
+            <a:r>
+              <a:rPr lang="en-US"/>
+              <a:t>Ganiyu Ibraheem  Philipp Seybold</a:t>
+            </a:r>
+            <a:endParaRPr lang="en-GB" dirty="0"/>
+          </a:p>
+        </p:txBody>
+      </p:sp>
+      <p:sp>
+        <p:nvSpPr>
+          <p:cNvPr id="5" name="Fußzeilenplatzhalter 4"/>
+          <p:cNvSpPr>
+            <a:spLocks noGrp="1"/>
+          </p:cNvSpPr>
+          <p:nvPr>
+            <p:ph type="ftr" sz="quarter" idx="11"/>
+          </p:nvPr>
+        </p:nvSpPr>
+        <p:spPr/>
+        <p:txBody>
+          <a:bodyPr/>
+          <a:lstStyle/>
+          <a:p>
+            <a:r>
+              <a:rPr lang="en-GB"/>
+              <a:t>COMP6206 Advanced Computer Vision</a:t>
+            </a:r>
+          </a:p>
+        </p:txBody>
+      </p:sp>
+      <p:sp>
+        <p:nvSpPr>
+          <p:cNvPr id="6" name="Foliennummernplatzhalter 5"/>
+          <p:cNvSpPr>
+            <a:spLocks noGrp="1"/>
+          </p:cNvSpPr>
+          <p:nvPr>
+            <p:ph type="sldNum" sz="quarter" idx="12"/>
+          </p:nvPr>
+        </p:nvSpPr>
+        <p:spPr/>
+        <p:txBody>
+          <a:bodyPr/>
+          <a:lstStyle/>
+          <a:p>
+            <a:fld id="{FB9D3F8E-99BC-4812-95D4-548B8E992B94}" type="slidenum">
+              <a:rPr lang="en-GB" smtClean="0"/>
+              <a:t>14</a:t>
+            </a:fld>
+            <a:endParaRPr lang="en-GB"/>
+          </a:p>
+        </p:txBody>
+      </p:sp>
+    </p:spTree>
+    <p:extLst>
+      <p:ext uri="{BB962C8B-B14F-4D97-AF65-F5344CB8AC3E}">
+        <p14:creationId xmlns:p14="http://schemas.microsoft.com/office/powerpoint/2010/main" val="1695073607"/>
+      </p:ext>
+    </p:extLst>
+  </p:cSld>
+  <p:clrMapOvr>
+    <a:masterClrMapping/>
+  </p:clrMapOvr>
+</p:sld>
+</file>
+
+<file path=ppt/slides/slide15.xml><?xml version="1.0" encoding="utf-8"?>
+<p:sld xmlns:a="http://schemas.openxmlformats.org/drawingml/2006/main" xmlns:r="http://schemas.openxmlformats.org/officeDocument/2006/relationships" xmlns:p="http://schemas.openxmlformats.org/presentationml/2006/main">
+  <p:cSld>
+    <p:spTree>
+      <p:nvGrpSpPr>
+        <p:cNvPr id="1" name=""/>
+        <p:cNvGrpSpPr/>
+        <p:nvPr/>
+      </p:nvGrpSpPr>
+      <p:grpSpPr>
+        <a:xfrm>
+          <a:off x="0" y="0"/>
+          <a:ext cx="0" cy="0"/>
+          <a:chOff x="0" y="0"/>
+          <a:chExt cx="0" cy="0"/>
+        </a:xfrm>
+      </p:grpSpPr>
+      <p:sp>
+        <p:nvSpPr>
+          <p:cNvPr id="2" name="Titel 1"/>
+          <p:cNvSpPr>
+            <a:spLocks noGrp="1"/>
+          </p:cNvSpPr>
+          <p:nvPr>
+            <p:ph type="title"/>
+          </p:nvPr>
+        </p:nvSpPr>
+        <p:spPr/>
+        <p:txBody>
+          <a:bodyPr>
+            <a:normAutofit/>
+          </a:bodyPr>
+          <a:lstStyle/>
+          <a:p>
+            <a:r>
+              <a:rPr lang="en-GB" dirty="0"/>
               <a:t>Discussion</a:t>
             </a:r>
-            <a:endParaRPr lang="en-GB" dirty="0"/>
           </a:p>
         </p:txBody>
       </p:sp>
@@ -6487,7 +6550,7 @@
           <a:lstStyle/>
           <a:p>
             <a:r>
-              <a:rPr lang="en-GB" dirty="0" smtClean="0"/>
+              <a:rPr lang="en-GB" dirty="0"/>
               <a:t>Any Questions?</a:t>
             </a:r>
           </a:p>
@@ -6518,7 +6581,7 @@
           <a:lstStyle/>
           <a:p>
             <a:r>
-              <a:rPr lang="en-US" smtClean="0"/>
+              <a:rPr lang="en-US"/>
               <a:t>Ganiyu Ibraheem  Philipp Seybold</a:t>
             </a:r>
             <a:endParaRPr lang="en-GB" dirty="0"/>
@@ -6541,10 +6604,9 @@
           <a:lstStyle/>
           <a:p>
             <a:r>
-              <a:rPr lang="en-GB" smtClean="0"/>
+              <a:rPr lang="en-GB"/>
               <a:t>COMP6206 Advanced Computer Vision</a:t>
             </a:r>
-            <a:endParaRPr lang="en-GB"/>
           </a:p>
         </p:txBody>
       </p:sp>
@@ -6565,7 +6627,7 @@
           <a:p>
             <a:fld id="{FB9D3F8E-99BC-4812-95D4-548B8E992B94}" type="slidenum">
               <a:rPr lang="en-GB" smtClean="0"/>
-              <a:t>14</a:t>
+              <a:t>15</a:t>
             </a:fld>
             <a:endParaRPr lang="en-GB"/>
           </a:p>
@@ -6622,17 +6684,10 @@
   <p:clrMapOvr>
     <a:masterClrMapping/>
   </p:clrMapOvr>
-  <p:timing>
-    <p:tnLst>
-      <p:par>
-        <p:cTn id="1" dur="indefinite" restart="never" nodeType="tmRoot"/>
-      </p:par>
-    </p:tnLst>
-  </p:timing>
 </p:sld>
 </file>
 
-<file path=ppt/slides/slide15.xml><?xml version="1.0" encoding="utf-8"?>
+<file path=ppt/slides/slide16.xml><?xml version="1.0" encoding="utf-8"?>
 <p:sld xmlns:a="http://schemas.openxmlformats.org/drawingml/2006/main" xmlns:r="http://schemas.openxmlformats.org/officeDocument/2006/relationships" xmlns:p="http://schemas.openxmlformats.org/presentationml/2006/main">
   <p:cSld>
     <p:spTree>
@@ -6667,38 +6722,37 @@
           <a:lstStyle/>
           <a:p>
             <a:r>
-              <a:rPr lang="en-GB" dirty="0" smtClean="0"/>
+              <a:rPr lang="en-GB" dirty="0"/>
               <a:t>Sources</a:t>
             </a:r>
+          </a:p>
+        </p:txBody>
+      </p:sp>
+      <p:sp>
+        <p:nvSpPr>
+          <p:cNvPr id="4" name="Datumsplatzhalter 3"/>
+          <p:cNvSpPr>
+            <a:spLocks noGrp="1"/>
+          </p:cNvSpPr>
+          <p:nvPr>
+            <p:ph type="dt" sz="half" idx="10"/>
+          </p:nvPr>
+        </p:nvSpPr>
+        <p:spPr/>
+        <p:txBody>
+          <a:bodyPr/>
+          <a:lstStyle/>
+          <a:p>
+            <a:r>
+              <a:rPr lang="en-US"/>
+              <a:t>Ganiyu Ibraheem  Philipp Seybold</a:t>
+            </a:r>
             <a:endParaRPr lang="en-GB" dirty="0"/>
           </a:p>
         </p:txBody>
       </p:sp>
       <p:sp>
         <p:nvSpPr>
-          <p:cNvPr id="4" name="Datumsplatzhalter 3"/>
-          <p:cNvSpPr>
-            <a:spLocks noGrp="1"/>
-          </p:cNvSpPr>
-          <p:nvPr>
-            <p:ph type="dt" sz="half" idx="10"/>
-          </p:nvPr>
-        </p:nvSpPr>
-        <p:spPr/>
-        <p:txBody>
-          <a:bodyPr/>
-          <a:lstStyle/>
-          <a:p>
-            <a:r>
-              <a:rPr lang="en-US" smtClean="0"/>
-              <a:t>Ganiyu Ibraheem  Philipp Seybold</a:t>
-            </a:r>
-            <a:endParaRPr lang="en-GB" dirty="0"/>
-          </a:p>
-        </p:txBody>
-      </p:sp>
-      <p:sp>
-        <p:nvSpPr>
           <p:cNvPr id="5" name="Fußzeilenplatzhalter 4"/>
           <p:cNvSpPr>
             <a:spLocks noGrp="1"/>
@@ -6713,10 +6767,9 @@
           <a:lstStyle/>
           <a:p>
             <a:r>
-              <a:rPr lang="en-GB" smtClean="0"/>
+              <a:rPr lang="en-GB"/>
               <a:t>COMP6206 Advanced Computer Vision</a:t>
             </a:r>
-            <a:endParaRPr lang="en-GB"/>
           </a:p>
         </p:txBody>
       </p:sp>
@@ -6737,7 +6790,7 @@
           <a:p>
             <a:fld id="{FB9D3F8E-99BC-4812-95D4-548B8E992B94}" type="slidenum">
               <a:rPr lang="en-GB" smtClean="0"/>
-              <a:t>15</a:t>
+              <a:t>16</a:t>
             </a:fld>
             <a:endParaRPr lang="en-GB"/>
           </a:p>
@@ -6790,10 +6843,9 @@
                     <a:lstStyle/>
                     <a:p>
                       <a:r>
-                        <a:rPr lang="en-GB" dirty="0" smtClean="0"/>
+                        <a:rPr lang="en-GB" dirty="0"/>
                         <a:t>[1]</a:t>
                       </a:r>
-                      <a:endParaRPr lang="en-GB" dirty="0"/>
                     </a:p>
                   </a:txBody>
                   <a:tcPr/>
@@ -6821,11 +6873,11 @@
                         <a:defRPr/>
                       </a:pPr>
                       <a:r>
-                        <a:rPr lang="en-GB" sz="1800" dirty="0" smtClean="0"/>
+                        <a:rPr lang="en-GB" sz="1800" dirty="0"/>
                         <a:t>D.J. Hurley, M.S. Nixon, J.N. Carter, “</a:t>
                       </a:r>
                       <a:r>
-                        <a:rPr lang="en-GB" sz="1800" b="0" i="0" u="none" strike="noStrike" kern="1200" baseline="0" dirty="0" smtClean="0">
+                        <a:rPr lang="en-GB" sz="1800" b="0" i="0" u="none" strike="noStrike" kern="1200" baseline="0" dirty="0">
                           <a:solidFill>
                             <a:schemeClr val="tx1"/>
                           </a:solidFill>
@@ -6836,15 +6888,15 @@
                         <a:t>Force field feature extraction for ear biometrics</a:t>
                       </a:r>
                       <a:r>
-                        <a:rPr lang="en-GB" sz="1800" dirty="0" smtClean="0"/>
+                        <a:rPr lang="en-GB" sz="1800" dirty="0"/>
                         <a:t>”, </a:t>
                       </a:r>
                       <a:r>
-                        <a:rPr lang="en-GB" sz="1800" dirty="0" err="1" smtClean="0"/>
+                        <a:rPr lang="en-GB" sz="1800" dirty="0" err="1"/>
                         <a:t>doi</a:t>
                       </a:r>
                       <a:r>
-                        <a:rPr lang="en-GB" sz="1800" dirty="0" smtClean="0"/>
+                        <a:rPr lang="en-GB" sz="1800" dirty="0"/>
                         <a:t>: 10.1016/j.cviu.2004.11.001,2004.</a:t>
                       </a:r>
                     </a:p>
@@ -7033,13 +7085,6 @@
   <p:clrMapOvr>
     <a:masterClrMapping/>
   </p:clrMapOvr>
-  <p:timing>
-    <p:tnLst>
-      <p:par>
-        <p:cTn id="1" dur="indefinite" restart="never" nodeType="tmRoot"/>
-      </p:par>
-    </p:tnLst>
-  </p:timing>
 </p:sld>
 </file>
 
@@ -7098,7 +7143,7 @@
           <a:lstStyle/>
           <a:p>
             <a:r>
-              <a:rPr lang="en-US" smtClean="0"/>
+              <a:rPr lang="en-US"/>
               <a:t>Ganiyu Ibraheem  Philipp Seybold</a:t>
             </a:r>
             <a:endParaRPr lang="en-GB"/>
@@ -7121,10 +7166,9 @@
           <a:lstStyle/>
           <a:p>
             <a:r>
-              <a:rPr lang="en-GB" smtClean="0"/>
+              <a:rPr lang="en-GB"/>
               <a:t>COMP6206 Advanced Computer Vision</a:t>
             </a:r>
-            <a:endParaRPr lang="en-GB"/>
           </a:p>
         </p:txBody>
       </p:sp>
@@ -7351,36 +7395,36 @@
           </a:lstStyle>
           <a:p>
             <a:r>
-              <a:rPr lang="en-GB" smtClean="0"/>
+              <a:rPr lang="en-GB"/>
               <a:t>Definition</a:t>
             </a:r>
           </a:p>
           <a:p>
             <a:r>
-              <a:rPr lang="en-GB" smtClean="0"/>
+              <a:rPr lang="en-GB"/>
               <a:t>Method Application</a:t>
             </a:r>
           </a:p>
           <a:p>
             <a:r>
-              <a:rPr lang="en-GB" smtClean="0"/>
+              <a:rPr lang="en-GB"/>
               <a:t>Demonstration</a:t>
             </a:r>
           </a:p>
           <a:p>
             <a:r>
-              <a:rPr lang="en-GB" smtClean="0"/>
+              <a:rPr lang="en-GB"/>
               <a:t>Result</a:t>
             </a:r>
           </a:p>
           <a:p>
             <a:r>
-              <a:rPr lang="en-GB" smtClean="0"/>
+              <a:rPr lang="en-GB"/>
               <a:t>Discussion</a:t>
             </a:r>
           </a:p>
           <a:p>
-            <a:endParaRPr lang="en-GB" smtClean="0"/>
+            <a:endParaRPr lang="en-GB"/>
           </a:p>
           <a:p>
             <a:endParaRPr lang="en-GB" dirty="0"/>
@@ -7397,13 +7441,6 @@
   <p:clrMapOvr>
     <a:masterClrMapping/>
   </p:clrMapOvr>
-  <p:timing>
-    <p:tnLst>
-      <p:par>
-        <p:cTn id="1" dur="indefinite" restart="never" nodeType="tmRoot"/>
-      </p:par>
-    </p:tnLst>
-  </p:timing>
 </p:sld>
 </file>
 
@@ -7442,131 +7479,92 @@
           <a:lstStyle/>
           <a:p>
             <a:r>
-              <a:rPr lang="en-GB" dirty="0" smtClean="0"/>
+              <a:rPr lang="en-GB" dirty="0"/>
               <a:t>Definition</a:t>
             </a:r>
+          </a:p>
+        </p:txBody>
+      </p:sp>
+      <p:sp>
+        <p:nvSpPr>
+          <p:cNvPr id="3" name="Inhaltsplatzhalter 2"/>
+          <p:cNvSpPr>
+            <a:spLocks noGrp="1"/>
+          </p:cNvSpPr>
+          <p:nvPr>
+            <p:ph idx="1"/>
+          </p:nvPr>
+        </p:nvSpPr>
+        <p:spPr/>
+        <p:txBody>
+          <a:bodyPr/>
+          <a:lstStyle/>
+          <a:p>
+            <a:pPr lvl="0"/>
+            <a:r>
+              <a:rPr lang="en-GB" dirty="0"/>
+              <a:t>Objective:</a:t>
+            </a:r>
+          </a:p>
+          <a:p>
+            <a:pPr lvl="1"/>
+            <a:r>
+              <a:rPr lang="en-GB" dirty="0"/>
+              <a:t>Reduce dimensionality of pattern space</a:t>
+            </a:r>
+          </a:p>
+          <a:p>
+            <a:pPr lvl="1"/>
+            <a:r>
+              <a:rPr lang="en-GB" dirty="0"/>
+              <a:t>Maintain discriminator power</a:t>
+            </a:r>
+          </a:p>
+          <a:p>
+            <a:r>
+              <a:rPr lang="en-GB" dirty="0"/>
+              <a:t>By: 	David J. Hurley, </a:t>
+            </a:r>
+            <a:br>
+              <a:rPr lang="en-GB" dirty="0"/>
+            </a:br>
+            <a:r>
+              <a:rPr lang="en-GB" dirty="0"/>
+              <a:t>	Mark S. Nixon &amp; John N. Carter</a:t>
+            </a:r>
+          </a:p>
+          <a:p>
+            <a:r>
+              <a:rPr lang="en-GB" dirty="0"/>
+              <a:t>Domain: Ear &amp; face recognition</a:t>
+            </a:r>
+          </a:p>
+          <a:p>
             <a:endParaRPr lang="en-GB" dirty="0"/>
           </a:p>
         </p:txBody>
       </p:sp>
       <p:sp>
         <p:nvSpPr>
-          <p:cNvPr id="3" name="Inhaltsplatzhalter 2"/>
-          <p:cNvSpPr>
-            <a:spLocks noGrp="1"/>
-          </p:cNvSpPr>
-          <p:nvPr>
-            <p:ph idx="1"/>
-          </p:nvPr>
-        </p:nvSpPr>
-        <p:spPr/>
-        <p:txBody>
-          <a:bodyPr/>
-          <a:lstStyle/>
-          <a:p>
-            <a:pPr lvl="0"/>
-            <a:r>
-              <a:rPr lang="en-GB" dirty="0" smtClean="0"/>
-              <a:t>Objective:</a:t>
-            </a:r>
-          </a:p>
-          <a:p>
-            <a:pPr lvl="1"/>
-            <a:r>
-              <a:rPr lang="en-GB" dirty="0" smtClean="0"/>
-              <a:t>Reduce </a:t>
-            </a:r>
-            <a:r>
-              <a:rPr lang="en-GB" dirty="0"/>
-              <a:t>dimensionality of pattern </a:t>
-            </a:r>
-            <a:r>
-              <a:rPr lang="en-GB" dirty="0" smtClean="0"/>
-              <a:t>space</a:t>
-            </a:r>
-          </a:p>
-          <a:p>
-            <a:pPr lvl="1"/>
-            <a:r>
-              <a:rPr lang="en-GB" dirty="0" smtClean="0"/>
-              <a:t>Maintain </a:t>
-            </a:r>
-            <a:r>
-              <a:rPr lang="en-GB" dirty="0"/>
-              <a:t>discriminator </a:t>
-            </a:r>
-            <a:r>
-              <a:rPr lang="en-GB" dirty="0" smtClean="0"/>
-              <a:t>power</a:t>
+          <p:cNvPr id="4" name="Datumsplatzhalter 3"/>
+          <p:cNvSpPr>
+            <a:spLocks noGrp="1"/>
+          </p:cNvSpPr>
+          <p:nvPr>
+            <p:ph type="dt" sz="half" idx="10"/>
+          </p:nvPr>
+        </p:nvSpPr>
+        <p:spPr/>
+        <p:txBody>
+          <a:bodyPr/>
+          <a:lstStyle/>
+          <a:p>
+            <a:r>
+              <a:rPr lang="en-US"/>
+              <a:t>Ganiyu Ibraheem  Philipp Seybold</a:t>
             </a:r>
             <a:endParaRPr lang="en-GB" dirty="0"/>
           </a:p>
-          <a:p>
-            <a:r>
-              <a:rPr lang="en-GB" dirty="0" smtClean="0"/>
-              <a:t>By: 	David </a:t>
-            </a:r>
-            <a:r>
-              <a:rPr lang="en-GB" dirty="0"/>
-              <a:t>J. Hurley, </a:t>
-            </a:r>
-            <a:r>
-              <a:rPr lang="en-GB" dirty="0" smtClean="0"/>
-              <a:t/>
-            </a:r>
-            <a:br>
-              <a:rPr lang="en-GB" dirty="0" smtClean="0"/>
-            </a:br>
-            <a:r>
-              <a:rPr lang="en-GB" dirty="0" smtClean="0"/>
-              <a:t>	Mark </a:t>
-            </a:r>
-            <a:r>
-              <a:rPr lang="en-GB" dirty="0"/>
-              <a:t>S. </a:t>
-            </a:r>
-            <a:r>
-              <a:rPr lang="en-GB" dirty="0" smtClean="0"/>
-              <a:t>Nixon &amp; </a:t>
-            </a:r>
-            <a:r>
-              <a:rPr lang="en-GB" dirty="0"/>
-              <a:t>John N. Carter</a:t>
-            </a:r>
-          </a:p>
-          <a:p>
-            <a:r>
-              <a:rPr lang="en-GB" dirty="0" smtClean="0"/>
-              <a:t>Domain: Ear &amp; face recognition</a:t>
-            </a:r>
-            <a:endParaRPr lang="en-GB" dirty="0"/>
-          </a:p>
-          <a:p>
-            <a:endParaRPr lang="en-GB" dirty="0"/>
-          </a:p>
-        </p:txBody>
-      </p:sp>
-      <p:sp>
-        <p:nvSpPr>
-          <p:cNvPr id="4" name="Datumsplatzhalter 3"/>
-          <p:cNvSpPr>
-            <a:spLocks noGrp="1"/>
-          </p:cNvSpPr>
-          <p:nvPr>
-            <p:ph type="dt" sz="half" idx="10"/>
-          </p:nvPr>
-        </p:nvSpPr>
-        <p:spPr/>
-        <p:txBody>
-          <a:bodyPr/>
-          <a:lstStyle/>
-          <a:p>
-            <a:r>
-              <a:rPr lang="en-US" smtClean="0"/>
-              <a:t>Ganiyu Ibraheem  Philipp Seybold</a:t>
-            </a:r>
-            <a:endParaRPr lang="en-GB" dirty="0"/>
-          </a:p>
         </p:txBody>
       </p:sp>
       <p:sp>
@@ -7585,10 +7583,9 @@
           <a:lstStyle/>
           <a:p>
             <a:r>
-              <a:rPr lang="en-GB" smtClean="0"/>
+              <a:rPr lang="en-GB"/>
               <a:t>COMP6206 Advanced Computer Vision</a:t>
             </a:r>
-            <a:endParaRPr lang="en-GB"/>
           </a:p>
         </p:txBody>
       </p:sp>
@@ -7625,13 +7622,6 @@
   <p:clrMapOvr>
     <a:masterClrMapping/>
   </p:clrMapOvr>
-  <p:timing>
-    <p:tnLst>
-      <p:par>
-        <p:cTn id="1" dur="indefinite" restart="never" nodeType="tmRoot"/>
-      </p:par>
-    </p:tnLst>
-  </p:timing>
 </p:sld>
 </file>
 
@@ -7705,7 +7695,7 @@
               <a:buAutoNum type="arabicPeriod"/>
             </a:pPr>
             <a:r>
-              <a:rPr lang="en-GB" dirty="0" smtClean="0"/>
+              <a:rPr lang="en-GB" dirty="0"/>
               <a:t>Pixel by Pixel</a:t>
             </a:r>
           </a:p>
@@ -7715,24 +7705,15 @@
               <a:buAutoNum type="arabicPeriod"/>
             </a:pPr>
             <a:r>
-              <a:rPr lang="en-GB" dirty="0" smtClean="0"/>
-              <a:t>Frequency </a:t>
-            </a:r>
-            <a:r>
               <a:rPr lang="en-GB" dirty="0"/>
-              <a:t>Domain </a:t>
-            </a:r>
-            <a:r>
-              <a:rPr lang="en-GB" dirty="0" smtClean="0"/>
-              <a:t>Analysis</a:t>
-            </a:r>
-          </a:p>
-          <a:p>
-            <a:r>
-              <a:rPr lang="en-GB" dirty="0" smtClean="0"/>
+              <a:t>Frequency Domain Analysis</a:t>
+            </a:r>
+          </a:p>
+          <a:p>
+            <a:r>
+              <a:rPr lang="en-GB" dirty="0"/>
               <a:t>Steps:</a:t>
             </a:r>
-            <a:endParaRPr lang="en-GB" dirty="0"/>
           </a:p>
           <a:p>
             <a:pPr marL="914400" lvl="1" indent="-457200">
@@ -7750,16 +7731,30 @@
               <a:buAutoNum type="arabicPeriod"/>
             </a:pPr>
             <a:r>
-              <a:rPr lang="en-GB" dirty="0" smtClean="0"/>
-              <a:t>potential </a:t>
-            </a:r>
-            <a:r>
               <a:rPr lang="en-GB" dirty="0"/>
-              <a:t>well and channel </a:t>
-            </a:r>
-            <a:r>
-              <a:rPr lang="en-GB" dirty="0" smtClean="0"/>
-              <a:t>extraction</a:t>
+              <a:t>potential well and channel extraction</a:t>
+            </a:r>
+          </a:p>
+        </p:txBody>
+      </p:sp>
+      <p:sp>
+        <p:nvSpPr>
+          <p:cNvPr id="4" name="Datumsplatzhalter 3"/>
+          <p:cNvSpPr>
+            <a:spLocks noGrp="1"/>
+          </p:cNvSpPr>
+          <p:nvPr>
+            <p:ph type="dt" sz="half" idx="10"/>
+          </p:nvPr>
+        </p:nvSpPr>
+        <p:spPr/>
+        <p:txBody>
+          <a:bodyPr/>
+          <a:lstStyle/>
+          <a:p>
+            <a:r>
+              <a:rPr lang="en-US"/>
+              <a:t>Ganiyu Ibraheem  Philipp Seybold</a:t>
             </a:r>
             <a:endParaRPr lang="en-GB" dirty="0"/>
           </a:p>
@@ -7767,29 +7762,6 @@
       </p:sp>
       <p:sp>
         <p:nvSpPr>
-          <p:cNvPr id="4" name="Datumsplatzhalter 3"/>
-          <p:cNvSpPr>
-            <a:spLocks noGrp="1"/>
-          </p:cNvSpPr>
-          <p:nvPr>
-            <p:ph type="dt" sz="half" idx="10"/>
-          </p:nvPr>
-        </p:nvSpPr>
-        <p:spPr/>
-        <p:txBody>
-          <a:bodyPr/>
-          <a:lstStyle/>
-          <a:p>
-            <a:r>
-              <a:rPr lang="en-US" smtClean="0"/>
-              <a:t>Ganiyu Ibraheem  Philipp Seybold</a:t>
-            </a:r>
-            <a:endParaRPr lang="en-GB" dirty="0"/>
-          </a:p>
-        </p:txBody>
-      </p:sp>
-      <p:sp>
-        <p:nvSpPr>
           <p:cNvPr id="5" name="Fußzeilenplatzhalter 4"/>
           <p:cNvSpPr>
             <a:spLocks noGrp="1"/>
@@ -7804,10 +7776,9 @@
           <a:lstStyle/>
           <a:p>
             <a:r>
-              <a:rPr lang="en-GB" smtClean="0"/>
+              <a:rPr lang="en-GB"/>
               <a:t>COMP6206 Advanced Computer Vision</a:t>
             </a:r>
-            <a:endParaRPr lang="en-GB"/>
           </a:p>
         </p:txBody>
       </p:sp>
@@ -7844,13 +7815,6 @@
   <p:clrMapOvr>
     <a:masterClrMapping/>
   </p:clrMapOvr>
-  <p:timing>
-    <p:tnLst>
-      <p:par>
-        <p:cTn id="1" dur="indefinite" restart="never" nodeType="tmRoot"/>
-      </p:par>
-    </p:tnLst>
-  </p:timing>
 </p:sld>
 </file>
 
@@ -7921,19 +7885,15 @@
               <a:p>
                 <a:pPr lvl="0"/>
                 <a:r>
-                  <a:rPr lang="en-GB" dirty="0" smtClean="0"/>
+                  <a:rPr lang="en-GB" dirty="0"/>
                   <a:t>Assumption: </a:t>
                 </a:r>
                 <a:br>
-                  <a:rPr lang="en-GB" dirty="0" smtClean="0"/>
+                  <a:rPr lang="en-GB" dirty="0"/>
                 </a:br>
                 <a:r>
-                  <a:rPr lang="en-GB" dirty="0" smtClean="0"/>
-                  <a:t>Each </a:t>
-                </a:r>
-                <a:r>
                   <a:rPr lang="en-GB" dirty="0"/>
-                  <a:t>pixel </a:t>
+                  <a:t>Each pixel </a:t>
                 </a:r>
                 <a14:m>
                   <m:oMath xmlns:m="http://schemas.openxmlformats.org/officeDocument/2006/math">
@@ -7965,24 +7925,8 @@
                   </m:oMath>
                 </a14:m>
                 <a:r>
-                  <a:rPr lang="en-GB" dirty="0" smtClean="0"/>
-                  <a:t> exerts </a:t>
-                </a:r>
-                <a:r>
                   <a:rPr lang="en-GB" dirty="0"/>
-                  <a:t>an isotropic force </a:t>
-                </a:r>
-                <a:r>
-                  <a:rPr lang="en-GB" dirty="0" smtClean="0"/>
-                  <a:t>proportional </a:t>
-                </a:r>
-                <a:r>
-                  <a:rPr lang="en-GB" dirty="0"/>
-                  <a:t>to </a:t>
-                </a:r>
-                <a:r>
-                  <a:rPr lang="en-GB" dirty="0" smtClean="0"/>
-                  <a:t>its intensity (brightness) </a:t>
+                  <a:t> exerts an isotropic force proportional to its intensity (brightness) </a:t>
                 </a:r>
                 <a14:m>
                   <m:oMath xmlns:m="http://schemas.openxmlformats.org/officeDocument/2006/math">
@@ -8032,7 +7976,7 @@
                   </m:oMath>
                 </a14:m>
                 <a:r>
-                  <a:rPr lang="en-GB" dirty="0" smtClean="0"/>
+                  <a:rPr lang="en-GB" dirty="0"/>
                   <a:t> </a:t>
                 </a:r>
               </a:p>
@@ -8093,7 +8037,7 @@
           <a:lstStyle/>
           <a:p>
             <a:r>
-              <a:rPr lang="en-US" smtClean="0"/>
+              <a:rPr lang="en-US"/>
               <a:t>Ganiyu Ibraheem  Philipp Seybold</a:t>
             </a:r>
             <a:endParaRPr lang="en-GB" dirty="0"/>
@@ -8116,10 +8060,9 @@
           <a:lstStyle/>
           <a:p>
             <a:r>
-              <a:rPr lang="en-GB" dirty="0" smtClean="0"/>
+              <a:rPr lang="en-GB" dirty="0"/>
               <a:t>COMP6206 Advanced Computer Vision</a:t>
             </a:r>
-            <a:endParaRPr lang="en-GB" dirty="0"/>
           </a:p>
         </p:txBody>
       </p:sp>
@@ -8215,21 +8158,8 @@
               <a:pPr lvl="0" algn="ctr"/>
               <a:r>
                 <a:rPr lang="en-GB" sz="2000" dirty="0"/>
-                <a:t>Force field vectors </a:t>
+                <a:t>Force field vectors of an electric field</a:t>
               </a:r>
-              <a:r>
-                <a:rPr lang="en-GB" sz="2000" dirty="0" smtClean="0"/>
-                <a:t>of </a:t>
-              </a:r>
-              <a:r>
-                <a:rPr lang="en-GB" sz="2000" dirty="0"/>
-                <a:t>an electric </a:t>
-              </a:r>
-              <a:r>
-                <a:rPr lang="en-GB" sz="2000" dirty="0" smtClean="0"/>
-                <a:t>field</a:t>
-              </a:r>
-              <a:endParaRPr lang="en-GB" sz="2000" dirty="0"/>
             </a:p>
           </p:txBody>
         </p:sp>
@@ -8287,13 +8217,8 @@
             <a:pPr algn="ctr"/>
             <a:r>
               <a:rPr lang="en-GB" sz="2000" dirty="0"/>
-              <a:t>Newton's law of </a:t>
-            </a:r>
-            <a:r>
-              <a:rPr lang="en-GB" sz="2000" dirty="0" smtClean="0"/>
-              <a:t>gravitation</a:t>
-            </a:r>
-            <a:endParaRPr lang="en-GB" sz="2000" dirty="0"/>
+              <a:t>Newton's law of gravitation</a:t>
+            </a:r>
           </a:p>
         </p:txBody>
       </p:sp>
@@ -8493,7 +8418,7 @@
                     </m:oMath>
                   </m:oMathPara>
                 </a14:m>
-                <a:endParaRPr lang="en-GB" sz="2400" b="0" i="1" dirty="0" smtClean="0">
+                <a:endParaRPr lang="en-GB" sz="2400" b="0" i="1" dirty="0">
                   <a:latin typeface="Cambria Math" panose="02040503050406030204" pitchFamily="18" charset="0"/>
                 </a:endParaRPr>
               </a:p>
@@ -8503,15 +8428,9 @@
                   <a:rPr lang="en-GB" sz="1000" i="1" dirty="0">
                     <a:latin typeface="Cambria Math" panose="02040503050406030204" pitchFamily="18" charset="0"/>
                   </a:rPr>
-                  <a:t> </a:t>
+                  <a:t>  </a:t>
                 </a:r>
-                <a:r>
-                  <a:rPr lang="en-GB" sz="1000" i="1" dirty="0" smtClean="0">
-                    <a:latin typeface="Cambria Math" panose="02040503050406030204" pitchFamily="18" charset="0"/>
-                  </a:rPr>
-                  <a:t> </a:t>
-                </a:r>
-                <a:endParaRPr lang="en-GB" sz="900" b="0" i="1" dirty="0" smtClean="0">
+                <a:endParaRPr lang="en-GB" sz="900" b="0" i="1" dirty="0">
                   <a:latin typeface="Cambria Math" panose="02040503050406030204" pitchFamily="18" charset="0"/>
                 </a:endParaRPr>
               </a:p>
@@ -8686,14 +8605,9 @@
           <a:p>
             <a:pPr lvl="0" algn="ctr"/>
             <a:r>
-              <a:rPr lang="en-GB" sz="1400" dirty="0" smtClean="0"/>
-              <a:t>Images s</a:t>
-            </a:r>
-            <a:r>
-              <a:rPr lang="en-GB" sz="1400" dirty="0" smtClean="0"/>
-              <a:t>ource: wikipedia.org</a:t>
-            </a:r>
-            <a:endParaRPr lang="en-GB" sz="1400" dirty="0"/>
+              <a:rPr lang="en-GB" sz="1400" dirty="0"/>
+              <a:t>Images source: wikipedia.org</a:t>
+            </a:r>
           </a:p>
         </p:txBody>
       </p:sp>
@@ -8707,13 +8621,6 @@
   <p:clrMapOvr>
     <a:masterClrMapping/>
   </p:clrMapOvr>
-  <p:timing>
-    <p:tnLst>
-      <p:par>
-        <p:cTn id="1" dur="indefinite" restart="never" nodeType="tmRoot"/>
-      </p:par>
-    </p:tnLst>
-  </p:timing>
 </p:sld>
 </file>
 
@@ -8774,7 +8681,7 @@
           <a:lstStyle/>
           <a:p>
             <a:r>
-              <a:rPr lang="en-US" smtClean="0"/>
+              <a:rPr lang="en-US"/>
               <a:t>Ganiyu Ibraheem  Philipp Seybold</a:t>
             </a:r>
             <a:endParaRPr lang="en-GB" dirty="0"/>
@@ -8797,10 +8704,9 @@
           <a:lstStyle/>
           <a:p>
             <a:r>
-              <a:rPr lang="en-GB" dirty="0" smtClean="0"/>
+              <a:rPr lang="en-GB" dirty="0"/>
               <a:t>COMP6206 Advanced Computer Vision</a:t>
             </a:r>
-            <a:endParaRPr lang="en-GB" dirty="0"/>
           </a:p>
         </p:txBody>
       </p:sp>
@@ -9334,7 +9240,7 @@
                   </m:oMath>
                 </a14:m>
                 <a:r>
-                  <a:rPr lang="en-GB" sz="2400" i="1" dirty="0" smtClean="0">
+                  <a:rPr lang="en-GB" sz="2400" i="1" dirty="0">
                     <a:latin typeface="Cambria Math" panose="02040503050406030204" pitchFamily="18" charset="0"/>
                   </a:rPr>
                   <a:t>	</a:t>
@@ -9495,7 +9401,7 @@
                     </m:nary>
                   </m:oMath>
                 </a14:m>
-                <a:endParaRPr lang="en-GB" sz="2400" i="1" dirty="0" smtClean="0">
+                <a:endParaRPr lang="en-GB" sz="2400" i="1" dirty="0">
                   <a:latin typeface="Cambria Math" panose="02040503050406030204" pitchFamily="18" charset="0"/>
                 </a:endParaRPr>
               </a:p>
@@ -9845,7 +9751,7 @@
                   </m:oMath>
                 </a14:m>
                 <a:r>
-                  <a:rPr lang="en-GB" sz="2400" dirty="0" smtClean="0"/>
+                  <a:rPr lang="en-GB" sz="2400" dirty="0"/>
                   <a:t> 			</a:t>
                 </a:r>
                 <a14:m>
@@ -10005,10 +9911,9 @@
                   </m:oMath>
                 </a14:m>
                 <a:r>
-                  <a:rPr lang="en-GB" sz="2000" dirty="0" smtClean="0"/>
+                  <a:rPr lang="en-GB" sz="2000" dirty="0"/>
                   <a:t>	</a:t>
                 </a:r>
-                <a:endParaRPr lang="en-GB" sz="2000" dirty="0"/>
               </a:p>
             </p:txBody>
           </p:sp>
@@ -10433,16 +10338,8 @@
           <a:p>
             <a:pPr lvl="0"/>
             <a:r>
-              <a:rPr lang="en-GB" sz="1400" dirty="0" smtClean="0"/>
-              <a:t>Image s</a:t>
-            </a:r>
-            <a:r>
-              <a:rPr lang="en-GB" sz="1400" dirty="0" smtClean="0"/>
-              <a:t>ource</a:t>
-            </a:r>
-            <a:r>
               <a:rPr lang="en-GB" sz="1400" dirty="0"/>
-              <a:t>: [1]</a:t>
+              <a:t>Image source: [1]</a:t>
             </a:r>
           </a:p>
         </p:txBody>
@@ -10457,13 +10354,6 @@
   <p:clrMapOvr>
     <a:masterClrMapping/>
   </p:clrMapOvr>
-  <p:timing>
-    <p:tnLst>
-      <p:par>
-        <p:cTn id="1" dur="indefinite" restart="never" nodeType="tmRoot"/>
-      </p:par>
-    </p:tnLst>
-  </p:timing>
 </p:sld>
 </file>
 
@@ -10500,10 +10390,9 @@
           <a:lstStyle/>
           <a:p>
             <a:r>
-              <a:rPr lang="en-GB" dirty="0" smtClean="0"/>
+              <a:rPr lang="en-GB" dirty="0"/>
               <a:t>Method</a:t>
             </a:r>
-            <a:endParaRPr lang="en-GB" dirty="0"/>
           </a:p>
         </p:txBody>
       </p:sp>
@@ -10549,7 +10438,7 @@
           <a:lstStyle/>
           <a:p>
             <a:r>
-              <a:rPr lang="en-US" smtClean="0"/>
+              <a:rPr lang="en-US"/>
               <a:t>Ganiyu Ibraheem  Philipp Seybold</a:t>
             </a:r>
             <a:endParaRPr lang="en-GB" dirty="0"/>
@@ -10572,10 +10461,9 @@
           <a:lstStyle/>
           <a:p>
             <a:r>
-              <a:rPr lang="en-GB" smtClean="0"/>
+              <a:rPr lang="en-GB"/>
               <a:t>COMP6206 Advanced Computer Vision</a:t>
             </a:r>
-            <a:endParaRPr lang="en-GB"/>
           </a:p>
         </p:txBody>
       </p:sp>
@@ -10650,21 +10538,8 @@
             <a:pPr lvl="0" algn="ctr"/>
             <a:r>
               <a:rPr lang="en-GB" sz="2000" dirty="0"/>
-              <a:t>Force field vectors </a:t>
-            </a:r>
-            <a:r>
-              <a:rPr lang="en-GB" sz="2000" dirty="0" smtClean="0"/>
-              <a:t>of </a:t>
-            </a:r>
-            <a:r>
-              <a:rPr lang="en-GB" sz="2000" dirty="0"/>
-              <a:t>an electric </a:t>
-            </a:r>
-            <a:r>
-              <a:rPr lang="en-GB" sz="2000" dirty="0" smtClean="0"/>
-              <a:t>field</a:t>
-            </a:r>
-            <a:endParaRPr lang="en-GB" sz="2000" dirty="0"/>
+              <a:t>Force field vectors of an electric field</a:t>
+            </a:r>
           </a:p>
         </p:txBody>
       </p:sp>
@@ -10691,12 +10566,8 @@
           <a:p>
             <a:pPr lvl="0"/>
             <a:r>
-              <a:rPr lang="en-GB" sz="1400" dirty="0" smtClean="0"/>
-              <a:t>Images source : </a:t>
-            </a:r>
-            <a:r>
               <a:rPr lang="en-GB" sz="1400" dirty="0"/>
-              <a:t>[1]</a:t>
+              <a:t>Images source : [1]</a:t>
             </a:r>
           </a:p>
         </p:txBody>
@@ -10711,13 +10582,6 @@
   <p:clrMapOvr>
     <a:masterClrMapping/>
   </p:clrMapOvr>
-  <p:timing>
-    <p:tnLst>
-      <p:par>
-        <p:cTn id="1" dur="indefinite" restart="never" nodeType="tmRoot"/>
-      </p:par>
-    </p:tnLst>
-  </p:timing>
 </p:sld>
 </file>
 
@@ -10754,38 +10618,37 @@
           <a:lstStyle/>
           <a:p>
             <a:r>
-              <a:rPr lang="en-GB" dirty="0" smtClean="0"/>
+              <a:rPr lang="en-GB" dirty="0"/>
               <a:t>Method</a:t>
             </a:r>
+          </a:p>
+        </p:txBody>
+      </p:sp>
+      <p:sp>
+        <p:nvSpPr>
+          <p:cNvPr id="4" name="Datumsplatzhalter 3"/>
+          <p:cNvSpPr>
+            <a:spLocks noGrp="1"/>
+          </p:cNvSpPr>
+          <p:nvPr>
+            <p:ph type="dt" sz="half" idx="10"/>
+          </p:nvPr>
+        </p:nvSpPr>
+        <p:spPr/>
+        <p:txBody>
+          <a:bodyPr/>
+          <a:lstStyle/>
+          <a:p>
+            <a:r>
+              <a:rPr lang="en-US"/>
+              <a:t>Ganiyu Ibraheem  Philipp Seybold</a:t>
+            </a:r>
             <a:endParaRPr lang="en-GB" dirty="0"/>
           </a:p>
         </p:txBody>
       </p:sp>
       <p:sp>
         <p:nvSpPr>
-          <p:cNvPr id="4" name="Datumsplatzhalter 3"/>
-          <p:cNvSpPr>
-            <a:spLocks noGrp="1"/>
-          </p:cNvSpPr>
-          <p:nvPr>
-            <p:ph type="dt" sz="half" idx="10"/>
-          </p:nvPr>
-        </p:nvSpPr>
-        <p:spPr/>
-        <p:txBody>
-          <a:bodyPr/>
-          <a:lstStyle/>
-          <a:p>
-            <a:r>
-              <a:rPr lang="en-US" smtClean="0"/>
-              <a:t>Ganiyu Ibraheem  Philipp Seybold</a:t>
-            </a:r>
-            <a:endParaRPr lang="en-GB" dirty="0"/>
-          </a:p>
-        </p:txBody>
-      </p:sp>
-      <p:sp>
-        <p:nvSpPr>
           <p:cNvPr id="5" name="Fußzeilenplatzhalter 4"/>
           <p:cNvSpPr>
             <a:spLocks noGrp="1"/>
@@ -10800,10 +10663,9 @@
           <a:lstStyle/>
           <a:p>
             <a:r>
-              <a:rPr lang="en-GB" smtClean="0"/>
+              <a:rPr lang="en-GB"/>
               <a:t>COMP6206 Advanced Computer Vision</a:t>
             </a:r>
-            <a:endParaRPr lang="en-GB"/>
           </a:p>
         </p:txBody>
       </p:sp>
@@ -10883,12 +10745,8 @@
           <a:p>
             <a:pPr lvl="0"/>
             <a:r>
-              <a:rPr lang="en-GB" sz="1400" dirty="0" smtClean="0"/>
-              <a:t>Images source : </a:t>
-            </a:r>
-            <a:r>
               <a:rPr lang="en-GB" sz="1400" dirty="0"/>
-              <a:t>[1]</a:t>
+              <a:t>Images source : [1]</a:t>
             </a:r>
           </a:p>
         </p:txBody>
@@ -10903,13 +10761,6 @@
   <p:clrMapOvr>
     <a:masterClrMapping/>
   </p:clrMapOvr>
-  <p:timing>
-    <p:tnLst>
-      <p:par>
-        <p:cTn id="1" dur="indefinite" restart="never" nodeType="tmRoot"/>
-      </p:par>
-    </p:tnLst>
-  </p:timing>
 </p:sld>
 </file>
 
@@ -10948,10 +10799,9 @@
           <a:lstStyle/>
           <a:p>
             <a:r>
-              <a:rPr lang="en-GB" dirty="0" smtClean="0"/>
+              <a:rPr lang="en-GB" dirty="0"/>
               <a:t>Method Application</a:t>
             </a:r>
-            <a:endParaRPr lang="en-GB" dirty="0"/>
           </a:p>
         </p:txBody>
       </p:sp>
@@ -10978,62 +10828,61 @@
           <a:lstStyle/>
           <a:p>
             <a:r>
-              <a:rPr lang="en-GB" dirty="0" smtClean="0"/>
+              <a:rPr lang="en-GB" dirty="0"/>
               <a:t>Scale invariant</a:t>
             </a:r>
           </a:p>
           <a:p>
             <a:r>
-              <a:rPr lang="en-GB" dirty="0" smtClean="0"/>
+              <a:rPr lang="en-GB" dirty="0"/>
               <a:t>Intensity scale invariant</a:t>
             </a:r>
           </a:p>
           <a:p>
             <a:r>
-              <a:rPr lang="en-GB" dirty="0" smtClean="0"/>
+              <a:rPr lang="en-GB" dirty="0"/>
               <a:t>Affected by localized changes in illumination though</a:t>
             </a:r>
           </a:p>
           <a:p>
             <a:r>
-              <a:rPr lang="en-GB" dirty="0" smtClean="0"/>
+              <a:rPr lang="en-GB" dirty="0"/>
               <a:t>All information is conserved by the transform</a:t>
             </a:r>
           </a:p>
           <a:p>
             <a:r>
-              <a:rPr lang="en-GB" dirty="0" smtClean="0"/>
+              <a:rPr lang="en-GB" dirty="0"/>
               <a:t>Descriptors (Wells positions) unique for each ear</a:t>
             </a:r>
+          </a:p>
+        </p:txBody>
+      </p:sp>
+      <p:sp>
+        <p:nvSpPr>
+          <p:cNvPr id="4" name="Datumsplatzhalter 3"/>
+          <p:cNvSpPr>
+            <a:spLocks noGrp="1"/>
+          </p:cNvSpPr>
+          <p:nvPr>
+            <p:ph type="dt" sz="half" idx="10"/>
+          </p:nvPr>
+        </p:nvSpPr>
+        <p:spPr/>
+        <p:txBody>
+          <a:bodyPr/>
+          <a:lstStyle/>
+          <a:p>
+            <a:r>
+              <a:rPr lang="en-US"/>
+              <a:t>Ganiyu Ibraheem  Philipp Seybold</a:t>
+            </a:r>
             <a:endParaRPr lang="en-GB" dirty="0"/>
           </a:p>
         </p:txBody>
       </p:sp>
       <p:sp>
         <p:nvSpPr>
-          <p:cNvPr id="4" name="Datumsplatzhalter 3"/>
-          <p:cNvSpPr>
-            <a:spLocks noGrp="1"/>
-          </p:cNvSpPr>
-          <p:nvPr>
-            <p:ph type="dt" sz="half" idx="10"/>
-          </p:nvPr>
-        </p:nvSpPr>
-        <p:spPr/>
-        <p:txBody>
-          <a:bodyPr/>
-          <a:lstStyle/>
-          <a:p>
-            <a:r>
-              <a:rPr lang="en-US" smtClean="0"/>
-              <a:t>Ganiyu Ibraheem  Philipp Seybold</a:t>
-            </a:r>
-            <a:endParaRPr lang="en-GB" dirty="0"/>
-          </a:p>
-        </p:txBody>
-      </p:sp>
-      <p:sp>
-        <p:nvSpPr>
           <p:cNvPr id="5" name="Fußzeilenplatzhalter 4"/>
           <p:cNvSpPr>
             <a:spLocks noGrp="1"/>
@@ -11048,10 +10897,9 @@
           <a:lstStyle/>
           <a:p>
             <a:r>
-              <a:rPr lang="en-GB" smtClean="0"/>
+              <a:rPr lang="en-GB"/>
               <a:t>COMP6206 Advanced Computer Vision</a:t>
             </a:r>
-            <a:endParaRPr lang="en-GB"/>
           </a:p>
         </p:txBody>
       </p:sp>
@@ -11088,13 +10936,6 @@
   <p:clrMapOvr>
     <a:masterClrMapping/>
   </p:clrMapOvr>
-  <p:timing>
-    <p:tnLst>
-      <p:par>
-        <p:cTn id="1" dur="indefinite" restart="never" nodeType="tmRoot"/>
-      </p:par>
-    </p:tnLst>
-  </p:timing>
 </p:sld>
 </file>
 

--- a/Force Field Transformation.pptx
+++ b/Force Field Transformation.pptx
@@ -5,7 +5,7 @@
     <p:sldMasterId id="2147483660" r:id="rId1"/>
   </p:sldMasterIdLst>
   <p:notesMasterIdLst>
-    <p:notesMasterId r:id="rId23"/>
+    <p:notesMasterId r:id="rId26"/>
   </p:notesMasterIdLst>
   <p:sldIdLst>
     <p:sldId id="256" r:id="rId2"/>
@@ -18,17 +18,20 @@
     <p:sldId id="276" r:id="rId9"/>
     <p:sldId id="277" r:id="rId10"/>
     <p:sldId id="278" r:id="rId11"/>
-    <p:sldId id="269" r:id="rId12"/>
-    <p:sldId id="270" r:id="rId13"/>
-    <p:sldId id="260" r:id="rId14"/>
-    <p:sldId id="279" r:id="rId15"/>
-    <p:sldId id="261" r:id="rId16"/>
-    <p:sldId id="274" r:id="rId17"/>
-    <p:sldId id="273" r:id="rId18"/>
-    <p:sldId id="262" r:id="rId19"/>
-    <p:sldId id="272" r:id="rId20"/>
-    <p:sldId id="264" r:id="rId21"/>
-    <p:sldId id="263" r:id="rId22"/>
+    <p:sldId id="282" r:id="rId12"/>
+    <p:sldId id="283" r:id="rId13"/>
+    <p:sldId id="269" r:id="rId14"/>
+    <p:sldId id="270" r:id="rId15"/>
+    <p:sldId id="260" r:id="rId16"/>
+    <p:sldId id="261" r:id="rId17"/>
+    <p:sldId id="274" r:id="rId18"/>
+    <p:sldId id="273" r:id="rId19"/>
+    <p:sldId id="262" r:id="rId20"/>
+    <p:sldId id="280" r:id="rId21"/>
+    <p:sldId id="281" r:id="rId22"/>
+    <p:sldId id="272" r:id="rId23"/>
+    <p:sldId id="264" r:id="rId24"/>
+    <p:sldId id="263" r:id="rId25"/>
   </p:sldIdLst>
   <p:sldSz cx="9144000" cy="6858000" type="screen4x3"/>
   <p:notesSz cx="6858000" cy="9144000"/>
@@ -598,6 +601,2158 @@
         </p:nvSpPr>
         <p:spPr/>
       </p:sp>
+      <mc:AlternateContent xmlns:mc="http://schemas.openxmlformats.org/markup-compatibility/2006" xmlns:a14="http://schemas.microsoft.com/office/drawing/2010/main">
+        <mc:Choice Requires="a14">
+          <p:sp>
+            <p:nvSpPr>
+              <p:cNvPr id="3" name="Notizenplatzhalter 2"/>
+              <p:cNvSpPr>
+                <a:spLocks noGrp="1"/>
+              </p:cNvSpPr>
+              <p:nvPr>
+                <p:ph type="body" idx="1"/>
+              </p:nvPr>
+            </p:nvSpPr>
+            <p:spPr/>
+            <p:txBody>
+              <a:bodyPr/>
+              <a:lstStyle/>
+              <a:p>
+                <a:pPr marL="228600" indent="-228600">
+                  <a:buFont typeface="+mj-lt"/>
+                  <a:buAutoNum type="arabicPeriod"/>
+                </a:pPr>
+                <a:r>
+                  <a:rPr lang="en-GB" b="0" i="0" dirty="0" smtClean="0">
+                    <a:latin typeface="+mn-lt"/>
+                  </a:rPr>
+                  <a:t>The definition</a:t>
+                </a:r>
+                <a:r>
+                  <a:rPr lang="en-GB" b="0" i="0" baseline="0" dirty="0" smtClean="0">
+                    <a:latin typeface="+mn-lt"/>
+                  </a:rPr>
+                  <a:t> for force field vectors in the gravity domain: </a:t>
+                </a:r>
+                <a14:m>
+                  <m:oMath xmlns:m="http://schemas.openxmlformats.org/officeDocument/2006/math">
+                    <m:sSub>
+                      <m:sSubPr>
+                        <m:ctrlPr>
+                          <a:rPr lang="en-GB" sz="1200" b="0" i="1" smtClean="0">
+                            <a:latin typeface="Cambria Math" panose="02040503050406030204" pitchFamily="18" charset="0"/>
+                          </a:rPr>
+                        </m:ctrlPr>
+                      </m:sSubPr>
+                      <m:e>
+                        <m:r>
+                          <a:rPr lang="en-GB" sz="1200" b="0" i="1" smtClean="0">
+                            <a:latin typeface="Cambria Math" panose="02040503050406030204" pitchFamily="18" charset="0"/>
+                          </a:rPr>
+                          <m:t>𝐹</m:t>
+                        </m:r>
+                      </m:e>
+                      <m:sub>
+                        <m:r>
+                          <a:rPr lang="en-GB" sz="1200" b="0" i="1" smtClean="0">
+                            <a:latin typeface="Cambria Math" panose="02040503050406030204" pitchFamily="18" charset="0"/>
+                          </a:rPr>
+                          <m:t>𝑖</m:t>
+                        </m:r>
+                      </m:sub>
+                    </m:sSub>
+                    <m:d>
+                      <m:dPr>
+                        <m:ctrlPr>
+                          <a:rPr lang="en-GB" sz="1200" b="0" i="1" smtClean="0">
+                            <a:latin typeface="Cambria Math" panose="02040503050406030204" pitchFamily="18" charset="0"/>
+                          </a:rPr>
+                        </m:ctrlPr>
+                      </m:dPr>
+                      <m:e>
+                        <m:sSub>
+                          <m:sSubPr>
+                            <m:ctrlPr>
+                              <a:rPr lang="en-GB" sz="1200" b="0" i="1" smtClean="0">
+                                <a:latin typeface="Cambria Math" panose="02040503050406030204" pitchFamily="18" charset="0"/>
+                              </a:rPr>
+                            </m:ctrlPr>
+                          </m:sSubPr>
+                          <m:e>
+                            <m:r>
+                              <a:rPr lang="en-GB" sz="1200" b="0" i="1" smtClean="0">
+                                <a:latin typeface="Cambria Math" panose="02040503050406030204" pitchFamily="18" charset="0"/>
+                              </a:rPr>
+                              <m:t>𝑟</m:t>
+                            </m:r>
+                          </m:e>
+                          <m:sub>
+                            <m:r>
+                              <a:rPr lang="en-GB" sz="1200" b="0" i="1" smtClean="0">
+                                <a:latin typeface="Cambria Math" panose="02040503050406030204" pitchFamily="18" charset="0"/>
+                              </a:rPr>
+                              <m:t>𝑗</m:t>
+                            </m:r>
+                          </m:sub>
+                        </m:sSub>
+                      </m:e>
+                    </m:d>
+                    <m:r>
+                      <a:rPr lang="en-GB" sz="1200" b="0" i="1" smtClean="0">
+                        <a:latin typeface="Cambria Math" panose="02040503050406030204" pitchFamily="18" charset="0"/>
+                      </a:rPr>
+                      <m:t>=−</m:t>
+                    </m:r>
+                    <m:r>
+                      <a:rPr lang="en-GB" sz="1200" b="0" i="1" smtClean="0">
+                        <a:latin typeface="Cambria Math" panose="02040503050406030204" pitchFamily="18" charset="0"/>
+                      </a:rPr>
+                      <m:t>𝐺</m:t>
+                    </m:r>
+                    <m:f>
+                      <m:fPr>
+                        <m:ctrlPr>
+                          <a:rPr lang="en-GB" sz="1200" b="0" i="1" smtClean="0">
+                            <a:latin typeface="Cambria Math" panose="02040503050406030204" pitchFamily="18" charset="0"/>
+                          </a:rPr>
+                        </m:ctrlPr>
+                      </m:fPr>
+                      <m:num>
+                        <m:sSub>
+                          <m:sSubPr>
+                            <m:ctrlPr>
+                              <a:rPr lang="en-GB" sz="1200" b="0" i="1" smtClean="0">
+                                <a:latin typeface="Cambria Math" panose="02040503050406030204" pitchFamily="18" charset="0"/>
+                              </a:rPr>
+                            </m:ctrlPr>
+                          </m:sSubPr>
+                          <m:e>
+                            <m:r>
+                              <a:rPr lang="en-GB" sz="1200" b="0" i="1" smtClean="0">
+                                <a:latin typeface="Cambria Math" panose="02040503050406030204" pitchFamily="18" charset="0"/>
+                              </a:rPr>
+                              <m:t>𝑚</m:t>
+                            </m:r>
+                          </m:e>
+                          <m:sub>
+                            <m:r>
+                              <a:rPr lang="en-GB" sz="1200" b="0" i="1" smtClean="0">
+                                <a:latin typeface="Cambria Math" panose="02040503050406030204" pitchFamily="18" charset="0"/>
+                              </a:rPr>
+                              <m:t>𝑖</m:t>
+                            </m:r>
+                          </m:sub>
+                        </m:sSub>
+                        <m:sSub>
+                          <m:sSubPr>
+                            <m:ctrlPr>
+                              <a:rPr lang="en-GB" sz="1200" b="0" i="1" smtClean="0">
+                                <a:latin typeface="Cambria Math" panose="02040503050406030204" pitchFamily="18" charset="0"/>
+                              </a:rPr>
+                            </m:ctrlPr>
+                          </m:sSubPr>
+                          <m:e>
+                            <m:r>
+                              <a:rPr lang="en-GB" sz="1200" b="0" i="1" smtClean="0">
+                                <a:latin typeface="Cambria Math" panose="02040503050406030204" pitchFamily="18" charset="0"/>
+                              </a:rPr>
+                              <m:t>𝑚</m:t>
+                            </m:r>
+                          </m:e>
+                          <m:sub>
+                            <m:r>
+                              <a:rPr lang="en-GB" sz="1200" b="0" i="1" smtClean="0">
+                                <a:latin typeface="Cambria Math" panose="02040503050406030204" pitchFamily="18" charset="0"/>
+                              </a:rPr>
+                              <m:t>𝑗</m:t>
+                            </m:r>
+                          </m:sub>
+                        </m:sSub>
+                      </m:num>
+                      <m:den>
+                        <m:sSup>
+                          <m:sSupPr>
+                            <m:ctrlPr>
+                              <a:rPr lang="en-GB" sz="1200" b="0" i="1" smtClean="0">
+                                <a:latin typeface="Cambria Math" panose="02040503050406030204" pitchFamily="18" charset="0"/>
+                              </a:rPr>
+                            </m:ctrlPr>
+                          </m:sSupPr>
+                          <m:e>
+                            <m:d>
+                              <m:dPr>
+                                <m:begChr m:val="|"/>
+                                <m:endChr m:val="|"/>
+                                <m:ctrlPr>
+                                  <a:rPr lang="en-GB" sz="1200" b="0" i="1" smtClean="0">
+                                    <a:latin typeface="Cambria Math" panose="02040503050406030204" pitchFamily="18" charset="0"/>
+                                  </a:rPr>
+                                </m:ctrlPr>
+                              </m:dPr>
+                              <m:e>
+                                <m:sSub>
+                                  <m:sSubPr>
+                                    <m:ctrlPr>
+                                      <a:rPr lang="en-GB" sz="1200" i="1">
+                                        <a:latin typeface="Cambria Math" panose="02040503050406030204" pitchFamily="18" charset="0"/>
+                                      </a:rPr>
+                                    </m:ctrlPr>
+                                  </m:sSubPr>
+                                  <m:e>
+                                    <m:r>
+                                      <a:rPr lang="en-GB" sz="1200" i="1">
+                                        <a:latin typeface="Cambria Math" panose="02040503050406030204" pitchFamily="18" charset="0"/>
+                                      </a:rPr>
+                                      <m:t>𝑟</m:t>
+                                    </m:r>
+                                  </m:e>
+                                  <m:sub>
+                                    <m:r>
+                                      <a:rPr lang="en-GB" sz="1200" i="1">
+                                        <a:latin typeface="Cambria Math" panose="02040503050406030204" pitchFamily="18" charset="0"/>
+                                      </a:rPr>
+                                      <m:t>𝑖</m:t>
+                                    </m:r>
+                                  </m:sub>
+                                </m:sSub>
+                                <m:r>
+                                  <a:rPr lang="en-GB" sz="1200" i="1">
+                                    <a:latin typeface="Cambria Math" panose="02040503050406030204" pitchFamily="18" charset="0"/>
+                                  </a:rPr>
+                                  <m:t>−</m:t>
+                                </m:r>
+                                <m:sSub>
+                                  <m:sSubPr>
+                                    <m:ctrlPr>
+                                      <a:rPr lang="en-GB" sz="1200" i="1">
+                                        <a:latin typeface="Cambria Math" panose="02040503050406030204" pitchFamily="18" charset="0"/>
+                                      </a:rPr>
+                                    </m:ctrlPr>
+                                  </m:sSubPr>
+                                  <m:e>
+                                    <m:r>
+                                      <a:rPr lang="en-GB" sz="1200" i="1">
+                                        <a:latin typeface="Cambria Math" panose="02040503050406030204" pitchFamily="18" charset="0"/>
+                                      </a:rPr>
+                                      <m:t>𝑟</m:t>
+                                    </m:r>
+                                  </m:e>
+                                  <m:sub>
+                                    <m:r>
+                                      <a:rPr lang="en-GB" sz="1200" i="1">
+                                        <a:latin typeface="Cambria Math" panose="02040503050406030204" pitchFamily="18" charset="0"/>
+                                      </a:rPr>
+                                      <m:t>𝑗</m:t>
+                                    </m:r>
+                                  </m:sub>
+                                </m:sSub>
+                              </m:e>
+                            </m:d>
+                          </m:e>
+                          <m:sup>
+                            <m:r>
+                              <a:rPr lang="en-GB" sz="1200" b="0" i="1" smtClean="0">
+                                <a:latin typeface="Cambria Math" panose="02040503050406030204" pitchFamily="18" charset="0"/>
+                              </a:rPr>
+                              <m:t>2</m:t>
+                            </m:r>
+                          </m:sup>
+                        </m:sSup>
+                      </m:den>
+                    </m:f>
+                    <m:r>
+                      <a:rPr lang="en-GB" sz="1200" b="0" i="1" smtClean="0">
+                        <a:latin typeface="Cambria Math" panose="02040503050406030204" pitchFamily="18" charset="0"/>
+                      </a:rPr>
+                      <m:t>⋅</m:t>
+                    </m:r>
+                    <m:sSub>
+                      <m:sSubPr>
+                        <m:ctrlPr>
+                          <a:rPr lang="en-GB" sz="1200" b="0" i="1" smtClean="0">
+                            <a:latin typeface="Cambria Math" panose="02040503050406030204" pitchFamily="18" charset="0"/>
+                          </a:rPr>
+                        </m:ctrlPr>
+                      </m:sSubPr>
+                      <m:e>
+                        <m:acc>
+                          <m:accPr>
+                            <m:chr m:val="̂"/>
+                            <m:ctrlPr>
+                              <a:rPr lang="en-GB" sz="1200" b="0" i="1" smtClean="0">
+                                <a:latin typeface="Cambria Math" panose="02040503050406030204" pitchFamily="18" charset="0"/>
+                              </a:rPr>
+                            </m:ctrlPr>
+                          </m:accPr>
+                          <m:e>
+                            <m:r>
+                              <a:rPr lang="en-GB" sz="1200" b="0" i="1" smtClean="0">
+                                <a:latin typeface="Cambria Math" panose="02040503050406030204" pitchFamily="18" charset="0"/>
+                              </a:rPr>
+                              <m:t>𝑟</m:t>
+                            </m:r>
+                          </m:e>
+                        </m:acc>
+                      </m:e>
+                      <m:sub>
+                        <m:r>
+                          <a:rPr lang="en-GB" sz="1200" b="0" i="1" smtClean="0">
+                            <a:latin typeface="Cambria Math" panose="02040503050406030204" pitchFamily="18" charset="0"/>
+                          </a:rPr>
+                          <m:t>𝑖𝑗</m:t>
+                        </m:r>
+                      </m:sub>
+                    </m:sSub>
+                  </m:oMath>
+                </a14:m>
+                <a:r>
+                  <a:rPr lang="en-GB" b="0" i="0" dirty="0" smtClean="0">
+                    <a:latin typeface="+mn-lt"/>
+                  </a:rPr>
+                  <a:t>, where </a:t>
+                </a:r>
+                <a14:m>
+                  <m:oMath xmlns:m="http://schemas.openxmlformats.org/officeDocument/2006/math">
+                    <m:sSub>
+                      <m:sSubPr>
+                        <m:ctrlPr>
+                          <a:rPr lang="en-GB" sz="1200" b="0" i="1" smtClean="0">
+                            <a:latin typeface="Cambria Math" panose="02040503050406030204" pitchFamily="18" charset="0"/>
+                          </a:rPr>
+                        </m:ctrlPr>
+                      </m:sSubPr>
+                      <m:e>
+                        <m:acc>
+                          <m:accPr>
+                            <m:chr m:val="̂"/>
+                            <m:ctrlPr>
+                              <a:rPr lang="en-GB" sz="1200" b="0" i="1" smtClean="0">
+                                <a:latin typeface="Cambria Math" panose="02040503050406030204" pitchFamily="18" charset="0"/>
+                              </a:rPr>
+                            </m:ctrlPr>
+                          </m:accPr>
+                          <m:e>
+                            <m:r>
+                              <a:rPr lang="en-GB" sz="1200" b="0" i="1" smtClean="0">
+                                <a:latin typeface="Cambria Math" panose="02040503050406030204" pitchFamily="18" charset="0"/>
+                              </a:rPr>
+                              <m:t>𝑟</m:t>
+                            </m:r>
+                          </m:e>
+                        </m:acc>
+                      </m:e>
+                      <m:sub>
+                        <m:r>
+                          <a:rPr lang="en-GB" sz="1200" b="0" i="1" smtClean="0">
+                            <a:latin typeface="Cambria Math" panose="02040503050406030204" pitchFamily="18" charset="0"/>
+                          </a:rPr>
+                          <m:t>𝑖𝑗</m:t>
+                        </m:r>
+                      </m:sub>
+                    </m:sSub>
+                  </m:oMath>
+                </a14:m>
+                <a:r>
+                  <a:rPr lang="en-GB" b="0" i="0" dirty="0" smtClean="0">
+                    <a:latin typeface="+mn-lt"/>
+                  </a:rPr>
+                  <a:t> is the unit vector</a:t>
+                </a:r>
+              </a:p>
+              <a:p>
+                <a:pPr marL="228600" indent="-228600">
+                  <a:buFont typeface="+mj-lt"/>
+                  <a:buAutoNum type="arabicPeriod"/>
+                </a:pPr>
+                <a14:m>
+                  <m:oMath xmlns:m="http://schemas.openxmlformats.org/officeDocument/2006/math">
+                    <m:sSub>
+                      <m:sSubPr>
+                        <m:ctrlPr>
+                          <a:rPr lang="en-GB" b="0" i="1" smtClean="0">
+                            <a:latin typeface="Cambria Math" panose="02040503050406030204" pitchFamily="18" charset="0"/>
+                          </a:rPr>
+                        </m:ctrlPr>
+                      </m:sSubPr>
+                      <m:e>
+                        <m:r>
+                          <a:rPr lang="en-GB" b="0" i="1" smtClean="0">
+                            <a:latin typeface="Cambria Math" panose="02040503050406030204" pitchFamily="18" charset="0"/>
+                          </a:rPr>
+                          <m:t>𝐹</m:t>
+                        </m:r>
+                      </m:e>
+                      <m:sub>
+                        <m:r>
+                          <a:rPr lang="en-GB" b="0" i="1" smtClean="0">
+                            <a:latin typeface="Cambria Math" panose="02040503050406030204" pitchFamily="18" charset="0"/>
+                          </a:rPr>
+                          <m:t>𝑖</m:t>
+                        </m:r>
+                      </m:sub>
+                    </m:sSub>
+                    <m:d>
+                      <m:dPr>
+                        <m:ctrlPr>
+                          <a:rPr lang="en-GB" b="0" i="1" smtClean="0">
+                            <a:latin typeface="Cambria Math" panose="02040503050406030204" pitchFamily="18" charset="0"/>
+                          </a:rPr>
+                        </m:ctrlPr>
+                      </m:dPr>
+                      <m:e>
+                        <m:sSub>
+                          <m:sSubPr>
+                            <m:ctrlPr>
+                              <a:rPr lang="en-GB" b="0" i="1" smtClean="0">
+                                <a:latin typeface="Cambria Math" panose="02040503050406030204" pitchFamily="18" charset="0"/>
+                              </a:rPr>
+                            </m:ctrlPr>
+                          </m:sSubPr>
+                          <m:e>
+                            <m:r>
+                              <a:rPr lang="en-GB" b="0" i="1" smtClean="0">
+                                <a:latin typeface="Cambria Math" panose="02040503050406030204" pitchFamily="18" charset="0"/>
+                              </a:rPr>
+                              <m:t>𝑟</m:t>
+                            </m:r>
+                          </m:e>
+                          <m:sub>
+                            <m:r>
+                              <a:rPr lang="en-GB" b="0" i="1" smtClean="0">
+                                <a:latin typeface="Cambria Math" panose="02040503050406030204" pitchFamily="18" charset="0"/>
+                              </a:rPr>
+                              <m:t>𝑗</m:t>
+                            </m:r>
+                          </m:sub>
+                        </m:sSub>
+                      </m:e>
+                    </m:d>
+                  </m:oMath>
+                </a14:m>
+                <a:r>
+                  <a:rPr lang="en-GB" dirty="0" smtClean="0"/>
+                  <a:t> is</a:t>
+                </a:r>
+                <a:r>
+                  <a:rPr lang="en-GB" baseline="0" dirty="0" smtClean="0"/>
+                  <a:t> the force field vector of a pixel position vector </a:t>
+                </a:r>
+                <a14:m>
+                  <m:oMath xmlns:m="http://schemas.openxmlformats.org/officeDocument/2006/math">
+                    <m:sSub>
+                      <m:sSubPr>
+                        <m:ctrlPr>
+                          <a:rPr lang="en-GB" b="0" i="1" baseline="0" smtClean="0">
+                            <a:latin typeface="Cambria Math" panose="02040503050406030204" pitchFamily="18" charset="0"/>
+                          </a:rPr>
+                        </m:ctrlPr>
+                      </m:sSubPr>
+                      <m:e>
+                        <m:r>
+                          <a:rPr lang="en-GB" b="0" i="1" baseline="0" smtClean="0">
+                            <a:latin typeface="Cambria Math" panose="02040503050406030204" pitchFamily="18" charset="0"/>
+                          </a:rPr>
+                          <m:t>𝑟</m:t>
+                        </m:r>
+                      </m:e>
+                      <m:sub>
+                        <m:r>
+                          <a:rPr lang="en-GB" b="0" i="1" baseline="0" smtClean="0">
+                            <a:latin typeface="Cambria Math" panose="02040503050406030204" pitchFamily="18" charset="0"/>
+                          </a:rPr>
+                          <m:t>𝑗</m:t>
+                        </m:r>
+                      </m:sub>
+                    </m:sSub>
+                  </m:oMath>
+                </a14:m>
+                <a:r>
+                  <a:rPr lang="en-GB" baseline="0" dirty="0" smtClean="0"/>
+                  <a:t> that another vector </a:t>
+                </a:r>
+                <a14:m>
+                  <m:oMath xmlns:m="http://schemas.openxmlformats.org/officeDocument/2006/math">
+                    <m:sSub>
+                      <m:sSubPr>
+                        <m:ctrlPr>
+                          <a:rPr lang="en-GB" b="0" i="1" baseline="0" smtClean="0">
+                            <a:latin typeface="Cambria Math" panose="02040503050406030204" pitchFamily="18" charset="0"/>
+                          </a:rPr>
+                        </m:ctrlPr>
+                      </m:sSubPr>
+                      <m:e>
+                        <m:r>
+                          <a:rPr lang="en-GB" b="0" i="1" baseline="0" smtClean="0">
+                            <a:latin typeface="Cambria Math" panose="02040503050406030204" pitchFamily="18" charset="0"/>
+                          </a:rPr>
+                          <m:t>𝑟</m:t>
+                        </m:r>
+                      </m:e>
+                      <m:sub>
+                        <m:r>
+                          <a:rPr lang="en-GB" b="0" i="1" baseline="0" smtClean="0">
+                            <a:latin typeface="Cambria Math" panose="02040503050406030204" pitchFamily="18" charset="0"/>
+                          </a:rPr>
+                          <m:t>𝑖</m:t>
+                        </m:r>
+                      </m:sub>
+                    </m:sSub>
+                  </m:oMath>
+                </a14:m>
+                <a:r>
+                  <a:rPr lang="en-GB" dirty="0" smtClean="0"/>
+                  <a:t> exerts on</a:t>
+                </a:r>
+                <a:r>
+                  <a:rPr lang="en-GB" baseline="0" dirty="0" smtClean="0"/>
+                  <a:t> it. </a:t>
+                </a:r>
+              </a:p>
+              <a:p>
+                <a:pPr marL="228600" indent="-228600">
+                  <a:buFont typeface="+mj-lt"/>
+                  <a:buAutoNum type="arabicPeriod"/>
+                </a:pPr>
+                <a:r>
+                  <a:rPr lang="en-GB" baseline="0" dirty="0" smtClean="0"/>
+                  <a:t>The sum over all these force vectors</a:t>
+                </a:r>
+                <a:r>
+                  <a:rPr lang="en-GB" dirty="0" smtClean="0"/>
+                  <a:t>, where</a:t>
+                </a:r>
+                <a:r>
+                  <a:rPr lang="en-GB" baseline="0" dirty="0" smtClean="0"/>
+                  <a:t> the pixel intensities </a:t>
+                </a:r>
+                <a:r>
+                  <a:rPr lang="en-GB" dirty="0" smtClean="0"/>
+                  <a:t> </a:t>
+                </a:r>
+                <a14:m>
+                  <m:oMath xmlns:m="http://schemas.openxmlformats.org/officeDocument/2006/math">
+                    <m:r>
+                      <a:rPr lang="en-GB" b="0" i="1" smtClean="0">
+                        <a:latin typeface="Cambria Math" panose="02040503050406030204" pitchFamily="18" charset="0"/>
+                      </a:rPr>
+                      <m:t>𝑃</m:t>
+                    </m:r>
+                    <m:d>
+                      <m:dPr>
+                        <m:ctrlPr>
+                          <a:rPr lang="en-GB" b="0" i="1" smtClean="0">
+                            <a:latin typeface="Cambria Math" panose="02040503050406030204" pitchFamily="18" charset="0"/>
+                          </a:rPr>
+                        </m:ctrlPr>
+                      </m:dPr>
+                      <m:e>
+                        <m:sSub>
+                          <m:sSubPr>
+                            <m:ctrlPr>
+                              <a:rPr lang="en-GB" b="0" i="1" smtClean="0">
+                                <a:latin typeface="Cambria Math" panose="02040503050406030204" pitchFamily="18" charset="0"/>
+                              </a:rPr>
+                            </m:ctrlPr>
+                          </m:sSubPr>
+                          <m:e>
+                            <m:r>
+                              <a:rPr lang="en-GB" b="0" i="1" smtClean="0">
+                                <a:latin typeface="Cambria Math" panose="02040503050406030204" pitchFamily="18" charset="0"/>
+                              </a:rPr>
+                              <m:t>𝑟</m:t>
+                            </m:r>
+                          </m:e>
+                          <m:sub>
+                            <m:r>
+                              <a:rPr lang="en-GB" b="0" i="1" smtClean="0">
+                                <a:latin typeface="Cambria Math" panose="02040503050406030204" pitchFamily="18" charset="0"/>
+                              </a:rPr>
+                              <m:t>𝑖</m:t>
+                            </m:r>
+                          </m:sub>
+                        </m:sSub>
+                      </m:e>
+                    </m:d>
+                  </m:oMath>
+                </a14:m>
+                <a:r>
+                  <a:rPr lang="en-GB" dirty="0" smtClean="0"/>
+                  <a:t> are unified, gives</a:t>
+                </a:r>
+                <a:r>
+                  <a:rPr lang="en-GB" baseline="0" dirty="0" smtClean="0"/>
+                  <a:t> the force field vector </a:t>
+                </a:r>
+                <a14:m>
+                  <m:oMath xmlns:m="http://schemas.openxmlformats.org/officeDocument/2006/math">
+                    <m:r>
+                      <a:rPr lang="en-GB" b="0" i="1" baseline="0" smtClean="0">
+                        <a:latin typeface="Cambria Math" panose="02040503050406030204" pitchFamily="18" charset="0"/>
+                      </a:rPr>
+                      <m:t>𝐹</m:t>
+                    </m:r>
+                    <m:d>
+                      <m:dPr>
+                        <m:ctrlPr>
+                          <a:rPr lang="en-GB" b="0" i="1" baseline="0" smtClean="0">
+                            <a:latin typeface="Cambria Math" panose="02040503050406030204" pitchFamily="18" charset="0"/>
+                          </a:rPr>
+                        </m:ctrlPr>
+                      </m:dPr>
+                      <m:e>
+                        <m:sSub>
+                          <m:sSubPr>
+                            <m:ctrlPr>
+                              <a:rPr lang="en-GB" b="0" i="1" baseline="0" smtClean="0">
+                                <a:latin typeface="Cambria Math" panose="02040503050406030204" pitchFamily="18" charset="0"/>
+                              </a:rPr>
+                            </m:ctrlPr>
+                          </m:sSubPr>
+                          <m:e>
+                            <m:r>
+                              <a:rPr lang="en-GB" b="0" i="1" baseline="0" smtClean="0">
+                                <a:latin typeface="Cambria Math" panose="02040503050406030204" pitchFamily="18" charset="0"/>
+                              </a:rPr>
+                              <m:t>𝑟</m:t>
+                            </m:r>
+                          </m:e>
+                          <m:sub>
+                            <m:r>
+                              <a:rPr lang="en-GB" b="0" i="1" baseline="0" smtClean="0">
+                                <a:latin typeface="Cambria Math" panose="02040503050406030204" pitchFamily="18" charset="0"/>
+                              </a:rPr>
+                              <m:t>𝑗</m:t>
+                            </m:r>
+                          </m:sub>
+                        </m:sSub>
+                      </m:e>
+                    </m:d>
+                  </m:oMath>
+                </a14:m>
+                <a:r>
+                  <a:rPr lang="en-GB" dirty="0" smtClean="0"/>
+                  <a:t> for that position </a:t>
+                </a:r>
+                <a14:m>
+                  <m:oMath xmlns:m="http://schemas.openxmlformats.org/officeDocument/2006/math">
+                    <m:sSub>
+                      <m:sSubPr>
+                        <m:ctrlPr>
+                          <a:rPr lang="en-GB" b="0" i="1" baseline="0" smtClean="0">
+                            <a:latin typeface="Cambria Math" panose="02040503050406030204" pitchFamily="18" charset="0"/>
+                          </a:rPr>
+                        </m:ctrlPr>
+                      </m:sSubPr>
+                      <m:e>
+                        <m:r>
+                          <a:rPr lang="en-GB" b="0" i="1" baseline="0" smtClean="0">
+                            <a:latin typeface="Cambria Math" panose="02040503050406030204" pitchFamily="18" charset="0"/>
+                          </a:rPr>
+                          <m:t>𝑟</m:t>
+                        </m:r>
+                      </m:e>
+                      <m:sub>
+                        <m:r>
+                          <a:rPr lang="en-GB" b="0" i="1" baseline="0" smtClean="0">
+                            <a:latin typeface="Cambria Math" panose="02040503050406030204" pitchFamily="18" charset="0"/>
+                          </a:rPr>
+                          <m:t>𝑗</m:t>
+                        </m:r>
+                      </m:sub>
+                    </m:sSub>
+                  </m:oMath>
+                </a14:m>
+                <a:endParaRPr lang="en-GB" dirty="0" smtClean="0"/>
+              </a:p>
+              <a:p>
+                <a:pPr marL="228600" indent="-228600">
+                  <a:buFont typeface="+mj-lt"/>
+                  <a:buAutoNum type="arabicPeriod"/>
+                </a:pPr>
+                <a:r>
+                  <a:rPr lang="en-GB" dirty="0" smtClean="0"/>
+                  <a:t>Same for the potential Energy field</a:t>
+                </a:r>
+                <a:r>
+                  <a:rPr lang="en-GB" baseline="0" dirty="0" smtClean="0"/>
+                  <a:t> that is associated with the force field generated by each pixel, </a:t>
+                </a:r>
+              </a:p>
+              <a:p>
+                <a:pPr marL="685800" lvl="1" indent="-228600">
+                  <a:buFont typeface="+mj-lt"/>
+                  <a:buAutoNum type="arabicPeriod"/>
+                </a:pPr>
+                <a:r>
+                  <a:rPr lang="en-GB" baseline="0" dirty="0" smtClean="0"/>
+                  <a:t>with </a:t>
+                </a:r>
+                <a14:m>
+                  <m:oMath xmlns:m="http://schemas.openxmlformats.org/officeDocument/2006/math">
+                    <m:sSub>
+                      <m:sSubPr>
+                        <m:ctrlPr>
+                          <a:rPr lang="en-GB" b="0" i="1" baseline="0" smtClean="0">
+                            <a:latin typeface="Cambria Math" panose="02040503050406030204" pitchFamily="18" charset="0"/>
+                          </a:rPr>
+                        </m:ctrlPr>
+                      </m:sSubPr>
+                      <m:e>
+                        <m:r>
+                          <a:rPr lang="en-GB" b="0" i="1" baseline="0" smtClean="0">
+                            <a:latin typeface="Cambria Math" panose="02040503050406030204" pitchFamily="18" charset="0"/>
+                          </a:rPr>
+                          <m:t>𝐸</m:t>
+                        </m:r>
+                      </m:e>
+                      <m:sub>
+                        <m:r>
+                          <a:rPr lang="en-GB" b="0" i="1" baseline="0" smtClean="0">
+                            <a:latin typeface="Cambria Math" panose="02040503050406030204" pitchFamily="18" charset="0"/>
+                          </a:rPr>
+                          <m:t>𝑖</m:t>
+                        </m:r>
+                      </m:sub>
+                    </m:sSub>
+                    <m:d>
+                      <m:dPr>
+                        <m:ctrlPr>
+                          <a:rPr lang="en-GB" b="0" i="1" baseline="0" smtClean="0">
+                            <a:latin typeface="Cambria Math" panose="02040503050406030204" pitchFamily="18" charset="0"/>
+                          </a:rPr>
+                        </m:ctrlPr>
+                      </m:dPr>
+                      <m:e>
+                        <m:sSub>
+                          <m:sSubPr>
+                            <m:ctrlPr>
+                              <a:rPr lang="en-GB" b="0" i="1" baseline="0" smtClean="0">
+                                <a:latin typeface="Cambria Math" panose="02040503050406030204" pitchFamily="18" charset="0"/>
+                              </a:rPr>
+                            </m:ctrlPr>
+                          </m:sSubPr>
+                          <m:e>
+                            <m:r>
+                              <a:rPr lang="en-GB" b="0" i="1" baseline="0" smtClean="0">
+                                <a:latin typeface="Cambria Math" panose="02040503050406030204" pitchFamily="18" charset="0"/>
+                              </a:rPr>
+                              <m:t>𝑟</m:t>
+                            </m:r>
+                          </m:e>
+                          <m:sub>
+                            <m:r>
+                              <a:rPr lang="en-GB" b="0" i="1" baseline="0" smtClean="0">
+                                <a:latin typeface="Cambria Math" panose="02040503050406030204" pitchFamily="18" charset="0"/>
+                              </a:rPr>
+                              <m:t>𝑗</m:t>
+                            </m:r>
+                          </m:sub>
+                        </m:sSub>
+                      </m:e>
+                    </m:d>
+                  </m:oMath>
+                </a14:m>
+                <a:r>
+                  <a:rPr lang="en-GB" dirty="0" smtClean="0"/>
+                  <a:t> being the potential energy that its</a:t>
+                </a:r>
+                <a:r>
+                  <a:rPr lang="en-GB" baseline="0" dirty="0" smtClean="0"/>
+                  <a:t> imparted to a pixel of unit intensity at the pixel location </a:t>
+                </a:r>
+                <a:r>
+                  <a:rPr lang="en-GB" baseline="0" dirty="0" err="1" smtClean="0"/>
+                  <a:t>r_j</a:t>
+                </a:r>
+                <a:r>
+                  <a:rPr lang="en-GB" baseline="0" dirty="0" smtClean="0"/>
+                  <a:t> by the energy field of any other pixel with position vector </a:t>
+                </a:r>
+                <a:r>
+                  <a:rPr lang="en-GB" baseline="0" dirty="0" err="1" smtClean="0"/>
+                  <a:t>r_i</a:t>
+                </a:r>
+                <a:r>
+                  <a:rPr lang="en-GB" baseline="0" dirty="0" smtClean="0"/>
+                  <a:t> and pixel intensity P(</a:t>
+                </a:r>
+                <a:r>
+                  <a:rPr lang="en-GB" baseline="0" dirty="0" err="1" smtClean="0"/>
+                  <a:t>r_i</a:t>
+                </a:r>
+                <a:r>
+                  <a:rPr lang="en-GB" baseline="0" dirty="0" smtClean="0"/>
+                  <a:t>)</a:t>
+                </a:r>
+                <a:endParaRPr lang="en-GB" dirty="0"/>
+              </a:p>
+            </p:txBody>
+          </p:sp>
+        </mc:Choice>
+        <mc:Fallback xmlns="">
+          <p:sp>
+            <p:nvSpPr>
+              <p:cNvPr id="3" name="Notizenplatzhalter 2"/>
+              <p:cNvSpPr>
+                <a:spLocks noGrp="1"/>
+              </p:cNvSpPr>
+              <p:nvPr>
+                <p:ph type="body" idx="1"/>
+              </p:nvPr>
+            </p:nvSpPr>
+            <p:spPr/>
+            <p:txBody>
+              <a:bodyPr/>
+              <a:lstStyle/>
+              <a:p>
+                <a:pPr marL="228600" indent="-228600">
+                  <a:buFont typeface="+mj-lt"/>
+                  <a:buAutoNum type="arabicPeriod"/>
+                </a:pPr>
+                <a:r>
+                  <a:rPr lang="en-GB" b="0" i="0" dirty="0" smtClean="0">
+                    <a:latin typeface="+mn-lt"/>
+                  </a:rPr>
+                  <a:t>The definition</a:t>
+                </a:r>
+                <a:r>
+                  <a:rPr lang="en-GB" b="0" i="0" baseline="0" dirty="0" smtClean="0">
+                    <a:latin typeface="+mn-lt"/>
+                  </a:rPr>
+                  <a:t> for force field vectors in the gravity domain: </a:t>
+                </a:r>
+                <a:r>
+                  <a:rPr lang="en-GB" sz="1200" b="0" i="0" smtClean="0">
+                    <a:latin typeface="Cambria Math" panose="02040503050406030204" pitchFamily="18" charset="0"/>
+                  </a:rPr>
+                  <a:t>𝐹</a:t>
+                </a:r>
+                <a:r>
+                  <a:rPr lang="en-GB" sz="1200" b="0" i="0" smtClean="0">
+                    <a:latin typeface="Cambria Math" panose="02040503050406030204" pitchFamily="18" charset="0"/>
+                  </a:rPr>
+                  <a:t>_</a:t>
+                </a:r>
+                <a:r>
+                  <a:rPr lang="en-GB" sz="1200" b="0" i="0" smtClean="0">
+                    <a:latin typeface="Cambria Math" panose="02040503050406030204" pitchFamily="18" charset="0"/>
+                  </a:rPr>
+                  <a:t>𝑖 (𝑟_𝑗 )=−𝐺 (𝑚_𝑖 𝑚_𝑗)/|</a:t>
+                </a:r>
+                <a:r>
+                  <a:rPr lang="en-GB" sz="1200" i="0">
+                    <a:latin typeface="Cambria Math" panose="02040503050406030204" pitchFamily="18" charset="0"/>
+                  </a:rPr>
+                  <a:t>𝑟_𝑖−𝑟_𝑗 |</a:t>
+                </a:r>
+                <a:r>
+                  <a:rPr lang="en-GB" sz="1200" b="0" i="0" smtClean="0">
+                    <a:latin typeface="Cambria Math" panose="02040503050406030204" pitchFamily="18" charset="0"/>
+                  </a:rPr>
+                  <a:t>^2 ⋅𝑟 ̂_𝑖𝑗</a:t>
+                </a:r>
+                <a:r>
+                  <a:rPr lang="en-GB" b="0" i="0" dirty="0" smtClean="0">
+                    <a:latin typeface="+mn-lt"/>
+                  </a:rPr>
+                  <a:t>, where </a:t>
+                </a:r>
+                <a:r>
+                  <a:rPr lang="en-GB" sz="1200" b="0" i="0" smtClean="0">
+                    <a:latin typeface="Cambria Math" panose="02040503050406030204" pitchFamily="18" charset="0"/>
+                  </a:rPr>
+                  <a:t>𝑟 ̂</a:t>
+                </a:r>
+                <a:r>
+                  <a:rPr lang="en-GB" sz="1200" b="0" i="0" smtClean="0">
+                    <a:latin typeface="Cambria Math" panose="02040503050406030204" pitchFamily="18" charset="0"/>
+                  </a:rPr>
+                  <a:t>_</a:t>
+                </a:r>
+                <a:r>
+                  <a:rPr lang="en-GB" sz="1200" b="0" i="0" smtClean="0">
+                    <a:latin typeface="Cambria Math" panose="02040503050406030204" pitchFamily="18" charset="0"/>
+                  </a:rPr>
+                  <a:t>𝑖𝑗</a:t>
+                </a:r>
+                <a:r>
+                  <a:rPr lang="en-GB" b="0" i="0" dirty="0" smtClean="0">
+                    <a:latin typeface="+mn-lt"/>
+                  </a:rPr>
+                  <a:t> is the unit vector</a:t>
+                </a:r>
+              </a:p>
+              <a:p>
+                <a:pPr marL="228600" indent="-228600">
+                  <a:buFont typeface="+mj-lt"/>
+                  <a:buAutoNum type="arabicPeriod"/>
+                </a:pPr>
+                <a:r>
+                  <a:rPr lang="en-GB" b="0" i="0" smtClean="0">
+                    <a:latin typeface="Cambria Math" panose="02040503050406030204" pitchFamily="18" charset="0"/>
+                  </a:rPr>
+                  <a:t>𝐹_𝑖 (𝑟_𝑗 )</a:t>
+                </a:r>
+                <a:r>
+                  <a:rPr lang="en-GB" dirty="0" smtClean="0"/>
+                  <a:t> is</a:t>
+                </a:r>
+                <a:r>
+                  <a:rPr lang="en-GB" baseline="0" dirty="0" smtClean="0"/>
+                  <a:t> the force field vector of a pixel position vector </a:t>
+                </a:r>
+                <a:r>
+                  <a:rPr lang="en-GB" b="0" i="0" baseline="0" smtClean="0">
+                    <a:latin typeface="Cambria Math" panose="02040503050406030204" pitchFamily="18" charset="0"/>
+                  </a:rPr>
+                  <a:t>𝑟_𝑗</a:t>
+                </a:r>
+                <a:r>
+                  <a:rPr lang="en-GB" baseline="0" dirty="0" smtClean="0"/>
+                  <a:t> that another vector </a:t>
+                </a:r>
+                <a:r>
+                  <a:rPr lang="en-GB" b="0" i="0" baseline="0" smtClean="0">
+                    <a:latin typeface="Cambria Math" panose="02040503050406030204" pitchFamily="18" charset="0"/>
+                  </a:rPr>
+                  <a:t>𝑟_𝑖</a:t>
+                </a:r>
+                <a:r>
+                  <a:rPr lang="en-GB" dirty="0" smtClean="0"/>
+                  <a:t> exerts on</a:t>
+                </a:r>
+                <a:r>
+                  <a:rPr lang="en-GB" baseline="0" dirty="0" smtClean="0"/>
+                  <a:t> it. </a:t>
+                </a:r>
+              </a:p>
+              <a:p>
+                <a:pPr marL="228600" indent="-228600">
+                  <a:buFont typeface="+mj-lt"/>
+                  <a:buAutoNum type="arabicPeriod"/>
+                </a:pPr>
+                <a:r>
+                  <a:rPr lang="en-GB" baseline="0" dirty="0" smtClean="0"/>
+                  <a:t>The sum over all these force vectors</a:t>
+                </a:r>
+                <a:r>
+                  <a:rPr lang="en-GB" dirty="0" smtClean="0"/>
+                  <a:t>, where</a:t>
+                </a:r>
+                <a:r>
+                  <a:rPr lang="en-GB" baseline="0" dirty="0" smtClean="0"/>
+                  <a:t> the pixel intensities </a:t>
+                </a:r>
+                <a:r>
+                  <a:rPr lang="en-GB" dirty="0" smtClean="0"/>
+                  <a:t> </a:t>
+                </a:r>
+                <a:r>
+                  <a:rPr lang="en-GB" b="0" i="0" smtClean="0">
+                    <a:latin typeface="Cambria Math" panose="02040503050406030204" pitchFamily="18" charset="0"/>
+                  </a:rPr>
+                  <a:t>𝑃(𝑟_𝑖 )</a:t>
+                </a:r>
+                <a:r>
+                  <a:rPr lang="en-GB" dirty="0" smtClean="0"/>
+                  <a:t> are unified, gives</a:t>
+                </a:r>
+                <a:r>
+                  <a:rPr lang="en-GB" baseline="0" dirty="0" smtClean="0"/>
+                  <a:t> the force field vector </a:t>
+                </a:r>
+                <a:r>
+                  <a:rPr lang="en-GB" b="0" i="0" baseline="0" smtClean="0">
+                    <a:latin typeface="Cambria Math" panose="02040503050406030204" pitchFamily="18" charset="0"/>
+                  </a:rPr>
+                  <a:t>𝐹</a:t>
+                </a:r>
+                <a:r>
+                  <a:rPr lang="en-GB" b="0" i="0" baseline="0" smtClean="0">
+                    <a:latin typeface="Cambria Math" panose="02040503050406030204" pitchFamily="18" charset="0"/>
+                  </a:rPr>
+                  <a:t>(𝑟_𝑗 )</a:t>
+                </a:r>
+                <a:r>
+                  <a:rPr lang="en-GB" dirty="0" smtClean="0"/>
+                  <a:t> for that position </a:t>
+                </a:r>
+                <a:r>
+                  <a:rPr lang="en-GB" b="0" i="0" baseline="0" smtClean="0">
+                    <a:latin typeface="Cambria Math" panose="02040503050406030204" pitchFamily="18" charset="0"/>
+                  </a:rPr>
+                  <a:t>𝑟</a:t>
+                </a:r>
+                <a:r>
+                  <a:rPr lang="en-GB" b="0" i="0" baseline="0" smtClean="0">
+                    <a:latin typeface="Cambria Math" panose="02040503050406030204" pitchFamily="18" charset="0"/>
+                  </a:rPr>
+                  <a:t>_</a:t>
+                </a:r>
+                <a:r>
+                  <a:rPr lang="en-GB" b="0" i="0" baseline="0" smtClean="0">
+                    <a:latin typeface="Cambria Math" panose="02040503050406030204" pitchFamily="18" charset="0"/>
+                  </a:rPr>
+                  <a:t>𝑗</a:t>
+                </a:r>
+                <a:endParaRPr lang="en-GB" dirty="0" smtClean="0"/>
+              </a:p>
+              <a:p>
+                <a:pPr marL="228600" indent="-228600">
+                  <a:buFont typeface="+mj-lt"/>
+                  <a:buAutoNum type="arabicPeriod"/>
+                </a:pPr>
+                <a:r>
+                  <a:rPr lang="en-GB" dirty="0" smtClean="0"/>
+                  <a:t>Same for Energy</a:t>
+                </a:r>
+                <a:endParaRPr lang="en-GB" dirty="0"/>
+              </a:p>
+            </p:txBody>
+          </p:sp>
+        </mc:Fallback>
+      </mc:AlternateContent>
+      <p:sp>
+        <p:nvSpPr>
+          <p:cNvPr id="4" name="Foliennummernplatzhalter 3"/>
+          <p:cNvSpPr>
+            <a:spLocks noGrp="1"/>
+          </p:cNvSpPr>
+          <p:nvPr>
+            <p:ph type="sldNum" sz="quarter" idx="10"/>
+          </p:nvPr>
+        </p:nvSpPr>
+        <p:spPr/>
+        <p:txBody>
+          <a:bodyPr/>
+          <a:lstStyle/>
+          <a:p>
+            <a:fld id="{EF2D93C9-B2FF-4D76-8851-D84BA33B2773}" type="slidenum">
+              <a:rPr lang="en-GB" smtClean="0"/>
+              <a:t>11</a:t>
+            </a:fld>
+            <a:endParaRPr lang="en-GB"/>
+          </a:p>
+        </p:txBody>
+      </p:sp>
+    </p:spTree>
+    <p:extLst>
+      <p:ext uri="{BB962C8B-B14F-4D97-AF65-F5344CB8AC3E}">
+        <p14:creationId xmlns:p14="http://schemas.microsoft.com/office/powerpoint/2010/main" val="1143750934"/>
+      </p:ext>
+    </p:extLst>
+  </p:cSld>
+  <p:clrMapOvr>
+    <a:masterClrMapping/>
+  </p:clrMapOvr>
+</p:notes>
+</file>
+
+<file path=ppt/notesSlides/notesSlide11.xml><?xml version="1.0" encoding="utf-8"?>
+<p:notes xmlns:a="http://schemas.openxmlformats.org/drawingml/2006/main" xmlns:r="http://schemas.openxmlformats.org/officeDocument/2006/relationships" xmlns:p="http://schemas.openxmlformats.org/presentationml/2006/main">
+  <p:cSld>
+    <p:spTree>
+      <p:nvGrpSpPr>
+        <p:cNvPr id="1" name=""/>
+        <p:cNvGrpSpPr/>
+        <p:nvPr/>
+      </p:nvGrpSpPr>
+      <p:grpSpPr>
+        <a:xfrm>
+          <a:off x="0" y="0"/>
+          <a:ext cx="0" cy="0"/>
+          <a:chOff x="0" y="0"/>
+          <a:chExt cx="0" cy="0"/>
+        </a:xfrm>
+      </p:grpSpPr>
+      <p:sp>
+        <p:nvSpPr>
+          <p:cNvPr id="2" name="Folienbildplatzhalter 1"/>
+          <p:cNvSpPr>
+            <a:spLocks noGrp="1" noRot="1" noChangeAspect="1"/>
+          </p:cNvSpPr>
+          <p:nvPr>
+            <p:ph type="sldImg"/>
+          </p:nvPr>
+        </p:nvSpPr>
+        <p:spPr/>
+      </p:sp>
+      <mc:AlternateContent xmlns:mc="http://schemas.openxmlformats.org/markup-compatibility/2006" xmlns:a14="http://schemas.microsoft.com/office/drawing/2010/main">
+        <mc:Choice Requires="a14">
+          <p:sp>
+            <p:nvSpPr>
+              <p:cNvPr id="3" name="Notizenplatzhalter 2"/>
+              <p:cNvSpPr>
+                <a:spLocks noGrp="1"/>
+              </p:cNvSpPr>
+              <p:nvPr>
+                <p:ph type="body" idx="1"/>
+              </p:nvPr>
+            </p:nvSpPr>
+            <p:spPr/>
+            <p:txBody>
+              <a:bodyPr/>
+              <a:lstStyle/>
+              <a:p>
+                <a:pPr marL="228600" indent="-228600">
+                  <a:buFont typeface="+mj-lt"/>
+                  <a:buAutoNum type="arabicPeriod"/>
+                </a:pPr>
+                <a:r>
+                  <a:rPr lang="en-GB" b="0" i="0" dirty="0" smtClean="0">
+                    <a:latin typeface="+mn-lt"/>
+                  </a:rPr>
+                  <a:t>The definition</a:t>
+                </a:r>
+                <a:r>
+                  <a:rPr lang="en-GB" b="0" i="0" baseline="0" dirty="0" smtClean="0">
+                    <a:latin typeface="+mn-lt"/>
+                  </a:rPr>
+                  <a:t> for force field vectors in the gravity domain: </a:t>
+                </a:r>
+                <a14:m>
+                  <m:oMath xmlns:m="http://schemas.openxmlformats.org/officeDocument/2006/math">
+                    <m:sSub>
+                      <m:sSubPr>
+                        <m:ctrlPr>
+                          <a:rPr lang="en-GB" sz="1200" b="0" i="1" smtClean="0">
+                            <a:latin typeface="Cambria Math" panose="02040503050406030204" pitchFamily="18" charset="0"/>
+                          </a:rPr>
+                        </m:ctrlPr>
+                      </m:sSubPr>
+                      <m:e>
+                        <m:r>
+                          <a:rPr lang="en-GB" sz="1200" b="0" i="1" smtClean="0">
+                            <a:latin typeface="Cambria Math" panose="02040503050406030204" pitchFamily="18" charset="0"/>
+                          </a:rPr>
+                          <m:t>𝐹</m:t>
+                        </m:r>
+                      </m:e>
+                      <m:sub>
+                        <m:r>
+                          <a:rPr lang="en-GB" sz="1200" b="0" i="1" smtClean="0">
+                            <a:latin typeface="Cambria Math" panose="02040503050406030204" pitchFamily="18" charset="0"/>
+                          </a:rPr>
+                          <m:t>𝑖</m:t>
+                        </m:r>
+                      </m:sub>
+                    </m:sSub>
+                    <m:d>
+                      <m:dPr>
+                        <m:ctrlPr>
+                          <a:rPr lang="en-GB" sz="1200" b="0" i="1" smtClean="0">
+                            <a:latin typeface="Cambria Math" panose="02040503050406030204" pitchFamily="18" charset="0"/>
+                          </a:rPr>
+                        </m:ctrlPr>
+                      </m:dPr>
+                      <m:e>
+                        <m:sSub>
+                          <m:sSubPr>
+                            <m:ctrlPr>
+                              <a:rPr lang="en-GB" sz="1200" b="0" i="1" smtClean="0">
+                                <a:latin typeface="Cambria Math" panose="02040503050406030204" pitchFamily="18" charset="0"/>
+                              </a:rPr>
+                            </m:ctrlPr>
+                          </m:sSubPr>
+                          <m:e>
+                            <m:r>
+                              <a:rPr lang="en-GB" sz="1200" b="0" i="1" smtClean="0">
+                                <a:latin typeface="Cambria Math" panose="02040503050406030204" pitchFamily="18" charset="0"/>
+                              </a:rPr>
+                              <m:t>𝑟</m:t>
+                            </m:r>
+                          </m:e>
+                          <m:sub>
+                            <m:r>
+                              <a:rPr lang="en-GB" sz="1200" b="0" i="1" smtClean="0">
+                                <a:latin typeface="Cambria Math" panose="02040503050406030204" pitchFamily="18" charset="0"/>
+                              </a:rPr>
+                              <m:t>𝑗</m:t>
+                            </m:r>
+                          </m:sub>
+                        </m:sSub>
+                      </m:e>
+                    </m:d>
+                    <m:r>
+                      <a:rPr lang="en-GB" sz="1200" b="0" i="1" smtClean="0">
+                        <a:latin typeface="Cambria Math" panose="02040503050406030204" pitchFamily="18" charset="0"/>
+                      </a:rPr>
+                      <m:t>=−</m:t>
+                    </m:r>
+                    <m:r>
+                      <a:rPr lang="en-GB" sz="1200" b="0" i="1" smtClean="0">
+                        <a:latin typeface="Cambria Math" panose="02040503050406030204" pitchFamily="18" charset="0"/>
+                      </a:rPr>
+                      <m:t>𝐺</m:t>
+                    </m:r>
+                    <m:f>
+                      <m:fPr>
+                        <m:ctrlPr>
+                          <a:rPr lang="en-GB" sz="1200" b="0" i="1" smtClean="0">
+                            <a:latin typeface="Cambria Math" panose="02040503050406030204" pitchFamily="18" charset="0"/>
+                          </a:rPr>
+                        </m:ctrlPr>
+                      </m:fPr>
+                      <m:num>
+                        <m:sSub>
+                          <m:sSubPr>
+                            <m:ctrlPr>
+                              <a:rPr lang="en-GB" sz="1200" b="0" i="1" smtClean="0">
+                                <a:latin typeface="Cambria Math" panose="02040503050406030204" pitchFamily="18" charset="0"/>
+                              </a:rPr>
+                            </m:ctrlPr>
+                          </m:sSubPr>
+                          <m:e>
+                            <m:r>
+                              <a:rPr lang="en-GB" sz="1200" b="0" i="1" smtClean="0">
+                                <a:latin typeface="Cambria Math" panose="02040503050406030204" pitchFamily="18" charset="0"/>
+                              </a:rPr>
+                              <m:t>𝑚</m:t>
+                            </m:r>
+                          </m:e>
+                          <m:sub>
+                            <m:r>
+                              <a:rPr lang="en-GB" sz="1200" b="0" i="1" smtClean="0">
+                                <a:latin typeface="Cambria Math" panose="02040503050406030204" pitchFamily="18" charset="0"/>
+                              </a:rPr>
+                              <m:t>𝑖</m:t>
+                            </m:r>
+                          </m:sub>
+                        </m:sSub>
+                        <m:sSub>
+                          <m:sSubPr>
+                            <m:ctrlPr>
+                              <a:rPr lang="en-GB" sz="1200" b="0" i="1" smtClean="0">
+                                <a:latin typeface="Cambria Math" panose="02040503050406030204" pitchFamily="18" charset="0"/>
+                              </a:rPr>
+                            </m:ctrlPr>
+                          </m:sSubPr>
+                          <m:e>
+                            <m:r>
+                              <a:rPr lang="en-GB" sz="1200" b="0" i="1" smtClean="0">
+                                <a:latin typeface="Cambria Math" panose="02040503050406030204" pitchFamily="18" charset="0"/>
+                              </a:rPr>
+                              <m:t>𝑚</m:t>
+                            </m:r>
+                          </m:e>
+                          <m:sub>
+                            <m:r>
+                              <a:rPr lang="en-GB" sz="1200" b="0" i="1" smtClean="0">
+                                <a:latin typeface="Cambria Math" panose="02040503050406030204" pitchFamily="18" charset="0"/>
+                              </a:rPr>
+                              <m:t>𝑗</m:t>
+                            </m:r>
+                          </m:sub>
+                        </m:sSub>
+                      </m:num>
+                      <m:den>
+                        <m:sSup>
+                          <m:sSupPr>
+                            <m:ctrlPr>
+                              <a:rPr lang="en-GB" sz="1200" b="0" i="1" smtClean="0">
+                                <a:latin typeface="Cambria Math" panose="02040503050406030204" pitchFamily="18" charset="0"/>
+                              </a:rPr>
+                            </m:ctrlPr>
+                          </m:sSupPr>
+                          <m:e>
+                            <m:d>
+                              <m:dPr>
+                                <m:begChr m:val="|"/>
+                                <m:endChr m:val="|"/>
+                                <m:ctrlPr>
+                                  <a:rPr lang="en-GB" sz="1200" b="0" i="1" smtClean="0">
+                                    <a:latin typeface="Cambria Math" panose="02040503050406030204" pitchFamily="18" charset="0"/>
+                                  </a:rPr>
+                                </m:ctrlPr>
+                              </m:dPr>
+                              <m:e>
+                                <m:sSub>
+                                  <m:sSubPr>
+                                    <m:ctrlPr>
+                                      <a:rPr lang="en-GB" sz="1200" i="1">
+                                        <a:latin typeface="Cambria Math" panose="02040503050406030204" pitchFamily="18" charset="0"/>
+                                      </a:rPr>
+                                    </m:ctrlPr>
+                                  </m:sSubPr>
+                                  <m:e>
+                                    <m:r>
+                                      <a:rPr lang="en-GB" sz="1200" i="1">
+                                        <a:latin typeface="Cambria Math" panose="02040503050406030204" pitchFamily="18" charset="0"/>
+                                      </a:rPr>
+                                      <m:t>𝑟</m:t>
+                                    </m:r>
+                                  </m:e>
+                                  <m:sub>
+                                    <m:r>
+                                      <a:rPr lang="en-GB" sz="1200" i="1">
+                                        <a:latin typeface="Cambria Math" panose="02040503050406030204" pitchFamily="18" charset="0"/>
+                                      </a:rPr>
+                                      <m:t>𝑖</m:t>
+                                    </m:r>
+                                  </m:sub>
+                                </m:sSub>
+                                <m:r>
+                                  <a:rPr lang="en-GB" sz="1200" i="1">
+                                    <a:latin typeface="Cambria Math" panose="02040503050406030204" pitchFamily="18" charset="0"/>
+                                  </a:rPr>
+                                  <m:t>−</m:t>
+                                </m:r>
+                                <m:sSub>
+                                  <m:sSubPr>
+                                    <m:ctrlPr>
+                                      <a:rPr lang="en-GB" sz="1200" i="1">
+                                        <a:latin typeface="Cambria Math" panose="02040503050406030204" pitchFamily="18" charset="0"/>
+                                      </a:rPr>
+                                    </m:ctrlPr>
+                                  </m:sSubPr>
+                                  <m:e>
+                                    <m:r>
+                                      <a:rPr lang="en-GB" sz="1200" i="1">
+                                        <a:latin typeface="Cambria Math" panose="02040503050406030204" pitchFamily="18" charset="0"/>
+                                      </a:rPr>
+                                      <m:t>𝑟</m:t>
+                                    </m:r>
+                                  </m:e>
+                                  <m:sub>
+                                    <m:r>
+                                      <a:rPr lang="en-GB" sz="1200" i="1">
+                                        <a:latin typeface="Cambria Math" panose="02040503050406030204" pitchFamily="18" charset="0"/>
+                                      </a:rPr>
+                                      <m:t>𝑗</m:t>
+                                    </m:r>
+                                  </m:sub>
+                                </m:sSub>
+                              </m:e>
+                            </m:d>
+                          </m:e>
+                          <m:sup>
+                            <m:r>
+                              <a:rPr lang="en-GB" sz="1200" b="0" i="1" smtClean="0">
+                                <a:latin typeface="Cambria Math" panose="02040503050406030204" pitchFamily="18" charset="0"/>
+                              </a:rPr>
+                              <m:t>2</m:t>
+                            </m:r>
+                          </m:sup>
+                        </m:sSup>
+                      </m:den>
+                    </m:f>
+                    <m:r>
+                      <a:rPr lang="en-GB" sz="1200" b="0" i="1" smtClean="0">
+                        <a:latin typeface="Cambria Math" panose="02040503050406030204" pitchFamily="18" charset="0"/>
+                      </a:rPr>
+                      <m:t>⋅</m:t>
+                    </m:r>
+                    <m:sSub>
+                      <m:sSubPr>
+                        <m:ctrlPr>
+                          <a:rPr lang="en-GB" sz="1200" b="0" i="1" smtClean="0">
+                            <a:latin typeface="Cambria Math" panose="02040503050406030204" pitchFamily="18" charset="0"/>
+                          </a:rPr>
+                        </m:ctrlPr>
+                      </m:sSubPr>
+                      <m:e>
+                        <m:acc>
+                          <m:accPr>
+                            <m:chr m:val="̂"/>
+                            <m:ctrlPr>
+                              <a:rPr lang="en-GB" sz="1200" b="0" i="1" smtClean="0">
+                                <a:latin typeface="Cambria Math" panose="02040503050406030204" pitchFamily="18" charset="0"/>
+                              </a:rPr>
+                            </m:ctrlPr>
+                          </m:accPr>
+                          <m:e>
+                            <m:r>
+                              <a:rPr lang="en-GB" sz="1200" b="0" i="1" smtClean="0">
+                                <a:latin typeface="Cambria Math" panose="02040503050406030204" pitchFamily="18" charset="0"/>
+                              </a:rPr>
+                              <m:t>𝑟</m:t>
+                            </m:r>
+                          </m:e>
+                        </m:acc>
+                      </m:e>
+                      <m:sub>
+                        <m:r>
+                          <a:rPr lang="en-GB" sz="1200" b="0" i="1" smtClean="0">
+                            <a:latin typeface="Cambria Math" panose="02040503050406030204" pitchFamily="18" charset="0"/>
+                          </a:rPr>
+                          <m:t>𝑖𝑗</m:t>
+                        </m:r>
+                      </m:sub>
+                    </m:sSub>
+                  </m:oMath>
+                </a14:m>
+                <a:r>
+                  <a:rPr lang="en-GB" b="0" i="0" dirty="0" smtClean="0">
+                    <a:latin typeface="+mn-lt"/>
+                  </a:rPr>
+                  <a:t>, where </a:t>
+                </a:r>
+                <a14:m>
+                  <m:oMath xmlns:m="http://schemas.openxmlformats.org/officeDocument/2006/math">
+                    <m:sSub>
+                      <m:sSubPr>
+                        <m:ctrlPr>
+                          <a:rPr lang="en-GB" sz="1200" b="0" i="1" smtClean="0">
+                            <a:latin typeface="Cambria Math" panose="02040503050406030204" pitchFamily="18" charset="0"/>
+                          </a:rPr>
+                        </m:ctrlPr>
+                      </m:sSubPr>
+                      <m:e>
+                        <m:acc>
+                          <m:accPr>
+                            <m:chr m:val="̂"/>
+                            <m:ctrlPr>
+                              <a:rPr lang="en-GB" sz="1200" b="0" i="1" smtClean="0">
+                                <a:latin typeface="Cambria Math" panose="02040503050406030204" pitchFamily="18" charset="0"/>
+                              </a:rPr>
+                            </m:ctrlPr>
+                          </m:accPr>
+                          <m:e>
+                            <m:r>
+                              <a:rPr lang="en-GB" sz="1200" b="0" i="1" smtClean="0">
+                                <a:latin typeface="Cambria Math" panose="02040503050406030204" pitchFamily="18" charset="0"/>
+                              </a:rPr>
+                              <m:t>𝑟</m:t>
+                            </m:r>
+                          </m:e>
+                        </m:acc>
+                      </m:e>
+                      <m:sub>
+                        <m:r>
+                          <a:rPr lang="en-GB" sz="1200" b="0" i="1" smtClean="0">
+                            <a:latin typeface="Cambria Math" panose="02040503050406030204" pitchFamily="18" charset="0"/>
+                          </a:rPr>
+                          <m:t>𝑖𝑗</m:t>
+                        </m:r>
+                      </m:sub>
+                    </m:sSub>
+                  </m:oMath>
+                </a14:m>
+                <a:r>
+                  <a:rPr lang="en-GB" b="0" i="0" dirty="0" smtClean="0">
+                    <a:latin typeface="+mn-lt"/>
+                  </a:rPr>
+                  <a:t> is the unit vector</a:t>
+                </a:r>
+              </a:p>
+              <a:p>
+                <a:pPr marL="228600" indent="-228600">
+                  <a:buFont typeface="+mj-lt"/>
+                  <a:buAutoNum type="arabicPeriod"/>
+                </a:pPr>
+                <a14:m>
+                  <m:oMath xmlns:m="http://schemas.openxmlformats.org/officeDocument/2006/math">
+                    <m:sSub>
+                      <m:sSubPr>
+                        <m:ctrlPr>
+                          <a:rPr lang="en-GB" b="0" i="1" smtClean="0">
+                            <a:latin typeface="Cambria Math" panose="02040503050406030204" pitchFamily="18" charset="0"/>
+                          </a:rPr>
+                        </m:ctrlPr>
+                      </m:sSubPr>
+                      <m:e>
+                        <m:r>
+                          <a:rPr lang="en-GB" b="0" i="1" smtClean="0">
+                            <a:latin typeface="Cambria Math" panose="02040503050406030204" pitchFamily="18" charset="0"/>
+                          </a:rPr>
+                          <m:t>𝐹</m:t>
+                        </m:r>
+                      </m:e>
+                      <m:sub>
+                        <m:r>
+                          <a:rPr lang="en-GB" b="0" i="1" smtClean="0">
+                            <a:latin typeface="Cambria Math" panose="02040503050406030204" pitchFamily="18" charset="0"/>
+                          </a:rPr>
+                          <m:t>𝑖</m:t>
+                        </m:r>
+                      </m:sub>
+                    </m:sSub>
+                    <m:d>
+                      <m:dPr>
+                        <m:ctrlPr>
+                          <a:rPr lang="en-GB" b="0" i="1" smtClean="0">
+                            <a:latin typeface="Cambria Math" panose="02040503050406030204" pitchFamily="18" charset="0"/>
+                          </a:rPr>
+                        </m:ctrlPr>
+                      </m:dPr>
+                      <m:e>
+                        <m:sSub>
+                          <m:sSubPr>
+                            <m:ctrlPr>
+                              <a:rPr lang="en-GB" b="0" i="1" smtClean="0">
+                                <a:latin typeface="Cambria Math" panose="02040503050406030204" pitchFamily="18" charset="0"/>
+                              </a:rPr>
+                            </m:ctrlPr>
+                          </m:sSubPr>
+                          <m:e>
+                            <m:r>
+                              <a:rPr lang="en-GB" b="0" i="1" smtClean="0">
+                                <a:latin typeface="Cambria Math" panose="02040503050406030204" pitchFamily="18" charset="0"/>
+                              </a:rPr>
+                              <m:t>𝑟</m:t>
+                            </m:r>
+                          </m:e>
+                          <m:sub>
+                            <m:r>
+                              <a:rPr lang="en-GB" b="0" i="1" smtClean="0">
+                                <a:latin typeface="Cambria Math" panose="02040503050406030204" pitchFamily="18" charset="0"/>
+                              </a:rPr>
+                              <m:t>𝑗</m:t>
+                            </m:r>
+                          </m:sub>
+                        </m:sSub>
+                      </m:e>
+                    </m:d>
+                  </m:oMath>
+                </a14:m>
+                <a:r>
+                  <a:rPr lang="en-GB" dirty="0" smtClean="0"/>
+                  <a:t> is</a:t>
+                </a:r>
+                <a:r>
+                  <a:rPr lang="en-GB" baseline="0" dirty="0" smtClean="0"/>
+                  <a:t> the force field vector of a pixel position vector </a:t>
+                </a:r>
+                <a14:m>
+                  <m:oMath xmlns:m="http://schemas.openxmlformats.org/officeDocument/2006/math">
+                    <m:sSub>
+                      <m:sSubPr>
+                        <m:ctrlPr>
+                          <a:rPr lang="en-GB" b="0" i="1" baseline="0" smtClean="0">
+                            <a:latin typeface="Cambria Math" panose="02040503050406030204" pitchFamily="18" charset="0"/>
+                          </a:rPr>
+                        </m:ctrlPr>
+                      </m:sSubPr>
+                      <m:e>
+                        <m:r>
+                          <a:rPr lang="en-GB" b="0" i="1" baseline="0" smtClean="0">
+                            <a:latin typeface="Cambria Math" panose="02040503050406030204" pitchFamily="18" charset="0"/>
+                          </a:rPr>
+                          <m:t>𝑟</m:t>
+                        </m:r>
+                      </m:e>
+                      <m:sub>
+                        <m:r>
+                          <a:rPr lang="en-GB" b="0" i="1" baseline="0" smtClean="0">
+                            <a:latin typeface="Cambria Math" panose="02040503050406030204" pitchFamily="18" charset="0"/>
+                          </a:rPr>
+                          <m:t>𝑗</m:t>
+                        </m:r>
+                      </m:sub>
+                    </m:sSub>
+                  </m:oMath>
+                </a14:m>
+                <a:r>
+                  <a:rPr lang="en-GB" baseline="0" dirty="0" smtClean="0"/>
+                  <a:t> that another vector </a:t>
+                </a:r>
+                <a14:m>
+                  <m:oMath xmlns:m="http://schemas.openxmlformats.org/officeDocument/2006/math">
+                    <m:sSub>
+                      <m:sSubPr>
+                        <m:ctrlPr>
+                          <a:rPr lang="en-GB" b="0" i="1" baseline="0" smtClean="0">
+                            <a:latin typeface="Cambria Math" panose="02040503050406030204" pitchFamily="18" charset="0"/>
+                          </a:rPr>
+                        </m:ctrlPr>
+                      </m:sSubPr>
+                      <m:e>
+                        <m:r>
+                          <a:rPr lang="en-GB" b="0" i="1" baseline="0" smtClean="0">
+                            <a:latin typeface="Cambria Math" panose="02040503050406030204" pitchFamily="18" charset="0"/>
+                          </a:rPr>
+                          <m:t>𝑟</m:t>
+                        </m:r>
+                      </m:e>
+                      <m:sub>
+                        <m:r>
+                          <a:rPr lang="en-GB" b="0" i="1" baseline="0" smtClean="0">
+                            <a:latin typeface="Cambria Math" panose="02040503050406030204" pitchFamily="18" charset="0"/>
+                          </a:rPr>
+                          <m:t>𝑖</m:t>
+                        </m:r>
+                      </m:sub>
+                    </m:sSub>
+                  </m:oMath>
+                </a14:m>
+                <a:r>
+                  <a:rPr lang="en-GB" dirty="0" smtClean="0"/>
+                  <a:t> exerts on</a:t>
+                </a:r>
+                <a:r>
+                  <a:rPr lang="en-GB" baseline="0" dirty="0" smtClean="0"/>
+                  <a:t> it. </a:t>
+                </a:r>
+              </a:p>
+              <a:p>
+                <a:pPr marL="228600" indent="-228600">
+                  <a:buFont typeface="+mj-lt"/>
+                  <a:buAutoNum type="arabicPeriod"/>
+                </a:pPr>
+                <a:r>
+                  <a:rPr lang="en-GB" baseline="0" dirty="0" smtClean="0"/>
+                  <a:t>The sum over all these force vectors</a:t>
+                </a:r>
+                <a:r>
+                  <a:rPr lang="en-GB" dirty="0" smtClean="0"/>
+                  <a:t>, where</a:t>
+                </a:r>
+                <a:r>
+                  <a:rPr lang="en-GB" baseline="0" dirty="0" smtClean="0"/>
+                  <a:t> the pixel intensities </a:t>
+                </a:r>
+                <a:r>
+                  <a:rPr lang="en-GB" dirty="0" smtClean="0"/>
+                  <a:t> </a:t>
+                </a:r>
+                <a14:m>
+                  <m:oMath xmlns:m="http://schemas.openxmlformats.org/officeDocument/2006/math">
+                    <m:r>
+                      <a:rPr lang="en-GB" b="0" i="1" smtClean="0">
+                        <a:latin typeface="Cambria Math" panose="02040503050406030204" pitchFamily="18" charset="0"/>
+                      </a:rPr>
+                      <m:t>𝑃</m:t>
+                    </m:r>
+                    <m:d>
+                      <m:dPr>
+                        <m:ctrlPr>
+                          <a:rPr lang="en-GB" b="0" i="1" smtClean="0">
+                            <a:latin typeface="Cambria Math" panose="02040503050406030204" pitchFamily="18" charset="0"/>
+                          </a:rPr>
+                        </m:ctrlPr>
+                      </m:dPr>
+                      <m:e>
+                        <m:sSub>
+                          <m:sSubPr>
+                            <m:ctrlPr>
+                              <a:rPr lang="en-GB" b="0" i="1" smtClean="0">
+                                <a:latin typeface="Cambria Math" panose="02040503050406030204" pitchFamily="18" charset="0"/>
+                              </a:rPr>
+                            </m:ctrlPr>
+                          </m:sSubPr>
+                          <m:e>
+                            <m:r>
+                              <a:rPr lang="en-GB" b="0" i="1" smtClean="0">
+                                <a:latin typeface="Cambria Math" panose="02040503050406030204" pitchFamily="18" charset="0"/>
+                              </a:rPr>
+                              <m:t>𝑟</m:t>
+                            </m:r>
+                          </m:e>
+                          <m:sub>
+                            <m:r>
+                              <a:rPr lang="en-GB" b="0" i="1" smtClean="0">
+                                <a:latin typeface="Cambria Math" panose="02040503050406030204" pitchFamily="18" charset="0"/>
+                              </a:rPr>
+                              <m:t>𝑖</m:t>
+                            </m:r>
+                          </m:sub>
+                        </m:sSub>
+                      </m:e>
+                    </m:d>
+                  </m:oMath>
+                </a14:m>
+                <a:r>
+                  <a:rPr lang="en-GB" dirty="0" smtClean="0"/>
+                  <a:t> are unified, gives</a:t>
+                </a:r>
+                <a:r>
+                  <a:rPr lang="en-GB" baseline="0" dirty="0" smtClean="0"/>
+                  <a:t> the force field vector </a:t>
+                </a:r>
+                <a14:m>
+                  <m:oMath xmlns:m="http://schemas.openxmlformats.org/officeDocument/2006/math">
+                    <m:r>
+                      <a:rPr lang="en-GB" b="0" i="1" baseline="0" smtClean="0">
+                        <a:latin typeface="Cambria Math" panose="02040503050406030204" pitchFamily="18" charset="0"/>
+                      </a:rPr>
+                      <m:t>𝐹</m:t>
+                    </m:r>
+                    <m:d>
+                      <m:dPr>
+                        <m:ctrlPr>
+                          <a:rPr lang="en-GB" b="0" i="1" baseline="0" smtClean="0">
+                            <a:latin typeface="Cambria Math" panose="02040503050406030204" pitchFamily="18" charset="0"/>
+                          </a:rPr>
+                        </m:ctrlPr>
+                      </m:dPr>
+                      <m:e>
+                        <m:sSub>
+                          <m:sSubPr>
+                            <m:ctrlPr>
+                              <a:rPr lang="en-GB" b="0" i="1" baseline="0" smtClean="0">
+                                <a:latin typeface="Cambria Math" panose="02040503050406030204" pitchFamily="18" charset="0"/>
+                              </a:rPr>
+                            </m:ctrlPr>
+                          </m:sSubPr>
+                          <m:e>
+                            <m:r>
+                              <a:rPr lang="en-GB" b="0" i="1" baseline="0" smtClean="0">
+                                <a:latin typeface="Cambria Math" panose="02040503050406030204" pitchFamily="18" charset="0"/>
+                              </a:rPr>
+                              <m:t>𝑟</m:t>
+                            </m:r>
+                          </m:e>
+                          <m:sub>
+                            <m:r>
+                              <a:rPr lang="en-GB" b="0" i="1" baseline="0" smtClean="0">
+                                <a:latin typeface="Cambria Math" panose="02040503050406030204" pitchFamily="18" charset="0"/>
+                              </a:rPr>
+                              <m:t>𝑗</m:t>
+                            </m:r>
+                          </m:sub>
+                        </m:sSub>
+                      </m:e>
+                    </m:d>
+                  </m:oMath>
+                </a14:m>
+                <a:r>
+                  <a:rPr lang="en-GB" dirty="0" smtClean="0"/>
+                  <a:t> for that position </a:t>
+                </a:r>
+                <a14:m>
+                  <m:oMath xmlns:m="http://schemas.openxmlformats.org/officeDocument/2006/math">
+                    <m:sSub>
+                      <m:sSubPr>
+                        <m:ctrlPr>
+                          <a:rPr lang="en-GB" b="0" i="1" baseline="0" smtClean="0">
+                            <a:latin typeface="Cambria Math" panose="02040503050406030204" pitchFamily="18" charset="0"/>
+                          </a:rPr>
+                        </m:ctrlPr>
+                      </m:sSubPr>
+                      <m:e>
+                        <m:r>
+                          <a:rPr lang="en-GB" b="0" i="1" baseline="0" smtClean="0">
+                            <a:latin typeface="Cambria Math" panose="02040503050406030204" pitchFamily="18" charset="0"/>
+                          </a:rPr>
+                          <m:t>𝑟</m:t>
+                        </m:r>
+                      </m:e>
+                      <m:sub>
+                        <m:r>
+                          <a:rPr lang="en-GB" b="0" i="1" baseline="0" smtClean="0">
+                            <a:latin typeface="Cambria Math" panose="02040503050406030204" pitchFamily="18" charset="0"/>
+                          </a:rPr>
+                          <m:t>𝑗</m:t>
+                        </m:r>
+                      </m:sub>
+                    </m:sSub>
+                  </m:oMath>
+                </a14:m>
+                <a:endParaRPr lang="en-GB" dirty="0" smtClean="0"/>
+              </a:p>
+              <a:p>
+                <a:pPr marL="228600" indent="-228600">
+                  <a:buFont typeface="+mj-lt"/>
+                  <a:buAutoNum type="arabicPeriod"/>
+                </a:pPr>
+                <a:r>
+                  <a:rPr lang="en-GB" dirty="0" smtClean="0"/>
+                  <a:t>Same for the potential Energy field</a:t>
+                </a:r>
+                <a:r>
+                  <a:rPr lang="en-GB" baseline="0" dirty="0" smtClean="0"/>
+                  <a:t> that is associated with the force field generated by each pixel, </a:t>
+                </a:r>
+              </a:p>
+              <a:p>
+                <a:pPr marL="685800" lvl="1" indent="-228600">
+                  <a:buFont typeface="+mj-lt"/>
+                  <a:buAutoNum type="arabicPeriod"/>
+                </a:pPr>
+                <a:r>
+                  <a:rPr lang="en-GB" baseline="0" dirty="0" smtClean="0"/>
+                  <a:t>with </a:t>
+                </a:r>
+                <a14:m>
+                  <m:oMath xmlns:m="http://schemas.openxmlformats.org/officeDocument/2006/math">
+                    <m:sSub>
+                      <m:sSubPr>
+                        <m:ctrlPr>
+                          <a:rPr lang="en-GB" b="0" i="1" baseline="0" smtClean="0">
+                            <a:latin typeface="Cambria Math" panose="02040503050406030204" pitchFamily="18" charset="0"/>
+                          </a:rPr>
+                        </m:ctrlPr>
+                      </m:sSubPr>
+                      <m:e>
+                        <m:r>
+                          <a:rPr lang="en-GB" b="0" i="1" baseline="0" smtClean="0">
+                            <a:latin typeface="Cambria Math" panose="02040503050406030204" pitchFamily="18" charset="0"/>
+                          </a:rPr>
+                          <m:t>𝐸</m:t>
+                        </m:r>
+                      </m:e>
+                      <m:sub>
+                        <m:r>
+                          <a:rPr lang="en-GB" b="0" i="1" baseline="0" smtClean="0">
+                            <a:latin typeface="Cambria Math" panose="02040503050406030204" pitchFamily="18" charset="0"/>
+                          </a:rPr>
+                          <m:t>𝑖</m:t>
+                        </m:r>
+                      </m:sub>
+                    </m:sSub>
+                    <m:d>
+                      <m:dPr>
+                        <m:ctrlPr>
+                          <a:rPr lang="en-GB" b="0" i="1" baseline="0" smtClean="0">
+                            <a:latin typeface="Cambria Math" panose="02040503050406030204" pitchFamily="18" charset="0"/>
+                          </a:rPr>
+                        </m:ctrlPr>
+                      </m:dPr>
+                      <m:e>
+                        <m:sSub>
+                          <m:sSubPr>
+                            <m:ctrlPr>
+                              <a:rPr lang="en-GB" b="0" i="1" baseline="0" smtClean="0">
+                                <a:latin typeface="Cambria Math" panose="02040503050406030204" pitchFamily="18" charset="0"/>
+                              </a:rPr>
+                            </m:ctrlPr>
+                          </m:sSubPr>
+                          <m:e>
+                            <m:r>
+                              <a:rPr lang="en-GB" b="0" i="1" baseline="0" smtClean="0">
+                                <a:latin typeface="Cambria Math" panose="02040503050406030204" pitchFamily="18" charset="0"/>
+                              </a:rPr>
+                              <m:t>𝑟</m:t>
+                            </m:r>
+                          </m:e>
+                          <m:sub>
+                            <m:r>
+                              <a:rPr lang="en-GB" b="0" i="1" baseline="0" smtClean="0">
+                                <a:latin typeface="Cambria Math" panose="02040503050406030204" pitchFamily="18" charset="0"/>
+                              </a:rPr>
+                              <m:t>𝑗</m:t>
+                            </m:r>
+                          </m:sub>
+                        </m:sSub>
+                      </m:e>
+                    </m:d>
+                  </m:oMath>
+                </a14:m>
+                <a:r>
+                  <a:rPr lang="en-GB" dirty="0" smtClean="0"/>
+                  <a:t> being the potential energy that its</a:t>
+                </a:r>
+                <a:r>
+                  <a:rPr lang="en-GB" baseline="0" dirty="0" smtClean="0"/>
+                  <a:t> imparted to a pixel of unit intensity at the pixel location </a:t>
+                </a:r>
+                <a:r>
+                  <a:rPr lang="en-GB" baseline="0" dirty="0" err="1" smtClean="0"/>
+                  <a:t>r_j</a:t>
+                </a:r>
+                <a:r>
+                  <a:rPr lang="en-GB" baseline="0" dirty="0" smtClean="0"/>
+                  <a:t> by the energy field of any other pixel with position vector </a:t>
+                </a:r>
+                <a:r>
+                  <a:rPr lang="en-GB" baseline="0" dirty="0" err="1" smtClean="0"/>
+                  <a:t>r_i</a:t>
+                </a:r>
+                <a:r>
+                  <a:rPr lang="en-GB" baseline="0" dirty="0" smtClean="0"/>
+                  <a:t> and pixel intensity P(</a:t>
+                </a:r>
+                <a:r>
+                  <a:rPr lang="en-GB" baseline="0" dirty="0" err="1" smtClean="0"/>
+                  <a:t>r_i</a:t>
+                </a:r>
+                <a:r>
+                  <a:rPr lang="en-GB" baseline="0" dirty="0" smtClean="0"/>
+                  <a:t>)</a:t>
+                </a:r>
+                <a:endParaRPr lang="en-GB" dirty="0"/>
+              </a:p>
+            </p:txBody>
+          </p:sp>
+        </mc:Choice>
+        <mc:Fallback xmlns="">
+          <p:sp>
+            <p:nvSpPr>
+              <p:cNvPr id="3" name="Notizenplatzhalter 2"/>
+              <p:cNvSpPr>
+                <a:spLocks noGrp="1"/>
+              </p:cNvSpPr>
+              <p:nvPr>
+                <p:ph type="body" idx="1"/>
+              </p:nvPr>
+            </p:nvSpPr>
+            <p:spPr/>
+            <p:txBody>
+              <a:bodyPr/>
+              <a:lstStyle/>
+              <a:p>
+                <a:pPr marL="228600" indent="-228600">
+                  <a:buFont typeface="+mj-lt"/>
+                  <a:buAutoNum type="arabicPeriod"/>
+                </a:pPr>
+                <a:r>
+                  <a:rPr lang="en-GB" b="0" i="0" dirty="0" smtClean="0">
+                    <a:latin typeface="+mn-lt"/>
+                  </a:rPr>
+                  <a:t>The definition</a:t>
+                </a:r>
+                <a:r>
+                  <a:rPr lang="en-GB" b="0" i="0" baseline="0" dirty="0" smtClean="0">
+                    <a:latin typeface="+mn-lt"/>
+                  </a:rPr>
+                  <a:t> for force field vectors in the gravity domain: </a:t>
+                </a:r>
+                <a:r>
+                  <a:rPr lang="en-GB" sz="1200" b="0" i="0" smtClean="0">
+                    <a:latin typeface="Cambria Math" panose="02040503050406030204" pitchFamily="18" charset="0"/>
+                  </a:rPr>
+                  <a:t>𝐹</a:t>
+                </a:r>
+                <a:r>
+                  <a:rPr lang="en-GB" sz="1200" b="0" i="0" smtClean="0">
+                    <a:latin typeface="Cambria Math" panose="02040503050406030204" pitchFamily="18" charset="0"/>
+                  </a:rPr>
+                  <a:t>_</a:t>
+                </a:r>
+                <a:r>
+                  <a:rPr lang="en-GB" sz="1200" b="0" i="0" smtClean="0">
+                    <a:latin typeface="Cambria Math" panose="02040503050406030204" pitchFamily="18" charset="0"/>
+                  </a:rPr>
+                  <a:t>𝑖 (𝑟_𝑗 )=−𝐺 (𝑚_𝑖 𝑚_𝑗)/|</a:t>
+                </a:r>
+                <a:r>
+                  <a:rPr lang="en-GB" sz="1200" i="0">
+                    <a:latin typeface="Cambria Math" panose="02040503050406030204" pitchFamily="18" charset="0"/>
+                  </a:rPr>
+                  <a:t>𝑟_𝑖−𝑟_𝑗 |</a:t>
+                </a:r>
+                <a:r>
+                  <a:rPr lang="en-GB" sz="1200" b="0" i="0" smtClean="0">
+                    <a:latin typeface="Cambria Math" panose="02040503050406030204" pitchFamily="18" charset="0"/>
+                  </a:rPr>
+                  <a:t>^2 ⋅𝑟 ̂_𝑖𝑗</a:t>
+                </a:r>
+                <a:r>
+                  <a:rPr lang="en-GB" b="0" i="0" dirty="0" smtClean="0">
+                    <a:latin typeface="+mn-lt"/>
+                  </a:rPr>
+                  <a:t>, where </a:t>
+                </a:r>
+                <a:r>
+                  <a:rPr lang="en-GB" sz="1200" b="0" i="0" smtClean="0">
+                    <a:latin typeface="Cambria Math" panose="02040503050406030204" pitchFamily="18" charset="0"/>
+                  </a:rPr>
+                  <a:t>𝑟 ̂</a:t>
+                </a:r>
+                <a:r>
+                  <a:rPr lang="en-GB" sz="1200" b="0" i="0" smtClean="0">
+                    <a:latin typeface="Cambria Math" panose="02040503050406030204" pitchFamily="18" charset="0"/>
+                  </a:rPr>
+                  <a:t>_</a:t>
+                </a:r>
+                <a:r>
+                  <a:rPr lang="en-GB" sz="1200" b="0" i="0" smtClean="0">
+                    <a:latin typeface="Cambria Math" panose="02040503050406030204" pitchFamily="18" charset="0"/>
+                  </a:rPr>
+                  <a:t>𝑖𝑗</a:t>
+                </a:r>
+                <a:r>
+                  <a:rPr lang="en-GB" b="0" i="0" dirty="0" smtClean="0">
+                    <a:latin typeface="+mn-lt"/>
+                  </a:rPr>
+                  <a:t> is the unit vector</a:t>
+                </a:r>
+              </a:p>
+              <a:p>
+                <a:pPr marL="228600" indent="-228600">
+                  <a:buFont typeface="+mj-lt"/>
+                  <a:buAutoNum type="arabicPeriod"/>
+                </a:pPr>
+                <a:r>
+                  <a:rPr lang="en-GB" b="0" i="0" smtClean="0">
+                    <a:latin typeface="Cambria Math" panose="02040503050406030204" pitchFamily="18" charset="0"/>
+                  </a:rPr>
+                  <a:t>𝐹_𝑖 (𝑟_𝑗 )</a:t>
+                </a:r>
+                <a:r>
+                  <a:rPr lang="en-GB" dirty="0" smtClean="0"/>
+                  <a:t> is</a:t>
+                </a:r>
+                <a:r>
+                  <a:rPr lang="en-GB" baseline="0" dirty="0" smtClean="0"/>
+                  <a:t> the force field vector of a pixel position vector </a:t>
+                </a:r>
+                <a:r>
+                  <a:rPr lang="en-GB" b="0" i="0" baseline="0" smtClean="0">
+                    <a:latin typeface="Cambria Math" panose="02040503050406030204" pitchFamily="18" charset="0"/>
+                  </a:rPr>
+                  <a:t>𝑟_𝑗</a:t>
+                </a:r>
+                <a:r>
+                  <a:rPr lang="en-GB" baseline="0" dirty="0" smtClean="0"/>
+                  <a:t> that another vector </a:t>
+                </a:r>
+                <a:r>
+                  <a:rPr lang="en-GB" b="0" i="0" baseline="0" smtClean="0">
+                    <a:latin typeface="Cambria Math" panose="02040503050406030204" pitchFamily="18" charset="0"/>
+                  </a:rPr>
+                  <a:t>𝑟_𝑖</a:t>
+                </a:r>
+                <a:r>
+                  <a:rPr lang="en-GB" dirty="0" smtClean="0"/>
+                  <a:t> exerts on</a:t>
+                </a:r>
+                <a:r>
+                  <a:rPr lang="en-GB" baseline="0" dirty="0" smtClean="0"/>
+                  <a:t> it. </a:t>
+                </a:r>
+              </a:p>
+              <a:p>
+                <a:pPr marL="228600" indent="-228600">
+                  <a:buFont typeface="+mj-lt"/>
+                  <a:buAutoNum type="arabicPeriod"/>
+                </a:pPr>
+                <a:r>
+                  <a:rPr lang="en-GB" baseline="0" dirty="0" smtClean="0"/>
+                  <a:t>The sum over all these force vectors</a:t>
+                </a:r>
+                <a:r>
+                  <a:rPr lang="en-GB" dirty="0" smtClean="0"/>
+                  <a:t>, where</a:t>
+                </a:r>
+                <a:r>
+                  <a:rPr lang="en-GB" baseline="0" dirty="0" smtClean="0"/>
+                  <a:t> the pixel intensities </a:t>
+                </a:r>
+                <a:r>
+                  <a:rPr lang="en-GB" dirty="0" smtClean="0"/>
+                  <a:t> </a:t>
+                </a:r>
+                <a:r>
+                  <a:rPr lang="en-GB" b="0" i="0" smtClean="0">
+                    <a:latin typeface="Cambria Math" panose="02040503050406030204" pitchFamily="18" charset="0"/>
+                  </a:rPr>
+                  <a:t>𝑃(𝑟_𝑖 )</a:t>
+                </a:r>
+                <a:r>
+                  <a:rPr lang="en-GB" dirty="0" smtClean="0"/>
+                  <a:t> are unified, gives</a:t>
+                </a:r>
+                <a:r>
+                  <a:rPr lang="en-GB" baseline="0" dirty="0" smtClean="0"/>
+                  <a:t> the force field vector </a:t>
+                </a:r>
+                <a:r>
+                  <a:rPr lang="en-GB" b="0" i="0" baseline="0" smtClean="0">
+                    <a:latin typeface="Cambria Math" panose="02040503050406030204" pitchFamily="18" charset="0"/>
+                  </a:rPr>
+                  <a:t>𝐹</a:t>
+                </a:r>
+                <a:r>
+                  <a:rPr lang="en-GB" b="0" i="0" baseline="0" smtClean="0">
+                    <a:latin typeface="Cambria Math" panose="02040503050406030204" pitchFamily="18" charset="0"/>
+                  </a:rPr>
+                  <a:t>(𝑟_𝑗 )</a:t>
+                </a:r>
+                <a:r>
+                  <a:rPr lang="en-GB" dirty="0" smtClean="0"/>
+                  <a:t> for that position </a:t>
+                </a:r>
+                <a:r>
+                  <a:rPr lang="en-GB" b="0" i="0" baseline="0" smtClean="0">
+                    <a:latin typeface="Cambria Math" panose="02040503050406030204" pitchFamily="18" charset="0"/>
+                  </a:rPr>
+                  <a:t>𝑟</a:t>
+                </a:r>
+                <a:r>
+                  <a:rPr lang="en-GB" b="0" i="0" baseline="0" smtClean="0">
+                    <a:latin typeface="Cambria Math" panose="02040503050406030204" pitchFamily="18" charset="0"/>
+                  </a:rPr>
+                  <a:t>_</a:t>
+                </a:r>
+                <a:r>
+                  <a:rPr lang="en-GB" b="0" i="0" baseline="0" smtClean="0">
+                    <a:latin typeface="Cambria Math" panose="02040503050406030204" pitchFamily="18" charset="0"/>
+                  </a:rPr>
+                  <a:t>𝑗</a:t>
+                </a:r>
+                <a:endParaRPr lang="en-GB" dirty="0" smtClean="0"/>
+              </a:p>
+              <a:p>
+                <a:pPr marL="228600" indent="-228600">
+                  <a:buFont typeface="+mj-lt"/>
+                  <a:buAutoNum type="arabicPeriod"/>
+                </a:pPr>
+                <a:r>
+                  <a:rPr lang="en-GB" dirty="0" smtClean="0"/>
+                  <a:t>Same for Energy</a:t>
+                </a:r>
+                <a:endParaRPr lang="en-GB" dirty="0"/>
+              </a:p>
+            </p:txBody>
+          </p:sp>
+        </mc:Fallback>
+      </mc:AlternateContent>
+      <p:sp>
+        <p:nvSpPr>
+          <p:cNvPr id="4" name="Foliennummernplatzhalter 3"/>
+          <p:cNvSpPr>
+            <a:spLocks noGrp="1"/>
+          </p:cNvSpPr>
+          <p:nvPr>
+            <p:ph type="sldNum" sz="quarter" idx="10"/>
+          </p:nvPr>
+        </p:nvSpPr>
+        <p:spPr/>
+        <p:txBody>
+          <a:bodyPr/>
+          <a:lstStyle/>
+          <a:p>
+            <a:fld id="{EF2D93C9-B2FF-4D76-8851-D84BA33B2773}" type="slidenum">
+              <a:rPr lang="en-GB" smtClean="0"/>
+              <a:t>12</a:t>
+            </a:fld>
+            <a:endParaRPr lang="en-GB"/>
+          </a:p>
+        </p:txBody>
+      </p:sp>
+    </p:spTree>
+    <p:extLst>
+      <p:ext uri="{BB962C8B-B14F-4D97-AF65-F5344CB8AC3E}">
+        <p14:creationId xmlns:p14="http://schemas.microsoft.com/office/powerpoint/2010/main" val="2199981600"/>
+      </p:ext>
+    </p:extLst>
+  </p:cSld>
+  <p:clrMapOvr>
+    <a:masterClrMapping/>
+  </p:clrMapOvr>
+</p:notes>
+</file>
+
+<file path=ppt/notesSlides/notesSlide12.xml><?xml version="1.0" encoding="utf-8"?>
+<p:notes xmlns:a="http://schemas.openxmlformats.org/drawingml/2006/main" xmlns:r="http://schemas.openxmlformats.org/officeDocument/2006/relationships" xmlns:p="http://schemas.openxmlformats.org/presentationml/2006/main">
+  <p:cSld>
+    <p:spTree>
+      <p:nvGrpSpPr>
+        <p:cNvPr id="1" name=""/>
+        <p:cNvGrpSpPr/>
+        <p:nvPr/>
+      </p:nvGrpSpPr>
+      <p:grpSpPr>
+        <a:xfrm>
+          <a:off x="0" y="0"/>
+          <a:ext cx="0" cy="0"/>
+          <a:chOff x="0" y="0"/>
+          <a:chExt cx="0" cy="0"/>
+        </a:xfrm>
+      </p:grpSpPr>
+      <p:sp>
+        <p:nvSpPr>
+          <p:cNvPr id="2" name="Folienbildplatzhalter 1"/>
+          <p:cNvSpPr>
+            <a:spLocks noGrp="1" noRot="1" noChangeAspect="1"/>
+          </p:cNvSpPr>
+          <p:nvPr>
+            <p:ph type="sldImg"/>
+          </p:nvPr>
+        </p:nvSpPr>
+        <p:spPr/>
+      </p:sp>
       <p:sp>
         <p:nvSpPr>
           <p:cNvPr id="3" name="Notizenplatzhalter 2"/>
@@ -661,7 +2816,7 @@
           <a:p>
             <a:fld id="{EF2D93C9-B2FF-4D76-8851-D84BA33B2773}" type="slidenum">
               <a:rPr lang="en-GB" smtClean="0"/>
-              <a:t>11</a:t>
+              <a:t>13</a:t>
             </a:fld>
             <a:endParaRPr lang="en-GB"/>
           </a:p>
@@ -680,7 +2835,7 @@
 </p:notes>
 </file>
 
-<file path=ppt/notesSlides/notesSlide11.xml><?xml version="1.0" encoding="utf-8"?>
+<file path=ppt/notesSlides/notesSlide13.xml><?xml version="1.0" encoding="utf-8"?>
 <p:notes xmlns:a="http://schemas.openxmlformats.org/drawingml/2006/main" xmlns:r="http://schemas.openxmlformats.org/officeDocument/2006/relationships" xmlns:p="http://schemas.openxmlformats.org/presentationml/2006/main">
   <p:cSld>
     <p:spTree>
@@ -804,7 +2959,7 @@
           <a:p>
             <a:fld id="{EF2D93C9-B2FF-4D76-8851-D84BA33B2773}" type="slidenum">
               <a:rPr lang="en-GB" smtClean="0"/>
-              <a:t>12</a:t>
+              <a:t>14</a:t>
             </a:fld>
             <a:endParaRPr lang="en-GB"/>
           </a:p>
@@ -823,7 +2978,7 @@
 </p:notes>
 </file>
 
-<file path=ppt/notesSlides/notesSlide12.xml><?xml version="1.0" encoding="utf-8"?>
+<file path=ppt/notesSlides/notesSlide14.xml><?xml version="1.0" encoding="utf-8"?>
 <p:notes xmlns:a="http://schemas.openxmlformats.org/drawingml/2006/main" xmlns:r="http://schemas.openxmlformats.org/officeDocument/2006/relationships" xmlns:p="http://schemas.openxmlformats.org/presentationml/2006/main">
   <p:cSld>
     <p:spTree>
@@ -970,7 +3125,7 @@
           <a:p>
             <a:fld id="{EF2D93C9-B2FF-4D76-8851-D84BA33B2773}" type="slidenum">
               <a:rPr lang="en-GB" smtClean="0"/>
-              <a:t>13</a:t>
+              <a:t>15</a:t>
             </a:fld>
             <a:endParaRPr lang="en-GB"/>
           </a:p>
@@ -989,7 +3144,7 @@
 </p:notes>
 </file>
 
-<file path=ppt/notesSlides/notesSlide13.xml><?xml version="1.0" encoding="utf-8"?>
+<file path=ppt/notesSlides/notesSlide15.xml><?xml version="1.0" encoding="utf-8"?>
 <p:notes xmlns:a="http://schemas.openxmlformats.org/drawingml/2006/main" xmlns:r="http://schemas.openxmlformats.org/officeDocument/2006/relationships" xmlns:p="http://schemas.openxmlformats.org/presentationml/2006/main">
   <p:cSld>
     <p:spTree>
@@ -1037,84 +3192,6 @@
               <a:buFont typeface="+mj-lt"/>
               <a:buAutoNum type="arabicPeriod"/>
             </a:pPr>
-            <a:r>
-              <a:rPr lang="en-GB" baseline="0" dirty="0" smtClean="0"/>
-              <a:t>Show scale invariance, </a:t>
-            </a:r>
-            <a:r>
-              <a:rPr lang="en-GB" baseline="0" dirty="0" err="1" smtClean="0"/>
-              <a:t>initialisaition</a:t>
-            </a:r>
-            <a:r>
-              <a:rPr lang="en-GB" baseline="0" dirty="0" smtClean="0"/>
-              <a:t> invariance follows: It can be shown that the force and energy fields scale by the same factor by which the image was scaled. This results from the fact that larger distance imply weaker forces</a:t>
-            </a:r>
-            <a:endParaRPr lang="en-GB" dirty="0" smtClean="0"/>
-          </a:p>
-          <a:p>
-            <a:pPr marL="228600" indent="-228600">
-              <a:buFont typeface="+mj-lt"/>
-              <a:buAutoNum type="arabicPeriod"/>
-            </a:pPr>
-            <a:r>
-              <a:rPr lang="en-GB" smtClean="0"/>
-              <a:t>O</a:t>
-            </a:r>
-            <a:endParaRPr lang="en-GB" dirty="0" smtClean="0"/>
-          </a:p>
-          <a:p>
-            <a:pPr marL="228600" indent="-228600">
-              <a:buFont typeface="+mj-lt"/>
-              <a:buAutoNum type="arabicPeriod"/>
-            </a:pPr>
-            <a:r>
-              <a:rPr lang="en-GB" dirty="0" smtClean="0"/>
-              <a:t>O</a:t>
-            </a:r>
-          </a:p>
-          <a:p>
-            <a:pPr marL="228600" indent="-228600">
-              <a:buFont typeface="+mj-lt"/>
-              <a:buAutoNum type="arabicPeriod"/>
-            </a:pPr>
-            <a:r>
-              <a:rPr lang="en-GB" dirty="0" smtClean="0"/>
-              <a:t>Representation</a:t>
-            </a:r>
-            <a:r>
-              <a:rPr lang="en-GB" baseline="0" dirty="0" smtClean="0"/>
-              <a:t> matrices are square and invertible, which was confirmed by test on different sized images</a:t>
-            </a:r>
-          </a:p>
-          <a:p>
-            <a:pPr marL="228600" indent="-228600">
-              <a:buFont typeface="+mj-lt"/>
-              <a:buAutoNum type="arabicPeriod"/>
-            </a:pPr>
-            <a:r>
-              <a:rPr lang="en-GB" baseline="0" dirty="0" smtClean="0"/>
-              <a:t>Confirmed by measured averaged normalised distance of the well positions together with the accumulated direction to the position of each well-point from a chosen reference point</a:t>
-            </a:r>
-          </a:p>
-          <a:p>
-            <a:pPr marL="685800" lvl="1" indent="-228600">
-              <a:buFont typeface="+mj-lt"/>
-              <a:buAutoNum type="arabicPeriod"/>
-            </a:pPr>
-            <a:r>
-              <a:rPr lang="en-GB" baseline="0" dirty="0" smtClean="0"/>
-              <a:t>Use enough initialisation points to ensure all wells are extracted</a:t>
-            </a:r>
-          </a:p>
-          <a:p>
-            <a:pPr marL="685800" lvl="1" indent="-228600">
-              <a:buFont typeface="+mj-lt"/>
-              <a:buAutoNum type="arabicPeriod"/>
-            </a:pPr>
-            <a:r>
-              <a:rPr lang="en-GB" baseline="0" dirty="0" smtClean="0"/>
-              <a:t>For Robustness against noise: Use channels instead of wells positions</a:t>
-            </a:r>
             <a:endParaRPr lang="en-GB" dirty="0"/>
           </a:p>
         </p:txBody>
@@ -1136,7 +3213,7 @@
           <a:p>
             <a:fld id="{EF2D93C9-B2FF-4D76-8851-D84BA33B2773}" type="slidenum">
               <a:rPr lang="en-GB" smtClean="0"/>
-              <a:t>14</a:t>
+              <a:t>20</a:t>
             </a:fld>
             <a:endParaRPr lang="en-GB"/>
           </a:p>
@@ -1145,7 +3222,7 @@
     </p:spTree>
     <p:extLst>
       <p:ext uri="{BB962C8B-B14F-4D97-AF65-F5344CB8AC3E}">
-        <p14:creationId xmlns:p14="http://schemas.microsoft.com/office/powerpoint/2010/main" val="1710153668"/>
+        <p14:creationId xmlns:p14="http://schemas.microsoft.com/office/powerpoint/2010/main" val="2317080175"/>
       </p:ext>
     </p:extLst>
   </p:cSld>
@@ -1155,7 +3232,7 @@
 </p:notes>
 </file>
 
-<file path=ppt/notesSlides/notesSlide14.xml><?xml version="1.0" encoding="utf-8"?>
+<file path=ppt/notesSlides/notesSlide16.xml><?xml version="1.0" encoding="utf-8"?>
 <p:notes xmlns:a="http://schemas.openxmlformats.org/drawingml/2006/main" xmlns:r="http://schemas.openxmlformats.org/officeDocument/2006/relationships" xmlns:p="http://schemas.openxmlformats.org/presentationml/2006/main">
   <p:cSld>
     <p:spTree>
@@ -1220,7 +3297,7 @@
           <a:p>
             <a:fld id="{EF2D93C9-B2FF-4D76-8851-D84BA33B2773}" type="slidenum">
               <a:rPr lang="en-GB" smtClean="0"/>
-              <a:t>20</a:t>
+              <a:t>23</a:t>
             </a:fld>
             <a:endParaRPr lang="en-GB"/>
           </a:p>
@@ -12132,6 +14209,3838 @@
         </p:nvSpPr>
         <p:spPr/>
         <p:txBody>
+          <a:bodyPr>
+            <a:normAutofit/>
+          </a:bodyPr>
+          <a:lstStyle/>
+          <a:p>
+            <a:r>
+              <a:rPr lang="en-GB" dirty="0"/>
+              <a:t>Method</a:t>
+            </a:r>
+          </a:p>
+        </p:txBody>
+      </p:sp>
+      <p:sp>
+        <p:nvSpPr>
+          <p:cNvPr id="4" name="Datumsplatzhalter 3"/>
+          <p:cNvSpPr>
+            <a:spLocks noGrp="1"/>
+          </p:cNvSpPr>
+          <p:nvPr>
+            <p:ph type="dt" sz="half" idx="10"/>
+          </p:nvPr>
+        </p:nvSpPr>
+        <p:spPr/>
+        <p:txBody>
+          <a:bodyPr/>
+          <a:lstStyle/>
+          <a:p>
+            <a:r>
+              <a:rPr lang="en-US" smtClean="0"/>
+              <a:t>Ganiyu Ibraheem  Philipp Seybold</a:t>
+            </a:r>
+            <a:endParaRPr lang="en-GB" dirty="0"/>
+          </a:p>
+        </p:txBody>
+      </p:sp>
+      <p:sp>
+        <p:nvSpPr>
+          <p:cNvPr id="5" name="Fußzeilenplatzhalter 4"/>
+          <p:cNvSpPr>
+            <a:spLocks noGrp="1"/>
+          </p:cNvSpPr>
+          <p:nvPr>
+            <p:ph type="ftr" sz="quarter" idx="11"/>
+          </p:nvPr>
+        </p:nvSpPr>
+        <p:spPr/>
+        <p:txBody>
+          <a:bodyPr/>
+          <a:lstStyle/>
+          <a:p>
+            <a:r>
+              <a:rPr lang="en-GB" dirty="0" smtClean="0"/>
+              <a:t>COMP6206 Advanced Computer Vision</a:t>
+            </a:r>
+            <a:endParaRPr lang="en-GB" dirty="0"/>
+          </a:p>
+        </p:txBody>
+      </p:sp>
+      <p:sp>
+        <p:nvSpPr>
+          <p:cNvPr id="6" name="Foliennummernplatzhalter 5"/>
+          <p:cNvSpPr>
+            <a:spLocks noGrp="1"/>
+          </p:cNvSpPr>
+          <p:nvPr>
+            <p:ph type="sldNum" sz="quarter" idx="12"/>
+          </p:nvPr>
+        </p:nvSpPr>
+        <p:spPr/>
+        <p:txBody>
+          <a:bodyPr/>
+          <a:lstStyle/>
+          <a:p>
+            <a:fld id="{FB9D3F8E-99BC-4812-95D4-548B8E992B94}" type="slidenum">
+              <a:rPr lang="en-GB" smtClean="0"/>
+              <a:t>11</a:t>
+            </a:fld>
+            <a:endParaRPr lang="en-GB"/>
+          </a:p>
+        </p:txBody>
+      </p:sp>
+      <mc:AlternateContent xmlns:mc="http://schemas.openxmlformats.org/markup-compatibility/2006" xmlns:a14="http://schemas.microsoft.com/office/drawing/2010/main">
+        <mc:Choice Requires="a14">
+          <p:sp>
+            <p:nvSpPr>
+              <p:cNvPr id="15" name="Textfeld 14"/>
+              <p:cNvSpPr txBox="1"/>
+              <p:nvPr/>
+            </p:nvSpPr>
+            <p:spPr>
+              <a:xfrm>
+                <a:off x="324091" y="4531358"/>
+                <a:ext cx="8414795" cy="1565172"/>
+              </a:xfrm>
+              <a:prstGeom prst="rect">
+                <a:avLst/>
+              </a:prstGeom>
+              <a:noFill/>
+            </p:spPr>
+            <p:txBody>
+              <a:bodyPr wrap="square" rtlCol="0">
+                <a:spAutoFit/>
+              </a:bodyPr>
+              <a:lstStyle/>
+              <a:p>
+                <a14:m>
+                  <m:oMath xmlns:m="http://schemas.openxmlformats.org/officeDocument/2006/math">
+                    <m:sSub>
+                      <m:sSubPr>
+                        <m:ctrlPr>
+                          <a:rPr lang="en-GB" sz="2400" b="0" i="1" smtClean="0">
+                            <a:latin typeface="Cambria Math" panose="02040503050406030204" pitchFamily="18" charset="0"/>
+                          </a:rPr>
+                        </m:ctrlPr>
+                      </m:sSubPr>
+                      <m:e>
+                        <m:r>
+                          <a:rPr lang="en-GB" sz="2400" b="0" i="1" smtClean="0">
+                            <a:latin typeface="Cambria Math" panose="02040503050406030204" pitchFamily="18" charset="0"/>
+                          </a:rPr>
+                          <m:t>𝐹</m:t>
+                        </m:r>
+                      </m:e>
+                      <m:sub>
+                        <m:r>
+                          <a:rPr lang="en-GB" sz="2400" b="0" i="1" smtClean="0">
+                            <a:latin typeface="Cambria Math" panose="02040503050406030204" pitchFamily="18" charset="0"/>
+                          </a:rPr>
+                          <m:t>𝑖</m:t>
+                        </m:r>
+                      </m:sub>
+                    </m:sSub>
+                    <m:d>
+                      <m:dPr>
+                        <m:ctrlPr>
+                          <a:rPr lang="en-GB" sz="2400" b="0" i="1" smtClean="0">
+                            <a:latin typeface="Cambria Math" panose="02040503050406030204" pitchFamily="18" charset="0"/>
+                          </a:rPr>
+                        </m:ctrlPr>
+                      </m:dPr>
+                      <m:e>
+                        <m:sSub>
+                          <m:sSubPr>
+                            <m:ctrlPr>
+                              <a:rPr lang="en-GB" sz="2400" b="0" i="1" smtClean="0">
+                                <a:latin typeface="Cambria Math" panose="02040503050406030204" pitchFamily="18" charset="0"/>
+                              </a:rPr>
+                            </m:ctrlPr>
+                          </m:sSubPr>
+                          <m:e>
+                            <m:r>
+                              <a:rPr lang="en-GB" sz="2400" b="0" i="1" smtClean="0">
+                                <a:latin typeface="Cambria Math" panose="02040503050406030204" pitchFamily="18" charset="0"/>
+                              </a:rPr>
+                              <m:t>𝑟</m:t>
+                            </m:r>
+                          </m:e>
+                          <m:sub>
+                            <m:r>
+                              <a:rPr lang="en-GB" sz="2400" b="0" i="1" smtClean="0">
+                                <a:latin typeface="Cambria Math" panose="02040503050406030204" pitchFamily="18" charset="0"/>
+                              </a:rPr>
+                              <m:t>𝑗</m:t>
+                            </m:r>
+                          </m:sub>
+                        </m:sSub>
+                      </m:e>
+                    </m:d>
+                    <m:r>
+                      <a:rPr lang="en-GB" sz="2400" b="0" i="1" smtClean="0">
+                        <a:latin typeface="Cambria Math" panose="02040503050406030204" pitchFamily="18" charset="0"/>
+                      </a:rPr>
+                      <m:t>=−</m:t>
+                    </m:r>
+                    <m:r>
+                      <a:rPr lang="en-GB" sz="2400" b="0" i="1" smtClean="0">
+                        <a:latin typeface="Cambria Math" panose="02040503050406030204" pitchFamily="18" charset="0"/>
+                      </a:rPr>
+                      <m:t>𝐺</m:t>
+                    </m:r>
+                    <m:f>
+                      <m:fPr>
+                        <m:ctrlPr>
+                          <a:rPr lang="en-GB" sz="2400" b="0" i="1" smtClean="0">
+                            <a:latin typeface="Cambria Math" panose="02040503050406030204" pitchFamily="18" charset="0"/>
+                          </a:rPr>
+                        </m:ctrlPr>
+                      </m:fPr>
+                      <m:num>
+                        <m:sSub>
+                          <m:sSubPr>
+                            <m:ctrlPr>
+                              <a:rPr lang="en-GB" sz="2400" b="0" i="1" smtClean="0">
+                                <a:latin typeface="Cambria Math" panose="02040503050406030204" pitchFamily="18" charset="0"/>
+                              </a:rPr>
+                            </m:ctrlPr>
+                          </m:sSubPr>
+                          <m:e>
+                            <m:r>
+                              <a:rPr lang="en-GB" sz="2400" b="0" i="1" smtClean="0">
+                                <a:latin typeface="Cambria Math" panose="02040503050406030204" pitchFamily="18" charset="0"/>
+                              </a:rPr>
+                              <m:t>𝑚</m:t>
+                            </m:r>
+                          </m:e>
+                          <m:sub>
+                            <m:r>
+                              <a:rPr lang="en-GB" sz="2400" b="0" i="1" smtClean="0">
+                                <a:latin typeface="Cambria Math" panose="02040503050406030204" pitchFamily="18" charset="0"/>
+                              </a:rPr>
+                              <m:t>𝑖</m:t>
+                            </m:r>
+                          </m:sub>
+                        </m:sSub>
+                        <m:sSub>
+                          <m:sSubPr>
+                            <m:ctrlPr>
+                              <a:rPr lang="en-GB" sz="2400" b="0" i="1" smtClean="0">
+                                <a:latin typeface="Cambria Math" panose="02040503050406030204" pitchFamily="18" charset="0"/>
+                              </a:rPr>
+                            </m:ctrlPr>
+                          </m:sSubPr>
+                          <m:e>
+                            <m:r>
+                              <a:rPr lang="en-GB" sz="2400" b="0" i="1" smtClean="0">
+                                <a:latin typeface="Cambria Math" panose="02040503050406030204" pitchFamily="18" charset="0"/>
+                              </a:rPr>
+                              <m:t>𝑚</m:t>
+                            </m:r>
+                          </m:e>
+                          <m:sub>
+                            <m:r>
+                              <a:rPr lang="en-GB" sz="2400" b="0" i="1" smtClean="0">
+                                <a:latin typeface="Cambria Math" panose="02040503050406030204" pitchFamily="18" charset="0"/>
+                              </a:rPr>
+                              <m:t>𝑗</m:t>
+                            </m:r>
+                          </m:sub>
+                        </m:sSub>
+                      </m:num>
+                      <m:den>
+                        <m:sSup>
+                          <m:sSupPr>
+                            <m:ctrlPr>
+                              <a:rPr lang="en-GB" sz="2400" b="0" i="1" smtClean="0">
+                                <a:latin typeface="Cambria Math" panose="02040503050406030204" pitchFamily="18" charset="0"/>
+                              </a:rPr>
+                            </m:ctrlPr>
+                          </m:sSupPr>
+                          <m:e>
+                            <m:d>
+                              <m:dPr>
+                                <m:begChr m:val="|"/>
+                                <m:endChr m:val="|"/>
+                                <m:ctrlPr>
+                                  <a:rPr lang="en-GB" sz="2400" b="0" i="1" smtClean="0">
+                                    <a:latin typeface="Cambria Math" panose="02040503050406030204" pitchFamily="18" charset="0"/>
+                                  </a:rPr>
+                                </m:ctrlPr>
+                              </m:dPr>
+                              <m:e>
+                                <m:sSub>
+                                  <m:sSubPr>
+                                    <m:ctrlPr>
+                                      <a:rPr lang="en-GB" sz="2400" i="1">
+                                        <a:latin typeface="Cambria Math" panose="02040503050406030204" pitchFamily="18" charset="0"/>
+                                      </a:rPr>
+                                    </m:ctrlPr>
+                                  </m:sSubPr>
+                                  <m:e>
+                                    <m:r>
+                                      <a:rPr lang="en-GB" sz="2400" i="1">
+                                        <a:latin typeface="Cambria Math" panose="02040503050406030204" pitchFamily="18" charset="0"/>
+                                      </a:rPr>
+                                      <m:t>𝑟</m:t>
+                                    </m:r>
+                                  </m:e>
+                                  <m:sub>
+                                    <m:r>
+                                      <a:rPr lang="en-GB" sz="2400" i="1">
+                                        <a:latin typeface="Cambria Math" panose="02040503050406030204" pitchFamily="18" charset="0"/>
+                                      </a:rPr>
+                                      <m:t>𝑖</m:t>
+                                    </m:r>
+                                  </m:sub>
+                                </m:sSub>
+                                <m:r>
+                                  <a:rPr lang="en-GB" sz="2400" i="1">
+                                    <a:latin typeface="Cambria Math" panose="02040503050406030204" pitchFamily="18" charset="0"/>
+                                  </a:rPr>
+                                  <m:t>−</m:t>
+                                </m:r>
+                                <m:sSub>
+                                  <m:sSubPr>
+                                    <m:ctrlPr>
+                                      <a:rPr lang="en-GB" sz="2400" i="1">
+                                        <a:latin typeface="Cambria Math" panose="02040503050406030204" pitchFamily="18" charset="0"/>
+                                      </a:rPr>
+                                    </m:ctrlPr>
+                                  </m:sSubPr>
+                                  <m:e>
+                                    <m:r>
+                                      <a:rPr lang="en-GB" sz="2400" i="1">
+                                        <a:latin typeface="Cambria Math" panose="02040503050406030204" pitchFamily="18" charset="0"/>
+                                      </a:rPr>
+                                      <m:t>𝑟</m:t>
+                                    </m:r>
+                                  </m:e>
+                                  <m:sub>
+                                    <m:r>
+                                      <a:rPr lang="en-GB" sz="2400" i="1">
+                                        <a:latin typeface="Cambria Math" panose="02040503050406030204" pitchFamily="18" charset="0"/>
+                                      </a:rPr>
+                                      <m:t>𝑗</m:t>
+                                    </m:r>
+                                  </m:sub>
+                                </m:sSub>
+                              </m:e>
+                            </m:d>
+                          </m:e>
+                          <m:sup>
+                            <m:r>
+                              <a:rPr lang="en-GB" sz="2400" b="0" i="1" smtClean="0">
+                                <a:latin typeface="Cambria Math" panose="02040503050406030204" pitchFamily="18" charset="0"/>
+                              </a:rPr>
+                              <m:t>2</m:t>
+                            </m:r>
+                          </m:sup>
+                        </m:sSup>
+                      </m:den>
+                    </m:f>
+                    <m:r>
+                      <a:rPr lang="en-GB" sz="2400" b="0" i="1" smtClean="0">
+                        <a:latin typeface="Cambria Math" panose="02040503050406030204" pitchFamily="18" charset="0"/>
+                      </a:rPr>
+                      <m:t>⋅</m:t>
+                    </m:r>
+                    <m:sSub>
+                      <m:sSubPr>
+                        <m:ctrlPr>
+                          <a:rPr lang="en-GB" sz="2400" b="0" i="1" smtClean="0">
+                            <a:latin typeface="Cambria Math" panose="02040503050406030204" pitchFamily="18" charset="0"/>
+                          </a:rPr>
+                        </m:ctrlPr>
+                      </m:sSubPr>
+                      <m:e>
+                        <m:acc>
+                          <m:accPr>
+                            <m:chr m:val="̂"/>
+                            <m:ctrlPr>
+                              <a:rPr lang="en-GB" sz="2400" b="0" i="1" smtClean="0">
+                                <a:latin typeface="Cambria Math" panose="02040503050406030204" pitchFamily="18" charset="0"/>
+                              </a:rPr>
+                            </m:ctrlPr>
+                          </m:accPr>
+                          <m:e>
+                            <m:r>
+                              <a:rPr lang="en-GB" sz="2400" b="0" i="1" smtClean="0">
+                                <a:latin typeface="Cambria Math" panose="02040503050406030204" pitchFamily="18" charset="0"/>
+                              </a:rPr>
+                              <m:t>𝑟</m:t>
+                            </m:r>
+                          </m:e>
+                        </m:acc>
+                      </m:e>
+                      <m:sub>
+                        <m:r>
+                          <a:rPr lang="en-GB" sz="2400" b="0" i="1" smtClean="0">
+                            <a:latin typeface="Cambria Math" panose="02040503050406030204" pitchFamily="18" charset="0"/>
+                          </a:rPr>
+                          <m:t>𝑖𝑗</m:t>
+                        </m:r>
+                      </m:sub>
+                    </m:sSub>
+                    <m:r>
+                      <a:rPr lang="en-GB" sz="2400" b="0" i="1" smtClean="0">
+                        <a:latin typeface="Cambria Math" panose="02040503050406030204" pitchFamily="18" charset="0"/>
+                      </a:rPr>
+                      <m:t>⇒ </m:t>
+                    </m:r>
+                    <m:r>
+                      <a:rPr lang="en-GB" sz="2400" i="1">
+                        <a:latin typeface="Cambria Math" panose="02040503050406030204" pitchFamily="18" charset="0"/>
+                      </a:rPr>
+                      <m:t>𝑃</m:t>
+                    </m:r>
+                    <m:d>
+                      <m:dPr>
+                        <m:ctrlPr>
+                          <a:rPr lang="en-GB" sz="2400" i="1">
+                            <a:latin typeface="Cambria Math" panose="02040503050406030204" pitchFamily="18" charset="0"/>
+                          </a:rPr>
+                        </m:ctrlPr>
+                      </m:dPr>
+                      <m:e>
+                        <m:sSub>
+                          <m:sSubPr>
+                            <m:ctrlPr>
+                              <a:rPr lang="en-GB" sz="2400" i="1">
+                                <a:latin typeface="Cambria Math" panose="02040503050406030204" pitchFamily="18" charset="0"/>
+                              </a:rPr>
+                            </m:ctrlPr>
+                          </m:sSubPr>
+                          <m:e>
+                            <m:r>
+                              <a:rPr lang="en-GB" sz="2400" i="1">
+                                <a:latin typeface="Cambria Math" panose="02040503050406030204" pitchFamily="18" charset="0"/>
+                              </a:rPr>
+                              <m:t>𝑟</m:t>
+                            </m:r>
+                          </m:e>
+                          <m:sub>
+                            <m:r>
+                              <a:rPr lang="en-GB" sz="2400" i="1">
+                                <a:latin typeface="Cambria Math" panose="02040503050406030204" pitchFamily="18" charset="0"/>
+                              </a:rPr>
+                              <m:t>𝑖</m:t>
+                            </m:r>
+                          </m:sub>
+                        </m:sSub>
+                      </m:e>
+                    </m:d>
+                    <m:f>
+                      <m:fPr>
+                        <m:ctrlPr>
+                          <a:rPr lang="en-GB" sz="2400" i="1">
+                            <a:latin typeface="Cambria Math" panose="02040503050406030204" pitchFamily="18" charset="0"/>
+                          </a:rPr>
+                        </m:ctrlPr>
+                      </m:fPr>
+                      <m:num>
+                        <m:sSub>
+                          <m:sSubPr>
+                            <m:ctrlPr>
+                              <a:rPr lang="en-GB" sz="2400" i="1">
+                                <a:latin typeface="Cambria Math" panose="02040503050406030204" pitchFamily="18" charset="0"/>
+                              </a:rPr>
+                            </m:ctrlPr>
+                          </m:sSubPr>
+                          <m:e>
+                            <m:r>
+                              <a:rPr lang="en-GB" sz="2400" i="1">
+                                <a:latin typeface="Cambria Math" panose="02040503050406030204" pitchFamily="18" charset="0"/>
+                              </a:rPr>
+                              <m:t>𝑟</m:t>
+                            </m:r>
+                          </m:e>
+                          <m:sub>
+                            <m:r>
+                              <a:rPr lang="en-GB" sz="2400" i="1">
+                                <a:latin typeface="Cambria Math" panose="02040503050406030204" pitchFamily="18" charset="0"/>
+                              </a:rPr>
+                              <m:t>𝑖</m:t>
+                            </m:r>
+                          </m:sub>
+                        </m:sSub>
+                        <m:r>
+                          <a:rPr lang="en-GB" sz="2400" i="1">
+                            <a:latin typeface="Cambria Math" panose="02040503050406030204" pitchFamily="18" charset="0"/>
+                          </a:rPr>
+                          <m:t>−</m:t>
+                        </m:r>
+                        <m:sSub>
+                          <m:sSubPr>
+                            <m:ctrlPr>
+                              <a:rPr lang="en-GB" sz="2400" i="1">
+                                <a:latin typeface="Cambria Math" panose="02040503050406030204" pitchFamily="18" charset="0"/>
+                              </a:rPr>
+                            </m:ctrlPr>
+                          </m:sSubPr>
+                          <m:e>
+                            <m:r>
+                              <a:rPr lang="en-GB" sz="2400" i="1">
+                                <a:latin typeface="Cambria Math" panose="02040503050406030204" pitchFamily="18" charset="0"/>
+                              </a:rPr>
+                              <m:t>𝑟</m:t>
+                            </m:r>
+                          </m:e>
+                          <m:sub>
+                            <m:r>
+                              <a:rPr lang="en-GB" sz="2400" i="1">
+                                <a:latin typeface="Cambria Math" panose="02040503050406030204" pitchFamily="18" charset="0"/>
+                              </a:rPr>
+                              <m:t>𝑗</m:t>
+                            </m:r>
+                          </m:sub>
+                        </m:sSub>
+                      </m:num>
+                      <m:den>
+                        <m:sSup>
+                          <m:sSupPr>
+                            <m:ctrlPr>
+                              <a:rPr lang="en-GB" sz="2400" i="1">
+                                <a:latin typeface="Cambria Math" panose="02040503050406030204" pitchFamily="18" charset="0"/>
+                              </a:rPr>
+                            </m:ctrlPr>
+                          </m:sSupPr>
+                          <m:e>
+                            <m:d>
+                              <m:dPr>
+                                <m:begChr m:val="|"/>
+                                <m:endChr m:val="|"/>
+                                <m:ctrlPr>
+                                  <a:rPr lang="en-GB" sz="2400" i="1">
+                                    <a:latin typeface="Cambria Math" panose="02040503050406030204" pitchFamily="18" charset="0"/>
+                                  </a:rPr>
+                                </m:ctrlPr>
+                              </m:dPr>
+                              <m:e>
+                                <m:sSub>
+                                  <m:sSubPr>
+                                    <m:ctrlPr>
+                                      <a:rPr lang="en-GB" sz="2400" i="1">
+                                        <a:latin typeface="Cambria Math" panose="02040503050406030204" pitchFamily="18" charset="0"/>
+                                      </a:rPr>
+                                    </m:ctrlPr>
+                                  </m:sSubPr>
+                                  <m:e>
+                                    <m:r>
+                                      <a:rPr lang="en-GB" sz="2400" i="1">
+                                        <a:latin typeface="Cambria Math" panose="02040503050406030204" pitchFamily="18" charset="0"/>
+                                      </a:rPr>
+                                      <m:t>𝑟</m:t>
+                                    </m:r>
+                                  </m:e>
+                                  <m:sub>
+                                    <m:r>
+                                      <a:rPr lang="en-GB" sz="2400" i="1">
+                                        <a:latin typeface="Cambria Math" panose="02040503050406030204" pitchFamily="18" charset="0"/>
+                                      </a:rPr>
+                                      <m:t>𝑖</m:t>
+                                    </m:r>
+                                  </m:sub>
+                                </m:sSub>
+                                <m:r>
+                                  <a:rPr lang="en-GB" sz="2400" i="1">
+                                    <a:latin typeface="Cambria Math" panose="02040503050406030204" pitchFamily="18" charset="0"/>
+                                  </a:rPr>
+                                  <m:t>−</m:t>
+                                </m:r>
+                                <m:sSub>
+                                  <m:sSubPr>
+                                    <m:ctrlPr>
+                                      <a:rPr lang="en-GB" sz="2400" i="1">
+                                        <a:latin typeface="Cambria Math" panose="02040503050406030204" pitchFamily="18" charset="0"/>
+                                      </a:rPr>
+                                    </m:ctrlPr>
+                                  </m:sSubPr>
+                                  <m:e>
+                                    <m:r>
+                                      <a:rPr lang="en-GB" sz="2400" i="1">
+                                        <a:latin typeface="Cambria Math" panose="02040503050406030204" pitchFamily="18" charset="0"/>
+                                      </a:rPr>
+                                      <m:t>𝑟</m:t>
+                                    </m:r>
+                                  </m:e>
+                                  <m:sub>
+                                    <m:r>
+                                      <a:rPr lang="en-GB" sz="2400" i="1">
+                                        <a:latin typeface="Cambria Math" panose="02040503050406030204" pitchFamily="18" charset="0"/>
+                                      </a:rPr>
+                                      <m:t>𝑗</m:t>
+                                    </m:r>
+                                  </m:sub>
+                                </m:sSub>
+                              </m:e>
+                            </m:d>
+                          </m:e>
+                          <m:sup>
+                            <m:r>
+                              <a:rPr lang="en-GB" sz="2400" i="1">
+                                <a:latin typeface="Cambria Math" panose="02040503050406030204" pitchFamily="18" charset="0"/>
+                              </a:rPr>
+                              <m:t>3</m:t>
+                            </m:r>
+                          </m:sup>
+                        </m:sSup>
+                        <m:r>
+                          <a:rPr lang="en-GB" sz="2400" i="1">
+                            <a:latin typeface="Cambria Math" panose="02040503050406030204" pitchFamily="18" charset="0"/>
+                          </a:rPr>
+                          <m:t> </m:t>
+                        </m:r>
+                      </m:den>
+                    </m:f>
+                  </m:oMath>
+                </a14:m>
+                <a:r>
+                  <a:rPr lang="en-GB" sz="2400" i="1" dirty="0" smtClean="0">
+                    <a:latin typeface="Cambria Math" panose="02040503050406030204" pitchFamily="18" charset="0"/>
+                  </a:rPr>
+                  <a:t>	</a:t>
+                </a:r>
+                <a14:m>
+                  <m:oMath xmlns:m="http://schemas.openxmlformats.org/officeDocument/2006/math">
+                    <m:r>
+                      <a:rPr lang="en-GB" sz="2400" b="1" i="1" smtClean="0">
+                        <a:latin typeface="Cambria Math" panose="02040503050406030204" pitchFamily="18" charset="0"/>
+                      </a:rPr>
+                      <m:t>𝑭</m:t>
+                    </m:r>
+                    <m:d>
+                      <m:dPr>
+                        <m:ctrlPr>
+                          <a:rPr lang="en-GB" sz="2400" b="1" i="1" smtClean="0">
+                            <a:latin typeface="Cambria Math" panose="02040503050406030204" pitchFamily="18" charset="0"/>
+                          </a:rPr>
+                        </m:ctrlPr>
+                      </m:dPr>
+                      <m:e>
+                        <m:sSub>
+                          <m:sSubPr>
+                            <m:ctrlPr>
+                              <a:rPr lang="en-GB" sz="2400" b="1" i="1" smtClean="0">
+                                <a:latin typeface="Cambria Math" panose="02040503050406030204" pitchFamily="18" charset="0"/>
+                              </a:rPr>
+                            </m:ctrlPr>
+                          </m:sSubPr>
+                          <m:e>
+                            <m:r>
+                              <a:rPr lang="en-GB" sz="2400" b="1" i="1" smtClean="0">
+                                <a:latin typeface="Cambria Math" panose="02040503050406030204" pitchFamily="18" charset="0"/>
+                              </a:rPr>
+                              <m:t>𝒓</m:t>
+                            </m:r>
+                          </m:e>
+                          <m:sub>
+                            <m:r>
+                              <a:rPr lang="en-GB" sz="2400" b="1" i="1" smtClean="0">
+                                <a:latin typeface="Cambria Math" panose="02040503050406030204" pitchFamily="18" charset="0"/>
+                              </a:rPr>
+                              <m:t>𝒋</m:t>
+                            </m:r>
+                          </m:sub>
+                        </m:sSub>
+                      </m:e>
+                    </m:d>
+                    <m:r>
+                      <a:rPr lang="en-GB" sz="2400" b="0" i="1" smtClean="0">
+                        <a:latin typeface="Cambria Math" panose="02040503050406030204" pitchFamily="18" charset="0"/>
+                      </a:rPr>
+                      <m:t>=</m:t>
+                    </m:r>
+                    <m:nary>
+                      <m:naryPr>
+                        <m:chr m:val="∑"/>
+                        <m:ctrlPr>
+                          <a:rPr lang="en-GB" sz="2400" b="0" i="1" smtClean="0">
+                            <a:latin typeface="Cambria Math" panose="02040503050406030204" pitchFamily="18" charset="0"/>
+                          </a:rPr>
+                        </m:ctrlPr>
+                      </m:naryPr>
+                      <m:sub>
+                        <m:r>
+                          <m:rPr>
+                            <m:brk m:alnAt="23"/>
+                          </m:rPr>
+                          <a:rPr lang="en-GB" sz="2400" b="0" i="1" smtClean="0">
+                            <a:latin typeface="Cambria Math" panose="02040503050406030204" pitchFamily="18" charset="0"/>
+                          </a:rPr>
+                          <m:t>𝑖</m:t>
+                        </m:r>
+                        <m:r>
+                          <a:rPr lang="en-GB" sz="2400" b="0" i="1" smtClean="0">
+                            <a:latin typeface="Cambria Math" panose="02040503050406030204" pitchFamily="18" charset="0"/>
+                          </a:rPr>
+                          <m:t>=0</m:t>
+                        </m:r>
+                      </m:sub>
+                      <m:sup>
+                        <m:r>
+                          <a:rPr lang="en-GB" sz="2400" b="0" i="1" smtClean="0">
+                            <a:latin typeface="Cambria Math" panose="02040503050406030204" pitchFamily="18" charset="0"/>
+                          </a:rPr>
+                          <m:t>𝑁</m:t>
+                        </m:r>
+                        <m:r>
+                          <a:rPr lang="en-GB" sz="2400" b="0" i="1" smtClean="0">
+                            <a:latin typeface="Cambria Math" panose="02040503050406030204" pitchFamily="18" charset="0"/>
+                          </a:rPr>
+                          <m:t>−1</m:t>
+                        </m:r>
+                      </m:sup>
+                      <m:e>
+                        <m:sSub>
+                          <m:sSubPr>
+                            <m:ctrlPr>
+                              <a:rPr lang="en-GB" sz="2400" i="1">
+                                <a:latin typeface="Cambria Math" panose="02040503050406030204" pitchFamily="18" charset="0"/>
+                              </a:rPr>
+                            </m:ctrlPr>
+                          </m:sSubPr>
+                          <m:e>
+                            <m:r>
+                              <a:rPr lang="en-GB" sz="2400" i="1">
+                                <a:latin typeface="Cambria Math" panose="02040503050406030204" pitchFamily="18" charset="0"/>
+                              </a:rPr>
+                              <m:t>𝐹</m:t>
+                            </m:r>
+                          </m:e>
+                          <m:sub>
+                            <m:r>
+                              <a:rPr lang="en-GB" sz="2400" i="1">
+                                <a:latin typeface="Cambria Math" panose="02040503050406030204" pitchFamily="18" charset="0"/>
+                              </a:rPr>
+                              <m:t>𝑖</m:t>
+                            </m:r>
+                          </m:sub>
+                        </m:sSub>
+                        <m:d>
+                          <m:dPr>
+                            <m:ctrlPr>
+                              <a:rPr lang="en-GB" sz="2400" i="1">
+                                <a:latin typeface="Cambria Math" panose="02040503050406030204" pitchFamily="18" charset="0"/>
+                              </a:rPr>
+                            </m:ctrlPr>
+                          </m:dPr>
+                          <m:e>
+                            <m:sSub>
+                              <m:sSubPr>
+                                <m:ctrlPr>
+                                  <a:rPr lang="en-GB" sz="2400" i="1">
+                                    <a:latin typeface="Cambria Math" panose="02040503050406030204" pitchFamily="18" charset="0"/>
+                                  </a:rPr>
+                                </m:ctrlPr>
+                              </m:sSubPr>
+                              <m:e>
+                                <m:r>
+                                  <a:rPr lang="en-GB" sz="2400" i="1">
+                                    <a:latin typeface="Cambria Math" panose="02040503050406030204" pitchFamily="18" charset="0"/>
+                                  </a:rPr>
+                                  <m:t>𝑟</m:t>
+                                </m:r>
+                              </m:e>
+                              <m:sub>
+                                <m:r>
+                                  <a:rPr lang="en-GB" sz="2400" i="1">
+                                    <a:latin typeface="Cambria Math" panose="02040503050406030204" pitchFamily="18" charset="0"/>
+                                  </a:rPr>
+                                  <m:t>𝑗</m:t>
+                                </m:r>
+                              </m:sub>
+                            </m:sSub>
+                          </m:e>
+                        </m:d>
+                      </m:e>
+                    </m:nary>
+                  </m:oMath>
+                </a14:m>
+                <a:endParaRPr lang="en-GB" sz="2400" i="1" dirty="0" smtClean="0">
+                  <a:latin typeface="Cambria Math" panose="02040503050406030204" pitchFamily="18" charset="0"/>
+                </a:endParaRPr>
+              </a:p>
+              <a:p>
+                <a:endParaRPr lang="en-GB" sz="1200" i="1" dirty="0">
+                  <a:latin typeface="Cambria Math" panose="02040503050406030204" pitchFamily="18" charset="0"/>
+                </a:endParaRPr>
+              </a:p>
+              <a:p>
+                <a14:m>
+                  <m:oMath xmlns:m="http://schemas.openxmlformats.org/officeDocument/2006/math">
+                    <m:sSub>
+                      <m:sSubPr>
+                        <m:ctrlPr>
+                          <a:rPr lang="en-GB" sz="2400" b="0" i="1" dirty="0" smtClean="0">
+                            <a:latin typeface="Cambria Math" panose="02040503050406030204" pitchFamily="18" charset="0"/>
+                          </a:rPr>
+                        </m:ctrlPr>
+                      </m:sSubPr>
+                      <m:e>
+                        <m:r>
+                          <a:rPr lang="en-GB" sz="2400" i="1" dirty="0" smtClean="0">
+                            <a:latin typeface="Cambria Math" panose="02040503050406030204" pitchFamily="18" charset="0"/>
+                          </a:rPr>
+                          <m:t>𝐸</m:t>
+                        </m:r>
+                      </m:e>
+                      <m:sub>
+                        <m:r>
+                          <a:rPr lang="en-GB" sz="2400" b="0" i="1" dirty="0" smtClean="0">
+                            <a:latin typeface="Cambria Math" panose="02040503050406030204" pitchFamily="18" charset="0"/>
+                          </a:rPr>
+                          <m:t>𝑖</m:t>
+                        </m:r>
+                      </m:sub>
+                    </m:sSub>
+                    <m:d>
+                      <m:dPr>
+                        <m:ctrlPr>
+                          <a:rPr lang="en-GB" sz="2400" b="0" i="1" dirty="0" smtClean="0">
+                            <a:latin typeface="Cambria Math" panose="02040503050406030204" pitchFamily="18" charset="0"/>
+                          </a:rPr>
+                        </m:ctrlPr>
+                      </m:dPr>
+                      <m:e>
+                        <m:sSub>
+                          <m:sSubPr>
+                            <m:ctrlPr>
+                              <a:rPr lang="en-GB" sz="2400" b="0" i="1" dirty="0" smtClean="0">
+                                <a:latin typeface="Cambria Math" panose="02040503050406030204" pitchFamily="18" charset="0"/>
+                              </a:rPr>
+                            </m:ctrlPr>
+                          </m:sSubPr>
+                          <m:e>
+                            <m:r>
+                              <a:rPr lang="en-GB" sz="2400" b="0" i="1" dirty="0" smtClean="0">
+                                <a:latin typeface="Cambria Math" panose="02040503050406030204" pitchFamily="18" charset="0"/>
+                              </a:rPr>
+                              <m:t>𝑟</m:t>
+                            </m:r>
+                          </m:e>
+                          <m:sub>
+                            <m:r>
+                              <a:rPr lang="en-GB" sz="2400" b="0" i="1" dirty="0" smtClean="0">
+                                <a:latin typeface="Cambria Math" panose="02040503050406030204" pitchFamily="18" charset="0"/>
+                              </a:rPr>
+                              <m:t>𝑗</m:t>
+                            </m:r>
+                          </m:sub>
+                        </m:sSub>
+                      </m:e>
+                    </m:d>
+                    <m:r>
+                      <a:rPr lang="en-GB" sz="2400" b="0" i="1" dirty="0" smtClean="0">
+                        <a:latin typeface="Cambria Math" panose="02040503050406030204" pitchFamily="18" charset="0"/>
+                      </a:rPr>
+                      <m:t>=−</m:t>
+                    </m:r>
+                    <m:r>
+                      <a:rPr lang="en-GB" sz="2400" b="0" i="1" dirty="0" smtClean="0">
+                        <a:latin typeface="Cambria Math" panose="02040503050406030204" pitchFamily="18" charset="0"/>
+                      </a:rPr>
+                      <m:t>𝐺</m:t>
+                    </m:r>
+                    <m:f>
+                      <m:fPr>
+                        <m:ctrlPr>
+                          <a:rPr lang="en-GB" sz="2400" i="1">
+                            <a:latin typeface="Cambria Math" panose="02040503050406030204" pitchFamily="18" charset="0"/>
+                          </a:rPr>
+                        </m:ctrlPr>
+                      </m:fPr>
+                      <m:num>
+                        <m:sSub>
+                          <m:sSubPr>
+                            <m:ctrlPr>
+                              <a:rPr lang="en-GB" sz="2400" i="1">
+                                <a:latin typeface="Cambria Math" panose="02040503050406030204" pitchFamily="18" charset="0"/>
+                              </a:rPr>
+                            </m:ctrlPr>
+                          </m:sSubPr>
+                          <m:e>
+                            <m:r>
+                              <a:rPr lang="en-GB" sz="2400" i="1">
+                                <a:latin typeface="Cambria Math" panose="02040503050406030204" pitchFamily="18" charset="0"/>
+                              </a:rPr>
+                              <m:t>𝑚</m:t>
+                            </m:r>
+                          </m:e>
+                          <m:sub>
+                            <m:r>
+                              <a:rPr lang="en-GB" sz="2400" i="1">
+                                <a:latin typeface="Cambria Math" panose="02040503050406030204" pitchFamily="18" charset="0"/>
+                              </a:rPr>
+                              <m:t>𝑖</m:t>
+                            </m:r>
+                          </m:sub>
+                        </m:sSub>
+                        <m:sSub>
+                          <m:sSubPr>
+                            <m:ctrlPr>
+                              <a:rPr lang="en-GB" sz="2400" i="1">
+                                <a:latin typeface="Cambria Math" panose="02040503050406030204" pitchFamily="18" charset="0"/>
+                              </a:rPr>
+                            </m:ctrlPr>
+                          </m:sSubPr>
+                          <m:e>
+                            <m:r>
+                              <a:rPr lang="en-GB" sz="2400" i="1">
+                                <a:latin typeface="Cambria Math" panose="02040503050406030204" pitchFamily="18" charset="0"/>
+                              </a:rPr>
+                              <m:t>𝑚</m:t>
+                            </m:r>
+                          </m:e>
+                          <m:sub>
+                            <m:r>
+                              <a:rPr lang="en-GB" sz="2400" i="1">
+                                <a:latin typeface="Cambria Math" panose="02040503050406030204" pitchFamily="18" charset="0"/>
+                              </a:rPr>
+                              <m:t>𝑗</m:t>
+                            </m:r>
+                          </m:sub>
+                        </m:sSub>
+                      </m:num>
+                      <m:den>
+                        <m:d>
+                          <m:dPr>
+                            <m:begChr m:val="|"/>
+                            <m:endChr m:val="|"/>
+                            <m:ctrlPr>
+                              <a:rPr lang="en-GB" sz="2400" i="1">
+                                <a:latin typeface="Cambria Math" panose="02040503050406030204" pitchFamily="18" charset="0"/>
+                              </a:rPr>
+                            </m:ctrlPr>
+                          </m:dPr>
+                          <m:e>
+                            <m:sSub>
+                              <m:sSubPr>
+                                <m:ctrlPr>
+                                  <a:rPr lang="en-GB" sz="2400" i="1">
+                                    <a:latin typeface="Cambria Math" panose="02040503050406030204" pitchFamily="18" charset="0"/>
+                                  </a:rPr>
+                                </m:ctrlPr>
+                              </m:sSubPr>
+                              <m:e>
+                                <m:r>
+                                  <a:rPr lang="en-GB" sz="2400" i="1">
+                                    <a:latin typeface="Cambria Math" panose="02040503050406030204" pitchFamily="18" charset="0"/>
+                                  </a:rPr>
+                                  <m:t>𝑟</m:t>
+                                </m:r>
+                              </m:e>
+                              <m:sub>
+                                <m:r>
+                                  <a:rPr lang="en-GB" sz="2400" i="1">
+                                    <a:latin typeface="Cambria Math" panose="02040503050406030204" pitchFamily="18" charset="0"/>
+                                  </a:rPr>
+                                  <m:t>𝑖</m:t>
+                                </m:r>
+                              </m:sub>
+                            </m:sSub>
+                            <m:r>
+                              <a:rPr lang="en-GB" sz="2400" i="1">
+                                <a:latin typeface="Cambria Math" panose="02040503050406030204" pitchFamily="18" charset="0"/>
+                              </a:rPr>
+                              <m:t>−</m:t>
+                            </m:r>
+                            <m:sSub>
+                              <m:sSubPr>
+                                <m:ctrlPr>
+                                  <a:rPr lang="en-GB" sz="2400" i="1">
+                                    <a:latin typeface="Cambria Math" panose="02040503050406030204" pitchFamily="18" charset="0"/>
+                                  </a:rPr>
+                                </m:ctrlPr>
+                              </m:sSubPr>
+                              <m:e>
+                                <m:r>
+                                  <a:rPr lang="en-GB" sz="2400" i="1">
+                                    <a:latin typeface="Cambria Math" panose="02040503050406030204" pitchFamily="18" charset="0"/>
+                                  </a:rPr>
+                                  <m:t>𝑟</m:t>
+                                </m:r>
+                              </m:e>
+                              <m:sub>
+                                <m:r>
+                                  <a:rPr lang="en-GB" sz="2400" i="1">
+                                    <a:latin typeface="Cambria Math" panose="02040503050406030204" pitchFamily="18" charset="0"/>
+                                  </a:rPr>
+                                  <m:t>𝑗</m:t>
+                                </m:r>
+                              </m:sub>
+                            </m:sSub>
+                          </m:e>
+                        </m:d>
+                      </m:den>
+                    </m:f>
+                    <m:r>
+                      <a:rPr lang="en-GB" sz="2400" i="1" dirty="0">
+                        <a:latin typeface="Cambria Math" panose="02040503050406030204" pitchFamily="18" charset="0"/>
+                      </a:rPr>
+                      <m:t>⇒</m:t>
+                    </m:r>
+                    <m:f>
+                      <m:fPr>
+                        <m:ctrlPr>
+                          <a:rPr lang="en-GB" sz="2400" i="1">
+                            <a:latin typeface="Cambria Math" panose="02040503050406030204" pitchFamily="18" charset="0"/>
+                          </a:rPr>
+                        </m:ctrlPr>
+                      </m:fPr>
+                      <m:num>
+                        <m:r>
+                          <a:rPr lang="en-GB" sz="2400" i="1">
+                            <a:latin typeface="Cambria Math" panose="02040503050406030204" pitchFamily="18" charset="0"/>
+                          </a:rPr>
+                          <m:t>𝑃</m:t>
+                        </m:r>
+                        <m:d>
+                          <m:dPr>
+                            <m:ctrlPr>
+                              <a:rPr lang="en-GB" sz="2400" i="1">
+                                <a:latin typeface="Cambria Math" panose="02040503050406030204" pitchFamily="18" charset="0"/>
+                              </a:rPr>
+                            </m:ctrlPr>
+                          </m:dPr>
+                          <m:e>
+                            <m:sSub>
+                              <m:sSubPr>
+                                <m:ctrlPr>
+                                  <a:rPr lang="en-GB" sz="2400" i="1">
+                                    <a:latin typeface="Cambria Math" panose="02040503050406030204" pitchFamily="18" charset="0"/>
+                                  </a:rPr>
+                                </m:ctrlPr>
+                              </m:sSubPr>
+                              <m:e>
+                                <m:r>
+                                  <a:rPr lang="en-GB" sz="2400" i="1">
+                                    <a:latin typeface="Cambria Math" panose="02040503050406030204" pitchFamily="18" charset="0"/>
+                                  </a:rPr>
+                                  <m:t>𝑟</m:t>
+                                </m:r>
+                              </m:e>
+                              <m:sub>
+                                <m:r>
+                                  <a:rPr lang="en-GB" sz="2400" i="1">
+                                    <a:latin typeface="Cambria Math" panose="02040503050406030204" pitchFamily="18" charset="0"/>
+                                  </a:rPr>
+                                  <m:t>𝑖</m:t>
+                                </m:r>
+                              </m:sub>
+                            </m:sSub>
+                          </m:e>
+                        </m:d>
+                      </m:num>
+                      <m:den>
+                        <m:d>
+                          <m:dPr>
+                            <m:begChr m:val="|"/>
+                            <m:endChr m:val="|"/>
+                            <m:ctrlPr>
+                              <a:rPr lang="en-GB" sz="2400" i="1">
+                                <a:latin typeface="Cambria Math" panose="02040503050406030204" pitchFamily="18" charset="0"/>
+                              </a:rPr>
+                            </m:ctrlPr>
+                          </m:dPr>
+                          <m:e>
+                            <m:sSub>
+                              <m:sSubPr>
+                                <m:ctrlPr>
+                                  <a:rPr lang="en-GB" sz="2400" i="1">
+                                    <a:latin typeface="Cambria Math" panose="02040503050406030204" pitchFamily="18" charset="0"/>
+                                  </a:rPr>
+                                </m:ctrlPr>
+                              </m:sSubPr>
+                              <m:e>
+                                <m:r>
+                                  <a:rPr lang="en-GB" sz="2400" i="1">
+                                    <a:latin typeface="Cambria Math" panose="02040503050406030204" pitchFamily="18" charset="0"/>
+                                  </a:rPr>
+                                  <m:t>𝑟</m:t>
+                                </m:r>
+                              </m:e>
+                              <m:sub>
+                                <m:r>
+                                  <a:rPr lang="en-GB" sz="2400" i="1">
+                                    <a:latin typeface="Cambria Math" panose="02040503050406030204" pitchFamily="18" charset="0"/>
+                                  </a:rPr>
+                                  <m:t>𝑖</m:t>
+                                </m:r>
+                              </m:sub>
+                            </m:sSub>
+                            <m:r>
+                              <a:rPr lang="en-GB" sz="2400" i="1">
+                                <a:latin typeface="Cambria Math" panose="02040503050406030204" pitchFamily="18" charset="0"/>
+                              </a:rPr>
+                              <m:t>−</m:t>
+                            </m:r>
+                            <m:sSub>
+                              <m:sSubPr>
+                                <m:ctrlPr>
+                                  <a:rPr lang="en-GB" sz="2400" i="1">
+                                    <a:latin typeface="Cambria Math" panose="02040503050406030204" pitchFamily="18" charset="0"/>
+                                  </a:rPr>
+                                </m:ctrlPr>
+                              </m:sSubPr>
+                              <m:e>
+                                <m:r>
+                                  <a:rPr lang="en-GB" sz="2400" i="1">
+                                    <a:latin typeface="Cambria Math" panose="02040503050406030204" pitchFamily="18" charset="0"/>
+                                  </a:rPr>
+                                  <m:t>𝑟</m:t>
+                                </m:r>
+                              </m:e>
+                              <m:sub>
+                                <m:r>
+                                  <a:rPr lang="en-GB" sz="2400" i="1">
+                                    <a:latin typeface="Cambria Math" panose="02040503050406030204" pitchFamily="18" charset="0"/>
+                                  </a:rPr>
+                                  <m:t>𝑗</m:t>
+                                </m:r>
+                              </m:sub>
+                            </m:sSub>
+                          </m:e>
+                        </m:d>
+                      </m:den>
+                    </m:f>
+                  </m:oMath>
+                </a14:m>
+                <a:r>
+                  <a:rPr lang="en-GB" sz="2400" dirty="0" smtClean="0"/>
+                  <a:t> 			</a:t>
+                </a:r>
+                <a14:m>
+                  <m:oMath xmlns:m="http://schemas.openxmlformats.org/officeDocument/2006/math">
+                    <m:r>
+                      <a:rPr lang="en-GB" sz="2400" b="1" i="1" smtClean="0">
+                        <a:latin typeface="Cambria Math" panose="02040503050406030204" pitchFamily="18" charset="0"/>
+                      </a:rPr>
+                      <m:t>𝑬</m:t>
+                    </m:r>
+                    <m:d>
+                      <m:dPr>
+                        <m:ctrlPr>
+                          <a:rPr lang="en-GB" sz="2400" b="1" i="1" smtClean="0">
+                            <a:latin typeface="Cambria Math" panose="02040503050406030204" pitchFamily="18" charset="0"/>
+                          </a:rPr>
+                        </m:ctrlPr>
+                      </m:dPr>
+                      <m:e>
+                        <m:sSub>
+                          <m:sSubPr>
+                            <m:ctrlPr>
+                              <a:rPr lang="en-GB" sz="2400" b="1" i="1" smtClean="0">
+                                <a:latin typeface="Cambria Math" panose="02040503050406030204" pitchFamily="18" charset="0"/>
+                              </a:rPr>
+                            </m:ctrlPr>
+                          </m:sSubPr>
+                          <m:e>
+                            <m:r>
+                              <a:rPr lang="en-GB" sz="2400" b="1" i="1" smtClean="0">
+                                <a:latin typeface="Cambria Math" panose="02040503050406030204" pitchFamily="18" charset="0"/>
+                              </a:rPr>
+                              <m:t>𝒓</m:t>
+                            </m:r>
+                          </m:e>
+                          <m:sub>
+                            <m:r>
+                              <a:rPr lang="en-GB" sz="2400" b="1" i="1" smtClean="0">
+                                <a:latin typeface="Cambria Math" panose="02040503050406030204" pitchFamily="18" charset="0"/>
+                              </a:rPr>
+                              <m:t>𝒋</m:t>
+                            </m:r>
+                          </m:sub>
+                        </m:sSub>
+                      </m:e>
+                    </m:d>
+                    <m:r>
+                      <a:rPr lang="en-GB" sz="2400" b="0" i="1" smtClean="0">
+                        <a:latin typeface="Cambria Math" panose="02040503050406030204" pitchFamily="18" charset="0"/>
+                      </a:rPr>
+                      <m:t>=</m:t>
+                    </m:r>
+                    <m:nary>
+                      <m:naryPr>
+                        <m:chr m:val="∑"/>
+                        <m:ctrlPr>
+                          <a:rPr lang="en-GB" sz="2400" i="1">
+                            <a:latin typeface="Cambria Math" panose="02040503050406030204" pitchFamily="18" charset="0"/>
+                          </a:rPr>
+                        </m:ctrlPr>
+                      </m:naryPr>
+                      <m:sub>
+                        <m:r>
+                          <m:rPr>
+                            <m:brk m:alnAt="23"/>
+                          </m:rPr>
+                          <a:rPr lang="en-GB" sz="2400" i="1">
+                            <a:latin typeface="Cambria Math" panose="02040503050406030204" pitchFamily="18" charset="0"/>
+                          </a:rPr>
+                          <m:t>𝑖</m:t>
+                        </m:r>
+                        <m:r>
+                          <a:rPr lang="en-GB" sz="2400" i="1">
+                            <a:latin typeface="Cambria Math" panose="02040503050406030204" pitchFamily="18" charset="0"/>
+                          </a:rPr>
+                          <m:t>=0</m:t>
+                        </m:r>
+                      </m:sub>
+                      <m:sup>
+                        <m:r>
+                          <a:rPr lang="en-GB" sz="2400" i="1">
+                            <a:latin typeface="Cambria Math" panose="02040503050406030204" pitchFamily="18" charset="0"/>
+                          </a:rPr>
+                          <m:t>𝑁</m:t>
+                        </m:r>
+                        <m:r>
+                          <a:rPr lang="en-GB" sz="2400" i="1">
+                            <a:latin typeface="Cambria Math" panose="02040503050406030204" pitchFamily="18" charset="0"/>
+                          </a:rPr>
+                          <m:t>−1</m:t>
+                        </m:r>
+                      </m:sup>
+                      <m:e>
+                        <m:sSub>
+                          <m:sSubPr>
+                            <m:ctrlPr>
+                              <a:rPr lang="en-GB" sz="2400" i="1">
+                                <a:latin typeface="Cambria Math" panose="02040503050406030204" pitchFamily="18" charset="0"/>
+                              </a:rPr>
+                            </m:ctrlPr>
+                          </m:sSubPr>
+                          <m:e>
+                            <m:r>
+                              <a:rPr lang="en-GB" sz="2400" b="0" i="1" smtClean="0">
+                                <a:latin typeface="Cambria Math" panose="02040503050406030204" pitchFamily="18" charset="0"/>
+                              </a:rPr>
+                              <m:t>𝐸</m:t>
+                            </m:r>
+                          </m:e>
+                          <m:sub>
+                            <m:r>
+                              <a:rPr lang="en-GB" sz="2400" i="1">
+                                <a:latin typeface="Cambria Math" panose="02040503050406030204" pitchFamily="18" charset="0"/>
+                              </a:rPr>
+                              <m:t>𝑖</m:t>
+                            </m:r>
+                          </m:sub>
+                        </m:sSub>
+                        <m:d>
+                          <m:dPr>
+                            <m:ctrlPr>
+                              <a:rPr lang="en-GB" sz="2400" i="1">
+                                <a:latin typeface="Cambria Math" panose="02040503050406030204" pitchFamily="18" charset="0"/>
+                              </a:rPr>
+                            </m:ctrlPr>
+                          </m:dPr>
+                          <m:e>
+                            <m:sSub>
+                              <m:sSubPr>
+                                <m:ctrlPr>
+                                  <a:rPr lang="en-GB" sz="2400" i="1">
+                                    <a:latin typeface="Cambria Math" panose="02040503050406030204" pitchFamily="18" charset="0"/>
+                                  </a:rPr>
+                                </m:ctrlPr>
+                              </m:sSubPr>
+                              <m:e>
+                                <m:r>
+                                  <a:rPr lang="en-GB" sz="2400" i="1">
+                                    <a:latin typeface="Cambria Math" panose="02040503050406030204" pitchFamily="18" charset="0"/>
+                                  </a:rPr>
+                                  <m:t>𝑟</m:t>
+                                </m:r>
+                              </m:e>
+                              <m:sub>
+                                <m:r>
+                                  <a:rPr lang="en-GB" sz="2400" i="1">
+                                    <a:latin typeface="Cambria Math" panose="02040503050406030204" pitchFamily="18" charset="0"/>
+                                  </a:rPr>
+                                  <m:t>𝑗</m:t>
+                                </m:r>
+                              </m:sub>
+                            </m:sSub>
+                          </m:e>
+                        </m:d>
+                      </m:e>
+                    </m:nary>
+                  </m:oMath>
+                </a14:m>
+                <a:r>
+                  <a:rPr lang="en-GB" sz="2000" dirty="0" smtClean="0"/>
+                  <a:t>	</a:t>
+                </a:r>
+                <a:endParaRPr lang="en-GB" sz="2000" dirty="0"/>
+              </a:p>
+            </p:txBody>
+          </p:sp>
+        </mc:Choice>
+        <mc:Fallback xmlns="">
+          <p:sp>
+            <p:nvSpPr>
+              <p:cNvPr id="15" name="Textfeld 14"/>
+              <p:cNvSpPr txBox="1">
+                <a:spLocks noRot="1" noChangeAspect="1" noMove="1" noResize="1" noEditPoints="1" noAdjustHandles="1" noChangeArrowheads="1" noChangeShapeType="1" noTextEdit="1"/>
+              </p:cNvSpPr>
+              <p:nvPr/>
+            </p:nvSpPr>
+            <p:spPr>
+              <a:xfrm>
+                <a:off x="324091" y="4531358"/>
+                <a:ext cx="8414795" cy="1565172"/>
+              </a:xfrm>
+              <a:prstGeom prst="rect">
+                <a:avLst/>
+              </a:prstGeom>
+              <a:blipFill>
+                <a:blip r:embed="rId3"/>
+                <a:stretch>
+                  <a:fillRect/>
+                </a:stretch>
+              </a:blipFill>
+            </p:spPr>
+            <p:txBody>
+              <a:bodyPr/>
+              <a:lstStyle/>
+              <a:p>
+                <a:r>
+                  <a:rPr lang="en-GB">
+                    <a:noFill/>
+                  </a:rPr>
+                  <a:t> </a:t>
+                </a:r>
+              </a:p>
+            </p:txBody>
+          </p:sp>
+        </mc:Fallback>
+      </mc:AlternateContent>
+      <p:grpSp>
+        <p:nvGrpSpPr>
+          <p:cNvPr id="7" name="Gruppieren 6"/>
+          <p:cNvGrpSpPr>
+            <a:grpSpLocks noChangeAspect="1"/>
+          </p:cNvGrpSpPr>
+          <p:nvPr/>
+        </p:nvGrpSpPr>
+        <p:grpSpPr>
+          <a:xfrm>
+            <a:off x="1328873" y="786624"/>
+            <a:ext cx="6203039" cy="3614824"/>
+            <a:chOff x="2004584" y="795130"/>
+            <a:chExt cx="5134832" cy="2992326"/>
+          </a:xfrm>
+        </p:grpSpPr>
+        <p:pic>
+          <p:nvPicPr>
+            <p:cNvPr id="14" name="Grafik 13"/>
+            <p:cNvPicPr>
+              <a:picLocks noChangeAspect="1"/>
+            </p:cNvPicPr>
+            <p:nvPr/>
+          </p:nvPicPr>
+          <p:blipFill>
+            <a:blip r:embed="rId4" cstate="print">
+              <a:extLst>
+                <a:ext uri="{28A0092B-C50C-407E-A947-70E740481C1C}">
+                  <a14:useLocalDpi xmlns:a14="http://schemas.microsoft.com/office/drawing/2010/main" val="0"/>
+                </a:ext>
+              </a:extLst>
+            </a:blip>
+            <a:stretch>
+              <a:fillRect/>
+            </a:stretch>
+          </p:blipFill>
+          <p:spPr>
+            <a:xfrm>
+              <a:off x="2004584" y="795130"/>
+              <a:ext cx="5134832" cy="2992326"/>
+            </a:xfrm>
+            <a:prstGeom prst="rect">
+              <a:avLst/>
+            </a:prstGeom>
+          </p:spPr>
+        </p:pic>
+        <mc:AlternateContent xmlns:mc="http://schemas.openxmlformats.org/markup-compatibility/2006" xmlns:a14="http://schemas.microsoft.com/office/drawing/2010/main">
+          <mc:Choice Requires="a14">
+            <p:sp>
+              <p:nvSpPr>
+                <p:cNvPr id="3" name="Textfeld 2"/>
+                <p:cNvSpPr txBox="1"/>
+                <p:nvPr/>
+              </p:nvSpPr>
+              <p:spPr>
+                <a:xfrm>
+                  <a:off x="4868954" y="2070216"/>
+                  <a:ext cx="365760" cy="327174"/>
+                </a:xfrm>
+                <a:prstGeom prst="rect">
+                  <a:avLst/>
+                </a:prstGeom>
+                <a:noFill/>
+              </p:spPr>
+              <p:txBody>
+                <a:bodyPr wrap="square" rtlCol="0">
+                  <a:spAutoFit/>
+                </a:bodyPr>
+                <a:lstStyle/>
+                <a:p>
+                  <a:pPr/>
+                  <a14:m>
+                    <m:oMathPara xmlns:m="http://schemas.openxmlformats.org/officeDocument/2006/math">
+                      <m:oMathParaPr>
+                        <m:jc m:val="centerGroup"/>
+                      </m:oMathParaPr>
+                      <m:oMath xmlns:m="http://schemas.openxmlformats.org/officeDocument/2006/math">
+                        <m:sSub>
+                          <m:sSubPr>
+                            <m:ctrlPr>
+                              <a:rPr lang="en-GB" b="1" i="1" dirty="0" smtClean="0">
+                                <a:latin typeface="Cambria Math" panose="02040503050406030204" pitchFamily="18" charset="0"/>
+                                <a:cs typeface="Times New Roman" panose="02020603050405020304" pitchFamily="18" charset="0"/>
+                              </a:rPr>
+                            </m:ctrlPr>
+                          </m:sSubPr>
+                          <m:e>
+                            <m:r>
+                              <a:rPr lang="en-GB" b="1" i="0" dirty="0" smtClean="0">
+                                <a:latin typeface="Cambria Math" panose="02040503050406030204" pitchFamily="18" charset="0"/>
+                                <a:cs typeface="Times New Roman" panose="02020603050405020304" pitchFamily="18" charset="0"/>
+                              </a:rPr>
+                              <m:t>𝐫</m:t>
+                            </m:r>
+                          </m:e>
+                          <m:sub>
+                            <m:r>
+                              <a:rPr lang="en-GB" b="1" i="0" dirty="0" smtClean="0">
+                                <a:latin typeface="Cambria Math" panose="02040503050406030204" pitchFamily="18" charset="0"/>
+                                <a:cs typeface="Times New Roman" panose="02020603050405020304" pitchFamily="18" charset="0"/>
+                              </a:rPr>
+                              <m:t>𝐣</m:t>
+                            </m:r>
+                          </m:sub>
+                        </m:sSub>
+                      </m:oMath>
+                    </m:oMathPara>
+                  </a14:m>
+                  <a:endParaRPr lang="en-GB" b="1" dirty="0">
+                    <a:latin typeface="Times New Roman" panose="02020603050405020304" pitchFamily="18" charset="0"/>
+                    <a:cs typeface="Times New Roman" panose="02020603050405020304" pitchFamily="18" charset="0"/>
+                  </a:endParaRPr>
+                </a:p>
+              </p:txBody>
+            </p:sp>
+          </mc:Choice>
+          <mc:Fallback xmlns="">
+            <p:sp>
+              <p:nvSpPr>
+                <p:cNvPr id="3" name="Textfeld 2"/>
+                <p:cNvSpPr txBox="1">
+                  <a:spLocks noRot="1" noChangeAspect="1" noMove="1" noResize="1" noEditPoints="1" noAdjustHandles="1" noChangeArrowheads="1" noChangeShapeType="1" noTextEdit="1"/>
+                </p:cNvSpPr>
+                <p:nvPr/>
+              </p:nvSpPr>
+              <p:spPr>
+                <a:xfrm>
+                  <a:off x="4868954" y="2070216"/>
+                  <a:ext cx="365760" cy="327174"/>
+                </a:xfrm>
+                <a:prstGeom prst="rect">
+                  <a:avLst/>
+                </a:prstGeom>
+                <a:blipFill>
+                  <a:blip r:embed="rId5"/>
+                  <a:stretch>
+                    <a:fillRect b="-7692"/>
+                  </a:stretch>
+                </a:blipFill>
+              </p:spPr>
+              <p:txBody>
+                <a:bodyPr/>
+                <a:lstStyle/>
+                <a:p>
+                  <a:r>
+                    <a:rPr lang="en-GB">
+                      <a:noFill/>
+                    </a:rPr>
+                    <a:t> </a:t>
+                  </a:r>
+                </a:p>
+              </p:txBody>
+            </p:sp>
+          </mc:Fallback>
+        </mc:AlternateContent>
+      </p:grpSp>
+      <mc:AlternateContent xmlns:mc="http://schemas.openxmlformats.org/markup-compatibility/2006" xmlns:a14="http://schemas.microsoft.com/office/drawing/2010/main">
+        <mc:Choice Requires="a14">
+          <p:sp>
+            <p:nvSpPr>
+              <p:cNvPr id="10" name="Textfeld 9"/>
+              <p:cNvSpPr txBox="1"/>
+              <p:nvPr/>
+            </p:nvSpPr>
+            <p:spPr>
+              <a:xfrm>
+                <a:off x="5277186" y="3312744"/>
+                <a:ext cx="441850" cy="395236"/>
+              </a:xfrm>
+              <a:prstGeom prst="rect">
+                <a:avLst/>
+              </a:prstGeom>
+              <a:noFill/>
+            </p:spPr>
+            <p:txBody>
+              <a:bodyPr wrap="square" rtlCol="0">
+                <a:spAutoFit/>
+              </a:bodyPr>
+              <a:lstStyle/>
+              <a:p>
+                <a:pPr/>
+                <a14:m>
+                  <m:oMathPara xmlns:m="http://schemas.openxmlformats.org/officeDocument/2006/math">
+                    <m:oMathParaPr>
+                      <m:jc m:val="centerGroup"/>
+                    </m:oMathParaPr>
+                    <m:oMath xmlns:m="http://schemas.openxmlformats.org/officeDocument/2006/math">
+                      <m:sSub>
+                        <m:sSubPr>
+                          <m:ctrlPr>
+                            <a:rPr lang="en-GB" b="1" i="1" dirty="0" smtClean="0">
+                              <a:latin typeface="Cambria Math" panose="02040503050406030204" pitchFamily="18" charset="0"/>
+                              <a:cs typeface="Times New Roman" panose="02020603050405020304" pitchFamily="18" charset="0"/>
+                            </a:rPr>
+                          </m:ctrlPr>
+                        </m:sSubPr>
+                        <m:e/>
+                        <m:sub>
+                          <m:r>
+                            <a:rPr lang="en-GB" b="1" i="0" dirty="0" smtClean="0">
+                              <a:latin typeface="Cambria Math" panose="02040503050406030204" pitchFamily="18" charset="0"/>
+                              <a:cs typeface="Times New Roman" panose="02020603050405020304" pitchFamily="18" charset="0"/>
+                            </a:rPr>
+                            <m:t>𝐣</m:t>
+                          </m:r>
+                        </m:sub>
+                      </m:sSub>
+                    </m:oMath>
+                  </m:oMathPara>
+                </a14:m>
+                <a:endParaRPr lang="en-GB" b="1" dirty="0">
+                  <a:latin typeface="Times New Roman" panose="02020603050405020304" pitchFamily="18" charset="0"/>
+                  <a:cs typeface="Times New Roman" panose="02020603050405020304" pitchFamily="18" charset="0"/>
+                </a:endParaRPr>
+              </a:p>
+            </p:txBody>
+          </p:sp>
+        </mc:Choice>
+        <mc:Fallback xmlns="">
+          <p:sp>
+            <p:nvSpPr>
+              <p:cNvPr id="10" name="Textfeld 9"/>
+              <p:cNvSpPr txBox="1">
+                <a:spLocks noRot="1" noChangeAspect="1" noMove="1" noResize="1" noEditPoints="1" noAdjustHandles="1" noChangeArrowheads="1" noChangeShapeType="1" noTextEdit="1"/>
+              </p:cNvSpPr>
+              <p:nvPr/>
+            </p:nvSpPr>
+            <p:spPr>
+              <a:xfrm>
+                <a:off x="5277186" y="3312744"/>
+                <a:ext cx="441850" cy="395236"/>
+              </a:xfrm>
+              <a:prstGeom prst="rect">
+                <a:avLst/>
+              </a:prstGeom>
+              <a:blipFill>
+                <a:blip r:embed="rId6"/>
+                <a:stretch>
+                  <a:fillRect b="-9231"/>
+                </a:stretch>
+              </a:blipFill>
+            </p:spPr>
+            <p:txBody>
+              <a:bodyPr/>
+              <a:lstStyle/>
+              <a:p>
+                <a:r>
+                  <a:rPr lang="en-GB">
+                    <a:noFill/>
+                  </a:rPr>
+                  <a:t> </a:t>
+                </a:r>
+              </a:p>
+            </p:txBody>
+          </p:sp>
+        </mc:Fallback>
+      </mc:AlternateContent>
+      <mc:AlternateContent xmlns:mc="http://schemas.openxmlformats.org/markup-compatibility/2006" xmlns:a14="http://schemas.microsoft.com/office/drawing/2010/main">
+        <mc:Choice Requires="a14">
+          <p:sp>
+            <p:nvSpPr>
+              <p:cNvPr id="11" name="Textfeld 10"/>
+              <p:cNvSpPr txBox="1"/>
+              <p:nvPr/>
+            </p:nvSpPr>
+            <p:spPr>
+              <a:xfrm>
+                <a:off x="4095563" y="1416426"/>
+                <a:ext cx="441850" cy="361574"/>
+              </a:xfrm>
+              <a:prstGeom prst="rect">
+                <a:avLst/>
+              </a:prstGeom>
+              <a:noFill/>
+            </p:spPr>
+            <p:txBody>
+              <a:bodyPr wrap="square" rtlCol="0">
+                <a:spAutoFit/>
+              </a:bodyPr>
+              <a:lstStyle/>
+              <a:p>
+                <a:pPr/>
+                <a14:m>
+                  <m:oMathPara xmlns:m="http://schemas.openxmlformats.org/officeDocument/2006/math">
+                    <m:oMathParaPr>
+                      <m:jc m:val="centerGroup"/>
+                    </m:oMathParaPr>
+                    <m:oMath xmlns:m="http://schemas.openxmlformats.org/officeDocument/2006/math">
+                      <m:sSub>
+                        <m:sSubPr>
+                          <m:ctrlPr>
+                            <a:rPr lang="en-GB" sz="1600" b="1" i="1" dirty="0" smtClean="0">
+                              <a:latin typeface="Cambria Math" panose="02040503050406030204" pitchFamily="18" charset="0"/>
+                              <a:cs typeface="Times New Roman" panose="02020603050405020304" pitchFamily="18" charset="0"/>
+                            </a:rPr>
+                          </m:ctrlPr>
+                        </m:sSubPr>
+                        <m:e/>
+                        <m:sub>
+                          <m:r>
+                            <a:rPr lang="en-GB" sz="1600" b="1" i="0" dirty="0" smtClean="0">
+                              <a:latin typeface="Cambria Math" panose="02040503050406030204" pitchFamily="18" charset="0"/>
+                              <a:cs typeface="Times New Roman" panose="02020603050405020304" pitchFamily="18" charset="0"/>
+                            </a:rPr>
+                            <m:t>𝐣</m:t>
+                          </m:r>
+                        </m:sub>
+                      </m:sSub>
+                    </m:oMath>
+                  </m:oMathPara>
+                </a14:m>
+                <a:endParaRPr lang="en-GB" sz="1600" b="1" dirty="0">
+                  <a:latin typeface="Times New Roman" panose="02020603050405020304" pitchFamily="18" charset="0"/>
+                  <a:cs typeface="Times New Roman" panose="02020603050405020304" pitchFamily="18" charset="0"/>
+                </a:endParaRPr>
+              </a:p>
+            </p:txBody>
+          </p:sp>
+        </mc:Choice>
+        <mc:Fallback xmlns="">
+          <p:sp>
+            <p:nvSpPr>
+              <p:cNvPr id="11" name="Textfeld 10"/>
+              <p:cNvSpPr txBox="1">
+                <a:spLocks noRot="1" noChangeAspect="1" noMove="1" noResize="1" noEditPoints="1" noAdjustHandles="1" noChangeArrowheads="1" noChangeShapeType="1" noTextEdit="1"/>
+              </p:cNvSpPr>
+              <p:nvPr/>
+            </p:nvSpPr>
+            <p:spPr>
+              <a:xfrm>
+                <a:off x="4095563" y="1416426"/>
+                <a:ext cx="441850" cy="361574"/>
+              </a:xfrm>
+              <a:prstGeom prst="rect">
+                <a:avLst/>
+              </a:prstGeom>
+              <a:blipFill>
+                <a:blip r:embed="rId7"/>
+                <a:stretch>
+                  <a:fillRect b="-5000"/>
+                </a:stretch>
+              </a:blipFill>
+            </p:spPr>
+            <p:txBody>
+              <a:bodyPr/>
+              <a:lstStyle/>
+              <a:p>
+                <a:r>
+                  <a:rPr lang="en-GB">
+                    <a:noFill/>
+                  </a:rPr>
+                  <a:t> </a:t>
+                </a:r>
+              </a:p>
+            </p:txBody>
+          </p:sp>
+        </mc:Fallback>
+      </mc:AlternateContent>
+      <p:sp>
+        <p:nvSpPr>
+          <p:cNvPr id="12" name="Rechteck 11"/>
+          <p:cNvSpPr/>
+          <p:nvPr/>
+        </p:nvSpPr>
+        <p:spPr>
+          <a:xfrm>
+            <a:off x="3949579" y="4223581"/>
+            <a:ext cx="4144549" cy="307777"/>
+          </a:xfrm>
+          <a:prstGeom prst="rect">
+            <a:avLst/>
+          </a:prstGeom>
+        </p:spPr>
+        <p:txBody>
+          <a:bodyPr wrap="square">
+            <a:spAutoFit/>
+          </a:bodyPr>
+          <a:lstStyle/>
+          <a:p>
+            <a:pPr lvl="0"/>
+            <a:r>
+              <a:rPr lang="en-GB" sz="1400" dirty="0" smtClean="0"/>
+              <a:t>Image source</a:t>
+            </a:r>
+            <a:r>
+              <a:rPr lang="en-GB" sz="1400" dirty="0"/>
+              <a:t>: [1]</a:t>
+            </a:r>
+          </a:p>
+        </p:txBody>
+      </p:sp>
+      <p:sp>
+        <p:nvSpPr>
+          <p:cNvPr id="16" name="Rechteck 15"/>
+          <p:cNvSpPr/>
+          <p:nvPr/>
+        </p:nvSpPr>
+        <p:spPr>
+          <a:xfrm>
+            <a:off x="4811424" y="2338119"/>
+            <a:ext cx="362741" cy="395236"/>
+          </a:xfrm>
+          <a:prstGeom prst="rect">
+            <a:avLst/>
+          </a:prstGeom>
+          <a:noFill/>
+          <a:ln w="28575">
+            <a:solidFill>
+              <a:srgbClr val="FF0000"/>
+            </a:solidFill>
+          </a:ln>
+        </p:spPr>
+        <p:style>
+          <a:lnRef idx="2">
+            <a:schemeClr val="accent1">
+              <a:shade val="50000"/>
+            </a:schemeClr>
+          </a:lnRef>
+          <a:fillRef idx="1">
+            <a:schemeClr val="accent1"/>
+          </a:fillRef>
+          <a:effectRef idx="0">
+            <a:schemeClr val="accent1"/>
+          </a:effectRef>
+          <a:fontRef idx="minor">
+            <a:schemeClr val="lt1"/>
+          </a:fontRef>
+        </p:style>
+        <p:txBody>
+          <a:bodyPr rtlCol="0" anchor="ctr"/>
+          <a:lstStyle/>
+          <a:p>
+            <a:pPr algn="ctr"/>
+            <a:endParaRPr lang="en-GB"/>
+          </a:p>
+        </p:txBody>
+      </p:sp>
+      <mc:AlternateContent xmlns:mc="http://schemas.openxmlformats.org/markup-compatibility/2006" xmlns:a14="http://schemas.microsoft.com/office/drawing/2010/main">
+        <mc:Choice Requires="a14">
+          <p:sp>
+            <p:nvSpPr>
+              <p:cNvPr id="19" name="Textfeld 18"/>
+              <p:cNvSpPr txBox="1"/>
+              <p:nvPr/>
+            </p:nvSpPr>
+            <p:spPr>
+              <a:xfrm>
+                <a:off x="3022460" y="2963373"/>
+                <a:ext cx="441850" cy="361574"/>
+              </a:xfrm>
+              <a:prstGeom prst="rect">
+                <a:avLst/>
+              </a:prstGeom>
+              <a:noFill/>
+            </p:spPr>
+            <p:txBody>
+              <a:bodyPr wrap="square" rtlCol="0">
+                <a:spAutoFit/>
+              </a:bodyPr>
+              <a:lstStyle/>
+              <a:p>
+                <a:pPr/>
+                <a14:m>
+                  <m:oMathPara xmlns:m="http://schemas.openxmlformats.org/officeDocument/2006/math">
+                    <m:oMathParaPr>
+                      <m:jc m:val="centerGroup"/>
+                    </m:oMathParaPr>
+                    <m:oMath xmlns:m="http://schemas.openxmlformats.org/officeDocument/2006/math">
+                      <m:sSub>
+                        <m:sSubPr>
+                          <m:ctrlPr>
+                            <a:rPr lang="en-GB" sz="1600" b="1" i="1" dirty="0" smtClean="0">
+                              <a:latin typeface="Cambria Math" panose="02040503050406030204" pitchFamily="18" charset="0"/>
+                              <a:cs typeface="Times New Roman" panose="02020603050405020304" pitchFamily="18" charset="0"/>
+                            </a:rPr>
+                          </m:ctrlPr>
+                        </m:sSubPr>
+                        <m:e/>
+                        <m:sub>
+                          <m:r>
+                            <a:rPr lang="en-GB" sz="1600" b="1" i="0" dirty="0" smtClean="0">
+                              <a:latin typeface="Cambria Math" panose="02040503050406030204" pitchFamily="18" charset="0"/>
+                              <a:cs typeface="Times New Roman" panose="02020603050405020304" pitchFamily="18" charset="0"/>
+                            </a:rPr>
+                            <m:t>𝐣</m:t>
+                          </m:r>
+                        </m:sub>
+                      </m:sSub>
+                    </m:oMath>
+                  </m:oMathPara>
+                </a14:m>
+                <a:endParaRPr lang="en-GB" sz="1600" b="1" dirty="0">
+                  <a:latin typeface="Times New Roman" panose="02020603050405020304" pitchFamily="18" charset="0"/>
+                  <a:cs typeface="Times New Roman" panose="02020603050405020304" pitchFamily="18" charset="0"/>
+                </a:endParaRPr>
+              </a:p>
+            </p:txBody>
+          </p:sp>
+        </mc:Choice>
+        <mc:Fallback xmlns="">
+          <p:sp>
+            <p:nvSpPr>
+              <p:cNvPr id="19" name="Textfeld 18"/>
+              <p:cNvSpPr txBox="1">
+                <a:spLocks noRot="1" noChangeAspect="1" noMove="1" noResize="1" noEditPoints="1" noAdjustHandles="1" noChangeArrowheads="1" noChangeShapeType="1" noTextEdit="1"/>
+              </p:cNvSpPr>
+              <p:nvPr/>
+            </p:nvSpPr>
+            <p:spPr>
+              <a:xfrm>
+                <a:off x="3022460" y="2963373"/>
+                <a:ext cx="441850" cy="361574"/>
+              </a:xfrm>
+              <a:prstGeom prst="rect">
+                <a:avLst/>
+              </a:prstGeom>
+              <a:blipFill>
+                <a:blip r:embed="rId8"/>
+                <a:stretch>
+                  <a:fillRect b="-6780"/>
+                </a:stretch>
+              </a:blipFill>
+            </p:spPr>
+            <p:txBody>
+              <a:bodyPr/>
+              <a:lstStyle/>
+              <a:p>
+                <a:r>
+                  <a:rPr lang="en-GB">
+                    <a:noFill/>
+                  </a:rPr>
+                  <a:t> </a:t>
+                </a:r>
+              </a:p>
+            </p:txBody>
+          </p:sp>
+        </mc:Fallback>
+      </mc:AlternateContent>
+      <p:sp>
+        <p:nvSpPr>
+          <p:cNvPr id="20" name="Rechteck 19"/>
+          <p:cNvSpPr/>
+          <p:nvPr/>
+        </p:nvSpPr>
+        <p:spPr>
+          <a:xfrm>
+            <a:off x="5862982" y="4565648"/>
+            <a:ext cx="2652367" cy="525146"/>
+          </a:xfrm>
+          <a:prstGeom prst="rect">
+            <a:avLst/>
+          </a:prstGeom>
+          <a:noFill/>
+          <a:ln w="28575">
+            <a:solidFill>
+              <a:srgbClr val="FF0000"/>
+            </a:solidFill>
+          </a:ln>
+        </p:spPr>
+        <p:style>
+          <a:lnRef idx="2">
+            <a:schemeClr val="accent1">
+              <a:shade val="50000"/>
+            </a:schemeClr>
+          </a:lnRef>
+          <a:fillRef idx="1">
+            <a:schemeClr val="accent1"/>
+          </a:fillRef>
+          <a:effectRef idx="0">
+            <a:schemeClr val="accent1"/>
+          </a:effectRef>
+          <a:fontRef idx="minor">
+            <a:schemeClr val="lt1"/>
+          </a:fontRef>
+        </p:style>
+        <p:txBody>
+          <a:bodyPr rtlCol="0" anchor="ctr"/>
+          <a:lstStyle/>
+          <a:p>
+            <a:pPr algn="ctr"/>
+            <a:endParaRPr lang="en-GB"/>
+          </a:p>
+        </p:txBody>
+      </p:sp>
+    </p:spTree>
+    <p:extLst>
+      <p:ext uri="{BB962C8B-B14F-4D97-AF65-F5344CB8AC3E}">
+        <p14:creationId xmlns:p14="http://schemas.microsoft.com/office/powerpoint/2010/main" val="3651567241"/>
+      </p:ext>
+    </p:extLst>
+  </p:cSld>
+  <p:clrMapOvr>
+    <a:masterClrMapping/>
+  </p:clrMapOvr>
+  <p:timing>
+    <p:tnLst>
+      <p:par>
+        <p:cTn id="1" dur="indefinite" restart="never" nodeType="tmRoot"/>
+      </p:par>
+    </p:tnLst>
+  </p:timing>
+</p:sld>
+</file>
+
+<file path=ppt/slides/slide12.xml><?xml version="1.0" encoding="utf-8"?>
+<p:sld xmlns:a="http://schemas.openxmlformats.org/drawingml/2006/main" xmlns:r="http://schemas.openxmlformats.org/officeDocument/2006/relationships" xmlns:p="http://schemas.openxmlformats.org/presentationml/2006/main">
+  <p:cSld>
+    <p:spTree>
+      <p:nvGrpSpPr>
+        <p:cNvPr id="1" name=""/>
+        <p:cNvGrpSpPr/>
+        <p:nvPr/>
+      </p:nvGrpSpPr>
+      <p:grpSpPr>
+        <a:xfrm>
+          <a:off x="0" y="0"/>
+          <a:ext cx="0" cy="0"/>
+          <a:chOff x="0" y="0"/>
+          <a:chExt cx="0" cy="0"/>
+        </a:xfrm>
+      </p:grpSpPr>
+      <p:sp>
+        <p:nvSpPr>
+          <p:cNvPr id="2" name="Titel 1"/>
+          <p:cNvSpPr>
+            <a:spLocks noGrp="1"/>
+          </p:cNvSpPr>
+          <p:nvPr>
+            <p:ph type="title"/>
+          </p:nvPr>
+        </p:nvSpPr>
+        <p:spPr/>
+        <p:txBody>
+          <a:bodyPr>
+            <a:normAutofit/>
+          </a:bodyPr>
+          <a:lstStyle/>
+          <a:p>
+            <a:r>
+              <a:rPr lang="en-GB" dirty="0"/>
+              <a:t>Method</a:t>
+            </a:r>
+          </a:p>
+        </p:txBody>
+      </p:sp>
+      <p:sp>
+        <p:nvSpPr>
+          <p:cNvPr id="4" name="Datumsplatzhalter 3"/>
+          <p:cNvSpPr>
+            <a:spLocks noGrp="1"/>
+          </p:cNvSpPr>
+          <p:nvPr>
+            <p:ph type="dt" sz="half" idx="10"/>
+          </p:nvPr>
+        </p:nvSpPr>
+        <p:spPr/>
+        <p:txBody>
+          <a:bodyPr/>
+          <a:lstStyle/>
+          <a:p>
+            <a:r>
+              <a:rPr lang="en-US" smtClean="0"/>
+              <a:t>Ganiyu Ibraheem  Philipp Seybold</a:t>
+            </a:r>
+            <a:endParaRPr lang="en-GB" dirty="0"/>
+          </a:p>
+        </p:txBody>
+      </p:sp>
+      <p:sp>
+        <p:nvSpPr>
+          <p:cNvPr id="5" name="Fußzeilenplatzhalter 4"/>
+          <p:cNvSpPr>
+            <a:spLocks noGrp="1"/>
+          </p:cNvSpPr>
+          <p:nvPr>
+            <p:ph type="ftr" sz="quarter" idx="11"/>
+          </p:nvPr>
+        </p:nvSpPr>
+        <p:spPr/>
+        <p:txBody>
+          <a:bodyPr/>
+          <a:lstStyle/>
+          <a:p>
+            <a:r>
+              <a:rPr lang="en-GB" dirty="0" smtClean="0"/>
+              <a:t>COMP6206 Advanced Computer Vision</a:t>
+            </a:r>
+            <a:endParaRPr lang="en-GB" dirty="0"/>
+          </a:p>
+        </p:txBody>
+      </p:sp>
+      <p:sp>
+        <p:nvSpPr>
+          <p:cNvPr id="6" name="Foliennummernplatzhalter 5"/>
+          <p:cNvSpPr>
+            <a:spLocks noGrp="1"/>
+          </p:cNvSpPr>
+          <p:nvPr>
+            <p:ph type="sldNum" sz="quarter" idx="12"/>
+          </p:nvPr>
+        </p:nvSpPr>
+        <p:spPr/>
+        <p:txBody>
+          <a:bodyPr/>
+          <a:lstStyle/>
+          <a:p>
+            <a:fld id="{FB9D3F8E-99BC-4812-95D4-548B8E992B94}" type="slidenum">
+              <a:rPr lang="en-GB" smtClean="0"/>
+              <a:t>12</a:t>
+            </a:fld>
+            <a:endParaRPr lang="en-GB"/>
+          </a:p>
+        </p:txBody>
+      </p:sp>
+      <mc:AlternateContent xmlns:mc="http://schemas.openxmlformats.org/markup-compatibility/2006" xmlns:a14="http://schemas.microsoft.com/office/drawing/2010/main">
+        <mc:Choice Requires="a14">
+          <p:sp>
+            <p:nvSpPr>
+              <p:cNvPr id="15" name="Textfeld 14"/>
+              <p:cNvSpPr txBox="1"/>
+              <p:nvPr/>
+            </p:nvSpPr>
+            <p:spPr>
+              <a:xfrm>
+                <a:off x="324091" y="4531358"/>
+                <a:ext cx="8414795" cy="1565172"/>
+              </a:xfrm>
+              <a:prstGeom prst="rect">
+                <a:avLst/>
+              </a:prstGeom>
+              <a:noFill/>
+            </p:spPr>
+            <p:txBody>
+              <a:bodyPr wrap="square" rtlCol="0">
+                <a:spAutoFit/>
+              </a:bodyPr>
+              <a:lstStyle/>
+              <a:p>
+                <a14:m>
+                  <m:oMath xmlns:m="http://schemas.openxmlformats.org/officeDocument/2006/math">
+                    <m:sSub>
+                      <m:sSubPr>
+                        <m:ctrlPr>
+                          <a:rPr lang="en-GB" sz="2400" b="0" i="1" smtClean="0">
+                            <a:latin typeface="Cambria Math" panose="02040503050406030204" pitchFamily="18" charset="0"/>
+                          </a:rPr>
+                        </m:ctrlPr>
+                      </m:sSubPr>
+                      <m:e>
+                        <m:r>
+                          <a:rPr lang="en-GB" sz="2400" b="0" i="1" smtClean="0">
+                            <a:latin typeface="Cambria Math" panose="02040503050406030204" pitchFamily="18" charset="0"/>
+                          </a:rPr>
+                          <m:t>𝐹</m:t>
+                        </m:r>
+                      </m:e>
+                      <m:sub>
+                        <m:r>
+                          <a:rPr lang="en-GB" sz="2400" b="0" i="1" smtClean="0">
+                            <a:latin typeface="Cambria Math" panose="02040503050406030204" pitchFamily="18" charset="0"/>
+                          </a:rPr>
+                          <m:t>𝑖</m:t>
+                        </m:r>
+                      </m:sub>
+                    </m:sSub>
+                    <m:d>
+                      <m:dPr>
+                        <m:ctrlPr>
+                          <a:rPr lang="en-GB" sz="2400" b="0" i="1" smtClean="0">
+                            <a:latin typeface="Cambria Math" panose="02040503050406030204" pitchFamily="18" charset="0"/>
+                          </a:rPr>
+                        </m:ctrlPr>
+                      </m:dPr>
+                      <m:e>
+                        <m:sSub>
+                          <m:sSubPr>
+                            <m:ctrlPr>
+                              <a:rPr lang="en-GB" sz="2400" b="0" i="1" smtClean="0">
+                                <a:latin typeface="Cambria Math" panose="02040503050406030204" pitchFamily="18" charset="0"/>
+                              </a:rPr>
+                            </m:ctrlPr>
+                          </m:sSubPr>
+                          <m:e>
+                            <m:r>
+                              <a:rPr lang="en-GB" sz="2400" b="0" i="1" smtClean="0">
+                                <a:latin typeface="Cambria Math" panose="02040503050406030204" pitchFamily="18" charset="0"/>
+                              </a:rPr>
+                              <m:t>𝑟</m:t>
+                            </m:r>
+                          </m:e>
+                          <m:sub>
+                            <m:r>
+                              <a:rPr lang="en-GB" sz="2400" b="0" i="1" smtClean="0">
+                                <a:latin typeface="Cambria Math" panose="02040503050406030204" pitchFamily="18" charset="0"/>
+                              </a:rPr>
+                              <m:t>𝑗</m:t>
+                            </m:r>
+                          </m:sub>
+                        </m:sSub>
+                      </m:e>
+                    </m:d>
+                    <m:r>
+                      <a:rPr lang="en-GB" sz="2400" b="0" i="1" smtClean="0">
+                        <a:latin typeface="Cambria Math" panose="02040503050406030204" pitchFamily="18" charset="0"/>
+                      </a:rPr>
+                      <m:t>=−</m:t>
+                    </m:r>
+                    <m:r>
+                      <a:rPr lang="en-GB" sz="2400" b="0" i="1" smtClean="0">
+                        <a:latin typeface="Cambria Math" panose="02040503050406030204" pitchFamily="18" charset="0"/>
+                      </a:rPr>
+                      <m:t>𝐺</m:t>
+                    </m:r>
+                    <m:f>
+                      <m:fPr>
+                        <m:ctrlPr>
+                          <a:rPr lang="en-GB" sz="2400" b="0" i="1" smtClean="0">
+                            <a:latin typeface="Cambria Math" panose="02040503050406030204" pitchFamily="18" charset="0"/>
+                          </a:rPr>
+                        </m:ctrlPr>
+                      </m:fPr>
+                      <m:num>
+                        <m:sSub>
+                          <m:sSubPr>
+                            <m:ctrlPr>
+                              <a:rPr lang="en-GB" sz="2400" b="0" i="1" smtClean="0">
+                                <a:latin typeface="Cambria Math" panose="02040503050406030204" pitchFamily="18" charset="0"/>
+                              </a:rPr>
+                            </m:ctrlPr>
+                          </m:sSubPr>
+                          <m:e>
+                            <m:r>
+                              <a:rPr lang="en-GB" sz="2400" b="0" i="1" smtClean="0">
+                                <a:latin typeface="Cambria Math" panose="02040503050406030204" pitchFamily="18" charset="0"/>
+                              </a:rPr>
+                              <m:t>𝑚</m:t>
+                            </m:r>
+                          </m:e>
+                          <m:sub>
+                            <m:r>
+                              <a:rPr lang="en-GB" sz="2400" b="0" i="1" smtClean="0">
+                                <a:latin typeface="Cambria Math" panose="02040503050406030204" pitchFamily="18" charset="0"/>
+                              </a:rPr>
+                              <m:t>𝑖</m:t>
+                            </m:r>
+                          </m:sub>
+                        </m:sSub>
+                        <m:sSub>
+                          <m:sSubPr>
+                            <m:ctrlPr>
+                              <a:rPr lang="en-GB" sz="2400" b="0" i="1" smtClean="0">
+                                <a:latin typeface="Cambria Math" panose="02040503050406030204" pitchFamily="18" charset="0"/>
+                              </a:rPr>
+                            </m:ctrlPr>
+                          </m:sSubPr>
+                          <m:e>
+                            <m:r>
+                              <a:rPr lang="en-GB" sz="2400" b="0" i="1" smtClean="0">
+                                <a:latin typeface="Cambria Math" panose="02040503050406030204" pitchFamily="18" charset="0"/>
+                              </a:rPr>
+                              <m:t>𝑚</m:t>
+                            </m:r>
+                          </m:e>
+                          <m:sub>
+                            <m:r>
+                              <a:rPr lang="en-GB" sz="2400" b="0" i="1" smtClean="0">
+                                <a:latin typeface="Cambria Math" panose="02040503050406030204" pitchFamily="18" charset="0"/>
+                              </a:rPr>
+                              <m:t>𝑗</m:t>
+                            </m:r>
+                          </m:sub>
+                        </m:sSub>
+                      </m:num>
+                      <m:den>
+                        <m:sSup>
+                          <m:sSupPr>
+                            <m:ctrlPr>
+                              <a:rPr lang="en-GB" sz="2400" b="0" i="1" smtClean="0">
+                                <a:latin typeface="Cambria Math" panose="02040503050406030204" pitchFamily="18" charset="0"/>
+                              </a:rPr>
+                            </m:ctrlPr>
+                          </m:sSupPr>
+                          <m:e>
+                            <m:d>
+                              <m:dPr>
+                                <m:begChr m:val="|"/>
+                                <m:endChr m:val="|"/>
+                                <m:ctrlPr>
+                                  <a:rPr lang="en-GB" sz="2400" b="0" i="1" smtClean="0">
+                                    <a:latin typeface="Cambria Math" panose="02040503050406030204" pitchFamily="18" charset="0"/>
+                                  </a:rPr>
+                                </m:ctrlPr>
+                              </m:dPr>
+                              <m:e>
+                                <m:sSub>
+                                  <m:sSubPr>
+                                    <m:ctrlPr>
+                                      <a:rPr lang="en-GB" sz="2400" i="1">
+                                        <a:latin typeface="Cambria Math" panose="02040503050406030204" pitchFamily="18" charset="0"/>
+                                      </a:rPr>
+                                    </m:ctrlPr>
+                                  </m:sSubPr>
+                                  <m:e>
+                                    <m:r>
+                                      <a:rPr lang="en-GB" sz="2400" i="1">
+                                        <a:latin typeface="Cambria Math" panose="02040503050406030204" pitchFamily="18" charset="0"/>
+                                      </a:rPr>
+                                      <m:t>𝑟</m:t>
+                                    </m:r>
+                                  </m:e>
+                                  <m:sub>
+                                    <m:r>
+                                      <a:rPr lang="en-GB" sz="2400" i="1">
+                                        <a:latin typeface="Cambria Math" panose="02040503050406030204" pitchFamily="18" charset="0"/>
+                                      </a:rPr>
+                                      <m:t>𝑖</m:t>
+                                    </m:r>
+                                  </m:sub>
+                                </m:sSub>
+                                <m:r>
+                                  <a:rPr lang="en-GB" sz="2400" i="1">
+                                    <a:latin typeface="Cambria Math" panose="02040503050406030204" pitchFamily="18" charset="0"/>
+                                  </a:rPr>
+                                  <m:t>−</m:t>
+                                </m:r>
+                                <m:sSub>
+                                  <m:sSubPr>
+                                    <m:ctrlPr>
+                                      <a:rPr lang="en-GB" sz="2400" i="1">
+                                        <a:latin typeface="Cambria Math" panose="02040503050406030204" pitchFamily="18" charset="0"/>
+                                      </a:rPr>
+                                    </m:ctrlPr>
+                                  </m:sSubPr>
+                                  <m:e>
+                                    <m:r>
+                                      <a:rPr lang="en-GB" sz="2400" i="1">
+                                        <a:latin typeface="Cambria Math" panose="02040503050406030204" pitchFamily="18" charset="0"/>
+                                      </a:rPr>
+                                      <m:t>𝑟</m:t>
+                                    </m:r>
+                                  </m:e>
+                                  <m:sub>
+                                    <m:r>
+                                      <a:rPr lang="en-GB" sz="2400" i="1">
+                                        <a:latin typeface="Cambria Math" panose="02040503050406030204" pitchFamily="18" charset="0"/>
+                                      </a:rPr>
+                                      <m:t>𝑗</m:t>
+                                    </m:r>
+                                  </m:sub>
+                                </m:sSub>
+                              </m:e>
+                            </m:d>
+                          </m:e>
+                          <m:sup>
+                            <m:r>
+                              <a:rPr lang="en-GB" sz="2400" b="0" i="1" smtClean="0">
+                                <a:latin typeface="Cambria Math" panose="02040503050406030204" pitchFamily="18" charset="0"/>
+                              </a:rPr>
+                              <m:t>2</m:t>
+                            </m:r>
+                          </m:sup>
+                        </m:sSup>
+                      </m:den>
+                    </m:f>
+                    <m:r>
+                      <a:rPr lang="en-GB" sz="2400" b="0" i="1" smtClean="0">
+                        <a:latin typeface="Cambria Math" panose="02040503050406030204" pitchFamily="18" charset="0"/>
+                      </a:rPr>
+                      <m:t>⋅</m:t>
+                    </m:r>
+                    <m:sSub>
+                      <m:sSubPr>
+                        <m:ctrlPr>
+                          <a:rPr lang="en-GB" sz="2400" b="0" i="1" smtClean="0">
+                            <a:latin typeface="Cambria Math" panose="02040503050406030204" pitchFamily="18" charset="0"/>
+                          </a:rPr>
+                        </m:ctrlPr>
+                      </m:sSubPr>
+                      <m:e>
+                        <m:acc>
+                          <m:accPr>
+                            <m:chr m:val="̂"/>
+                            <m:ctrlPr>
+                              <a:rPr lang="en-GB" sz="2400" b="0" i="1" smtClean="0">
+                                <a:latin typeface="Cambria Math" panose="02040503050406030204" pitchFamily="18" charset="0"/>
+                              </a:rPr>
+                            </m:ctrlPr>
+                          </m:accPr>
+                          <m:e>
+                            <m:r>
+                              <a:rPr lang="en-GB" sz="2400" b="0" i="1" smtClean="0">
+                                <a:latin typeface="Cambria Math" panose="02040503050406030204" pitchFamily="18" charset="0"/>
+                              </a:rPr>
+                              <m:t>𝑟</m:t>
+                            </m:r>
+                          </m:e>
+                        </m:acc>
+                      </m:e>
+                      <m:sub>
+                        <m:r>
+                          <a:rPr lang="en-GB" sz="2400" b="0" i="1" smtClean="0">
+                            <a:latin typeface="Cambria Math" panose="02040503050406030204" pitchFamily="18" charset="0"/>
+                          </a:rPr>
+                          <m:t>𝑖𝑗</m:t>
+                        </m:r>
+                      </m:sub>
+                    </m:sSub>
+                    <m:r>
+                      <a:rPr lang="en-GB" sz="2400" b="0" i="1" smtClean="0">
+                        <a:latin typeface="Cambria Math" panose="02040503050406030204" pitchFamily="18" charset="0"/>
+                      </a:rPr>
+                      <m:t>⇒ </m:t>
+                    </m:r>
+                    <m:r>
+                      <a:rPr lang="en-GB" sz="2400" i="1">
+                        <a:latin typeface="Cambria Math" panose="02040503050406030204" pitchFamily="18" charset="0"/>
+                      </a:rPr>
+                      <m:t>𝑃</m:t>
+                    </m:r>
+                    <m:d>
+                      <m:dPr>
+                        <m:ctrlPr>
+                          <a:rPr lang="en-GB" sz="2400" i="1">
+                            <a:latin typeface="Cambria Math" panose="02040503050406030204" pitchFamily="18" charset="0"/>
+                          </a:rPr>
+                        </m:ctrlPr>
+                      </m:dPr>
+                      <m:e>
+                        <m:sSub>
+                          <m:sSubPr>
+                            <m:ctrlPr>
+                              <a:rPr lang="en-GB" sz="2400" i="1">
+                                <a:latin typeface="Cambria Math" panose="02040503050406030204" pitchFamily="18" charset="0"/>
+                              </a:rPr>
+                            </m:ctrlPr>
+                          </m:sSubPr>
+                          <m:e>
+                            <m:r>
+                              <a:rPr lang="en-GB" sz="2400" i="1">
+                                <a:latin typeface="Cambria Math" panose="02040503050406030204" pitchFamily="18" charset="0"/>
+                              </a:rPr>
+                              <m:t>𝑟</m:t>
+                            </m:r>
+                          </m:e>
+                          <m:sub>
+                            <m:r>
+                              <a:rPr lang="en-GB" sz="2400" i="1">
+                                <a:latin typeface="Cambria Math" panose="02040503050406030204" pitchFamily="18" charset="0"/>
+                              </a:rPr>
+                              <m:t>𝑖</m:t>
+                            </m:r>
+                          </m:sub>
+                        </m:sSub>
+                      </m:e>
+                    </m:d>
+                    <m:f>
+                      <m:fPr>
+                        <m:ctrlPr>
+                          <a:rPr lang="en-GB" sz="2400" i="1">
+                            <a:latin typeface="Cambria Math" panose="02040503050406030204" pitchFamily="18" charset="0"/>
+                          </a:rPr>
+                        </m:ctrlPr>
+                      </m:fPr>
+                      <m:num>
+                        <m:sSub>
+                          <m:sSubPr>
+                            <m:ctrlPr>
+                              <a:rPr lang="en-GB" sz="2400" i="1">
+                                <a:latin typeface="Cambria Math" panose="02040503050406030204" pitchFamily="18" charset="0"/>
+                              </a:rPr>
+                            </m:ctrlPr>
+                          </m:sSubPr>
+                          <m:e>
+                            <m:r>
+                              <a:rPr lang="en-GB" sz="2400" i="1">
+                                <a:latin typeface="Cambria Math" panose="02040503050406030204" pitchFamily="18" charset="0"/>
+                              </a:rPr>
+                              <m:t>𝑟</m:t>
+                            </m:r>
+                          </m:e>
+                          <m:sub>
+                            <m:r>
+                              <a:rPr lang="en-GB" sz="2400" i="1">
+                                <a:latin typeface="Cambria Math" panose="02040503050406030204" pitchFamily="18" charset="0"/>
+                              </a:rPr>
+                              <m:t>𝑖</m:t>
+                            </m:r>
+                          </m:sub>
+                        </m:sSub>
+                        <m:r>
+                          <a:rPr lang="en-GB" sz="2400" i="1">
+                            <a:latin typeface="Cambria Math" panose="02040503050406030204" pitchFamily="18" charset="0"/>
+                          </a:rPr>
+                          <m:t>−</m:t>
+                        </m:r>
+                        <m:sSub>
+                          <m:sSubPr>
+                            <m:ctrlPr>
+                              <a:rPr lang="en-GB" sz="2400" i="1">
+                                <a:latin typeface="Cambria Math" panose="02040503050406030204" pitchFamily="18" charset="0"/>
+                              </a:rPr>
+                            </m:ctrlPr>
+                          </m:sSubPr>
+                          <m:e>
+                            <m:r>
+                              <a:rPr lang="en-GB" sz="2400" i="1">
+                                <a:latin typeface="Cambria Math" panose="02040503050406030204" pitchFamily="18" charset="0"/>
+                              </a:rPr>
+                              <m:t>𝑟</m:t>
+                            </m:r>
+                          </m:e>
+                          <m:sub>
+                            <m:r>
+                              <a:rPr lang="en-GB" sz="2400" i="1">
+                                <a:latin typeface="Cambria Math" panose="02040503050406030204" pitchFamily="18" charset="0"/>
+                              </a:rPr>
+                              <m:t>𝑗</m:t>
+                            </m:r>
+                          </m:sub>
+                        </m:sSub>
+                      </m:num>
+                      <m:den>
+                        <m:sSup>
+                          <m:sSupPr>
+                            <m:ctrlPr>
+                              <a:rPr lang="en-GB" sz="2400" i="1">
+                                <a:latin typeface="Cambria Math" panose="02040503050406030204" pitchFamily="18" charset="0"/>
+                              </a:rPr>
+                            </m:ctrlPr>
+                          </m:sSupPr>
+                          <m:e>
+                            <m:d>
+                              <m:dPr>
+                                <m:begChr m:val="|"/>
+                                <m:endChr m:val="|"/>
+                                <m:ctrlPr>
+                                  <a:rPr lang="en-GB" sz="2400" i="1">
+                                    <a:latin typeface="Cambria Math" panose="02040503050406030204" pitchFamily="18" charset="0"/>
+                                  </a:rPr>
+                                </m:ctrlPr>
+                              </m:dPr>
+                              <m:e>
+                                <m:sSub>
+                                  <m:sSubPr>
+                                    <m:ctrlPr>
+                                      <a:rPr lang="en-GB" sz="2400" i="1">
+                                        <a:latin typeface="Cambria Math" panose="02040503050406030204" pitchFamily="18" charset="0"/>
+                                      </a:rPr>
+                                    </m:ctrlPr>
+                                  </m:sSubPr>
+                                  <m:e>
+                                    <m:r>
+                                      <a:rPr lang="en-GB" sz="2400" i="1">
+                                        <a:latin typeface="Cambria Math" panose="02040503050406030204" pitchFamily="18" charset="0"/>
+                                      </a:rPr>
+                                      <m:t>𝑟</m:t>
+                                    </m:r>
+                                  </m:e>
+                                  <m:sub>
+                                    <m:r>
+                                      <a:rPr lang="en-GB" sz="2400" i="1">
+                                        <a:latin typeface="Cambria Math" panose="02040503050406030204" pitchFamily="18" charset="0"/>
+                                      </a:rPr>
+                                      <m:t>𝑖</m:t>
+                                    </m:r>
+                                  </m:sub>
+                                </m:sSub>
+                                <m:r>
+                                  <a:rPr lang="en-GB" sz="2400" i="1">
+                                    <a:latin typeface="Cambria Math" panose="02040503050406030204" pitchFamily="18" charset="0"/>
+                                  </a:rPr>
+                                  <m:t>−</m:t>
+                                </m:r>
+                                <m:sSub>
+                                  <m:sSubPr>
+                                    <m:ctrlPr>
+                                      <a:rPr lang="en-GB" sz="2400" i="1">
+                                        <a:latin typeface="Cambria Math" panose="02040503050406030204" pitchFamily="18" charset="0"/>
+                                      </a:rPr>
+                                    </m:ctrlPr>
+                                  </m:sSubPr>
+                                  <m:e>
+                                    <m:r>
+                                      <a:rPr lang="en-GB" sz="2400" i="1">
+                                        <a:latin typeface="Cambria Math" panose="02040503050406030204" pitchFamily="18" charset="0"/>
+                                      </a:rPr>
+                                      <m:t>𝑟</m:t>
+                                    </m:r>
+                                  </m:e>
+                                  <m:sub>
+                                    <m:r>
+                                      <a:rPr lang="en-GB" sz="2400" i="1">
+                                        <a:latin typeface="Cambria Math" panose="02040503050406030204" pitchFamily="18" charset="0"/>
+                                      </a:rPr>
+                                      <m:t>𝑗</m:t>
+                                    </m:r>
+                                  </m:sub>
+                                </m:sSub>
+                              </m:e>
+                            </m:d>
+                          </m:e>
+                          <m:sup>
+                            <m:r>
+                              <a:rPr lang="en-GB" sz="2400" i="1">
+                                <a:latin typeface="Cambria Math" panose="02040503050406030204" pitchFamily="18" charset="0"/>
+                              </a:rPr>
+                              <m:t>3</m:t>
+                            </m:r>
+                          </m:sup>
+                        </m:sSup>
+                        <m:r>
+                          <a:rPr lang="en-GB" sz="2400" i="1">
+                            <a:latin typeface="Cambria Math" panose="02040503050406030204" pitchFamily="18" charset="0"/>
+                          </a:rPr>
+                          <m:t> </m:t>
+                        </m:r>
+                      </m:den>
+                    </m:f>
+                  </m:oMath>
+                </a14:m>
+                <a:r>
+                  <a:rPr lang="en-GB" sz="2400" i="1" dirty="0" smtClean="0">
+                    <a:latin typeface="Cambria Math" panose="02040503050406030204" pitchFamily="18" charset="0"/>
+                  </a:rPr>
+                  <a:t>	</a:t>
+                </a:r>
+                <a14:m>
+                  <m:oMath xmlns:m="http://schemas.openxmlformats.org/officeDocument/2006/math">
+                    <m:r>
+                      <a:rPr lang="en-GB" sz="2400" b="1" i="1" smtClean="0">
+                        <a:latin typeface="Cambria Math" panose="02040503050406030204" pitchFamily="18" charset="0"/>
+                      </a:rPr>
+                      <m:t>𝑭</m:t>
+                    </m:r>
+                    <m:d>
+                      <m:dPr>
+                        <m:ctrlPr>
+                          <a:rPr lang="en-GB" sz="2400" b="1" i="1" smtClean="0">
+                            <a:latin typeface="Cambria Math" panose="02040503050406030204" pitchFamily="18" charset="0"/>
+                          </a:rPr>
+                        </m:ctrlPr>
+                      </m:dPr>
+                      <m:e>
+                        <m:sSub>
+                          <m:sSubPr>
+                            <m:ctrlPr>
+                              <a:rPr lang="en-GB" sz="2400" b="1" i="1" smtClean="0">
+                                <a:latin typeface="Cambria Math" panose="02040503050406030204" pitchFamily="18" charset="0"/>
+                              </a:rPr>
+                            </m:ctrlPr>
+                          </m:sSubPr>
+                          <m:e>
+                            <m:r>
+                              <a:rPr lang="en-GB" sz="2400" b="1" i="1" smtClean="0">
+                                <a:latin typeface="Cambria Math" panose="02040503050406030204" pitchFamily="18" charset="0"/>
+                              </a:rPr>
+                              <m:t>𝒓</m:t>
+                            </m:r>
+                          </m:e>
+                          <m:sub>
+                            <m:r>
+                              <a:rPr lang="en-GB" sz="2400" b="1" i="1" smtClean="0">
+                                <a:latin typeface="Cambria Math" panose="02040503050406030204" pitchFamily="18" charset="0"/>
+                              </a:rPr>
+                              <m:t>𝒋</m:t>
+                            </m:r>
+                          </m:sub>
+                        </m:sSub>
+                      </m:e>
+                    </m:d>
+                    <m:r>
+                      <a:rPr lang="en-GB" sz="2400" b="0" i="1" smtClean="0">
+                        <a:latin typeface="Cambria Math" panose="02040503050406030204" pitchFamily="18" charset="0"/>
+                      </a:rPr>
+                      <m:t>=</m:t>
+                    </m:r>
+                    <m:nary>
+                      <m:naryPr>
+                        <m:chr m:val="∑"/>
+                        <m:ctrlPr>
+                          <a:rPr lang="en-GB" sz="2400" b="0" i="1" smtClean="0">
+                            <a:latin typeface="Cambria Math" panose="02040503050406030204" pitchFamily="18" charset="0"/>
+                          </a:rPr>
+                        </m:ctrlPr>
+                      </m:naryPr>
+                      <m:sub>
+                        <m:r>
+                          <m:rPr>
+                            <m:brk m:alnAt="23"/>
+                          </m:rPr>
+                          <a:rPr lang="en-GB" sz="2400" b="0" i="1" smtClean="0">
+                            <a:latin typeface="Cambria Math" panose="02040503050406030204" pitchFamily="18" charset="0"/>
+                          </a:rPr>
+                          <m:t>𝑖</m:t>
+                        </m:r>
+                        <m:r>
+                          <a:rPr lang="en-GB" sz="2400" b="0" i="1" smtClean="0">
+                            <a:latin typeface="Cambria Math" panose="02040503050406030204" pitchFamily="18" charset="0"/>
+                          </a:rPr>
+                          <m:t>=0</m:t>
+                        </m:r>
+                      </m:sub>
+                      <m:sup>
+                        <m:r>
+                          <a:rPr lang="en-GB" sz="2400" b="0" i="1" smtClean="0">
+                            <a:latin typeface="Cambria Math" panose="02040503050406030204" pitchFamily="18" charset="0"/>
+                          </a:rPr>
+                          <m:t>𝑁</m:t>
+                        </m:r>
+                        <m:r>
+                          <a:rPr lang="en-GB" sz="2400" b="0" i="1" smtClean="0">
+                            <a:latin typeface="Cambria Math" panose="02040503050406030204" pitchFamily="18" charset="0"/>
+                          </a:rPr>
+                          <m:t>−1</m:t>
+                        </m:r>
+                      </m:sup>
+                      <m:e>
+                        <m:sSub>
+                          <m:sSubPr>
+                            <m:ctrlPr>
+                              <a:rPr lang="en-GB" sz="2400" i="1">
+                                <a:latin typeface="Cambria Math" panose="02040503050406030204" pitchFamily="18" charset="0"/>
+                              </a:rPr>
+                            </m:ctrlPr>
+                          </m:sSubPr>
+                          <m:e>
+                            <m:r>
+                              <a:rPr lang="en-GB" sz="2400" i="1">
+                                <a:latin typeface="Cambria Math" panose="02040503050406030204" pitchFamily="18" charset="0"/>
+                              </a:rPr>
+                              <m:t>𝐹</m:t>
+                            </m:r>
+                          </m:e>
+                          <m:sub>
+                            <m:r>
+                              <a:rPr lang="en-GB" sz="2400" i="1">
+                                <a:latin typeface="Cambria Math" panose="02040503050406030204" pitchFamily="18" charset="0"/>
+                              </a:rPr>
+                              <m:t>𝑖</m:t>
+                            </m:r>
+                          </m:sub>
+                        </m:sSub>
+                        <m:d>
+                          <m:dPr>
+                            <m:ctrlPr>
+                              <a:rPr lang="en-GB" sz="2400" i="1">
+                                <a:latin typeface="Cambria Math" panose="02040503050406030204" pitchFamily="18" charset="0"/>
+                              </a:rPr>
+                            </m:ctrlPr>
+                          </m:dPr>
+                          <m:e>
+                            <m:sSub>
+                              <m:sSubPr>
+                                <m:ctrlPr>
+                                  <a:rPr lang="en-GB" sz="2400" i="1">
+                                    <a:latin typeface="Cambria Math" panose="02040503050406030204" pitchFamily="18" charset="0"/>
+                                  </a:rPr>
+                                </m:ctrlPr>
+                              </m:sSubPr>
+                              <m:e>
+                                <m:r>
+                                  <a:rPr lang="en-GB" sz="2400" i="1">
+                                    <a:latin typeface="Cambria Math" panose="02040503050406030204" pitchFamily="18" charset="0"/>
+                                  </a:rPr>
+                                  <m:t>𝑟</m:t>
+                                </m:r>
+                              </m:e>
+                              <m:sub>
+                                <m:r>
+                                  <a:rPr lang="en-GB" sz="2400" i="1">
+                                    <a:latin typeface="Cambria Math" panose="02040503050406030204" pitchFamily="18" charset="0"/>
+                                  </a:rPr>
+                                  <m:t>𝑗</m:t>
+                                </m:r>
+                              </m:sub>
+                            </m:sSub>
+                          </m:e>
+                        </m:d>
+                      </m:e>
+                    </m:nary>
+                  </m:oMath>
+                </a14:m>
+                <a:endParaRPr lang="en-GB" sz="2400" i="1" dirty="0" smtClean="0">
+                  <a:latin typeface="Cambria Math" panose="02040503050406030204" pitchFamily="18" charset="0"/>
+                </a:endParaRPr>
+              </a:p>
+              <a:p>
+                <a:endParaRPr lang="en-GB" sz="1200" i="1" dirty="0">
+                  <a:latin typeface="Cambria Math" panose="02040503050406030204" pitchFamily="18" charset="0"/>
+                </a:endParaRPr>
+              </a:p>
+              <a:p>
+                <a14:m>
+                  <m:oMath xmlns:m="http://schemas.openxmlformats.org/officeDocument/2006/math">
+                    <m:sSub>
+                      <m:sSubPr>
+                        <m:ctrlPr>
+                          <a:rPr lang="en-GB" sz="2400" b="0" i="1" dirty="0" smtClean="0">
+                            <a:latin typeface="Cambria Math" panose="02040503050406030204" pitchFamily="18" charset="0"/>
+                          </a:rPr>
+                        </m:ctrlPr>
+                      </m:sSubPr>
+                      <m:e>
+                        <m:r>
+                          <a:rPr lang="en-GB" sz="2400" i="1" dirty="0" smtClean="0">
+                            <a:latin typeface="Cambria Math" panose="02040503050406030204" pitchFamily="18" charset="0"/>
+                          </a:rPr>
+                          <m:t>𝐸</m:t>
+                        </m:r>
+                      </m:e>
+                      <m:sub>
+                        <m:r>
+                          <a:rPr lang="en-GB" sz="2400" b="0" i="1" dirty="0" smtClean="0">
+                            <a:latin typeface="Cambria Math" panose="02040503050406030204" pitchFamily="18" charset="0"/>
+                          </a:rPr>
+                          <m:t>𝑖</m:t>
+                        </m:r>
+                      </m:sub>
+                    </m:sSub>
+                    <m:d>
+                      <m:dPr>
+                        <m:ctrlPr>
+                          <a:rPr lang="en-GB" sz="2400" b="0" i="1" dirty="0" smtClean="0">
+                            <a:latin typeface="Cambria Math" panose="02040503050406030204" pitchFamily="18" charset="0"/>
+                          </a:rPr>
+                        </m:ctrlPr>
+                      </m:dPr>
+                      <m:e>
+                        <m:sSub>
+                          <m:sSubPr>
+                            <m:ctrlPr>
+                              <a:rPr lang="en-GB" sz="2400" b="0" i="1" dirty="0" smtClean="0">
+                                <a:latin typeface="Cambria Math" panose="02040503050406030204" pitchFamily="18" charset="0"/>
+                              </a:rPr>
+                            </m:ctrlPr>
+                          </m:sSubPr>
+                          <m:e>
+                            <m:r>
+                              <a:rPr lang="en-GB" sz="2400" b="0" i="1" dirty="0" smtClean="0">
+                                <a:latin typeface="Cambria Math" panose="02040503050406030204" pitchFamily="18" charset="0"/>
+                              </a:rPr>
+                              <m:t>𝑟</m:t>
+                            </m:r>
+                          </m:e>
+                          <m:sub>
+                            <m:r>
+                              <a:rPr lang="en-GB" sz="2400" b="0" i="1" dirty="0" smtClean="0">
+                                <a:latin typeface="Cambria Math" panose="02040503050406030204" pitchFamily="18" charset="0"/>
+                              </a:rPr>
+                              <m:t>𝑗</m:t>
+                            </m:r>
+                          </m:sub>
+                        </m:sSub>
+                      </m:e>
+                    </m:d>
+                    <m:r>
+                      <a:rPr lang="en-GB" sz="2400" b="0" i="1" dirty="0" smtClean="0">
+                        <a:latin typeface="Cambria Math" panose="02040503050406030204" pitchFamily="18" charset="0"/>
+                      </a:rPr>
+                      <m:t>=−</m:t>
+                    </m:r>
+                    <m:r>
+                      <a:rPr lang="en-GB" sz="2400" b="0" i="1" dirty="0" smtClean="0">
+                        <a:latin typeface="Cambria Math" panose="02040503050406030204" pitchFamily="18" charset="0"/>
+                      </a:rPr>
+                      <m:t>𝐺</m:t>
+                    </m:r>
+                    <m:f>
+                      <m:fPr>
+                        <m:ctrlPr>
+                          <a:rPr lang="en-GB" sz="2400" i="1">
+                            <a:latin typeface="Cambria Math" panose="02040503050406030204" pitchFamily="18" charset="0"/>
+                          </a:rPr>
+                        </m:ctrlPr>
+                      </m:fPr>
+                      <m:num>
+                        <m:sSub>
+                          <m:sSubPr>
+                            <m:ctrlPr>
+                              <a:rPr lang="en-GB" sz="2400" i="1">
+                                <a:latin typeface="Cambria Math" panose="02040503050406030204" pitchFamily="18" charset="0"/>
+                              </a:rPr>
+                            </m:ctrlPr>
+                          </m:sSubPr>
+                          <m:e>
+                            <m:r>
+                              <a:rPr lang="en-GB" sz="2400" i="1">
+                                <a:latin typeface="Cambria Math" panose="02040503050406030204" pitchFamily="18" charset="0"/>
+                              </a:rPr>
+                              <m:t>𝑚</m:t>
+                            </m:r>
+                          </m:e>
+                          <m:sub>
+                            <m:r>
+                              <a:rPr lang="en-GB" sz="2400" i="1">
+                                <a:latin typeface="Cambria Math" panose="02040503050406030204" pitchFamily="18" charset="0"/>
+                              </a:rPr>
+                              <m:t>𝑖</m:t>
+                            </m:r>
+                          </m:sub>
+                        </m:sSub>
+                        <m:sSub>
+                          <m:sSubPr>
+                            <m:ctrlPr>
+                              <a:rPr lang="en-GB" sz="2400" i="1">
+                                <a:latin typeface="Cambria Math" panose="02040503050406030204" pitchFamily="18" charset="0"/>
+                              </a:rPr>
+                            </m:ctrlPr>
+                          </m:sSubPr>
+                          <m:e>
+                            <m:r>
+                              <a:rPr lang="en-GB" sz="2400" i="1">
+                                <a:latin typeface="Cambria Math" panose="02040503050406030204" pitchFamily="18" charset="0"/>
+                              </a:rPr>
+                              <m:t>𝑚</m:t>
+                            </m:r>
+                          </m:e>
+                          <m:sub>
+                            <m:r>
+                              <a:rPr lang="en-GB" sz="2400" i="1">
+                                <a:latin typeface="Cambria Math" panose="02040503050406030204" pitchFamily="18" charset="0"/>
+                              </a:rPr>
+                              <m:t>𝑗</m:t>
+                            </m:r>
+                          </m:sub>
+                        </m:sSub>
+                      </m:num>
+                      <m:den>
+                        <m:d>
+                          <m:dPr>
+                            <m:begChr m:val="|"/>
+                            <m:endChr m:val="|"/>
+                            <m:ctrlPr>
+                              <a:rPr lang="en-GB" sz="2400" i="1">
+                                <a:latin typeface="Cambria Math" panose="02040503050406030204" pitchFamily="18" charset="0"/>
+                              </a:rPr>
+                            </m:ctrlPr>
+                          </m:dPr>
+                          <m:e>
+                            <m:sSub>
+                              <m:sSubPr>
+                                <m:ctrlPr>
+                                  <a:rPr lang="en-GB" sz="2400" i="1">
+                                    <a:latin typeface="Cambria Math" panose="02040503050406030204" pitchFamily="18" charset="0"/>
+                                  </a:rPr>
+                                </m:ctrlPr>
+                              </m:sSubPr>
+                              <m:e>
+                                <m:r>
+                                  <a:rPr lang="en-GB" sz="2400" i="1">
+                                    <a:latin typeface="Cambria Math" panose="02040503050406030204" pitchFamily="18" charset="0"/>
+                                  </a:rPr>
+                                  <m:t>𝑟</m:t>
+                                </m:r>
+                              </m:e>
+                              <m:sub>
+                                <m:r>
+                                  <a:rPr lang="en-GB" sz="2400" i="1">
+                                    <a:latin typeface="Cambria Math" panose="02040503050406030204" pitchFamily="18" charset="0"/>
+                                  </a:rPr>
+                                  <m:t>𝑖</m:t>
+                                </m:r>
+                              </m:sub>
+                            </m:sSub>
+                            <m:r>
+                              <a:rPr lang="en-GB" sz="2400" i="1">
+                                <a:latin typeface="Cambria Math" panose="02040503050406030204" pitchFamily="18" charset="0"/>
+                              </a:rPr>
+                              <m:t>−</m:t>
+                            </m:r>
+                            <m:sSub>
+                              <m:sSubPr>
+                                <m:ctrlPr>
+                                  <a:rPr lang="en-GB" sz="2400" i="1">
+                                    <a:latin typeface="Cambria Math" panose="02040503050406030204" pitchFamily="18" charset="0"/>
+                                  </a:rPr>
+                                </m:ctrlPr>
+                              </m:sSubPr>
+                              <m:e>
+                                <m:r>
+                                  <a:rPr lang="en-GB" sz="2400" i="1">
+                                    <a:latin typeface="Cambria Math" panose="02040503050406030204" pitchFamily="18" charset="0"/>
+                                  </a:rPr>
+                                  <m:t>𝑟</m:t>
+                                </m:r>
+                              </m:e>
+                              <m:sub>
+                                <m:r>
+                                  <a:rPr lang="en-GB" sz="2400" i="1">
+                                    <a:latin typeface="Cambria Math" panose="02040503050406030204" pitchFamily="18" charset="0"/>
+                                  </a:rPr>
+                                  <m:t>𝑗</m:t>
+                                </m:r>
+                              </m:sub>
+                            </m:sSub>
+                          </m:e>
+                        </m:d>
+                      </m:den>
+                    </m:f>
+                    <m:r>
+                      <a:rPr lang="en-GB" sz="2400" i="1" dirty="0">
+                        <a:latin typeface="Cambria Math" panose="02040503050406030204" pitchFamily="18" charset="0"/>
+                      </a:rPr>
+                      <m:t>⇒</m:t>
+                    </m:r>
+                    <m:f>
+                      <m:fPr>
+                        <m:ctrlPr>
+                          <a:rPr lang="en-GB" sz="2400" i="1">
+                            <a:latin typeface="Cambria Math" panose="02040503050406030204" pitchFamily="18" charset="0"/>
+                          </a:rPr>
+                        </m:ctrlPr>
+                      </m:fPr>
+                      <m:num>
+                        <m:r>
+                          <a:rPr lang="en-GB" sz="2400" i="1">
+                            <a:latin typeface="Cambria Math" panose="02040503050406030204" pitchFamily="18" charset="0"/>
+                          </a:rPr>
+                          <m:t>𝑃</m:t>
+                        </m:r>
+                        <m:d>
+                          <m:dPr>
+                            <m:ctrlPr>
+                              <a:rPr lang="en-GB" sz="2400" i="1">
+                                <a:latin typeface="Cambria Math" panose="02040503050406030204" pitchFamily="18" charset="0"/>
+                              </a:rPr>
+                            </m:ctrlPr>
+                          </m:dPr>
+                          <m:e>
+                            <m:sSub>
+                              <m:sSubPr>
+                                <m:ctrlPr>
+                                  <a:rPr lang="en-GB" sz="2400" i="1">
+                                    <a:latin typeface="Cambria Math" panose="02040503050406030204" pitchFamily="18" charset="0"/>
+                                  </a:rPr>
+                                </m:ctrlPr>
+                              </m:sSubPr>
+                              <m:e>
+                                <m:r>
+                                  <a:rPr lang="en-GB" sz="2400" i="1">
+                                    <a:latin typeface="Cambria Math" panose="02040503050406030204" pitchFamily="18" charset="0"/>
+                                  </a:rPr>
+                                  <m:t>𝑟</m:t>
+                                </m:r>
+                              </m:e>
+                              <m:sub>
+                                <m:r>
+                                  <a:rPr lang="en-GB" sz="2400" i="1">
+                                    <a:latin typeface="Cambria Math" panose="02040503050406030204" pitchFamily="18" charset="0"/>
+                                  </a:rPr>
+                                  <m:t>𝑖</m:t>
+                                </m:r>
+                              </m:sub>
+                            </m:sSub>
+                          </m:e>
+                        </m:d>
+                      </m:num>
+                      <m:den>
+                        <m:d>
+                          <m:dPr>
+                            <m:begChr m:val="|"/>
+                            <m:endChr m:val="|"/>
+                            <m:ctrlPr>
+                              <a:rPr lang="en-GB" sz="2400" i="1">
+                                <a:latin typeface="Cambria Math" panose="02040503050406030204" pitchFamily="18" charset="0"/>
+                              </a:rPr>
+                            </m:ctrlPr>
+                          </m:dPr>
+                          <m:e>
+                            <m:sSub>
+                              <m:sSubPr>
+                                <m:ctrlPr>
+                                  <a:rPr lang="en-GB" sz="2400" i="1">
+                                    <a:latin typeface="Cambria Math" panose="02040503050406030204" pitchFamily="18" charset="0"/>
+                                  </a:rPr>
+                                </m:ctrlPr>
+                              </m:sSubPr>
+                              <m:e>
+                                <m:r>
+                                  <a:rPr lang="en-GB" sz="2400" i="1">
+                                    <a:latin typeface="Cambria Math" panose="02040503050406030204" pitchFamily="18" charset="0"/>
+                                  </a:rPr>
+                                  <m:t>𝑟</m:t>
+                                </m:r>
+                              </m:e>
+                              <m:sub>
+                                <m:r>
+                                  <a:rPr lang="en-GB" sz="2400" i="1">
+                                    <a:latin typeface="Cambria Math" panose="02040503050406030204" pitchFamily="18" charset="0"/>
+                                  </a:rPr>
+                                  <m:t>𝑖</m:t>
+                                </m:r>
+                              </m:sub>
+                            </m:sSub>
+                            <m:r>
+                              <a:rPr lang="en-GB" sz="2400" i="1">
+                                <a:latin typeface="Cambria Math" panose="02040503050406030204" pitchFamily="18" charset="0"/>
+                              </a:rPr>
+                              <m:t>−</m:t>
+                            </m:r>
+                            <m:sSub>
+                              <m:sSubPr>
+                                <m:ctrlPr>
+                                  <a:rPr lang="en-GB" sz="2400" i="1">
+                                    <a:latin typeface="Cambria Math" panose="02040503050406030204" pitchFamily="18" charset="0"/>
+                                  </a:rPr>
+                                </m:ctrlPr>
+                              </m:sSubPr>
+                              <m:e>
+                                <m:r>
+                                  <a:rPr lang="en-GB" sz="2400" i="1">
+                                    <a:latin typeface="Cambria Math" panose="02040503050406030204" pitchFamily="18" charset="0"/>
+                                  </a:rPr>
+                                  <m:t>𝑟</m:t>
+                                </m:r>
+                              </m:e>
+                              <m:sub>
+                                <m:r>
+                                  <a:rPr lang="en-GB" sz="2400" i="1">
+                                    <a:latin typeface="Cambria Math" panose="02040503050406030204" pitchFamily="18" charset="0"/>
+                                  </a:rPr>
+                                  <m:t>𝑗</m:t>
+                                </m:r>
+                              </m:sub>
+                            </m:sSub>
+                          </m:e>
+                        </m:d>
+                      </m:den>
+                    </m:f>
+                  </m:oMath>
+                </a14:m>
+                <a:r>
+                  <a:rPr lang="en-GB" sz="2400" dirty="0" smtClean="0"/>
+                  <a:t> 			</a:t>
+                </a:r>
+                <a14:m>
+                  <m:oMath xmlns:m="http://schemas.openxmlformats.org/officeDocument/2006/math">
+                    <m:r>
+                      <a:rPr lang="en-GB" sz="2400" b="1" i="1" smtClean="0">
+                        <a:latin typeface="Cambria Math" panose="02040503050406030204" pitchFamily="18" charset="0"/>
+                      </a:rPr>
+                      <m:t>𝑬</m:t>
+                    </m:r>
+                    <m:d>
+                      <m:dPr>
+                        <m:ctrlPr>
+                          <a:rPr lang="en-GB" sz="2400" b="1" i="1" smtClean="0">
+                            <a:latin typeface="Cambria Math" panose="02040503050406030204" pitchFamily="18" charset="0"/>
+                          </a:rPr>
+                        </m:ctrlPr>
+                      </m:dPr>
+                      <m:e>
+                        <m:sSub>
+                          <m:sSubPr>
+                            <m:ctrlPr>
+                              <a:rPr lang="en-GB" sz="2400" b="1" i="1" smtClean="0">
+                                <a:latin typeface="Cambria Math" panose="02040503050406030204" pitchFamily="18" charset="0"/>
+                              </a:rPr>
+                            </m:ctrlPr>
+                          </m:sSubPr>
+                          <m:e>
+                            <m:r>
+                              <a:rPr lang="en-GB" sz="2400" b="1" i="1" smtClean="0">
+                                <a:latin typeface="Cambria Math" panose="02040503050406030204" pitchFamily="18" charset="0"/>
+                              </a:rPr>
+                              <m:t>𝒓</m:t>
+                            </m:r>
+                          </m:e>
+                          <m:sub>
+                            <m:r>
+                              <a:rPr lang="en-GB" sz="2400" b="1" i="1" smtClean="0">
+                                <a:latin typeface="Cambria Math" panose="02040503050406030204" pitchFamily="18" charset="0"/>
+                              </a:rPr>
+                              <m:t>𝒋</m:t>
+                            </m:r>
+                          </m:sub>
+                        </m:sSub>
+                      </m:e>
+                    </m:d>
+                    <m:r>
+                      <a:rPr lang="en-GB" sz="2400" b="0" i="1" smtClean="0">
+                        <a:latin typeface="Cambria Math" panose="02040503050406030204" pitchFamily="18" charset="0"/>
+                      </a:rPr>
+                      <m:t>=</m:t>
+                    </m:r>
+                    <m:nary>
+                      <m:naryPr>
+                        <m:chr m:val="∑"/>
+                        <m:ctrlPr>
+                          <a:rPr lang="en-GB" sz="2400" i="1">
+                            <a:latin typeface="Cambria Math" panose="02040503050406030204" pitchFamily="18" charset="0"/>
+                          </a:rPr>
+                        </m:ctrlPr>
+                      </m:naryPr>
+                      <m:sub>
+                        <m:r>
+                          <m:rPr>
+                            <m:brk m:alnAt="23"/>
+                          </m:rPr>
+                          <a:rPr lang="en-GB" sz="2400" i="1">
+                            <a:latin typeface="Cambria Math" panose="02040503050406030204" pitchFamily="18" charset="0"/>
+                          </a:rPr>
+                          <m:t>𝑖</m:t>
+                        </m:r>
+                        <m:r>
+                          <a:rPr lang="en-GB" sz="2400" i="1">
+                            <a:latin typeface="Cambria Math" panose="02040503050406030204" pitchFamily="18" charset="0"/>
+                          </a:rPr>
+                          <m:t>=0</m:t>
+                        </m:r>
+                      </m:sub>
+                      <m:sup>
+                        <m:r>
+                          <a:rPr lang="en-GB" sz="2400" i="1">
+                            <a:latin typeface="Cambria Math" panose="02040503050406030204" pitchFamily="18" charset="0"/>
+                          </a:rPr>
+                          <m:t>𝑁</m:t>
+                        </m:r>
+                        <m:r>
+                          <a:rPr lang="en-GB" sz="2400" i="1">
+                            <a:latin typeface="Cambria Math" panose="02040503050406030204" pitchFamily="18" charset="0"/>
+                          </a:rPr>
+                          <m:t>−1</m:t>
+                        </m:r>
+                      </m:sup>
+                      <m:e>
+                        <m:sSub>
+                          <m:sSubPr>
+                            <m:ctrlPr>
+                              <a:rPr lang="en-GB" sz="2400" i="1">
+                                <a:latin typeface="Cambria Math" panose="02040503050406030204" pitchFamily="18" charset="0"/>
+                              </a:rPr>
+                            </m:ctrlPr>
+                          </m:sSubPr>
+                          <m:e>
+                            <m:r>
+                              <a:rPr lang="en-GB" sz="2400" b="0" i="1" smtClean="0">
+                                <a:latin typeface="Cambria Math" panose="02040503050406030204" pitchFamily="18" charset="0"/>
+                              </a:rPr>
+                              <m:t>𝐸</m:t>
+                            </m:r>
+                          </m:e>
+                          <m:sub>
+                            <m:r>
+                              <a:rPr lang="en-GB" sz="2400" i="1">
+                                <a:latin typeface="Cambria Math" panose="02040503050406030204" pitchFamily="18" charset="0"/>
+                              </a:rPr>
+                              <m:t>𝑖</m:t>
+                            </m:r>
+                          </m:sub>
+                        </m:sSub>
+                        <m:d>
+                          <m:dPr>
+                            <m:ctrlPr>
+                              <a:rPr lang="en-GB" sz="2400" i="1">
+                                <a:latin typeface="Cambria Math" panose="02040503050406030204" pitchFamily="18" charset="0"/>
+                              </a:rPr>
+                            </m:ctrlPr>
+                          </m:dPr>
+                          <m:e>
+                            <m:sSub>
+                              <m:sSubPr>
+                                <m:ctrlPr>
+                                  <a:rPr lang="en-GB" sz="2400" i="1">
+                                    <a:latin typeface="Cambria Math" panose="02040503050406030204" pitchFamily="18" charset="0"/>
+                                  </a:rPr>
+                                </m:ctrlPr>
+                              </m:sSubPr>
+                              <m:e>
+                                <m:r>
+                                  <a:rPr lang="en-GB" sz="2400" i="1">
+                                    <a:latin typeface="Cambria Math" panose="02040503050406030204" pitchFamily="18" charset="0"/>
+                                  </a:rPr>
+                                  <m:t>𝑟</m:t>
+                                </m:r>
+                              </m:e>
+                              <m:sub>
+                                <m:r>
+                                  <a:rPr lang="en-GB" sz="2400" i="1">
+                                    <a:latin typeface="Cambria Math" panose="02040503050406030204" pitchFamily="18" charset="0"/>
+                                  </a:rPr>
+                                  <m:t>𝑗</m:t>
+                                </m:r>
+                              </m:sub>
+                            </m:sSub>
+                          </m:e>
+                        </m:d>
+                      </m:e>
+                    </m:nary>
+                  </m:oMath>
+                </a14:m>
+                <a:r>
+                  <a:rPr lang="en-GB" sz="2000" dirty="0" smtClean="0"/>
+                  <a:t>	</a:t>
+                </a:r>
+                <a:endParaRPr lang="en-GB" sz="2000" dirty="0"/>
+              </a:p>
+            </p:txBody>
+          </p:sp>
+        </mc:Choice>
+        <mc:Fallback xmlns="">
+          <p:sp>
+            <p:nvSpPr>
+              <p:cNvPr id="15" name="Textfeld 14"/>
+              <p:cNvSpPr txBox="1">
+                <a:spLocks noRot="1" noChangeAspect="1" noMove="1" noResize="1" noEditPoints="1" noAdjustHandles="1" noChangeArrowheads="1" noChangeShapeType="1" noTextEdit="1"/>
+              </p:cNvSpPr>
+              <p:nvPr/>
+            </p:nvSpPr>
+            <p:spPr>
+              <a:xfrm>
+                <a:off x="324091" y="4531358"/>
+                <a:ext cx="8414795" cy="1565172"/>
+              </a:xfrm>
+              <a:prstGeom prst="rect">
+                <a:avLst/>
+              </a:prstGeom>
+              <a:blipFill>
+                <a:blip r:embed="rId3"/>
+                <a:stretch>
+                  <a:fillRect/>
+                </a:stretch>
+              </a:blipFill>
+            </p:spPr>
+            <p:txBody>
+              <a:bodyPr/>
+              <a:lstStyle/>
+              <a:p>
+                <a:r>
+                  <a:rPr lang="en-GB">
+                    <a:noFill/>
+                  </a:rPr>
+                  <a:t> </a:t>
+                </a:r>
+              </a:p>
+            </p:txBody>
+          </p:sp>
+        </mc:Fallback>
+      </mc:AlternateContent>
+      <p:grpSp>
+        <p:nvGrpSpPr>
+          <p:cNvPr id="7" name="Gruppieren 6"/>
+          <p:cNvGrpSpPr>
+            <a:grpSpLocks noChangeAspect="1"/>
+          </p:cNvGrpSpPr>
+          <p:nvPr/>
+        </p:nvGrpSpPr>
+        <p:grpSpPr>
+          <a:xfrm>
+            <a:off x="1328873" y="786624"/>
+            <a:ext cx="6203039" cy="3614824"/>
+            <a:chOff x="2004584" y="795130"/>
+            <a:chExt cx="5134832" cy="2992326"/>
+          </a:xfrm>
+        </p:grpSpPr>
+        <p:pic>
+          <p:nvPicPr>
+            <p:cNvPr id="14" name="Grafik 13"/>
+            <p:cNvPicPr>
+              <a:picLocks noChangeAspect="1"/>
+            </p:cNvPicPr>
+            <p:nvPr/>
+          </p:nvPicPr>
+          <p:blipFill>
+            <a:blip r:embed="rId4" cstate="print">
+              <a:extLst>
+                <a:ext uri="{28A0092B-C50C-407E-A947-70E740481C1C}">
+                  <a14:useLocalDpi xmlns:a14="http://schemas.microsoft.com/office/drawing/2010/main" val="0"/>
+                </a:ext>
+              </a:extLst>
+            </a:blip>
+            <a:stretch>
+              <a:fillRect/>
+            </a:stretch>
+          </p:blipFill>
+          <p:spPr>
+            <a:xfrm>
+              <a:off x="2004584" y="795130"/>
+              <a:ext cx="5134832" cy="2992326"/>
+            </a:xfrm>
+            <a:prstGeom prst="rect">
+              <a:avLst/>
+            </a:prstGeom>
+          </p:spPr>
+        </p:pic>
+        <mc:AlternateContent xmlns:mc="http://schemas.openxmlformats.org/markup-compatibility/2006" xmlns:a14="http://schemas.microsoft.com/office/drawing/2010/main">
+          <mc:Choice Requires="a14">
+            <p:sp>
+              <p:nvSpPr>
+                <p:cNvPr id="3" name="Textfeld 2"/>
+                <p:cNvSpPr txBox="1"/>
+                <p:nvPr/>
+              </p:nvSpPr>
+              <p:spPr>
+                <a:xfrm>
+                  <a:off x="4868954" y="2070216"/>
+                  <a:ext cx="365760" cy="327174"/>
+                </a:xfrm>
+                <a:prstGeom prst="rect">
+                  <a:avLst/>
+                </a:prstGeom>
+                <a:noFill/>
+              </p:spPr>
+              <p:txBody>
+                <a:bodyPr wrap="square" rtlCol="0">
+                  <a:spAutoFit/>
+                </a:bodyPr>
+                <a:lstStyle/>
+                <a:p>
+                  <a:pPr/>
+                  <a14:m>
+                    <m:oMathPara xmlns:m="http://schemas.openxmlformats.org/officeDocument/2006/math">
+                      <m:oMathParaPr>
+                        <m:jc m:val="centerGroup"/>
+                      </m:oMathParaPr>
+                      <m:oMath xmlns:m="http://schemas.openxmlformats.org/officeDocument/2006/math">
+                        <m:sSub>
+                          <m:sSubPr>
+                            <m:ctrlPr>
+                              <a:rPr lang="en-GB" b="1" i="1" dirty="0" smtClean="0">
+                                <a:latin typeface="Cambria Math" panose="02040503050406030204" pitchFamily="18" charset="0"/>
+                                <a:cs typeface="Times New Roman" panose="02020603050405020304" pitchFamily="18" charset="0"/>
+                              </a:rPr>
+                            </m:ctrlPr>
+                          </m:sSubPr>
+                          <m:e>
+                            <m:r>
+                              <a:rPr lang="en-GB" b="1" i="0" dirty="0" smtClean="0">
+                                <a:latin typeface="Cambria Math" panose="02040503050406030204" pitchFamily="18" charset="0"/>
+                                <a:cs typeface="Times New Roman" panose="02020603050405020304" pitchFamily="18" charset="0"/>
+                              </a:rPr>
+                              <m:t>𝐫</m:t>
+                            </m:r>
+                          </m:e>
+                          <m:sub>
+                            <m:r>
+                              <a:rPr lang="en-GB" b="1" i="0" dirty="0" smtClean="0">
+                                <a:latin typeface="Cambria Math" panose="02040503050406030204" pitchFamily="18" charset="0"/>
+                                <a:cs typeface="Times New Roman" panose="02020603050405020304" pitchFamily="18" charset="0"/>
+                              </a:rPr>
+                              <m:t>𝐣</m:t>
+                            </m:r>
+                          </m:sub>
+                        </m:sSub>
+                      </m:oMath>
+                    </m:oMathPara>
+                  </a14:m>
+                  <a:endParaRPr lang="en-GB" b="1" dirty="0">
+                    <a:latin typeface="Times New Roman" panose="02020603050405020304" pitchFamily="18" charset="0"/>
+                    <a:cs typeface="Times New Roman" panose="02020603050405020304" pitchFamily="18" charset="0"/>
+                  </a:endParaRPr>
+                </a:p>
+              </p:txBody>
+            </p:sp>
+          </mc:Choice>
+          <mc:Fallback xmlns="">
+            <p:sp>
+              <p:nvSpPr>
+                <p:cNvPr id="3" name="Textfeld 2"/>
+                <p:cNvSpPr txBox="1">
+                  <a:spLocks noRot="1" noChangeAspect="1" noMove="1" noResize="1" noEditPoints="1" noAdjustHandles="1" noChangeArrowheads="1" noChangeShapeType="1" noTextEdit="1"/>
+                </p:cNvSpPr>
+                <p:nvPr/>
+              </p:nvSpPr>
+              <p:spPr>
+                <a:xfrm>
+                  <a:off x="4868954" y="2070216"/>
+                  <a:ext cx="365760" cy="327174"/>
+                </a:xfrm>
+                <a:prstGeom prst="rect">
+                  <a:avLst/>
+                </a:prstGeom>
+                <a:blipFill>
+                  <a:blip r:embed="rId5"/>
+                  <a:stretch>
+                    <a:fillRect b="-7692"/>
+                  </a:stretch>
+                </a:blipFill>
+              </p:spPr>
+              <p:txBody>
+                <a:bodyPr/>
+                <a:lstStyle/>
+                <a:p>
+                  <a:r>
+                    <a:rPr lang="en-GB">
+                      <a:noFill/>
+                    </a:rPr>
+                    <a:t> </a:t>
+                  </a:r>
+                </a:p>
+              </p:txBody>
+            </p:sp>
+          </mc:Fallback>
+        </mc:AlternateContent>
+      </p:grpSp>
+      <mc:AlternateContent xmlns:mc="http://schemas.openxmlformats.org/markup-compatibility/2006" xmlns:a14="http://schemas.microsoft.com/office/drawing/2010/main">
+        <mc:Choice Requires="a14">
+          <p:sp>
+            <p:nvSpPr>
+              <p:cNvPr id="10" name="Textfeld 9"/>
+              <p:cNvSpPr txBox="1"/>
+              <p:nvPr/>
+            </p:nvSpPr>
+            <p:spPr>
+              <a:xfrm>
+                <a:off x="5277186" y="3312744"/>
+                <a:ext cx="441850" cy="395236"/>
+              </a:xfrm>
+              <a:prstGeom prst="rect">
+                <a:avLst/>
+              </a:prstGeom>
+              <a:noFill/>
+            </p:spPr>
+            <p:txBody>
+              <a:bodyPr wrap="square" rtlCol="0">
+                <a:spAutoFit/>
+              </a:bodyPr>
+              <a:lstStyle/>
+              <a:p>
+                <a:pPr/>
+                <a14:m>
+                  <m:oMathPara xmlns:m="http://schemas.openxmlformats.org/officeDocument/2006/math">
+                    <m:oMathParaPr>
+                      <m:jc m:val="centerGroup"/>
+                    </m:oMathParaPr>
+                    <m:oMath xmlns:m="http://schemas.openxmlformats.org/officeDocument/2006/math">
+                      <m:sSub>
+                        <m:sSubPr>
+                          <m:ctrlPr>
+                            <a:rPr lang="en-GB" b="1" i="1" dirty="0" smtClean="0">
+                              <a:latin typeface="Cambria Math" panose="02040503050406030204" pitchFamily="18" charset="0"/>
+                              <a:cs typeface="Times New Roman" panose="02020603050405020304" pitchFamily="18" charset="0"/>
+                            </a:rPr>
+                          </m:ctrlPr>
+                        </m:sSubPr>
+                        <m:e/>
+                        <m:sub>
+                          <m:r>
+                            <a:rPr lang="en-GB" b="1" i="0" dirty="0" smtClean="0">
+                              <a:latin typeface="Cambria Math" panose="02040503050406030204" pitchFamily="18" charset="0"/>
+                              <a:cs typeface="Times New Roman" panose="02020603050405020304" pitchFamily="18" charset="0"/>
+                            </a:rPr>
+                            <m:t>𝐣</m:t>
+                          </m:r>
+                        </m:sub>
+                      </m:sSub>
+                    </m:oMath>
+                  </m:oMathPara>
+                </a14:m>
+                <a:endParaRPr lang="en-GB" b="1" dirty="0">
+                  <a:latin typeface="Times New Roman" panose="02020603050405020304" pitchFamily="18" charset="0"/>
+                  <a:cs typeface="Times New Roman" panose="02020603050405020304" pitchFamily="18" charset="0"/>
+                </a:endParaRPr>
+              </a:p>
+            </p:txBody>
+          </p:sp>
+        </mc:Choice>
+        <mc:Fallback xmlns="">
+          <p:sp>
+            <p:nvSpPr>
+              <p:cNvPr id="10" name="Textfeld 9"/>
+              <p:cNvSpPr txBox="1">
+                <a:spLocks noRot="1" noChangeAspect="1" noMove="1" noResize="1" noEditPoints="1" noAdjustHandles="1" noChangeArrowheads="1" noChangeShapeType="1" noTextEdit="1"/>
+              </p:cNvSpPr>
+              <p:nvPr/>
+            </p:nvSpPr>
+            <p:spPr>
+              <a:xfrm>
+                <a:off x="5277186" y="3312744"/>
+                <a:ext cx="441850" cy="395236"/>
+              </a:xfrm>
+              <a:prstGeom prst="rect">
+                <a:avLst/>
+              </a:prstGeom>
+              <a:blipFill>
+                <a:blip r:embed="rId6"/>
+                <a:stretch>
+                  <a:fillRect b="-9231"/>
+                </a:stretch>
+              </a:blipFill>
+            </p:spPr>
+            <p:txBody>
+              <a:bodyPr/>
+              <a:lstStyle/>
+              <a:p>
+                <a:r>
+                  <a:rPr lang="en-GB">
+                    <a:noFill/>
+                  </a:rPr>
+                  <a:t> </a:t>
+                </a:r>
+              </a:p>
+            </p:txBody>
+          </p:sp>
+        </mc:Fallback>
+      </mc:AlternateContent>
+      <mc:AlternateContent xmlns:mc="http://schemas.openxmlformats.org/markup-compatibility/2006" xmlns:a14="http://schemas.microsoft.com/office/drawing/2010/main">
+        <mc:Choice Requires="a14">
+          <p:sp>
+            <p:nvSpPr>
+              <p:cNvPr id="11" name="Textfeld 10"/>
+              <p:cNvSpPr txBox="1"/>
+              <p:nvPr/>
+            </p:nvSpPr>
+            <p:spPr>
+              <a:xfrm>
+                <a:off x="4095563" y="1416426"/>
+                <a:ext cx="441850" cy="361574"/>
+              </a:xfrm>
+              <a:prstGeom prst="rect">
+                <a:avLst/>
+              </a:prstGeom>
+              <a:noFill/>
+            </p:spPr>
+            <p:txBody>
+              <a:bodyPr wrap="square" rtlCol="0">
+                <a:spAutoFit/>
+              </a:bodyPr>
+              <a:lstStyle/>
+              <a:p>
+                <a:pPr/>
+                <a14:m>
+                  <m:oMathPara xmlns:m="http://schemas.openxmlformats.org/officeDocument/2006/math">
+                    <m:oMathParaPr>
+                      <m:jc m:val="centerGroup"/>
+                    </m:oMathParaPr>
+                    <m:oMath xmlns:m="http://schemas.openxmlformats.org/officeDocument/2006/math">
+                      <m:sSub>
+                        <m:sSubPr>
+                          <m:ctrlPr>
+                            <a:rPr lang="en-GB" sz="1600" b="1" i="1" dirty="0" smtClean="0">
+                              <a:latin typeface="Cambria Math" panose="02040503050406030204" pitchFamily="18" charset="0"/>
+                              <a:cs typeface="Times New Roman" panose="02020603050405020304" pitchFamily="18" charset="0"/>
+                            </a:rPr>
+                          </m:ctrlPr>
+                        </m:sSubPr>
+                        <m:e/>
+                        <m:sub>
+                          <m:r>
+                            <a:rPr lang="en-GB" sz="1600" b="1" i="0" dirty="0" smtClean="0">
+                              <a:latin typeface="Cambria Math" panose="02040503050406030204" pitchFamily="18" charset="0"/>
+                              <a:cs typeface="Times New Roman" panose="02020603050405020304" pitchFamily="18" charset="0"/>
+                            </a:rPr>
+                            <m:t>𝐣</m:t>
+                          </m:r>
+                        </m:sub>
+                      </m:sSub>
+                    </m:oMath>
+                  </m:oMathPara>
+                </a14:m>
+                <a:endParaRPr lang="en-GB" sz="1600" b="1" dirty="0">
+                  <a:latin typeface="Times New Roman" panose="02020603050405020304" pitchFamily="18" charset="0"/>
+                  <a:cs typeface="Times New Roman" panose="02020603050405020304" pitchFamily="18" charset="0"/>
+                </a:endParaRPr>
+              </a:p>
+            </p:txBody>
+          </p:sp>
+        </mc:Choice>
+        <mc:Fallback xmlns="">
+          <p:sp>
+            <p:nvSpPr>
+              <p:cNvPr id="11" name="Textfeld 10"/>
+              <p:cNvSpPr txBox="1">
+                <a:spLocks noRot="1" noChangeAspect="1" noMove="1" noResize="1" noEditPoints="1" noAdjustHandles="1" noChangeArrowheads="1" noChangeShapeType="1" noTextEdit="1"/>
+              </p:cNvSpPr>
+              <p:nvPr/>
+            </p:nvSpPr>
+            <p:spPr>
+              <a:xfrm>
+                <a:off x="4095563" y="1416426"/>
+                <a:ext cx="441850" cy="361574"/>
+              </a:xfrm>
+              <a:prstGeom prst="rect">
+                <a:avLst/>
+              </a:prstGeom>
+              <a:blipFill>
+                <a:blip r:embed="rId7"/>
+                <a:stretch>
+                  <a:fillRect b="-5000"/>
+                </a:stretch>
+              </a:blipFill>
+            </p:spPr>
+            <p:txBody>
+              <a:bodyPr/>
+              <a:lstStyle/>
+              <a:p>
+                <a:r>
+                  <a:rPr lang="en-GB">
+                    <a:noFill/>
+                  </a:rPr>
+                  <a:t> </a:t>
+                </a:r>
+              </a:p>
+            </p:txBody>
+          </p:sp>
+        </mc:Fallback>
+      </mc:AlternateContent>
+      <p:sp>
+        <p:nvSpPr>
+          <p:cNvPr id="12" name="Rechteck 11"/>
+          <p:cNvSpPr/>
+          <p:nvPr/>
+        </p:nvSpPr>
+        <p:spPr>
+          <a:xfrm>
+            <a:off x="3949579" y="4223581"/>
+            <a:ext cx="4144549" cy="307777"/>
+          </a:xfrm>
+          <a:prstGeom prst="rect">
+            <a:avLst/>
+          </a:prstGeom>
+        </p:spPr>
+        <p:txBody>
+          <a:bodyPr wrap="square">
+            <a:spAutoFit/>
+          </a:bodyPr>
+          <a:lstStyle/>
+          <a:p>
+            <a:pPr lvl="0"/>
+            <a:r>
+              <a:rPr lang="en-GB" sz="1400" dirty="0" smtClean="0"/>
+              <a:t>Image source</a:t>
+            </a:r>
+            <a:r>
+              <a:rPr lang="en-GB" sz="1400" dirty="0"/>
+              <a:t>: [1]</a:t>
+            </a:r>
+          </a:p>
+        </p:txBody>
+      </p:sp>
+      <mc:AlternateContent xmlns:mc="http://schemas.openxmlformats.org/markup-compatibility/2006" xmlns:a14="http://schemas.microsoft.com/office/drawing/2010/main">
+        <mc:Choice Requires="a14">
+          <p:sp>
+            <p:nvSpPr>
+              <p:cNvPr id="19" name="Textfeld 18"/>
+              <p:cNvSpPr txBox="1"/>
+              <p:nvPr/>
+            </p:nvSpPr>
+            <p:spPr>
+              <a:xfrm>
+                <a:off x="3022460" y="2963373"/>
+                <a:ext cx="441850" cy="361574"/>
+              </a:xfrm>
+              <a:prstGeom prst="rect">
+                <a:avLst/>
+              </a:prstGeom>
+              <a:noFill/>
+            </p:spPr>
+            <p:txBody>
+              <a:bodyPr wrap="square" rtlCol="0">
+                <a:spAutoFit/>
+              </a:bodyPr>
+              <a:lstStyle/>
+              <a:p>
+                <a:pPr/>
+                <a14:m>
+                  <m:oMathPara xmlns:m="http://schemas.openxmlformats.org/officeDocument/2006/math">
+                    <m:oMathParaPr>
+                      <m:jc m:val="centerGroup"/>
+                    </m:oMathParaPr>
+                    <m:oMath xmlns:m="http://schemas.openxmlformats.org/officeDocument/2006/math">
+                      <m:sSub>
+                        <m:sSubPr>
+                          <m:ctrlPr>
+                            <a:rPr lang="en-GB" sz="1600" b="1" i="1" dirty="0" smtClean="0">
+                              <a:latin typeface="Cambria Math" panose="02040503050406030204" pitchFamily="18" charset="0"/>
+                              <a:cs typeface="Times New Roman" panose="02020603050405020304" pitchFamily="18" charset="0"/>
+                            </a:rPr>
+                          </m:ctrlPr>
+                        </m:sSubPr>
+                        <m:e/>
+                        <m:sub>
+                          <m:r>
+                            <a:rPr lang="en-GB" sz="1600" b="1" i="0" dirty="0" smtClean="0">
+                              <a:latin typeface="Cambria Math" panose="02040503050406030204" pitchFamily="18" charset="0"/>
+                              <a:cs typeface="Times New Roman" panose="02020603050405020304" pitchFamily="18" charset="0"/>
+                            </a:rPr>
+                            <m:t>𝐣</m:t>
+                          </m:r>
+                        </m:sub>
+                      </m:sSub>
+                    </m:oMath>
+                  </m:oMathPara>
+                </a14:m>
+                <a:endParaRPr lang="en-GB" sz="1600" b="1" dirty="0">
+                  <a:latin typeface="Times New Roman" panose="02020603050405020304" pitchFamily="18" charset="0"/>
+                  <a:cs typeface="Times New Roman" panose="02020603050405020304" pitchFamily="18" charset="0"/>
+                </a:endParaRPr>
+              </a:p>
+            </p:txBody>
+          </p:sp>
+        </mc:Choice>
+        <mc:Fallback xmlns="">
+          <p:sp>
+            <p:nvSpPr>
+              <p:cNvPr id="19" name="Textfeld 18"/>
+              <p:cNvSpPr txBox="1">
+                <a:spLocks noRot="1" noChangeAspect="1" noMove="1" noResize="1" noEditPoints="1" noAdjustHandles="1" noChangeArrowheads="1" noChangeShapeType="1" noTextEdit="1"/>
+              </p:cNvSpPr>
+              <p:nvPr/>
+            </p:nvSpPr>
+            <p:spPr>
+              <a:xfrm>
+                <a:off x="3022460" y="2963373"/>
+                <a:ext cx="441850" cy="361574"/>
+              </a:xfrm>
+              <a:prstGeom prst="rect">
+                <a:avLst/>
+              </a:prstGeom>
+              <a:blipFill>
+                <a:blip r:embed="rId8"/>
+                <a:stretch>
+                  <a:fillRect b="-6780"/>
+                </a:stretch>
+              </a:blipFill>
+            </p:spPr>
+            <p:txBody>
+              <a:bodyPr/>
+              <a:lstStyle/>
+              <a:p>
+                <a:r>
+                  <a:rPr lang="en-GB">
+                    <a:noFill/>
+                  </a:rPr>
+                  <a:t> </a:t>
+                </a:r>
+              </a:p>
+            </p:txBody>
+          </p:sp>
+        </mc:Fallback>
+      </mc:AlternateContent>
+      <p:sp>
+        <p:nvSpPr>
+          <p:cNvPr id="20" name="Rechteck 19"/>
+          <p:cNvSpPr/>
+          <p:nvPr/>
+        </p:nvSpPr>
+        <p:spPr>
+          <a:xfrm>
+            <a:off x="370093" y="5383530"/>
+            <a:ext cx="3725470" cy="713000"/>
+          </a:xfrm>
+          <a:prstGeom prst="rect">
+            <a:avLst/>
+          </a:prstGeom>
+          <a:noFill/>
+          <a:ln w="28575">
+            <a:solidFill>
+              <a:srgbClr val="FF0000"/>
+            </a:solidFill>
+          </a:ln>
+        </p:spPr>
+        <p:style>
+          <a:lnRef idx="2">
+            <a:schemeClr val="accent1">
+              <a:shade val="50000"/>
+            </a:schemeClr>
+          </a:lnRef>
+          <a:fillRef idx="1">
+            <a:schemeClr val="accent1"/>
+          </a:fillRef>
+          <a:effectRef idx="0">
+            <a:schemeClr val="accent1"/>
+          </a:effectRef>
+          <a:fontRef idx="minor">
+            <a:schemeClr val="lt1"/>
+          </a:fontRef>
+        </p:style>
+        <p:txBody>
+          <a:bodyPr rtlCol="0" anchor="ctr"/>
+          <a:lstStyle/>
+          <a:p>
+            <a:pPr algn="ctr"/>
+            <a:endParaRPr lang="en-GB"/>
+          </a:p>
+        </p:txBody>
+      </p:sp>
+    </p:spTree>
+    <p:extLst>
+      <p:ext uri="{BB962C8B-B14F-4D97-AF65-F5344CB8AC3E}">
+        <p14:creationId xmlns:p14="http://schemas.microsoft.com/office/powerpoint/2010/main" val="1249024170"/>
+      </p:ext>
+    </p:extLst>
+  </p:cSld>
+  <p:clrMapOvr>
+    <a:masterClrMapping/>
+  </p:clrMapOvr>
+  <p:timing>
+    <p:tnLst>
+      <p:par>
+        <p:cTn id="1" dur="indefinite" restart="never" nodeType="tmRoot"/>
+      </p:par>
+    </p:tnLst>
+  </p:timing>
+</p:sld>
+</file>
+
+<file path=ppt/slides/slide13.xml><?xml version="1.0" encoding="utf-8"?>
+<p:sld xmlns:a="http://schemas.openxmlformats.org/drawingml/2006/main" xmlns:r="http://schemas.openxmlformats.org/officeDocument/2006/relationships" xmlns:p="http://schemas.openxmlformats.org/presentationml/2006/main">
+  <p:cSld>
+    <p:spTree>
+      <p:nvGrpSpPr>
+        <p:cNvPr id="1" name=""/>
+        <p:cNvGrpSpPr/>
+        <p:nvPr/>
+      </p:nvGrpSpPr>
+      <p:grpSpPr>
+        <a:xfrm>
+          <a:off x="0" y="0"/>
+          <a:ext cx="0" cy="0"/>
+          <a:chOff x="0" y="0"/>
+          <a:chExt cx="0" cy="0"/>
+        </a:xfrm>
+      </p:grpSpPr>
+      <p:sp>
+        <p:nvSpPr>
+          <p:cNvPr id="2" name="Titel 1"/>
+          <p:cNvSpPr>
+            <a:spLocks noGrp="1"/>
+          </p:cNvSpPr>
+          <p:nvPr>
+            <p:ph type="title"/>
+          </p:nvPr>
+        </p:nvSpPr>
+        <p:spPr/>
+        <p:txBody>
           <a:bodyPr/>
           <a:lstStyle/>
           <a:p>
@@ -12232,7 +18141,7 @@
           <a:p>
             <a:fld id="{FB9D3F8E-99BC-4812-95D4-548B8E992B94}" type="slidenum">
               <a:rPr lang="en-GB" smtClean="0"/>
-              <a:t>11</a:t>
+              <a:t>13</a:t>
             </a:fld>
             <a:endParaRPr lang="en-GB" dirty="0"/>
           </a:p>
@@ -12375,7 +18284,7 @@
 </p:sld>
 </file>
 
-<file path=ppt/slides/slide12.xml><?xml version="1.0" encoding="utf-8"?>
+<file path=ppt/slides/slide14.xml><?xml version="1.0" encoding="utf-8"?>
 <p:sld xmlns:a="http://schemas.openxmlformats.org/drawingml/2006/main" xmlns:r="http://schemas.openxmlformats.org/officeDocument/2006/relationships" xmlns:p="http://schemas.openxmlformats.org/presentationml/2006/main">
   <p:cSld>
     <p:spTree>
@@ -12478,7 +18387,7 @@
           <a:p>
             <a:fld id="{FB9D3F8E-99BC-4812-95D4-548B8E992B94}" type="slidenum">
               <a:rPr lang="en-GB" smtClean="0"/>
-              <a:t>12</a:t>
+              <a:t>14</a:t>
             </a:fld>
             <a:endParaRPr lang="en-GB"/>
           </a:p>
@@ -12597,7 +18506,7 @@
 </p:sld>
 </file>
 
-<file path=ppt/slides/slide13.xml><?xml version="1.0" encoding="utf-8"?>
+<file path=ppt/slides/slide15.xml><?xml version="1.0" encoding="utf-8"?>
 <p:sld xmlns:a="http://schemas.openxmlformats.org/drawingml/2006/main" xmlns:r="http://schemas.openxmlformats.org/officeDocument/2006/relationships" xmlns:p="http://schemas.openxmlformats.org/presentationml/2006/main">
   <p:cSld>
     <p:spTree>
@@ -12756,7 +18665,7 @@
           <a:p>
             <a:fld id="{FB9D3F8E-99BC-4812-95D4-548B8E992B94}" type="slidenum">
               <a:rPr lang="en-GB" smtClean="0"/>
-              <a:t>13</a:t>
+              <a:t>15</a:t>
             </a:fld>
             <a:endParaRPr lang="en-GB"/>
           </a:p>
@@ -12782,167 +18691,7 @@
 </p:sld>
 </file>
 
-<file path=ppt/slides/slide14.xml><?xml version="1.0" encoding="utf-8"?>
-<p:sld xmlns:a="http://schemas.openxmlformats.org/drawingml/2006/main" xmlns:r="http://schemas.openxmlformats.org/officeDocument/2006/relationships" xmlns:p="http://schemas.openxmlformats.org/presentationml/2006/main">
-  <p:cSld>
-    <p:spTree>
-      <p:nvGrpSpPr>
-        <p:cNvPr id="1" name=""/>
-        <p:cNvGrpSpPr/>
-        <p:nvPr/>
-      </p:nvGrpSpPr>
-      <p:grpSpPr>
-        <a:xfrm>
-          <a:off x="0" y="0"/>
-          <a:ext cx="0" cy="0"/>
-          <a:chOff x="0" y="0"/>
-          <a:chExt cx="0" cy="0"/>
-        </a:xfrm>
-      </p:grpSpPr>
-      <p:sp>
-        <p:nvSpPr>
-          <p:cNvPr id="2" name="Titel 1"/>
-          <p:cNvSpPr>
-            <a:spLocks noGrp="1"/>
-          </p:cNvSpPr>
-          <p:nvPr>
-            <p:ph type="title"/>
-          </p:nvPr>
-        </p:nvSpPr>
-        <p:spPr/>
-        <p:txBody>
-          <a:bodyPr>
-            <a:normAutofit/>
-          </a:bodyPr>
-          <a:lstStyle/>
-          <a:p>
-            <a:r>
-              <a:rPr lang="en-GB" dirty="0" smtClean="0"/>
-              <a:t>Method Application</a:t>
-            </a:r>
-            <a:endParaRPr lang="en-GB" dirty="0"/>
-          </a:p>
-        </p:txBody>
-      </p:sp>
-      <p:sp>
-        <p:nvSpPr>
-          <p:cNvPr id="3" name="Inhaltsplatzhalter 2"/>
-          <p:cNvSpPr>
-            <a:spLocks noGrp="1"/>
-          </p:cNvSpPr>
-          <p:nvPr>
-            <p:ph idx="1"/>
-          </p:nvPr>
-        </p:nvSpPr>
-        <p:spPr>
-          <a:xfrm>
-            <a:off x="628650" y="1831278"/>
-            <a:ext cx="7886700" cy="4351338"/>
-          </a:xfrm>
-        </p:spPr>
-        <p:txBody>
-          <a:bodyPr>
-            <a:normAutofit/>
-          </a:bodyPr>
-          <a:lstStyle/>
-          <a:p>
-            <a:pPr marL="0" indent="0">
-              <a:buNone/>
-            </a:pPr>
-            <a:endParaRPr lang="en-GB" dirty="0"/>
-          </a:p>
-        </p:txBody>
-      </p:sp>
-      <p:sp>
-        <p:nvSpPr>
-          <p:cNvPr id="4" name="Datumsplatzhalter 3"/>
-          <p:cNvSpPr>
-            <a:spLocks noGrp="1"/>
-          </p:cNvSpPr>
-          <p:nvPr>
-            <p:ph type="dt" sz="half" idx="10"/>
-          </p:nvPr>
-        </p:nvSpPr>
-        <p:spPr/>
-        <p:txBody>
-          <a:bodyPr/>
-          <a:lstStyle/>
-          <a:p>
-            <a:r>
-              <a:rPr lang="en-US" smtClean="0"/>
-              <a:t>Ganiyu Ibraheem  Philipp Seybold</a:t>
-            </a:r>
-            <a:endParaRPr lang="en-GB" dirty="0"/>
-          </a:p>
-        </p:txBody>
-      </p:sp>
-      <p:sp>
-        <p:nvSpPr>
-          <p:cNvPr id="5" name="Fußzeilenplatzhalter 4"/>
-          <p:cNvSpPr>
-            <a:spLocks noGrp="1"/>
-          </p:cNvSpPr>
-          <p:nvPr>
-            <p:ph type="ftr" sz="quarter" idx="11"/>
-          </p:nvPr>
-        </p:nvSpPr>
-        <p:spPr/>
-        <p:txBody>
-          <a:bodyPr/>
-          <a:lstStyle/>
-          <a:p>
-            <a:r>
-              <a:rPr lang="en-GB" smtClean="0"/>
-              <a:t>COMP6206 Advanced Computer Vision</a:t>
-            </a:r>
-            <a:endParaRPr lang="en-GB"/>
-          </a:p>
-        </p:txBody>
-      </p:sp>
-      <p:sp>
-        <p:nvSpPr>
-          <p:cNvPr id="6" name="Foliennummernplatzhalter 5"/>
-          <p:cNvSpPr>
-            <a:spLocks noGrp="1"/>
-          </p:cNvSpPr>
-          <p:nvPr>
-            <p:ph type="sldNum" sz="quarter" idx="12"/>
-          </p:nvPr>
-        </p:nvSpPr>
-        <p:spPr/>
-        <p:txBody>
-          <a:bodyPr/>
-          <a:lstStyle/>
-          <a:p>
-            <a:fld id="{FB9D3F8E-99BC-4812-95D4-548B8E992B94}" type="slidenum">
-              <a:rPr lang="en-GB" smtClean="0"/>
-              <a:t>14</a:t>
-            </a:fld>
-            <a:endParaRPr lang="en-GB"/>
-          </a:p>
-        </p:txBody>
-      </p:sp>
-    </p:spTree>
-    <p:extLst>
-      <p:ext uri="{BB962C8B-B14F-4D97-AF65-F5344CB8AC3E}">
-        <p14:creationId xmlns:p14="http://schemas.microsoft.com/office/powerpoint/2010/main" val="3964285588"/>
-      </p:ext>
-    </p:extLst>
-  </p:cSld>
-  <p:clrMapOvr>
-    <a:masterClrMapping/>
-  </p:clrMapOvr>
-  <p:timing>
-    <p:tnLst>
-      <p:par>
-        <p:cTn id="1" dur="indefinite" restart="never" nodeType="tmRoot"/>
-      </p:par>
-    </p:tnLst>
-  </p:timing>
-</p:sld>
-</file>
-
-<file path=ppt/slides/slide15.xml><?xml version="1.0" encoding="utf-8"?>
+<file path=ppt/slides/slide16.xml><?xml version="1.0" encoding="utf-8"?>
 <p:sld xmlns:a="http://schemas.openxmlformats.org/drawingml/2006/main" xmlns:r="http://schemas.openxmlformats.org/officeDocument/2006/relationships" xmlns:p="http://schemas.openxmlformats.org/presentationml/2006/main">
   <p:cSld>
     <p:spTree>
@@ -13077,7 +18826,7 @@
           <a:p>
             <a:fld id="{FB9D3F8E-99BC-4812-95D4-548B8E992B94}" type="slidenum">
               <a:rPr lang="en-GB" smtClean="0"/>
-              <a:t>15</a:t>
+              <a:t>16</a:t>
             </a:fld>
             <a:endParaRPr lang="en-GB"/>
           </a:p>
@@ -13134,7 +18883,7 @@
 </p:sld>
 </file>
 
-<file path=ppt/slides/slide16.xml><?xml version="1.0" encoding="utf-8"?>
+<file path=ppt/slides/slide17.xml><?xml version="1.0" encoding="utf-8"?>
 <p:sld xmlns:a="http://schemas.openxmlformats.org/drawingml/2006/main" xmlns:r="http://schemas.openxmlformats.org/officeDocument/2006/relationships" xmlns:p="http://schemas.openxmlformats.org/presentationml/2006/main">
   <p:cSld>
     <p:spTree>
@@ -13239,7 +18988,7 @@
           <a:p>
             <a:fld id="{FB9D3F8E-99BC-4812-95D4-548B8E992B94}" type="slidenum">
               <a:rPr lang="en-GB" smtClean="0"/>
-              <a:t>16</a:t>
+              <a:t>17</a:t>
             </a:fld>
             <a:endParaRPr lang="en-GB"/>
           </a:p>
@@ -13326,7 +19075,7 @@
 </p:sld>
 </file>
 
-<file path=ppt/slides/slide17.xml><?xml version="1.0" encoding="utf-8"?>
+<file path=ppt/slides/slide18.xml><?xml version="1.0" encoding="utf-8"?>
 <p:sld xmlns:a="http://schemas.openxmlformats.org/drawingml/2006/main" xmlns:r="http://schemas.openxmlformats.org/officeDocument/2006/relationships" xmlns:p="http://schemas.openxmlformats.org/presentationml/2006/main">
   <p:cSld>
     <p:spTree>
@@ -13462,7 +19211,7 @@
           <a:p>
             <a:fld id="{FB9D3F8E-99BC-4812-95D4-548B8E992B94}" type="slidenum">
               <a:rPr lang="en-GB" smtClean="0"/>
-              <a:t>17</a:t>
+              <a:t>18</a:t>
             </a:fld>
             <a:endParaRPr lang="en-GB"/>
           </a:p>
@@ -13488,7 +19237,7 @@
 </p:sld>
 </file>
 
-<file path=ppt/slides/slide18.xml><?xml version="1.0" encoding="utf-8"?>
+<file path=ppt/slides/slide19.xml><?xml version="1.0" encoding="utf-8"?>
 <p:sld xmlns:a="http://schemas.openxmlformats.org/drawingml/2006/main" xmlns:r="http://schemas.openxmlformats.org/officeDocument/2006/relationships" xmlns:p="http://schemas.openxmlformats.org/presentationml/2006/main">
   <p:cSld>
     <p:spTree>
@@ -13547,7 +19296,9 @@
           </a:bodyPr>
           <a:lstStyle/>
           <a:p>
-            <a:pPr lvl="0"/>
+            <a:pPr marL="0" lvl="0" indent="0">
+              <a:buNone/>
+            </a:pPr>
             <a:r>
               <a:rPr lang="en-GB" dirty="0"/>
               <a:t>Advantages:</a:t>
@@ -13570,15 +19321,12 @@
           <a:p>
             <a:pPr lvl="1"/>
             <a:r>
-              <a:rPr lang="en-GB" dirty="0"/>
-              <a:t>Impervious to distortion in image due to motion</a:t>
+              <a:rPr lang="en-GB" dirty="0" smtClean="0"/>
+              <a:t>Finds </a:t>
             </a:r>
-          </a:p>
-          <a:p>
-            <a:pPr lvl="1"/>
             <a:r>
               <a:rPr lang="en-GB" dirty="0"/>
-              <a:t>Finds application in edge detection</a:t>
+              <a:t>application in edge detection</a:t>
             </a:r>
           </a:p>
           <a:p>
@@ -13679,7 +19427,7 @@
           <a:p>
             <a:fld id="{FB9D3F8E-99BC-4812-95D4-548B8E992B94}" type="slidenum">
               <a:rPr lang="en-GB" smtClean="0"/>
-              <a:t>18</a:t>
+              <a:t>19</a:t>
             </a:fld>
             <a:endParaRPr lang="en-GB"/>
           </a:p>
@@ -13689,207 +19437,6 @@
     <p:extLst>
       <p:ext uri="{BB962C8B-B14F-4D97-AF65-F5344CB8AC3E}">
         <p14:creationId xmlns:p14="http://schemas.microsoft.com/office/powerpoint/2010/main" val="1276399475"/>
-      </p:ext>
-    </p:extLst>
-  </p:cSld>
-  <p:clrMapOvr>
-    <a:masterClrMapping/>
-  </p:clrMapOvr>
-  <p:timing>
-    <p:tnLst>
-      <p:par>
-        <p:cTn id="1" dur="indefinite" restart="never" nodeType="tmRoot"/>
-      </p:par>
-    </p:tnLst>
-  </p:timing>
-</p:sld>
-</file>
-
-<file path=ppt/slides/slide19.xml><?xml version="1.0" encoding="utf-8"?>
-<p:sld xmlns:a="http://schemas.openxmlformats.org/drawingml/2006/main" xmlns:r="http://schemas.openxmlformats.org/officeDocument/2006/relationships" xmlns:p="http://schemas.openxmlformats.org/presentationml/2006/main">
-  <p:cSld>
-    <p:spTree>
-      <p:nvGrpSpPr>
-        <p:cNvPr id="1" name=""/>
-        <p:cNvGrpSpPr/>
-        <p:nvPr/>
-      </p:nvGrpSpPr>
-      <p:grpSpPr>
-        <a:xfrm>
-          <a:off x="0" y="0"/>
-          <a:ext cx="0" cy="0"/>
-          <a:chOff x="0" y="0"/>
-          <a:chExt cx="0" cy="0"/>
-        </a:xfrm>
-      </p:grpSpPr>
-      <p:sp>
-        <p:nvSpPr>
-          <p:cNvPr id="2" name="Titel 1"/>
-          <p:cNvSpPr>
-            <a:spLocks noGrp="1"/>
-          </p:cNvSpPr>
-          <p:nvPr>
-            <p:ph type="title"/>
-          </p:nvPr>
-        </p:nvSpPr>
-        <p:spPr/>
-        <p:txBody>
-          <a:bodyPr>
-            <a:normAutofit/>
-          </a:bodyPr>
-          <a:lstStyle/>
-          <a:p>
-            <a:r>
-              <a:rPr lang="en-GB" dirty="0" smtClean="0"/>
-              <a:t>Result</a:t>
-            </a:r>
-            <a:endParaRPr lang="en-GB" dirty="0"/>
-          </a:p>
-        </p:txBody>
-      </p:sp>
-      <p:sp>
-        <p:nvSpPr>
-          <p:cNvPr id="3" name="Inhaltsplatzhalter 2"/>
-          <p:cNvSpPr>
-            <a:spLocks noGrp="1"/>
-          </p:cNvSpPr>
-          <p:nvPr>
-            <p:ph idx="1"/>
-          </p:nvPr>
-        </p:nvSpPr>
-        <p:spPr/>
-        <p:txBody>
-          <a:bodyPr>
-            <a:normAutofit/>
-          </a:bodyPr>
-          <a:lstStyle/>
-          <a:p>
-            <a:pPr lvl="0"/>
-            <a:r>
-              <a:rPr lang="en-GB" dirty="0" smtClean="0"/>
-              <a:t>Disadvantages</a:t>
-            </a:r>
-            <a:r>
-              <a:rPr lang="en-GB" dirty="0"/>
-              <a:t>:</a:t>
-            </a:r>
-          </a:p>
-          <a:p>
-            <a:pPr lvl="1"/>
-            <a:r>
-              <a:rPr lang="en-GB" dirty="0"/>
-              <a:t>At times, transform generates only one ‘well</a:t>
-            </a:r>
-            <a:r>
-              <a:rPr lang="en-GB" dirty="0" smtClean="0"/>
-              <a:t>’</a:t>
-            </a:r>
-          </a:p>
-          <a:p>
-            <a:pPr lvl="1"/>
-            <a:r>
-              <a:rPr lang="en-GB" dirty="0" smtClean="0"/>
-              <a:t>High </a:t>
-            </a:r>
-            <a:r>
-              <a:rPr lang="en-GB" dirty="0"/>
-              <a:t>computational costs for brute-force method: O(n²)</a:t>
-            </a:r>
-          </a:p>
-          <a:p>
-            <a:pPr lvl="1"/>
-            <a:r>
-              <a:rPr lang="en-GB" dirty="0"/>
-              <a:t>Not widely applicable</a:t>
-            </a:r>
-          </a:p>
-          <a:p>
-            <a:pPr lvl="1"/>
-            <a:r>
-              <a:rPr lang="en-GB" dirty="0"/>
-              <a:t>Occlusion by </a:t>
-            </a:r>
-            <a:r>
-              <a:rPr lang="en-GB" dirty="0" smtClean="0"/>
-              <a:t>hair</a:t>
-            </a:r>
-            <a:endParaRPr lang="en-GB" dirty="0"/>
-          </a:p>
-        </p:txBody>
-      </p:sp>
-      <p:sp>
-        <p:nvSpPr>
-          <p:cNvPr id="4" name="Datumsplatzhalter 3"/>
-          <p:cNvSpPr>
-            <a:spLocks noGrp="1"/>
-          </p:cNvSpPr>
-          <p:nvPr>
-            <p:ph type="dt" sz="half" idx="10"/>
-          </p:nvPr>
-        </p:nvSpPr>
-        <p:spPr/>
-        <p:txBody>
-          <a:bodyPr/>
-          <a:lstStyle/>
-          <a:p>
-            <a:r>
-              <a:rPr lang="en-US" smtClean="0"/>
-              <a:t>Ganiyu Ibraheem  Philipp Seybold</a:t>
-            </a:r>
-            <a:endParaRPr lang="en-GB" dirty="0"/>
-          </a:p>
-        </p:txBody>
-      </p:sp>
-      <p:sp>
-        <p:nvSpPr>
-          <p:cNvPr id="5" name="Fußzeilenplatzhalter 4"/>
-          <p:cNvSpPr>
-            <a:spLocks noGrp="1"/>
-          </p:cNvSpPr>
-          <p:nvPr>
-            <p:ph type="ftr" sz="quarter" idx="11"/>
-          </p:nvPr>
-        </p:nvSpPr>
-        <p:spPr/>
-        <p:txBody>
-          <a:bodyPr/>
-          <a:lstStyle/>
-          <a:p>
-            <a:r>
-              <a:rPr lang="en-GB" smtClean="0"/>
-              <a:t>COMP6206 Advanced Computer Vision</a:t>
-            </a:r>
-            <a:endParaRPr lang="en-GB"/>
-          </a:p>
-        </p:txBody>
-      </p:sp>
-      <p:sp>
-        <p:nvSpPr>
-          <p:cNvPr id="6" name="Foliennummernplatzhalter 5"/>
-          <p:cNvSpPr>
-            <a:spLocks noGrp="1"/>
-          </p:cNvSpPr>
-          <p:nvPr>
-            <p:ph type="sldNum" sz="quarter" idx="12"/>
-          </p:nvPr>
-        </p:nvSpPr>
-        <p:spPr/>
-        <p:txBody>
-          <a:bodyPr/>
-          <a:lstStyle/>
-          <a:p>
-            <a:fld id="{FB9D3F8E-99BC-4812-95D4-548B8E992B94}" type="slidenum">
-              <a:rPr lang="en-GB" smtClean="0"/>
-              <a:t>19</a:t>
-            </a:fld>
-            <a:endParaRPr lang="en-GB"/>
-          </a:p>
-        </p:txBody>
-      </p:sp>
-    </p:spTree>
-    <p:extLst>
-      <p:ext uri="{BB962C8B-B14F-4D97-AF65-F5344CB8AC3E}">
-        <p14:creationId xmlns:p14="http://schemas.microsoft.com/office/powerpoint/2010/main" val="3840115597"/>
       </p:ext>
     </p:extLst>
   </p:cSld>
@@ -14306,6 +19853,3152 @@
           <a:p>
             <a:r>
               <a:rPr lang="en-GB" dirty="0" smtClean="0"/>
+              <a:t>Result</a:t>
+            </a:r>
+            <a:endParaRPr lang="en-GB" dirty="0"/>
+          </a:p>
+        </p:txBody>
+      </p:sp>
+      <mc:AlternateContent xmlns:mc="http://schemas.openxmlformats.org/markup-compatibility/2006">
+        <mc:Choice xmlns:a14="http://schemas.microsoft.com/office/drawing/2010/main" Requires="a14">
+          <p:sp>
+            <p:nvSpPr>
+              <p:cNvPr id="3" name="Inhaltsplatzhalter 2"/>
+              <p:cNvSpPr>
+                <a:spLocks noGrp="1"/>
+              </p:cNvSpPr>
+              <p:nvPr>
+                <p:ph idx="1"/>
+              </p:nvPr>
+            </p:nvSpPr>
+            <p:spPr>
+              <a:xfrm>
+                <a:off x="1198720" y="3508255"/>
+                <a:ext cx="6372225" cy="2649282"/>
+              </a:xfrm>
+            </p:spPr>
+            <p:txBody>
+              <a:bodyPr>
+                <a:normAutofit/>
+              </a:bodyPr>
+              <a:lstStyle/>
+              <a:p>
+                <a:pPr marL="0" indent="0">
+                  <a:buNone/>
+                </a:pPr>
+                <a14:m>
+                  <m:oMathPara xmlns:m="http://schemas.openxmlformats.org/officeDocument/2006/math">
+                    <m:oMathParaPr>
+                      <m:jc m:val="centerGroup"/>
+                    </m:oMathParaPr>
+                    <m:oMath xmlns:m="http://schemas.openxmlformats.org/officeDocument/2006/math">
+                      <m:d>
+                        <m:dPr>
+                          <m:begChr m:val="["/>
+                          <m:endChr m:val="]"/>
+                          <m:ctrlPr>
+                            <a:rPr lang="en-GB" sz="2400" i="1" smtClean="0">
+                              <a:latin typeface="Cambria Math" panose="02040503050406030204" pitchFamily="18" charset="0"/>
+                            </a:rPr>
+                          </m:ctrlPr>
+                        </m:dPr>
+                        <m:e>
+                          <m:m>
+                            <m:mPr>
+                              <m:mcs>
+                                <m:mc>
+                                  <m:mcPr>
+                                    <m:count m:val="3"/>
+                                    <m:mcJc m:val="center"/>
+                                  </m:mcPr>
+                                </m:mc>
+                              </m:mcs>
+                              <m:ctrlPr>
+                                <a:rPr lang="en-GB" sz="2400" i="1" smtClean="0">
+                                  <a:latin typeface="Cambria Math" panose="02040503050406030204" pitchFamily="18" charset="0"/>
+                                </a:rPr>
+                              </m:ctrlPr>
+                            </m:mPr>
+                            <m:mr>
+                              <m:e>
+                                <m:r>
+                                  <m:rPr>
+                                    <m:brk m:alnAt="7"/>
+                                  </m:rPr>
+                                  <a:rPr lang="en-GB" sz="2400" b="0" i="1" smtClean="0">
+                                    <a:latin typeface="Cambria Math" panose="02040503050406030204" pitchFamily="18" charset="0"/>
+                                  </a:rPr>
+                                  <m:t>0</m:t>
+                                </m:r>
+                              </m:e>
+                              <m:e>
+                                <m:sSub>
+                                  <m:sSubPr>
+                                    <m:ctrlPr>
+                                      <a:rPr lang="en-GB" sz="2400" b="0" i="1" smtClean="0">
+                                        <a:latin typeface="Cambria Math" panose="02040503050406030204" pitchFamily="18" charset="0"/>
+                                      </a:rPr>
+                                    </m:ctrlPr>
+                                  </m:sSubPr>
+                                  <m:e>
+                                    <m:r>
+                                      <a:rPr lang="en-GB" sz="2400" b="0" i="1" smtClean="0">
+                                        <a:latin typeface="Cambria Math" panose="02040503050406030204" pitchFamily="18" charset="0"/>
+                                      </a:rPr>
+                                      <m:t>𝑑</m:t>
+                                    </m:r>
+                                  </m:e>
+                                  <m:sub>
+                                    <m:r>
+                                      <a:rPr lang="en-GB" sz="2400" b="0" i="1" smtClean="0">
+                                        <a:latin typeface="Cambria Math" panose="02040503050406030204" pitchFamily="18" charset="0"/>
+                                      </a:rPr>
+                                      <m:t>01</m:t>
+                                    </m:r>
+                                  </m:sub>
+                                </m:sSub>
+                              </m:e>
+                              <m:e>
+                                <m:sSub>
+                                  <m:sSubPr>
+                                    <m:ctrlPr>
+                                      <a:rPr lang="en-GB" sz="2400" b="0" i="1" smtClean="0">
+                                        <a:latin typeface="Cambria Math" panose="02040503050406030204" pitchFamily="18" charset="0"/>
+                                      </a:rPr>
+                                    </m:ctrlPr>
+                                  </m:sSubPr>
+                                  <m:e>
+                                    <m:r>
+                                      <a:rPr lang="en-GB" sz="2400" b="0" i="1" smtClean="0">
+                                        <a:latin typeface="Cambria Math" panose="02040503050406030204" pitchFamily="18" charset="0"/>
+                                      </a:rPr>
+                                      <m:t>𝑑</m:t>
+                                    </m:r>
+                                  </m:e>
+                                  <m:sub>
+                                    <m:r>
+                                      <a:rPr lang="en-GB" sz="2400" b="0" i="1" smtClean="0">
+                                        <a:latin typeface="Cambria Math" panose="02040503050406030204" pitchFamily="18" charset="0"/>
+                                      </a:rPr>
+                                      <m:t>02</m:t>
+                                    </m:r>
+                                  </m:sub>
+                                </m:sSub>
+                              </m:e>
+                            </m:mr>
+                            <m:mr>
+                              <m:e>
+                                <m:r>
+                                  <a:rPr lang="en-GB" sz="2400" i="1" smtClean="0">
+                                    <a:latin typeface="Cambria Math" panose="02040503050406030204" pitchFamily="18" charset="0"/>
+                                  </a:rPr>
+                                  <m:t>⋮</m:t>
+                                </m:r>
+                              </m:e>
+                              <m:e/>
+                              <m:e/>
+                            </m:mr>
+                            <m:mr>
+                              <m:e>
+                                <m:eqArr>
+                                  <m:eqArrPr>
+                                    <m:ctrlPr>
+                                      <a:rPr lang="en-GB" sz="2400" i="1" smtClean="0">
+                                        <a:latin typeface="Cambria Math" panose="02040503050406030204" pitchFamily="18" charset="0"/>
+                                      </a:rPr>
+                                    </m:ctrlPr>
+                                  </m:eqArrPr>
+                                  <m:e>
+                                    <m:r>
+                                      <a:rPr lang="en-GB" sz="2400" i="1">
+                                        <a:latin typeface="Cambria Math" panose="02040503050406030204" pitchFamily="18" charset="0"/>
+                                      </a:rPr>
+                                      <m:t>⋮</m:t>
+                                    </m:r>
+                                  </m:e>
+                                  <m:e>
+                                    <m:sSub>
+                                      <m:sSubPr>
+                                        <m:ctrlPr>
+                                          <a:rPr lang="en-GB" sz="2400" b="0" i="1" smtClean="0">
+                                            <a:latin typeface="Cambria Math" panose="02040503050406030204" pitchFamily="18" charset="0"/>
+                                          </a:rPr>
+                                        </m:ctrlPr>
+                                      </m:sSubPr>
+                                      <m:e>
+                                        <m:r>
+                                          <a:rPr lang="en-GB" sz="2400" b="0" i="1" smtClean="0">
+                                            <a:latin typeface="Cambria Math" panose="02040503050406030204" pitchFamily="18" charset="0"/>
+                                          </a:rPr>
+                                          <m:t>𝑑</m:t>
+                                        </m:r>
+                                      </m:e>
+                                      <m:sub>
+                                        <m:r>
+                                          <a:rPr lang="en-GB" sz="2400" b="0" i="1" smtClean="0">
+                                            <a:latin typeface="Cambria Math" panose="02040503050406030204" pitchFamily="18" charset="0"/>
+                                          </a:rPr>
+                                          <m:t>30</m:t>
+                                        </m:r>
+                                      </m:sub>
+                                    </m:sSub>
+                                  </m:e>
+                                </m:eqArr>
+                              </m:e>
+                              <m:e>
+                                <m:eqArr>
+                                  <m:eqArrPr>
+                                    <m:ctrlPr>
+                                      <a:rPr lang="en-GB" sz="2400" i="1" smtClean="0">
+                                        <a:latin typeface="Cambria Math" panose="02040503050406030204" pitchFamily="18" charset="0"/>
+                                      </a:rPr>
+                                    </m:ctrlPr>
+                                  </m:eqArrPr>
+                                  <m:e/>
+                                  <m:e>
+                                    <m:sSub>
+                                      <m:sSubPr>
+                                        <m:ctrlPr>
+                                          <a:rPr lang="en-GB" sz="2400" b="0" i="1" smtClean="0">
+                                            <a:latin typeface="Cambria Math" panose="02040503050406030204" pitchFamily="18" charset="0"/>
+                                          </a:rPr>
+                                        </m:ctrlPr>
+                                      </m:sSubPr>
+                                      <m:e>
+                                        <m:r>
+                                          <a:rPr lang="en-GB" sz="2400" b="0" i="1" smtClean="0">
+                                            <a:latin typeface="Cambria Math" panose="02040503050406030204" pitchFamily="18" charset="0"/>
+                                          </a:rPr>
+                                          <m:t>𝑑</m:t>
+                                        </m:r>
+                                      </m:e>
+                                      <m:sub>
+                                        <m:r>
+                                          <a:rPr lang="en-GB" sz="2400" b="0" i="1" smtClean="0">
+                                            <a:latin typeface="Cambria Math" panose="02040503050406030204" pitchFamily="18" charset="0"/>
+                                          </a:rPr>
+                                          <m:t>31</m:t>
+                                        </m:r>
+                                      </m:sub>
+                                    </m:sSub>
+                                  </m:e>
+                                </m:eqArr>
+                              </m:e>
+                              <m:e>
+                                <m:eqArr>
+                                  <m:eqArrPr>
+                                    <m:ctrlPr>
+                                      <a:rPr lang="en-GB" sz="2400" i="1" smtClean="0">
+                                        <a:latin typeface="Cambria Math" panose="02040503050406030204" pitchFamily="18" charset="0"/>
+                                      </a:rPr>
+                                    </m:ctrlPr>
+                                  </m:eqArrPr>
+                                  <m:e/>
+                                  <m:e>
+                                    <m:sSub>
+                                      <m:sSubPr>
+                                        <m:ctrlPr>
+                                          <a:rPr lang="en-GB" sz="2400" b="0" i="1" smtClean="0">
+                                            <a:latin typeface="Cambria Math" panose="02040503050406030204" pitchFamily="18" charset="0"/>
+                                          </a:rPr>
+                                        </m:ctrlPr>
+                                      </m:sSubPr>
+                                      <m:e>
+                                        <m:r>
+                                          <a:rPr lang="en-GB" sz="2400" b="0" i="1" smtClean="0">
+                                            <a:latin typeface="Cambria Math" panose="02040503050406030204" pitchFamily="18" charset="0"/>
+                                          </a:rPr>
+                                          <m:t>𝑑</m:t>
+                                        </m:r>
+                                      </m:e>
+                                      <m:sub>
+                                        <m:r>
+                                          <a:rPr lang="en-GB" sz="2400" b="0" i="1" smtClean="0">
+                                            <a:latin typeface="Cambria Math" panose="02040503050406030204" pitchFamily="18" charset="0"/>
+                                          </a:rPr>
+                                          <m:t>32</m:t>
+                                        </m:r>
+                                      </m:sub>
+                                    </m:sSub>
+                                  </m:e>
+                                </m:eqArr>
+                              </m:e>
+                            </m:mr>
+                          </m:m>
+                          <m:r>
+                            <a:rPr lang="en-GB" sz="2400" b="0" i="1" smtClean="0">
+                              <a:latin typeface="Cambria Math" panose="02040503050406030204" pitchFamily="18" charset="0"/>
+                            </a:rPr>
+                            <m:t>    </m:t>
+                          </m:r>
+                          <m:m>
+                            <m:mPr>
+                              <m:mcs>
+                                <m:mc>
+                                  <m:mcPr>
+                                    <m:count m:val="1"/>
+                                    <m:mcJc m:val="center"/>
+                                  </m:mcPr>
+                                </m:mc>
+                              </m:mcs>
+                              <m:ctrlPr>
+                                <a:rPr lang="en-GB" sz="2400" b="0" i="1" smtClean="0">
+                                  <a:latin typeface="Cambria Math" panose="02040503050406030204" pitchFamily="18" charset="0"/>
+                                </a:rPr>
+                              </m:ctrlPr>
+                            </m:mPr>
+                            <m:mr>
+                              <m:e>
+                                <m:sSub>
+                                  <m:sSubPr>
+                                    <m:ctrlPr>
+                                      <a:rPr lang="en-GB" sz="2400" b="0" i="1" smtClean="0">
+                                        <a:latin typeface="Cambria Math" panose="02040503050406030204" pitchFamily="18" charset="0"/>
+                                      </a:rPr>
+                                    </m:ctrlPr>
+                                  </m:sSubPr>
+                                  <m:e>
+                                    <m:r>
+                                      <m:rPr>
+                                        <m:brk m:alnAt="7"/>
+                                      </m:rPr>
+                                      <a:rPr lang="en-GB" sz="2400" b="0" i="1" smtClean="0">
+                                        <a:latin typeface="Cambria Math" panose="02040503050406030204" pitchFamily="18" charset="0"/>
+                                      </a:rPr>
+                                      <m:t>𝑑</m:t>
+                                    </m:r>
+                                  </m:e>
+                                  <m:sub>
+                                    <m:r>
+                                      <m:rPr>
+                                        <m:brk m:alnAt="7"/>
+                                      </m:rPr>
+                                      <a:rPr lang="en-GB" sz="2400" b="0" i="1" smtClean="0">
+                                        <a:latin typeface="Cambria Math" panose="02040503050406030204" pitchFamily="18" charset="0"/>
+                                      </a:rPr>
+                                      <m:t>03</m:t>
+                                    </m:r>
+                                  </m:sub>
+                                </m:sSub>
+                              </m:e>
+                            </m:mr>
+                            <m:mr>
+                              <m:e>
+                                <m:r>
+                                  <a:rPr lang="en-GB" sz="2400" i="1">
+                                    <a:latin typeface="Cambria Math" panose="02040503050406030204" pitchFamily="18" charset="0"/>
+                                  </a:rPr>
+                                  <m:t>⋮</m:t>
+                                </m:r>
+                              </m:e>
+                            </m:mr>
+                            <m:mr>
+                              <m:e>
+                                <m:eqArr>
+                                  <m:eqArrPr>
+                                    <m:ctrlPr>
+                                      <a:rPr lang="en-GB" sz="2400" b="0" i="1" smtClean="0">
+                                        <a:latin typeface="Cambria Math" panose="02040503050406030204" pitchFamily="18" charset="0"/>
+                                      </a:rPr>
+                                    </m:ctrlPr>
+                                  </m:eqArrPr>
+                                  <m:e>
+                                    <m:r>
+                                      <a:rPr lang="en-GB" sz="2400" i="1">
+                                        <a:latin typeface="Cambria Math" panose="02040503050406030204" pitchFamily="18" charset="0"/>
+                                      </a:rPr>
+                                      <m:t>⋮</m:t>
+                                    </m:r>
+                                  </m:e>
+                                  <m:e>
+                                    <m:r>
+                                      <a:rPr lang="en-GB" sz="2400" b="0" i="1" smtClean="0">
+                                        <a:latin typeface="Cambria Math" panose="02040503050406030204" pitchFamily="18" charset="0"/>
+                                      </a:rPr>
+                                      <m:t>0</m:t>
+                                    </m:r>
+                                  </m:e>
+                                </m:eqArr>
+                              </m:e>
+                            </m:mr>
+                          </m:m>
+                        </m:e>
+                      </m:d>
+                      <m:r>
+                        <a:rPr lang="en-GB" sz="2400" b="0" i="1" smtClean="0">
+                          <a:latin typeface="Cambria Math" panose="02040503050406030204" pitchFamily="18" charset="0"/>
+                        </a:rPr>
+                        <m:t> </m:t>
+                      </m:r>
+                      <m:d>
+                        <m:dPr>
+                          <m:begChr m:val="["/>
+                          <m:endChr m:val="]"/>
+                          <m:ctrlPr>
+                            <a:rPr lang="en-GB" sz="2400" i="1">
+                              <a:latin typeface="Cambria Math" panose="02040503050406030204" pitchFamily="18" charset="0"/>
+                            </a:rPr>
+                          </m:ctrlPr>
+                        </m:dPr>
+                        <m:e>
+                          <m:m>
+                            <m:mPr>
+                              <m:mcs>
+                                <m:mc>
+                                  <m:mcPr>
+                                    <m:count m:val="1"/>
+                                    <m:mcJc m:val="center"/>
+                                  </m:mcPr>
+                                </m:mc>
+                              </m:mcs>
+                              <m:ctrlPr>
+                                <a:rPr lang="en-GB" sz="2400" i="1" smtClean="0">
+                                  <a:latin typeface="Cambria Math" panose="02040503050406030204" pitchFamily="18" charset="0"/>
+                                </a:rPr>
+                              </m:ctrlPr>
+                            </m:mPr>
+                            <m:mr>
+                              <m:e>
+                                <m:r>
+                                  <m:rPr>
+                                    <m:brk m:alnAt="7"/>
+                                  </m:rPr>
+                                  <a:rPr lang="en-GB" sz="2400" b="0" i="1" smtClean="0">
+                                    <a:latin typeface="Cambria Math" panose="02040503050406030204" pitchFamily="18" charset="0"/>
+                                  </a:rPr>
+                                  <m:t>𝑃</m:t>
+                                </m:r>
+                                <m:r>
+                                  <a:rPr lang="en-GB" sz="2400" b="0" i="1" smtClean="0">
+                                    <a:latin typeface="Cambria Math" panose="02040503050406030204" pitchFamily="18" charset="0"/>
+                                  </a:rPr>
+                                  <m:t>(</m:t>
+                                </m:r>
+                                <m:sSub>
+                                  <m:sSubPr>
+                                    <m:ctrlPr>
+                                      <a:rPr lang="en-GB" sz="2400" b="0" i="1" smtClean="0">
+                                        <a:latin typeface="Cambria Math" panose="02040503050406030204" pitchFamily="18" charset="0"/>
+                                      </a:rPr>
+                                    </m:ctrlPr>
+                                  </m:sSubPr>
+                                  <m:e>
+                                    <m:r>
+                                      <m:rPr>
+                                        <m:brk m:alnAt="7"/>
+                                      </m:rPr>
+                                      <a:rPr lang="en-GB" sz="2400" b="0" i="1" smtClean="0">
+                                        <a:latin typeface="Cambria Math" panose="02040503050406030204" pitchFamily="18" charset="0"/>
+                                      </a:rPr>
+                                      <m:t>𝑟</m:t>
+                                    </m:r>
+                                  </m:e>
+                                  <m:sub>
+                                    <m:r>
+                                      <m:rPr>
+                                        <m:brk m:alnAt="7"/>
+                                      </m:rPr>
+                                      <a:rPr lang="en-GB" sz="2400" b="0" i="1" smtClean="0">
+                                        <a:latin typeface="Cambria Math" panose="02040503050406030204" pitchFamily="18" charset="0"/>
+                                      </a:rPr>
+                                      <m:t>0</m:t>
+                                    </m:r>
+                                  </m:sub>
+                                </m:sSub>
+                                <m:r>
+                                  <m:rPr>
+                                    <m:brk m:alnAt="7"/>
+                                  </m:rPr>
+                                  <a:rPr lang="en-GB" sz="2400" b="0" i="1" smtClean="0">
+                                    <a:latin typeface="Cambria Math" panose="02040503050406030204" pitchFamily="18" charset="0"/>
+                                  </a:rPr>
+                                  <m:t>)</m:t>
+                                </m:r>
+                              </m:e>
+                            </m:mr>
+                            <m:mr>
+                              <m:e>
+                                <m:r>
+                                  <m:rPr>
+                                    <m:brk m:alnAt="7"/>
+                                  </m:rPr>
+                                  <a:rPr lang="en-GB" sz="2400" i="1">
+                                    <a:latin typeface="Cambria Math" panose="02040503050406030204" pitchFamily="18" charset="0"/>
+                                  </a:rPr>
+                                  <m:t>𝑃</m:t>
+                                </m:r>
+                                <m:r>
+                                  <a:rPr lang="en-GB" sz="2400" i="1">
+                                    <a:latin typeface="Cambria Math" panose="02040503050406030204" pitchFamily="18" charset="0"/>
+                                  </a:rPr>
+                                  <m:t>(</m:t>
+                                </m:r>
+                                <m:sSub>
+                                  <m:sSubPr>
+                                    <m:ctrlPr>
+                                      <a:rPr lang="en-GB" sz="2400" i="1">
+                                        <a:latin typeface="Cambria Math" panose="02040503050406030204" pitchFamily="18" charset="0"/>
+                                      </a:rPr>
+                                    </m:ctrlPr>
+                                  </m:sSubPr>
+                                  <m:e>
+                                    <m:r>
+                                      <m:rPr>
+                                        <m:brk m:alnAt="7"/>
+                                      </m:rPr>
+                                      <a:rPr lang="en-GB" sz="2400" i="1">
+                                        <a:latin typeface="Cambria Math" panose="02040503050406030204" pitchFamily="18" charset="0"/>
+                                      </a:rPr>
+                                      <m:t>𝑟</m:t>
+                                    </m:r>
+                                  </m:e>
+                                  <m:sub>
+                                    <m:r>
+                                      <a:rPr lang="en-GB" sz="2400" b="0" i="1" smtClean="0">
+                                        <a:latin typeface="Cambria Math" panose="02040503050406030204" pitchFamily="18" charset="0"/>
+                                      </a:rPr>
+                                      <m:t>1</m:t>
+                                    </m:r>
+                                  </m:sub>
+                                </m:sSub>
+                                <m:r>
+                                  <m:rPr>
+                                    <m:brk m:alnAt="7"/>
+                                  </m:rPr>
+                                  <a:rPr lang="en-GB" sz="2400" i="1">
+                                    <a:latin typeface="Cambria Math" panose="02040503050406030204" pitchFamily="18" charset="0"/>
+                                  </a:rPr>
+                                  <m:t>)</m:t>
+                                </m:r>
+                              </m:e>
+                            </m:mr>
+                            <m:mr>
+                              <m:e>
+                                <m:eqArr>
+                                  <m:eqArrPr>
+                                    <m:ctrlPr>
+                                      <a:rPr lang="en-GB" sz="2400" i="1" smtClean="0">
+                                        <a:latin typeface="Cambria Math" panose="02040503050406030204" pitchFamily="18" charset="0"/>
+                                      </a:rPr>
+                                    </m:ctrlPr>
+                                  </m:eqArrPr>
+                                  <m:e>
+                                    <m:r>
+                                      <m:rPr>
+                                        <m:brk m:alnAt="7"/>
+                                      </m:rPr>
+                                      <a:rPr lang="en-GB" sz="2400" i="1">
+                                        <a:latin typeface="Cambria Math" panose="02040503050406030204" pitchFamily="18" charset="0"/>
+                                      </a:rPr>
+                                      <m:t>𝑃</m:t>
+                                    </m:r>
+                                    <m:r>
+                                      <a:rPr lang="en-GB" sz="2400" i="1">
+                                        <a:latin typeface="Cambria Math" panose="02040503050406030204" pitchFamily="18" charset="0"/>
+                                      </a:rPr>
+                                      <m:t>(</m:t>
+                                    </m:r>
+                                    <m:sSub>
+                                      <m:sSubPr>
+                                        <m:ctrlPr>
+                                          <a:rPr lang="en-GB" sz="2400" i="1">
+                                            <a:latin typeface="Cambria Math" panose="02040503050406030204" pitchFamily="18" charset="0"/>
+                                          </a:rPr>
+                                        </m:ctrlPr>
+                                      </m:sSubPr>
+                                      <m:e>
+                                        <m:r>
+                                          <m:rPr>
+                                            <m:brk m:alnAt="7"/>
+                                          </m:rPr>
+                                          <a:rPr lang="en-GB" sz="2400" i="1">
+                                            <a:latin typeface="Cambria Math" panose="02040503050406030204" pitchFamily="18" charset="0"/>
+                                          </a:rPr>
+                                          <m:t>𝑟</m:t>
+                                        </m:r>
+                                      </m:e>
+                                      <m:sub>
+                                        <m:r>
+                                          <a:rPr lang="en-GB" sz="2400" b="0" i="1" smtClean="0">
+                                            <a:latin typeface="Cambria Math" panose="02040503050406030204" pitchFamily="18" charset="0"/>
+                                          </a:rPr>
+                                          <m:t>2</m:t>
+                                        </m:r>
+                                      </m:sub>
+                                    </m:sSub>
+                                    <m:r>
+                                      <m:rPr>
+                                        <m:brk m:alnAt="7"/>
+                                      </m:rPr>
+                                      <a:rPr lang="en-GB" sz="2400" i="1">
+                                        <a:latin typeface="Cambria Math" panose="02040503050406030204" pitchFamily="18" charset="0"/>
+                                      </a:rPr>
+                                      <m:t>)</m:t>
+                                    </m:r>
+                                  </m:e>
+                                  <m:e>
+                                    <m:r>
+                                      <m:rPr>
+                                        <m:brk m:alnAt="7"/>
+                                      </m:rPr>
+                                      <a:rPr lang="en-GB" sz="2400" i="1">
+                                        <a:latin typeface="Cambria Math" panose="02040503050406030204" pitchFamily="18" charset="0"/>
+                                      </a:rPr>
+                                      <m:t>𝑃</m:t>
+                                    </m:r>
+                                    <m:d>
+                                      <m:dPr>
+                                        <m:ctrlPr>
+                                          <a:rPr lang="en-GB" sz="2400" i="1">
+                                            <a:latin typeface="Cambria Math" panose="02040503050406030204" pitchFamily="18" charset="0"/>
+                                          </a:rPr>
+                                        </m:ctrlPr>
+                                      </m:dPr>
+                                      <m:e>
+                                        <m:sSub>
+                                          <m:sSubPr>
+                                            <m:ctrlPr>
+                                              <a:rPr lang="en-GB" sz="2400" i="1">
+                                                <a:latin typeface="Cambria Math" panose="02040503050406030204" pitchFamily="18" charset="0"/>
+                                              </a:rPr>
+                                            </m:ctrlPr>
+                                          </m:sSubPr>
+                                          <m:e>
+                                            <m:r>
+                                              <m:rPr>
+                                                <m:brk m:alnAt="7"/>
+                                              </m:rPr>
+                                              <a:rPr lang="en-GB" sz="2400" i="1">
+                                                <a:latin typeface="Cambria Math" panose="02040503050406030204" pitchFamily="18" charset="0"/>
+                                              </a:rPr>
+                                              <m:t>𝑟</m:t>
+                                            </m:r>
+                                          </m:e>
+                                          <m:sub>
+                                            <m:r>
+                                              <a:rPr lang="en-GB" sz="2400" b="0" i="1" smtClean="0">
+                                                <a:latin typeface="Cambria Math" panose="02040503050406030204" pitchFamily="18" charset="0"/>
+                                              </a:rPr>
+                                              <m:t>3</m:t>
+                                            </m:r>
+                                          </m:sub>
+                                        </m:sSub>
+                                      </m:e>
+                                    </m:d>
+                                  </m:e>
+                                </m:eqArr>
+                              </m:e>
+                            </m:mr>
+                          </m:m>
+                        </m:e>
+                      </m:d>
+                      <m:r>
+                        <a:rPr lang="en-GB" sz="2400" b="0" i="1" smtClean="0">
+                          <a:latin typeface="Cambria Math" panose="02040503050406030204" pitchFamily="18" charset="0"/>
+                        </a:rPr>
+                        <m:t>=</m:t>
+                      </m:r>
+                      <m:d>
+                        <m:dPr>
+                          <m:begChr m:val="["/>
+                          <m:endChr m:val="]"/>
+                          <m:ctrlPr>
+                            <a:rPr lang="en-GB" sz="2400" i="1">
+                              <a:latin typeface="Cambria Math" panose="02040503050406030204" pitchFamily="18" charset="0"/>
+                            </a:rPr>
+                          </m:ctrlPr>
+                        </m:dPr>
+                        <m:e>
+                          <m:m>
+                            <m:mPr>
+                              <m:mcs>
+                                <m:mc>
+                                  <m:mcPr>
+                                    <m:count m:val="1"/>
+                                    <m:mcJc m:val="center"/>
+                                  </m:mcPr>
+                                </m:mc>
+                              </m:mcs>
+                              <m:ctrlPr>
+                                <a:rPr lang="en-GB" sz="2400" i="1">
+                                  <a:latin typeface="Cambria Math" panose="02040503050406030204" pitchFamily="18" charset="0"/>
+                                </a:rPr>
+                              </m:ctrlPr>
+                            </m:mPr>
+                            <m:mr>
+                              <m:e>
+                                <m:r>
+                                  <a:rPr lang="en-GB" sz="2400" b="0" i="1" smtClean="0">
+                                    <a:latin typeface="Cambria Math" panose="02040503050406030204" pitchFamily="18" charset="0"/>
+                                  </a:rPr>
+                                  <m:t>𝐸</m:t>
+                                </m:r>
+                                <m:r>
+                                  <a:rPr lang="en-GB" sz="2400" i="1">
+                                    <a:latin typeface="Cambria Math" panose="02040503050406030204" pitchFamily="18" charset="0"/>
+                                  </a:rPr>
+                                  <m:t>(</m:t>
+                                </m:r>
+                                <m:sSub>
+                                  <m:sSubPr>
+                                    <m:ctrlPr>
+                                      <a:rPr lang="en-GB" sz="2400" i="1">
+                                        <a:latin typeface="Cambria Math" panose="02040503050406030204" pitchFamily="18" charset="0"/>
+                                      </a:rPr>
+                                    </m:ctrlPr>
+                                  </m:sSubPr>
+                                  <m:e>
+                                    <m:r>
+                                      <m:rPr>
+                                        <m:brk m:alnAt="7"/>
+                                      </m:rPr>
+                                      <a:rPr lang="en-GB" sz="2400" i="1">
+                                        <a:latin typeface="Cambria Math" panose="02040503050406030204" pitchFamily="18" charset="0"/>
+                                      </a:rPr>
+                                      <m:t>𝑟</m:t>
+                                    </m:r>
+                                  </m:e>
+                                  <m:sub>
+                                    <m:r>
+                                      <m:rPr>
+                                        <m:brk m:alnAt="7"/>
+                                      </m:rPr>
+                                      <a:rPr lang="en-GB" sz="2400" i="1">
+                                        <a:latin typeface="Cambria Math" panose="02040503050406030204" pitchFamily="18" charset="0"/>
+                                      </a:rPr>
+                                      <m:t>0</m:t>
+                                    </m:r>
+                                  </m:sub>
+                                </m:sSub>
+                                <m:r>
+                                  <m:rPr>
+                                    <m:brk m:alnAt="7"/>
+                                  </m:rPr>
+                                  <a:rPr lang="en-GB" sz="2400" i="1">
+                                    <a:latin typeface="Cambria Math" panose="02040503050406030204" pitchFamily="18" charset="0"/>
+                                  </a:rPr>
+                                  <m:t>)</m:t>
+                                </m:r>
+                              </m:e>
+                            </m:mr>
+                            <m:mr>
+                              <m:e>
+                                <m:r>
+                                  <a:rPr lang="en-GB" sz="2400" b="0" i="1" smtClean="0">
+                                    <a:latin typeface="Cambria Math" panose="02040503050406030204" pitchFamily="18" charset="0"/>
+                                  </a:rPr>
+                                  <m:t>𝐸</m:t>
+                                </m:r>
+                                <m:r>
+                                  <a:rPr lang="en-GB" sz="2400" i="1">
+                                    <a:latin typeface="Cambria Math" panose="02040503050406030204" pitchFamily="18" charset="0"/>
+                                  </a:rPr>
+                                  <m:t>(</m:t>
+                                </m:r>
+                                <m:sSub>
+                                  <m:sSubPr>
+                                    <m:ctrlPr>
+                                      <a:rPr lang="en-GB" sz="2400" i="1">
+                                        <a:latin typeface="Cambria Math" panose="02040503050406030204" pitchFamily="18" charset="0"/>
+                                      </a:rPr>
+                                    </m:ctrlPr>
+                                  </m:sSubPr>
+                                  <m:e>
+                                    <m:r>
+                                      <m:rPr>
+                                        <m:brk m:alnAt="7"/>
+                                      </m:rPr>
+                                      <a:rPr lang="en-GB" sz="2400" i="1">
+                                        <a:latin typeface="Cambria Math" panose="02040503050406030204" pitchFamily="18" charset="0"/>
+                                      </a:rPr>
+                                      <m:t>𝑟</m:t>
+                                    </m:r>
+                                  </m:e>
+                                  <m:sub>
+                                    <m:r>
+                                      <a:rPr lang="en-GB" sz="2400" i="1">
+                                        <a:latin typeface="Cambria Math" panose="02040503050406030204" pitchFamily="18" charset="0"/>
+                                      </a:rPr>
+                                      <m:t>1</m:t>
+                                    </m:r>
+                                  </m:sub>
+                                </m:sSub>
+                                <m:r>
+                                  <m:rPr>
+                                    <m:brk m:alnAt="7"/>
+                                  </m:rPr>
+                                  <a:rPr lang="en-GB" sz="2400" i="1">
+                                    <a:latin typeface="Cambria Math" panose="02040503050406030204" pitchFamily="18" charset="0"/>
+                                  </a:rPr>
+                                  <m:t>)</m:t>
+                                </m:r>
+                              </m:e>
+                            </m:mr>
+                            <m:mr>
+                              <m:e>
+                                <m:eqArr>
+                                  <m:eqArrPr>
+                                    <m:ctrlPr>
+                                      <a:rPr lang="en-GB" sz="2400" i="1">
+                                        <a:latin typeface="Cambria Math" panose="02040503050406030204" pitchFamily="18" charset="0"/>
+                                      </a:rPr>
+                                    </m:ctrlPr>
+                                  </m:eqArrPr>
+                                  <m:e>
+                                    <m:r>
+                                      <a:rPr lang="en-GB" sz="2400" b="0" i="1" smtClean="0">
+                                        <a:latin typeface="Cambria Math" panose="02040503050406030204" pitchFamily="18" charset="0"/>
+                                      </a:rPr>
+                                      <m:t>𝐸</m:t>
+                                    </m:r>
+                                    <m:r>
+                                      <a:rPr lang="en-GB" sz="2400" i="1">
+                                        <a:latin typeface="Cambria Math" panose="02040503050406030204" pitchFamily="18" charset="0"/>
+                                      </a:rPr>
+                                      <m:t>(</m:t>
+                                    </m:r>
+                                    <m:sSub>
+                                      <m:sSubPr>
+                                        <m:ctrlPr>
+                                          <a:rPr lang="en-GB" sz="2400" i="1">
+                                            <a:latin typeface="Cambria Math" panose="02040503050406030204" pitchFamily="18" charset="0"/>
+                                          </a:rPr>
+                                        </m:ctrlPr>
+                                      </m:sSubPr>
+                                      <m:e>
+                                        <m:r>
+                                          <m:rPr>
+                                            <m:brk m:alnAt="7"/>
+                                          </m:rPr>
+                                          <a:rPr lang="en-GB" sz="2400" i="1">
+                                            <a:latin typeface="Cambria Math" panose="02040503050406030204" pitchFamily="18" charset="0"/>
+                                          </a:rPr>
+                                          <m:t>𝑟</m:t>
+                                        </m:r>
+                                      </m:e>
+                                      <m:sub>
+                                        <m:r>
+                                          <a:rPr lang="en-GB" sz="2400" i="1">
+                                            <a:latin typeface="Cambria Math" panose="02040503050406030204" pitchFamily="18" charset="0"/>
+                                          </a:rPr>
+                                          <m:t>2</m:t>
+                                        </m:r>
+                                      </m:sub>
+                                    </m:sSub>
+                                    <m:r>
+                                      <m:rPr>
+                                        <m:brk m:alnAt="7"/>
+                                      </m:rPr>
+                                      <a:rPr lang="en-GB" sz="2400" i="1">
+                                        <a:latin typeface="Cambria Math" panose="02040503050406030204" pitchFamily="18" charset="0"/>
+                                      </a:rPr>
+                                      <m:t>)</m:t>
+                                    </m:r>
+                                  </m:e>
+                                  <m:e>
+                                    <m:r>
+                                      <a:rPr lang="en-GB" sz="2400" b="0" i="1" smtClean="0">
+                                        <a:latin typeface="Cambria Math" panose="02040503050406030204" pitchFamily="18" charset="0"/>
+                                      </a:rPr>
+                                      <m:t>𝐸</m:t>
+                                    </m:r>
+                                    <m:d>
+                                      <m:dPr>
+                                        <m:ctrlPr>
+                                          <a:rPr lang="en-GB" sz="2400" i="1">
+                                            <a:latin typeface="Cambria Math" panose="02040503050406030204" pitchFamily="18" charset="0"/>
+                                          </a:rPr>
+                                        </m:ctrlPr>
+                                      </m:dPr>
+                                      <m:e>
+                                        <m:sSub>
+                                          <m:sSubPr>
+                                            <m:ctrlPr>
+                                              <a:rPr lang="en-GB" sz="2400" i="1">
+                                                <a:latin typeface="Cambria Math" panose="02040503050406030204" pitchFamily="18" charset="0"/>
+                                              </a:rPr>
+                                            </m:ctrlPr>
+                                          </m:sSubPr>
+                                          <m:e>
+                                            <m:r>
+                                              <m:rPr>
+                                                <m:brk m:alnAt="7"/>
+                                              </m:rPr>
+                                              <a:rPr lang="en-GB" sz="2400" i="1">
+                                                <a:latin typeface="Cambria Math" panose="02040503050406030204" pitchFamily="18" charset="0"/>
+                                              </a:rPr>
+                                              <m:t>𝑟</m:t>
+                                            </m:r>
+                                          </m:e>
+                                          <m:sub>
+                                            <m:r>
+                                              <a:rPr lang="en-GB" sz="2400" i="1">
+                                                <a:latin typeface="Cambria Math" panose="02040503050406030204" pitchFamily="18" charset="0"/>
+                                              </a:rPr>
+                                              <m:t>3</m:t>
+                                            </m:r>
+                                          </m:sub>
+                                        </m:sSub>
+                                      </m:e>
+                                    </m:d>
+                                  </m:e>
+                                </m:eqArr>
+                              </m:e>
+                            </m:mr>
+                          </m:m>
+                        </m:e>
+                      </m:d>
+                    </m:oMath>
+                  </m:oMathPara>
+                </a14:m>
+                <a:endParaRPr lang="en-GB" sz="2400" dirty="0"/>
+              </a:p>
+            </p:txBody>
+          </p:sp>
+        </mc:Choice>
+        <mc:Fallback>
+          <p:sp>
+            <p:nvSpPr>
+              <p:cNvPr id="3" name="Inhaltsplatzhalter 2"/>
+              <p:cNvSpPr>
+                <a:spLocks noGrp="1" noRot="1" noChangeAspect="1" noMove="1" noResize="1" noEditPoints="1" noAdjustHandles="1" noChangeArrowheads="1" noChangeShapeType="1" noTextEdit="1"/>
+              </p:cNvSpPr>
+              <p:nvPr>
+                <p:ph idx="1"/>
+              </p:nvPr>
+            </p:nvSpPr>
+            <p:spPr>
+              <a:xfrm>
+                <a:off x="1198720" y="3508255"/>
+                <a:ext cx="6372225" cy="2649282"/>
+              </a:xfrm>
+              <a:blipFill>
+                <a:blip r:embed="rId3"/>
+                <a:stretch>
+                  <a:fillRect t="-922"/>
+                </a:stretch>
+              </a:blipFill>
+            </p:spPr>
+            <p:txBody>
+              <a:bodyPr/>
+              <a:lstStyle/>
+              <a:p>
+                <a:r>
+                  <a:rPr lang="en-GB">
+                    <a:noFill/>
+                  </a:rPr>
+                  <a:t> </a:t>
+                </a:r>
+              </a:p>
+            </p:txBody>
+          </p:sp>
+        </mc:Fallback>
+      </mc:AlternateContent>
+      <p:sp>
+        <p:nvSpPr>
+          <p:cNvPr id="4" name="Datumsplatzhalter 3"/>
+          <p:cNvSpPr>
+            <a:spLocks noGrp="1"/>
+          </p:cNvSpPr>
+          <p:nvPr>
+            <p:ph type="dt" sz="half" idx="10"/>
+          </p:nvPr>
+        </p:nvSpPr>
+        <p:spPr/>
+        <p:txBody>
+          <a:bodyPr/>
+          <a:lstStyle/>
+          <a:p>
+            <a:r>
+              <a:rPr lang="en-US" smtClean="0"/>
+              <a:t>Ganiyu Ibraheem  Philipp Seybold</a:t>
+            </a:r>
+            <a:endParaRPr lang="en-GB" dirty="0"/>
+          </a:p>
+        </p:txBody>
+      </p:sp>
+      <p:sp>
+        <p:nvSpPr>
+          <p:cNvPr id="5" name="Fußzeilenplatzhalter 4"/>
+          <p:cNvSpPr>
+            <a:spLocks noGrp="1"/>
+          </p:cNvSpPr>
+          <p:nvPr>
+            <p:ph type="ftr" sz="quarter" idx="11"/>
+          </p:nvPr>
+        </p:nvSpPr>
+        <p:spPr/>
+        <p:txBody>
+          <a:bodyPr/>
+          <a:lstStyle/>
+          <a:p>
+            <a:r>
+              <a:rPr lang="en-GB" smtClean="0"/>
+              <a:t>COMP6206 Advanced Computer Vision</a:t>
+            </a:r>
+            <a:endParaRPr lang="en-GB"/>
+          </a:p>
+        </p:txBody>
+      </p:sp>
+      <p:sp>
+        <p:nvSpPr>
+          <p:cNvPr id="6" name="Foliennummernplatzhalter 5"/>
+          <p:cNvSpPr>
+            <a:spLocks noGrp="1"/>
+          </p:cNvSpPr>
+          <p:nvPr>
+            <p:ph type="sldNum" sz="quarter" idx="12"/>
+          </p:nvPr>
+        </p:nvSpPr>
+        <p:spPr/>
+        <p:txBody>
+          <a:bodyPr/>
+          <a:lstStyle/>
+          <a:p>
+            <a:fld id="{FB9D3F8E-99BC-4812-95D4-548B8E992B94}" type="slidenum">
+              <a:rPr lang="en-GB" smtClean="0"/>
+              <a:t>20</a:t>
+            </a:fld>
+            <a:endParaRPr lang="en-GB" dirty="0"/>
+          </a:p>
+        </p:txBody>
+      </p:sp>
+      <p:sp>
+        <p:nvSpPr>
+          <p:cNvPr id="7" name="Geschweifte Klammer links 6"/>
+          <p:cNvSpPr/>
+          <p:nvPr/>
+        </p:nvSpPr>
+        <p:spPr>
+          <a:xfrm rot="16200000">
+            <a:off x="3076258" y="3644655"/>
+            <a:ext cx="199071" cy="2726690"/>
+          </a:xfrm>
+          <a:prstGeom prst="leftBrace">
+            <a:avLst>
+              <a:gd name="adj1" fmla="val 176755"/>
+              <a:gd name="adj2" fmla="val 50691"/>
+            </a:avLst>
+          </a:prstGeom>
+        </p:spPr>
+        <p:style>
+          <a:lnRef idx="1">
+            <a:schemeClr val="dk1"/>
+          </a:lnRef>
+          <a:fillRef idx="0">
+            <a:schemeClr val="dk1"/>
+          </a:fillRef>
+          <a:effectRef idx="0">
+            <a:schemeClr val="dk1"/>
+          </a:effectRef>
+          <a:fontRef idx="minor">
+            <a:schemeClr val="tx1"/>
+          </a:fontRef>
+        </p:style>
+        <p:txBody>
+          <a:bodyPr rtlCol="0" anchor="ctr"/>
+          <a:lstStyle/>
+          <a:p>
+            <a:pPr algn="ctr"/>
+            <a:endParaRPr lang="en-GB"/>
+          </a:p>
+        </p:txBody>
+      </p:sp>
+      <p:sp>
+        <p:nvSpPr>
+          <p:cNvPr id="8" name="Geschweifte Klammer links 7"/>
+          <p:cNvSpPr/>
+          <p:nvPr/>
+        </p:nvSpPr>
+        <p:spPr>
+          <a:xfrm rot="16200000">
+            <a:off x="5146786" y="4587835"/>
+            <a:ext cx="199072" cy="840330"/>
+          </a:xfrm>
+          <a:prstGeom prst="leftBrace">
+            <a:avLst>
+              <a:gd name="adj1" fmla="val 176755"/>
+              <a:gd name="adj2" fmla="val 50691"/>
+            </a:avLst>
+          </a:prstGeom>
+        </p:spPr>
+        <p:style>
+          <a:lnRef idx="1">
+            <a:schemeClr val="dk1"/>
+          </a:lnRef>
+          <a:fillRef idx="0">
+            <a:schemeClr val="dk1"/>
+          </a:fillRef>
+          <a:effectRef idx="0">
+            <a:schemeClr val="dk1"/>
+          </a:effectRef>
+          <a:fontRef idx="minor">
+            <a:schemeClr val="tx1"/>
+          </a:fontRef>
+        </p:style>
+        <p:txBody>
+          <a:bodyPr rtlCol="0" anchor="ctr"/>
+          <a:lstStyle/>
+          <a:p>
+            <a:pPr algn="ctr"/>
+            <a:endParaRPr lang="en-GB"/>
+          </a:p>
+        </p:txBody>
+      </p:sp>
+      <mc:AlternateContent xmlns:mc="http://schemas.openxmlformats.org/markup-compatibility/2006">
+        <mc:Choice xmlns:a14="http://schemas.microsoft.com/office/drawing/2010/main" Requires="a14">
+          <p:sp>
+            <p:nvSpPr>
+              <p:cNvPr id="10" name="Textfeld 9"/>
+              <p:cNvSpPr txBox="1"/>
+              <p:nvPr/>
+            </p:nvSpPr>
+            <p:spPr>
+              <a:xfrm>
+                <a:off x="2835433" y="5212645"/>
+                <a:ext cx="741680" cy="461665"/>
+              </a:xfrm>
+              <a:prstGeom prst="rect">
+                <a:avLst/>
+              </a:prstGeom>
+              <a:noFill/>
+            </p:spPr>
+            <p:txBody>
+              <a:bodyPr wrap="square" rtlCol="0">
+                <a:spAutoFit/>
+              </a:bodyPr>
+              <a:lstStyle/>
+              <a:p>
+                <a14:m>
+                  <m:oMathPara xmlns:m="http://schemas.openxmlformats.org/officeDocument/2006/math">
+                    <m:oMathParaPr>
+                      <m:jc m:val="centerGroup"/>
+                    </m:oMathParaPr>
+                    <m:oMath xmlns:m="http://schemas.openxmlformats.org/officeDocument/2006/math">
+                      <m:r>
+                        <a:rPr lang="en-GB" sz="2400" b="0" i="1" smtClean="0">
+                          <a:latin typeface="Cambria Math" panose="02040503050406030204" pitchFamily="18" charset="0"/>
+                        </a:rPr>
+                        <m:t>𝐷</m:t>
+                      </m:r>
+                    </m:oMath>
+                  </m:oMathPara>
+                </a14:m>
+                <a:endParaRPr lang="en-GB" dirty="0"/>
+              </a:p>
+            </p:txBody>
+          </p:sp>
+        </mc:Choice>
+        <mc:Fallback>
+          <p:sp>
+            <p:nvSpPr>
+              <p:cNvPr id="10" name="Textfeld 9"/>
+              <p:cNvSpPr txBox="1">
+                <a:spLocks noRot="1" noChangeAspect="1" noMove="1" noResize="1" noEditPoints="1" noAdjustHandles="1" noChangeArrowheads="1" noChangeShapeType="1" noTextEdit="1"/>
+              </p:cNvSpPr>
+              <p:nvPr/>
+            </p:nvSpPr>
+            <p:spPr>
+              <a:xfrm>
+                <a:off x="2835433" y="5212645"/>
+                <a:ext cx="741680" cy="461665"/>
+              </a:xfrm>
+              <a:prstGeom prst="rect">
+                <a:avLst/>
+              </a:prstGeom>
+              <a:blipFill>
+                <a:blip r:embed="rId4"/>
+                <a:stretch>
+                  <a:fillRect/>
+                </a:stretch>
+              </a:blipFill>
+            </p:spPr>
+            <p:txBody>
+              <a:bodyPr/>
+              <a:lstStyle/>
+              <a:p>
+                <a:r>
+                  <a:rPr lang="en-GB">
+                    <a:noFill/>
+                  </a:rPr>
+                  <a:t> </a:t>
+                </a:r>
+              </a:p>
+            </p:txBody>
+          </p:sp>
+        </mc:Fallback>
+      </mc:AlternateContent>
+      <mc:AlternateContent xmlns:mc="http://schemas.openxmlformats.org/markup-compatibility/2006">
+        <mc:Choice xmlns:a14="http://schemas.microsoft.com/office/drawing/2010/main" Requires="a14">
+          <p:sp>
+            <p:nvSpPr>
+              <p:cNvPr id="11" name="Textfeld 10"/>
+              <p:cNvSpPr txBox="1"/>
+              <p:nvPr/>
+            </p:nvSpPr>
+            <p:spPr>
+              <a:xfrm>
+                <a:off x="4875482" y="5212644"/>
+                <a:ext cx="741680" cy="461665"/>
+              </a:xfrm>
+              <a:prstGeom prst="rect">
+                <a:avLst/>
+              </a:prstGeom>
+              <a:noFill/>
+            </p:spPr>
+            <p:txBody>
+              <a:bodyPr wrap="square" rtlCol="0">
+                <a:spAutoFit/>
+              </a:bodyPr>
+              <a:lstStyle/>
+              <a:p>
+                <a14:m>
+                  <m:oMathPara xmlns:m="http://schemas.openxmlformats.org/officeDocument/2006/math">
+                    <m:oMathParaPr>
+                      <m:jc m:val="centerGroup"/>
+                    </m:oMathParaPr>
+                    <m:oMath xmlns:m="http://schemas.openxmlformats.org/officeDocument/2006/math">
+                      <m:r>
+                        <a:rPr lang="en-GB" sz="2400" b="0" i="1" smtClean="0">
+                          <a:latin typeface="Cambria Math" panose="02040503050406030204" pitchFamily="18" charset="0"/>
+                        </a:rPr>
+                        <m:t>𝑃</m:t>
+                      </m:r>
+                    </m:oMath>
+                  </m:oMathPara>
+                </a14:m>
+                <a:endParaRPr lang="en-GB" dirty="0"/>
+              </a:p>
+            </p:txBody>
+          </p:sp>
+        </mc:Choice>
+        <mc:Fallback>
+          <p:sp>
+            <p:nvSpPr>
+              <p:cNvPr id="11" name="Textfeld 10"/>
+              <p:cNvSpPr txBox="1">
+                <a:spLocks noRot="1" noChangeAspect="1" noMove="1" noResize="1" noEditPoints="1" noAdjustHandles="1" noChangeArrowheads="1" noChangeShapeType="1" noTextEdit="1"/>
+              </p:cNvSpPr>
+              <p:nvPr/>
+            </p:nvSpPr>
+            <p:spPr>
+              <a:xfrm>
+                <a:off x="4875482" y="5212644"/>
+                <a:ext cx="741680" cy="461665"/>
+              </a:xfrm>
+              <a:prstGeom prst="rect">
+                <a:avLst/>
+              </a:prstGeom>
+              <a:blipFill>
+                <a:blip r:embed="rId5"/>
+                <a:stretch>
+                  <a:fillRect/>
+                </a:stretch>
+              </a:blipFill>
+            </p:spPr>
+            <p:txBody>
+              <a:bodyPr/>
+              <a:lstStyle/>
+              <a:p>
+                <a:r>
+                  <a:rPr lang="en-GB">
+                    <a:noFill/>
+                  </a:rPr>
+                  <a:t> </a:t>
+                </a:r>
+              </a:p>
+            </p:txBody>
+          </p:sp>
+        </mc:Fallback>
+      </mc:AlternateContent>
+      <mc:AlternateContent xmlns:mc="http://schemas.openxmlformats.org/markup-compatibility/2006">
+        <mc:Choice xmlns:a14="http://schemas.microsoft.com/office/drawing/2010/main" Requires="a14">
+          <p:sp>
+            <p:nvSpPr>
+              <p:cNvPr id="12" name="Textfeld 11"/>
+              <p:cNvSpPr txBox="1"/>
+              <p:nvPr/>
+            </p:nvSpPr>
+            <p:spPr>
+              <a:xfrm>
+                <a:off x="6186916" y="5212644"/>
+                <a:ext cx="741680" cy="461665"/>
+              </a:xfrm>
+              <a:prstGeom prst="rect">
+                <a:avLst/>
+              </a:prstGeom>
+              <a:noFill/>
+            </p:spPr>
+            <p:txBody>
+              <a:bodyPr wrap="square" rtlCol="0">
+                <a:spAutoFit/>
+              </a:bodyPr>
+              <a:lstStyle/>
+              <a:p>
+                <a14:m>
+                  <m:oMathPara xmlns:m="http://schemas.openxmlformats.org/officeDocument/2006/math">
+                    <m:oMathParaPr>
+                      <m:jc m:val="centerGroup"/>
+                    </m:oMathParaPr>
+                    <m:oMath xmlns:m="http://schemas.openxmlformats.org/officeDocument/2006/math">
+                      <m:r>
+                        <a:rPr lang="en-GB" sz="2400" b="0" i="1" smtClean="0">
+                          <a:latin typeface="Cambria Math" panose="02040503050406030204" pitchFamily="18" charset="0"/>
+                        </a:rPr>
+                        <m:t>𝐸</m:t>
+                      </m:r>
+                    </m:oMath>
+                  </m:oMathPara>
+                </a14:m>
+                <a:endParaRPr lang="en-GB" dirty="0"/>
+              </a:p>
+            </p:txBody>
+          </p:sp>
+        </mc:Choice>
+        <mc:Fallback>
+          <p:sp>
+            <p:nvSpPr>
+              <p:cNvPr id="12" name="Textfeld 11"/>
+              <p:cNvSpPr txBox="1">
+                <a:spLocks noRot="1" noChangeAspect="1" noMove="1" noResize="1" noEditPoints="1" noAdjustHandles="1" noChangeArrowheads="1" noChangeShapeType="1" noTextEdit="1"/>
+              </p:cNvSpPr>
+              <p:nvPr/>
+            </p:nvSpPr>
+            <p:spPr>
+              <a:xfrm>
+                <a:off x="6186916" y="5212644"/>
+                <a:ext cx="741680" cy="461665"/>
+              </a:xfrm>
+              <a:prstGeom prst="rect">
+                <a:avLst/>
+              </a:prstGeom>
+              <a:blipFill>
+                <a:blip r:embed="rId6"/>
+                <a:stretch>
+                  <a:fillRect/>
+                </a:stretch>
+              </a:blipFill>
+            </p:spPr>
+            <p:txBody>
+              <a:bodyPr/>
+              <a:lstStyle/>
+              <a:p>
+                <a:r>
+                  <a:rPr lang="en-GB">
+                    <a:noFill/>
+                  </a:rPr>
+                  <a:t> </a:t>
+                </a:r>
+              </a:p>
+            </p:txBody>
+          </p:sp>
+        </mc:Fallback>
+      </mc:AlternateContent>
+      <mc:AlternateContent xmlns:mc="http://schemas.openxmlformats.org/markup-compatibility/2006">
+        <mc:Choice xmlns:a14="http://schemas.microsoft.com/office/drawing/2010/main" Requires="a14">
+          <p:sp>
+            <p:nvSpPr>
+              <p:cNvPr id="13" name="Textfeld 12"/>
+              <p:cNvSpPr txBox="1"/>
+              <p:nvPr/>
+            </p:nvSpPr>
+            <p:spPr>
+              <a:xfrm>
+                <a:off x="1733833" y="1782554"/>
+                <a:ext cx="2270194" cy="1057277"/>
+              </a:xfrm>
+              <a:prstGeom prst="rect">
+                <a:avLst/>
+              </a:prstGeom>
+              <a:noFill/>
+            </p:spPr>
+            <p:txBody>
+              <a:bodyPr wrap="square" rtlCol="0">
+                <a:spAutoFit/>
+              </a:bodyPr>
+              <a:lstStyle/>
+              <a:p>
+                <a14:m>
+                  <m:oMathPara xmlns:m="http://schemas.openxmlformats.org/officeDocument/2006/math">
+                    <m:oMathParaPr>
+                      <m:jc m:val="centerGroup"/>
+                    </m:oMathParaPr>
+                    <m:oMath xmlns:m="http://schemas.openxmlformats.org/officeDocument/2006/math">
+                      <m:sSub>
+                        <m:sSubPr>
+                          <m:ctrlPr>
+                            <a:rPr lang="en-GB" sz="2800" b="0" i="1" smtClean="0">
+                              <a:latin typeface="Cambria Math" panose="02040503050406030204" pitchFamily="18" charset="0"/>
+                            </a:rPr>
+                          </m:ctrlPr>
+                        </m:sSubPr>
+                        <m:e>
+                          <m:r>
+                            <a:rPr lang="en-GB" sz="2800" b="0" i="1" smtClean="0">
+                              <a:latin typeface="Cambria Math" panose="02040503050406030204" pitchFamily="18" charset="0"/>
+                            </a:rPr>
+                            <m:t>𝑑</m:t>
+                          </m:r>
+                        </m:e>
+                        <m:sub>
+                          <m:r>
+                            <a:rPr lang="en-GB" sz="2800" b="0" i="1" smtClean="0">
+                              <a:latin typeface="Cambria Math" panose="02040503050406030204" pitchFamily="18" charset="0"/>
+                            </a:rPr>
+                            <m:t>𝑗𝑖</m:t>
+                          </m:r>
+                        </m:sub>
+                      </m:sSub>
+                      <m:r>
+                        <a:rPr lang="en-GB" sz="2800" b="0" i="1" smtClean="0">
+                          <a:latin typeface="Cambria Math" panose="02040503050406030204" pitchFamily="18" charset="0"/>
+                        </a:rPr>
+                        <m:t>=</m:t>
+                      </m:r>
+                      <m:f>
+                        <m:fPr>
+                          <m:ctrlPr>
+                            <a:rPr lang="en-GB" sz="2800" b="0" i="1" smtClean="0">
+                              <a:latin typeface="Cambria Math" panose="02040503050406030204" pitchFamily="18" charset="0"/>
+                            </a:rPr>
+                          </m:ctrlPr>
+                        </m:fPr>
+                        <m:num>
+                          <m:r>
+                            <a:rPr lang="en-GB" sz="2800" b="0" i="1" smtClean="0">
+                              <a:latin typeface="Cambria Math" panose="02040503050406030204" pitchFamily="18" charset="0"/>
+                            </a:rPr>
+                            <m:t>1</m:t>
+                          </m:r>
+                        </m:num>
+                        <m:den>
+                          <m:d>
+                            <m:dPr>
+                              <m:begChr m:val="|"/>
+                              <m:endChr m:val="|"/>
+                              <m:ctrlPr>
+                                <a:rPr lang="en-GB" sz="2800" b="0" i="1" smtClean="0">
+                                  <a:latin typeface="Cambria Math" panose="02040503050406030204" pitchFamily="18" charset="0"/>
+                                </a:rPr>
+                              </m:ctrlPr>
+                            </m:dPr>
+                            <m:e>
+                              <m:sSub>
+                                <m:sSubPr>
+                                  <m:ctrlPr>
+                                    <a:rPr lang="en-GB" sz="2800" b="0" i="1" smtClean="0">
+                                      <a:latin typeface="Cambria Math" panose="02040503050406030204" pitchFamily="18" charset="0"/>
+                                    </a:rPr>
+                                  </m:ctrlPr>
+                                </m:sSubPr>
+                                <m:e>
+                                  <m:r>
+                                    <a:rPr lang="en-GB" sz="2800" b="0" i="1" smtClean="0">
+                                      <a:latin typeface="Cambria Math" panose="02040503050406030204" pitchFamily="18" charset="0"/>
+                                    </a:rPr>
+                                    <m:t>𝑟</m:t>
+                                  </m:r>
+                                </m:e>
+                                <m:sub>
+                                  <m:r>
+                                    <a:rPr lang="en-GB" sz="2800" b="0" i="1" smtClean="0">
+                                      <a:latin typeface="Cambria Math" panose="02040503050406030204" pitchFamily="18" charset="0"/>
+                                    </a:rPr>
+                                    <m:t>𝑗</m:t>
+                                  </m:r>
+                                </m:sub>
+                              </m:sSub>
+                              <m:r>
+                                <a:rPr lang="en-GB" sz="2800" b="0" i="1" smtClean="0">
+                                  <a:latin typeface="Cambria Math" panose="02040503050406030204" pitchFamily="18" charset="0"/>
+                                </a:rPr>
+                                <m:t>−</m:t>
+                              </m:r>
+                              <m:sSub>
+                                <m:sSubPr>
+                                  <m:ctrlPr>
+                                    <a:rPr lang="en-GB" sz="2800" b="0" i="1" smtClean="0">
+                                      <a:latin typeface="Cambria Math" panose="02040503050406030204" pitchFamily="18" charset="0"/>
+                                    </a:rPr>
+                                  </m:ctrlPr>
+                                </m:sSubPr>
+                                <m:e>
+                                  <m:r>
+                                    <a:rPr lang="en-GB" sz="2800" b="0" i="1" smtClean="0">
+                                      <a:latin typeface="Cambria Math" panose="02040503050406030204" pitchFamily="18" charset="0"/>
+                                    </a:rPr>
+                                    <m:t>𝑟</m:t>
+                                  </m:r>
+                                </m:e>
+                                <m:sub>
+                                  <m:r>
+                                    <a:rPr lang="en-GB" sz="2800" b="0" i="1" smtClean="0">
+                                      <a:latin typeface="Cambria Math" panose="02040503050406030204" pitchFamily="18" charset="0"/>
+                                    </a:rPr>
+                                    <m:t>𝑖</m:t>
+                                  </m:r>
+                                </m:sub>
+                              </m:sSub>
+                            </m:e>
+                          </m:d>
+                        </m:den>
+                      </m:f>
+                    </m:oMath>
+                  </m:oMathPara>
+                </a14:m>
+                <a:endParaRPr lang="en-GB" sz="2800" dirty="0"/>
+              </a:p>
+            </p:txBody>
+          </p:sp>
+        </mc:Choice>
+        <mc:Fallback>
+          <p:sp>
+            <p:nvSpPr>
+              <p:cNvPr id="13" name="Textfeld 12"/>
+              <p:cNvSpPr txBox="1">
+                <a:spLocks noRot="1" noChangeAspect="1" noMove="1" noResize="1" noEditPoints="1" noAdjustHandles="1" noChangeArrowheads="1" noChangeShapeType="1" noTextEdit="1"/>
+              </p:cNvSpPr>
+              <p:nvPr/>
+            </p:nvSpPr>
+            <p:spPr>
+              <a:xfrm>
+                <a:off x="1733833" y="1782554"/>
+                <a:ext cx="2270194" cy="1057277"/>
+              </a:xfrm>
+              <a:prstGeom prst="rect">
+                <a:avLst/>
+              </a:prstGeom>
+              <a:blipFill>
+                <a:blip r:embed="rId7"/>
+                <a:stretch>
+                  <a:fillRect/>
+                </a:stretch>
+              </a:blipFill>
+            </p:spPr>
+            <p:txBody>
+              <a:bodyPr/>
+              <a:lstStyle/>
+              <a:p>
+                <a:r>
+                  <a:rPr lang="en-GB">
+                    <a:noFill/>
+                  </a:rPr>
+                  <a:t> </a:t>
+                </a:r>
+              </a:p>
+            </p:txBody>
+          </p:sp>
+        </mc:Fallback>
+      </mc:AlternateContent>
+      <p:sp>
+        <p:nvSpPr>
+          <p:cNvPr id="14" name="Geschweifte Klammer links 13"/>
+          <p:cNvSpPr/>
+          <p:nvPr/>
+        </p:nvSpPr>
+        <p:spPr>
+          <a:xfrm rot="16200000">
+            <a:off x="6458220" y="4596601"/>
+            <a:ext cx="199072" cy="840330"/>
+          </a:xfrm>
+          <a:prstGeom prst="leftBrace">
+            <a:avLst>
+              <a:gd name="adj1" fmla="val 176755"/>
+              <a:gd name="adj2" fmla="val 50691"/>
+            </a:avLst>
+          </a:prstGeom>
+        </p:spPr>
+        <p:style>
+          <a:lnRef idx="1">
+            <a:schemeClr val="dk1"/>
+          </a:lnRef>
+          <a:fillRef idx="0">
+            <a:schemeClr val="dk1"/>
+          </a:fillRef>
+          <a:effectRef idx="0">
+            <a:schemeClr val="dk1"/>
+          </a:effectRef>
+          <a:fontRef idx="minor">
+            <a:schemeClr val="tx1"/>
+          </a:fontRef>
+        </p:style>
+        <p:txBody>
+          <a:bodyPr rtlCol="0" anchor="ctr"/>
+          <a:lstStyle/>
+          <a:p>
+            <a:pPr algn="ctr"/>
+            <a:endParaRPr lang="en-GB"/>
+          </a:p>
+        </p:txBody>
+      </p:sp>
+      <mc:AlternateContent xmlns:mc="http://schemas.openxmlformats.org/markup-compatibility/2006">
+        <mc:Choice xmlns:a14="http://schemas.microsoft.com/office/drawing/2010/main" Requires="a14">
+          <p:sp>
+            <p:nvSpPr>
+              <p:cNvPr id="17" name="Textfeld 16"/>
+              <p:cNvSpPr txBox="1"/>
+              <p:nvPr/>
+            </p:nvSpPr>
+            <p:spPr>
+              <a:xfrm>
+                <a:off x="4579143" y="1885120"/>
+                <a:ext cx="3071813" cy="954107"/>
+              </a:xfrm>
+              <a:prstGeom prst="rect">
+                <a:avLst/>
+              </a:prstGeom>
+              <a:noFill/>
+            </p:spPr>
+            <p:txBody>
+              <a:bodyPr wrap="square" rtlCol="0">
+                <a:spAutoFit/>
+              </a:bodyPr>
+              <a:lstStyle/>
+              <a:p>
+                <a14:m>
+                  <m:oMathPara xmlns:m="http://schemas.openxmlformats.org/officeDocument/2006/math">
+                    <m:oMathParaPr>
+                      <m:jc m:val="centerGroup"/>
+                    </m:oMathParaPr>
+                    <m:oMath xmlns:m="http://schemas.openxmlformats.org/officeDocument/2006/math">
+                      <m:r>
+                        <a:rPr lang="en-GB" sz="2800" b="0" i="1" smtClean="0">
+                          <a:latin typeface="Cambria Math" panose="02040503050406030204" pitchFamily="18" charset="0"/>
+                        </a:rPr>
+                        <m:t>𝐷𝑃</m:t>
+                      </m:r>
+                      <m:r>
+                        <a:rPr lang="en-GB" sz="2800" b="0" i="1" smtClean="0">
+                          <a:latin typeface="Cambria Math" panose="02040503050406030204" pitchFamily="18" charset="0"/>
+                        </a:rPr>
+                        <m:t>=</m:t>
+                      </m:r>
+                      <m:r>
+                        <a:rPr lang="en-GB" sz="2800" b="0" i="1" smtClean="0">
+                          <a:latin typeface="Cambria Math" panose="02040503050406030204" pitchFamily="18" charset="0"/>
+                        </a:rPr>
+                        <m:t>𝐸</m:t>
+                      </m:r>
+                    </m:oMath>
+                    <m:oMath xmlns:m="http://schemas.openxmlformats.org/officeDocument/2006/math">
+                      <m:r>
+                        <a:rPr lang="en-GB" sz="2800" b="0" i="1" smtClean="0">
+                          <a:latin typeface="Cambria Math" panose="02040503050406030204" pitchFamily="18" charset="0"/>
+                        </a:rPr>
+                        <m:t>𝑃</m:t>
+                      </m:r>
+                      <m:r>
+                        <a:rPr lang="en-GB" sz="2800" b="0" i="1" smtClean="0">
+                          <a:latin typeface="Cambria Math" panose="02040503050406030204" pitchFamily="18" charset="0"/>
+                        </a:rPr>
+                        <m:t>=</m:t>
+                      </m:r>
+                      <m:sSup>
+                        <m:sSupPr>
+                          <m:ctrlPr>
+                            <a:rPr lang="en-GB" sz="2800" b="0" i="1" smtClean="0">
+                              <a:latin typeface="Cambria Math" panose="02040503050406030204" pitchFamily="18" charset="0"/>
+                            </a:rPr>
+                          </m:ctrlPr>
+                        </m:sSupPr>
+                        <m:e>
+                          <m:r>
+                            <a:rPr lang="en-GB" sz="2800" b="0" i="1" smtClean="0">
+                              <a:latin typeface="Cambria Math" panose="02040503050406030204" pitchFamily="18" charset="0"/>
+                            </a:rPr>
+                            <m:t>𝐷</m:t>
+                          </m:r>
+                        </m:e>
+                        <m:sup>
+                          <m:r>
+                            <a:rPr lang="en-GB" sz="2800" b="0" i="1" smtClean="0">
+                              <a:latin typeface="Cambria Math" panose="02040503050406030204" pitchFamily="18" charset="0"/>
+                            </a:rPr>
+                            <m:t>−1</m:t>
+                          </m:r>
+                        </m:sup>
+                      </m:sSup>
+                      <m:r>
+                        <a:rPr lang="en-GB" sz="2800" b="0" i="1" smtClean="0">
+                          <a:latin typeface="Cambria Math" panose="02040503050406030204" pitchFamily="18" charset="0"/>
+                        </a:rPr>
+                        <m:t>𝐸</m:t>
+                      </m:r>
+                    </m:oMath>
+                  </m:oMathPara>
+                </a14:m>
+                <a:endParaRPr lang="en-GB" sz="2800" b="0" dirty="0" smtClean="0"/>
+              </a:p>
+            </p:txBody>
+          </p:sp>
+        </mc:Choice>
+        <mc:Fallback>
+          <p:sp>
+            <p:nvSpPr>
+              <p:cNvPr id="17" name="Textfeld 16"/>
+              <p:cNvSpPr txBox="1">
+                <a:spLocks noRot="1" noChangeAspect="1" noMove="1" noResize="1" noEditPoints="1" noAdjustHandles="1" noChangeArrowheads="1" noChangeShapeType="1" noTextEdit="1"/>
+              </p:cNvSpPr>
+              <p:nvPr/>
+            </p:nvSpPr>
+            <p:spPr>
+              <a:xfrm>
+                <a:off x="4579143" y="1885120"/>
+                <a:ext cx="3071813" cy="954107"/>
+              </a:xfrm>
+              <a:prstGeom prst="rect">
+                <a:avLst/>
+              </a:prstGeom>
+              <a:blipFill>
+                <a:blip r:embed="rId8"/>
+                <a:stretch>
+                  <a:fillRect/>
+                </a:stretch>
+              </a:blipFill>
+            </p:spPr>
+            <p:txBody>
+              <a:bodyPr/>
+              <a:lstStyle/>
+              <a:p>
+                <a:r>
+                  <a:rPr lang="en-GB">
+                    <a:noFill/>
+                  </a:rPr>
+                  <a:t> </a:t>
+                </a:r>
+              </a:p>
+            </p:txBody>
+          </p:sp>
+        </mc:Fallback>
+      </mc:AlternateContent>
+      <p:sp>
+        <p:nvSpPr>
+          <p:cNvPr id="19" name="Textfeld 18"/>
+          <p:cNvSpPr txBox="1"/>
+          <p:nvPr/>
+        </p:nvSpPr>
+        <p:spPr>
+          <a:xfrm>
+            <a:off x="628650" y="1037356"/>
+            <a:ext cx="5942047" cy="523220"/>
+          </a:xfrm>
+          <a:prstGeom prst="rect">
+            <a:avLst/>
+          </a:prstGeom>
+          <a:noFill/>
+        </p:spPr>
+        <p:txBody>
+          <a:bodyPr wrap="square" rtlCol="0">
+            <a:spAutoFit/>
+          </a:bodyPr>
+          <a:lstStyle/>
+          <a:p>
+            <a:r>
+              <a:rPr lang="en-GB" sz="2800" dirty="0" smtClean="0"/>
+              <a:t>Shape &amp; brightness sensitivity</a:t>
+            </a:r>
+            <a:endParaRPr lang="en-GB" sz="2800" dirty="0"/>
+          </a:p>
+        </p:txBody>
+      </p:sp>
+    </p:spTree>
+    <p:extLst>
+      <p:ext uri="{BB962C8B-B14F-4D97-AF65-F5344CB8AC3E}">
+        <p14:creationId xmlns:p14="http://schemas.microsoft.com/office/powerpoint/2010/main" val="3638574768"/>
+      </p:ext>
+    </p:extLst>
+  </p:cSld>
+  <p:clrMapOvr>
+    <a:masterClrMapping/>
+  </p:clrMapOvr>
+  <p:timing>
+    <p:tnLst>
+      <p:par>
+        <p:cTn id="1" dur="indefinite" restart="never" nodeType="tmRoot"/>
+      </p:par>
+    </p:tnLst>
+  </p:timing>
+</p:sld>
+</file>
+
+<file path=ppt/slides/slide21.xml><?xml version="1.0" encoding="utf-8"?>
+<p:sld xmlns:a="http://schemas.openxmlformats.org/drawingml/2006/main" xmlns:r="http://schemas.openxmlformats.org/officeDocument/2006/relationships" xmlns:p="http://schemas.openxmlformats.org/presentationml/2006/main">
+  <p:cSld>
+    <p:spTree>
+      <p:nvGrpSpPr>
+        <p:cNvPr id="1" name=""/>
+        <p:cNvGrpSpPr/>
+        <p:nvPr/>
+      </p:nvGrpSpPr>
+      <p:grpSpPr>
+        <a:xfrm>
+          <a:off x="0" y="0"/>
+          <a:ext cx="0" cy="0"/>
+          <a:chOff x="0" y="0"/>
+          <a:chExt cx="0" cy="0"/>
+        </a:xfrm>
+      </p:grpSpPr>
+      <p:sp>
+        <p:nvSpPr>
+          <p:cNvPr id="2" name="Titel 1"/>
+          <p:cNvSpPr>
+            <a:spLocks noGrp="1"/>
+          </p:cNvSpPr>
+          <p:nvPr>
+            <p:ph type="title"/>
+          </p:nvPr>
+        </p:nvSpPr>
+        <p:spPr/>
+        <p:txBody>
+          <a:bodyPr/>
+          <a:lstStyle/>
+          <a:p>
+            <a:r>
+              <a:rPr lang="en-GB" dirty="0" smtClean="0"/>
+              <a:t>Result</a:t>
+            </a:r>
+            <a:endParaRPr lang="en-GB" dirty="0"/>
+          </a:p>
+        </p:txBody>
+      </p:sp>
+      <p:sp>
+        <p:nvSpPr>
+          <p:cNvPr id="4" name="Datumsplatzhalter 3"/>
+          <p:cNvSpPr>
+            <a:spLocks noGrp="1"/>
+          </p:cNvSpPr>
+          <p:nvPr>
+            <p:ph type="dt" sz="half" idx="10"/>
+          </p:nvPr>
+        </p:nvSpPr>
+        <p:spPr/>
+        <p:txBody>
+          <a:bodyPr/>
+          <a:lstStyle/>
+          <a:p>
+            <a:r>
+              <a:rPr lang="en-US" smtClean="0"/>
+              <a:t>Ganiyu Ibraheem  Philipp Seybold</a:t>
+            </a:r>
+            <a:endParaRPr lang="en-GB" dirty="0"/>
+          </a:p>
+        </p:txBody>
+      </p:sp>
+      <p:sp>
+        <p:nvSpPr>
+          <p:cNvPr id="5" name="Fußzeilenplatzhalter 4"/>
+          <p:cNvSpPr>
+            <a:spLocks noGrp="1"/>
+          </p:cNvSpPr>
+          <p:nvPr>
+            <p:ph type="ftr" sz="quarter" idx="11"/>
+          </p:nvPr>
+        </p:nvSpPr>
+        <p:spPr/>
+        <p:txBody>
+          <a:bodyPr/>
+          <a:lstStyle/>
+          <a:p>
+            <a:r>
+              <a:rPr lang="en-GB" smtClean="0"/>
+              <a:t>COMP6206 Advanced Computer Vision</a:t>
+            </a:r>
+            <a:endParaRPr lang="en-GB"/>
+          </a:p>
+        </p:txBody>
+      </p:sp>
+      <p:sp>
+        <p:nvSpPr>
+          <p:cNvPr id="6" name="Foliennummernplatzhalter 5"/>
+          <p:cNvSpPr>
+            <a:spLocks noGrp="1"/>
+          </p:cNvSpPr>
+          <p:nvPr>
+            <p:ph type="sldNum" sz="quarter" idx="12"/>
+          </p:nvPr>
+        </p:nvSpPr>
+        <p:spPr/>
+        <p:txBody>
+          <a:bodyPr/>
+          <a:lstStyle/>
+          <a:p>
+            <a:fld id="{FB9D3F8E-99BC-4812-95D4-548B8E992B94}" type="slidenum">
+              <a:rPr lang="en-GB" smtClean="0"/>
+              <a:t>21</a:t>
+            </a:fld>
+            <a:endParaRPr lang="en-GB"/>
+          </a:p>
+        </p:txBody>
+      </p:sp>
+      <mc:AlternateContent xmlns:mc="http://schemas.openxmlformats.org/markup-compatibility/2006">
+        <mc:Choice xmlns:a14="http://schemas.microsoft.com/office/drawing/2010/main" Requires="a14">
+          <p:sp>
+            <p:nvSpPr>
+              <p:cNvPr id="7" name="Textfeld 6"/>
+              <p:cNvSpPr txBox="1"/>
+              <p:nvPr/>
+            </p:nvSpPr>
+            <p:spPr>
+              <a:xfrm>
+                <a:off x="984533" y="1977177"/>
+                <a:ext cx="8902417" cy="4069191"/>
+              </a:xfrm>
+              <a:prstGeom prst="rect">
+                <a:avLst/>
+              </a:prstGeom>
+              <a:noFill/>
+            </p:spPr>
+            <p:txBody>
+              <a:bodyPr wrap="square" lIns="0" tIns="0" rIns="0" bIns="0" rtlCol="0">
+                <a:spAutoFit/>
+              </a:bodyPr>
+              <a:lstStyle/>
+              <a:p>
+                <a:pPr/>
+                <a14:m>
+                  <m:oMathPara xmlns:m="http://schemas.openxmlformats.org/officeDocument/2006/math">
+                    <m:oMathParaPr>
+                      <m:jc m:val="left"/>
+                    </m:oMathParaPr>
+                    <m:oMath xmlns:m="http://schemas.openxmlformats.org/officeDocument/2006/math">
+                      <m:r>
+                        <a:rPr lang="en-GB" sz="2400" b="0" i="1" smtClean="0">
+                          <a:latin typeface="Cambria Math" panose="02040503050406030204" pitchFamily="18" charset="0"/>
+                        </a:rPr>
+                        <m:t>𝐸</m:t>
+                      </m:r>
+                      <m:d>
+                        <m:dPr>
+                          <m:ctrlPr>
+                            <a:rPr lang="en-GB" sz="2400" b="0" i="1" smtClean="0">
+                              <a:latin typeface="Cambria Math" panose="02040503050406030204" pitchFamily="18" charset="0"/>
+                            </a:rPr>
+                          </m:ctrlPr>
+                        </m:dPr>
+                        <m:e>
+                          <m:sSub>
+                            <m:sSubPr>
+                              <m:ctrlPr>
+                                <a:rPr lang="en-GB" sz="2400" b="0" i="1" smtClean="0">
+                                  <a:latin typeface="Cambria Math" panose="02040503050406030204" pitchFamily="18" charset="0"/>
+                                </a:rPr>
+                              </m:ctrlPr>
+                            </m:sSubPr>
+                            <m:e>
+                              <m:r>
+                                <a:rPr lang="en-GB" sz="2400" b="0" i="1" smtClean="0">
+                                  <a:latin typeface="Cambria Math" panose="02040503050406030204" pitchFamily="18" charset="0"/>
+                                </a:rPr>
+                                <m:t>𝑟</m:t>
+                              </m:r>
+                            </m:e>
+                            <m:sub>
+                              <m:r>
+                                <a:rPr lang="en-GB" sz="2400" b="0" i="1" smtClean="0">
+                                  <a:latin typeface="Cambria Math" panose="02040503050406030204" pitchFamily="18" charset="0"/>
+                                </a:rPr>
+                                <m:t>𝑗</m:t>
+                              </m:r>
+                            </m:sub>
+                          </m:sSub>
+                        </m:e>
+                      </m:d>
+                      <m:r>
+                        <a:rPr lang="en-GB" sz="2400" b="0" i="1" smtClean="0">
+                          <a:latin typeface="Cambria Math" panose="02040503050406030204" pitchFamily="18" charset="0"/>
+                        </a:rPr>
+                        <m:t>=</m:t>
+                      </m:r>
+                      <m:nary>
+                        <m:naryPr>
+                          <m:chr m:val="∑"/>
+                          <m:supHide m:val="on"/>
+                          <m:ctrlPr>
+                            <a:rPr lang="en-GB" sz="2400" b="0" i="1" smtClean="0">
+                              <a:latin typeface="Cambria Math" panose="02040503050406030204" pitchFamily="18" charset="0"/>
+                            </a:rPr>
+                          </m:ctrlPr>
+                        </m:naryPr>
+                        <m:sub>
+                          <m:r>
+                            <m:rPr>
+                              <m:brk m:alnAt="7"/>
+                            </m:rPr>
+                            <a:rPr lang="en-GB" sz="2400" b="0" i="1" smtClean="0">
+                              <a:latin typeface="Cambria Math" panose="02040503050406030204" pitchFamily="18" charset="0"/>
+                            </a:rPr>
+                            <m:t>𝑖</m:t>
+                          </m:r>
+                        </m:sub>
+                        <m:sup/>
+                        <m:e>
+                          <m:d>
+                            <m:dPr>
+                              <m:begChr m:val="{"/>
+                              <m:endChr m:val="}"/>
+                              <m:ctrlPr>
+                                <a:rPr lang="en-GB" sz="2400" b="0" i="1" smtClean="0">
+                                  <a:latin typeface="Cambria Math" panose="02040503050406030204" pitchFamily="18" charset="0"/>
+                                </a:rPr>
+                              </m:ctrlPr>
+                            </m:dPr>
+                            <m:e>
+                              <m:eqArr>
+                                <m:eqArrPr>
+                                  <m:ctrlPr>
+                                    <a:rPr lang="en-GB" sz="2400" b="0" i="1" smtClean="0">
+                                      <a:latin typeface="Cambria Math" panose="02040503050406030204" pitchFamily="18" charset="0"/>
+                                    </a:rPr>
+                                  </m:ctrlPr>
+                                </m:eqArrPr>
+                                <m:e>
+                                  <m:f>
+                                    <m:fPr>
+                                      <m:ctrlPr>
+                                        <a:rPr lang="en-GB" sz="2400" b="0" i="1" smtClean="0">
+                                          <a:latin typeface="Cambria Math" panose="02040503050406030204" pitchFamily="18" charset="0"/>
+                                        </a:rPr>
+                                      </m:ctrlPr>
+                                    </m:fPr>
+                                    <m:num>
+                                      <m:r>
+                                        <a:rPr lang="en-GB" sz="2400" b="0" i="1" smtClean="0">
+                                          <a:latin typeface="Cambria Math" panose="02040503050406030204" pitchFamily="18" charset="0"/>
+                                        </a:rPr>
+                                        <m:t>𝑎𝑃</m:t>
+                                      </m:r>
+                                      <m:d>
+                                        <m:dPr>
+                                          <m:ctrlPr>
+                                            <a:rPr lang="en-GB" sz="2400" b="0" i="1" smtClean="0">
+                                              <a:latin typeface="Cambria Math" panose="02040503050406030204" pitchFamily="18" charset="0"/>
+                                            </a:rPr>
+                                          </m:ctrlPr>
+                                        </m:dPr>
+                                        <m:e>
+                                          <m:sSub>
+                                            <m:sSubPr>
+                                              <m:ctrlPr>
+                                                <a:rPr lang="en-GB" sz="2400" b="0" i="1" smtClean="0">
+                                                  <a:latin typeface="Cambria Math" panose="02040503050406030204" pitchFamily="18" charset="0"/>
+                                                </a:rPr>
+                                              </m:ctrlPr>
+                                            </m:sSubPr>
+                                            <m:e>
+                                              <m:r>
+                                                <a:rPr lang="en-GB" sz="2400" b="0" i="1" smtClean="0">
+                                                  <a:latin typeface="Cambria Math" panose="02040503050406030204" pitchFamily="18" charset="0"/>
+                                                </a:rPr>
+                                                <m:t>𝑟</m:t>
+                                              </m:r>
+                                            </m:e>
+                                            <m:sub>
+                                              <m:r>
+                                                <a:rPr lang="en-GB" sz="2400" b="0" i="1" smtClean="0">
+                                                  <a:latin typeface="Cambria Math" panose="02040503050406030204" pitchFamily="18" charset="0"/>
+                                                </a:rPr>
+                                                <m:t>𝑖</m:t>
+                                              </m:r>
+                                            </m:sub>
+                                          </m:sSub>
+                                        </m:e>
+                                      </m:d>
+                                      <m:r>
+                                        <a:rPr lang="en-GB" sz="2400" b="0" i="1" smtClean="0">
+                                          <a:latin typeface="Cambria Math" panose="02040503050406030204" pitchFamily="18" charset="0"/>
+                                        </a:rPr>
+                                        <m:t>+</m:t>
+                                      </m:r>
+                                      <m:r>
+                                        <a:rPr lang="en-GB" sz="2400" b="0" i="1" smtClean="0">
+                                          <a:latin typeface="Cambria Math" panose="02040503050406030204" pitchFamily="18" charset="0"/>
+                                        </a:rPr>
+                                        <m:t>𝑏</m:t>
+                                      </m:r>
+                                    </m:num>
+                                    <m:den>
+                                      <m:eqArr>
+                                        <m:eqArrPr>
+                                          <m:ctrlPr>
+                                            <a:rPr lang="en-GB" sz="2400" i="1">
+                                              <a:latin typeface="Cambria Math" panose="02040503050406030204" pitchFamily="18" charset="0"/>
+                                            </a:rPr>
+                                          </m:ctrlPr>
+                                        </m:eqArrPr>
+                                        <m:e>
+                                          <m:d>
+                                            <m:dPr>
+                                              <m:begChr m:val="|"/>
+                                              <m:endChr m:val="|"/>
+                                              <m:ctrlPr>
+                                                <a:rPr lang="en-GB" sz="2400" i="1">
+                                                  <a:latin typeface="Cambria Math" panose="02040503050406030204" pitchFamily="18" charset="0"/>
+                                                </a:rPr>
+                                              </m:ctrlPr>
+                                            </m:dPr>
+                                            <m:e>
+                                              <m:sSub>
+                                                <m:sSubPr>
+                                                  <m:ctrlPr>
+                                                    <a:rPr lang="en-GB" sz="2400" i="1">
+                                                      <a:latin typeface="Cambria Math" panose="02040503050406030204" pitchFamily="18" charset="0"/>
+                                                    </a:rPr>
+                                                  </m:ctrlPr>
+                                                </m:sSubPr>
+                                                <m:e>
+                                                  <m:r>
+                                                    <a:rPr lang="en-GB" sz="2400" i="1">
+                                                      <a:latin typeface="Cambria Math" panose="02040503050406030204" pitchFamily="18" charset="0"/>
+                                                    </a:rPr>
+                                                    <m:t>𝑟</m:t>
+                                                  </m:r>
+                                                </m:e>
+                                                <m:sub>
+                                                  <m:r>
+                                                    <a:rPr lang="en-GB" sz="2400" i="1">
+                                                      <a:latin typeface="Cambria Math" panose="02040503050406030204" pitchFamily="18" charset="0"/>
+                                                    </a:rPr>
+                                                    <m:t>𝑗</m:t>
+                                                  </m:r>
+                                                </m:sub>
+                                              </m:sSub>
+                                              <m:r>
+                                                <a:rPr lang="en-GB" sz="2400" i="1">
+                                                  <a:latin typeface="Cambria Math" panose="02040503050406030204" pitchFamily="18" charset="0"/>
+                                                </a:rPr>
+                                                <m:t>−</m:t>
+                                              </m:r>
+                                              <m:sSub>
+                                                <m:sSubPr>
+                                                  <m:ctrlPr>
+                                                    <a:rPr lang="en-GB" sz="2400" i="1">
+                                                      <a:latin typeface="Cambria Math" panose="02040503050406030204" pitchFamily="18" charset="0"/>
+                                                    </a:rPr>
+                                                  </m:ctrlPr>
+                                                </m:sSubPr>
+                                                <m:e>
+                                                  <m:r>
+                                                    <a:rPr lang="en-GB" sz="2400" i="1">
+                                                      <a:latin typeface="Cambria Math" panose="02040503050406030204" pitchFamily="18" charset="0"/>
+                                                    </a:rPr>
+                                                    <m:t>𝑟</m:t>
+                                                  </m:r>
+                                                </m:e>
+                                                <m:sub>
+                                                  <m:r>
+                                                    <a:rPr lang="en-GB" sz="2400" i="1">
+                                                      <a:latin typeface="Cambria Math" panose="02040503050406030204" pitchFamily="18" charset="0"/>
+                                                    </a:rPr>
+                                                    <m:t>𝑖</m:t>
+                                                  </m:r>
+                                                </m:sub>
+                                              </m:sSub>
+                                            </m:e>
+                                          </m:d>
+                                        </m:e>
+                                        <m:e/>
+                                      </m:eqArr>
+                                    </m:den>
+                                  </m:f>
+                                  <m:r>
+                                    <a:rPr lang="en-GB" sz="2400" b="0" i="1" smtClean="0">
+                                      <a:latin typeface="Cambria Math" panose="02040503050406030204" pitchFamily="18" charset="0"/>
+                                    </a:rPr>
+                                    <m:t>      </m:t>
+                                  </m:r>
+                                  <m:sSub>
+                                    <m:sSubPr>
+                                      <m:ctrlPr>
+                                        <a:rPr lang="en-GB" sz="2400" i="1">
+                                          <a:latin typeface="Cambria Math" panose="02040503050406030204" pitchFamily="18" charset="0"/>
+                                          <a:ea typeface="Cambria Math" panose="02040503050406030204" pitchFamily="18" charset="0"/>
+                                        </a:rPr>
+                                      </m:ctrlPr>
+                                    </m:sSubPr>
+                                    <m:e>
+                                      <m:r>
+                                        <a:rPr lang="en-GB" sz="2400" i="1">
+                                          <a:latin typeface="Cambria Math" panose="02040503050406030204" pitchFamily="18" charset="0"/>
+                                          <a:ea typeface="Cambria Math" panose="02040503050406030204" pitchFamily="18" charset="0"/>
+                                        </a:rPr>
+                                        <m:t>∀</m:t>
+                                      </m:r>
+                                    </m:e>
+                                    <m:sub>
+                                      <m:r>
+                                        <a:rPr lang="en-GB" sz="2400" i="1">
+                                          <a:latin typeface="Cambria Math" panose="02040503050406030204" pitchFamily="18" charset="0"/>
+                                          <a:ea typeface="Cambria Math" panose="02040503050406030204" pitchFamily="18" charset="0"/>
+                                        </a:rPr>
+                                        <m:t>𝑖</m:t>
+                                      </m:r>
+                                    </m:sub>
+                                  </m:sSub>
+                                  <m:r>
+                                    <a:rPr lang="en-GB" sz="2400" i="1" smtClean="0">
+                                      <a:latin typeface="Cambria Math" panose="02040503050406030204" pitchFamily="18" charset="0"/>
+                                      <a:ea typeface="Cambria Math" panose="02040503050406030204" pitchFamily="18" charset="0"/>
+                                    </a:rPr>
+                                    <m:t>≠</m:t>
+                                  </m:r>
+                                  <m:r>
+                                    <a:rPr lang="en-GB" sz="2400" i="1">
+                                      <a:latin typeface="Cambria Math" panose="02040503050406030204" pitchFamily="18" charset="0"/>
+                                      <a:ea typeface="Cambria Math" panose="02040503050406030204" pitchFamily="18" charset="0"/>
+                                    </a:rPr>
+                                    <m:t>𝑗</m:t>
+                                  </m:r>
+                                </m:e>
+                                <m:e>
+                                  <m:r>
+                                    <a:rPr lang="en-GB" sz="2400" b="0" i="1" smtClean="0">
+                                      <a:latin typeface="Cambria Math" panose="02040503050406030204" pitchFamily="18" charset="0"/>
+                                    </a:rPr>
+                                    <m:t>0</m:t>
+                                  </m:r>
+                                  <m:r>
+                                    <a:rPr lang="en-GB" sz="2400" b="0" i="1" smtClean="0">
+                                      <a:latin typeface="Cambria Math" panose="02040503050406030204" pitchFamily="18" charset="0"/>
+                                      <a:ea typeface="Cambria Math" panose="02040503050406030204" pitchFamily="18" charset="0"/>
+                                    </a:rPr>
+                                    <m:t>∀</m:t>
+                                  </m:r>
+                                  <m:r>
+                                    <a:rPr lang="en-GB" sz="2400" b="0" i="1" smtClean="0">
+                                      <a:latin typeface="Cambria Math" panose="02040503050406030204" pitchFamily="18" charset="0"/>
+                                      <a:ea typeface="Cambria Math" panose="02040503050406030204" pitchFamily="18" charset="0"/>
+                                    </a:rPr>
+                                    <m:t>𝑖</m:t>
+                                  </m:r>
+                                  <m:r>
+                                    <a:rPr lang="en-GB" sz="2400" b="0" i="1" smtClean="0">
+                                      <a:latin typeface="Cambria Math" panose="02040503050406030204" pitchFamily="18" charset="0"/>
+                                      <a:ea typeface="Cambria Math" panose="02040503050406030204" pitchFamily="18" charset="0"/>
+                                    </a:rPr>
+                                    <m:t>=</m:t>
+                                  </m:r>
+                                  <m:r>
+                                    <a:rPr lang="en-GB" sz="2400" b="0" i="1" smtClean="0">
+                                      <a:latin typeface="Cambria Math" panose="02040503050406030204" pitchFamily="18" charset="0"/>
+                                      <a:ea typeface="Cambria Math" panose="02040503050406030204" pitchFamily="18" charset="0"/>
+                                    </a:rPr>
+                                    <m:t>𝑗</m:t>
+                                  </m:r>
+                                  <m:r>
+                                    <a:rPr lang="en-GB" sz="2400" b="0" i="1" smtClean="0">
+                                      <a:latin typeface="Cambria Math" panose="02040503050406030204" pitchFamily="18" charset="0"/>
+                                      <a:ea typeface="Cambria Math" panose="02040503050406030204" pitchFamily="18" charset="0"/>
+                                    </a:rPr>
+                                    <m:t>                </m:t>
+                                  </m:r>
+                                </m:e>
+                              </m:eqArr>
+                            </m:e>
+                          </m:d>
+                        </m:e>
+                      </m:nary>
+                    </m:oMath>
+                  </m:oMathPara>
+                </a14:m>
+                <a:endParaRPr lang="en-GB" sz="2400" b="0" i="1" dirty="0" smtClean="0">
+                  <a:latin typeface="Cambria Math" panose="02040503050406030204" pitchFamily="18" charset="0"/>
+                </a:endParaRPr>
+              </a:p>
+              <a:p>
+                <a:pPr/>
+                <a:r>
+                  <a:rPr lang="en-GB" sz="2400" b="0" i="1" dirty="0" smtClean="0">
+                    <a:latin typeface="Cambria Math" panose="02040503050406030204" pitchFamily="18" charset="0"/>
+                  </a:rPr>
+                  <a:t/>
+                </a:r>
+                <a:br>
+                  <a:rPr lang="en-GB" sz="2400" b="0" i="1" dirty="0" smtClean="0">
+                    <a:latin typeface="Cambria Math" panose="02040503050406030204" pitchFamily="18" charset="0"/>
+                  </a:rPr>
+                </a:br>
+                <a:endParaRPr lang="en-GB" sz="2400" b="0" i="1" dirty="0" smtClean="0">
+                  <a:latin typeface="Cambria Math" panose="02040503050406030204" pitchFamily="18" charset="0"/>
+                </a:endParaRPr>
+              </a:p>
+              <a:p>
+                <a:pPr/>
+                <a14:m>
+                  <m:oMathPara xmlns:m="http://schemas.openxmlformats.org/officeDocument/2006/math">
+                    <m:oMathParaPr>
+                      <m:jc m:val="left"/>
+                    </m:oMathParaPr>
+                    <m:oMath xmlns:m="http://schemas.openxmlformats.org/officeDocument/2006/math">
+                      <m:r>
+                        <a:rPr lang="en-GB" sz="2400" b="0" i="1" smtClean="0">
+                          <a:latin typeface="Cambria Math" panose="02040503050406030204" pitchFamily="18" charset="0"/>
+                        </a:rPr>
+                        <m:t>=</m:t>
+                      </m:r>
+                      <m:r>
+                        <a:rPr lang="en-GB" sz="2400" i="1">
+                          <a:latin typeface="Cambria Math" panose="02040503050406030204" pitchFamily="18" charset="0"/>
+                        </a:rPr>
+                        <m:t>𝑎</m:t>
+                      </m:r>
+                      <m:nary>
+                        <m:naryPr>
+                          <m:chr m:val="∑"/>
+                          <m:supHide m:val="on"/>
+                          <m:ctrlPr>
+                            <a:rPr lang="en-GB" sz="2400" i="1">
+                              <a:latin typeface="Cambria Math" panose="02040503050406030204" pitchFamily="18" charset="0"/>
+                            </a:rPr>
+                          </m:ctrlPr>
+                        </m:naryPr>
+                        <m:sub>
+                          <m:r>
+                            <m:rPr>
+                              <m:brk m:alnAt="7"/>
+                            </m:rPr>
+                            <a:rPr lang="en-GB" sz="2400" i="1">
+                              <a:latin typeface="Cambria Math" panose="02040503050406030204" pitchFamily="18" charset="0"/>
+                            </a:rPr>
+                            <m:t>𝑖</m:t>
+                          </m:r>
+                        </m:sub>
+                        <m:sup/>
+                        <m:e>
+                          <m:d>
+                            <m:dPr>
+                              <m:begChr m:val="{"/>
+                              <m:endChr m:val="}"/>
+                              <m:ctrlPr>
+                                <a:rPr lang="en-GB" sz="2400" i="1">
+                                  <a:latin typeface="Cambria Math" panose="02040503050406030204" pitchFamily="18" charset="0"/>
+                                </a:rPr>
+                              </m:ctrlPr>
+                            </m:dPr>
+                            <m:e>
+                              <m:eqArr>
+                                <m:eqArrPr>
+                                  <m:ctrlPr>
+                                    <a:rPr lang="en-GB" sz="2400" i="1">
+                                      <a:latin typeface="Cambria Math" panose="02040503050406030204" pitchFamily="18" charset="0"/>
+                                    </a:rPr>
+                                  </m:ctrlPr>
+                                </m:eqArrPr>
+                                <m:e>
+                                  <m:f>
+                                    <m:fPr>
+                                      <m:ctrlPr>
+                                        <a:rPr lang="en-GB" sz="2400" i="1">
+                                          <a:latin typeface="Cambria Math" panose="02040503050406030204" pitchFamily="18" charset="0"/>
+                                        </a:rPr>
+                                      </m:ctrlPr>
+                                    </m:fPr>
+                                    <m:num>
+                                      <m:r>
+                                        <a:rPr lang="en-GB" sz="2400" i="1">
+                                          <a:latin typeface="Cambria Math" panose="02040503050406030204" pitchFamily="18" charset="0"/>
+                                        </a:rPr>
+                                        <m:t>𝑃</m:t>
+                                      </m:r>
+                                      <m:d>
+                                        <m:dPr>
+                                          <m:ctrlPr>
+                                            <a:rPr lang="en-GB" sz="2400" i="1">
+                                              <a:latin typeface="Cambria Math" panose="02040503050406030204" pitchFamily="18" charset="0"/>
+                                            </a:rPr>
+                                          </m:ctrlPr>
+                                        </m:dPr>
+                                        <m:e>
+                                          <m:sSub>
+                                            <m:sSubPr>
+                                              <m:ctrlPr>
+                                                <a:rPr lang="en-GB" sz="2400" i="1">
+                                                  <a:latin typeface="Cambria Math" panose="02040503050406030204" pitchFamily="18" charset="0"/>
+                                                </a:rPr>
+                                              </m:ctrlPr>
+                                            </m:sSubPr>
+                                            <m:e>
+                                              <m:r>
+                                                <a:rPr lang="en-GB" sz="2400" i="1">
+                                                  <a:latin typeface="Cambria Math" panose="02040503050406030204" pitchFamily="18" charset="0"/>
+                                                </a:rPr>
+                                                <m:t>𝑟</m:t>
+                                              </m:r>
+                                            </m:e>
+                                            <m:sub>
+                                              <m:r>
+                                                <a:rPr lang="en-GB" sz="2400" i="1">
+                                                  <a:latin typeface="Cambria Math" panose="02040503050406030204" pitchFamily="18" charset="0"/>
+                                                </a:rPr>
+                                                <m:t>𝑖</m:t>
+                                              </m:r>
+                                            </m:sub>
+                                          </m:sSub>
+                                        </m:e>
+                                      </m:d>
+                                    </m:num>
+                                    <m:den>
+                                      <m:eqArr>
+                                        <m:eqArrPr>
+                                          <m:ctrlPr>
+                                            <a:rPr lang="en-GB" sz="2400" i="1">
+                                              <a:latin typeface="Cambria Math" panose="02040503050406030204" pitchFamily="18" charset="0"/>
+                                            </a:rPr>
+                                          </m:ctrlPr>
+                                        </m:eqArrPr>
+                                        <m:e>
+                                          <m:d>
+                                            <m:dPr>
+                                              <m:begChr m:val="|"/>
+                                              <m:endChr m:val="|"/>
+                                              <m:ctrlPr>
+                                                <a:rPr lang="en-GB" sz="2400" i="1">
+                                                  <a:latin typeface="Cambria Math" panose="02040503050406030204" pitchFamily="18" charset="0"/>
+                                                </a:rPr>
+                                              </m:ctrlPr>
+                                            </m:dPr>
+                                            <m:e>
+                                              <m:sSub>
+                                                <m:sSubPr>
+                                                  <m:ctrlPr>
+                                                    <a:rPr lang="en-GB" sz="2400" i="1">
+                                                      <a:latin typeface="Cambria Math" panose="02040503050406030204" pitchFamily="18" charset="0"/>
+                                                    </a:rPr>
+                                                  </m:ctrlPr>
+                                                </m:sSubPr>
+                                                <m:e>
+                                                  <m:r>
+                                                    <a:rPr lang="en-GB" sz="2400" i="1">
+                                                      <a:latin typeface="Cambria Math" panose="02040503050406030204" pitchFamily="18" charset="0"/>
+                                                    </a:rPr>
+                                                    <m:t>𝑟</m:t>
+                                                  </m:r>
+                                                </m:e>
+                                                <m:sub>
+                                                  <m:r>
+                                                    <a:rPr lang="en-GB" sz="2400" i="1">
+                                                      <a:latin typeface="Cambria Math" panose="02040503050406030204" pitchFamily="18" charset="0"/>
+                                                    </a:rPr>
+                                                    <m:t>𝑗</m:t>
+                                                  </m:r>
+                                                </m:sub>
+                                              </m:sSub>
+                                              <m:r>
+                                                <a:rPr lang="en-GB" sz="2400" i="1">
+                                                  <a:latin typeface="Cambria Math" panose="02040503050406030204" pitchFamily="18" charset="0"/>
+                                                </a:rPr>
+                                                <m:t>−</m:t>
+                                              </m:r>
+                                              <m:sSub>
+                                                <m:sSubPr>
+                                                  <m:ctrlPr>
+                                                    <a:rPr lang="en-GB" sz="2400" i="1">
+                                                      <a:latin typeface="Cambria Math" panose="02040503050406030204" pitchFamily="18" charset="0"/>
+                                                    </a:rPr>
+                                                  </m:ctrlPr>
+                                                </m:sSubPr>
+                                                <m:e>
+                                                  <m:r>
+                                                    <a:rPr lang="en-GB" sz="2400" i="1">
+                                                      <a:latin typeface="Cambria Math" panose="02040503050406030204" pitchFamily="18" charset="0"/>
+                                                    </a:rPr>
+                                                    <m:t>𝑟</m:t>
+                                                  </m:r>
+                                                </m:e>
+                                                <m:sub>
+                                                  <m:r>
+                                                    <a:rPr lang="en-GB" sz="2400" i="1">
+                                                      <a:latin typeface="Cambria Math" panose="02040503050406030204" pitchFamily="18" charset="0"/>
+                                                    </a:rPr>
+                                                    <m:t>𝑖</m:t>
+                                                  </m:r>
+                                                </m:sub>
+                                              </m:sSub>
+                                            </m:e>
+                                          </m:d>
+                                        </m:e>
+                                        <m:e/>
+                                      </m:eqArr>
+                                    </m:den>
+                                  </m:f>
+                                  <m:r>
+                                    <a:rPr lang="en-GB" sz="2400" i="1">
+                                      <a:latin typeface="Cambria Math" panose="02040503050406030204" pitchFamily="18" charset="0"/>
+                                    </a:rPr>
+                                    <m:t>      </m:t>
+                                  </m:r>
+                                  <m:sSub>
+                                    <m:sSubPr>
+                                      <m:ctrlPr>
+                                        <a:rPr lang="en-GB" sz="2400" i="1">
+                                          <a:latin typeface="Cambria Math" panose="02040503050406030204" pitchFamily="18" charset="0"/>
+                                          <a:ea typeface="Cambria Math" panose="02040503050406030204" pitchFamily="18" charset="0"/>
+                                        </a:rPr>
+                                      </m:ctrlPr>
+                                    </m:sSubPr>
+                                    <m:e>
+                                      <m:r>
+                                        <a:rPr lang="en-GB" sz="2400" i="1">
+                                          <a:latin typeface="Cambria Math" panose="02040503050406030204" pitchFamily="18" charset="0"/>
+                                          <a:ea typeface="Cambria Math" panose="02040503050406030204" pitchFamily="18" charset="0"/>
+                                        </a:rPr>
+                                        <m:t>∀</m:t>
+                                      </m:r>
+                                    </m:e>
+                                    <m:sub>
+                                      <m:r>
+                                        <a:rPr lang="en-GB" sz="2400" i="1">
+                                          <a:latin typeface="Cambria Math" panose="02040503050406030204" pitchFamily="18" charset="0"/>
+                                          <a:ea typeface="Cambria Math" panose="02040503050406030204" pitchFamily="18" charset="0"/>
+                                        </a:rPr>
+                                        <m:t>𝑖</m:t>
+                                      </m:r>
+                                    </m:sub>
+                                  </m:sSub>
+                                  <m:r>
+                                    <a:rPr lang="en-GB" sz="2400" i="1">
+                                      <a:latin typeface="Cambria Math" panose="02040503050406030204" pitchFamily="18" charset="0"/>
+                                      <a:ea typeface="Cambria Math" panose="02040503050406030204" pitchFamily="18" charset="0"/>
+                                    </a:rPr>
+                                    <m:t>≠</m:t>
+                                  </m:r>
+                                  <m:r>
+                                    <a:rPr lang="en-GB" sz="2400" i="1">
+                                      <a:latin typeface="Cambria Math" panose="02040503050406030204" pitchFamily="18" charset="0"/>
+                                      <a:ea typeface="Cambria Math" panose="02040503050406030204" pitchFamily="18" charset="0"/>
+                                    </a:rPr>
+                                    <m:t>𝑗</m:t>
+                                  </m:r>
+                                </m:e>
+                                <m:e>
+                                  <m:r>
+                                    <a:rPr lang="en-GB" sz="2400" i="1">
+                                      <a:latin typeface="Cambria Math" panose="02040503050406030204" pitchFamily="18" charset="0"/>
+                                    </a:rPr>
+                                    <m:t>0</m:t>
+                                  </m:r>
+                                  <m:r>
+                                    <a:rPr lang="en-GB" sz="2400" i="1">
+                                      <a:latin typeface="Cambria Math" panose="02040503050406030204" pitchFamily="18" charset="0"/>
+                                      <a:ea typeface="Cambria Math" panose="02040503050406030204" pitchFamily="18" charset="0"/>
+                                    </a:rPr>
+                                    <m:t>∀</m:t>
+                                  </m:r>
+                                  <m:r>
+                                    <a:rPr lang="en-GB" sz="2400" i="1">
+                                      <a:latin typeface="Cambria Math" panose="02040503050406030204" pitchFamily="18" charset="0"/>
+                                      <a:ea typeface="Cambria Math" panose="02040503050406030204" pitchFamily="18" charset="0"/>
+                                    </a:rPr>
+                                    <m:t>𝑖</m:t>
+                                  </m:r>
+                                  <m:r>
+                                    <a:rPr lang="en-GB" sz="2400" i="1">
+                                      <a:latin typeface="Cambria Math" panose="02040503050406030204" pitchFamily="18" charset="0"/>
+                                      <a:ea typeface="Cambria Math" panose="02040503050406030204" pitchFamily="18" charset="0"/>
+                                    </a:rPr>
+                                    <m:t>=</m:t>
+                                  </m:r>
+                                  <m:r>
+                                    <a:rPr lang="en-GB" sz="2400" i="1">
+                                      <a:latin typeface="Cambria Math" panose="02040503050406030204" pitchFamily="18" charset="0"/>
+                                      <a:ea typeface="Cambria Math" panose="02040503050406030204" pitchFamily="18" charset="0"/>
+                                    </a:rPr>
+                                    <m:t>𝑗</m:t>
+                                  </m:r>
+                                  <m:r>
+                                    <a:rPr lang="en-GB" sz="2400" i="1">
+                                      <a:latin typeface="Cambria Math" panose="02040503050406030204" pitchFamily="18" charset="0"/>
+                                      <a:ea typeface="Cambria Math" panose="02040503050406030204" pitchFamily="18" charset="0"/>
+                                    </a:rPr>
+                                    <m:t>                </m:t>
+                                  </m:r>
+                                </m:e>
+                              </m:eqArr>
+                            </m:e>
+                          </m:d>
+                        </m:e>
+                      </m:nary>
+                      <m:r>
+                        <a:rPr lang="en-GB" sz="2400" b="0" i="0" smtClean="0">
+                          <a:latin typeface="Cambria Math" panose="02040503050406030204" pitchFamily="18" charset="0"/>
+                        </a:rPr>
+                        <m:t>+</m:t>
+                      </m:r>
+                      <m:nary>
+                        <m:naryPr>
+                          <m:chr m:val="∑"/>
+                          <m:supHide m:val="on"/>
+                          <m:ctrlPr>
+                            <a:rPr lang="en-GB" sz="2400" b="0" i="1" smtClean="0">
+                              <a:latin typeface="Cambria Math" panose="02040503050406030204" pitchFamily="18" charset="0"/>
+                            </a:rPr>
+                          </m:ctrlPr>
+                        </m:naryPr>
+                        <m:sub>
+                          <m:r>
+                            <m:rPr>
+                              <m:brk m:alnAt="7"/>
+                            </m:rPr>
+                            <a:rPr lang="en-GB" sz="2400" b="0" i="1" smtClean="0">
+                              <a:latin typeface="Cambria Math" panose="02040503050406030204" pitchFamily="18" charset="0"/>
+                            </a:rPr>
+                            <m:t>𝑖</m:t>
+                          </m:r>
+                        </m:sub>
+                        <m:sup/>
+                        <m:e>
+                          <m:d>
+                            <m:dPr>
+                              <m:begChr m:val="{"/>
+                              <m:endChr m:val="}"/>
+                              <m:ctrlPr>
+                                <a:rPr lang="en-GB" sz="2400" i="1">
+                                  <a:latin typeface="Cambria Math" panose="02040503050406030204" pitchFamily="18" charset="0"/>
+                                </a:rPr>
+                              </m:ctrlPr>
+                            </m:dPr>
+                            <m:e>
+                              <m:eqArr>
+                                <m:eqArrPr>
+                                  <m:ctrlPr>
+                                    <a:rPr lang="en-GB" sz="2400" i="1">
+                                      <a:latin typeface="Cambria Math" panose="02040503050406030204" pitchFamily="18" charset="0"/>
+                                    </a:rPr>
+                                  </m:ctrlPr>
+                                </m:eqArrPr>
+                                <m:e>
+                                  <m:f>
+                                    <m:fPr>
+                                      <m:ctrlPr>
+                                        <a:rPr lang="en-GB" sz="2400" i="1">
+                                          <a:latin typeface="Cambria Math" panose="02040503050406030204" pitchFamily="18" charset="0"/>
+                                        </a:rPr>
+                                      </m:ctrlPr>
+                                    </m:fPr>
+                                    <m:num>
+                                      <m:r>
+                                        <a:rPr lang="en-GB" sz="2400" i="1">
+                                          <a:latin typeface="Cambria Math" panose="02040503050406030204" pitchFamily="18" charset="0"/>
+                                        </a:rPr>
+                                        <m:t>𝑏</m:t>
+                                      </m:r>
+                                    </m:num>
+                                    <m:den>
+                                      <m:eqArr>
+                                        <m:eqArrPr>
+                                          <m:ctrlPr>
+                                            <a:rPr lang="en-GB" sz="2400" i="1">
+                                              <a:latin typeface="Cambria Math" panose="02040503050406030204" pitchFamily="18" charset="0"/>
+                                            </a:rPr>
+                                          </m:ctrlPr>
+                                        </m:eqArrPr>
+                                        <m:e>
+                                          <m:d>
+                                            <m:dPr>
+                                              <m:begChr m:val="|"/>
+                                              <m:endChr m:val="|"/>
+                                              <m:ctrlPr>
+                                                <a:rPr lang="en-GB" sz="2400" i="1">
+                                                  <a:latin typeface="Cambria Math" panose="02040503050406030204" pitchFamily="18" charset="0"/>
+                                                </a:rPr>
+                                              </m:ctrlPr>
+                                            </m:dPr>
+                                            <m:e>
+                                              <m:sSub>
+                                                <m:sSubPr>
+                                                  <m:ctrlPr>
+                                                    <a:rPr lang="en-GB" sz="2400" i="1">
+                                                      <a:latin typeface="Cambria Math" panose="02040503050406030204" pitchFamily="18" charset="0"/>
+                                                    </a:rPr>
+                                                  </m:ctrlPr>
+                                                </m:sSubPr>
+                                                <m:e>
+                                                  <m:r>
+                                                    <a:rPr lang="en-GB" sz="2400" i="1">
+                                                      <a:latin typeface="Cambria Math" panose="02040503050406030204" pitchFamily="18" charset="0"/>
+                                                    </a:rPr>
+                                                    <m:t>𝑟</m:t>
+                                                  </m:r>
+                                                </m:e>
+                                                <m:sub>
+                                                  <m:r>
+                                                    <a:rPr lang="en-GB" sz="2400" i="1">
+                                                      <a:latin typeface="Cambria Math" panose="02040503050406030204" pitchFamily="18" charset="0"/>
+                                                    </a:rPr>
+                                                    <m:t>𝑗</m:t>
+                                                  </m:r>
+                                                </m:sub>
+                                              </m:sSub>
+                                              <m:r>
+                                                <a:rPr lang="en-GB" sz="2400" i="1">
+                                                  <a:latin typeface="Cambria Math" panose="02040503050406030204" pitchFamily="18" charset="0"/>
+                                                </a:rPr>
+                                                <m:t>−</m:t>
+                                              </m:r>
+                                              <m:sSub>
+                                                <m:sSubPr>
+                                                  <m:ctrlPr>
+                                                    <a:rPr lang="en-GB" sz="2400" i="1">
+                                                      <a:latin typeface="Cambria Math" panose="02040503050406030204" pitchFamily="18" charset="0"/>
+                                                    </a:rPr>
+                                                  </m:ctrlPr>
+                                                </m:sSubPr>
+                                                <m:e>
+                                                  <m:r>
+                                                    <a:rPr lang="en-GB" sz="2400" i="1">
+                                                      <a:latin typeface="Cambria Math" panose="02040503050406030204" pitchFamily="18" charset="0"/>
+                                                    </a:rPr>
+                                                    <m:t>𝑟</m:t>
+                                                  </m:r>
+                                                </m:e>
+                                                <m:sub>
+                                                  <m:r>
+                                                    <a:rPr lang="en-GB" sz="2400" i="1">
+                                                      <a:latin typeface="Cambria Math" panose="02040503050406030204" pitchFamily="18" charset="0"/>
+                                                    </a:rPr>
+                                                    <m:t>𝑖</m:t>
+                                                  </m:r>
+                                                </m:sub>
+                                              </m:sSub>
+                                            </m:e>
+                                          </m:d>
+                                        </m:e>
+                                        <m:e/>
+                                      </m:eqArr>
+                                    </m:den>
+                                  </m:f>
+                                  <m:r>
+                                    <a:rPr lang="en-GB" sz="2400" i="1">
+                                      <a:latin typeface="Cambria Math" panose="02040503050406030204" pitchFamily="18" charset="0"/>
+                                    </a:rPr>
+                                    <m:t>      </m:t>
+                                  </m:r>
+                                  <m:sSub>
+                                    <m:sSubPr>
+                                      <m:ctrlPr>
+                                        <a:rPr lang="en-GB" sz="2400" i="1">
+                                          <a:latin typeface="Cambria Math" panose="02040503050406030204" pitchFamily="18" charset="0"/>
+                                          <a:ea typeface="Cambria Math" panose="02040503050406030204" pitchFamily="18" charset="0"/>
+                                        </a:rPr>
+                                      </m:ctrlPr>
+                                    </m:sSubPr>
+                                    <m:e>
+                                      <m:r>
+                                        <a:rPr lang="en-GB" sz="2400" i="1">
+                                          <a:latin typeface="Cambria Math" panose="02040503050406030204" pitchFamily="18" charset="0"/>
+                                          <a:ea typeface="Cambria Math" panose="02040503050406030204" pitchFamily="18" charset="0"/>
+                                        </a:rPr>
+                                        <m:t>∀</m:t>
+                                      </m:r>
+                                    </m:e>
+                                    <m:sub>
+                                      <m:r>
+                                        <a:rPr lang="en-GB" sz="2400" i="1">
+                                          <a:latin typeface="Cambria Math" panose="02040503050406030204" pitchFamily="18" charset="0"/>
+                                          <a:ea typeface="Cambria Math" panose="02040503050406030204" pitchFamily="18" charset="0"/>
+                                        </a:rPr>
+                                        <m:t>𝑖</m:t>
+                                      </m:r>
+                                    </m:sub>
+                                  </m:sSub>
+                                  <m:r>
+                                    <a:rPr lang="en-GB" sz="2400" i="1">
+                                      <a:latin typeface="Cambria Math" panose="02040503050406030204" pitchFamily="18" charset="0"/>
+                                      <a:ea typeface="Cambria Math" panose="02040503050406030204" pitchFamily="18" charset="0"/>
+                                    </a:rPr>
+                                    <m:t>≠</m:t>
+                                  </m:r>
+                                  <m:r>
+                                    <a:rPr lang="en-GB" sz="2400" i="1">
+                                      <a:latin typeface="Cambria Math" panose="02040503050406030204" pitchFamily="18" charset="0"/>
+                                      <a:ea typeface="Cambria Math" panose="02040503050406030204" pitchFamily="18" charset="0"/>
+                                    </a:rPr>
+                                    <m:t>𝑗</m:t>
+                                  </m:r>
+                                </m:e>
+                                <m:e>
+                                  <m:r>
+                                    <a:rPr lang="en-GB" sz="2400" i="1">
+                                      <a:latin typeface="Cambria Math" panose="02040503050406030204" pitchFamily="18" charset="0"/>
+                                    </a:rPr>
+                                    <m:t>0</m:t>
+                                  </m:r>
+                                  <m:r>
+                                    <a:rPr lang="en-GB" sz="2400" i="1">
+                                      <a:latin typeface="Cambria Math" panose="02040503050406030204" pitchFamily="18" charset="0"/>
+                                      <a:ea typeface="Cambria Math" panose="02040503050406030204" pitchFamily="18" charset="0"/>
+                                    </a:rPr>
+                                    <m:t>∀</m:t>
+                                  </m:r>
+                                  <m:r>
+                                    <a:rPr lang="en-GB" sz="2400" i="1">
+                                      <a:latin typeface="Cambria Math" panose="02040503050406030204" pitchFamily="18" charset="0"/>
+                                      <a:ea typeface="Cambria Math" panose="02040503050406030204" pitchFamily="18" charset="0"/>
+                                    </a:rPr>
+                                    <m:t>𝑖</m:t>
+                                  </m:r>
+                                  <m:r>
+                                    <a:rPr lang="en-GB" sz="2400" i="1">
+                                      <a:latin typeface="Cambria Math" panose="02040503050406030204" pitchFamily="18" charset="0"/>
+                                      <a:ea typeface="Cambria Math" panose="02040503050406030204" pitchFamily="18" charset="0"/>
+                                    </a:rPr>
+                                    <m:t>=</m:t>
+                                  </m:r>
+                                  <m:r>
+                                    <a:rPr lang="en-GB" sz="2400" i="1">
+                                      <a:latin typeface="Cambria Math" panose="02040503050406030204" pitchFamily="18" charset="0"/>
+                                      <a:ea typeface="Cambria Math" panose="02040503050406030204" pitchFamily="18" charset="0"/>
+                                    </a:rPr>
+                                    <m:t>𝑗</m:t>
+                                  </m:r>
+                                  <m:r>
+                                    <a:rPr lang="en-GB" sz="2400" i="1">
+                                      <a:latin typeface="Cambria Math" panose="02040503050406030204" pitchFamily="18" charset="0"/>
+                                      <a:ea typeface="Cambria Math" panose="02040503050406030204" pitchFamily="18" charset="0"/>
+                                    </a:rPr>
+                                    <m:t>                </m:t>
+                                  </m:r>
+                                </m:e>
+                              </m:eqArr>
+                            </m:e>
+                          </m:d>
+                        </m:e>
+                      </m:nary>
+                    </m:oMath>
+                  </m:oMathPara>
+                </a14:m>
+                <a:endParaRPr lang="en-GB" sz="2400" dirty="0"/>
+              </a:p>
+            </p:txBody>
+          </p:sp>
+        </mc:Choice>
+        <mc:Fallback>
+          <p:sp>
+            <p:nvSpPr>
+              <p:cNvPr id="7" name="Textfeld 6"/>
+              <p:cNvSpPr txBox="1">
+                <a:spLocks noRot="1" noChangeAspect="1" noMove="1" noResize="1" noEditPoints="1" noAdjustHandles="1" noChangeArrowheads="1" noChangeShapeType="1" noTextEdit="1"/>
+              </p:cNvSpPr>
+              <p:nvPr/>
+            </p:nvSpPr>
+            <p:spPr>
+              <a:xfrm>
+                <a:off x="984533" y="1977177"/>
+                <a:ext cx="8902417" cy="4069191"/>
+              </a:xfrm>
+              <a:prstGeom prst="rect">
+                <a:avLst/>
+              </a:prstGeom>
+              <a:blipFill>
+                <a:blip r:embed="rId2"/>
+                <a:stretch>
+                  <a:fillRect/>
+                </a:stretch>
+              </a:blipFill>
+            </p:spPr>
+            <p:txBody>
+              <a:bodyPr/>
+              <a:lstStyle/>
+              <a:p>
+                <a:r>
+                  <a:rPr lang="en-GB">
+                    <a:noFill/>
+                  </a:rPr>
+                  <a:t> </a:t>
+                </a:r>
+              </a:p>
+            </p:txBody>
+          </p:sp>
+        </mc:Fallback>
+      </mc:AlternateContent>
+      <p:sp>
+        <p:nvSpPr>
+          <p:cNvPr id="8" name="Textfeld 7"/>
+          <p:cNvSpPr txBox="1"/>
+          <p:nvPr/>
+        </p:nvSpPr>
+        <p:spPr>
+          <a:xfrm>
+            <a:off x="628650" y="1037356"/>
+            <a:ext cx="5942047" cy="523220"/>
+          </a:xfrm>
+          <a:prstGeom prst="rect">
+            <a:avLst/>
+          </a:prstGeom>
+          <a:noFill/>
+        </p:spPr>
+        <p:txBody>
+          <a:bodyPr wrap="square" rtlCol="0">
+            <a:spAutoFit/>
+          </a:bodyPr>
+          <a:lstStyle/>
+          <a:p>
+            <a:r>
+              <a:rPr lang="en-GB" sz="2800" dirty="0" smtClean="0"/>
+              <a:t>Shape &amp; brightness sensitivity</a:t>
+            </a:r>
+            <a:endParaRPr lang="en-GB" sz="2800" dirty="0"/>
+          </a:p>
+        </p:txBody>
+      </p:sp>
+    </p:spTree>
+    <p:extLst>
+      <p:ext uri="{BB962C8B-B14F-4D97-AF65-F5344CB8AC3E}">
+        <p14:creationId xmlns:p14="http://schemas.microsoft.com/office/powerpoint/2010/main" val="3295671978"/>
+      </p:ext>
+    </p:extLst>
+  </p:cSld>
+  <p:clrMapOvr>
+    <a:masterClrMapping/>
+  </p:clrMapOvr>
+  <p:timing>
+    <p:tnLst>
+      <p:par>
+        <p:cTn id="1" dur="indefinite" restart="never" nodeType="tmRoot"/>
+      </p:par>
+    </p:tnLst>
+  </p:timing>
+</p:sld>
+</file>
+
+<file path=ppt/slides/slide22.xml><?xml version="1.0" encoding="utf-8"?>
+<p:sld xmlns:a="http://schemas.openxmlformats.org/drawingml/2006/main" xmlns:r="http://schemas.openxmlformats.org/officeDocument/2006/relationships" xmlns:p="http://schemas.openxmlformats.org/presentationml/2006/main">
+  <p:cSld>
+    <p:spTree>
+      <p:nvGrpSpPr>
+        <p:cNvPr id="1" name=""/>
+        <p:cNvGrpSpPr/>
+        <p:nvPr/>
+      </p:nvGrpSpPr>
+      <p:grpSpPr>
+        <a:xfrm>
+          <a:off x="0" y="0"/>
+          <a:ext cx="0" cy="0"/>
+          <a:chOff x="0" y="0"/>
+          <a:chExt cx="0" cy="0"/>
+        </a:xfrm>
+      </p:grpSpPr>
+      <p:sp>
+        <p:nvSpPr>
+          <p:cNvPr id="2" name="Titel 1"/>
+          <p:cNvSpPr>
+            <a:spLocks noGrp="1"/>
+          </p:cNvSpPr>
+          <p:nvPr>
+            <p:ph type="title"/>
+          </p:nvPr>
+        </p:nvSpPr>
+        <p:spPr/>
+        <p:txBody>
+          <a:bodyPr>
+            <a:normAutofit/>
+          </a:bodyPr>
+          <a:lstStyle/>
+          <a:p>
+            <a:r>
+              <a:rPr lang="en-GB" dirty="0" smtClean="0"/>
+              <a:t>Result</a:t>
+            </a:r>
+            <a:endParaRPr lang="en-GB" dirty="0"/>
+          </a:p>
+        </p:txBody>
+      </p:sp>
+      <p:sp>
+        <p:nvSpPr>
+          <p:cNvPr id="3" name="Inhaltsplatzhalter 2"/>
+          <p:cNvSpPr>
+            <a:spLocks noGrp="1"/>
+          </p:cNvSpPr>
+          <p:nvPr>
+            <p:ph idx="1"/>
+          </p:nvPr>
+        </p:nvSpPr>
+        <p:spPr/>
+        <p:txBody>
+          <a:bodyPr>
+            <a:normAutofit/>
+          </a:bodyPr>
+          <a:lstStyle/>
+          <a:p>
+            <a:pPr marL="0" lvl="0" indent="0">
+              <a:buNone/>
+            </a:pPr>
+            <a:r>
+              <a:rPr lang="en-GB" dirty="0" smtClean="0"/>
+              <a:t>Disadvantages</a:t>
+            </a:r>
+            <a:r>
+              <a:rPr lang="en-GB" dirty="0"/>
+              <a:t>:</a:t>
+            </a:r>
+          </a:p>
+          <a:p>
+            <a:pPr lvl="1"/>
+            <a:r>
+              <a:rPr lang="en-GB" dirty="0"/>
+              <a:t>At times, transform generates only one ‘well</a:t>
+            </a:r>
+            <a:r>
+              <a:rPr lang="en-GB" dirty="0" smtClean="0"/>
+              <a:t>’</a:t>
+            </a:r>
+          </a:p>
+          <a:p>
+            <a:pPr lvl="1"/>
+            <a:r>
+              <a:rPr lang="en-GB" dirty="0" smtClean="0"/>
+              <a:t>High </a:t>
+            </a:r>
+            <a:r>
+              <a:rPr lang="en-GB" dirty="0"/>
+              <a:t>computational costs for brute-force method: O(n²)</a:t>
+            </a:r>
+          </a:p>
+          <a:p>
+            <a:pPr lvl="1"/>
+            <a:r>
+              <a:rPr lang="en-GB" dirty="0"/>
+              <a:t>Not widely applicable</a:t>
+            </a:r>
+          </a:p>
+          <a:p>
+            <a:pPr lvl="1"/>
+            <a:r>
+              <a:rPr lang="en-GB" dirty="0"/>
+              <a:t>Occlusion by </a:t>
+            </a:r>
+            <a:r>
+              <a:rPr lang="en-GB" dirty="0" smtClean="0"/>
+              <a:t>hair</a:t>
+            </a:r>
+            <a:endParaRPr lang="en-GB" dirty="0"/>
+          </a:p>
+        </p:txBody>
+      </p:sp>
+      <p:sp>
+        <p:nvSpPr>
+          <p:cNvPr id="4" name="Datumsplatzhalter 3"/>
+          <p:cNvSpPr>
+            <a:spLocks noGrp="1"/>
+          </p:cNvSpPr>
+          <p:nvPr>
+            <p:ph type="dt" sz="half" idx="10"/>
+          </p:nvPr>
+        </p:nvSpPr>
+        <p:spPr/>
+        <p:txBody>
+          <a:bodyPr/>
+          <a:lstStyle/>
+          <a:p>
+            <a:r>
+              <a:rPr lang="en-US" smtClean="0"/>
+              <a:t>Ganiyu Ibraheem  Philipp Seybold</a:t>
+            </a:r>
+            <a:endParaRPr lang="en-GB" dirty="0"/>
+          </a:p>
+        </p:txBody>
+      </p:sp>
+      <p:sp>
+        <p:nvSpPr>
+          <p:cNvPr id="5" name="Fußzeilenplatzhalter 4"/>
+          <p:cNvSpPr>
+            <a:spLocks noGrp="1"/>
+          </p:cNvSpPr>
+          <p:nvPr>
+            <p:ph type="ftr" sz="quarter" idx="11"/>
+          </p:nvPr>
+        </p:nvSpPr>
+        <p:spPr/>
+        <p:txBody>
+          <a:bodyPr/>
+          <a:lstStyle/>
+          <a:p>
+            <a:r>
+              <a:rPr lang="en-GB" smtClean="0"/>
+              <a:t>COMP6206 Advanced Computer Vision</a:t>
+            </a:r>
+            <a:endParaRPr lang="en-GB"/>
+          </a:p>
+        </p:txBody>
+      </p:sp>
+      <p:sp>
+        <p:nvSpPr>
+          <p:cNvPr id="6" name="Foliennummernplatzhalter 5"/>
+          <p:cNvSpPr>
+            <a:spLocks noGrp="1"/>
+          </p:cNvSpPr>
+          <p:nvPr>
+            <p:ph type="sldNum" sz="quarter" idx="12"/>
+          </p:nvPr>
+        </p:nvSpPr>
+        <p:spPr/>
+        <p:txBody>
+          <a:bodyPr/>
+          <a:lstStyle/>
+          <a:p>
+            <a:fld id="{FB9D3F8E-99BC-4812-95D4-548B8E992B94}" type="slidenum">
+              <a:rPr lang="en-GB" smtClean="0"/>
+              <a:t>22</a:t>
+            </a:fld>
+            <a:endParaRPr lang="en-GB"/>
+          </a:p>
+        </p:txBody>
+      </p:sp>
+    </p:spTree>
+    <p:extLst>
+      <p:ext uri="{BB962C8B-B14F-4D97-AF65-F5344CB8AC3E}">
+        <p14:creationId xmlns:p14="http://schemas.microsoft.com/office/powerpoint/2010/main" val="3840115597"/>
+      </p:ext>
+    </p:extLst>
+  </p:cSld>
+  <p:clrMapOvr>
+    <a:masterClrMapping/>
+  </p:clrMapOvr>
+  <p:timing>
+    <p:tnLst>
+      <p:par>
+        <p:cTn id="1" dur="indefinite" restart="never" nodeType="tmRoot"/>
+      </p:par>
+    </p:tnLst>
+  </p:timing>
+</p:sld>
+</file>
+
+<file path=ppt/slides/slide23.xml><?xml version="1.0" encoding="utf-8"?>
+<p:sld xmlns:a="http://schemas.openxmlformats.org/drawingml/2006/main" xmlns:r="http://schemas.openxmlformats.org/officeDocument/2006/relationships" xmlns:p="http://schemas.openxmlformats.org/presentationml/2006/main">
+  <p:cSld>
+    <p:spTree>
+      <p:nvGrpSpPr>
+        <p:cNvPr id="1" name=""/>
+        <p:cNvGrpSpPr/>
+        <p:nvPr/>
+      </p:nvGrpSpPr>
+      <p:grpSpPr>
+        <a:xfrm>
+          <a:off x="0" y="0"/>
+          <a:ext cx="0" cy="0"/>
+          <a:chOff x="0" y="0"/>
+          <a:chExt cx="0" cy="0"/>
+        </a:xfrm>
+      </p:grpSpPr>
+      <p:sp>
+        <p:nvSpPr>
+          <p:cNvPr id="2" name="Titel 1"/>
+          <p:cNvSpPr>
+            <a:spLocks noGrp="1"/>
+          </p:cNvSpPr>
+          <p:nvPr>
+            <p:ph type="title"/>
+          </p:nvPr>
+        </p:nvSpPr>
+        <p:spPr/>
+        <p:txBody>
+          <a:bodyPr>
+            <a:normAutofit/>
+          </a:bodyPr>
+          <a:lstStyle/>
+          <a:p>
+            <a:r>
+              <a:rPr lang="en-GB" dirty="0" smtClean="0"/>
               <a:t>Sources</a:t>
             </a:r>
             <a:endParaRPr lang="en-GB" dirty="0"/>
@@ -14375,7 +23068,7 @@
           <a:p>
             <a:fld id="{FB9D3F8E-99BC-4812-95D4-548B8E992B94}" type="slidenum">
               <a:rPr lang="en-GB" smtClean="0"/>
-              <a:t>20</a:t>
+              <a:t>23</a:t>
             </a:fld>
             <a:endParaRPr lang="en-GB"/>
           </a:p>
@@ -14717,7 +23410,7 @@
 </p:sld>
 </file>
 
-<file path=ppt/slides/slide21.xml><?xml version="1.0" encoding="utf-8"?>
+<file path=ppt/slides/slide24.xml><?xml version="1.0" encoding="utf-8"?>
 <p:sld xmlns:a="http://schemas.openxmlformats.org/drawingml/2006/main" xmlns:r="http://schemas.openxmlformats.org/officeDocument/2006/relationships" xmlns:p="http://schemas.openxmlformats.org/presentationml/2006/main">
   <p:cSld>
     <p:spTree>
@@ -14856,7 +23549,7 @@
           <a:p>
             <a:fld id="{FB9D3F8E-99BC-4812-95D4-548B8E992B94}" type="slidenum">
               <a:rPr lang="en-GB" smtClean="0"/>
-              <a:t>21</a:t>
+              <a:t>24</a:t>
             </a:fld>
             <a:endParaRPr lang="en-GB"/>
           </a:p>
@@ -15423,8 +24116,8 @@
           </a:p>
         </p:txBody>
       </p:sp>
-      <mc:AlternateContent xmlns:mc="http://schemas.openxmlformats.org/markup-compatibility/2006" xmlns:a14="http://schemas.microsoft.com/office/drawing/2010/main">
-        <mc:Choice Requires="a14">
+      <mc:AlternateContent xmlns:mc="http://schemas.openxmlformats.org/markup-compatibility/2006">
+        <mc:Choice xmlns:a14="http://schemas.microsoft.com/office/drawing/2010/main" Requires="a14">
           <p:sp>
             <p:nvSpPr>
               <p:cNvPr id="3" name="Inhaltsplatzhalter 2"/>
@@ -15447,7 +24140,9 @@
               </a:bodyPr>
               <a:lstStyle/>
               <a:p>
-                <a:pPr lvl="0"/>
+                <a:pPr marL="0" lvl="0" indent="0">
+                  <a:buNone/>
+                </a:pPr>
                 <a:r>
                   <a:rPr lang="en-GB" dirty="0" smtClean="0"/>
                   <a:t>Assumption: </a:t>
@@ -15567,7 +24262,7 @@
             </p:txBody>
           </p:sp>
         </mc:Choice>
-        <mc:Fallback xmlns="">
+        <mc:Fallback>
           <p:sp>
             <p:nvSpPr>
               <p:cNvPr id="3" name="Inhaltsplatzhalter 2"/>
@@ -15586,7 +24281,7 @@
               <a:blipFill>
                 <a:blip r:embed="rId3"/>
                 <a:stretch>
-                  <a:fillRect l="-1391" t="-7339" b="-6881"/>
+                  <a:fillRect l="-1546" t="-7339" r="-1005" b="-6881"/>
                 </a:stretch>
               </a:blipFill>
             </p:spPr>

--- a/Force Field Transformation.pptx
+++ b/Force Field Transformation.pptx
@@ -2889,33 +2889,17 @@
             </a:r>
           </a:p>
           <a:p>
-            <a:pPr marL="685800" lvl="1" indent="-228600">
-              <a:buFont typeface="+mj-lt"/>
-              <a:buAutoNum type="arabicPeriod"/>
-            </a:pPr>
-            <a:r>
-              <a:rPr lang="en-GB" dirty="0" smtClean="0"/>
-              <a:t>Image scaling or initialisation (picture 1) position translation invariant</a:t>
-            </a:r>
-          </a:p>
-          <a:p>
-            <a:pPr marL="685800" lvl="1" indent="-228600">
-              <a:buFont typeface="+mj-lt"/>
-              <a:buAutoNum type="arabicPeriod"/>
-            </a:pPr>
-            <a:r>
-              <a:rPr lang="en-GB" dirty="0" smtClean="0"/>
-              <a:t>Very tolerant of noise due to its inherent averaging</a:t>
-            </a:r>
-          </a:p>
-          <a:p>
             <a:pPr marL="228600" indent="-228600">
               <a:buFont typeface="+mj-lt"/>
               <a:buAutoNum type="arabicPeriod"/>
             </a:pPr>
             <a:r>
               <a:rPr lang="en-GB" dirty="0" smtClean="0"/>
-              <a:t>To discover the force field lines: generate an array of unit value mobile test pixels arranged in  a closed loop surrounding the ear, which are then solely being ‘pulled’ by the force (gravity) fields of the ear’s pixels vectors so that their trajectory form the field line until they reached an extremum in the potential energy surface: </a:t>
+              <a:t>To </a:t>
+            </a:r>
+            <a:r>
+              <a:rPr lang="en-GB" dirty="0" smtClean="0"/>
+              <a:t>discover the force field lines: generate an array of unit value mobile test pixels arranged in  a closed loop surrounding the ear, which are then solely being ‘pulled’ by the force (gravity) fields of the ear’s pixels vectors so that their trajectory form the field line until they reached an extremum in the potential energy surface: </a:t>
             </a:r>
             <a:br>
               <a:rPr lang="en-GB" dirty="0" smtClean="0"/>
@@ -18070,7 +18054,7 @@
         </p:blipFill>
         <p:spPr>
           <a:xfrm>
-            <a:off x="628650" y="1327641"/>
+            <a:off x="743829" y="1307406"/>
             <a:ext cx="2723079" cy="4170086"/>
           </a:xfrm>
           <a:prstGeom prst="rect">
@@ -18596,7 +18580,19 @@
           <a:p>
             <a:r>
               <a:rPr lang="en-GB" dirty="0" smtClean="0"/>
-              <a:t>Descriptors (Wells positions) unique for each ear</a:t>
+              <a:t>Descriptors </a:t>
+            </a:r>
+            <a:r>
+              <a:rPr lang="en-GB" dirty="0" smtClean="0"/>
+              <a:t>(e.g. wells </a:t>
+            </a:r>
+            <a:r>
+              <a:rPr lang="en-GB" dirty="0" smtClean="0"/>
+              <a:t>positions) </a:t>
+            </a:r>
+            <a:r>
+              <a:rPr lang="en-GB" dirty="0" smtClean="0"/>
+              <a:t>are unique</a:t>
             </a:r>
             <a:endParaRPr lang="en-GB" dirty="0"/>
           </a:p>
@@ -21595,7 +21591,7 @@
           <a:p>
             <a:r>
               <a:rPr lang="en-GB" sz="2800" dirty="0" smtClean="0"/>
-              <a:t>Shape &amp; brightness sensitivity</a:t>
+              <a:t>Invertible linear energy transform</a:t>
             </a:r>
             <a:endParaRPr lang="en-GB" sz="2800" dirty="0"/>
           </a:p>
@@ -21741,7 +21737,7 @@
             <p:spPr>
               <a:xfrm>
                 <a:off x="984533" y="1977177"/>
-                <a:ext cx="8902417" cy="4069191"/>
+                <a:ext cx="8902417" cy="3699859"/>
               </a:xfrm>
               <a:prstGeom prst="rect">
                 <a:avLst/>
@@ -21865,7 +21861,19 @@
                                         <a:rPr lang="en-GB" sz="2400" b="0" i="1" smtClean="0">
                                           <a:latin typeface="Cambria Math" panose="02040503050406030204" pitchFamily="18" charset="0"/>
                                         </a:rPr>
-                                        <m:t>𝑎𝑃</m:t>
+                                        <m:t>𝑎</m:t>
+                                      </m:r>
+                                      <m:r>
+                                        <a:rPr lang="en-GB" sz="2400" b="0" i="1" smtClean="0">
+                                          <a:latin typeface="Cambria Math" panose="02040503050406030204" pitchFamily="18" charset="0"/>
+                                        </a:rPr>
+                                        <m:t>⋅</m:t>
+                                      </m:r>
+                                      <m:r>
+                                        <a:rPr lang="en-GB" sz="2400" b="0" i="1" smtClean="0">
+                                          <a:latin typeface="Cambria Math" panose="02040503050406030204" pitchFamily="18" charset="0"/>
+                                        </a:rPr>
+                                        <m:t>𝑃</m:t>
                                       </m:r>
                                       <m:d>
                                         <m:dPr>
@@ -22117,12 +22125,6 @@
                     <a:latin typeface="Cambria Math" panose="02040503050406030204" pitchFamily="18" charset="0"/>
                   </a:rPr>
                 </a:br>
-                <a:endParaRPr lang="en-GB" sz="2400" b="0" i="1" dirty="0" smtClean="0">
-                  <a:latin typeface="Cambria Math" panose="02040503050406030204" pitchFamily="18" charset="0"/>
-                </a:endParaRPr>
-              </a:p>
-              <a:p>
-                <a:pPr/>
                 <a14:m>
                   <m:oMathPara xmlns:m="http://schemas.openxmlformats.org/officeDocument/2006/math">
                     <m:oMathParaPr>
@@ -22140,6 +22142,12 @@
                           <a:latin typeface="Cambria Math" panose="02040503050406030204" pitchFamily="18" charset="0"/>
                         </a:rPr>
                         <m:t>𝑎</m:t>
+                      </m:r>
+                      <m:r>
+                        <a:rPr lang="en-GB" sz="2400" b="0" i="1" smtClean="0">
+                          <a:latin typeface="Cambria Math" panose="02040503050406030204" pitchFamily="18" charset="0"/>
+                        </a:rPr>
+                        <m:t>⋅</m:t>
                       </m:r>
                       <m:nary>
                         <m:naryPr>
@@ -22683,7 +22691,7 @@
             <p:spPr>
               <a:xfrm>
                 <a:off x="984533" y="1977177"/>
-                <a:ext cx="8902417" cy="4069191"/>
+                <a:ext cx="8902417" cy="3699859"/>
               </a:xfrm>
               <a:prstGeom prst="rect">
                 <a:avLst/>
@@ -23971,8 +23979,12 @@
               <a:buAutoNum type="arabicPeriod"/>
             </a:pPr>
             <a:r>
+              <a:rPr lang="en-GB" dirty="0"/>
+              <a:t>P</a:t>
+            </a:r>
+            <a:r>
               <a:rPr lang="en-GB" dirty="0" smtClean="0"/>
-              <a:t>potential </a:t>
+              <a:t>otential </a:t>
             </a:r>
             <a:r>
               <a:rPr lang="en-GB" dirty="0"/>

--- a/Force Field Transformation.pptx
+++ b/Force Field Transformation.pptx
@@ -5,7 +5,7 @@
     <p:sldMasterId id="2147483660" r:id="rId1"/>
   </p:sldMasterIdLst>
   <p:notesMasterIdLst>
-    <p:notesMasterId r:id="rId26"/>
+    <p:notesMasterId r:id="rId27"/>
   </p:notesMasterIdLst>
   <p:sldIdLst>
     <p:sldId id="256" r:id="rId2"/>
@@ -31,7 +31,8 @@
     <p:sldId id="281" r:id="rId22"/>
     <p:sldId id="272" r:id="rId23"/>
     <p:sldId id="264" r:id="rId24"/>
-    <p:sldId id="263" r:id="rId25"/>
+    <p:sldId id="284" r:id="rId25"/>
+    <p:sldId id="263" r:id="rId26"/>
   </p:sldIdLst>
   <p:sldSz cx="9144000" cy="6858000" type="screen4x3"/>
   <p:notesSz cx="6858000" cy="9144000"/>
@@ -220,7 +221,7 @@
           <a:p>
             <a:fld id="{2D375E8E-D067-40BE-8067-60BEC63713A2}" type="datetimeFigureOut">
               <a:rPr lang="en-GB" smtClean="0"/>
-              <a:t>07/02/2018</a:t>
+              <a:t>08/02/2018</a:t>
             </a:fld>
             <a:endParaRPr lang="en-GB"/>
           </a:p>
@@ -2895,11 +2896,7 @@
             </a:pPr>
             <a:r>
               <a:rPr lang="en-GB" dirty="0" smtClean="0"/>
-              <a:t>To </a:t>
-            </a:r>
-            <a:r>
-              <a:rPr lang="en-GB" dirty="0" smtClean="0"/>
-              <a:t>discover the force field lines: generate an array of unit value mobile test pixels arranged in  a closed loop surrounding the ear, which are then solely being ‘pulled’ by the force (gravity) fields of the ear’s pixels vectors so that their trajectory form the field line until they reached an extremum in the potential energy surface: </a:t>
+              <a:t>To discover the force field lines: generate an array of unit value mobile test pixels arranged in  a closed loop surrounding the ear, which are then solely being ‘pulled’ by the force (gravity) fields of the ear’s pixels vectors so that their trajectory form the field line until they reached an extremum in the potential energy surface: </a:t>
             </a:r>
             <a:br>
               <a:rPr lang="en-GB" dirty="0" smtClean="0"/>
@@ -3291,6 +3288,90 @@
     <p:extLst>
       <p:ext uri="{BB962C8B-B14F-4D97-AF65-F5344CB8AC3E}">
         <p14:creationId xmlns:p14="http://schemas.microsoft.com/office/powerpoint/2010/main" val="2127599305"/>
+      </p:ext>
+    </p:extLst>
+  </p:cSld>
+  <p:clrMapOvr>
+    <a:masterClrMapping/>
+  </p:clrMapOvr>
+</p:notes>
+</file>
+
+<file path=ppt/notesSlides/notesSlide17.xml><?xml version="1.0" encoding="utf-8"?>
+<p:notes xmlns:a="http://schemas.openxmlformats.org/drawingml/2006/main" xmlns:r="http://schemas.openxmlformats.org/officeDocument/2006/relationships" xmlns:p="http://schemas.openxmlformats.org/presentationml/2006/main">
+  <p:cSld>
+    <p:spTree>
+      <p:nvGrpSpPr>
+        <p:cNvPr id="1" name=""/>
+        <p:cNvGrpSpPr/>
+        <p:nvPr/>
+      </p:nvGrpSpPr>
+      <p:grpSpPr>
+        <a:xfrm>
+          <a:off x="0" y="0"/>
+          <a:ext cx="0" cy="0"/>
+          <a:chOff x="0" y="0"/>
+          <a:chExt cx="0" cy="0"/>
+        </a:xfrm>
+      </p:grpSpPr>
+      <p:sp>
+        <p:nvSpPr>
+          <p:cNvPr id="2" name="Folienbildplatzhalter 1"/>
+          <p:cNvSpPr>
+            <a:spLocks noGrp="1" noRot="1" noChangeAspect="1"/>
+          </p:cNvSpPr>
+          <p:nvPr>
+            <p:ph type="sldImg"/>
+          </p:nvPr>
+        </p:nvSpPr>
+        <p:spPr/>
+      </p:sp>
+      <p:sp>
+        <p:nvSpPr>
+          <p:cNvPr id="3" name="Notizenplatzhalter 2"/>
+          <p:cNvSpPr>
+            <a:spLocks noGrp="1"/>
+          </p:cNvSpPr>
+          <p:nvPr>
+            <p:ph type="body" idx="1"/>
+          </p:nvPr>
+        </p:nvSpPr>
+        <p:spPr/>
+        <p:txBody>
+          <a:bodyPr/>
+          <a:lstStyle/>
+          <a:p>
+            <a:endParaRPr lang="en-GB" dirty="0"/>
+          </a:p>
+        </p:txBody>
+      </p:sp>
+      <p:sp>
+        <p:nvSpPr>
+          <p:cNvPr id="4" name="Foliennummernplatzhalter 3"/>
+          <p:cNvSpPr>
+            <a:spLocks noGrp="1"/>
+          </p:cNvSpPr>
+          <p:nvPr>
+            <p:ph type="sldNum" sz="quarter" idx="10"/>
+          </p:nvPr>
+        </p:nvSpPr>
+        <p:spPr/>
+        <p:txBody>
+          <a:bodyPr/>
+          <a:lstStyle/>
+          <a:p>
+            <a:fld id="{EF2D93C9-B2FF-4D76-8851-D84BA33B2773}" type="slidenum">
+              <a:rPr lang="en-GB" smtClean="0"/>
+              <a:t>24</a:t>
+            </a:fld>
+            <a:endParaRPr lang="en-GB"/>
+          </a:p>
+        </p:txBody>
+      </p:sp>
+    </p:spTree>
+    <p:extLst>
+      <p:ext uri="{BB962C8B-B14F-4D97-AF65-F5344CB8AC3E}">
+        <p14:creationId xmlns:p14="http://schemas.microsoft.com/office/powerpoint/2010/main" val="2614360665"/>
       </p:ext>
     </p:extLst>
   </p:cSld>
@@ -18464,7 +18545,27 @@
             <a:pPr lvl="0"/>
             <a:r>
               <a:rPr lang="en-GB" sz="2000" dirty="0" smtClean="0"/>
-              <a:t>1. Initialisation		 2. Force Channels	 3. Superimposed wells</a:t>
+              <a:t>1. Initialisation		 2. Force </a:t>
+            </a:r>
+            <a:r>
+              <a:rPr lang="en-GB" sz="2000" dirty="0"/>
+              <a:t>c</a:t>
+            </a:r>
+            <a:r>
+              <a:rPr lang="en-GB" sz="2000" dirty="0" smtClean="0"/>
+              <a:t>hannels</a:t>
+            </a:r>
+            <a:r>
+              <a:rPr lang="en-GB" sz="2000" dirty="0" smtClean="0"/>
+              <a:t>	 </a:t>
+            </a:r>
+            <a:r>
+              <a:rPr lang="en-GB" sz="2000" dirty="0" smtClean="0"/>
+              <a:t>3</a:t>
+            </a:r>
+            <a:r>
+              <a:rPr lang="en-GB" sz="2000" dirty="0" smtClean="0"/>
+              <a:t>. Superimposed wells</a:t>
             </a:r>
             <a:endParaRPr lang="en-GB" sz="2000" dirty="0"/>
           </a:p>
@@ -18568,8 +18669,13 @@
           <a:p>
             <a:r>
               <a:rPr lang="en-GB" dirty="0" smtClean="0"/>
-              <a:t>Affected by localized changes in illumination though</a:t>
+              <a:t>Affected by localized changes in </a:t>
             </a:r>
+            <a:r>
+              <a:rPr lang="en-GB" dirty="0" smtClean="0"/>
+              <a:t>illumination</a:t>
+            </a:r>
+            <a:endParaRPr lang="en-GB" dirty="0" smtClean="0"/>
           </a:p>
           <a:p>
             <a:r>
@@ -18580,19 +18686,7 @@
           <a:p>
             <a:r>
               <a:rPr lang="en-GB" dirty="0" smtClean="0"/>
-              <a:t>Descriptors </a:t>
-            </a:r>
-            <a:r>
-              <a:rPr lang="en-GB" dirty="0" smtClean="0"/>
-              <a:t>(e.g. wells </a:t>
-            </a:r>
-            <a:r>
-              <a:rPr lang="en-GB" dirty="0" smtClean="0"/>
-              <a:t>positions) </a:t>
-            </a:r>
-            <a:r>
-              <a:rPr lang="en-GB" dirty="0" smtClean="0"/>
-              <a:t>are unique</a:t>
+              <a:t>Descriptors (e.g. wells positions) are unique</a:t>
             </a:r>
             <a:endParaRPr lang="en-GB" dirty="0"/>
           </a:p>
@@ -19275,91 +19369,198 @@
           </a:p>
         </p:txBody>
       </p:sp>
-      <p:sp>
-        <p:nvSpPr>
-          <p:cNvPr id="3" name="Inhaltsplatzhalter 2"/>
-          <p:cNvSpPr>
-            <a:spLocks noGrp="1"/>
-          </p:cNvSpPr>
-          <p:nvPr>
-            <p:ph idx="1"/>
-          </p:nvPr>
-        </p:nvSpPr>
-        <p:spPr/>
-        <p:txBody>
-          <a:bodyPr>
-            <a:normAutofit/>
-          </a:bodyPr>
-          <a:lstStyle/>
-          <a:p>
-            <a:pPr marL="0" lvl="0" indent="0">
-              <a:buNone/>
-            </a:pPr>
-            <a:r>
-              <a:rPr lang="en-GB" dirty="0"/>
-              <a:t>Advantages:</a:t>
-            </a:r>
-          </a:p>
-          <a:p>
-            <a:pPr lvl="1"/>
-            <a:r>
-              <a:rPr lang="en-GB" dirty="0"/>
-              <a:t>Simplified implementation in time domain</a:t>
-            </a:r>
-          </a:p>
-          <a:p>
-            <a:pPr lvl="1"/>
-            <a:r>
-              <a:rPr lang="en-GB" dirty="0"/>
-              <a:t>Time complexity reduced due to working in frequency domain: O(n * log(n))</a:t>
-            </a:r>
-          </a:p>
-          <a:p>
-            <a:pPr lvl="1"/>
-            <a:r>
-              <a:rPr lang="en-GB" dirty="0" smtClean="0"/>
-              <a:t>Finds </a:t>
-            </a:r>
-            <a:r>
-              <a:rPr lang="en-GB" dirty="0"/>
-              <a:t>application in edge detection</a:t>
-            </a:r>
-          </a:p>
-          <a:p>
-            <a:pPr lvl="1"/>
-            <a:r>
-              <a:rPr lang="en-GB" dirty="0"/>
-              <a:t>Higher efficiency (99.2%) as compared to other techniques</a:t>
-            </a:r>
-          </a:p>
-          <a:p>
-            <a:pPr lvl="1"/>
-            <a:r>
-              <a:rPr lang="en-GB" dirty="0"/>
-              <a:t>The Force Field Transforms are invertible</a:t>
-            </a:r>
-          </a:p>
-          <a:p>
-            <a:pPr lvl="1"/>
-            <a:r>
-              <a:rPr lang="en-GB" dirty="0"/>
-              <a:t>It is scale invariant and tolerant to low noise</a:t>
-            </a:r>
-          </a:p>
-          <a:p>
-            <a:pPr lvl="2"/>
-            <a:r>
-              <a:rPr lang="en-GB" dirty="0"/>
-              <a:t>Also invariant to different changes in </a:t>
-            </a:r>
-            <a:r>
-              <a:rPr lang="en-GB" dirty="0" smtClean="0"/>
-              <a:t>illumination</a:t>
-            </a:r>
-            <a:endParaRPr lang="en-GB" dirty="0"/>
-          </a:p>
-        </p:txBody>
-      </p:sp>
+      <mc:AlternateContent xmlns:mc="http://schemas.openxmlformats.org/markup-compatibility/2006">
+        <mc:Choice xmlns:a14="http://schemas.microsoft.com/office/drawing/2010/main" Requires="a14">
+          <p:sp>
+            <p:nvSpPr>
+              <p:cNvPr id="3" name="Inhaltsplatzhalter 2"/>
+              <p:cNvSpPr>
+                <a:spLocks noGrp="1"/>
+              </p:cNvSpPr>
+              <p:nvPr>
+                <p:ph idx="1"/>
+              </p:nvPr>
+            </p:nvSpPr>
+            <p:spPr/>
+            <p:txBody>
+              <a:bodyPr>
+                <a:normAutofit/>
+              </a:bodyPr>
+              <a:lstStyle/>
+              <a:p>
+                <a:pPr marL="0" lvl="0" indent="0">
+                  <a:buNone/>
+                </a:pPr>
+                <a:r>
+                  <a:rPr lang="en-GB" dirty="0" smtClean="0"/>
+                  <a:t>Advantages:</a:t>
+                </a:r>
+              </a:p>
+              <a:p>
+                <a:pPr lvl="1"/>
+                <a:r>
+                  <a:rPr lang="en-GB" dirty="0"/>
+                  <a:t>Simplified implementation in time domain</a:t>
+                </a:r>
+              </a:p>
+              <a:p>
+                <a:pPr lvl="1"/>
+                <a:r>
+                  <a:rPr lang="en-GB" dirty="0"/>
+                  <a:t>Time complexity reduced due to working in frequency domain: </a:t>
+                </a:r>
+                <a14:m>
+                  <m:oMath xmlns:m="http://schemas.openxmlformats.org/officeDocument/2006/math">
+                    <m:r>
+                      <a:rPr lang="en-GB" i="1" dirty="0" smtClean="0">
+                        <a:latin typeface="Cambria Math" panose="02040503050406030204" pitchFamily="18" charset="0"/>
+                      </a:rPr>
+                      <m:t>𝑂</m:t>
+                    </m:r>
+                    <m:r>
+                      <a:rPr lang="en-GB" i="1" dirty="0" smtClean="0">
+                        <a:latin typeface="Cambria Math" panose="02040503050406030204" pitchFamily="18" charset="0"/>
+                      </a:rPr>
+                      <m:t>(</m:t>
+                    </m:r>
+                    <m:r>
+                      <a:rPr lang="en-GB" i="1" dirty="0" smtClean="0">
+                        <a:latin typeface="Cambria Math" panose="02040503050406030204" pitchFamily="18" charset="0"/>
+                      </a:rPr>
+                      <m:t>𝑛</m:t>
+                    </m:r>
+                    <m:r>
+                      <a:rPr lang="en-GB" b="0" i="1" dirty="0" smtClean="0">
+                        <a:latin typeface="Cambria Math" panose="02040503050406030204" pitchFamily="18" charset="0"/>
+                      </a:rPr>
+                      <m:t>⋅</m:t>
+                    </m:r>
+                    <m:r>
+                      <a:rPr lang="en-GB" i="1" dirty="0" smtClean="0">
+                        <a:latin typeface="Cambria Math" panose="02040503050406030204" pitchFamily="18" charset="0"/>
+                      </a:rPr>
+                      <m:t> </m:t>
+                    </m:r>
+                    <m:r>
+                      <m:rPr>
+                        <m:sty m:val="p"/>
+                      </m:rPr>
+                      <a:rPr lang="en-GB" i="1" dirty="0">
+                        <a:latin typeface="Cambria Math" panose="02040503050406030204" pitchFamily="18" charset="0"/>
+                      </a:rPr>
+                      <m:t>log</m:t>
+                    </m:r>
+                    <m:r>
+                      <a:rPr lang="en-GB" i="1" dirty="0">
+                        <a:latin typeface="Cambria Math" panose="02040503050406030204" pitchFamily="18" charset="0"/>
+                      </a:rPr>
+                      <m:t>⁡(</m:t>
+                    </m:r>
+                    <m:r>
+                      <a:rPr lang="en-GB" i="1" dirty="0">
+                        <a:latin typeface="Cambria Math" panose="02040503050406030204" pitchFamily="18" charset="0"/>
+                      </a:rPr>
+                      <m:t>𝑛</m:t>
+                    </m:r>
+                    <m:r>
+                      <a:rPr lang="en-GB" i="1" dirty="0">
+                        <a:latin typeface="Cambria Math" panose="02040503050406030204" pitchFamily="18" charset="0"/>
+                      </a:rPr>
+                      <m:t>))</m:t>
+                    </m:r>
+                  </m:oMath>
+                </a14:m>
+                <a:endParaRPr lang="en-GB" dirty="0"/>
+              </a:p>
+              <a:p>
+                <a:pPr lvl="1"/>
+                <a:r>
+                  <a:rPr lang="en-GB" dirty="0" smtClean="0"/>
+                  <a:t>Finds </a:t>
+                </a:r>
+                <a:r>
+                  <a:rPr lang="en-GB" dirty="0"/>
+                  <a:t>application in edge detection</a:t>
+                </a:r>
+              </a:p>
+              <a:p>
+                <a:pPr lvl="1"/>
+                <a:r>
+                  <a:rPr lang="en-GB" dirty="0"/>
+                  <a:t>Higher efficiency (99.2%) as compared to other techniques</a:t>
+                </a:r>
+              </a:p>
+              <a:p>
+                <a:pPr lvl="1"/>
+                <a:r>
+                  <a:rPr lang="en-GB" dirty="0"/>
+                  <a:t>The Force Field Transforms are invertible</a:t>
+                </a:r>
+              </a:p>
+              <a:p>
+                <a:pPr lvl="1"/>
+                <a:r>
+                  <a:rPr lang="en-GB" dirty="0"/>
+                  <a:t>It is scale invariant and tolerant to low noise</a:t>
+                </a:r>
+              </a:p>
+              <a:p>
+                <a:pPr lvl="2"/>
+                <a:r>
+                  <a:rPr lang="en-GB" dirty="0"/>
+                  <a:t>Also invariant to </a:t>
+                </a:r>
+                <a:r>
+                  <a:rPr lang="en-GB" dirty="0" smtClean="0"/>
+                  <a:t>changes </a:t>
+                </a:r>
+                <a:r>
+                  <a:rPr lang="en-GB" dirty="0"/>
+                  <a:t>in </a:t>
+                </a:r>
+                <a:r>
+                  <a:rPr lang="en-GB" dirty="0" smtClean="0"/>
+                  <a:t>illumination</a:t>
+                </a:r>
+                <a:endParaRPr lang="en-GB" dirty="0"/>
+              </a:p>
+            </p:txBody>
+          </p:sp>
+        </mc:Choice>
+        <mc:Fallback>
+          <p:sp>
+            <p:nvSpPr>
+              <p:cNvPr id="3" name="Inhaltsplatzhalter 2"/>
+              <p:cNvSpPr>
+                <a:spLocks noGrp="1" noRot="1" noChangeAspect="1" noMove="1" noResize="1" noEditPoints="1" noAdjustHandles="1" noChangeArrowheads="1" noChangeShapeType="1" noTextEdit="1"/>
+              </p:cNvSpPr>
+              <p:nvPr>
+                <p:ph idx="1"/>
+              </p:nvPr>
+            </p:nvSpPr>
+            <p:spPr>
+              <a:blipFill>
+                <a:blip r:embed="rId2"/>
+                <a:stretch>
+                  <a:fillRect l="-1546" t="-2225"/>
+                </a:stretch>
+              </a:blipFill>
+            </p:spPr>
+            <p:txBody>
+              <a:bodyPr/>
+              <a:lstStyle/>
+              <a:p>
+                <a:r>
+                  <a:rPr lang="en-GB">
+                    <a:noFill/>
+                  </a:rPr>
+                  <a:t> </a:t>
+                </a:r>
+              </a:p>
+            </p:txBody>
+          </p:sp>
+        </mc:Fallback>
+      </mc:AlternateContent>
       <p:sp>
         <p:nvSpPr>
           <p:cNvPr id="4" name="Datumsplatzhalter 3"/>
@@ -19991,7 +20192,14 @@
                                   <m:t>⋮</m:t>
                                 </m:r>
                               </m:e>
-                              <m:e/>
+                              <m:e>
+                                <m:r>
+                                  <a:rPr lang="en-GB" sz="2400" b="0" i="1" smtClean="0">
+                                    <a:latin typeface="Cambria Math" panose="02040503050406030204" pitchFamily="18" charset="0"/>
+                                  </a:rPr>
+                                  <m:t>⋅</m:t>
+                                </m:r>
+                              </m:e>
                               <m:e/>
                             </m:mr>
                             <m:mr>
@@ -20089,7 +20297,14 @@
                                       </a:rPr>
                                     </m:ctrlPr>
                                   </m:eqArrPr>
-                                  <m:e/>
+                                  <m:e>
+                                    <m:r>
+                                      <a:rPr lang="en-GB" sz="2400" i="1">
+                                        <a:latin typeface="Cambria Math" panose="02040503050406030204" pitchFamily="18" charset="0"/>
+                                      </a:rPr>
+                                      <m:t>⋅</m:t>
+                                    </m:r>
+                                  </m:e>
                                   <m:e>
                                     <m:sSub>
                                       <m:sSubPr>
@@ -20172,7 +20387,13 @@
                                       <a:rPr lang="en-GB" sz="2400" b="0" i="1" smtClean="0">
                                         <a:latin typeface="Cambria Math" panose="02040503050406030204" pitchFamily="18" charset="0"/>
                                       </a:rPr>
-                                      <m:t>03</m:t>
+                                      <m:t>0</m:t>
+                                    </m:r>
+                                    <m:r>
+                                      <a:rPr lang="en-GB" sz="2400" b="0" i="1" smtClean="0">
+                                        <a:latin typeface="Cambria Math" panose="02040503050406030204" pitchFamily="18" charset="0"/>
+                                      </a:rPr>
+                                      <m:t>3</m:t>
                                     </m:r>
                                   </m:sub>
                                 </m:sSub>
@@ -20941,8 +21162,8 @@
           </a:p>
         </p:txBody>
       </p:sp>
-      <mc:AlternateContent xmlns:mc="http://schemas.openxmlformats.org/markup-compatibility/2006">
-        <mc:Choice xmlns:a14="http://schemas.microsoft.com/office/drawing/2010/main" Requires="a14">
+      <mc:AlternateContent xmlns:mc="http://schemas.openxmlformats.org/markup-compatibility/2006" xmlns:a14="http://schemas.microsoft.com/office/drawing/2010/main">
+        <mc:Choice Requires="a14">
           <p:sp>
             <p:nvSpPr>
               <p:cNvPr id="10" name="Textfeld 9"/>
@@ -20965,6 +21186,7 @@
               </a:bodyPr>
               <a:lstStyle/>
               <a:p>
+                <a:pPr/>
                 <a14:m>
                   <m:oMathPara xmlns:m="http://schemas.openxmlformats.org/officeDocument/2006/math">
                     <m:oMathParaPr>
@@ -20985,7 +21207,7 @@
             </p:txBody>
           </p:sp>
         </mc:Choice>
-        <mc:Fallback>
+        <mc:Fallback xmlns="">
           <p:sp>
             <p:nvSpPr>
               <p:cNvPr id="10" name="Textfeld 9"/>
@@ -21024,8 +21246,8 @@
           </p:sp>
         </mc:Fallback>
       </mc:AlternateContent>
-      <mc:AlternateContent xmlns:mc="http://schemas.openxmlformats.org/markup-compatibility/2006">
-        <mc:Choice xmlns:a14="http://schemas.microsoft.com/office/drawing/2010/main" Requires="a14">
+      <mc:AlternateContent xmlns:mc="http://schemas.openxmlformats.org/markup-compatibility/2006" xmlns:a14="http://schemas.microsoft.com/office/drawing/2010/main">
+        <mc:Choice Requires="a14">
           <p:sp>
             <p:nvSpPr>
               <p:cNvPr id="11" name="Textfeld 10"/>
@@ -21048,6 +21270,7 @@
               </a:bodyPr>
               <a:lstStyle/>
               <a:p>
+                <a:pPr/>
                 <a14:m>
                   <m:oMathPara xmlns:m="http://schemas.openxmlformats.org/officeDocument/2006/math">
                     <m:oMathParaPr>
@@ -21068,7 +21291,7 @@
             </p:txBody>
           </p:sp>
         </mc:Choice>
-        <mc:Fallback>
+        <mc:Fallback xmlns="">
           <p:sp>
             <p:nvSpPr>
               <p:cNvPr id="11" name="Textfeld 10"/>
@@ -21107,8 +21330,8 @@
           </p:sp>
         </mc:Fallback>
       </mc:AlternateContent>
-      <mc:AlternateContent xmlns:mc="http://schemas.openxmlformats.org/markup-compatibility/2006">
-        <mc:Choice xmlns:a14="http://schemas.microsoft.com/office/drawing/2010/main" Requires="a14">
+      <mc:AlternateContent xmlns:mc="http://schemas.openxmlformats.org/markup-compatibility/2006" xmlns:a14="http://schemas.microsoft.com/office/drawing/2010/main">
+        <mc:Choice Requires="a14">
           <p:sp>
             <p:nvSpPr>
               <p:cNvPr id="12" name="Textfeld 11"/>
@@ -21131,6 +21354,7 @@
               </a:bodyPr>
               <a:lstStyle/>
               <a:p>
+                <a:pPr/>
                 <a14:m>
                   <m:oMathPara xmlns:m="http://schemas.openxmlformats.org/officeDocument/2006/math">
                     <m:oMathParaPr>
@@ -21151,7 +21375,7 @@
             </p:txBody>
           </p:sp>
         </mc:Choice>
-        <mc:Fallback>
+        <mc:Fallback xmlns="">
           <p:sp>
             <p:nvSpPr>
               <p:cNvPr id="12" name="Textfeld 11"/>
@@ -21190,8 +21414,8 @@
           </p:sp>
         </mc:Fallback>
       </mc:AlternateContent>
-      <mc:AlternateContent xmlns:mc="http://schemas.openxmlformats.org/markup-compatibility/2006">
-        <mc:Choice xmlns:a14="http://schemas.microsoft.com/office/drawing/2010/main" Requires="a14">
+      <mc:AlternateContent xmlns:mc="http://schemas.openxmlformats.org/markup-compatibility/2006" xmlns:a14="http://schemas.microsoft.com/office/drawing/2010/main">
+        <mc:Choice Requires="a14">
           <p:sp>
             <p:nvSpPr>
               <p:cNvPr id="13" name="Textfeld 12"/>
@@ -21214,6 +21438,7 @@
               </a:bodyPr>
               <a:lstStyle/>
               <a:p>
+                <a:pPr/>
                 <a14:m>
                   <m:oMathPara xmlns:m="http://schemas.openxmlformats.org/officeDocument/2006/math">
                     <m:oMathParaPr>
@@ -21347,7 +21572,7 @@
             </p:txBody>
           </p:sp>
         </mc:Choice>
-        <mc:Fallback>
+        <mc:Fallback xmlns="">
           <p:sp>
             <p:nvSpPr>
               <p:cNvPr id="13" name="Textfeld 12"/>
@@ -21427,8 +21652,8 @@
           </a:p>
         </p:txBody>
       </p:sp>
-      <mc:AlternateContent xmlns:mc="http://schemas.openxmlformats.org/markup-compatibility/2006">
-        <mc:Choice xmlns:a14="http://schemas.microsoft.com/office/drawing/2010/main" Requires="a14">
+      <mc:AlternateContent xmlns:mc="http://schemas.openxmlformats.org/markup-compatibility/2006" xmlns:a14="http://schemas.microsoft.com/office/drawing/2010/main">
+        <mc:Choice Requires="a14">
           <p:sp>
             <p:nvSpPr>
               <p:cNvPr id="17" name="Textfeld 16"/>
@@ -21451,6 +21676,7 @@
               </a:bodyPr>
               <a:lstStyle/>
               <a:p>
+                <a:pPr/>
                 <a14:m>
                   <m:oMathPara xmlns:m="http://schemas.openxmlformats.org/officeDocument/2006/math">
                     <m:oMathParaPr>
@@ -21528,7 +21754,7 @@
             </p:txBody>
           </p:sp>
         </mc:Choice>
-        <mc:Fallback>
+        <mc:Fallback xmlns="">
           <p:sp>
             <p:nvSpPr>
               <p:cNvPr id="17" name="Textfeld 16"/>
@@ -21726,8 +21952,8 @@
           </a:p>
         </p:txBody>
       </p:sp>
-      <mc:AlternateContent xmlns:mc="http://schemas.openxmlformats.org/markup-compatibility/2006">
-        <mc:Choice xmlns:a14="http://schemas.microsoft.com/office/drawing/2010/main" Requires="a14">
+      <mc:AlternateContent xmlns:mc="http://schemas.openxmlformats.org/markup-compatibility/2006" xmlns:a14="http://schemas.microsoft.com/office/drawing/2010/main">
+        <mc:Choice Requires="a14">
           <p:sp>
             <p:nvSpPr>
               <p:cNvPr id="7" name="Textfeld 6"/>
@@ -22679,7 +22905,7 @@
             </p:txBody>
           </p:sp>
         </mc:Choice>
-        <mc:Fallback>
+        <mc:Fallback xmlns="">
           <p:sp>
             <p:nvSpPr>
               <p:cNvPr id="7" name="Textfeld 6"/>
@@ -22810,78 +23036,144 @@
           </a:p>
         </p:txBody>
       </p:sp>
-      <p:sp>
-        <p:nvSpPr>
-          <p:cNvPr id="3" name="Inhaltsplatzhalter 2"/>
-          <p:cNvSpPr>
-            <a:spLocks noGrp="1"/>
-          </p:cNvSpPr>
-          <p:nvPr>
-            <p:ph idx="1"/>
-          </p:nvPr>
-        </p:nvSpPr>
-        <p:spPr/>
-        <p:txBody>
-          <a:bodyPr>
-            <a:normAutofit/>
-          </a:bodyPr>
-          <a:lstStyle/>
-          <a:p>
-            <a:pPr marL="0" lvl="0" indent="0">
-              <a:buNone/>
-            </a:pPr>
-            <a:r>
-              <a:rPr lang="en-GB" dirty="0" smtClean="0"/>
-              <a:t>Disadvantages</a:t>
-            </a:r>
-            <a:r>
-              <a:rPr lang="en-GB" dirty="0"/>
-              <a:t>:</a:t>
-            </a:r>
-          </a:p>
-          <a:p>
-            <a:pPr lvl="1"/>
-            <a:r>
-              <a:rPr lang="en-GB" dirty="0"/>
-              <a:t>At times, transform generates only one ‘well</a:t>
-            </a:r>
-            <a:r>
-              <a:rPr lang="en-GB" dirty="0" smtClean="0"/>
-              <a:t>’</a:t>
-            </a:r>
-          </a:p>
-          <a:p>
-            <a:pPr lvl="1"/>
-            <a:r>
-              <a:rPr lang="en-GB" dirty="0" smtClean="0"/>
-              <a:t>High </a:t>
-            </a:r>
-            <a:r>
-              <a:rPr lang="en-GB" dirty="0"/>
-              <a:t>computational costs for brute-force method: O(n²)</a:t>
-            </a:r>
-          </a:p>
-          <a:p>
-            <a:pPr lvl="1"/>
-            <a:r>
-              <a:rPr lang="en-GB" dirty="0"/>
-              <a:t>Not widely applicable</a:t>
-            </a:r>
-          </a:p>
-          <a:p>
-            <a:pPr lvl="1"/>
-            <a:r>
-              <a:rPr lang="en-GB" dirty="0"/>
-              <a:t>Occlusion by </a:t>
-            </a:r>
-            <a:r>
-              <a:rPr lang="en-GB" dirty="0" smtClean="0"/>
-              <a:t>hair</a:t>
-            </a:r>
-            <a:endParaRPr lang="en-GB" dirty="0"/>
-          </a:p>
-        </p:txBody>
-      </p:sp>
+      <mc:AlternateContent xmlns:mc="http://schemas.openxmlformats.org/markup-compatibility/2006">
+        <mc:Choice xmlns:a14="http://schemas.microsoft.com/office/drawing/2010/main" Requires="a14">
+          <p:sp>
+            <p:nvSpPr>
+              <p:cNvPr id="3" name="Inhaltsplatzhalter 2"/>
+              <p:cNvSpPr>
+                <a:spLocks noGrp="1"/>
+              </p:cNvSpPr>
+              <p:nvPr>
+                <p:ph idx="1"/>
+              </p:nvPr>
+            </p:nvSpPr>
+            <p:spPr/>
+            <p:txBody>
+              <a:bodyPr>
+                <a:normAutofit/>
+              </a:bodyPr>
+              <a:lstStyle/>
+              <a:p>
+                <a:pPr marL="0" lvl="0" indent="0">
+                  <a:buNone/>
+                </a:pPr>
+                <a:r>
+                  <a:rPr lang="en-GB" dirty="0" smtClean="0"/>
+                  <a:t>Disadvantages</a:t>
+                </a:r>
+                <a:r>
+                  <a:rPr lang="en-GB" dirty="0"/>
+                  <a:t>:</a:t>
+                </a:r>
+              </a:p>
+              <a:p>
+                <a:pPr lvl="1"/>
+                <a:r>
+                  <a:rPr lang="en-GB" dirty="0"/>
+                  <a:t>At times, transform generates only one ‘well</a:t>
+                </a:r>
+                <a:r>
+                  <a:rPr lang="en-GB" dirty="0" smtClean="0"/>
+                  <a:t>’</a:t>
+                </a:r>
+              </a:p>
+              <a:p>
+                <a:pPr lvl="1"/>
+                <a:r>
+                  <a:rPr lang="en-GB" dirty="0" smtClean="0"/>
+                  <a:t>High </a:t>
+                </a:r>
+                <a:r>
+                  <a:rPr lang="en-GB" dirty="0"/>
+                  <a:t>computational costs for brute-force method: </a:t>
+                </a:r>
+                <a14:m>
+                  <m:oMath xmlns:m="http://schemas.openxmlformats.org/officeDocument/2006/math">
+                    <m:r>
+                      <a:rPr lang="en-GB" i="1" dirty="0" smtClean="0">
+                        <a:latin typeface="Cambria Math" panose="02040503050406030204" pitchFamily="18" charset="0"/>
+                      </a:rPr>
+                      <m:t>𝑂</m:t>
+                    </m:r>
+                    <m:r>
+                      <a:rPr lang="en-GB" i="1" dirty="0" smtClean="0">
+                        <a:latin typeface="Cambria Math" panose="02040503050406030204" pitchFamily="18" charset="0"/>
+                      </a:rPr>
+                      <m:t>(</m:t>
+                    </m:r>
+                    <m:r>
+                      <a:rPr lang="en-GB" i="1" dirty="0" smtClean="0">
+                        <a:latin typeface="Cambria Math" panose="02040503050406030204" pitchFamily="18" charset="0"/>
+                      </a:rPr>
+                      <m:t>𝑛</m:t>
+                    </m:r>
+                    <m:r>
+                      <a:rPr lang="en-GB" i="1" dirty="0" smtClean="0">
+                        <a:latin typeface="Cambria Math" panose="02040503050406030204" pitchFamily="18" charset="0"/>
+                      </a:rPr>
+                      <m:t>²)</m:t>
+                    </m:r>
+                  </m:oMath>
+                </a14:m>
+                <a:endParaRPr lang="en-GB" dirty="0"/>
+              </a:p>
+              <a:p>
+                <a:pPr lvl="1"/>
+                <a:r>
+                  <a:rPr lang="en-GB" dirty="0"/>
+                  <a:t>Not widely applicable</a:t>
+                </a:r>
+              </a:p>
+              <a:p>
+                <a:pPr lvl="1"/>
+                <a:r>
+                  <a:rPr lang="en-GB" dirty="0"/>
+                  <a:t>Occlusion by </a:t>
+                </a:r>
+                <a:r>
+                  <a:rPr lang="en-GB" dirty="0" smtClean="0"/>
+                  <a:t>hair</a:t>
+                </a:r>
+                <a:endParaRPr lang="en-GB" dirty="0"/>
+              </a:p>
+            </p:txBody>
+          </p:sp>
+        </mc:Choice>
+        <mc:Fallback>
+          <p:sp>
+            <p:nvSpPr>
+              <p:cNvPr id="3" name="Inhaltsplatzhalter 2"/>
+              <p:cNvSpPr>
+                <a:spLocks noGrp="1" noRot="1" noChangeAspect="1" noMove="1" noResize="1" noEditPoints="1" noAdjustHandles="1" noChangeArrowheads="1" noChangeShapeType="1" noTextEdit="1"/>
+              </p:cNvSpPr>
+              <p:nvPr>
+                <p:ph idx="1"/>
+              </p:nvPr>
+            </p:nvSpPr>
+            <p:spPr>
+              <a:blipFill>
+                <a:blip r:embed="rId2"/>
+                <a:stretch>
+                  <a:fillRect l="-1546" t="-2225" r="-155"/>
+                </a:stretch>
+              </a:blipFill>
+            </p:spPr>
+            <p:txBody>
+              <a:bodyPr/>
+              <a:lstStyle/>
+              <a:p>
+                <a:r>
+                  <a:rPr lang="en-GB">
+                    <a:noFill/>
+                  </a:rPr>
+                  <a:t> </a:t>
+                </a:r>
+              </a:p>
+            </p:txBody>
+          </p:sp>
+        </mc:Fallback>
+      </mc:AlternateContent>
       <p:sp>
         <p:nvSpPr>
           <p:cNvPr id="4" name="Datumsplatzhalter 3"/>
@@ -23454,6 +23746,447 @@
           <a:p>
             <a:r>
               <a:rPr lang="en-GB" dirty="0" smtClean="0"/>
+              <a:t>Work distribution</a:t>
+            </a:r>
+            <a:endParaRPr lang="en-GB" dirty="0"/>
+          </a:p>
+        </p:txBody>
+      </p:sp>
+      <p:sp>
+        <p:nvSpPr>
+          <p:cNvPr id="4" name="Datumsplatzhalter 3"/>
+          <p:cNvSpPr>
+            <a:spLocks noGrp="1"/>
+          </p:cNvSpPr>
+          <p:nvPr>
+            <p:ph type="dt" sz="half" idx="10"/>
+          </p:nvPr>
+        </p:nvSpPr>
+        <p:spPr/>
+        <p:txBody>
+          <a:bodyPr/>
+          <a:lstStyle/>
+          <a:p>
+            <a:r>
+              <a:rPr lang="en-US" smtClean="0"/>
+              <a:t>Ganiyu Ibraheem  Philipp Seybold</a:t>
+            </a:r>
+            <a:endParaRPr lang="en-GB" dirty="0"/>
+          </a:p>
+        </p:txBody>
+      </p:sp>
+      <p:sp>
+        <p:nvSpPr>
+          <p:cNvPr id="5" name="Fußzeilenplatzhalter 4"/>
+          <p:cNvSpPr>
+            <a:spLocks noGrp="1"/>
+          </p:cNvSpPr>
+          <p:nvPr>
+            <p:ph type="ftr" sz="quarter" idx="11"/>
+          </p:nvPr>
+        </p:nvSpPr>
+        <p:spPr/>
+        <p:txBody>
+          <a:bodyPr/>
+          <a:lstStyle/>
+          <a:p>
+            <a:r>
+              <a:rPr lang="en-GB" smtClean="0"/>
+              <a:t>COMP6206 Advanced Computer Vision</a:t>
+            </a:r>
+            <a:endParaRPr lang="en-GB"/>
+          </a:p>
+        </p:txBody>
+      </p:sp>
+      <p:sp>
+        <p:nvSpPr>
+          <p:cNvPr id="6" name="Foliennummernplatzhalter 5"/>
+          <p:cNvSpPr>
+            <a:spLocks noGrp="1"/>
+          </p:cNvSpPr>
+          <p:nvPr>
+            <p:ph type="sldNum" sz="quarter" idx="12"/>
+          </p:nvPr>
+        </p:nvSpPr>
+        <p:spPr/>
+        <p:txBody>
+          <a:bodyPr/>
+          <a:lstStyle/>
+          <a:p>
+            <a:fld id="{FB9D3F8E-99BC-4812-95D4-548B8E992B94}" type="slidenum">
+              <a:rPr lang="en-GB" smtClean="0"/>
+              <a:t>24</a:t>
+            </a:fld>
+            <a:endParaRPr lang="en-GB"/>
+          </a:p>
+        </p:txBody>
+      </p:sp>
+      <p:graphicFrame>
+        <p:nvGraphicFramePr>
+          <p:cNvPr id="8" name="Tabelle 7"/>
+          <p:cNvGraphicFramePr>
+            <a:graphicFrameLocks noGrp="1"/>
+          </p:cNvGraphicFramePr>
+          <p:nvPr>
+            <p:extLst>
+              <p:ext uri="{D42A27DB-BD31-4B8C-83A1-F6EECF244321}">
+                <p14:modId xmlns:p14="http://schemas.microsoft.com/office/powerpoint/2010/main" val="38162409"/>
+              </p:ext>
+            </p:extLst>
+          </p:nvPr>
+        </p:nvGraphicFramePr>
+        <p:xfrm>
+          <a:off x="628650" y="1482344"/>
+          <a:ext cx="7886700" cy="4390136"/>
+        </p:xfrm>
+        <a:graphic>
+          <a:graphicData uri="http://schemas.openxmlformats.org/drawingml/2006/table">
+            <a:tbl>
+              <a:tblPr firstRow="1" bandRow="1">
+                <a:tableStyleId>{2D5ABB26-0587-4C30-8999-92F81FD0307C}</a:tableStyleId>
+              </a:tblPr>
+              <a:tblGrid>
+                <a:gridCol w="960120">
+                  <a:extLst>
+                    <a:ext uri="{9D8B030D-6E8A-4147-A177-3AD203B41FA5}">
+                      <a16:colId xmlns:a16="http://schemas.microsoft.com/office/drawing/2014/main" val="1144154568"/>
+                    </a:ext>
+                  </a:extLst>
+                </a:gridCol>
+                <a:gridCol w="6926580">
+                  <a:extLst>
+                    <a:ext uri="{9D8B030D-6E8A-4147-A177-3AD203B41FA5}">
+                      <a16:colId xmlns:a16="http://schemas.microsoft.com/office/drawing/2014/main" val="2266596445"/>
+                    </a:ext>
+                  </a:extLst>
+                </a:gridCol>
+              </a:tblGrid>
+              <a:tr h="895096">
+                <a:tc gridSpan="2">
+                  <a:txBody>
+                    <a:bodyPr/>
+                    <a:lstStyle/>
+                    <a:p>
+                      <a:r>
+                        <a:rPr lang="en-GB" sz="2000" dirty="0" smtClean="0"/>
+                        <a:t>Equal</a:t>
+                      </a:r>
+                      <a:r>
+                        <a:rPr lang="en-GB" sz="2000" baseline="0" dirty="0" smtClean="0"/>
+                        <a:t> workload for both group members in every part of the project with different focusses for the presentation:</a:t>
+                      </a:r>
+                      <a:endParaRPr lang="en-GB" sz="2000" dirty="0"/>
+                    </a:p>
+                  </a:txBody>
+                  <a:tcPr/>
+                </a:tc>
+                <a:tc hMerge="1">
+                  <a:txBody>
+                    <a:bodyPr/>
+                    <a:lstStyle/>
+                    <a:p>
+                      <a:endParaRPr lang="en-GB" dirty="0"/>
+                    </a:p>
+                  </a:txBody>
+                  <a:tcPr/>
+                </a:tc>
+                <a:extLst>
+                  <a:ext uri="{0D108BD9-81ED-4DB2-BD59-A6C34878D82A}">
+                    <a16:rowId xmlns:a16="http://schemas.microsoft.com/office/drawing/2014/main" val="2091674178"/>
+                  </a:ext>
+                </a:extLst>
+              </a:tr>
+              <a:tr h="370840">
+                <a:tc>
+                  <a:txBody>
+                    <a:bodyPr/>
+                    <a:lstStyle/>
+                    <a:p>
+                      <a:r>
+                        <a:rPr lang="en-GB" sz="2000" dirty="0" smtClean="0"/>
+                        <a:t>Ganiyu</a:t>
+                      </a:r>
+                      <a:endParaRPr lang="en-GB" sz="2000" dirty="0"/>
+                    </a:p>
+                  </a:txBody>
+                  <a:tcPr/>
+                </a:tc>
+                <a:tc>
+                  <a:txBody>
+                    <a:bodyPr/>
+                    <a:lstStyle/>
+                    <a:p>
+                      <a:pPr marL="0" marR="0" indent="0" algn="l" defTabSz="914400" rtl="0" eaLnBrk="1" fontAlgn="auto" latinLnBrk="0" hangingPunct="1">
+                        <a:lnSpc>
+                          <a:spcPct val="100000"/>
+                        </a:lnSpc>
+                        <a:spcBef>
+                          <a:spcPts val="0"/>
+                        </a:spcBef>
+                        <a:spcAft>
+                          <a:spcPts val="0"/>
+                        </a:spcAft>
+                        <a:buClrTx/>
+                        <a:buSzTx/>
+                        <a:buFontTx/>
+                        <a:buNone/>
+                        <a:tabLst/>
+                        <a:defRPr/>
+                      </a:pPr>
+                      <a:r>
+                        <a:rPr lang="en-GB" sz="2000" dirty="0" smtClean="0"/>
+                        <a:t>Implementation of stream feature and </a:t>
+                      </a:r>
+                      <a:r>
+                        <a:rPr lang="en-GB" sz="2000" dirty="0" smtClean="0"/>
+                        <a:t>work</a:t>
+                      </a:r>
+                      <a:r>
+                        <a:rPr lang="en-GB" sz="2000" baseline="0" dirty="0" smtClean="0"/>
+                        <a:t> </a:t>
+                      </a:r>
+                      <a:r>
+                        <a:rPr lang="en-GB" sz="2000" dirty="0" smtClean="0"/>
+                        <a:t>on </a:t>
+                      </a:r>
+                      <a:r>
+                        <a:rPr lang="en-GB" sz="2000" dirty="0" smtClean="0"/>
+                        <a:t>both approaches</a:t>
+                      </a:r>
+                      <a:r>
+                        <a:rPr lang="en-GB" sz="2000" baseline="0" dirty="0" smtClean="0"/>
+                        <a:t> for the force field transformation; focused on </a:t>
+                      </a:r>
+                      <a:r>
+                        <a:rPr lang="en-GB" sz="2000" baseline="0" dirty="0" smtClean="0"/>
+                        <a:t>math </a:t>
+                      </a:r>
+                      <a:r>
+                        <a:rPr lang="en-GB" sz="2000" baseline="0" dirty="0" smtClean="0"/>
+                        <a:t>for implementation part</a:t>
+                      </a:r>
+                      <a:endParaRPr lang="en-GB" sz="2000" dirty="0" smtClean="0"/>
+                    </a:p>
+                  </a:txBody>
+                  <a:tcPr/>
+                </a:tc>
+                <a:extLst>
+                  <a:ext uri="{0D108BD9-81ED-4DB2-BD59-A6C34878D82A}">
+                    <a16:rowId xmlns:a16="http://schemas.microsoft.com/office/drawing/2014/main" val="3571696316"/>
+                  </a:ext>
+                </a:extLst>
+              </a:tr>
+              <a:tr h="960120">
+                <a:tc>
+                  <a:txBody>
+                    <a:bodyPr/>
+                    <a:lstStyle/>
+                    <a:p>
+                      <a:r>
+                        <a:rPr lang="en-GB" sz="2000" dirty="0" smtClean="0"/>
+                        <a:t>Philipp</a:t>
+                      </a:r>
+                      <a:endParaRPr lang="en-GB" sz="2000" dirty="0"/>
+                    </a:p>
+                  </a:txBody>
+                  <a:tcPr/>
+                </a:tc>
+                <a:tc>
+                  <a:txBody>
+                    <a:bodyPr/>
+                    <a:lstStyle/>
+                    <a:p>
+                      <a:r>
+                        <a:rPr lang="en-GB" sz="2000" dirty="0" smtClean="0"/>
+                        <a:t>Worked</a:t>
+                      </a:r>
+                      <a:r>
+                        <a:rPr lang="en-GB" sz="2000" baseline="0" dirty="0" smtClean="0"/>
+                        <a:t> on both approaches when issues occurred and provided comparisons to other implementations; focused on theory of the approach as a </a:t>
+                      </a:r>
+                      <a:r>
+                        <a:rPr lang="en-GB" sz="2000" baseline="0" dirty="0" smtClean="0"/>
+                        <a:t>whole</a:t>
+                      </a:r>
+                      <a:endParaRPr lang="en-GB" sz="2000" dirty="0"/>
+                    </a:p>
+                  </a:txBody>
+                  <a:tcPr/>
+                </a:tc>
+                <a:extLst>
+                  <a:ext uri="{0D108BD9-81ED-4DB2-BD59-A6C34878D82A}">
+                    <a16:rowId xmlns:a16="http://schemas.microsoft.com/office/drawing/2014/main" val="3944246603"/>
+                  </a:ext>
+                </a:extLst>
+              </a:tr>
+              <a:tr h="370840">
+                <a:tc>
+                  <a:txBody>
+                    <a:bodyPr/>
+                    <a:lstStyle/>
+                    <a:p>
+                      <a:endParaRPr lang="en-GB"/>
+                    </a:p>
+                  </a:txBody>
+                  <a:tcPr/>
+                </a:tc>
+                <a:tc>
+                  <a:txBody>
+                    <a:bodyPr/>
+                    <a:lstStyle/>
+                    <a:p>
+                      <a:endParaRPr lang="en-GB" dirty="0"/>
+                    </a:p>
+                  </a:txBody>
+                  <a:tcPr/>
+                </a:tc>
+                <a:extLst>
+                  <a:ext uri="{0D108BD9-81ED-4DB2-BD59-A6C34878D82A}">
+                    <a16:rowId xmlns:a16="http://schemas.microsoft.com/office/drawing/2014/main" val="479990301"/>
+                  </a:ext>
+                </a:extLst>
+              </a:tr>
+              <a:tr h="370840">
+                <a:tc>
+                  <a:txBody>
+                    <a:bodyPr/>
+                    <a:lstStyle/>
+                    <a:p>
+                      <a:endParaRPr lang="en-GB" dirty="0"/>
+                    </a:p>
+                  </a:txBody>
+                  <a:tcPr/>
+                </a:tc>
+                <a:tc>
+                  <a:txBody>
+                    <a:bodyPr/>
+                    <a:lstStyle/>
+                    <a:p>
+                      <a:endParaRPr lang="en-GB" dirty="0"/>
+                    </a:p>
+                  </a:txBody>
+                  <a:tcPr/>
+                </a:tc>
+                <a:extLst>
+                  <a:ext uri="{0D108BD9-81ED-4DB2-BD59-A6C34878D82A}">
+                    <a16:rowId xmlns:a16="http://schemas.microsoft.com/office/drawing/2014/main" val="337983444"/>
+                  </a:ext>
+                </a:extLst>
+              </a:tr>
+              <a:tr h="370840">
+                <a:tc>
+                  <a:txBody>
+                    <a:bodyPr/>
+                    <a:lstStyle/>
+                    <a:p>
+                      <a:endParaRPr lang="en-GB"/>
+                    </a:p>
+                  </a:txBody>
+                  <a:tcPr/>
+                </a:tc>
+                <a:tc>
+                  <a:txBody>
+                    <a:bodyPr/>
+                    <a:lstStyle/>
+                    <a:p>
+                      <a:endParaRPr lang="en-GB"/>
+                    </a:p>
+                  </a:txBody>
+                  <a:tcPr/>
+                </a:tc>
+                <a:extLst>
+                  <a:ext uri="{0D108BD9-81ED-4DB2-BD59-A6C34878D82A}">
+                    <a16:rowId xmlns:a16="http://schemas.microsoft.com/office/drawing/2014/main" val="1411202274"/>
+                  </a:ext>
+                </a:extLst>
+              </a:tr>
+              <a:tr h="370840">
+                <a:tc>
+                  <a:txBody>
+                    <a:bodyPr/>
+                    <a:lstStyle/>
+                    <a:p>
+                      <a:endParaRPr lang="en-GB" dirty="0"/>
+                    </a:p>
+                  </a:txBody>
+                  <a:tcPr/>
+                </a:tc>
+                <a:tc>
+                  <a:txBody>
+                    <a:bodyPr/>
+                    <a:lstStyle/>
+                    <a:p>
+                      <a:endParaRPr lang="en-GB" dirty="0"/>
+                    </a:p>
+                  </a:txBody>
+                  <a:tcPr/>
+                </a:tc>
+                <a:extLst>
+                  <a:ext uri="{0D108BD9-81ED-4DB2-BD59-A6C34878D82A}">
+                    <a16:rowId xmlns:a16="http://schemas.microsoft.com/office/drawing/2014/main" val="2242115957"/>
+                  </a:ext>
+                </a:extLst>
+              </a:tr>
+            </a:tbl>
+          </a:graphicData>
+        </a:graphic>
+      </p:graphicFrame>
+    </p:spTree>
+    <p:extLst>
+      <p:ext uri="{BB962C8B-B14F-4D97-AF65-F5344CB8AC3E}">
+        <p14:creationId xmlns:p14="http://schemas.microsoft.com/office/powerpoint/2010/main" val="3102007807"/>
+      </p:ext>
+    </p:extLst>
+  </p:cSld>
+  <p:clrMapOvr>
+    <a:masterClrMapping/>
+  </p:clrMapOvr>
+  <p:timing>
+    <p:tnLst>
+      <p:par>
+        <p:cTn id="1" dur="indefinite" restart="never" nodeType="tmRoot"/>
+      </p:par>
+    </p:tnLst>
+  </p:timing>
+</p:sld>
+</file>
+
+<file path=ppt/slides/slide25.xml><?xml version="1.0" encoding="utf-8"?>
+<p:sld xmlns:a="http://schemas.openxmlformats.org/drawingml/2006/main" xmlns:r="http://schemas.openxmlformats.org/officeDocument/2006/relationships" xmlns:p="http://schemas.openxmlformats.org/presentationml/2006/main">
+  <p:cSld>
+    <p:spTree>
+      <p:nvGrpSpPr>
+        <p:cNvPr id="1" name=""/>
+        <p:cNvGrpSpPr/>
+        <p:nvPr/>
+      </p:nvGrpSpPr>
+      <p:grpSpPr>
+        <a:xfrm>
+          <a:off x="0" y="0"/>
+          <a:ext cx="0" cy="0"/>
+          <a:chOff x="0" y="0"/>
+          <a:chExt cx="0" cy="0"/>
+        </a:xfrm>
+      </p:grpSpPr>
+      <p:sp>
+        <p:nvSpPr>
+          <p:cNvPr id="2" name="Titel 1"/>
+          <p:cNvSpPr>
+            <a:spLocks noGrp="1"/>
+          </p:cNvSpPr>
+          <p:nvPr>
+            <p:ph type="title"/>
+          </p:nvPr>
+        </p:nvSpPr>
+        <p:spPr/>
+        <p:txBody>
+          <a:bodyPr>
+            <a:normAutofit/>
+          </a:bodyPr>
+          <a:lstStyle/>
+          <a:p>
+            <a:r>
+              <a:rPr lang="en-GB" dirty="0" smtClean="0"/>
               <a:t>Discussion</a:t>
             </a:r>
             <a:endParaRPr lang="en-GB" dirty="0"/>
@@ -23557,7 +24290,7 @@
           <a:p>
             <a:fld id="{FB9D3F8E-99BC-4812-95D4-548B8E992B94}" type="slidenum">
               <a:rPr lang="en-GB" smtClean="0"/>
-              <a:t>24</a:t>
+              <a:t>25</a:t>
             </a:fld>
             <a:endParaRPr lang="en-GB"/>
           </a:p>
@@ -23918,48 +24651,13 @@
             <a:endParaRPr lang="en-GB" dirty="0"/>
           </a:p>
           <a:p>
-            <a:pPr lvl="0"/>
             <a:r>
               <a:rPr lang="en-GB" dirty="0" smtClean="0"/>
-              <a:t>Approaches</a:t>
-            </a:r>
-            <a:r>
-              <a:rPr lang="en-GB" dirty="0"/>
-              <a:t>:</a:t>
-            </a:r>
-          </a:p>
-          <a:p>
-            <a:pPr marL="914400" lvl="1" indent="-457200">
-              <a:buFont typeface="+mj-lt"/>
-              <a:buAutoNum type="arabicPeriod"/>
-            </a:pPr>
-            <a:r>
-              <a:rPr lang="en-GB" dirty="0" smtClean="0"/>
-              <a:t>Pixel by Pixel</a:t>
-            </a:r>
-          </a:p>
-          <a:p>
-            <a:pPr marL="914400" lvl="1" indent="-457200">
-              <a:buFont typeface="+mj-lt"/>
-              <a:buAutoNum type="arabicPeriod"/>
-            </a:pPr>
-            <a:r>
-              <a:rPr lang="en-GB" dirty="0" smtClean="0"/>
-              <a:t>Frequency </a:t>
-            </a:r>
-            <a:r>
-              <a:rPr lang="en-GB" dirty="0"/>
-              <a:t>Domain </a:t>
+              <a:t>Steps</a:t>
             </a:r>
             <a:r>
               <a:rPr lang="en-GB" dirty="0" smtClean="0"/>
-              <a:t>Analysis</a:t>
-            </a:r>
-          </a:p>
-          <a:p>
-            <a:r>
-              <a:rPr lang="en-GB" dirty="0" smtClean="0"/>
-              <a:t>Steps:</a:t>
+              <a:t>:</a:t>
             </a:r>
             <a:endParaRPr lang="en-GB" dirty="0"/>
           </a:p>
@@ -23994,6 +24692,49 @@
               <a:rPr lang="en-GB" dirty="0" smtClean="0"/>
               <a:t>extraction</a:t>
             </a:r>
+          </a:p>
+          <a:p>
+            <a:pPr lvl="0"/>
+            <a:r>
+              <a:rPr lang="en-GB" dirty="0"/>
+              <a:t>Approaches:</a:t>
+            </a:r>
+          </a:p>
+          <a:p>
+            <a:pPr marL="914400" lvl="1" indent="-457200">
+              <a:buFont typeface="+mj-lt"/>
+              <a:buAutoNum type="arabicPeriod"/>
+            </a:pPr>
+            <a:r>
+              <a:rPr lang="en-GB" dirty="0"/>
+              <a:t>Pixel by </a:t>
+            </a:r>
+            <a:r>
+              <a:rPr lang="en-GB" dirty="0" smtClean="0"/>
+              <a:t>pixel</a:t>
+            </a:r>
+            <a:endParaRPr lang="en-GB" dirty="0"/>
+          </a:p>
+          <a:p>
+            <a:pPr marL="914400" lvl="1" indent="-457200">
+              <a:buFont typeface="+mj-lt"/>
+              <a:buAutoNum type="arabicPeriod"/>
+            </a:pPr>
+            <a:r>
+              <a:rPr lang="en-GB" dirty="0"/>
+              <a:t>Frequency </a:t>
+            </a:r>
+            <a:r>
+              <a:rPr lang="en-GB" dirty="0" smtClean="0"/>
+              <a:t>domain analysis</a:t>
+            </a:r>
+            <a:endParaRPr lang="en-GB" dirty="0"/>
+          </a:p>
+          <a:p>
+            <a:pPr marL="914400" lvl="1" indent="-457200">
+              <a:buFont typeface="+mj-lt"/>
+              <a:buAutoNum type="arabicPeriod"/>
+            </a:pPr>
             <a:endParaRPr lang="en-GB" dirty="0"/>
           </a:p>
         </p:txBody>
@@ -24128,8 +24869,8 @@
           </a:p>
         </p:txBody>
       </p:sp>
-      <mc:AlternateContent xmlns:mc="http://schemas.openxmlformats.org/markup-compatibility/2006">
-        <mc:Choice xmlns:a14="http://schemas.microsoft.com/office/drawing/2010/main" Requires="a14">
+      <mc:AlternateContent xmlns:mc="http://schemas.openxmlformats.org/markup-compatibility/2006" xmlns:a14="http://schemas.microsoft.com/office/drawing/2010/main">
+        <mc:Choice Requires="a14">
           <p:sp>
             <p:nvSpPr>
               <p:cNvPr id="3" name="Inhaltsplatzhalter 2"/>
@@ -24274,7 +25015,7 @@
             </p:txBody>
           </p:sp>
         </mc:Choice>
-        <mc:Fallback>
+        <mc:Fallback xmlns="">
           <p:sp>
             <p:nvSpPr>
               <p:cNvPr id="3" name="Inhaltsplatzhalter 2"/>

--- a/Force Field Transformation.pptx
+++ b/Force Field Transformation.pptx
@@ -220,7 +220,7 @@
           <a:p>
             <a:fld id="{2D375E8E-D067-40BE-8067-60BEC63713A2}" type="datetimeFigureOut">
               <a:rPr lang="en-GB" smtClean="0"/>
-              <a:t>07/02/2018</a:t>
+              <a:t>08/02/2018</a:t>
             </a:fld>
             <a:endParaRPr lang="en-GB"/>
           </a:p>
@@ -284,35 +284,35 @@
           <a:p>
             <a:pPr lvl="0"/>
             <a:r>
-              <a:rPr lang="de-DE" smtClean="0"/>
+              <a:rPr lang="de-DE"/>
               <a:t>Formatvorlagen des Textmasters bearbeiten</a:t>
             </a:r>
           </a:p>
           <a:p>
             <a:pPr lvl="1"/>
             <a:r>
-              <a:rPr lang="de-DE" smtClean="0"/>
+              <a:rPr lang="de-DE"/>
               <a:t>Zweite Ebene</a:t>
             </a:r>
           </a:p>
           <a:p>
             <a:pPr lvl="2"/>
             <a:r>
-              <a:rPr lang="de-DE" smtClean="0"/>
+              <a:rPr lang="de-DE"/>
               <a:t>Dritte Ebene</a:t>
             </a:r>
           </a:p>
           <a:p>
             <a:pPr lvl="3"/>
             <a:r>
-              <a:rPr lang="de-DE" smtClean="0"/>
+              <a:rPr lang="de-DE"/>
               <a:t>Vierte Ebene</a:t>
             </a:r>
           </a:p>
           <a:p>
             <a:pPr lvl="4"/>
             <a:r>
-              <a:rPr lang="de-DE" smtClean="0"/>
+              <a:rPr lang="de-DE"/>
               <a:t>Fünfte Ebene</a:t>
             </a:r>
             <a:endParaRPr lang="en-GB"/>
@@ -379,7 +379,7 @@
           <a:p>
             <a:fld id="{EF2D93C9-B2FF-4D76-8851-D84BA33B2773}" type="slidenum">
               <a:rPr lang="en-GB" smtClean="0"/>
-              <a:t>‹Nr.›</a:t>
+              <a:t>‹#›</a:t>
             </a:fld>
             <a:endParaRPr lang="en-GB"/>
           </a:p>
@@ -623,13 +623,13 @@
                   <a:buAutoNum type="arabicPeriod"/>
                 </a:pPr>
                 <a:r>
-                  <a:rPr lang="en-GB" b="0" i="0" dirty="0" smtClean="0">
+                  <a:rPr lang="en-GB" b="0" i="0" dirty="0">
                     <a:latin typeface="+mn-lt"/>
                   </a:rPr>
                   <a:t>The definition</a:t>
                 </a:r>
                 <a:r>
-                  <a:rPr lang="en-GB" b="0" i="0" baseline="0" dirty="0" smtClean="0">
+                  <a:rPr lang="en-GB" b="0" i="0" baseline="0" dirty="0">
                     <a:latin typeface="+mn-lt"/>
                   </a:rPr>
                   <a:t> for force field vectors in the gravity domain: </a:t>
@@ -906,7 +906,7 @@
                   </m:oMath>
                 </a14:m>
                 <a:r>
-                  <a:rPr lang="en-GB" b="0" i="0" dirty="0" smtClean="0">
+                  <a:rPr lang="en-GB" b="0" i="0" dirty="0">
                     <a:latin typeface="+mn-lt"/>
                   </a:rPr>
                   <a:t>, where </a:t>
@@ -953,7 +953,7 @@
                   </m:oMath>
                 </a14:m>
                 <a:r>
-                  <a:rPr lang="en-GB" b="0" i="0" dirty="0" smtClean="0">
+                  <a:rPr lang="en-GB" b="0" i="0" dirty="0">
                     <a:latin typeface="+mn-lt"/>
                   </a:rPr>
                   <a:t> is the unit vector</a:t>
@@ -1030,11 +1030,11 @@
                   </m:oMath>
                 </a14:m>
                 <a:r>
-                  <a:rPr lang="en-GB" dirty="0" smtClean="0"/>
+                  <a:rPr lang="en-GB" dirty="0"/>
                   <a:t> is</a:t>
                 </a:r>
                 <a:r>
-                  <a:rPr lang="en-GB" baseline="0" dirty="0" smtClean="0"/>
+                  <a:rPr lang="en-GB" baseline="0" dirty="0"/>
                   <a:t> the force field vector of a pixel position vector </a:t>
                 </a:r>
                 <a14:m>
@@ -1067,7 +1067,7 @@
                   </m:oMath>
                 </a14:m>
                 <a:r>
-                  <a:rPr lang="en-GB" baseline="0" dirty="0" smtClean="0"/>
+                  <a:rPr lang="en-GB" baseline="0" dirty="0"/>
                   <a:t> that another vector </a:t>
                 </a:r>
                 <a14:m>
@@ -1100,11 +1100,11 @@
                   </m:oMath>
                 </a14:m>
                 <a:r>
-                  <a:rPr lang="en-GB" dirty="0" smtClean="0"/>
+                  <a:rPr lang="en-GB" dirty="0"/>
                   <a:t> exerts on</a:t>
                 </a:r>
                 <a:r>
-                  <a:rPr lang="en-GB" baseline="0" dirty="0" smtClean="0"/>
+                  <a:rPr lang="en-GB" baseline="0" dirty="0"/>
                   <a:t> it. </a:t>
                 </a:r>
               </a:p>
@@ -1114,19 +1114,19 @@
                   <a:buAutoNum type="arabicPeriod"/>
                 </a:pPr>
                 <a:r>
-                  <a:rPr lang="en-GB" baseline="0" dirty="0" smtClean="0"/>
+                  <a:rPr lang="en-GB" baseline="0" dirty="0"/>
                   <a:t>The sum over all these force vectors</a:t>
                 </a:r>
                 <a:r>
-                  <a:rPr lang="en-GB" dirty="0" smtClean="0"/>
+                  <a:rPr lang="en-GB" dirty="0"/>
                   <a:t>, where</a:t>
                 </a:r>
                 <a:r>
-                  <a:rPr lang="en-GB" baseline="0" dirty="0" smtClean="0"/>
+                  <a:rPr lang="en-GB" baseline="0" dirty="0"/>
                   <a:t> the pixel intensities </a:t>
                 </a:r>
                 <a:r>
-                  <a:rPr lang="en-GB" dirty="0" smtClean="0"/>
+                  <a:rPr lang="en-GB" dirty="0"/>
                   <a:t> </a:t>
                 </a:r>
                 <a14:m>
@@ -1176,11 +1176,11 @@
                   </m:oMath>
                 </a14:m>
                 <a:r>
-                  <a:rPr lang="en-GB" dirty="0" smtClean="0"/>
+                  <a:rPr lang="en-GB" dirty="0"/>
                   <a:t> are unified, gives</a:t>
                 </a:r>
                 <a:r>
-                  <a:rPr lang="en-GB" baseline="0" dirty="0" smtClean="0"/>
+                  <a:rPr lang="en-GB" baseline="0" dirty="0"/>
                   <a:t> the force field vector </a:t>
                 </a:r>
                 <a14:m>
@@ -1230,7 +1230,7 @@
                   </m:oMath>
                 </a14:m>
                 <a:r>
-                  <a:rPr lang="en-GB" dirty="0" smtClean="0"/>
+                  <a:rPr lang="en-GB" dirty="0"/>
                   <a:t> for that position </a:t>
                 </a:r>
                 <a14:m>
@@ -1262,7 +1262,7 @@
                     </m:sSub>
                   </m:oMath>
                 </a14:m>
-                <a:endParaRPr lang="en-GB" dirty="0" smtClean="0"/>
+                <a:endParaRPr lang="en-GB" dirty="0"/>
               </a:p>
               <a:p>
                 <a:pPr marL="228600" indent="-228600">
@@ -1270,11 +1270,11 @@
                   <a:buAutoNum type="arabicPeriod"/>
                 </a:pPr>
                 <a:r>
-                  <a:rPr lang="en-GB" dirty="0" smtClean="0"/>
+                  <a:rPr lang="en-GB" dirty="0"/>
                   <a:t>Same for the potential Energy field</a:t>
                 </a:r>
                 <a:r>
-                  <a:rPr lang="en-GB" baseline="0" dirty="0" smtClean="0"/>
+                  <a:rPr lang="en-GB" baseline="0" dirty="0"/>
                   <a:t> that is associated with the force field generated by each pixel, </a:t>
                 </a:r>
               </a:p>
@@ -1284,7 +1284,7 @@
                   <a:buAutoNum type="arabicPeriod"/>
                 </a:pPr>
                 <a:r>
-                  <a:rPr lang="en-GB" baseline="0" dirty="0" smtClean="0"/>
+                  <a:rPr lang="en-GB" baseline="0" dirty="0"/>
                   <a:t>with </a:t>
                 </a:r>
                 <a14:m>
@@ -1353,35 +1353,35 @@
                   </m:oMath>
                 </a14:m>
                 <a:r>
-                  <a:rPr lang="en-GB" dirty="0" smtClean="0"/>
+                  <a:rPr lang="en-GB" dirty="0"/>
                   <a:t> being the potential energy that its</a:t>
                 </a:r>
                 <a:r>
-                  <a:rPr lang="en-GB" baseline="0" dirty="0" smtClean="0"/>
+                  <a:rPr lang="en-GB" baseline="0" dirty="0"/>
                   <a:t> imparted to a pixel of unit intensity at the pixel location </a:t>
                 </a:r>
                 <a:r>
-                  <a:rPr lang="en-GB" baseline="0" dirty="0" err="1" smtClean="0"/>
+                  <a:rPr lang="en-GB" baseline="0" dirty="0" err="1"/>
                   <a:t>r_j</a:t>
                 </a:r>
                 <a:r>
-                  <a:rPr lang="en-GB" baseline="0" dirty="0" smtClean="0"/>
+                  <a:rPr lang="en-GB" baseline="0" dirty="0"/>
                   <a:t> by the energy field of any other pixel with position vector </a:t>
                 </a:r>
                 <a:r>
-                  <a:rPr lang="en-GB" baseline="0" dirty="0" err="1" smtClean="0"/>
+                  <a:rPr lang="en-GB" baseline="0" dirty="0" err="1"/>
                   <a:t>r_i</a:t>
                 </a:r>
                 <a:r>
-                  <a:rPr lang="en-GB" baseline="0" dirty="0" smtClean="0"/>
+                  <a:rPr lang="en-GB" baseline="0" dirty="0"/>
                   <a:t> and pixel intensity P(</a:t>
                 </a:r>
                 <a:r>
-                  <a:rPr lang="en-GB" baseline="0" dirty="0" err="1" smtClean="0"/>
+                  <a:rPr lang="en-GB" baseline="0" dirty="0" err="1"/>
                   <a:t>r_i</a:t>
                 </a:r>
                 <a:r>
-                  <a:rPr lang="en-GB" baseline="0" dirty="0" smtClean="0"/>
+                  <a:rPr lang="en-GB" baseline="0" dirty="0"/>
                   <a:t>)</a:t>
                 </a:r>
                 <a:endParaRPr lang="en-GB" dirty="0"/>
@@ -1699,13 +1699,13 @@
                   <a:buAutoNum type="arabicPeriod"/>
                 </a:pPr>
                 <a:r>
-                  <a:rPr lang="en-GB" b="0" i="0" dirty="0" smtClean="0">
+                  <a:rPr lang="en-GB" b="0" i="0" dirty="0">
                     <a:latin typeface="+mn-lt"/>
                   </a:rPr>
                   <a:t>The definition</a:t>
                 </a:r>
                 <a:r>
-                  <a:rPr lang="en-GB" b="0" i="0" baseline="0" dirty="0" smtClean="0">
+                  <a:rPr lang="en-GB" b="0" i="0" baseline="0" dirty="0">
                     <a:latin typeface="+mn-lt"/>
                   </a:rPr>
                   <a:t> for force field vectors in the gravity domain: </a:t>
@@ -1982,7 +1982,7 @@
                   </m:oMath>
                 </a14:m>
                 <a:r>
-                  <a:rPr lang="en-GB" b="0" i="0" dirty="0" smtClean="0">
+                  <a:rPr lang="en-GB" b="0" i="0" dirty="0">
                     <a:latin typeface="+mn-lt"/>
                   </a:rPr>
                   <a:t>, where </a:t>
@@ -2029,7 +2029,7 @@
                   </m:oMath>
                 </a14:m>
                 <a:r>
-                  <a:rPr lang="en-GB" b="0" i="0" dirty="0" smtClean="0">
+                  <a:rPr lang="en-GB" b="0" i="0" dirty="0">
                     <a:latin typeface="+mn-lt"/>
                   </a:rPr>
                   <a:t> is the unit vector</a:t>
@@ -2106,11 +2106,11 @@
                   </m:oMath>
                 </a14:m>
                 <a:r>
-                  <a:rPr lang="en-GB" dirty="0" smtClean="0"/>
+                  <a:rPr lang="en-GB" dirty="0"/>
                   <a:t> is</a:t>
                 </a:r>
                 <a:r>
-                  <a:rPr lang="en-GB" baseline="0" dirty="0" smtClean="0"/>
+                  <a:rPr lang="en-GB" baseline="0" dirty="0"/>
                   <a:t> the force field vector of a pixel position vector </a:t>
                 </a:r>
                 <a14:m>
@@ -2143,7 +2143,7 @@
                   </m:oMath>
                 </a14:m>
                 <a:r>
-                  <a:rPr lang="en-GB" baseline="0" dirty="0" smtClean="0"/>
+                  <a:rPr lang="en-GB" baseline="0" dirty="0"/>
                   <a:t> that another vector </a:t>
                 </a:r>
                 <a14:m>
@@ -2176,11 +2176,11 @@
                   </m:oMath>
                 </a14:m>
                 <a:r>
-                  <a:rPr lang="en-GB" dirty="0" smtClean="0"/>
+                  <a:rPr lang="en-GB" dirty="0"/>
                   <a:t> exerts on</a:t>
                 </a:r>
                 <a:r>
-                  <a:rPr lang="en-GB" baseline="0" dirty="0" smtClean="0"/>
+                  <a:rPr lang="en-GB" baseline="0" dirty="0"/>
                   <a:t> it. </a:t>
                 </a:r>
               </a:p>
@@ -2190,19 +2190,19 @@
                   <a:buAutoNum type="arabicPeriod"/>
                 </a:pPr>
                 <a:r>
-                  <a:rPr lang="en-GB" baseline="0" dirty="0" smtClean="0"/>
+                  <a:rPr lang="en-GB" baseline="0" dirty="0"/>
                   <a:t>The sum over all these force vectors</a:t>
                 </a:r>
                 <a:r>
-                  <a:rPr lang="en-GB" dirty="0" smtClean="0"/>
+                  <a:rPr lang="en-GB" dirty="0"/>
                   <a:t>, where</a:t>
                 </a:r>
                 <a:r>
-                  <a:rPr lang="en-GB" baseline="0" dirty="0" smtClean="0"/>
+                  <a:rPr lang="en-GB" baseline="0" dirty="0"/>
                   <a:t> the pixel intensities </a:t>
                 </a:r>
                 <a:r>
-                  <a:rPr lang="en-GB" dirty="0" smtClean="0"/>
+                  <a:rPr lang="en-GB" dirty="0"/>
                   <a:t> </a:t>
                 </a:r>
                 <a14:m>
@@ -2252,11 +2252,11 @@
                   </m:oMath>
                 </a14:m>
                 <a:r>
-                  <a:rPr lang="en-GB" dirty="0" smtClean="0"/>
+                  <a:rPr lang="en-GB" dirty="0"/>
                   <a:t> are unified, gives</a:t>
                 </a:r>
                 <a:r>
-                  <a:rPr lang="en-GB" baseline="0" dirty="0" smtClean="0"/>
+                  <a:rPr lang="en-GB" baseline="0" dirty="0"/>
                   <a:t> the force field vector </a:t>
                 </a:r>
                 <a14:m>
@@ -2306,7 +2306,7 @@
                   </m:oMath>
                 </a14:m>
                 <a:r>
-                  <a:rPr lang="en-GB" dirty="0" smtClean="0"/>
+                  <a:rPr lang="en-GB" dirty="0"/>
                   <a:t> for that position </a:t>
                 </a:r>
                 <a14:m>
@@ -2338,7 +2338,7 @@
                     </m:sSub>
                   </m:oMath>
                 </a14:m>
-                <a:endParaRPr lang="en-GB" dirty="0" smtClean="0"/>
+                <a:endParaRPr lang="en-GB" dirty="0"/>
               </a:p>
               <a:p>
                 <a:pPr marL="228600" indent="-228600">
@@ -2346,11 +2346,11 @@
                   <a:buAutoNum type="arabicPeriod"/>
                 </a:pPr>
                 <a:r>
-                  <a:rPr lang="en-GB" dirty="0" smtClean="0"/>
+                  <a:rPr lang="en-GB" dirty="0"/>
                   <a:t>Same for the potential Energy field</a:t>
                 </a:r>
                 <a:r>
-                  <a:rPr lang="en-GB" baseline="0" dirty="0" smtClean="0"/>
+                  <a:rPr lang="en-GB" baseline="0" dirty="0"/>
                   <a:t> that is associated with the force field generated by each pixel, </a:t>
                 </a:r>
               </a:p>
@@ -2360,7 +2360,7 @@
                   <a:buAutoNum type="arabicPeriod"/>
                 </a:pPr>
                 <a:r>
-                  <a:rPr lang="en-GB" baseline="0" dirty="0" smtClean="0"/>
+                  <a:rPr lang="en-GB" baseline="0" dirty="0"/>
                   <a:t>with </a:t>
                 </a:r>
                 <a14:m>
@@ -2429,35 +2429,35 @@
                   </m:oMath>
                 </a14:m>
                 <a:r>
-                  <a:rPr lang="en-GB" dirty="0" smtClean="0"/>
+                  <a:rPr lang="en-GB" dirty="0"/>
                   <a:t> being the potential energy that its</a:t>
                 </a:r>
                 <a:r>
-                  <a:rPr lang="en-GB" baseline="0" dirty="0" smtClean="0"/>
+                  <a:rPr lang="en-GB" baseline="0" dirty="0"/>
                   <a:t> imparted to a pixel of unit intensity at the pixel location </a:t>
                 </a:r>
                 <a:r>
-                  <a:rPr lang="en-GB" baseline="0" dirty="0" err="1" smtClean="0"/>
+                  <a:rPr lang="en-GB" baseline="0" dirty="0" err="1"/>
                   <a:t>r_j</a:t>
                 </a:r>
                 <a:r>
-                  <a:rPr lang="en-GB" baseline="0" dirty="0" smtClean="0"/>
+                  <a:rPr lang="en-GB" baseline="0" dirty="0"/>
                   <a:t> by the energy field of any other pixel with position vector </a:t>
                 </a:r>
                 <a:r>
-                  <a:rPr lang="en-GB" baseline="0" dirty="0" err="1" smtClean="0"/>
+                  <a:rPr lang="en-GB" baseline="0" dirty="0" err="1"/>
                   <a:t>r_i</a:t>
                 </a:r>
                 <a:r>
-                  <a:rPr lang="en-GB" baseline="0" dirty="0" smtClean="0"/>
+                  <a:rPr lang="en-GB" baseline="0" dirty="0"/>
                   <a:t> and pixel intensity P(</a:t>
                 </a:r>
                 <a:r>
-                  <a:rPr lang="en-GB" baseline="0" dirty="0" err="1" smtClean="0"/>
+                  <a:rPr lang="en-GB" baseline="0" dirty="0" err="1"/>
                   <a:t>r_i</a:t>
                 </a:r>
                 <a:r>
-                  <a:rPr lang="en-GB" baseline="0" dirty="0" smtClean="0"/>
+                  <a:rPr lang="en-GB" baseline="0" dirty="0"/>
                   <a:t>)</a:t>
                 </a:r>
                 <a:endParaRPr lang="en-GB" dirty="0"/>
@@ -2773,14 +2773,14 @@
               <a:buAutoNum type="arabicPeriod"/>
             </a:pPr>
             <a:r>
-              <a:rPr lang="en-GB" dirty="0" smtClean="0"/>
+              <a:rPr lang="en-GB" dirty="0"/>
               <a:t>Calculating the force field vectors for each pixel in an</a:t>
             </a:r>
             <a:r>
-              <a:rPr lang="en-GB" baseline="0" dirty="0" smtClean="0"/>
+              <a:rPr lang="en-GB" baseline="0" dirty="0"/>
               <a:t> image of an area of interest</a:t>
             </a:r>
-            <a:endParaRPr lang="en-GB" dirty="0" smtClean="0"/>
+            <a:endParaRPr lang="en-GB" dirty="0"/>
           </a:p>
           <a:p>
             <a:pPr marL="228600" lvl="0" indent="-228600">
@@ -2788,14 +2788,14 @@
               <a:buAutoNum type="arabicPeriod"/>
             </a:pPr>
             <a:r>
-              <a:rPr lang="en-GB" dirty="0" smtClean="0"/>
+              <a:rPr lang="en-GB" dirty="0"/>
               <a:t>Calculating the potential energy fields for each pixel to find the overlapping potential energy functions of all the image pixels for that specific pixel location which is repeated for all pixels in the image to generate a </a:t>
             </a:r>
             <a:r>
-              <a:rPr lang="en-GB" b="1" dirty="0" smtClean="0"/>
+              <a:rPr lang="en-GB" b="1" dirty="0"/>
               <a:t>potential energy surface </a:t>
             </a:r>
-            <a:endParaRPr lang="en-GB" dirty="0" smtClean="0"/>
+            <a:endParaRPr lang="en-GB" dirty="0"/>
           </a:p>
         </p:txBody>
       </p:sp>
@@ -2884,7 +2884,7 @@
               <a:buAutoNum type="arabicPeriod"/>
             </a:pPr>
             <a:r>
-              <a:rPr lang="en-GB" dirty="0" smtClean="0"/>
+              <a:rPr lang="en-GB" dirty="0"/>
               <a:t>Force field –&gt; potential energy surface: comparable to mountain with peaks and ridges, where peaks = potential energy wells (sources) and ridges = energy channels, that lead to the wells (picture 2)</a:t>
             </a:r>
           </a:p>
@@ -2894,18 +2894,14 @@
               <a:buAutoNum type="arabicPeriod"/>
             </a:pPr>
             <a:r>
-              <a:rPr lang="en-GB" dirty="0" smtClean="0"/>
-              <a:t>To </a:t>
-            </a:r>
-            <a:r>
-              <a:rPr lang="en-GB" dirty="0" smtClean="0"/>
-              <a:t>discover the force field lines: generate an array of unit value mobile test pixels arranged in  a closed loop surrounding the ear, which are then solely being ‘pulled’ by the force (gravity) fields of the ear’s pixels vectors so that their trajectory form the field line until they reached an extremum in the potential energy surface: </a:t>
+              <a:rPr lang="en-GB" dirty="0"/>
+              <a:t>To discover the force field lines: generate an array of unit value mobile test pixels arranged in  a closed loop surrounding the ear, which are then solely being ‘pulled’ by the force (gravity) fields of the ear’s pixels vectors so that their trajectory form the field line until they reached an extremum in the potential energy surface: </a:t>
             </a:r>
             <a:br>
-              <a:rPr lang="en-GB" dirty="0" smtClean="0"/>
+              <a:rPr lang="en-GB" dirty="0"/>
             </a:br>
             <a:r>
-              <a:rPr lang="en-GB" dirty="0" smtClean="0"/>
+              <a:rPr lang="en-GB" dirty="0"/>
               <a:t>gradient is zero and no further force is exerted = no more movement</a:t>
             </a:r>
           </a:p>
@@ -2915,14 +2911,14 @@
               <a:buAutoNum type="arabicPeriod"/>
             </a:pPr>
             <a:r>
-              <a:rPr lang="en-GB" dirty="0" smtClean="0"/>
+              <a:rPr lang="en-GB" dirty="0"/>
               <a:t>Picture</a:t>
             </a:r>
             <a:r>
-              <a:rPr lang="en-GB" baseline="0" dirty="0" smtClean="0"/>
+              <a:rPr lang="en-GB" baseline="0" dirty="0"/>
               <a:t> 3: superimposed wells over force field magnitude</a:t>
             </a:r>
-            <a:endParaRPr lang="en-GB" dirty="0" smtClean="0"/>
+            <a:endParaRPr lang="en-GB" dirty="0"/>
           </a:p>
         </p:txBody>
       </p:sp>
@@ -3011,18 +3007,18 @@
               <a:buAutoNum type="arabicPeriod"/>
             </a:pPr>
             <a:r>
-              <a:rPr lang="en-GB" baseline="0" dirty="0" smtClean="0"/>
+              <a:rPr lang="en-GB" baseline="0" dirty="0"/>
               <a:t>Show scale invariance, </a:t>
             </a:r>
             <a:r>
-              <a:rPr lang="en-GB" baseline="0" dirty="0" err="1" smtClean="0"/>
+              <a:rPr lang="en-GB" baseline="0" dirty="0" err="1"/>
               <a:t>initialisaition</a:t>
             </a:r>
             <a:r>
-              <a:rPr lang="en-GB" baseline="0" dirty="0" smtClean="0"/>
+              <a:rPr lang="en-GB" baseline="0" dirty="0"/>
               <a:t> invariance follows: It can be shown that the force and energy fields scale by the same factor by which the image was scaled. This results from the fact that larger distance imply weaker forces</a:t>
             </a:r>
-            <a:endParaRPr lang="en-GB" dirty="0" smtClean="0"/>
+            <a:endParaRPr lang="en-GB" dirty="0"/>
           </a:p>
           <a:p>
             <a:pPr marL="228600" indent="-228600">
@@ -3030,10 +3026,10 @@
               <a:buAutoNum type="arabicPeriod"/>
             </a:pPr>
             <a:r>
-              <a:rPr lang="en-GB" smtClean="0"/>
+              <a:rPr lang="en-GB"/>
               <a:t>O</a:t>
             </a:r>
-            <a:endParaRPr lang="en-GB" dirty="0" smtClean="0"/>
+            <a:endParaRPr lang="en-GB" dirty="0"/>
           </a:p>
           <a:p>
             <a:pPr marL="228600" indent="-228600">
@@ -3041,7 +3037,7 @@
               <a:buAutoNum type="arabicPeriod"/>
             </a:pPr>
             <a:r>
-              <a:rPr lang="en-GB" dirty="0" smtClean="0"/>
+              <a:rPr lang="en-GB" dirty="0"/>
               <a:t>O</a:t>
             </a:r>
           </a:p>
@@ -3051,11 +3047,11 @@
               <a:buAutoNum type="arabicPeriod"/>
             </a:pPr>
             <a:r>
-              <a:rPr lang="en-GB" dirty="0" smtClean="0"/>
+              <a:rPr lang="en-GB" dirty="0"/>
               <a:t>Representation</a:t>
             </a:r>
             <a:r>
-              <a:rPr lang="en-GB" baseline="0" dirty="0" smtClean="0"/>
+              <a:rPr lang="en-GB" baseline="0" dirty="0"/>
               <a:t> matrices are square and invertible, which was confirmed by test on different sized images</a:t>
             </a:r>
           </a:p>
@@ -3065,7 +3061,7 @@
               <a:buAutoNum type="arabicPeriod"/>
             </a:pPr>
             <a:r>
-              <a:rPr lang="en-GB" baseline="0" dirty="0" smtClean="0"/>
+              <a:rPr lang="en-GB" baseline="0" dirty="0"/>
               <a:t>Confirmed by measured averaged normalised distance of the well positions together with the accumulated direction to the position of each well-point from a chosen reference point</a:t>
             </a:r>
           </a:p>
@@ -3075,7 +3071,7 @@
               <a:buAutoNum type="arabicPeriod"/>
             </a:pPr>
             <a:r>
-              <a:rPr lang="en-GB" baseline="0" dirty="0" smtClean="0"/>
+              <a:rPr lang="en-GB" baseline="0" dirty="0"/>
               <a:t>Use enough initialisation points to ensure all wells are extracted</a:t>
             </a:r>
           </a:p>
@@ -3085,7 +3081,7 @@
               <a:buAutoNum type="arabicPeriod"/>
             </a:pPr>
             <a:r>
-              <a:rPr lang="en-GB" baseline="0" dirty="0" smtClean="0"/>
+              <a:rPr lang="en-GB" baseline="0" dirty="0"/>
               <a:t>For Robustness against noise: Use channels instead of wells positions</a:t>
             </a:r>
             <a:endParaRPr lang="en-GB" dirty="0"/>
@@ -3349,7 +3345,7 @@
               <a:buChar char="•"/>
             </a:pPr>
             <a:r>
-              <a:rPr lang="en-GB" dirty="0" smtClean="0"/>
+              <a:rPr lang="en-GB" dirty="0"/>
               <a:t>Objective:</a:t>
             </a:r>
           </a:p>
@@ -3359,7 +3355,7 @@
               <a:buChar char="•"/>
             </a:pPr>
             <a:r>
-              <a:rPr lang="en-GB" dirty="0" smtClean="0"/>
+              <a:rPr lang="en-GB" dirty="0"/>
               <a:t>reduce dimensionality of pattern space</a:t>
             </a:r>
           </a:p>
@@ -3369,7 +3365,7 @@
               <a:buChar char="•"/>
             </a:pPr>
             <a:r>
-              <a:rPr lang="en-GB" dirty="0" smtClean="0"/>
+              <a:rPr lang="en-GB" dirty="0"/>
               <a:t>yet maintain discriminator power for classification and invariant description</a:t>
             </a:r>
           </a:p>
@@ -3379,7 +3375,7 @@
               <a:buChar char="•"/>
             </a:pPr>
             <a:r>
-              <a:rPr lang="en-GB" dirty="0" smtClean="0"/>
+              <a:rPr lang="en-GB" dirty="0"/>
               <a:t>Used/invented by … for ear biometric</a:t>
             </a:r>
           </a:p>
@@ -3473,7 +3469,7 @@
               <a:buAutoNum type="arabicPeriod"/>
             </a:pPr>
             <a:r>
-              <a:rPr lang="en-GB" dirty="0" smtClean="0"/>
+              <a:rPr lang="en-GB" dirty="0"/>
               <a:t>Approaches:</a:t>
             </a:r>
           </a:p>
@@ -3483,14 +3479,14 @@
               <a:buAutoNum type="arabicPeriod"/>
             </a:pPr>
             <a:r>
-              <a:rPr lang="en-GB" dirty="0" smtClean="0"/>
+              <a:rPr lang="en-GB" dirty="0"/>
               <a:t>Brute Force:</a:t>
             </a:r>
             <a:br>
-              <a:rPr lang="en-GB" dirty="0" smtClean="0"/>
+              <a:rPr lang="en-GB" dirty="0"/>
             </a:br>
             <a:r>
-              <a:rPr lang="en-GB" dirty="0" smtClean="0"/>
+              <a:rPr lang="en-GB" dirty="0"/>
               <a:t>Each pixel is transformed using the Energy &amp; Force equations</a:t>
             </a:r>
           </a:p>
@@ -3500,14 +3496,14 @@
               <a:buAutoNum type="arabicPeriod"/>
             </a:pPr>
             <a:r>
-              <a:rPr lang="en-GB" dirty="0" smtClean="0"/>
+              <a:rPr lang="en-GB" dirty="0"/>
               <a:t>Frequency Domain Analysis: </a:t>
             </a:r>
             <a:br>
-              <a:rPr lang="en-GB" dirty="0" smtClean="0"/>
+              <a:rPr lang="en-GB" dirty="0"/>
             </a:br>
             <a:r>
-              <a:rPr lang="en-GB" dirty="0" smtClean="0"/>
+              <a:rPr lang="en-GB" dirty="0"/>
               <a:t>Fourier Transform etc. and then equations applied</a:t>
             </a:r>
           </a:p>
@@ -3598,18 +3594,18 @@
           <a:p>
             <a:pPr lvl="0"/>
             <a:r>
-              <a:rPr lang="en-GB" dirty="0" smtClean="0"/>
+              <a:rPr lang="en-GB" dirty="0"/>
               <a:t>Assumption: (for mathematical convenience):</a:t>
             </a:r>
             <a:br>
-              <a:rPr lang="en-GB" dirty="0" smtClean="0"/>
+              <a:rPr lang="en-GB" dirty="0"/>
             </a:br>
             <a:r>
-              <a:rPr lang="en-GB" dirty="0" smtClean="0"/>
+              <a:rPr lang="en-GB" dirty="0"/>
               <a:t>Each pixel exerts an isotropic force on all the other pixels (they represent attractive particles, that act as the source of a spherically symmetric force field) that is proportional to pixel intensity and inversely proportional to the square of the distance, i.e. the</a:t>
             </a:r>
             <a:r>
-              <a:rPr lang="en-GB" b="1" dirty="0" smtClean="0"/>
+              <a:rPr lang="en-GB" b="1" dirty="0"/>
               <a:t> inverse square law</a:t>
             </a:r>
           </a:p>
@@ -3705,13 +3701,13 @@
                   <a:buAutoNum type="arabicPeriod"/>
                 </a:pPr>
                 <a:r>
-                  <a:rPr lang="en-GB" b="0" i="0" dirty="0" smtClean="0">
+                  <a:rPr lang="en-GB" b="0" i="0" dirty="0">
                     <a:latin typeface="+mn-lt"/>
                   </a:rPr>
                   <a:t>The definition</a:t>
                 </a:r>
                 <a:r>
-                  <a:rPr lang="en-GB" b="0" i="0" baseline="0" dirty="0" smtClean="0">
+                  <a:rPr lang="en-GB" b="0" i="0" baseline="0" dirty="0">
                     <a:latin typeface="+mn-lt"/>
                   </a:rPr>
                   <a:t> for force field vectors in the gravity domain: </a:t>
@@ -3988,7 +3984,7 @@
                   </m:oMath>
                 </a14:m>
                 <a:r>
-                  <a:rPr lang="en-GB" b="0" i="0" dirty="0" smtClean="0">
+                  <a:rPr lang="en-GB" b="0" i="0" dirty="0">
                     <a:latin typeface="+mn-lt"/>
                   </a:rPr>
                   <a:t>, where </a:t>
@@ -4035,7 +4031,7 @@
                   </m:oMath>
                 </a14:m>
                 <a:r>
-                  <a:rPr lang="en-GB" b="0" i="0" dirty="0" smtClean="0">
+                  <a:rPr lang="en-GB" b="0" i="0" dirty="0">
                     <a:latin typeface="+mn-lt"/>
                   </a:rPr>
                   <a:t> is the unit vector</a:t>
@@ -4112,11 +4108,11 @@
                   </m:oMath>
                 </a14:m>
                 <a:r>
-                  <a:rPr lang="en-GB" dirty="0" smtClean="0"/>
+                  <a:rPr lang="en-GB" dirty="0"/>
                   <a:t> is</a:t>
                 </a:r>
                 <a:r>
-                  <a:rPr lang="en-GB" baseline="0" dirty="0" smtClean="0"/>
+                  <a:rPr lang="en-GB" baseline="0" dirty="0"/>
                   <a:t> the force field vector of a pixel position vector </a:t>
                 </a:r>
                 <a14:m>
@@ -4149,7 +4145,7 @@
                   </m:oMath>
                 </a14:m>
                 <a:r>
-                  <a:rPr lang="en-GB" baseline="0" dirty="0" smtClean="0"/>
+                  <a:rPr lang="en-GB" baseline="0" dirty="0"/>
                   <a:t> that another vector </a:t>
                 </a:r>
                 <a14:m>
@@ -4182,11 +4178,11 @@
                   </m:oMath>
                 </a14:m>
                 <a:r>
-                  <a:rPr lang="en-GB" dirty="0" smtClean="0"/>
+                  <a:rPr lang="en-GB" dirty="0"/>
                   <a:t> exerts on</a:t>
                 </a:r>
                 <a:r>
-                  <a:rPr lang="en-GB" baseline="0" dirty="0" smtClean="0"/>
+                  <a:rPr lang="en-GB" baseline="0" dirty="0"/>
                   <a:t> it. </a:t>
                 </a:r>
               </a:p>
@@ -4196,19 +4192,19 @@
                   <a:buAutoNum type="arabicPeriod"/>
                 </a:pPr>
                 <a:r>
-                  <a:rPr lang="en-GB" baseline="0" dirty="0" smtClean="0"/>
+                  <a:rPr lang="en-GB" baseline="0" dirty="0"/>
                   <a:t>The sum over all these force vectors</a:t>
                 </a:r>
                 <a:r>
-                  <a:rPr lang="en-GB" dirty="0" smtClean="0"/>
+                  <a:rPr lang="en-GB" dirty="0"/>
                   <a:t>, where</a:t>
                 </a:r>
                 <a:r>
-                  <a:rPr lang="en-GB" baseline="0" dirty="0" smtClean="0"/>
+                  <a:rPr lang="en-GB" baseline="0" dirty="0"/>
                   <a:t> the pixel intensities </a:t>
                 </a:r>
                 <a:r>
-                  <a:rPr lang="en-GB" dirty="0" smtClean="0"/>
+                  <a:rPr lang="en-GB" dirty="0"/>
                   <a:t> </a:t>
                 </a:r>
                 <a14:m>
@@ -4258,11 +4254,11 @@
                   </m:oMath>
                 </a14:m>
                 <a:r>
-                  <a:rPr lang="en-GB" dirty="0" smtClean="0"/>
+                  <a:rPr lang="en-GB" dirty="0"/>
                   <a:t> are unified, gives</a:t>
                 </a:r>
                 <a:r>
-                  <a:rPr lang="en-GB" baseline="0" dirty="0" smtClean="0"/>
+                  <a:rPr lang="en-GB" baseline="0" dirty="0"/>
                   <a:t> the force field vector </a:t>
                 </a:r>
                 <a14:m>
@@ -4312,7 +4308,7 @@
                   </m:oMath>
                 </a14:m>
                 <a:r>
-                  <a:rPr lang="en-GB" dirty="0" smtClean="0"/>
+                  <a:rPr lang="en-GB" dirty="0"/>
                   <a:t> for that position </a:t>
                 </a:r>
                 <a14:m>
@@ -4344,7 +4340,7 @@
                     </m:sSub>
                   </m:oMath>
                 </a14:m>
-                <a:endParaRPr lang="en-GB" dirty="0" smtClean="0"/>
+                <a:endParaRPr lang="en-GB" dirty="0"/>
               </a:p>
               <a:p>
                 <a:pPr marL="228600" indent="-228600">
@@ -4352,11 +4348,11 @@
                   <a:buAutoNum type="arabicPeriod"/>
                 </a:pPr>
                 <a:r>
-                  <a:rPr lang="en-GB" dirty="0" smtClean="0"/>
+                  <a:rPr lang="en-GB" dirty="0"/>
                   <a:t>Same for the potential Energy field</a:t>
                 </a:r>
                 <a:r>
-                  <a:rPr lang="en-GB" baseline="0" dirty="0" smtClean="0"/>
+                  <a:rPr lang="en-GB" baseline="0" dirty="0"/>
                   <a:t> that is associated with the force field generated by each pixel, </a:t>
                 </a:r>
               </a:p>
@@ -4366,7 +4362,7 @@
                   <a:buAutoNum type="arabicPeriod"/>
                 </a:pPr>
                 <a:r>
-                  <a:rPr lang="en-GB" baseline="0" dirty="0" smtClean="0"/>
+                  <a:rPr lang="en-GB" baseline="0" dirty="0"/>
                   <a:t>with </a:t>
                 </a:r>
                 <a14:m>
@@ -4435,35 +4431,35 @@
                   </m:oMath>
                 </a14:m>
                 <a:r>
-                  <a:rPr lang="en-GB" dirty="0" smtClean="0"/>
+                  <a:rPr lang="en-GB" dirty="0"/>
                   <a:t> being the potential energy that its</a:t>
                 </a:r>
                 <a:r>
-                  <a:rPr lang="en-GB" baseline="0" dirty="0" smtClean="0"/>
+                  <a:rPr lang="en-GB" baseline="0" dirty="0"/>
                   <a:t> imparted to a pixel of unit intensity at the pixel location </a:t>
                 </a:r>
                 <a:r>
-                  <a:rPr lang="en-GB" baseline="0" dirty="0" err="1" smtClean="0"/>
+                  <a:rPr lang="en-GB" baseline="0" dirty="0" err="1"/>
                   <a:t>r_j</a:t>
                 </a:r>
                 <a:r>
-                  <a:rPr lang="en-GB" baseline="0" dirty="0" smtClean="0"/>
+                  <a:rPr lang="en-GB" baseline="0" dirty="0"/>
                   <a:t> by the energy field of any other pixel with position vector </a:t>
                 </a:r>
                 <a:r>
-                  <a:rPr lang="en-GB" baseline="0" dirty="0" err="1" smtClean="0"/>
+                  <a:rPr lang="en-GB" baseline="0" dirty="0" err="1"/>
                   <a:t>r_i</a:t>
                 </a:r>
                 <a:r>
-                  <a:rPr lang="en-GB" baseline="0" dirty="0" smtClean="0"/>
+                  <a:rPr lang="en-GB" baseline="0" dirty="0"/>
                   <a:t> and pixel intensity P(</a:t>
                 </a:r>
                 <a:r>
-                  <a:rPr lang="en-GB" baseline="0" dirty="0" err="1" smtClean="0"/>
+                  <a:rPr lang="en-GB" baseline="0" dirty="0" err="1"/>
                   <a:t>r_i</a:t>
                 </a:r>
                 <a:r>
-                  <a:rPr lang="en-GB" baseline="0" dirty="0" smtClean="0"/>
+                  <a:rPr lang="en-GB" baseline="0" dirty="0"/>
                   <a:t>)</a:t>
                 </a:r>
                 <a:endParaRPr lang="en-GB" dirty="0"/>
@@ -4781,13 +4777,13 @@
                   <a:buAutoNum type="arabicPeriod"/>
                 </a:pPr>
                 <a:r>
-                  <a:rPr lang="en-GB" b="0" i="0" dirty="0" smtClean="0">
+                  <a:rPr lang="en-GB" b="0" i="0" dirty="0">
                     <a:latin typeface="+mn-lt"/>
                   </a:rPr>
                   <a:t>The definition</a:t>
                 </a:r>
                 <a:r>
-                  <a:rPr lang="en-GB" b="0" i="0" baseline="0" dirty="0" smtClean="0">
+                  <a:rPr lang="en-GB" b="0" i="0" baseline="0" dirty="0">
                     <a:latin typeface="+mn-lt"/>
                   </a:rPr>
                   <a:t> for force field vectors in the gravity domain: </a:t>
@@ -5064,7 +5060,7 @@
                   </m:oMath>
                 </a14:m>
                 <a:r>
-                  <a:rPr lang="en-GB" b="0" i="0" dirty="0" smtClean="0">
+                  <a:rPr lang="en-GB" b="0" i="0" dirty="0">
                     <a:latin typeface="+mn-lt"/>
                   </a:rPr>
                   <a:t>, where </a:t>
@@ -5111,7 +5107,7 @@
                   </m:oMath>
                 </a14:m>
                 <a:r>
-                  <a:rPr lang="en-GB" b="0" i="0" dirty="0" smtClean="0">
+                  <a:rPr lang="en-GB" b="0" i="0" dirty="0">
                     <a:latin typeface="+mn-lt"/>
                   </a:rPr>
                   <a:t> is the unit vector</a:t>
@@ -5188,11 +5184,11 @@
                   </m:oMath>
                 </a14:m>
                 <a:r>
-                  <a:rPr lang="en-GB" dirty="0" smtClean="0"/>
+                  <a:rPr lang="en-GB" dirty="0"/>
                   <a:t> is</a:t>
                 </a:r>
                 <a:r>
-                  <a:rPr lang="en-GB" baseline="0" dirty="0" smtClean="0"/>
+                  <a:rPr lang="en-GB" baseline="0" dirty="0"/>
                   <a:t> the force field vector of a pixel position vector </a:t>
                 </a:r>
                 <a14:m>
@@ -5225,7 +5221,7 @@
                   </m:oMath>
                 </a14:m>
                 <a:r>
-                  <a:rPr lang="en-GB" baseline="0" dirty="0" smtClean="0"/>
+                  <a:rPr lang="en-GB" baseline="0" dirty="0"/>
                   <a:t> that another vector </a:t>
                 </a:r>
                 <a14:m>
@@ -5258,11 +5254,11 @@
                   </m:oMath>
                 </a14:m>
                 <a:r>
-                  <a:rPr lang="en-GB" dirty="0" smtClean="0"/>
+                  <a:rPr lang="en-GB" dirty="0"/>
                   <a:t> exerts on</a:t>
                 </a:r>
                 <a:r>
-                  <a:rPr lang="en-GB" baseline="0" dirty="0" smtClean="0"/>
+                  <a:rPr lang="en-GB" baseline="0" dirty="0"/>
                   <a:t> it. </a:t>
                 </a:r>
               </a:p>
@@ -5272,19 +5268,19 @@
                   <a:buAutoNum type="arabicPeriod"/>
                 </a:pPr>
                 <a:r>
-                  <a:rPr lang="en-GB" baseline="0" dirty="0" smtClean="0"/>
+                  <a:rPr lang="en-GB" baseline="0" dirty="0"/>
                   <a:t>The sum over all these force vectors</a:t>
                 </a:r>
                 <a:r>
-                  <a:rPr lang="en-GB" dirty="0" smtClean="0"/>
+                  <a:rPr lang="en-GB" dirty="0"/>
                   <a:t>, where</a:t>
                 </a:r>
                 <a:r>
-                  <a:rPr lang="en-GB" baseline="0" dirty="0" smtClean="0"/>
+                  <a:rPr lang="en-GB" baseline="0" dirty="0"/>
                   <a:t> the pixel intensities </a:t>
                 </a:r>
                 <a:r>
-                  <a:rPr lang="en-GB" dirty="0" smtClean="0"/>
+                  <a:rPr lang="en-GB" dirty="0"/>
                   <a:t> </a:t>
                 </a:r>
                 <a14:m>
@@ -5334,11 +5330,11 @@
                   </m:oMath>
                 </a14:m>
                 <a:r>
-                  <a:rPr lang="en-GB" dirty="0" smtClean="0"/>
+                  <a:rPr lang="en-GB" dirty="0"/>
                   <a:t> are unified, gives</a:t>
                 </a:r>
                 <a:r>
-                  <a:rPr lang="en-GB" baseline="0" dirty="0" smtClean="0"/>
+                  <a:rPr lang="en-GB" baseline="0" dirty="0"/>
                   <a:t> the force field vector </a:t>
                 </a:r>
                 <a14:m>
@@ -5388,7 +5384,7 @@
                   </m:oMath>
                 </a14:m>
                 <a:r>
-                  <a:rPr lang="en-GB" dirty="0" smtClean="0"/>
+                  <a:rPr lang="en-GB" dirty="0"/>
                   <a:t> for that position </a:t>
                 </a:r>
                 <a14:m>
@@ -5420,7 +5416,7 @@
                     </m:sSub>
                   </m:oMath>
                 </a14:m>
-                <a:endParaRPr lang="en-GB" dirty="0" smtClean="0"/>
+                <a:endParaRPr lang="en-GB" dirty="0"/>
               </a:p>
               <a:p>
                 <a:pPr marL="228600" indent="-228600">
@@ -5428,11 +5424,11 @@
                   <a:buAutoNum type="arabicPeriod"/>
                 </a:pPr>
                 <a:r>
-                  <a:rPr lang="en-GB" dirty="0" smtClean="0"/>
+                  <a:rPr lang="en-GB" dirty="0"/>
                   <a:t>Same for the potential Energy field</a:t>
                 </a:r>
                 <a:r>
-                  <a:rPr lang="en-GB" baseline="0" dirty="0" smtClean="0"/>
+                  <a:rPr lang="en-GB" baseline="0" dirty="0"/>
                   <a:t> that is associated with the force field generated by each pixel, </a:t>
                 </a:r>
               </a:p>
@@ -5442,7 +5438,7 @@
                   <a:buAutoNum type="arabicPeriod"/>
                 </a:pPr>
                 <a:r>
-                  <a:rPr lang="en-GB" baseline="0" dirty="0" smtClean="0"/>
+                  <a:rPr lang="en-GB" baseline="0" dirty="0"/>
                   <a:t>with </a:t>
                 </a:r>
                 <a14:m>
@@ -5511,35 +5507,35 @@
                   </m:oMath>
                 </a14:m>
                 <a:r>
-                  <a:rPr lang="en-GB" dirty="0" smtClean="0"/>
+                  <a:rPr lang="en-GB" dirty="0"/>
                   <a:t> being the potential energy that its</a:t>
                 </a:r>
                 <a:r>
-                  <a:rPr lang="en-GB" baseline="0" dirty="0" smtClean="0"/>
+                  <a:rPr lang="en-GB" baseline="0" dirty="0"/>
                   <a:t> imparted to a pixel of unit intensity at the pixel location </a:t>
                 </a:r>
                 <a:r>
-                  <a:rPr lang="en-GB" baseline="0" dirty="0" err="1" smtClean="0"/>
+                  <a:rPr lang="en-GB" baseline="0" dirty="0" err="1"/>
                   <a:t>r_j</a:t>
                 </a:r>
                 <a:r>
-                  <a:rPr lang="en-GB" baseline="0" dirty="0" smtClean="0"/>
+                  <a:rPr lang="en-GB" baseline="0" dirty="0"/>
                   <a:t> by the energy field of any other pixel with position vector </a:t>
                 </a:r>
                 <a:r>
-                  <a:rPr lang="en-GB" baseline="0" dirty="0" err="1" smtClean="0"/>
+                  <a:rPr lang="en-GB" baseline="0" dirty="0" err="1"/>
                   <a:t>r_i</a:t>
                 </a:r>
                 <a:r>
-                  <a:rPr lang="en-GB" baseline="0" dirty="0" smtClean="0"/>
+                  <a:rPr lang="en-GB" baseline="0" dirty="0"/>
                   <a:t> and pixel intensity P(</a:t>
                 </a:r>
                 <a:r>
-                  <a:rPr lang="en-GB" baseline="0" dirty="0" err="1" smtClean="0"/>
+                  <a:rPr lang="en-GB" baseline="0" dirty="0" err="1"/>
                   <a:t>r_i</a:t>
                 </a:r>
                 <a:r>
-                  <a:rPr lang="en-GB" baseline="0" dirty="0" smtClean="0"/>
+                  <a:rPr lang="en-GB" baseline="0" dirty="0"/>
                   <a:t>)</a:t>
                 </a:r>
                 <a:endParaRPr lang="en-GB" dirty="0"/>
@@ -5857,13 +5853,13 @@
                   <a:buAutoNum type="arabicPeriod"/>
                 </a:pPr>
                 <a:r>
-                  <a:rPr lang="en-GB" b="0" i="0" dirty="0" smtClean="0">
+                  <a:rPr lang="en-GB" b="0" i="0" dirty="0">
                     <a:latin typeface="+mn-lt"/>
                   </a:rPr>
                   <a:t>The definition</a:t>
                 </a:r>
                 <a:r>
-                  <a:rPr lang="en-GB" b="0" i="0" baseline="0" dirty="0" smtClean="0">
+                  <a:rPr lang="en-GB" b="0" i="0" baseline="0" dirty="0">
                     <a:latin typeface="+mn-lt"/>
                   </a:rPr>
                   <a:t> for force field vectors in the gravity domain: </a:t>
@@ -6140,7 +6136,7 @@
                   </m:oMath>
                 </a14:m>
                 <a:r>
-                  <a:rPr lang="en-GB" b="0" i="0" dirty="0" smtClean="0">
+                  <a:rPr lang="en-GB" b="0" i="0" dirty="0">
                     <a:latin typeface="+mn-lt"/>
                   </a:rPr>
                   <a:t>, where </a:t>
@@ -6187,7 +6183,7 @@
                   </m:oMath>
                 </a14:m>
                 <a:r>
-                  <a:rPr lang="en-GB" b="0" i="0" dirty="0" smtClean="0">
+                  <a:rPr lang="en-GB" b="0" i="0" dirty="0">
                     <a:latin typeface="+mn-lt"/>
                   </a:rPr>
                   <a:t> is the unit vector</a:t>
@@ -6264,11 +6260,11 @@
                   </m:oMath>
                 </a14:m>
                 <a:r>
-                  <a:rPr lang="en-GB" dirty="0" smtClean="0"/>
+                  <a:rPr lang="en-GB" dirty="0"/>
                   <a:t> is</a:t>
                 </a:r>
                 <a:r>
-                  <a:rPr lang="en-GB" baseline="0" dirty="0" smtClean="0"/>
+                  <a:rPr lang="en-GB" baseline="0" dirty="0"/>
                   <a:t> the force field vector of a pixel position vector </a:t>
                 </a:r>
                 <a14:m>
@@ -6301,7 +6297,7 @@
                   </m:oMath>
                 </a14:m>
                 <a:r>
-                  <a:rPr lang="en-GB" baseline="0" dirty="0" smtClean="0"/>
+                  <a:rPr lang="en-GB" baseline="0" dirty="0"/>
                   <a:t> that another vector </a:t>
                 </a:r>
                 <a14:m>
@@ -6334,11 +6330,11 @@
                   </m:oMath>
                 </a14:m>
                 <a:r>
-                  <a:rPr lang="en-GB" dirty="0" smtClean="0"/>
+                  <a:rPr lang="en-GB" dirty="0"/>
                   <a:t> exerts on</a:t>
                 </a:r>
                 <a:r>
-                  <a:rPr lang="en-GB" baseline="0" dirty="0" smtClean="0"/>
+                  <a:rPr lang="en-GB" baseline="0" dirty="0"/>
                   <a:t> it. </a:t>
                 </a:r>
               </a:p>
@@ -6348,19 +6344,19 @@
                   <a:buAutoNum type="arabicPeriod"/>
                 </a:pPr>
                 <a:r>
-                  <a:rPr lang="en-GB" baseline="0" dirty="0" smtClean="0"/>
+                  <a:rPr lang="en-GB" baseline="0" dirty="0"/>
                   <a:t>The sum over all these force vectors</a:t>
                 </a:r>
                 <a:r>
-                  <a:rPr lang="en-GB" dirty="0" smtClean="0"/>
+                  <a:rPr lang="en-GB" dirty="0"/>
                   <a:t>, where</a:t>
                 </a:r>
                 <a:r>
-                  <a:rPr lang="en-GB" baseline="0" dirty="0" smtClean="0"/>
+                  <a:rPr lang="en-GB" baseline="0" dirty="0"/>
                   <a:t> the pixel intensities </a:t>
                 </a:r>
                 <a:r>
-                  <a:rPr lang="en-GB" dirty="0" smtClean="0"/>
+                  <a:rPr lang="en-GB" dirty="0"/>
                   <a:t> </a:t>
                 </a:r>
                 <a14:m>
@@ -6410,11 +6406,11 @@
                   </m:oMath>
                 </a14:m>
                 <a:r>
-                  <a:rPr lang="en-GB" dirty="0" smtClean="0"/>
+                  <a:rPr lang="en-GB" dirty="0"/>
                   <a:t> are unified, gives</a:t>
                 </a:r>
                 <a:r>
-                  <a:rPr lang="en-GB" baseline="0" dirty="0" smtClean="0"/>
+                  <a:rPr lang="en-GB" baseline="0" dirty="0"/>
                   <a:t> the force field vector </a:t>
                 </a:r>
                 <a14:m>
@@ -6464,7 +6460,7 @@
                   </m:oMath>
                 </a14:m>
                 <a:r>
-                  <a:rPr lang="en-GB" dirty="0" smtClean="0"/>
+                  <a:rPr lang="en-GB" dirty="0"/>
                   <a:t> for that position </a:t>
                 </a:r>
                 <a14:m>
@@ -6496,7 +6492,7 @@
                     </m:sSub>
                   </m:oMath>
                 </a14:m>
-                <a:endParaRPr lang="en-GB" dirty="0" smtClean="0"/>
+                <a:endParaRPr lang="en-GB" dirty="0"/>
               </a:p>
               <a:p>
                 <a:pPr marL="228600" indent="-228600">
@@ -6504,11 +6500,11 @@
                   <a:buAutoNum type="arabicPeriod"/>
                 </a:pPr>
                 <a:r>
-                  <a:rPr lang="en-GB" dirty="0" smtClean="0"/>
+                  <a:rPr lang="en-GB" dirty="0"/>
                   <a:t>Same for the potential Energy field</a:t>
                 </a:r>
                 <a:r>
-                  <a:rPr lang="en-GB" baseline="0" dirty="0" smtClean="0"/>
+                  <a:rPr lang="en-GB" baseline="0" dirty="0"/>
                   <a:t> that is associated with the force field generated by each pixel, </a:t>
                 </a:r>
               </a:p>
@@ -6518,7 +6514,7 @@
                   <a:buAutoNum type="arabicPeriod"/>
                 </a:pPr>
                 <a:r>
-                  <a:rPr lang="en-GB" baseline="0" dirty="0" smtClean="0"/>
+                  <a:rPr lang="en-GB" baseline="0" dirty="0"/>
                   <a:t>with </a:t>
                 </a:r>
                 <a14:m>
@@ -6587,35 +6583,35 @@
                   </m:oMath>
                 </a14:m>
                 <a:r>
-                  <a:rPr lang="en-GB" dirty="0" smtClean="0"/>
+                  <a:rPr lang="en-GB" dirty="0"/>
                   <a:t> being the potential energy that its</a:t>
                 </a:r>
                 <a:r>
-                  <a:rPr lang="en-GB" baseline="0" dirty="0" smtClean="0"/>
+                  <a:rPr lang="en-GB" baseline="0" dirty="0"/>
                   <a:t> imparted to a pixel of unit intensity at the pixel location </a:t>
                 </a:r>
                 <a:r>
-                  <a:rPr lang="en-GB" baseline="0" dirty="0" err="1" smtClean="0"/>
+                  <a:rPr lang="en-GB" baseline="0" dirty="0" err="1"/>
                   <a:t>r_j</a:t>
                 </a:r>
                 <a:r>
-                  <a:rPr lang="en-GB" baseline="0" dirty="0" smtClean="0"/>
+                  <a:rPr lang="en-GB" baseline="0" dirty="0"/>
                   <a:t> by the energy field of any other pixel with position vector </a:t>
                 </a:r>
                 <a:r>
-                  <a:rPr lang="en-GB" baseline="0" dirty="0" err="1" smtClean="0"/>
+                  <a:rPr lang="en-GB" baseline="0" dirty="0" err="1"/>
                   <a:t>r_i</a:t>
                 </a:r>
                 <a:r>
-                  <a:rPr lang="en-GB" baseline="0" dirty="0" smtClean="0"/>
+                  <a:rPr lang="en-GB" baseline="0" dirty="0"/>
                   <a:t> and pixel intensity P(</a:t>
                 </a:r>
                 <a:r>
-                  <a:rPr lang="en-GB" baseline="0" dirty="0" err="1" smtClean="0"/>
+                  <a:rPr lang="en-GB" baseline="0" dirty="0" err="1"/>
                   <a:t>r_i</a:t>
                 </a:r>
                 <a:r>
-                  <a:rPr lang="en-GB" baseline="0" dirty="0" smtClean="0"/>
+                  <a:rPr lang="en-GB" baseline="0" dirty="0"/>
                   <a:t>)</a:t>
                 </a:r>
                 <a:endParaRPr lang="en-GB" dirty="0"/>
@@ -6933,13 +6929,13 @@
                   <a:buAutoNum type="arabicPeriod"/>
                 </a:pPr>
                 <a:r>
-                  <a:rPr lang="en-GB" b="0" i="0" dirty="0" smtClean="0">
+                  <a:rPr lang="en-GB" b="0" i="0" dirty="0">
                     <a:latin typeface="+mn-lt"/>
                   </a:rPr>
                   <a:t>The definition</a:t>
                 </a:r>
                 <a:r>
-                  <a:rPr lang="en-GB" b="0" i="0" baseline="0" dirty="0" smtClean="0">
+                  <a:rPr lang="en-GB" b="0" i="0" baseline="0" dirty="0">
                     <a:latin typeface="+mn-lt"/>
                   </a:rPr>
                   <a:t> for force field vectors in the gravity domain: </a:t>
@@ -7216,7 +7212,7 @@
                   </m:oMath>
                 </a14:m>
                 <a:r>
-                  <a:rPr lang="en-GB" b="0" i="0" dirty="0" smtClean="0">
+                  <a:rPr lang="en-GB" b="0" i="0" dirty="0">
                     <a:latin typeface="+mn-lt"/>
                   </a:rPr>
                   <a:t>, where </a:t>
@@ -7263,7 +7259,7 @@
                   </m:oMath>
                 </a14:m>
                 <a:r>
-                  <a:rPr lang="en-GB" b="0" i="0" dirty="0" smtClean="0">
+                  <a:rPr lang="en-GB" b="0" i="0" dirty="0">
                     <a:latin typeface="+mn-lt"/>
                   </a:rPr>
                   <a:t> is the unit vector</a:t>
@@ -7340,11 +7336,11 @@
                   </m:oMath>
                 </a14:m>
                 <a:r>
-                  <a:rPr lang="en-GB" dirty="0" smtClean="0"/>
+                  <a:rPr lang="en-GB" dirty="0"/>
                   <a:t> is</a:t>
                 </a:r>
                 <a:r>
-                  <a:rPr lang="en-GB" baseline="0" dirty="0" smtClean="0"/>
+                  <a:rPr lang="en-GB" baseline="0" dirty="0"/>
                   <a:t> the force field vector of a pixel position vector </a:t>
                 </a:r>
                 <a14:m>
@@ -7377,7 +7373,7 @@
                   </m:oMath>
                 </a14:m>
                 <a:r>
-                  <a:rPr lang="en-GB" baseline="0" dirty="0" smtClean="0"/>
+                  <a:rPr lang="en-GB" baseline="0" dirty="0"/>
                   <a:t> that another vector </a:t>
                 </a:r>
                 <a14:m>
@@ -7410,11 +7406,11 @@
                   </m:oMath>
                 </a14:m>
                 <a:r>
-                  <a:rPr lang="en-GB" dirty="0" smtClean="0"/>
+                  <a:rPr lang="en-GB" dirty="0"/>
                   <a:t> exerts on</a:t>
                 </a:r>
                 <a:r>
-                  <a:rPr lang="en-GB" baseline="0" dirty="0" smtClean="0"/>
+                  <a:rPr lang="en-GB" baseline="0" dirty="0"/>
                   <a:t> it. </a:t>
                 </a:r>
               </a:p>
@@ -7424,19 +7420,19 @@
                   <a:buAutoNum type="arabicPeriod"/>
                 </a:pPr>
                 <a:r>
-                  <a:rPr lang="en-GB" baseline="0" dirty="0" smtClean="0"/>
+                  <a:rPr lang="en-GB" baseline="0" dirty="0"/>
                   <a:t>The sum over all these force vectors</a:t>
                 </a:r>
                 <a:r>
-                  <a:rPr lang="en-GB" dirty="0" smtClean="0"/>
+                  <a:rPr lang="en-GB" dirty="0"/>
                   <a:t>, where</a:t>
                 </a:r>
                 <a:r>
-                  <a:rPr lang="en-GB" baseline="0" dirty="0" smtClean="0"/>
+                  <a:rPr lang="en-GB" baseline="0" dirty="0"/>
                   <a:t> the pixel intensities </a:t>
                 </a:r>
                 <a:r>
-                  <a:rPr lang="en-GB" dirty="0" smtClean="0"/>
+                  <a:rPr lang="en-GB" dirty="0"/>
                   <a:t> </a:t>
                 </a:r>
                 <a14:m>
@@ -7486,11 +7482,11 @@
                   </m:oMath>
                 </a14:m>
                 <a:r>
-                  <a:rPr lang="en-GB" dirty="0" smtClean="0"/>
+                  <a:rPr lang="en-GB" dirty="0"/>
                   <a:t> are unified, gives</a:t>
                 </a:r>
                 <a:r>
-                  <a:rPr lang="en-GB" baseline="0" dirty="0" smtClean="0"/>
+                  <a:rPr lang="en-GB" baseline="0" dirty="0"/>
                   <a:t> the force field vector </a:t>
                 </a:r>
                 <a14:m>
@@ -7540,7 +7536,7 @@
                   </m:oMath>
                 </a14:m>
                 <a:r>
-                  <a:rPr lang="en-GB" dirty="0" smtClean="0"/>
+                  <a:rPr lang="en-GB" dirty="0"/>
                   <a:t> for that position </a:t>
                 </a:r>
                 <a14:m>
@@ -7572,7 +7568,7 @@
                     </m:sSub>
                   </m:oMath>
                 </a14:m>
-                <a:endParaRPr lang="en-GB" dirty="0" smtClean="0"/>
+                <a:endParaRPr lang="en-GB" dirty="0"/>
               </a:p>
               <a:p>
                 <a:pPr marL="228600" indent="-228600">
@@ -7580,11 +7576,11 @@
                   <a:buAutoNum type="arabicPeriod"/>
                 </a:pPr>
                 <a:r>
-                  <a:rPr lang="en-GB" dirty="0" smtClean="0"/>
+                  <a:rPr lang="en-GB" dirty="0"/>
                   <a:t>Same for the potential Energy field</a:t>
                 </a:r>
                 <a:r>
-                  <a:rPr lang="en-GB" baseline="0" dirty="0" smtClean="0"/>
+                  <a:rPr lang="en-GB" baseline="0" dirty="0"/>
                   <a:t> that is associated with the force field generated by each pixel, </a:t>
                 </a:r>
               </a:p>
@@ -7594,7 +7590,7 @@
                   <a:buAutoNum type="arabicPeriod"/>
                 </a:pPr>
                 <a:r>
-                  <a:rPr lang="en-GB" baseline="0" dirty="0" smtClean="0"/>
+                  <a:rPr lang="en-GB" baseline="0" dirty="0"/>
                   <a:t>with </a:t>
                 </a:r>
                 <a14:m>
@@ -7663,35 +7659,35 @@
                   </m:oMath>
                 </a14:m>
                 <a:r>
-                  <a:rPr lang="en-GB" dirty="0" smtClean="0"/>
+                  <a:rPr lang="en-GB" dirty="0"/>
                   <a:t> being the potential energy that its</a:t>
                 </a:r>
                 <a:r>
-                  <a:rPr lang="en-GB" baseline="0" dirty="0" smtClean="0"/>
+                  <a:rPr lang="en-GB" baseline="0" dirty="0"/>
                   <a:t> imparted to a pixel of unit intensity at the pixel location </a:t>
                 </a:r>
                 <a:r>
-                  <a:rPr lang="en-GB" baseline="0" dirty="0" err="1" smtClean="0"/>
+                  <a:rPr lang="en-GB" baseline="0" dirty="0" err="1"/>
                   <a:t>r_j</a:t>
                 </a:r>
                 <a:r>
-                  <a:rPr lang="en-GB" baseline="0" dirty="0" smtClean="0"/>
+                  <a:rPr lang="en-GB" baseline="0" dirty="0"/>
                   <a:t> by the energy field of any other pixel with position vector </a:t>
                 </a:r>
                 <a:r>
-                  <a:rPr lang="en-GB" baseline="0" dirty="0" err="1" smtClean="0"/>
+                  <a:rPr lang="en-GB" baseline="0" dirty="0" err="1"/>
                   <a:t>r_i</a:t>
                 </a:r>
                 <a:r>
-                  <a:rPr lang="en-GB" baseline="0" dirty="0" smtClean="0"/>
+                  <a:rPr lang="en-GB" baseline="0" dirty="0"/>
                   <a:t> and pixel intensity P(</a:t>
                 </a:r>
                 <a:r>
-                  <a:rPr lang="en-GB" baseline="0" dirty="0" err="1" smtClean="0"/>
+                  <a:rPr lang="en-GB" baseline="0" dirty="0" err="1"/>
                   <a:t>r_i</a:t>
                 </a:r>
                 <a:r>
-                  <a:rPr lang="en-GB" baseline="0" dirty="0" smtClean="0"/>
+                  <a:rPr lang="en-GB" baseline="0" dirty="0"/>
                   <a:t>)</a:t>
                 </a:r>
                 <a:endParaRPr lang="en-GB" dirty="0"/>
@@ -8009,13 +8005,13 @@
                   <a:buAutoNum type="arabicPeriod"/>
                 </a:pPr>
                 <a:r>
-                  <a:rPr lang="en-GB" b="0" i="0" dirty="0" smtClean="0">
+                  <a:rPr lang="en-GB" b="0" i="0" dirty="0">
                     <a:latin typeface="+mn-lt"/>
                   </a:rPr>
                   <a:t>The definition</a:t>
                 </a:r>
                 <a:r>
-                  <a:rPr lang="en-GB" b="0" i="0" baseline="0" dirty="0" smtClean="0">
+                  <a:rPr lang="en-GB" b="0" i="0" baseline="0" dirty="0">
                     <a:latin typeface="+mn-lt"/>
                   </a:rPr>
                   <a:t> for force field vectors in the gravity domain: </a:t>
@@ -8292,7 +8288,7 @@
                   </m:oMath>
                 </a14:m>
                 <a:r>
-                  <a:rPr lang="en-GB" b="0" i="0" dirty="0" smtClean="0">
+                  <a:rPr lang="en-GB" b="0" i="0" dirty="0">
                     <a:latin typeface="+mn-lt"/>
                   </a:rPr>
                   <a:t>, where </a:t>
@@ -8339,7 +8335,7 @@
                   </m:oMath>
                 </a14:m>
                 <a:r>
-                  <a:rPr lang="en-GB" b="0" i="0" dirty="0" smtClean="0">
+                  <a:rPr lang="en-GB" b="0" i="0" dirty="0">
                     <a:latin typeface="+mn-lt"/>
                   </a:rPr>
                   <a:t> is the unit vector</a:t>
@@ -8416,11 +8412,11 @@
                   </m:oMath>
                 </a14:m>
                 <a:r>
-                  <a:rPr lang="en-GB" dirty="0" smtClean="0"/>
+                  <a:rPr lang="en-GB" dirty="0"/>
                   <a:t> is</a:t>
                 </a:r>
                 <a:r>
-                  <a:rPr lang="en-GB" baseline="0" dirty="0" smtClean="0"/>
+                  <a:rPr lang="en-GB" baseline="0" dirty="0"/>
                   <a:t> the force field vector of a pixel position vector </a:t>
                 </a:r>
                 <a14:m>
@@ -8453,7 +8449,7 @@
                   </m:oMath>
                 </a14:m>
                 <a:r>
-                  <a:rPr lang="en-GB" baseline="0" dirty="0" smtClean="0"/>
+                  <a:rPr lang="en-GB" baseline="0" dirty="0"/>
                   <a:t> that another vector </a:t>
                 </a:r>
                 <a14:m>
@@ -8486,11 +8482,11 @@
                   </m:oMath>
                 </a14:m>
                 <a:r>
-                  <a:rPr lang="en-GB" dirty="0" smtClean="0"/>
+                  <a:rPr lang="en-GB" dirty="0"/>
                   <a:t> exerts on</a:t>
                 </a:r>
                 <a:r>
-                  <a:rPr lang="en-GB" baseline="0" dirty="0" smtClean="0"/>
+                  <a:rPr lang="en-GB" baseline="0" dirty="0"/>
                   <a:t> it. </a:t>
                 </a:r>
               </a:p>
@@ -8500,19 +8496,19 @@
                   <a:buAutoNum type="arabicPeriod"/>
                 </a:pPr>
                 <a:r>
-                  <a:rPr lang="en-GB" baseline="0" dirty="0" smtClean="0"/>
+                  <a:rPr lang="en-GB" baseline="0" dirty="0"/>
                   <a:t>The sum over all these force vectors</a:t>
                 </a:r>
                 <a:r>
-                  <a:rPr lang="en-GB" dirty="0" smtClean="0"/>
+                  <a:rPr lang="en-GB" dirty="0"/>
                   <a:t>, where</a:t>
                 </a:r>
                 <a:r>
-                  <a:rPr lang="en-GB" baseline="0" dirty="0" smtClean="0"/>
+                  <a:rPr lang="en-GB" baseline="0" dirty="0"/>
                   <a:t> the pixel intensities </a:t>
                 </a:r>
                 <a:r>
-                  <a:rPr lang="en-GB" dirty="0" smtClean="0"/>
+                  <a:rPr lang="en-GB" dirty="0"/>
                   <a:t> </a:t>
                 </a:r>
                 <a14:m>
@@ -8562,11 +8558,11 @@
                   </m:oMath>
                 </a14:m>
                 <a:r>
-                  <a:rPr lang="en-GB" dirty="0" smtClean="0"/>
+                  <a:rPr lang="en-GB" dirty="0"/>
                   <a:t> are unified, gives</a:t>
                 </a:r>
                 <a:r>
-                  <a:rPr lang="en-GB" baseline="0" dirty="0" smtClean="0"/>
+                  <a:rPr lang="en-GB" baseline="0" dirty="0"/>
                   <a:t> the force field vector </a:t>
                 </a:r>
                 <a14:m>
@@ -8616,7 +8612,7 @@
                   </m:oMath>
                 </a14:m>
                 <a:r>
-                  <a:rPr lang="en-GB" dirty="0" smtClean="0"/>
+                  <a:rPr lang="en-GB" dirty="0"/>
                   <a:t> for that position </a:t>
                 </a:r>
                 <a14:m>
@@ -8648,7 +8644,7 @@
                     </m:sSub>
                   </m:oMath>
                 </a14:m>
-                <a:endParaRPr lang="en-GB" dirty="0" smtClean="0"/>
+                <a:endParaRPr lang="en-GB" dirty="0"/>
               </a:p>
               <a:p>
                 <a:pPr marL="228600" indent="-228600">
@@ -8656,11 +8652,11 @@
                   <a:buAutoNum type="arabicPeriod"/>
                 </a:pPr>
                 <a:r>
-                  <a:rPr lang="en-GB" dirty="0" smtClean="0"/>
+                  <a:rPr lang="en-GB" dirty="0"/>
                   <a:t>Same for the potential Energy field</a:t>
                 </a:r>
                 <a:r>
-                  <a:rPr lang="en-GB" baseline="0" dirty="0" smtClean="0"/>
+                  <a:rPr lang="en-GB" baseline="0" dirty="0"/>
                   <a:t> that is associated with the force field generated by each pixel, </a:t>
                 </a:r>
               </a:p>
@@ -8670,7 +8666,7 @@
                   <a:buAutoNum type="arabicPeriod"/>
                 </a:pPr>
                 <a:r>
-                  <a:rPr lang="en-GB" baseline="0" dirty="0" smtClean="0"/>
+                  <a:rPr lang="en-GB" baseline="0" dirty="0"/>
                   <a:t>with </a:t>
                 </a:r>
                 <a14:m>
@@ -8739,35 +8735,35 @@
                   </m:oMath>
                 </a14:m>
                 <a:r>
-                  <a:rPr lang="en-GB" dirty="0" smtClean="0"/>
+                  <a:rPr lang="en-GB" dirty="0"/>
                   <a:t> being the potential energy that its</a:t>
                 </a:r>
                 <a:r>
-                  <a:rPr lang="en-GB" baseline="0" dirty="0" smtClean="0"/>
+                  <a:rPr lang="en-GB" baseline="0" dirty="0"/>
                   <a:t> imparted to a pixel of unit intensity at the pixel location </a:t>
                 </a:r>
                 <a:r>
-                  <a:rPr lang="en-GB" baseline="0" dirty="0" err="1" smtClean="0"/>
+                  <a:rPr lang="en-GB" baseline="0" dirty="0" err="1"/>
                   <a:t>r_j</a:t>
                 </a:r>
                 <a:r>
-                  <a:rPr lang="en-GB" baseline="0" dirty="0" smtClean="0"/>
+                  <a:rPr lang="en-GB" baseline="0" dirty="0"/>
                   <a:t> by the energy field of any other pixel with position vector </a:t>
                 </a:r>
                 <a:r>
-                  <a:rPr lang="en-GB" baseline="0" dirty="0" err="1" smtClean="0"/>
+                  <a:rPr lang="en-GB" baseline="0" dirty="0" err="1"/>
                   <a:t>r_i</a:t>
                 </a:r>
                 <a:r>
-                  <a:rPr lang="en-GB" baseline="0" dirty="0" smtClean="0"/>
+                  <a:rPr lang="en-GB" baseline="0" dirty="0"/>
                   <a:t> and pixel intensity P(</a:t>
                 </a:r>
                 <a:r>
-                  <a:rPr lang="en-GB" baseline="0" dirty="0" err="1" smtClean="0"/>
+                  <a:rPr lang="en-GB" baseline="0" dirty="0" err="1"/>
                   <a:t>r_i</a:t>
                 </a:r>
                 <a:r>
-                  <a:rPr lang="en-GB" baseline="0" dirty="0" smtClean="0"/>
+                  <a:rPr lang="en-GB" baseline="0" dirty="0"/>
                   <a:t>)</a:t>
                 </a:r>
                 <a:endParaRPr lang="en-GB" dirty="0"/>
@@ -9076,7 +9072,7 @@
           </a:lstStyle>
           <a:p>
             <a:r>
-              <a:rPr lang="de-DE" smtClean="0"/>
+              <a:rPr lang="de-DE"/>
               <a:t>Titelmasterformat durch Klicken bearbeiten</a:t>
             </a:r>
             <a:endParaRPr lang="en-US" dirty="0"/>
@@ -9141,7 +9137,7 @@
           </a:lstStyle>
           <a:p>
             <a:r>
-              <a:rPr lang="de-DE" dirty="0" smtClean="0"/>
+              <a:rPr lang="de-DE" dirty="0"/>
               <a:t>Formatvorlage des Untertitelmasters durch Klicken bearbeiten</a:t>
             </a:r>
             <a:endParaRPr lang="en-US" dirty="0"/>
@@ -9164,7 +9160,7 @@
           <a:lstStyle/>
           <a:p>
             <a:r>
-              <a:rPr lang="en-US" smtClean="0"/>
+              <a:rPr lang="en-US"/>
               <a:t>Ganiyu Ibraheem  Philipp Seybold</a:t>
             </a:r>
             <a:endParaRPr lang="en-GB" dirty="0"/>
@@ -9187,10 +9183,9 @@
           <a:lstStyle/>
           <a:p>
             <a:r>
-              <a:rPr lang="en-GB" dirty="0" smtClean="0"/>
+              <a:rPr lang="en-GB" dirty="0"/>
               <a:t>COMP6206 Advanced Computer Vision</a:t>
             </a:r>
-            <a:endParaRPr lang="en-GB" dirty="0"/>
           </a:p>
         </p:txBody>
       </p:sp>
@@ -9211,7 +9206,7 @@
           <a:p>
             <a:fld id="{FB9D3F8E-99BC-4812-95D4-548B8E992B94}" type="slidenum">
               <a:rPr lang="en-GB" smtClean="0"/>
-              <a:t>‹Nr.›</a:t>
+              <a:t>‹#›</a:t>
             </a:fld>
             <a:endParaRPr lang="en-GB"/>
           </a:p>
@@ -9227,13 +9222,6 @@
   <p:clrMapOvr>
     <a:masterClrMapping/>
   </p:clrMapOvr>
-  <p:timing>
-    <p:tnLst>
-      <p:par>
-        <p:cTn id="1" dur="indefinite" restart="never" nodeType="tmRoot"/>
-      </p:par>
-    </p:tnLst>
-  </p:timing>
 </p:sldLayout>
 </file>
 
@@ -9270,7 +9258,7 @@
           <a:lstStyle/>
           <a:p>
             <a:r>
-              <a:rPr lang="de-DE" smtClean="0"/>
+              <a:rPr lang="de-DE"/>
               <a:t>Titelmasterformat durch Klicken bearbeiten</a:t>
             </a:r>
             <a:endParaRPr lang="en-US" dirty="0"/>
@@ -9294,35 +9282,35 @@
           <a:p>
             <a:pPr lvl="0"/>
             <a:r>
-              <a:rPr lang="de-DE" smtClean="0"/>
+              <a:rPr lang="de-DE"/>
               <a:t>Formatvorlagen des Textmasters bearbeiten</a:t>
             </a:r>
           </a:p>
           <a:p>
             <a:pPr lvl="1"/>
             <a:r>
-              <a:rPr lang="de-DE" smtClean="0"/>
+              <a:rPr lang="de-DE"/>
               <a:t>Zweite Ebene</a:t>
             </a:r>
           </a:p>
           <a:p>
             <a:pPr lvl="2"/>
             <a:r>
-              <a:rPr lang="de-DE" smtClean="0"/>
+              <a:rPr lang="de-DE"/>
               <a:t>Dritte Ebene</a:t>
             </a:r>
           </a:p>
           <a:p>
             <a:pPr lvl="3"/>
             <a:r>
-              <a:rPr lang="de-DE" smtClean="0"/>
+              <a:rPr lang="de-DE"/>
               <a:t>Vierte Ebene</a:t>
             </a:r>
           </a:p>
           <a:p>
             <a:pPr lvl="4"/>
             <a:r>
-              <a:rPr lang="de-DE" smtClean="0"/>
+              <a:rPr lang="de-DE"/>
               <a:t>Fünfte Ebene</a:t>
             </a:r>
             <a:endParaRPr lang="en-US" dirty="0"/>
@@ -9345,7 +9333,7 @@
           <a:lstStyle/>
           <a:p>
             <a:r>
-              <a:rPr lang="en-US" smtClean="0"/>
+              <a:rPr lang="en-US"/>
               <a:t>Ganiyu Ibraheem  Philipp Seybold</a:t>
             </a:r>
             <a:endParaRPr lang="en-GB"/>
@@ -9368,10 +9356,9 @@
           <a:lstStyle/>
           <a:p>
             <a:r>
-              <a:rPr lang="en-GB" smtClean="0"/>
+              <a:rPr lang="en-GB"/>
               <a:t>COMP6206 Advanced Computer Vision</a:t>
             </a:r>
-            <a:endParaRPr lang="en-GB"/>
           </a:p>
         </p:txBody>
       </p:sp>
@@ -9392,7 +9379,7 @@
           <a:p>
             <a:fld id="{FB9D3F8E-99BC-4812-95D4-548B8E992B94}" type="slidenum">
               <a:rPr lang="en-GB" smtClean="0"/>
-              <a:t>‹Nr.›</a:t>
+              <a:t>‹#›</a:t>
             </a:fld>
             <a:endParaRPr lang="en-GB"/>
           </a:p>
@@ -9408,13 +9395,6 @@
   <p:clrMapOvr>
     <a:masterClrMapping/>
   </p:clrMapOvr>
-  <p:timing>
-    <p:tnLst>
-      <p:par>
-        <p:cTn id="1" dur="indefinite" restart="never" nodeType="tmRoot"/>
-      </p:par>
-    </p:tnLst>
-  </p:timing>
 </p:sldLayout>
 </file>
 
@@ -9456,7 +9436,7 @@
           <a:lstStyle/>
           <a:p>
             <a:r>
-              <a:rPr lang="de-DE" smtClean="0"/>
+              <a:rPr lang="de-DE"/>
               <a:t>Titelmasterformat durch Klicken bearbeiten</a:t>
             </a:r>
             <a:endParaRPr lang="en-US" dirty="0"/>
@@ -9485,35 +9465,35 @@
           <a:p>
             <a:pPr lvl="0"/>
             <a:r>
-              <a:rPr lang="de-DE" smtClean="0"/>
+              <a:rPr lang="de-DE"/>
               <a:t>Formatvorlagen des Textmasters bearbeiten</a:t>
             </a:r>
           </a:p>
           <a:p>
             <a:pPr lvl="1"/>
             <a:r>
-              <a:rPr lang="de-DE" smtClean="0"/>
+              <a:rPr lang="de-DE"/>
               <a:t>Zweite Ebene</a:t>
             </a:r>
           </a:p>
           <a:p>
             <a:pPr lvl="2"/>
             <a:r>
-              <a:rPr lang="de-DE" smtClean="0"/>
+              <a:rPr lang="de-DE"/>
               <a:t>Dritte Ebene</a:t>
             </a:r>
           </a:p>
           <a:p>
             <a:pPr lvl="3"/>
             <a:r>
-              <a:rPr lang="de-DE" smtClean="0"/>
+              <a:rPr lang="de-DE"/>
               <a:t>Vierte Ebene</a:t>
             </a:r>
           </a:p>
           <a:p>
             <a:pPr lvl="4"/>
             <a:r>
-              <a:rPr lang="de-DE" smtClean="0"/>
+              <a:rPr lang="de-DE"/>
               <a:t>Fünfte Ebene</a:t>
             </a:r>
             <a:endParaRPr lang="en-US" dirty="0"/>
@@ -9536,7 +9516,7 @@
           <a:lstStyle/>
           <a:p>
             <a:r>
-              <a:rPr lang="en-US" smtClean="0"/>
+              <a:rPr lang="en-US"/>
               <a:t>Ganiyu Ibraheem  Philipp Seybold</a:t>
             </a:r>
             <a:endParaRPr lang="en-GB"/>
@@ -9559,10 +9539,9 @@
           <a:lstStyle/>
           <a:p>
             <a:r>
-              <a:rPr lang="en-GB" smtClean="0"/>
+              <a:rPr lang="en-GB"/>
               <a:t>COMP6206 Advanced Computer Vision</a:t>
             </a:r>
-            <a:endParaRPr lang="en-GB"/>
           </a:p>
         </p:txBody>
       </p:sp>
@@ -9583,7 +9562,7 @@
           <a:p>
             <a:fld id="{FB9D3F8E-99BC-4812-95D4-548B8E992B94}" type="slidenum">
               <a:rPr lang="en-GB" smtClean="0"/>
-              <a:t>‹Nr.›</a:t>
+              <a:t>‹#›</a:t>
             </a:fld>
             <a:endParaRPr lang="en-GB"/>
           </a:p>
@@ -9646,7 +9625,7 @@
           </a:lstStyle>
           <a:p>
             <a:r>
-              <a:rPr lang="de-DE" dirty="0" smtClean="0"/>
+              <a:rPr lang="de-DE" dirty="0"/>
               <a:t>Titelmasterformat</a:t>
             </a:r>
             <a:endParaRPr lang="en-US" dirty="0"/>
@@ -9675,35 +9654,35 @@
           <a:p>
             <a:pPr lvl="0"/>
             <a:r>
-              <a:rPr lang="de-DE" dirty="0" smtClean="0"/>
+              <a:rPr lang="de-DE" dirty="0"/>
               <a:t>Formatvorlagen des Textmasters bearbeiten</a:t>
             </a:r>
           </a:p>
           <a:p>
             <a:pPr lvl="1"/>
             <a:r>
-              <a:rPr lang="de-DE" dirty="0" smtClean="0"/>
+              <a:rPr lang="de-DE" dirty="0"/>
               <a:t>Zweite Ebene</a:t>
             </a:r>
           </a:p>
           <a:p>
             <a:pPr lvl="2"/>
             <a:r>
-              <a:rPr lang="de-DE" dirty="0" smtClean="0"/>
+              <a:rPr lang="de-DE" dirty="0"/>
               <a:t>Dritte Ebene</a:t>
             </a:r>
           </a:p>
           <a:p>
             <a:pPr lvl="3"/>
             <a:r>
-              <a:rPr lang="de-DE" dirty="0" smtClean="0"/>
+              <a:rPr lang="de-DE" dirty="0"/>
               <a:t>Vierte Ebene</a:t>
             </a:r>
           </a:p>
           <a:p>
             <a:pPr lvl="4"/>
             <a:r>
-              <a:rPr lang="de-DE" dirty="0" smtClean="0"/>
+              <a:rPr lang="de-DE" dirty="0"/>
               <a:t>Fünfte Ebene</a:t>
             </a:r>
             <a:endParaRPr lang="en-US" dirty="0"/>
@@ -9726,7 +9705,7 @@
           <a:lstStyle/>
           <a:p>
             <a:r>
-              <a:rPr lang="en-US" smtClean="0"/>
+              <a:rPr lang="en-US"/>
               <a:t>Ganiyu Ibraheem  Philipp Seybold</a:t>
             </a:r>
             <a:endParaRPr lang="en-GB" dirty="0"/>
@@ -9749,10 +9728,9 @@
           <a:lstStyle/>
           <a:p>
             <a:r>
-              <a:rPr lang="en-GB" smtClean="0"/>
+              <a:rPr lang="en-GB"/>
               <a:t>COMP6206 Advanced Computer Vision</a:t>
             </a:r>
-            <a:endParaRPr lang="en-GB"/>
           </a:p>
         </p:txBody>
       </p:sp>
@@ -9773,7 +9751,7 @@
           <a:p>
             <a:fld id="{FB9D3F8E-99BC-4812-95D4-548B8E992B94}" type="slidenum">
               <a:rPr lang="en-GB" smtClean="0"/>
-              <a:t>‹Nr.›</a:t>
+              <a:t>‹#›</a:t>
             </a:fld>
             <a:endParaRPr lang="en-GB"/>
           </a:p>
@@ -9819,13 +9797,6 @@
   <p:clrMapOvr>
     <a:masterClrMapping/>
   </p:clrMapOvr>
-  <p:timing>
-    <p:tnLst>
-      <p:par>
-        <p:cTn id="1" dur="indefinite" restart="never" nodeType="tmRoot"/>
-      </p:par>
-    </p:tnLst>
-  </p:timing>
 </p:sldLayout>
 </file>
 
@@ -9871,7 +9842,7 @@
           </a:lstStyle>
           <a:p>
             <a:r>
-              <a:rPr lang="de-DE" smtClean="0"/>
+              <a:rPr lang="de-DE"/>
               <a:t>Titelmasterformat durch Klicken bearbeiten</a:t>
             </a:r>
             <a:endParaRPr lang="en-US" dirty="0"/>
@@ -9989,7 +9960,7 @@
           <a:p>
             <a:pPr lvl="0"/>
             <a:r>
-              <a:rPr lang="de-DE" smtClean="0"/>
+              <a:rPr lang="de-DE"/>
               <a:t>Formatvorlagen des Textmasters bearbeiten</a:t>
             </a:r>
           </a:p>
@@ -10011,7 +9982,7 @@
           <a:lstStyle/>
           <a:p>
             <a:r>
-              <a:rPr lang="en-US" smtClean="0"/>
+              <a:rPr lang="en-US"/>
               <a:t>Ganiyu Ibraheem  Philipp Seybold</a:t>
             </a:r>
             <a:endParaRPr lang="en-GB"/>
@@ -10034,10 +10005,9 @@
           <a:lstStyle/>
           <a:p>
             <a:r>
-              <a:rPr lang="en-GB" smtClean="0"/>
+              <a:rPr lang="en-GB"/>
               <a:t>COMP6206 Advanced Computer Vision</a:t>
             </a:r>
-            <a:endParaRPr lang="en-GB"/>
           </a:p>
         </p:txBody>
       </p:sp>
@@ -10058,7 +10028,7 @@
           <a:p>
             <a:fld id="{FB9D3F8E-99BC-4812-95D4-548B8E992B94}" type="slidenum">
               <a:rPr lang="en-GB" smtClean="0"/>
-              <a:t>‹Nr.›</a:t>
+              <a:t>‹#›</a:t>
             </a:fld>
             <a:endParaRPr lang="en-GB"/>
           </a:p>
@@ -10074,13 +10044,6 @@
   <p:clrMapOvr>
     <a:masterClrMapping/>
   </p:clrMapOvr>
-  <p:timing>
-    <p:tnLst>
-      <p:par>
-        <p:cTn id="1" dur="indefinite" restart="never" nodeType="tmRoot"/>
-      </p:par>
-    </p:tnLst>
-  </p:timing>
 </p:sldLayout>
 </file>
 
@@ -10117,7 +10080,7 @@
           <a:lstStyle/>
           <a:p>
             <a:r>
-              <a:rPr lang="de-DE" smtClean="0"/>
+              <a:rPr lang="de-DE"/>
               <a:t>Titelmasterformat durch Klicken bearbeiten</a:t>
             </a:r>
             <a:endParaRPr lang="en-US" dirty="0"/>
@@ -10146,35 +10109,35 @@
           <a:p>
             <a:pPr lvl="0"/>
             <a:r>
-              <a:rPr lang="de-DE" smtClean="0"/>
+              <a:rPr lang="de-DE"/>
               <a:t>Formatvorlagen des Textmasters bearbeiten</a:t>
             </a:r>
           </a:p>
           <a:p>
             <a:pPr lvl="1"/>
             <a:r>
-              <a:rPr lang="de-DE" smtClean="0"/>
+              <a:rPr lang="de-DE"/>
               <a:t>Zweite Ebene</a:t>
             </a:r>
           </a:p>
           <a:p>
             <a:pPr lvl="2"/>
             <a:r>
-              <a:rPr lang="de-DE" smtClean="0"/>
+              <a:rPr lang="de-DE"/>
               <a:t>Dritte Ebene</a:t>
             </a:r>
           </a:p>
           <a:p>
             <a:pPr lvl="3"/>
             <a:r>
-              <a:rPr lang="de-DE" smtClean="0"/>
+              <a:rPr lang="de-DE"/>
               <a:t>Vierte Ebene</a:t>
             </a:r>
           </a:p>
           <a:p>
             <a:pPr lvl="4"/>
             <a:r>
-              <a:rPr lang="de-DE" smtClean="0"/>
+              <a:rPr lang="de-DE"/>
               <a:t>Fünfte Ebene</a:t>
             </a:r>
             <a:endParaRPr lang="en-US" dirty="0"/>
@@ -10203,35 +10166,35 @@
           <a:p>
             <a:pPr lvl="0"/>
             <a:r>
-              <a:rPr lang="de-DE" smtClean="0"/>
+              <a:rPr lang="de-DE"/>
               <a:t>Formatvorlagen des Textmasters bearbeiten</a:t>
             </a:r>
           </a:p>
           <a:p>
             <a:pPr lvl="1"/>
             <a:r>
-              <a:rPr lang="de-DE" smtClean="0"/>
+              <a:rPr lang="de-DE"/>
               <a:t>Zweite Ebene</a:t>
             </a:r>
           </a:p>
           <a:p>
             <a:pPr lvl="2"/>
             <a:r>
-              <a:rPr lang="de-DE" smtClean="0"/>
+              <a:rPr lang="de-DE"/>
               <a:t>Dritte Ebene</a:t>
             </a:r>
           </a:p>
           <a:p>
             <a:pPr lvl="3"/>
             <a:r>
-              <a:rPr lang="de-DE" smtClean="0"/>
+              <a:rPr lang="de-DE"/>
               <a:t>Vierte Ebene</a:t>
             </a:r>
           </a:p>
           <a:p>
             <a:pPr lvl="4"/>
             <a:r>
-              <a:rPr lang="de-DE" smtClean="0"/>
+              <a:rPr lang="de-DE"/>
               <a:t>Fünfte Ebene</a:t>
             </a:r>
             <a:endParaRPr lang="en-US" dirty="0"/>
@@ -10254,7 +10217,7 @@
           <a:lstStyle/>
           <a:p>
             <a:r>
-              <a:rPr lang="en-US" smtClean="0"/>
+              <a:rPr lang="en-US"/>
               <a:t>Ganiyu Ibraheem  Philipp Seybold</a:t>
             </a:r>
             <a:endParaRPr lang="en-GB"/>
@@ -10277,10 +10240,9 @@
           <a:lstStyle/>
           <a:p>
             <a:r>
-              <a:rPr lang="en-GB" smtClean="0"/>
+              <a:rPr lang="en-GB"/>
               <a:t>COMP6206 Advanced Computer Vision</a:t>
             </a:r>
-            <a:endParaRPr lang="en-GB"/>
           </a:p>
         </p:txBody>
       </p:sp>
@@ -10301,7 +10263,7 @@
           <a:p>
             <a:fld id="{FB9D3F8E-99BC-4812-95D4-548B8E992B94}" type="slidenum">
               <a:rPr lang="en-GB" smtClean="0"/>
-              <a:t>‹Nr.›</a:t>
+              <a:t>‹#›</a:t>
             </a:fld>
             <a:endParaRPr lang="en-GB"/>
           </a:p>
@@ -10317,13 +10279,6 @@
   <p:clrMapOvr>
     <a:masterClrMapping/>
   </p:clrMapOvr>
-  <p:timing>
-    <p:tnLst>
-      <p:par>
-        <p:cTn id="1" dur="indefinite" restart="never" nodeType="tmRoot"/>
-      </p:par>
-    </p:tnLst>
-  </p:timing>
 </p:sldLayout>
 </file>
 
@@ -10365,7 +10320,7 @@
           <a:lstStyle/>
           <a:p>
             <a:r>
-              <a:rPr lang="de-DE" smtClean="0"/>
+              <a:rPr lang="de-DE"/>
               <a:t>Titelmasterformat durch Klicken bearbeiten</a:t>
             </a:r>
             <a:endParaRPr lang="en-US" dirty="0"/>
@@ -10431,7 +10386,7 @@
           <a:p>
             <a:pPr lvl="0"/>
             <a:r>
-              <a:rPr lang="de-DE" smtClean="0"/>
+              <a:rPr lang="de-DE"/>
               <a:t>Formatvorlagen des Textmasters bearbeiten</a:t>
             </a:r>
           </a:p>
@@ -10459,35 +10414,35 @@
           <a:p>
             <a:pPr lvl="0"/>
             <a:r>
-              <a:rPr lang="de-DE" smtClean="0"/>
+              <a:rPr lang="de-DE"/>
               <a:t>Formatvorlagen des Textmasters bearbeiten</a:t>
             </a:r>
           </a:p>
           <a:p>
             <a:pPr lvl="1"/>
             <a:r>
-              <a:rPr lang="de-DE" smtClean="0"/>
+              <a:rPr lang="de-DE"/>
               <a:t>Zweite Ebene</a:t>
             </a:r>
           </a:p>
           <a:p>
             <a:pPr lvl="2"/>
             <a:r>
-              <a:rPr lang="de-DE" smtClean="0"/>
+              <a:rPr lang="de-DE"/>
               <a:t>Dritte Ebene</a:t>
             </a:r>
           </a:p>
           <a:p>
             <a:pPr lvl="3"/>
             <a:r>
-              <a:rPr lang="de-DE" smtClean="0"/>
+              <a:rPr lang="de-DE"/>
               <a:t>Vierte Ebene</a:t>
             </a:r>
           </a:p>
           <a:p>
             <a:pPr lvl="4"/>
             <a:r>
-              <a:rPr lang="de-DE" smtClean="0"/>
+              <a:rPr lang="de-DE"/>
               <a:t>Fünfte Ebene</a:t>
             </a:r>
             <a:endParaRPr lang="en-US" dirty="0"/>
@@ -10553,7 +10508,7 @@
           <a:p>
             <a:pPr lvl="0"/>
             <a:r>
-              <a:rPr lang="de-DE" smtClean="0"/>
+              <a:rPr lang="de-DE"/>
               <a:t>Formatvorlagen des Textmasters bearbeiten</a:t>
             </a:r>
           </a:p>
@@ -10581,35 +10536,35 @@
           <a:p>
             <a:pPr lvl="0"/>
             <a:r>
-              <a:rPr lang="de-DE" smtClean="0"/>
+              <a:rPr lang="de-DE"/>
               <a:t>Formatvorlagen des Textmasters bearbeiten</a:t>
             </a:r>
           </a:p>
           <a:p>
             <a:pPr lvl="1"/>
             <a:r>
-              <a:rPr lang="de-DE" smtClean="0"/>
+              <a:rPr lang="de-DE"/>
               <a:t>Zweite Ebene</a:t>
             </a:r>
           </a:p>
           <a:p>
             <a:pPr lvl="2"/>
             <a:r>
-              <a:rPr lang="de-DE" smtClean="0"/>
+              <a:rPr lang="de-DE"/>
               <a:t>Dritte Ebene</a:t>
             </a:r>
           </a:p>
           <a:p>
             <a:pPr lvl="3"/>
             <a:r>
-              <a:rPr lang="de-DE" smtClean="0"/>
+              <a:rPr lang="de-DE"/>
               <a:t>Vierte Ebene</a:t>
             </a:r>
           </a:p>
           <a:p>
             <a:pPr lvl="4"/>
             <a:r>
-              <a:rPr lang="de-DE" smtClean="0"/>
+              <a:rPr lang="de-DE"/>
               <a:t>Fünfte Ebene</a:t>
             </a:r>
             <a:endParaRPr lang="en-US" dirty="0"/>
@@ -10632,7 +10587,7 @@
           <a:lstStyle/>
           <a:p>
             <a:r>
-              <a:rPr lang="en-US" smtClean="0"/>
+              <a:rPr lang="en-US"/>
               <a:t>Ganiyu Ibraheem  Philipp Seybold</a:t>
             </a:r>
             <a:endParaRPr lang="en-GB"/>
@@ -10655,10 +10610,9 @@
           <a:lstStyle/>
           <a:p>
             <a:r>
-              <a:rPr lang="en-GB" smtClean="0"/>
+              <a:rPr lang="en-GB"/>
               <a:t>COMP6206 Advanced Computer Vision</a:t>
             </a:r>
-            <a:endParaRPr lang="en-GB"/>
           </a:p>
         </p:txBody>
       </p:sp>
@@ -10679,7 +10633,7 @@
           <a:p>
             <a:fld id="{FB9D3F8E-99BC-4812-95D4-548B8E992B94}" type="slidenum">
               <a:rPr lang="en-GB" smtClean="0"/>
-              <a:t>‹Nr.›</a:t>
+              <a:t>‹#›</a:t>
             </a:fld>
             <a:endParaRPr lang="en-GB"/>
           </a:p>
@@ -10731,7 +10685,7 @@
           <a:lstStyle/>
           <a:p>
             <a:r>
-              <a:rPr lang="de-DE" smtClean="0"/>
+              <a:rPr lang="de-DE"/>
               <a:t>Titelmasterformat durch Klicken bearbeiten</a:t>
             </a:r>
             <a:endParaRPr lang="en-US" dirty="0"/>
@@ -10754,7 +10708,7 @@
           <a:lstStyle/>
           <a:p>
             <a:r>
-              <a:rPr lang="en-US" smtClean="0"/>
+              <a:rPr lang="en-US"/>
               <a:t>Ganiyu Ibraheem  Philipp Seybold</a:t>
             </a:r>
             <a:endParaRPr lang="en-GB"/>
@@ -10777,10 +10731,9 @@
           <a:lstStyle/>
           <a:p>
             <a:r>
-              <a:rPr lang="en-GB" smtClean="0"/>
+              <a:rPr lang="en-GB"/>
               <a:t>COMP6206 Advanced Computer Vision</a:t>
             </a:r>
-            <a:endParaRPr lang="en-GB"/>
           </a:p>
         </p:txBody>
       </p:sp>
@@ -10801,7 +10754,7 @@
           <a:p>
             <a:fld id="{FB9D3F8E-99BC-4812-95D4-548B8E992B94}" type="slidenum">
               <a:rPr lang="en-GB" smtClean="0"/>
-              <a:t>‹Nr.›</a:t>
+              <a:t>‹#›</a:t>
             </a:fld>
             <a:endParaRPr lang="en-GB"/>
           </a:p>
@@ -10853,7 +10806,7 @@
           <a:lstStyle/>
           <a:p>
             <a:r>
-              <a:rPr lang="en-US" smtClean="0"/>
+              <a:rPr lang="en-US"/>
               <a:t>Ganiyu Ibraheem  Philipp Seybold</a:t>
             </a:r>
             <a:endParaRPr lang="en-GB"/>
@@ -10876,10 +10829,9 @@
           <a:lstStyle/>
           <a:p>
             <a:r>
-              <a:rPr lang="en-GB" smtClean="0"/>
+              <a:rPr lang="en-GB"/>
               <a:t>COMP6206 Advanced Computer Vision</a:t>
             </a:r>
-            <a:endParaRPr lang="en-GB"/>
           </a:p>
         </p:txBody>
       </p:sp>
@@ -10900,7 +10852,7 @@
           <a:p>
             <a:fld id="{FB9D3F8E-99BC-4812-95D4-548B8E992B94}" type="slidenum">
               <a:rPr lang="en-GB" smtClean="0"/>
-              <a:t>‹Nr.›</a:t>
+              <a:t>‹#›</a:t>
             </a:fld>
             <a:endParaRPr lang="en-GB"/>
           </a:p>
@@ -10961,7 +10913,7 @@
           </a:lstStyle>
           <a:p>
             <a:r>
-              <a:rPr lang="de-DE" smtClean="0"/>
+              <a:rPr lang="de-DE"/>
               <a:t>Titelmasterformat durch Klicken bearbeiten</a:t>
             </a:r>
             <a:endParaRPr lang="en-US" dirty="0"/>
@@ -11018,35 +10970,35 @@
           <a:p>
             <a:pPr lvl="0"/>
             <a:r>
-              <a:rPr lang="de-DE" smtClean="0"/>
+              <a:rPr lang="de-DE"/>
               <a:t>Formatvorlagen des Textmasters bearbeiten</a:t>
             </a:r>
           </a:p>
           <a:p>
             <a:pPr lvl="1"/>
             <a:r>
-              <a:rPr lang="de-DE" smtClean="0"/>
+              <a:rPr lang="de-DE"/>
               <a:t>Zweite Ebene</a:t>
             </a:r>
           </a:p>
           <a:p>
             <a:pPr lvl="2"/>
             <a:r>
-              <a:rPr lang="de-DE" smtClean="0"/>
+              <a:rPr lang="de-DE"/>
               <a:t>Dritte Ebene</a:t>
             </a:r>
           </a:p>
           <a:p>
             <a:pPr lvl="3"/>
             <a:r>
-              <a:rPr lang="de-DE" smtClean="0"/>
+              <a:rPr lang="de-DE"/>
               <a:t>Vierte Ebene</a:t>
             </a:r>
           </a:p>
           <a:p>
             <a:pPr lvl="4"/>
             <a:r>
-              <a:rPr lang="de-DE" smtClean="0"/>
+              <a:rPr lang="de-DE"/>
               <a:t>Fünfte Ebene</a:t>
             </a:r>
             <a:endParaRPr lang="en-US" dirty="0"/>
@@ -11112,7 +11064,7 @@
           <a:p>
             <a:pPr lvl="0"/>
             <a:r>
-              <a:rPr lang="de-DE" smtClean="0"/>
+              <a:rPr lang="de-DE"/>
               <a:t>Formatvorlagen des Textmasters bearbeiten</a:t>
             </a:r>
           </a:p>
@@ -11134,7 +11086,7 @@
           <a:lstStyle/>
           <a:p>
             <a:r>
-              <a:rPr lang="en-US" smtClean="0"/>
+              <a:rPr lang="en-US"/>
               <a:t>Ganiyu Ibraheem  Philipp Seybold</a:t>
             </a:r>
             <a:endParaRPr lang="en-GB"/>
@@ -11157,10 +11109,9 @@
           <a:lstStyle/>
           <a:p>
             <a:r>
-              <a:rPr lang="en-GB" smtClean="0"/>
+              <a:rPr lang="en-GB"/>
               <a:t>COMP6206 Advanced Computer Vision</a:t>
             </a:r>
-            <a:endParaRPr lang="en-GB"/>
           </a:p>
         </p:txBody>
       </p:sp>
@@ -11181,7 +11132,7 @@
           <a:p>
             <a:fld id="{FB9D3F8E-99BC-4812-95D4-548B8E992B94}" type="slidenum">
               <a:rPr lang="en-GB" smtClean="0"/>
-              <a:t>‹Nr.›</a:t>
+              <a:t>‹#›</a:t>
             </a:fld>
             <a:endParaRPr lang="en-GB"/>
           </a:p>
@@ -11242,7 +11193,7 @@
           </a:lstStyle>
           <a:p>
             <a:r>
-              <a:rPr lang="de-DE" smtClean="0"/>
+              <a:rPr lang="de-DE"/>
               <a:t>Titelmasterformat durch Klicken bearbeiten</a:t>
             </a:r>
             <a:endParaRPr lang="en-US" dirty="0"/>
@@ -11307,7 +11258,7 @@
           </a:lstStyle>
           <a:p>
             <a:r>
-              <a:rPr lang="de-DE" smtClean="0"/>
+              <a:rPr lang="de-DE"/>
               <a:t>Bild durch Klicken auf Symbol hinzufügen</a:t>
             </a:r>
             <a:endParaRPr lang="en-US" dirty="0"/>
@@ -11373,7 +11324,7 @@
           <a:p>
             <a:pPr lvl="0"/>
             <a:r>
-              <a:rPr lang="de-DE" smtClean="0"/>
+              <a:rPr lang="de-DE"/>
               <a:t>Formatvorlagen des Textmasters bearbeiten</a:t>
             </a:r>
           </a:p>
@@ -11395,7 +11346,7 @@
           <a:lstStyle/>
           <a:p>
             <a:r>
-              <a:rPr lang="en-US" smtClean="0"/>
+              <a:rPr lang="en-US"/>
               <a:t>Ganiyu Ibraheem  Philipp Seybold</a:t>
             </a:r>
             <a:endParaRPr lang="en-GB"/>
@@ -11418,10 +11369,9 @@
           <a:lstStyle/>
           <a:p>
             <a:r>
-              <a:rPr lang="en-GB" smtClean="0"/>
+              <a:rPr lang="en-GB"/>
               <a:t>COMP6206 Advanced Computer Vision</a:t>
             </a:r>
-            <a:endParaRPr lang="en-GB"/>
           </a:p>
         </p:txBody>
       </p:sp>
@@ -11442,7 +11392,7 @@
           <a:p>
             <a:fld id="{FB9D3F8E-99BC-4812-95D4-548B8E992B94}" type="slidenum">
               <a:rPr lang="en-GB" smtClean="0"/>
-              <a:t>‹Nr.›</a:t>
+              <a:t>‹#›</a:t>
             </a:fld>
             <a:endParaRPr lang="en-GB"/>
           </a:p>
@@ -11509,7 +11459,7 @@
           <a:lstStyle/>
           <a:p>
             <a:r>
-              <a:rPr lang="de-DE" smtClean="0"/>
+              <a:rPr lang="de-DE"/>
               <a:t>Titelmasterformat durch Klicken bearbeiten</a:t>
             </a:r>
             <a:endParaRPr lang="en-US" dirty="0"/>
@@ -11543,35 +11493,35 @@
           <a:p>
             <a:pPr lvl="0"/>
             <a:r>
-              <a:rPr lang="de-DE" dirty="0" smtClean="0"/>
+              <a:rPr lang="de-DE" dirty="0"/>
               <a:t>Formatvorlagen des Textmasters bearbeiten</a:t>
             </a:r>
           </a:p>
           <a:p>
             <a:pPr lvl="1"/>
             <a:r>
-              <a:rPr lang="de-DE" dirty="0" smtClean="0"/>
+              <a:rPr lang="de-DE" dirty="0"/>
               <a:t>Zweite Ebene</a:t>
             </a:r>
           </a:p>
           <a:p>
             <a:pPr lvl="2"/>
             <a:r>
-              <a:rPr lang="de-DE" dirty="0" smtClean="0"/>
+              <a:rPr lang="de-DE" dirty="0"/>
               <a:t>Dritte Ebene</a:t>
             </a:r>
           </a:p>
           <a:p>
             <a:pPr lvl="3"/>
             <a:r>
-              <a:rPr lang="de-DE" dirty="0" smtClean="0"/>
+              <a:rPr lang="de-DE" dirty="0"/>
               <a:t>Vierte Ebene</a:t>
             </a:r>
           </a:p>
           <a:p>
             <a:pPr lvl="4"/>
             <a:r>
-              <a:rPr lang="de-DE" dirty="0" smtClean="0"/>
+              <a:rPr lang="de-DE" dirty="0"/>
               <a:t>Fünfte Ebene</a:t>
             </a:r>
             <a:endParaRPr lang="en-US" dirty="0"/>
@@ -11612,7 +11562,7 @@
           </a:lstStyle>
           <a:p>
             <a:r>
-              <a:rPr lang="en-US" dirty="0" smtClean="0"/>
+              <a:rPr lang="en-US" dirty="0"/>
               <a:t>Ganiyu Ibraheem  Philipp Seybold</a:t>
             </a:r>
             <a:endParaRPr lang="en-GB" dirty="0"/>
@@ -11653,10 +11603,9 @@
           </a:lstStyle>
           <a:p>
             <a:r>
-              <a:rPr lang="en-GB" dirty="0" smtClean="0"/>
+              <a:rPr lang="en-GB" dirty="0"/>
               <a:t>COMP6206 Advanced Computer Vision</a:t>
             </a:r>
-            <a:endParaRPr lang="en-GB" dirty="0"/>
           </a:p>
         </p:txBody>
       </p:sp>
@@ -11695,7 +11644,7 @@
           <a:p>
             <a:fld id="{FB9D3F8E-99BC-4812-95D4-548B8E992B94}" type="slidenum">
               <a:rPr lang="en-GB" smtClean="0"/>
-              <a:t>‹Nr.›</a:t>
+              <a:t>‹#›</a:t>
             </a:fld>
             <a:endParaRPr lang="en-GB"/>
           </a:p>
@@ -11760,13 +11709,6 @@
     <p:sldLayoutId id="2147483670" r:id="rId10"/>
     <p:sldLayoutId id="2147483671" r:id="rId11"/>
   </p:sldLayoutIdLst>
-  <p:timing>
-    <p:tnLst>
-      <p:par>
-        <p:cTn id="1" dur="indefinite" restart="never" nodeType="tmRoot"/>
-      </p:par>
-    </p:tnLst>
-  </p:timing>
   <p:hf hdr="0"/>
   <p:txStyles>
     <p:titleStyle>
@@ -12099,10 +12041,9 @@
           <a:lstStyle/>
           <a:p>
             <a:r>
-              <a:rPr lang="en-GB" dirty="0" smtClean="0"/>
+              <a:rPr lang="en-GB" dirty="0"/>
               <a:t>Force Field Transformation</a:t>
             </a:r>
-            <a:endParaRPr lang="en-GB" dirty="0"/>
           </a:p>
         </p:txBody>
       </p:sp>
@@ -12122,16 +12063,15 @@
           <a:lstStyle/>
           <a:p>
             <a:r>
-              <a:rPr lang="en-GB" dirty="0" smtClean="0"/>
+              <a:rPr lang="en-GB" dirty="0"/>
               <a:t>Ganiyu Ibraheem &amp; Philipp Seybold</a:t>
             </a:r>
           </a:p>
           <a:p>
             <a:r>
-              <a:rPr lang="en-GB" dirty="0" smtClean="0"/>
+              <a:rPr lang="en-GB" dirty="0"/>
               <a:t>Advanced Computer Vision</a:t>
             </a:r>
-            <a:endParaRPr lang="en-GB" dirty="0"/>
           </a:p>
         </p:txBody>
       </p:sp>
@@ -12151,7 +12091,7 @@
           <a:lstStyle/>
           <a:p>
             <a:r>
-              <a:rPr lang="en-US" dirty="0" smtClean="0"/>
+              <a:rPr lang="en-US" dirty="0"/>
               <a:t>Ganiyu Ibraheem  Philipp Seybold</a:t>
             </a:r>
             <a:endParaRPr lang="en-GB" dirty="0"/>
@@ -12174,7 +12114,7 @@
           <a:lstStyle/>
           <a:p>
             <a:r>
-              <a:rPr lang="en-GB" smtClean="0"/>
+              <a:rPr lang="en-GB"/>
               <a:t>COMP6206 Advanced Computer Vision</a:t>
             </a:r>
             <a:endParaRPr lang="en-GB" dirty="0"/>
@@ -12215,13 +12155,6 @@
   <p:clrMapOvr>
     <a:masterClrMapping/>
   </p:clrMapOvr>
-  <p:timing>
-    <p:tnLst>
-      <p:par>
-        <p:cTn id="1" dur="indefinite" restart="never" nodeType="tmRoot"/>
-      </p:par>
-    </p:tnLst>
-  </p:timing>
 </p:sld>
 </file>
 
@@ -12282,7 +12215,7 @@
           <a:lstStyle/>
           <a:p>
             <a:r>
-              <a:rPr lang="en-US" smtClean="0"/>
+              <a:rPr lang="en-US"/>
               <a:t>Ganiyu Ibraheem  Philipp Seybold</a:t>
             </a:r>
             <a:endParaRPr lang="en-GB" dirty="0"/>
@@ -12305,10 +12238,9 @@
           <a:lstStyle/>
           <a:p>
             <a:r>
-              <a:rPr lang="en-GB" dirty="0" smtClean="0"/>
+              <a:rPr lang="en-GB" dirty="0"/>
               <a:t>COMP6206 Advanced Computer Vision</a:t>
             </a:r>
-            <a:endParaRPr lang="en-GB" dirty="0"/>
           </a:p>
         </p:txBody>
       </p:sp>
@@ -12842,7 +12774,7 @@
                   </m:oMath>
                 </a14:m>
                 <a:r>
-                  <a:rPr lang="en-GB" sz="2400" i="1" dirty="0" smtClean="0">
+                  <a:rPr lang="en-GB" sz="2400" i="1" dirty="0">
                     <a:latin typeface="Cambria Math" panose="02040503050406030204" pitchFamily="18" charset="0"/>
                   </a:rPr>
                   <a:t>	</a:t>
@@ -13003,7 +12935,7 @@
                     </m:nary>
                   </m:oMath>
                 </a14:m>
-                <a:endParaRPr lang="en-GB" sz="2400" i="1" dirty="0" smtClean="0">
+                <a:endParaRPr lang="en-GB" sz="2400" i="1" dirty="0">
                   <a:latin typeface="Cambria Math" panose="02040503050406030204" pitchFamily="18" charset="0"/>
                 </a:endParaRPr>
               </a:p>
@@ -13353,7 +13285,7 @@
                   </m:oMath>
                 </a14:m>
                 <a:r>
-                  <a:rPr lang="en-GB" sz="2400" dirty="0" smtClean="0"/>
+                  <a:rPr lang="en-GB" sz="2400" dirty="0"/>
                   <a:t> 			</a:t>
                 </a:r>
                 <a14:m>
@@ -13513,10 +13445,9 @@
                   </m:oMath>
                 </a14:m>
                 <a:r>
-                  <a:rPr lang="en-GB" sz="2000" dirty="0" smtClean="0"/>
+                  <a:rPr lang="en-GB" sz="2000" dirty="0"/>
                   <a:t>	</a:t>
                 </a:r>
-                <a:endParaRPr lang="en-GB" sz="2000" dirty="0"/>
               </a:p>
             </p:txBody>
           </p:sp>
@@ -13941,12 +13872,8 @@
           <a:p>
             <a:pPr lvl="0"/>
             <a:r>
-              <a:rPr lang="en-GB" sz="1400" dirty="0" smtClean="0"/>
-              <a:t>Image source</a:t>
-            </a:r>
-            <a:r>
               <a:rPr lang="en-GB" sz="1400" dirty="0"/>
-              <a:t>: [1]</a:t>
+              <a:t>Image source: [1]</a:t>
             </a:r>
           </a:p>
         </p:txBody>
@@ -14154,13 +14081,6 @@
   <p:clrMapOvr>
     <a:masterClrMapping/>
   </p:clrMapOvr>
-  <p:timing>
-    <p:tnLst>
-      <p:par>
-        <p:cTn id="1" dur="indefinite" restart="never" nodeType="tmRoot"/>
-      </p:par>
-    </p:tnLst>
-  </p:timing>
 </p:sld>
 </file>
 
@@ -14221,7 +14141,7 @@
           <a:lstStyle/>
           <a:p>
             <a:r>
-              <a:rPr lang="en-US" smtClean="0"/>
+              <a:rPr lang="en-US"/>
               <a:t>Ganiyu Ibraheem  Philipp Seybold</a:t>
             </a:r>
             <a:endParaRPr lang="en-GB" dirty="0"/>
@@ -14244,10 +14164,9 @@
           <a:lstStyle/>
           <a:p>
             <a:r>
-              <a:rPr lang="en-GB" dirty="0" smtClean="0"/>
+              <a:rPr lang="en-GB" dirty="0"/>
               <a:t>COMP6206 Advanced Computer Vision</a:t>
             </a:r>
-            <a:endParaRPr lang="en-GB" dirty="0"/>
           </a:p>
         </p:txBody>
       </p:sp>
@@ -14781,7 +14700,7 @@
                   </m:oMath>
                 </a14:m>
                 <a:r>
-                  <a:rPr lang="en-GB" sz="2400" i="1" dirty="0" smtClean="0">
+                  <a:rPr lang="en-GB" sz="2400" i="1" dirty="0">
                     <a:latin typeface="Cambria Math" panose="02040503050406030204" pitchFamily="18" charset="0"/>
                   </a:rPr>
                   <a:t>	</a:t>
@@ -14942,7 +14861,7 @@
                     </m:nary>
                   </m:oMath>
                 </a14:m>
-                <a:endParaRPr lang="en-GB" sz="2400" i="1" dirty="0" smtClean="0">
+                <a:endParaRPr lang="en-GB" sz="2400" i="1" dirty="0">
                   <a:latin typeface="Cambria Math" panose="02040503050406030204" pitchFamily="18" charset="0"/>
                 </a:endParaRPr>
               </a:p>
@@ -15292,7 +15211,7 @@
                   </m:oMath>
                 </a14:m>
                 <a:r>
-                  <a:rPr lang="en-GB" sz="2400" dirty="0" smtClean="0"/>
+                  <a:rPr lang="en-GB" sz="2400" dirty="0"/>
                   <a:t> 			</a:t>
                 </a:r>
                 <a14:m>
@@ -15452,10 +15371,9 @@
                   </m:oMath>
                 </a14:m>
                 <a:r>
-                  <a:rPr lang="en-GB" sz="2000" dirty="0" smtClean="0"/>
+                  <a:rPr lang="en-GB" sz="2000" dirty="0"/>
                   <a:t>	</a:t>
                 </a:r>
-                <a:endParaRPr lang="en-GB" sz="2000" dirty="0"/>
               </a:p>
             </p:txBody>
           </p:sp>
@@ -15880,12 +15798,8 @@
           <a:p>
             <a:pPr lvl="0"/>
             <a:r>
-              <a:rPr lang="en-GB" sz="1400" dirty="0" smtClean="0"/>
-              <a:t>Image source</a:t>
-            </a:r>
-            <a:r>
               <a:rPr lang="en-GB" sz="1400" dirty="0"/>
-              <a:t>: [1]</a:t>
+              <a:t>Image source: [1]</a:t>
             </a:r>
           </a:p>
         </p:txBody>
@@ -16093,13 +16007,6 @@
   <p:clrMapOvr>
     <a:masterClrMapping/>
   </p:clrMapOvr>
-  <p:timing>
-    <p:tnLst>
-      <p:par>
-        <p:cTn id="1" dur="indefinite" restart="never" nodeType="tmRoot"/>
-      </p:par>
-    </p:tnLst>
-  </p:timing>
 </p:sld>
 </file>
 
@@ -16160,7 +16067,7 @@
           <a:lstStyle/>
           <a:p>
             <a:r>
-              <a:rPr lang="en-US" smtClean="0"/>
+              <a:rPr lang="en-US"/>
               <a:t>Ganiyu Ibraheem  Philipp Seybold</a:t>
             </a:r>
             <a:endParaRPr lang="en-GB" dirty="0"/>
@@ -16183,10 +16090,9 @@
           <a:lstStyle/>
           <a:p>
             <a:r>
-              <a:rPr lang="en-GB" dirty="0" smtClean="0"/>
+              <a:rPr lang="en-GB" dirty="0"/>
               <a:t>COMP6206 Advanced Computer Vision</a:t>
             </a:r>
-            <a:endParaRPr lang="en-GB" dirty="0"/>
           </a:p>
         </p:txBody>
       </p:sp>
@@ -16720,7 +16626,7 @@
                   </m:oMath>
                 </a14:m>
                 <a:r>
-                  <a:rPr lang="en-GB" sz="2400" i="1" dirty="0" smtClean="0">
+                  <a:rPr lang="en-GB" sz="2400" i="1" dirty="0">
                     <a:latin typeface="Cambria Math" panose="02040503050406030204" pitchFamily="18" charset="0"/>
                   </a:rPr>
                   <a:t>	</a:t>
@@ -16881,7 +16787,7 @@
                     </m:nary>
                   </m:oMath>
                 </a14:m>
-                <a:endParaRPr lang="en-GB" sz="2400" i="1" dirty="0" smtClean="0">
+                <a:endParaRPr lang="en-GB" sz="2400" i="1" dirty="0">
                   <a:latin typeface="Cambria Math" panose="02040503050406030204" pitchFamily="18" charset="0"/>
                 </a:endParaRPr>
               </a:p>
@@ -17231,7 +17137,7 @@
                   </m:oMath>
                 </a14:m>
                 <a:r>
-                  <a:rPr lang="en-GB" sz="2400" dirty="0" smtClean="0"/>
+                  <a:rPr lang="en-GB" sz="2400" dirty="0"/>
                   <a:t> 			</a:t>
                 </a:r>
                 <a14:m>
@@ -17391,10 +17297,9 @@
                   </m:oMath>
                 </a14:m>
                 <a:r>
-                  <a:rPr lang="en-GB" sz="2000" dirty="0" smtClean="0"/>
+                  <a:rPr lang="en-GB" sz="2000" dirty="0"/>
                   <a:t>	</a:t>
                 </a:r>
-                <a:endParaRPr lang="en-GB" sz="2000" dirty="0"/>
               </a:p>
             </p:txBody>
           </p:sp>
@@ -17819,12 +17724,8 @@
           <a:p>
             <a:pPr lvl="0"/>
             <a:r>
-              <a:rPr lang="en-GB" sz="1400" dirty="0" smtClean="0"/>
-              <a:t>Image source</a:t>
-            </a:r>
-            <a:r>
               <a:rPr lang="en-GB" sz="1400" dirty="0"/>
-              <a:t>: [1]</a:t>
+              <a:t>Image source: [1]</a:t>
             </a:r>
           </a:p>
         </p:txBody>
@@ -17986,13 +17887,6 @@
   <p:clrMapOvr>
     <a:masterClrMapping/>
   </p:clrMapOvr>
-  <p:timing>
-    <p:tnLst>
-      <p:par>
-        <p:cTn id="1" dur="indefinite" restart="never" nodeType="tmRoot"/>
-      </p:par>
-    </p:tnLst>
-  </p:timing>
 </p:sld>
 </file>
 
@@ -18029,10 +17923,9 @@
           <a:lstStyle/>
           <a:p>
             <a:r>
-              <a:rPr lang="en-GB" dirty="0" smtClean="0"/>
+              <a:rPr lang="en-GB" dirty="0"/>
               <a:t>Method</a:t>
             </a:r>
-            <a:endParaRPr lang="en-GB" dirty="0"/>
           </a:p>
         </p:txBody>
       </p:sp>
@@ -18078,7 +17971,7 @@
           <a:lstStyle/>
           <a:p>
             <a:r>
-              <a:rPr lang="en-US" smtClean="0"/>
+              <a:rPr lang="en-US"/>
               <a:t>Ganiyu Ibraheem  Philipp Seybold</a:t>
             </a:r>
             <a:endParaRPr lang="en-GB" dirty="0"/>
@@ -18101,10 +17994,9 @@
           <a:lstStyle/>
           <a:p>
             <a:r>
-              <a:rPr lang="en-GB" smtClean="0"/>
+              <a:rPr lang="en-GB"/>
               <a:t>COMP6206 Advanced Computer Vision</a:t>
             </a:r>
-            <a:endParaRPr lang="en-GB"/>
           </a:p>
         </p:txBody>
       </p:sp>
@@ -18178,10 +18070,9 @@
           <a:p>
             <a:pPr lvl="0" algn="ctr"/>
             <a:r>
-              <a:rPr lang="en-GB" sz="2000" dirty="0" smtClean="0"/>
+              <a:rPr lang="en-GB" sz="2000" dirty="0"/>
               <a:t>Example force field vectors for an image</a:t>
             </a:r>
-            <a:endParaRPr lang="en-GB" sz="2000" dirty="0"/>
           </a:p>
         </p:txBody>
       </p:sp>
@@ -18208,12 +18099,8 @@
           <a:p>
             <a:pPr lvl="0"/>
             <a:r>
-              <a:rPr lang="en-GB" sz="1400" dirty="0" smtClean="0"/>
-              <a:t>Images source : </a:t>
-            </a:r>
-            <a:r>
               <a:rPr lang="en-GB" sz="1400" dirty="0"/>
-              <a:t>[1]</a:t>
+              <a:t>Images source : [1]</a:t>
             </a:r>
           </a:p>
         </p:txBody>
@@ -18241,10 +18128,9 @@
           <a:p>
             <a:pPr lvl="0" algn="ctr"/>
             <a:r>
-              <a:rPr lang="en-GB" sz="2000" dirty="0" smtClean="0"/>
+              <a:rPr lang="en-GB" sz="2000" dirty="0"/>
               <a:t>Example potential energy surface</a:t>
             </a:r>
-            <a:endParaRPr lang="en-GB" sz="2000" dirty="0"/>
           </a:p>
         </p:txBody>
       </p:sp>
@@ -18258,13 +18144,6 @@
   <p:clrMapOvr>
     <a:masterClrMapping/>
   </p:clrMapOvr>
-  <p:timing>
-    <p:tnLst>
-      <p:par>
-        <p:cTn id="1" dur="indefinite" restart="never" nodeType="tmRoot"/>
-      </p:par>
-    </p:tnLst>
-  </p:timing>
 </p:sld>
 </file>
 
@@ -18301,10 +18180,9 @@
           <a:lstStyle/>
           <a:p>
             <a:r>
-              <a:rPr lang="en-GB" dirty="0" smtClean="0"/>
+              <a:rPr lang="en-GB" dirty="0"/>
               <a:t>Method</a:t>
             </a:r>
-            <a:endParaRPr lang="en-GB" dirty="0"/>
           </a:p>
         </p:txBody>
       </p:sp>
@@ -18324,7 +18202,7 @@
           <a:lstStyle/>
           <a:p>
             <a:r>
-              <a:rPr lang="en-US" smtClean="0"/>
+              <a:rPr lang="en-US"/>
               <a:t>Ganiyu Ibraheem  Philipp Seybold</a:t>
             </a:r>
             <a:endParaRPr lang="en-GB" dirty="0"/>
@@ -18347,10 +18225,9 @@
           <a:lstStyle/>
           <a:p>
             <a:r>
-              <a:rPr lang="en-GB" smtClean="0"/>
+              <a:rPr lang="en-GB"/>
               <a:t>COMP6206 Advanced Computer Vision</a:t>
             </a:r>
-            <a:endParaRPr lang="en-GB"/>
           </a:p>
         </p:txBody>
       </p:sp>
@@ -18430,12 +18307,8 @@
           <a:p>
             <a:pPr lvl="0"/>
             <a:r>
-              <a:rPr lang="en-GB" sz="1400" dirty="0" smtClean="0"/>
-              <a:t>Images source : </a:t>
-            </a:r>
-            <a:r>
               <a:rPr lang="en-GB" sz="1400" dirty="0"/>
-              <a:t>[1]</a:t>
+              <a:t>Images source : [1]</a:t>
             </a:r>
           </a:p>
         </p:txBody>
@@ -18463,10 +18336,9 @@
           <a:p>
             <a:pPr lvl="0"/>
             <a:r>
-              <a:rPr lang="en-GB" sz="2000" dirty="0" smtClean="0"/>
+              <a:rPr lang="en-GB" sz="2000" dirty="0"/>
               <a:t>1. Initialisation		 2. Force Channels	 3. Superimposed wells</a:t>
             </a:r>
-            <a:endParaRPr lang="en-GB" sz="2000" dirty="0"/>
           </a:p>
         </p:txBody>
       </p:sp>
@@ -18480,13 +18352,6 @@
   <p:clrMapOvr>
     <a:masterClrMapping/>
   </p:clrMapOvr>
-  <p:timing>
-    <p:tnLst>
-      <p:par>
-        <p:cTn id="1" dur="indefinite" restart="never" nodeType="tmRoot"/>
-      </p:par>
-    </p:tnLst>
-  </p:timing>
 </p:sld>
 </file>
 
@@ -18525,10 +18390,9 @@
           <a:lstStyle/>
           <a:p>
             <a:r>
-              <a:rPr lang="en-GB" dirty="0" smtClean="0"/>
+              <a:rPr lang="en-GB" dirty="0"/>
               <a:t>Method Application</a:t>
             </a:r>
-            <a:endParaRPr lang="en-GB" dirty="0"/>
           </a:p>
         </p:txBody>
       </p:sp>
@@ -18555,46 +18419,33 @@
           <a:lstStyle/>
           <a:p>
             <a:r>
-              <a:rPr lang="en-GB" dirty="0" smtClean="0"/>
+              <a:rPr lang="en-GB" dirty="0"/>
               <a:t>Initialisation and scale invariant</a:t>
             </a:r>
           </a:p>
           <a:p>
             <a:r>
-              <a:rPr lang="en-GB" dirty="0" smtClean="0"/>
+              <a:rPr lang="en-GB" dirty="0"/>
               <a:t>Intensity scale invariant</a:t>
             </a:r>
           </a:p>
           <a:p>
             <a:r>
-              <a:rPr lang="en-GB" dirty="0" smtClean="0"/>
+              <a:rPr lang="en-GB" dirty="0"/>
               <a:t>Affected by localized changes in illumination though</a:t>
             </a:r>
           </a:p>
           <a:p>
             <a:r>
-              <a:rPr lang="en-GB" dirty="0" smtClean="0"/>
+              <a:rPr lang="en-GB" dirty="0"/>
               <a:t>All information is conserved by the transform</a:t>
             </a:r>
           </a:p>
           <a:p>
             <a:r>
-              <a:rPr lang="en-GB" dirty="0" smtClean="0"/>
-              <a:t>Descriptors </a:t>
+              <a:rPr lang="en-GB" dirty="0"/>
+              <a:t>Descriptors (e.g. wells positions) are unique</a:t>
             </a:r>
-            <a:r>
-              <a:rPr lang="en-GB" dirty="0" smtClean="0"/>
-              <a:t>(e.g. wells </a:t>
-            </a:r>
-            <a:r>
-              <a:rPr lang="en-GB" dirty="0" smtClean="0"/>
-              <a:t>positions) </a:t>
-            </a:r>
-            <a:r>
-              <a:rPr lang="en-GB" dirty="0" smtClean="0"/>
-              <a:t>are unique</a:t>
-            </a:r>
-            <a:endParaRPr lang="en-GB" dirty="0"/>
           </a:p>
         </p:txBody>
       </p:sp>
@@ -18614,7 +18465,7 @@
           <a:lstStyle/>
           <a:p>
             <a:r>
-              <a:rPr lang="en-US" smtClean="0"/>
+              <a:rPr lang="en-US"/>
               <a:t>Ganiyu Ibraheem  Philipp Seybold</a:t>
             </a:r>
             <a:endParaRPr lang="en-GB" dirty="0"/>
@@ -18637,10 +18488,9 @@
           <a:lstStyle/>
           <a:p>
             <a:r>
-              <a:rPr lang="en-GB" smtClean="0"/>
+              <a:rPr lang="en-GB"/>
               <a:t>COMP6206 Advanced Computer Vision</a:t>
             </a:r>
-            <a:endParaRPr lang="en-GB"/>
           </a:p>
         </p:txBody>
       </p:sp>
@@ -18677,13 +18527,6 @@
   <p:clrMapOvr>
     <a:masterClrMapping/>
   </p:clrMapOvr>
-  <p:timing>
-    <p:tnLst>
-      <p:par>
-        <p:cTn id="1" dur="indefinite" restart="never" nodeType="tmRoot"/>
-      </p:par>
-    </p:tnLst>
-  </p:timing>
 </p:sld>
 </file>
 
@@ -18752,10 +18595,9 @@
           <a:lstStyle/>
           <a:p>
             <a:r>
-              <a:rPr lang="en-GB" dirty="0" smtClean="0"/>
+              <a:rPr lang="en-GB" dirty="0"/>
               <a:t>Demonstration</a:t>
             </a:r>
-            <a:endParaRPr lang="en-GB" dirty="0"/>
           </a:p>
         </p:txBody>
       </p:sp>
@@ -18775,7 +18617,7 @@
           <a:lstStyle/>
           <a:p>
             <a:r>
-              <a:rPr lang="en-US" smtClean="0"/>
+              <a:rPr lang="en-US"/>
               <a:t>Ganiyu Ibraheem  Philipp Seybold</a:t>
             </a:r>
             <a:endParaRPr lang="en-GB" dirty="0"/>
@@ -18798,10 +18640,9 @@
           <a:lstStyle/>
           <a:p>
             <a:r>
-              <a:rPr lang="en-GB" smtClean="0"/>
+              <a:rPr lang="en-GB"/>
               <a:t>COMP6206 Advanced Computer Vision</a:t>
             </a:r>
-            <a:endParaRPr lang="en-GB"/>
           </a:p>
         </p:txBody>
       </p:sp>
@@ -18869,13 +18710,6 @@
   <p:clrMapOvr>
     <a:masterClrMapping/>
   </p:clrMapOvr>
-  <p:timing>
-    <p:tnLst>
-      <p:par>
-        <p:cTn id="1" dur="indefinite" restart="never" nodeType="tmRoot"/>
-      </p:par>
-    </p:tnLst>
-  </p:timing>
 </p:sld>
 </file>
 
@@ -18914,10 +18748,9 @@
           <a:lstStyle/>
           <a:p>
             <a:r>
-              <a:rPr lang="en-GB" dirty="0" smtClean="0"/>
+              <a:rPr lang="en-GB" dirty="0"/>
               <a:t>Demonstration</a:t>
             </a:r>
-            <a:endParaRPr lang="en-GB" dirty="0"/>
           </a:p>
         </p:txBody>
       </p:sp>
@@ -18937,7 +18770,7 @@
           <a:lstStyle/>
           <a:p>
             <a:r>
-              <a:rPr lang="en-US" smtClean="0"/>
+              <a:rPr lang="en-US"/>
               <a:t>Ganiyu Ibraheem  Philipp Seybold</a:t>
             </a:r>
             <a:endParaRPr lang="en-GB" dirty="0"/>
@@ -18960,10 +18793,9 @@
           <a:lstStyle/>
           <a:p>
             <a:r>
-              <a:rPr lang="en-GB" smtClean="0"/>
+              <a:rPr lang="en-GB"/>
               <a:t>COMP6206 Advanced Computer Vision</a:t>
             </a:r>
-            <a:endParaRPr lang="en-GB"/>
           </a:p>
         </p:txBody>
       </p:sp>
@@ -19061,13 +18893,6 @@
   <p:clrMapOvr>
     <a:masterClrMapping/>
   </p:clrMapOvr>
-  <p:timing>
-    <p:tnLst>
-      <p:par>
-        <p:cTn id="1" dur="indefinite" restart="never" nodeType="tmRoot"/>
-      </p:par>
-    </p:tnLst>
-  </p:timing>
 </p:sld>
 </file>
 
@@ -19106,10 +18931,9 @@
           <a:lstStyle/>
           <a:p>
             <a:r>
-              <a:rPr lang="en-GB" dirty="0" smtClean="0"/>
+              <a:rPr lang="en-GB" dirty="0"/>
               <a:t>Demonstration</a:t>
             </a:r>
-            <a:endParaRPr lang="en-GB" dirty="0"/>
           </a:p>
         </p:txBody>
       </p:sp>
@@ -19137,10 +18961,9 @@
               <a:buNone/>
             </a:pPr>
             <a:r>
-              <a:rPr lang="en-GB" dirty="0" smtClean="0"/>
+              <a:rPr lang="en-GB" dirty="0"/>
               <a:t>Live Demo</a:t>
             </a:r>
-            <a:endParaRPr lang="en-GB" dirty="0"/>
           </a:p>
         </p:txBody>
       </p:sp>
@@ -19160,7 +18983,7 @@
           <a:lstStyle/>
           <a:p>
             <a:r>
-              <a:rPr lang="en-US" smtClean="0"/>
+              <a:rPr lang="en-US"/>
               <a:t>Ganiyu Ibraheem  Philipp Seybold</a:t>
             </a:r>
             <a:endParaRPr lang="en-GB" dirty="0"/>
@@ -19183,10 +19006,9 @@
           <a:lstStyle/>
           <a:p>
             <a:r>
-              <a:rPr lang="en-GB" smtClean="0"/>
+              <a:rPr lang="en-GB"/>
               <a:t>COMP6206 Advanced Computer Vision</a:t>
             </a:r>
-            <a:endParaRPr lang="en-GB"/>
           </a:p>
         </p:txBody>
       </p:sp>
@@ -19223,13 +19045,6 @@
   <p:clrMapOvr>
     <a:masterClrMapping/>
   </p:clrMapOvr>
-  <p:timing>
-    <p:tnLst>
-      <p:par>
-        <p:cTn id="1" dur="indefinite" restart="never" nodeType="tmRoot"/>
-      </p:par>
-    </p:tnLst>
-  </p:timing>
 </p:sld>
 </file>
 
@@ -19268,10 +19083,9 @@
           <a:lstStyle/>
           <a:p>
             <a:r>
-              <a:rPr lang="en-GB" dirty="0" smtClean="0"/>
+              <a:rPr lang="en-GB" dirty="0"/>
               <a:t>Result</a:t>
             </a:r>
-            <a:endParaRPr lang="en-GB" dirty="0"/>
           </a:p>
         </p:txBody>
       </p:sp>
@@ -19317,12 +19131,8 @@
           <a:p>
             <a:pPr lvl="1"/>
             <a:r>
-              <a:rPr lang="en-GB" dirty="0" smtClean="0"/>
-              <a:t>Finds </a:t>
-            </a:r>
-            <a:r>
               <a:rPr lang="en-GB" dirty="0"/>
-              <a:t>application in edge detection</a:t>
+              <a:t>Finds application in edge detection</a:t>
             </a:r>
           </a:p>
           <a:p>
@@ -19350,13 +19160,8 @@
             <a:pPr lvl="2"/>
             <a:r>
               <a:rPr lang="en-GB" dirty="0"/>
-              <a:t>Also invariant to different changes in </a:t>
+              <a:t>Also invariant to different changes in illumination</a:t>
             </a:r>
-            <a:r>
-              <a:rPr lang="en-GB" dirty="0" smtClean="0"/>
-              <a:t>illumination</a:t>
-            </a:r>
-            <a:endParaRPr lang="en-GB" dirty="0"/>
           </a:p>
         </p:txBody>
       </p:sp>
@@ -19376,7 +19181,7 @@
           <a:lstStyle/>
           <a:p>
             <a:r>
-              <a:rPr lang="en-US" smtClean="0"/>
+              <a:rPr lang="en-US"/>
               <a:t>Ganiyu Ibraheem  Philipp Seybold</a:t>
             </a:r>
             <a:endParaRPr lang="en-GB" dirty="0"/>
@@ -19399,10 +19204,9 @@
           <a:lstStyle/>
           <a:p>
             <a:r>
-              <a:rPr lang="en-GB" smtClean="0"/>
+              <a:rPr lang="en-GB"/>
               <a:t>COMP6206 Advanced Computer Vision</a:t>
             </a:r>
-            <a:endParaRPr lang="en-GB"/>
           </a:p>
         </p:txBody>
       </p:sp>
@@ -19439,13 +19243,6 @@
   <p:clrMapOvr>
     <a:masterClrMapping/>
   </p:clrMapOvr>
-  <p:timing>
-    <p:tnLst>
-      <p:par>
-        <p:cTn id="1" dur="indefinite" restart="never" nodeType="tmRoot"/>
-      </p:par>
-    </p:tnLst>
-  </p:timing>
 </p:sld>
 </file>
 
@@ -19504,7 +19301,7 @@
           <a:lstStyle/>
           <a:p>
             <a:r>
-              <a:rPr lang="en-US" smtClean="0"/>
+              <a:rPr lang="en-US"/>
               <a:t>Ganiyu Ibraheem  Philipp Seybold</a:t>
             </a:r>
             <a:endParaRPr lang="en-GB"/>
@@ -19527,10 +19324,9 @@
           <a:lstStyle/>
           <a:p>
             <a:r>
-              <a:rPr lang="en-GB" smtClean="0"/>
+              <a:rPr lang="en-GB"/>
               <a:t>COMP6206 Advanced Computer Vision</a:t>
             </a:r>
-            <a:endParaRPr lang="en-GB"/>
           </a:p>
         </p:txBody>
       </p:sp>
@@ -19757,36 +19553,36 @@
           </a:lstStyle>
           <a:p>
             <a:r>
-              <a:rPr lang="en-GB" dirty="0" smtClean="0"/>
+              <a:rPr lang="en-GB" dirty="0"/>
               <a:t>Definition</a:t>
             </a:r>
           </a:p>
           <a:p>
             <a:r>
-              <a:rPr lang="en-GB" dirty="0" smtClean="0"/>
+              <a:rPr lang="en-GB" dirty="0"/>
               <a:t>Method Application</a:t>
             </a:r>
           </a:p>
           <a:p>
             <a:r>
-              <a:rPr lang="en-GB" dirty="0" smtClean="0"/>
+              <a:rPr lang="en-GB" dirty="0"/>
               <a:t>Demonstration</a:t>
             </a:r>
           </a:p>
           <a:p>
             <a:r>
-              <a:rPr lang="en-GB" dirty="0" smtClean="0"/>
+              <a:rPr lang="en-GB" dirty="0"/>
               <a:t>Results</a:t>
             </a:r>
           </a:p>
           <a:p>
             <a:r>
-              <a:rPr lang="en-GB" dirty="0" smtClean="0"/>
+              <a:rPr lang="en-GB" dirty="0"/>
               <a:t>Discussion</a:t>
             </a:r>
           </a:p>
           <a:p>
-            <a:endParaRPr lang="en-GB" dirty="0" smtClean="0"/>
+            <a:endParaRPr lang="en-GB" dirty="0"/>
           </a:p>
           <a:p>
             <a:endParaRPr lang="en-GB" dirty="0"/>
@@ -19803,13 +19599,6 @@
   <p:clrMapOvr>
     <a:masterClrMapping/>
   </p:clrMapOvr>
-  <p:timing>
-    <p:tnLst>
-      <p:par>
-        <p:cTn id="1" dur="indefinite" restart="never" nodeType="tmRoot"/>
-      </p:par>
-    </p:tnLst>
-  </p:timing>
 </p:sld>
 </file>
 
@@ -19848,15 +19637,14 @@
           <a:lstStyle/>
           <a:p>
             <a:r>
-              <a:rPr lang="en-GB" dirty="0" smtClean="0"/>
+              <a:rPr lang="en-GB" dirty="0"/>
               <a:t>Result</a:t>
             </a:r>
-            <a:endParaRPr lang="en-GB" dirty="0"/>
           </a:p>
         </p:txBody>
       </p:sp>
-      <mc:AlternateContent xmlns:mc="http://schemas.openxmlformats.org/markup-compatibility/2006">
-        <mc:Choice xmlns:a14="http://schemas.microsoft.com/office/drawing/2010/main" Requires="a14">
+      <mc:AlternateContent xmlns:mc="http://schemas.openxmlformats.org/markup-compatibility/2006" xmlns:a14="http://schemas.microsoft.com/office/drawing/2010/main">
+        <mc:Choice Requires="a14">
           <p:sp>
             <p:nvSpPr>
               <p:cNvPr id="3" name="Inhaltsplatzhalter 2"/>
@@ -20172,7 +19960,13 @@
                                       <a:rPr lang="en-GB" sz="2400" b="0" i="1" smtClean="0">
                                         <a:latin typeface="Cambria Math" panose="02040503050406030204" pitchFamily="18" charset="0"/>
                                       </a:rPr>
-                                      <m:t>03</m:t>
+                                      <m:t>0</m:t>
+                                    </m:r>
+                                    <m:r>
+                                      <a:rPr lang="en-GB" sz="2400" b="0" i="1" smtClean="0">
+                                        <a:latin typeface="Cambria Math" panose="02040503050406030204" pitchFamily="18" charset="0"/>
+                                      </a:rPr>
+                                      <m:t>3</m:t>
                                     </m:r>
                                   </m:sub>
                                 </m:sSub>
@@ -20752,7 +20546,7 @@
             </p:txBody>
           </p:sp>
         </mc:Choice>
-        <mc:Fallback>
+        <mc:Fallback xmlns="">
           <p:sp>
             <p:nvSpPr>
               <p:cNvPr id="3" name="Inhaltsplatzhalter 2"/>
@@ -20806,7 +20600,7 @@
           <a:lstStyle/>
           <a:p>
             <a:r>
-              <a:rPr lang="en-US" smtClean="0"/>
+              <a:rPr lang="en-US"/>
               <a:t>Ganiyu Ibraheem  Philipp Seybold</a:t>
             </a:r>
             <a:endParaRPr lang="en-GB" dirty="0"/>
@@ -20829,10 +20623,9 @@
           <a:lstStyle/>
           <a:p>
             <a:r>
-              <a:rPr lang="en-GB" smtClean="0"/>
+              <a:rPr lang="en-GB"/>
               <a:t>COMP6206 Advanced Computer Vision</a:t>
             </a:r>
-            <a:endParaRPr lang="en-GB"/>
           </a:p>
         </p:txBody>
       </p:sp>
@@ -20941,8 +20734,8 @@
           </a:p>
         </p:txBody>
       </p:sp>
-      <mc:AlternateContent xmlns:mc="http://schemas.openxmlformats.org/markup-compatibility/2006">
-        <mc:Choice xmlns:a14="http://schemas.microsoft.com/office/drawing/2010/main" Requires="a14">
+      <mc:AlternateContent xmlns:mc="http://schemas.openxmlformats.org/markup-compatibility/2006" xmlns:a14="http://schemas.microsoft.com/office/drawing/2010/main">
+        <mc:Choice Requires="a14">
           <p:sp>
             <p:nvSpPr>
               <p:cNvPr id="10" name="Textfeld 9"/>
@@ -20965,6 +20758,7 @@
               </a:bodyPr>
               <a:lstStyle/>
               <a:p>
+                <a:pPr/>
                 <a14:m>
                   <m:oMathPara xmlns:m="http://schemas.openxmlformats.org/officeDocument/2006/math">
                     <m:oMathParaPr>
@@ -20985,7 +20779,7 @@
             </p:txBody>
           </p:sp>
         </mc:Choice>
-        <mc:Fallback>
+        <mc:Fallback xmlns="">
           <p:sp>
             <p:nvSpPr>
               <p:cNvPr id="10" name="Textfeld 9"/>
@@ -21024,8 +20818,8 @@
           </p:sp>
         </mc:Fallback>
       </mc:AlternateContent>
-      <mc:AlternateContent xmlns:mc="http://schemas.openxmlformats.org/markup-compatibility/2006">
-        <mc:Choice xmlns:a14="http://schemas.microsoft.com/office/drawing/2010/main" Requires="a14">
+      <mc:AlternateContent xmlns:mc="http://schemas.openxmlformats.org/markup-compatibility/2006" xmlns:a14="http://schemas.microsoft.com/office/drawing/2010/main">
+        <mc:Choice Requires="a14">
           <p:sp>
             <p:nvSpPr>
               <p:cNvPr id="11" name="Textfeld 10"/>
@@ -21048,6 +20842,7 @@
               </a:bodyPr>
               <a:lstStyle/>
               <a:p>
+                <a:pPr/>
                 <a14:m>
                   <m:oMathPara xmlns:m="http://schemas.openxmlformats.org/officeDocument/2006/math">
                     <m:oMathParaPr>
@@ -21068,7 +20863,7 @@
             </p:txBody>
           </p:sp>
         </mc:Choice>
-        <mc:Fallback>
+        <mc:Fallback xmlns="">
           <p:sp>
             <p:nvSpPr>
               <p:cNvPr id="11" name="Textfeld 10"/>
@@ -21107,8 +20902,8 @@
           </p:sp>
         </mc:Fallback>
       </mc:AlternateContent>
-      <mc:AlternateContent xmlns:mc="http://schemas.openxmlformats.org/markup-compatibility/2006">
-        <mc:Choice xmlns:a14="http://schemas.microsoft.com/office/drawing/2010/main" Requires="a14">
+      <mc:AlternateContent xmlns:mc="http://schemas.openxmlformats.org/markup-compatibility/2006" xmlns:a14="http://schemas.microsoft.com/office/drawing/2010/main">
+        <mc:Choice Requires="a14">
           <p:sp>
             <p:nvSpPr>
               <p:cNvPr id="12" name="Textfeld 11"/>
@@ -21131,6 +20926,7 @@
               </a:bodyPr>
               <a:lstStyle/>
               <a:p>
+                <a:pPr/>
                 <a14:m>
                   <m:oMathPara xmlns:m="http://schemas.openxmlformats.org/officeDocument/2006/math">
                     <m:oMathParaPr>
@@ -21151,7 +20947,7 @@
             </p:txBody>
           </p:sp>
         </mc:Choice>
-        <mc:Fallback>
+        <mc:Fallback xmlns="">
           <p:sp>
             <p:nvSpPr>
               <p:cNvPr id="12" name="Textfeld 11"/>
@@ -21190,8 +20986,8 @@
           </p:sp>
         </mc:Fallback>
       </mc:AlternateContent>
-      <mc:AlternateContent xmlns:mc="http://schemas.openxmlformats.org/markup-compatibility/2006">
-        <mc:Choice xmlns:a14="http://schemas.microsoft.com/office/drawing/2010/main" Requires="a14">
+      <mc:AlternateContent xmlns:mc="http://schemas.openxmlformats.org/markup-compatibility/2006" xmlns:a14="http://schemas.microsoft.com/office/drawing/2010/main">
+        <mc:Choice Requires="a14">
           <p:sp>
             <p:nvSpPr>
               <p:cNvPr id="13" name="Textfeld 12"/>
@@ -21214,6 +21010,7 @@
               </a:bodyPr>
               <a:lstStyle/>
               <a:p>
+                <a:pPr/>
                 <a14:m>
                   <m:oMathPara xmlns:m="http://schemas.openxmlformats.org/officeDocument/2006/math">
                     <m:oMathParaPr>
@@ -21347,7 +21144,7 @@
             </p:txBody>
           </p:sp>
         </mc:Choice>
-        <mc:Fallback>
+        <mc:Fallback xmlns="">
           <p:sp>
             <p:nvSpPr>
               <p:cNvPr id="13" name="Textfeld 12"/>
@@ -21427,8 +21224,8 @@
           </a:p>
         </p:txBody>
       </p:sp>
-      <mc:AlternateContent xmlns:mc="http://schemas.openxmlformats.org/markup-compatibility/2006">
-        <mc:Choice xmlns:a14="http://schemas.microsoft.com/office/drawing/2010/main" Requires="a14">
+      <mc:AlternateContent xmlns:mc="http://schemas.openxmlformats.org/markup-compatibility/2006" xmlns:a14="http://schemas.microsoft.com/office/drawing/2010/main">
+        <mc:Choice Requires="a14">
           <p:sp>
             <p:nvSpPr>
               <p:cNvPr id="17" name="Textfeld 16"/>
@@ -21451,6 +21248,7 @@
               </a:bodyPr>
               <a:lstStyle/>
               <a:p>
+                <a:pPr/>
                 <a14:m>
                   <m:oMathPara xmlns:m="http://schemas.openxmlformats.org/officeDocument/2006/math">
                     <m:oMathParaPr>
@@ -21523,12 +21321,12 @@
                     </m:oMath>
                   </m:oMathPara>
                 </a14:m>
-                <a:endParaRPr lang="en-GB" sz="2800" b="0" dirty="0" smtClean="0"/>
+                <a:endParaRPr lang="en-GB" sz="2800" b="0" dirty="0"/>
               </a:p>
             </p:txBody>
           </p:sp>
         </mc:Choice>
-        <mc:Fallback>
+        <mc:Fallback xmlns="">
           <p:sp>
             <p:nvSpPr>
               <p:cNvPr id="17" name="Textfeld 16"/>
@@ -21590,10 +21388,9 @@
           <a:lstStyle/>
           <a:p>
             <a:r>
-              <a:rPr lang="en-GB" sz="2800" dirty="0" smtClean="0"/>
+              <a:rPr lang="en-GB" sz="2800" dirty="0"/>
               <a:t>Invertible linear energy transform</a:t>
             </a:r>
-            <a:endParaRPr lang="en-GB" sz="2800" dirty="0"/>
           </a:p>
         </p:txBody>
       </p:sp>
@@ -21607,13 +21404,6 @@
   <p:clrMapOvr>
     <a:masterClrMapping/>
   </p:clrMapOvr>
-  <p:timing>
-    <p:tnLst>
-      <p:par>
-        <p:cTn id="1" dur="indefinite" restart="never" nodeType="tmRoot"/>
-      </p:par>
-    </p:tnLst>
-  </p:timing>
 </p:sld>
 </file>
 
@@ -21650,10 +21440,9 @@
           <a:lstStyle/>
           <a:p>
             <a:r>
-              <a:rPr lang="en-GB" dirty="0" smtClean="0"/>
+              <a:rPr lang="en-GB" dirty="0"/>
               <a:t>Result</a:t>
             </a:r>
-            <a:endParaRPr lang="en-GB" dirty="0"/>
           </a:p>
         </p:txBody>
       </p:sp>
@@ -21673,7 +21462,7 @@
           <a:lstStyle/>
           <a:p>
             <a:r>
-              <a:rPr lang="en-US" smtClean="0"/>
+              <a:rPr lang="en-US"/>
               <a:t>Ganiyu Ibraheem  Philipp Seybold</a:t>
             </a:r>
             <a:endParaRPr lang="en-GB" dirty="0"/>
@@ -21696,10 +21485,9 @@
           <a:lstStyle/>
           <a:p>
             <a:r>
-              <a:rPr lang="en-GB" smtClean="0"/>
+              <a:rPr lang="en-GB"/>
               <a:t>COMP6206 Advanced Computer Vision</a:t>
             </a:r>
-            <a:endParaRPr lang="en-GB"/>
           </a:p>
         </p:txBody>
       </p:sp>
@@ -21726,8 +21514,8 @@
           </a:p>
         </p:txBody>
       </p:sp>
-      <mc:AlternateContent xmlns:mc="http://schemas.openxmlformats.org/markup-compatibility/2006">
-        <mc:Choice xmlns:a14="http://schemas.microsoft.com/office/drawing/2010/main" Requires="a14">
+      <mc:AlternateContent xmlns:mc="http://schemas.openxmlformats.org/markup-compatibility/2006" xmlns:a14="http://schemas.microsoft.com/office/drawing/2010/main">
+        <mc:Choice Requires="a14">
           <p:sp>
             <p:nvSpPr>
               <p:cNvPr id="7" name="Textfeld 6"/>
@@ -22108,20 +21896,14 @@
                     </m:oMath>
                   </m:oMathPara>
                 </a14:m>
-                <a:endParaRPr lang="en-GB" sz="2400" b="0" i="1" dirty="0" smtClean="0">
+                <a:endParaRPr lang="en-GB" sz="2400" b="0" i="1" dirty="0">
                   <a:latin typeface="Cambria Math" panose="02040503050406030204" pitchFamily="18" charset="0"/>
                 </a:endParaRPr>
               </a:p>
               <a:p>
                 <a:pPr/>
-                <a:r>
-                  <a:rPr lang="en-GB" sz="2400" b="0" i="1" dirty="0" smtClean="0">
-                    <a:latin typeface="Cambria Math" panose="02040503050406030204" pitchFamily="18" charset="0"/>
-                  </a:rPr>
-                  <a:t/>
-                </a:r>
                 <a:br>
-                  <a:rPr lang="en-GB" sz="2400" b="0" i="1" dirty="0" smtClean="0">
+                  <a:rPr lang="en-GB" sz="2400" b="0" i="1" dirty="0">
                     <a:latin typeface="Cambria Math" panose="02040503050406030204" pitchFamily="18" charset="0"/>
                   </a:rPr>
                 </a:br>
@@ -22679,7 +22461,7 @@
             </p:txBody>
           </p:sp>
         </mc:Choice>
-        <mc:Fallback>
+        <mc:Fallback xmlns="">
           <p:sp>
             <p:nvSpPr>
               <p:cNvPr id="7" name="Textfeld 6"/>
@@ -22741,10 +22523,9 @@
           <a:lstStyle/>
           <a:p>
             <a:r>
-              <a:rPr lang="en-GB" sz="2800" dirty="0" smtClean="0"/>
+              <a:rPr lang="en-GB" sz="2800" dirty="0"/>
               <a:t>Shape &amp; brightness sensitivity</a:t>
             </a:r>
-            <a:endParaRPr lang="en-GB" sz="2800" dirty="0"/>
           </a:p>
         </p:txBody>
       </p:sp>
@@ -22758,13 +22539,6 @@
   <p:clrMapOvr>
     <a:masterClrMapping/>
   </p:clrMapOvr>
-  <p:timing>
-    <p:tnLst>
-      <p:par>
-        <p:cTn id="1" dur="indefinite" restart="never" nodeType="tmRoot"/>
-      </p:par>
-    </p:tnLst>
-  </p:timing>
 </p:sld>
 </file>
 
@@ -22803,10 +22577,9 @@
           <a:lstStyle/>
           <a:p>
             <a:r>
-              <a:rPr lang="en-GB" dirty="0" smtClean="0"/>
+              <a:rPr lang="en-GB" dirty="0"/>
               <a:t>Result</a:t>
             </a:r>
-            <a:endParaRPr lang="en-GB" dirty="0"/>
           </a:p>
         </p:txBody>
       </p:sp>
@@ -22831,34 +22604,22 @@
               <a:buNone/>
             </a:pPr>
             <a:r>
-              <a:rPr lang="en-GB" dirty="0" smtClean="0"/>
-              <a:t>Disadvantages</a:t>
-            </a:r>
-            <a:r>
               <a:rPr lang="en-GB" dirty="0"/>
-              <a:t>:</a:t>
+              <a:t>Disadvantages:</a:t>
             </a:r>
           </a:p>
           <a:p>
             <a:pPr lvl="1"/>
             <a:r>
               <a:rPr lang="en-GB" dirty="0"/>
-              <a:t>At times, transform generates only one ‘well</a:t>
-            </a:r>
-            <a:r>
-              <a:rPr lang="en-GB" dirty="0" smtClean="0"/>
-              <a:t>’</a:t>
+              <a:t>At times, transform generates only one ‘well’</a:t>
             </a:r>
           </a:p>
           <a:p>
             <a:pPr lvl="1"/>
             <a:r>
-              <a:rPr lang="en-GB" dirty="0" smtClean="0"/>
-              <a:t>High </a:t>
-            </a:r>
-            <a:r>
               <a:rPr lang="en-GB" dirty="0"/>
-              <a:t>computational costs for brute-force method: O(n²)</a:t>
+              <a:t>High computational costs for brute-force method: O(n²)</a:t>
             </a:r>
           </a:p>
           <a:p>
@@ -22872,13 +22633,8 @@
             <a:pPr lvl="1"/>
             <a:r>
               <a:rPr lang="en-GB" dirty="0"/>
-              <a:t>Occlusion by </a:t>
+              <a:t>Occlusion by hair</a:t>
             </a:r>
-            <a:r>
-              <a:rPr lang="en-GB" dirty="0" smtClean="0"/>
-              <a:t>hair</a:t>
-            </a:r>
-            <a:endParaRPr lang="en-GB" dirty="0"/>
           </a:p>
         </p:txBody>
       </p:sp>
@@ -22898,7 +22654,7 @@
           <a:lstStyle/>
           <a:p>
             <a:r>
-              <a:rPr lang="en-US" smtClean="0"/>
+              <a:rPr lang="en-US"/>
               <a:t>Ganiyu Ibraheem  Philipp Seybold</a:t>
             </a:r>
             <a:endParaRPr lang="en-GB" dirty="0"/>
@@ -22921,10 +22677,9 @@
           <a:lstStyle/>
           <a:p>
             <a:r>
-              <a:rPr lang="en-GB" smtClean="0"/>
+              <a:rPr lang="en-GB"/>
               <a:t>COMP6206 Advanced Computer Vision</a:t>
             </a:r>
-            <a:endParaRPr lang="en-GB"/>
           </a:p>
         </p:txBody>
       </p:sp>
@@ -22961,13 +22716,6 @@
   <p:clrMapOvr>
     <a:masterClrMapping/>
   </p:clrMapOvr>
-  <p:timing>
-    <p:tnLst>
-      <p:par>
-        <p:cTn id="1" dur="indefinite" restart="never" nodeType="tmRoot"/>
-      </p:par>
-    </p:tnLst>
-  </p:timing>
 </p:sld>
 </file>
 
@@ -23006,10 +22754,9 @@
           <a:lstStyle/>
           <a:p>
             <a:r>
-              <a:rPr lang="en-GB" dirty="0" smtClean="0"/>
+              <a:rPr lang="en-GB" dirty="0"/>
               <a:t>Sources</a:t>
             </a:r>
-            <a:endParaRPr lang="en-GB" dirty="0"/>
           </a:p>
         </p:txBody>
       </p:sp>
@@ -23029,7 +22776,7 @@
           <a:lstStyle/>
           <a:p>
             <a:r>
-              <a:rPr lang="en-US" smtClean="0"/>
+              <a:rPr lang="en-US"/>
               <a:t>Ganiyu Ibraheem  Philipp Seybold</a:t>
             </a:r>
             <a:endParaRPr lang="en-GB" dirty="0"/>
@@ -23052,10 +22799,9 @@
           <a:lstStyle/>
           <a:p>
             <a:r>
-              <a:rPr lang="en-GB" smtClean="0"/>
+              <a:rPr lang="en-GB"/>
               <a:t>COMP6206 Advanced Computer Vision</a:t>
             </a:r>
-            <a:endParaRPr lang="en-GB"/>
           </a:p>
         </p:txBody>
       </p:sp>
@@ -23129,10 +22875,9 @@
                     <a:lstStyle/>
                     <a:p>
                       <a:r>
-                        <a:rPr lang="en-GB" dirty="0" smtClean="0"/>
+                        <a:rPr lang="en-GB" dirty="0"/>
                         <a:t>[1]</a:t>
                       </a:r>
-                      <a:endParaRPr lang="en-GB" dirty="0"/>
                     </a:p>
                   </a:txBody>
                   <a:tcPr/>
@@ -23160,11 +22905,11 @@
                         <a:defRPr/>
                       </a:pPr>
                       <a:r>
-                        <a:rPr lang="en-GB" sz="1800" dirty="0" smtClean="0"/>
+                        <a:rPr lang="en-GB" sz="1800" dirty="0"/>
                         <a:t>D.J. Hurley, M.S. Nixon, J.N. Carter, “</a:t>
                       </a:r>
                       <a:r>
-                        <a:rPr lang="en-GB" sz="1800" b="0" i="0" u="none" strike="noStrike" kern="1200" baseline="0" dirty="0" smtClean="0">
+                        <a:rPr lang="en-GB" sz="1800" b="0" i="0" u="none" strike="noStrike" kern="1200" baseline="0" dirty="0">
                           <a:solidFill>
                             <a:schemeClr val="tx1"/>
                           </a:solidFill>
@@ -23175,15 +22920,15 @@
                         <a:t>Force field feature extraction for ear biometrics</a:t>
                       </a:r>
                       <a:r>
-                        <a:rPr lang="en-GB" sz="1800" dirty="0" smtClean="0"/>
+                        <a:rPr lang="en-GB" sz="1800" dirty="0"/>
                         <a:t>”, </a:t>
                       </a:r>
                       <a:r>
-                        <a:rPr lang="en-GB" sz="1800" dirty="0" err="1" smtClean="0"/>
+                        <a:rPr lang="en-GB" sz="1800" dirty="0" err="1"/>
                         <a:t>doi</a:t>
                       </a:r>
                       <a:r>
-                        <a:rPr lang="en-GB" sz="1800" dirty="0" smtClean="0"/>
+                        <a:rPr lang="en-GB" sz="1800" dirty="0"/>
                         <a:t>: 10.1016/j.cviu.2004.11.001,2004.</a:t>
                       </a:r>
                     </a:p>
@@ -23203,10 +22948,9 @@
                     <a:lstStyle/>
                     <a:p>
                       <a:r>
-                        <a:rPr lang="en-GB" dirty="0" smtClean="0"/>
+                        <a:rPr lang="en-GB" dirty="0"/>
                         <a:t>[2]</a:t>
                       </a:r>
-                      <a:endParaRPr lang="en-GB" dirty="0"/>
                     </a:p>
                   </a:txBody>
                   <a:tcPr/>
@@ -23217,35 +22961,35 @@
                     <a:lstStyle/>
                     <a:p>
                       <a:r>
-                        <a:rPr lang="en-GB" dirty="0" smtClean="0"/>
+                        <a:rPr lang="en-GB" dirty="0"/>
                         <a:t>Nixon M.S., </a:t>
                       </a:r>
                       <a:r>
-                        <a:rPr lang="en-GB" dirty="0" err="1" smtClean="0"/>
+                        <a:rPr lang="en-GB" dirty="0" err="1"/>
                         <a:t>Aguado</a:t>
                       </a:r>
                       <a:r>
-                        <a:rPr lang="en-GB" dirty="0" smtClean="0"/>
+                        <a:rPr lang="en-GB" dirty="0"/>
                         <a:t> A.S. Feature Extraction and Image Processing for Computer Vision,</a:t>
                       </a:r>
                       <a:r>
-                        <a:rPr lang="en-GB" baseline="0" dirty="0" smtClean="0"/>
+                        <a:rPr lang="en-GB" baseline="0" dirty="0"/>
                         <a:t> </a:t>
                       </a:r>
                       <a:r>
-                        <a:rPr lang="en-GB" dirty="0" smtClean="0"/>
+                        <a:rPr lang="en-GB" dirty="0"/>
                         <a:t>3ed., 2012,</a:t>
                       </a:r>
                       <a:r>
-                        <a:rPr lang="en-GB" baseline="0" dirty="0" smtClean="0"/>
+                        <a:rPr lang="en-GB" baseline="0" dirty="0"/>
                         <a:t> </a:t>
                       </a:r>
                       <a:r>
-                        <a:rPr lang="en-GB" dirty="0" smtClean="0"/>
+                        <a:rPr lang="en-GB" dirty="0"/>
                         <a:t>ISBN: 0123965497, p.</a:t>
                       </a:r>
                       <a:r>
-                        <a:rPr lang="en-GB" baseline="0" dirty="0" smtClean="0"/>
+                        <a:rPr lang="en-GB" baseline="0" dirty="0"/>
                         <a:t> 121 - 122</a:t>
                       </a:r>
                       <a:endParaRPr lang="en-GB" dirty="0"/>
@@ -23408,13 +23152,6 @@
   <p:clrMapOvr>
     <a:masterClrMapping/>
   </p:clrMapOvr>
-  <p:timing>
-    <p:tnLst>
-      <p:par>
-        <p:cTn id="1" dur="indefinite" restart="never" nodeType="tmRoot"/>
-      </p:par>
-    </p:tnLst>
-  </p:timing>
 </p:sld>
 </file>
 
@@ -23453,10 +23190,9 @@
           <a:lstStyle/>
           <a:p>
             <a:r>
-              <a:rPr lang="en-GB" dirty="0" smtClean="0"/>
+              <a:rPr lang="en-GB" dirty="0"/>
               <a:t>Discussion</a:t>
             </a:r>
-            <a:endParaRPr lang="en-GB" dirty="0"/>
           </a:p>
         </p:txBody>
       </p:sp>
@@ -23479,7 +23215,7 @@
               <a:buNone/>
             </a:pPr>
             <a:r>
-              <a:rPr lang="en-GB" dirty="0" smtClean="0"/>
+              <a:rPr lang="en-GB" dirty="0"/>
               <a:t>Any Questions?</a:t>
             </a:r>
           </a:p>
@@ -23510,7 +23246,7 @@
           <a:lstStyle/>
           <a:p>
             <a:r>
-              <a:rPr lang="en-US" smtClean="0"/>
+              <a:rPr lang="en-US"/>
               <a:t>Ganiyu Ibraheem  Philipp Seybold</a:t>
             </a:r>
             <a:endParaRPr lang="en-GB" dirty="0"/>
@@ -23533,10 +23269,9 @@
           <a:lstStyle/>
           <a:p>
             <a:r>
-              <a:rPr lang="en-GB" smtClean="0"/>
+              <a:rPr lang="en-GB"/>
               <a:t>COMP6206 Advanced Computer Vision</a:t>
             </a:r>
-            <a:endParaRPr lang="en-GB"/>
           </a:p>
         </p:txBody>
       </p:sp>
@@ -23614,13 +23349,6 @@
   <p:clrMapOvr>
     <a:masterClrMapping/>
   </p:clrMapOvr>
-  <p:timing>
-    <p:tnLst>
-      <p:par>
-        <p:cTn id="1" dur="indefinite" restart="never" nodeType="tmRoot"/>
-      </p:par>
-    </p:tnLst>
-  </p:timing>
 </p:sld>
 </file>
 
@@ -23659,10 +23387,9 @@
           <a:lstStyle/>
           <a:p>
             <a:r>
-              <a:rPr lang="en-GB" dirty="0" smtClean="0"/>
+              <a:rPr lang="en-GB" dirty="0"/>
               <a:t>Definition</a:t>
             </a:r>
-            <a:endParaRPr lang="en-GB" dirty="0"/>
           </a:p>
         </p:txBody>
       </p:sp>
@@ -23683,80 +23410,42 @@
           <a:p>
             <a:pPr lvl="0"/>
             <a:r>
-              <a:rPr lang="en-GB" dirty="0" smtClean="0"/>
+              <a:rPr lang="en-GB" dirty="0"/>
               <a:t>Objective:</a:t>
             </a:r>
           </a:p>
           <a:p>
             <a:pPr lvl="1"/>
             <a:r>
-              <a:rPr lang="en-GB" dirty="0" smtClean="0"/>
-              <a:t>Reduce </a:t>
-            </a:r>
-            <a:r>
               <a:rPr lang="en-GB" dirty="0"/>
-              <a:t>dimensionality of pattern </a:t>
-            </a:r>
-            <a:r>
-              <a:rPr lang="en-GB" dirty="0" smtClean="0"/>
-              <a:t>space</a:t>
+              <a:t>Reduce dimensionality of pattern space</a:t>
             </a:r>
           </a:p>
           <a:p>
             <a:pPr lvl="1"/>
             <a:r>
-              <a:rPr lang="en-GB" dirty="0" smtClean="0"/>
-              <a:t>Maintain </a:t>
-            </a:r>
-            <a:r>
               <a:rPr lang="en-GB" dirty="0"/>
-              <a:t>discriminator </a:t>
-            </a:r>
-            <a:r>
-              <a:rPr lang="en-GB" dirty="0" smtClean="0"/>
-              <a:t>power</a:t>
-            </a:r>
-            <a:endParaRPr lang="en-GB" dirty="0"/>
-          </a:p>
-          <a:p>
-            <a:r>
-              <a:rPr lang="en-GB" dirty="0" smtClean="0"/>
-              <a:t>By: 	David </a:t>
-            </a:r>
-            <a:r>
-              <a:rPr lang="en-GB" dirty="0"/>
-              <a:t>J. Hurley, </a:t>
-            </a:r>
-            <a:r>
-              <a:rPr lang="en-GB" dirty="0" smtClean="0"/>
-              <a:t/>
-            </a:r>
-            <a:br>
-              <a:rPr lang="en-GB" dirty="0" smtClean="0"/>
-            </a:br>
-            <a:r>
-              <a:rPr lang="en-GB" dirty="0" smtClean="0"/>
-              <a:t>	Mark </a:t>
-            </a:r>
-            <a:r>
-              <a:rPr lang="en-GB" dirty="0"/>
-              <a:t>S. </a:t>
-            </a:r>
-            <a:r>
-              <a:rPr lang="en-GB" dirty="0" smtClean="0"/>
-              <a:t>Nixon &amp; </a:t>
-            </a:r>
-            <a:r>
-              <a:rPr lang="en-GB" dirty="0"/>
-              <a:t>John N. Carter</a:t>
+              <a:t>Maintain discriminator power</a:t>
             </a:r>
           </a:p>
           <a:p>
             <a:r>
-              <a:rPr lang="en-GB" dirty="0" smtClean="0"/>
+              <a:rPr lang="en-GB" dirty="0"/>
+              <a:t>By: 	David J. Hurley, </a:t>
+            </a:r>
+            <a:br>
+              <a:rPr lang="en-GB" dirty="0"/>
+            </a:br>
+            <a:r>
+              <a:rPr lang="en-GB" dirty="0"/>
+              <a:t>	Mark S. Nixon &amp; John N. Carter</a:t>
+            </a:r>
+          </a:p>
+          <a:p>
+            <a:r>
+              <a:rPr lang="en-GB" dirty="0"/>
               <a:t>Domain: Ear &amp; face recognition</a:t>
             </a:r>
-            <a:endParaRPr lang="en-GB" dirty="0"/>
           </a:p>
           <a:p>
             <a:endParaRPr lang="en-GB" dirty="0"/>
@@ -23779,7 +23468,7 @@
           <a:lstStyle/>
           <a:p>
             <a:r>
-              <a:rPr lang="en-US" smtClean="0"/>
+              <a:rPr lang="en-US"/>
               <a:t>Ganiyu Ibraheem  Philipp Seybold</a:t>
             </a:r>
             <a:endParaRPr lang="en-GB" dirty="0"/>
@@ -23802,10 +23491,9 @@
           <a:lstStyle/>
           <a:p>
             <a:r>
-              <a:rPr lang="en-GB" smtClean="0"/>
+              <a:rPr lang="en-GB"/>
               <a:t>COMP6206 Advanced Computer Vision</a:t>
             </a:r>
-            <a:endParaRPr lang="en-GB"/>
           </a:p>
         </p:txBody>
       </p:sp>
@@ -23842,13 +23530,6 @@
   <p:clrMapOvr>
     <a:masterClrMapping/>
   </p:clrMapOvr>
-  <p:timing>
-    <p:tnLst>
-      <p:par>
-        <p:cTn id="1" dur="indefinite" restart="never" nodeType="tmRoot"/>
-      </p:par>
-    </p:tnLst>
-  </p:timing>
 </p:sld>
 </file>
 
@@ -23912,20 +23593,15 @@
           <a:p>
             <a:pPr lvl="0"/>
             <a:r>
-              <a:rPr lang="en-GB" dirty="0" smtClean="0"/>
+              <a:rPr lang="en-GB" dirty="0"/>
               <a:t>Idea: Treat every pixel as a force exerting particle</a:t>
             </a:r>
-            <a:endParaRPr lang="en-GB" dirty="0"/>
           </a:p>
           <a:p>
             <a:pPr lvl="0"/>
             <a:r>
-              <a:rPr lang="en-GB" dirty="0" smtClean="0"/>
-              <a:t>Approaches</a:t>
-            </a:r>
-            <a:r>
               <a:rPr lang="en-GB" dirty="0"/>
-              <a:t>:</a:t>
+              <a:t>Approaches:</a:t>
             </a:r>
           </a:p>
           <a:p>
@@ -23934,7 +23610,7 @@
               <a:buAutoNum type="arabicPeriod"/>
             </a:pPr>
             <a:r>
-              <a:rPr lang="en-GB" dirty="0" smtClean="0"/>
+              <a:rPr lang="en-GB" dirty="0"/>
               <a:t>Pixel by Pixel</a:t>
             </a:r>
           </a:p>
@@ -23944,24 +23620,15 @@
               <a:buAutoNum type="arabicPeriod"/>
             </a:pPr>
             <a:r>
-              <a:rPr lang="en-GB" dirty="0" smtClean="0"/>
-              <a:t>Frequency </a:t>
-            </a:r>
-            <a:r>
               <a:rPr lang="en-GB" dirty="0"/>
-              <a:t>Domain </a:t>
-            </a:r>
-            <a:r>
-              <a:rPr lang="en-GB" dirty="0" smtClean="0"/>
-              <a:t>Analysis</a:t>
+              <a:t>Frequency Domain Analysis</a:t>
             </a:r>
           </a:p>
           <a:p>
             <a:r>
-              <a:rPr lang="en-GB" dirty="0" smtClean="0"/>
+              <a:rPr lang="en-GB" dirty="0"/>
               <a:t>Steps:</a:t>
             </a:r>
-            <a:endParaRPr lang="en-GB" dirty="0"/>
           </a:p>
           <a:p>
             <a:pPr marL="914400" lvl="1" indent="-457200">
@@ -23980,21 +23647,8 @@
             </a:pPr>
             <a:r>
               <a:rPr lang="en-GB" dirty="0"/>
-              <a:t>P</a:t>
+              <a:t>Potential well and channel extraction</a:t>
             </a:r>
-            <a:r>
-              <a:rPr lang="en-GB" dirty="0" smtClean="0"/>
-              <a:t>otential </a:t>
-            </a:r>
-            <a:r>
-              <a:rPr lang="en-GB" dirty="0"/>
-              <a:t>well and channel </a:t>
-            </a:r>
-            <a:r>
-              <a:rPr lang="en-GB" dirty="0" smtClean="0"/>
-              <a:t>extraction</a:t>
-            </a:r>
-            <a:endParaRPr lang="en-GB" dirty="0"/>
           </a:p>
         </p:txBody>
       </p:sp>
@@ -24014,7 +23668,7 @@
           <a:lstStyle/>
           <a:p>
             <a:r>
-              <a:rPr lang="en-US" smtClean="0"/>
+              <a:rPr lang="en-US"/>
               <a:t>Ganiyu Ibraheem  Philipp Seybold</a:t>
             </a:r>
             <a:endParaRPr lang="en-GB" dirty="0"/>
@@ -24037,10 +23691,9 @@
           <a:lstStyle/>
           <a:p>
             <a:r>
-              <a:rPr lang="en-GB" smtClean="0"/>
+              <a:rPr lang="en-GB"/>
               <a:t>COMP6206 Advanced Computer Vision</a:t>
             </a:r>
-            <a:endParaRPr lang="en-GB"/>
           </a:p>
         </p:txBody>
       </p:sp>
@@ -24077,13 +23730,6 @@
   <p:clrMapOvr>
     <a:masterClrMapping/>
   </p:clrMapOvr>
-  <p:timing>
-    <p:tnLst>
-      <p:par>
-        <p:cTn id="1" dur="indefinite" restart="never" nodeType="tmRoot"/>
-      </p:par>
-    </p:tnLst>
-  </p:timing>
 </p:sld>
 </file>
 
@@ -24128,8 +23774,8 @@
           </a:p>
         </p:txBody>
       </p:sp>
-      <mc:AlternateContent xmlns:mc="http://schemas.openxmlformats.org/markup-compatibility/2006">
-        <mc:Choice xmlns:a14="http://schemas.microsoft.com/office/drawing/2010/main" Requires="a14">
+      <mc:AlternateContent xmlns:mc="http://schemas.openxmlformats.org/markup-compatibility/2006" xmlns:a14="http://schemas.microsoft.com/office/drawing/2010/main">
+        <mc:Choice Requires="a14">
           <p:sp>
             <p:nvSpPr>
               <p:cNvPr id="3" name="Inhaltsplatzhalter 2"/>
@@ -24156,19 +23802,15 @@
                   <a:buNone/>
                 </a:pPr>
                 <a:r>
-                  <a:rPr lang="en-GB" dirty="0" smtClean="0"/>
+                  <a:rPr lang="en-GB" dirty="0"/>
                   <a:t>Assumption: </a:t>
                 </a:r>
                 <a:br>
-                  <a:rPr lang="en-GB" dirty="0" smtClean="0"/>
+                  <a:rPr lang="en-GB" dirty="0"/>
                 </a:br>
                 <a:r>
-                  <a:rPr lang="en-GB" dirty="0" smtClean="0"/>
-                  <a:t>Each </a:t>
-                </a:r>
-                <a:r>
                   <a:rPr lang="en-GB" dirty="0"/>
-                  <a:t>pixel </a:t>
+                  <a:t>Each pixel </a:t>
                 </a:r>
                 <a14:m>
                   <m:oMath xmlns:m="http://schemas.openxmlformats.org/officeDocument/2006/math">
@@ -24200,24 +23842,8 @@
                   </m:oMath>
                 </a14:m>
                 <a:r>
-                  <a:rPr lang="en-GB" dirty="0" smtClean="0"/>
-                  <a:t> exerts </a:t>
-                </a:r>
-                <a:r>
                   <a:rPr lang="en-GB" dirty="0"/>
-                  <a:t>an isotropic force </a:t>
-                </a:r>
-                <a:r>
-                  <a:rPr lang="en-GB" dirty="0" smtClean="0"/>
-                  <a:t>proportional </a:t>
-                </a:r>
-                <a:r>
-                  <a:rPr lang="en-GB" dirty="0"/>
-                  <a:t>to </a:t>
-                </a:r>
-                <a:r>
-                  <a:rPr lang="en-GB" dirty="0" smtClean="0"/>
-                  <a:t>its intensity (brightness) </a:t>
+                  <a:t> exerts an isotropic force proportional to its intensity (brightness) </a:t>
                 </a:r>
                 <a14:m>
                   <m:oMath xmlns:m="http://schemas.openxmlformats.org/officeDocument/2006/math">
@@ -24267,14 +23893,14 @@
                   </m:oMath>
                 </a14:m>
                 <a:r>
-                  <a:rPr lang="en-GB" dirty="0" smtClean="0"/>
+                  <a:rPr lang="en-GB" dirty="0"/>
                   <a:t> </a:t>
                 </a:r>
               </a:p>
             </p:txBody>
           </p:sp>
         </mc:Choice>
-        <mc:Fallback>
+        <mc:Fallback xmlns="">
           <p:sp>
             <p:nvSpPr>
               <p:cNvPr id="3" name="Inhaltsplatzhalter 2"/>
@@ -24328,7 +23954,7 @@
           <a:lstStyle/>
           <a:p>
             <a:r>
-              <a:rPr lang="en-US" smtClean="0"/>
+              <a:rPr lang="en-US"/>
               <a:t>Ganiyu Ibraheem  Philipp Seybold</a:t>
             </a:r>
             <a:endParaRPr lang="en-GB" dirty="0"/>
@@ -24351,10 +23977,9 @@
           <a:lstStyle/>
           <a:p>
             <a:r>
-              <a:rPr lang="en-GB" dirty="0" smtClean="0"/>
+              <a:rPr lang="en-GB" dirty="0"/>
               <a:t>COMP6206 Advanced Computer Vision</a:t>
             </a:r>
-            <a:endParaRPr lang="en-GB" dirty="0"/>
           </a:p>
         </p:txBody>
       </p:sp>
@@ -24450,21 +24075,8 @@
               <a:pPr lvl="0" algn="ctr"/>
               <a:r>
                 <a:rPr lang="en-GB" sz="2000" dirty="0"/>
-                <a:t>Force field vectors </a:t>
+                <a:t>Force field vectors of an electric field</a:t>
               </a:r>
-              <a:r>
-                <a:rPr lang="en-GB" sz="2000" dirty="0" smtClean="0"/>
-                <a:t>of </a:t>
-              </a:r>
-              <a:r>
-                <a:rPr lang="en-GB" sz="2000" dirty="0"/>
-                <a:t>an electric </a:t>
-              </a:r>
-              <a:r>
-                <a:rPr lang="en-GB" sz="2000" dirty="0" smtClean="0"/>
-                <a:t>field</a:t>
-              </a:r>
-              <a:endParaRPr lang="en-GB" sz="2000" dirty="0"/>
             </a:p>
           </p:txBody>
         </p:sp>
@@ -24522,13 +24134,8 @@
             <a:pPr algn="ctr"/>
             <a:r>
               <a:rPr lang="en-GB" sz="2000" dirty="0"/>
-              <a:t>Newton's law of </a:t>
+              <a:t>Newton's law of gravitation</a:t>
             </a:r>
-            <a:r>
-              <a:rPr lang="en-GB" sz="2000" dirty="0" smtClean="0"/>
-              <a:t>gravitation</a:t>
-            </a:r>
-            <a:endParaRPr lang="en-GB" sz="2000" dirty="0"/>
           </a:p>
         </p:txBody>
       </p:sp>
@@ -24728,7 +24335,7 @@
                     </m:oMath>
                   </m:oMathPara>
                 </a14:m>
-                <a:endParaRPr lang="en-GB" sz="2400" b="0" i="1" dirty="0" smtClean="0">
+                <a:endParaRPr lang="en-GB" sz="2400" b="0" i="1" dirty="0">
                   <a:latin typeface="Cambria Math" panose="02040503050406030204" pitchFamily="18" charset="0"/>
                 </a:endParaRPr>
               </a:p>
@@ -24738,15 +24345,9 @@
                   <a:rPr lang="en-GB" sz="1000" i="1" dirty="0">
                     <a:latin typeface="Cambria Math" panose="02040503050406030204" pitchFamily="18" charset="0"/>
                   </a:rPr>
-                  <a:t> </a:t>
-                </a:r>
-                <a:r>
-                  <a:rPr lang="en-GB" sz="1000" i="1" dirty="0" smtClean="0">
-                    <a:latin typeface="Cambria Math" panose="02040503050406030204" pitchFamily="18" charset="0"/>
-                  </a:rPr>
-                  <a:t> </a:t>
-                </a:r>
-                <a:endParaRPr lang="en-GB" sz="900" b="0" i="1" dirty="0" smtClean="0">
+                  <a:t>  </a:t>
+                </a:r>
+                <a:endParaRPr lang="en-GB" sz="900" b="0" i="1" dirty="0">
                   <a:latin typeface="Cambria Math" panose="02040503050406030204" pitchFamily="18" charset="0"/>
                 </a:endParaRPr>
               </a:p>
@@ -24921,10 +24522,9 @@
           <a:p>
             <a:pPr lvl="0" algn="ctr"/>
             <a:r>
-              <a:rPr lang="en-GB" sz="1400" dirty="0" smtClean="0"/>
+              <a:rPr lang="en-GB" sz="1400" dirty="0"/>
               <a:t>Images source: wikipedia.org</a:t>
             </a:r>
-            <a:endParaRPr lang="en-GB" sz="1400" dirty="0"/>
           </a:p>
         </p:txBody>
       </p:sp>
@@ -24938,13 +24538,6 @@
   <p:clrMapOvr>
     <a:masterClrMapping/>
   </p:clrMapOvr>
-  <p:timing>
-    <p:tnLst>
-      <p:par>
-        <p:cTn id="1" dur="indefinite" restart="never" nodeType="tmRoot"/>
-      </p:par>
-    </p:tnLst>
-  </p:timing>
 </p:sld>
 </file>
 
@@ -25005,7 +24598,7 @@
           <a:lstStyle/>
           <a:p>
             <a:r>
-              <a:rPr lang="en-US" smtClean="0"/>
+              <a:rPr lang="en-US"/>
               <a:t>Ganiyu Ibraheem  Philipp Seybold</a:t>
             </a:r>
             <a:endParaRPr lang="en-GB" dirty="0"/>
@@ -25028,10 +24621,9 @@
           <a:lstStyle/>
           <a:p>
             <a:r>
-              <a:rPr lang="en-GB" dirty="0" smtClean="0"/>
+              <a:rPr lang="en-GB" dirty="0"/>
               <a:t>COMP6206 Advanced Computer Vision</a:t>
             </a:r>
-            <a:endParaRPr lang="en-GB" dirty="0"/>
           </a:p>
         </p:txBody>
       </p:sp>
@@ -25565,7 +25157,7 @@
                   </m:oMath>
                 </a14:m>
                 <a:r>
-                  <a:rPr lang="en-GB" sz="2400" i="1" dirty="0" smtClean="0">
+                  <a:rPr lang="en-GB" sz="2400" i="1" dirty="0">
                     <a:latin typeface="Cambria Math" panose="02040503050406030204" pitchFamily="18" charset="0"/>
                   </a:rPr>
                   <a:t>	</a:t>
@@ -25726,7 +25318,7 @@
                     </m:nary>
                   </m:oMath>
                 </a14:m>
-                <a:endParaRPr lang="en-GB" sz="2400" i="1" dirty="0" smtClean="0">
+                <a:endParaRPr lang="en-GB" sz="2400" i="1" dirty="0">
                   <a:latin typeface="Cambria Math" panose="02040503050406030204" pitchFamily="18" charset="0"/>
                 </a:endParaRPr>
               </a:p>
@@ -26076,7 +25668,7 @@
                   </m:oMath>
                 </a14:m>
                 <a:r>
-                  <a:rPr lang="en-GB" sz="2400" dirty="0" smtClean="0"/>
+                  <a:rPr lang="en-GB" sz="2400" dirty="0"/>
                   <a:t> 			</a:t>
                 </a:r>
                 <a14:m>
@@ -26236,10 +25828,9 @@
                   </m:oMath>
                 </a14:m>
                 <a:r>
-                  <a:rPr lang="en-GB" sz="2000" dirty="0" smtClean="0"/>
+                  <a:rPr lang="en-GB" sz="2000" dirty="0"/>
                   <a:t>	</a:t>
                 </a:r>
-                <a:endParaRPr lang="en-GB" sz="2000" dirty="0"/>
               </a:p>
             </p:txBody>
           </p:sp>
@@ -26664,12 +26255,8 @@
           <a:p>
             <a:pPr lvl="0"/>
             <a:r>
-              <a:rPr lang="en-GB" sz="1400" dirty="0" smtClean="0"/>
-              <a:t>Image source</a:t>
-            </a:r>
-            <a:r>
               <a:rPr lang="en-GB" sz="1400" dirty="0"/>
-              <a:t>: [1]</a:t>
+              <a:t>Image source: [1]</a:t>
             </a:r>
           </a:p>
         </p:txBody>
@@ -26785,13 +26372,6 @@
   <p:clrMapOvr>
     <a:masterClrMapping/>
   </p:clrMapOvr>
-  <p:timing>
-    <p:tnLst>
-      <p:par>
-        <p:cTn id="1" dur="indefinite" restart="never" nodeType="tmRoot"/>
-      </p:par>
-    </p:tnLst>
-  </p:timing>
 </p:sld>
 </file>
 
@@ -26852,7 +26432,7 @@
           <a:lstStyle/>
           <a:p>
             <a:r>
-              <a:rPr lang="en-US" smtClean="0"/>
+              <a:rPr lang="en-US"/>
               <a:t>Ganiyu Ibraheem  Philipp Seybold</a:t>
             </a:r>
             <a:endParaRPr lang="en-GB" dirty="0"/>
@@ -26875,10 +26455,9 @@
           <a:lstStyle/>
           <a:p>
             <a:r>
-              <a:rPr lang="en-GB" dirty="0" smtClean="0"/>
+              <a:rPr lang="en-GB" dirty="0"/>
               <a:t>COMP6206 Advanced Computer Vision</a:t>
             </a:r>
-            <a:endParaRPr lang="en-GB" dirty="0"/>
           </a:p>
         </p:txBody>
       </p:sp>
@@ -27412,7 +26991,7 @@
                   </m:oMath>
                 </a14:m>
                 <a:r>
-                  <a:rPr lang="en-GB" sz="2400" i="1" dirty="0" smtClean="0">
+                  <a:rPr lang="en-GB" sz="2400" i="1" dirty="0">
                     <a:latin typeface="Cambria Math" panose="02040503050406030204" pitchFamily="18" charset="0"/>
                   </a:rPr>
                   <a:t>	</a:t>
@@ -27573,7 +27152,7 @@
                     </m:nary>
                   </m:oMath>
                 </a14:m>
-                <a:endParaRPr lang="en-GB" sz="2400" i="1" dirty="0" smtClean="0">
+                <a:endParaRPr lang="en-GB" sz="2400" i="1" dirty="0">
                   <a:latin typeface="Cambria Math" panose="02040503050406030204" pitchFamily="18" charset="0"/>
                 </a:endParaRPr>
               </a:p>
@@ -27923,7 +27502,7 @@
                   </m:oMath>
                 </a14:m>
                 <a:r>
-                  <a:rPr lang="en-GB" sz="2400" dirty="0" smtClean="0"/>
+                  <a:rPr lang="en-GB" sz="2400" dirty="0"/>
                   <a:t> 			</a:t>
                 </a:r>
                 <a14:m>
@@ -28083,10 +27662,9 @@
                   </m:oMath>
                 </a14:m>
                 <a:r>
-                  <a:rPr lang="en-GB" sz="2000" dirty="0" smtClean="0"/>
+                  <a:rPr lang="en-GB" sz="2000" dirty="0"/>
                   <a:t>	</a:t>
                 </a:r>
-                <a:endParaRPr lang="en-GB" sz="2000" dirty="0"/>
               </a:p>
             </p:txBody>
           </p:sp>
@@ -28511,12 +28089,8 @@
           <a:p>
             <a:pPr lvl="0"/>
             <a:r>
-              <a:rPr lang="en-GB" sz="1400" dirty="0" smtClean="0"/>
-              <a:t>Image source</a:t>
-            </a:r>
-            <a:r>
               <a:rPr lang="en-GB" sz="1400" dirty="0"/>
-              <a:t>: [1]</a:t>
+              <a:t>Image source: [1]</a:t>
             </a:r>
           </a:p>
         </p:txBody>
@@ -28678,13 +28252,6 @@
   <p:clrMapOvr>
     <a:masterClrMapping/>
   </p:clrMapOvr>
-  <p:timing>
-    <p:tnLst>
-      <p:par>
-        <p:cTn id="1" dur="indefinite" restart="never" nodeType="tmRoot"/>
-      </p:par>
-    </p:tnLst>
-  </p:timing>
 </p:sld>
 </file>
 
@@ -28745,7 +28312,7 @@
           <a:lstStyle/>
           <a:p>
             <a:r>
-              <a:rPr lang="en-US" smtClean="0"/>
+              <a:rPr lang="en-US"/>
               <a:t>Ganiyu Ibraheem  Philipp Seybold</a:t>
             </a:r>
             <a:endParaRPr lang="en-GB" dirty="0"/>
@@ -28768,10 +28335,9 @@
           <a:lstStyle/>
           <a:p>
             <a:r>
-              <a:rPr lang="en-GB" dirty="0" smtClean="0"/>
+              <a:rPr lang="en-GB" dirty="0"/>
               <a:t>COMP6206 Advanced Computer Vision</a:t>
             </a:r>
-            <a:endParaRPr lang="en-GB" dirty="0"/>
           </a:p>
         </p:txBody>
       </p:sp>
@@ -29305,7 +28871,7 @@
                   </m:oMath>
                 </a14:m>
                 <a:r>
-                  <a:rPr lang="en-GB" sz="2400" i="1" dirty="0" smtClean="0">
+                  <a:rPr lang="en-GB" sz="2400" i="1" dirty="0">
                     <a:latin typeface="Cambria Math" panose="02040503050406030204" pitchFamily="18" charset="0"/>
                   </a:rPr>
                   <a:t>	</a:t>
@@ -29466,7 +29032,7 @@
                     </m:nary>
                   </m:oMath>
                 </a14:m>
-                <a:endParaRPr lang="en-GB" sz="2400" i="1" dirty="0" smtClean="0">
+                <a:endParaRPr lang="en-GB" sz="2400" i="1" dirty="0">
                   <a:latin typeface="Cambria Math" panose="02040503050406030204" pitchFamily="18" charset="0"/>
                 </a:endParaRPr>
               </a:p>
@@ -29816,7 +29382,7 @@
                   </m:oMath>
                 </a14:m>
                 <a:r>
-                  <a:rPr lang="en-GB" sz="2400" dirty="0" smtClean="0"/>
+                  <a:rPr lang="en-GB" sz="2400" dirty="0"/>
                   <a:t> 			</a:t>
                 </a:r>
                 <a14:m>
@@ -29976,10 +29542,9 @@
                   </m:oMath>
                 </a14:m>
                 <a:r>
-                  <a:rPr lang="en-GB" sz="2000" dirty="0" smtClean="0"/>
+                  <a:rPr lang="en-GB" sz="2000" dirty="0"/>
                   <a:t>	</a:t>
                 </a:r>
-                <a:endParaRPr lang="en-GB" sz="2000" dirty="0"/>
               </a:p>
             </p:txBody>
           </p:sp>
@@ -30404,12 +29969,8 @@
           <a:p>
             <a:pPr lvl="0"/>
             <a:r>
-              <a:rPr lang="en-GB" sz="1400" dirty="0" smtClean="0"/>
-              <a:t>Image source</a:t>
-            </a:r>
-            <a:r>
               <a:rPr lang="en-GB" sz="1400" dirty="0"/>
-              <a:t>: [1]</a:t>
+              <a:t>Image source: [1]</a:t>
             </a:r>
           </a:p>
         </p:txBody>
@@ -30571,13 +30132,6 @@
   <p:clrMapOvr>
     <a:masterClrMapping/>
   </p:clrMapOvr>
-  <p:timing>
-    <p:tnLst>
-      <p:par>
-        <p:cTn id="1" dur="indefinite" restart="never" nodeType="tmRoot"/>
-      </p:par>
-    </p:tnLst>
-  </p:timing>
 </p:sld>
 </file>
 
@@ -30638,7 +30192,7 @@
           <a:lstStyle/>
           <a:p>
             <a:r>
-              <a:rPr lang="en-US" smtClean="0"/>
+              <a:rPr lang="en-US"/>
               <a:t>Ganiyu Ibraheem  Philipp Seybold</a:t>
             </a:r>
             <a:endParaRPr lang="en-GB" dirty="0"/>
@@ -30661,10 +30215,9 @@
           <a:lstStyle/>
           <a:p>
             <a:r>
-              <a:rPr lang="en-GB" dirty="0" smtClean="0"/>
+              <a:rPr lang="en-GB" dirty="0"/>
               <a:t>COMP6206 Advanced Computer Vision</a:t>
             </a:r>
-            <a:endParaRPr lang="en-GB" dirty="0"/>
           </a:p>
         </p:txBody>
       </p:sp>
@@ -31198,7 +30751,7 @@
                   </m:oMath>
                 </a14:m>
                 <a:r>
-                  <a:rPr lang="en-GB" sz="2400" i="1" dirty="0" smtClean="0">
+                  <a:rPr lang="en-GB" sz="2400" i="1" dirty="0">
                     <a:latin typeface="Cambria Math" panose="02040503050406030204" pitchFamily="18" charset="0"/>
                   </a:rPr>
                   <a:t>	</a:t>
@@ -31359,7 +30912,7 @@
                     </m:nary>
                   </m:oMath>
                 </a14:m>
-                <a:endParaRPr lang="en-GB" sz="2400" i="1" dirty="0" smtClean="0">
+                <a:endParaRPr lang="en-GB" sz="2400" i="1" dirty="0">
                   <a:latin typeface="Cambria Math" panose="02040503050406030204" pitchFamily="18" charset="0"/>
                 </a:endParaRPr>
               </a:p>
@@ -31709,7 +31262,7 @@
                   </m:oMath>
                 </a14:m>
                 <a:r>
-                  <a:rPr lang="en-GB" sz="2400" dirty="0" smtClean="0"/>
+                  <a:rPr lang="en-GB" sz="2400" dirty="0"/>
                   <a:t> 			</a:t>
                 </a:r>
                 <a14:m>
@@ -31869,10 +31422,9 @@
                   </m:oMath>
                 </a14:m>
                 <a:r>
-                  <a:rPr lang="en-GB" sz="2000" dirty="0" smtClean="0"/>
+                  <a:rPr lang="en-GB" sz="2000" dirty="0"/>
                   <a:t>	</a:t>
                 </a:r>
-                <a:endParaRPr lang="en-GB" sz="2000" dirty="0"/>
               </a:p>
             </p:txBody>
           </p:sp>
@@ -32297,12 +31849,8 @@
           <a:p>
             <a:pPr lvl="0"/>
             <a:r>
-              <a:rPr lang="en-GB" sz="1400" dirty="0" smtClean="0"/>
-              <a:t>Image source</a:t>
-            </a:r>
-            <a:r>
               <a:rPr lang="en-GB" sz="1400" dirty="0"/>
-              <a:t>: [1]</a:t>
+              <a:t>Image source: [1]</a:t>
             </a:r>
           </a:p>
         </p:txBody>
@@ -32464,13 +32012,6 @@
   <p:clrMapOvr>
     <a:masterClrMapping/>
   </p:clrMapOvr>
-  <p:timing>
-    <p:tnLst>
-      <p:par>
-        <p:cTn id="1" dur="indefinite" restart="never" nodeType="tmRoot"/>
-      </p:par>
-    </p:tnLst>
-  </p:timing>
 </p:sld>
 </file>
 

--- a/Force Field Transformation.pptx
+++ b/Force Field Transformation.pptx
@@ -5,7 +5,7 @@
     <p:sldMasterId id="2147483660" r:id="rId1"/>
   </p:sldMasterIdLst>
   <p:notesMasterIdLst>
-    <p:notesMasterId r:id="rId26"/>
+    <p:notesMasterId r:id="rId27"/>
   </p:notesMasterIdLst>
   <p:sldIdLst>
     <p:sldId id="256" r:id="rId2"/>
@@ -31,7 +31,8 @@
     <p:sldId id="281" r:id="rId22"/>
     <p:sldId id="272" r:id="rId23"/>
     <p:sldId id="264" r:id="rId24"/>
-    <p:sldId id="263" r:id="rId25"/>
+    <p:sldId id="284" r:id="rId25"/>
+    <p:sldId id="263" r:id="rId26"/>
   </p:sldIdLst>
   <p:sldSz cx="9144000" cy="6858000" type="screen4x3"/>
   <p:notesSz cx="6858000" cy="9144000"/>
@@ -3143,6 +3144,327 @@
       </p:grpSpPr>
       <p:sp>
         <p:nvSpPr>
+          <p:cNvPr id="2" name="Slide Image Placeholder 1"/>
+          <p:cNvSpPr>
+            <a:spLocks noGrp="1" noRot="1" noChangeAspect="1"/>
+          </p:cNvSpPr>
+          <p:nvPr>
+            <p:ph type="sldImg"/>
+          </p:nvPr>
+        </p:nvSpPr>
+        <p:spPr/>
+      </p:sp>
+      <p:sp>
+        <p:nvSpPr>
+          <p:cNvPr id="3" name="Notes Placeholder 2"/>
+          <p:cNvSpPr>
+            <a:spLocks noGrp="1"/>
+          </p:cNvSpPr>
+          <p:nvPr>
+            <p:ph type="body" idx="1"/>
+          </p:nvPr>
+        </p:nvSpPr>
+        <p:spPr/>
+        <p:txBody>
+          <a:bodyPr/>
+          <a:lstStyle/>
+          <a:p>
+            <a:r>
+              <a:rPr lang="en-GB" dirty="0"/>
+              <a:t>- Talk about implementation details, show the code and how it works</a:t>
+            </a:r>
+          </a:p>
+          <a:p>
+            <a:pPr marL="171450" indent="-171450">
+              <a:buFontTx/>
+              <a:buChar char="-"/>
+            </a:pPr>
+            <a:r>
+              <a:rPr lang="en-GB" dirty="0"/>
+              <a:t>imageForceField2</a:t>
+            </a:r>
+          </a:p>
+          <a:p>
+            <a:pPr marL="628650" lvl="1" indent="-171450">
+              <a:buFontTx/>
+              <a:buChar char="-"/>
+            </a:pPr>
+            <a:r>
+              <a:rPr lang="en-GB" dirty="0"/>
+              <a:t>There is a scaling factor which doubles the image</a:t>
+            </a:r>
+          </a:p>
+          <a:p>
+            <a:pPr marL="628650" lvl="1" indent="-171450">
+              <a:buFontTx/>
+              <a:buChar char="-"/>
+            </a:pPr>
+            <a:r>
+              <a:rPr lang="en-GB" dirty="0"/>
+              <a:t>The Force field numbers are transformed into real numbers from complex number vector space</a:t>
+            </a:r>
+          </a:p>
+          <a:p>
+            <a:pPr marL="1085850" lvl="2" indent="-171450">
+              <a:buFontTx/>
+              <a:buChar char="-"/>
+            </a:pPr>
+            <a:r>
+              <a:rPr lang="en-GB" dirty="0"/>
+              <a:t>They are rescaled to values between 0 and 255</a:t>
+            </a:r>
+          </a:p>
+          <a:p>
+            <a:pPr marL="628650" lvl="1" indent="-171450">
+              <a:buFontTx/>
+              <a:buChar char="-"/>
+            </a:pPr>
+            <a:r>
+              <a:rPr lang="en-GB" dirty="0"/>
+              <a:t>The generated force field is re-arranged differently and therefore need to be stitched together into an image</a:t>
+            </a:r>
+          </a:p>
+          <a:p>
+            <a:pPr marL="1085850" lvl="2" indent="-171450">
+              <a:buFontTx/>
+              <a:buChar char="-"/>
+            </a:pPr>
+            <a:r>
+              <a:rPr lang="en-GB" dirty="0"/>
+              <a:t>This stitching depends on the scale value used</a:t>
+            </a:r>
+          </a:p>
+          <a:p>
+            <a:pPr marL="1085850" lvl="2" indent="-171450">
+              <a:buFontTx/>
+              <a:buChar char="-"/>
+            </a:pPr>
+            <a:r>
+              <a:rPr lang="en-GB" dirty="0"/>
+              <a:t>They are then stacked together easily using </a:t>
+            </a:r>
+            <a:r>
+              <a:rPr lang="en-GB" dirty="0" err="1"/>
+              <a:t>numpy</a:t>
+            </a:r>
+            <a:r>
+              <a:rPr lang="en-GB" dirty="0"/>
+              <a:t> helper functions</a:t>
+            </a:r>
+          </a:p>
+          <a:p>
+            <a:pPr marL="628650" marR="0" lvl="1" indent="-171450" algn="l" defTabSz="914400" rtl="0" eaLnBrk="1" fontAlgn="auto" latinLnBrk="0" hangingPunct="1">
+              <a:lnSpc>
+                <a:spcPct val="100000"/>
+              </a:lnSpc>
+              <a:spcBef>
+                <a:spcPts val="0"/>
+              </a:spcBef>
+              <a:spcAft>
+                <a:spcPts val="0"/>
+              </a:spcAft>
+              <a:buClrTx/>
+              <a:buSzTx/>
+              <a:buFontTx/>
+              <a:buChar char="-"/>
+              <a:tabLst/>
+              <a:defRPr/>
+            </a:pPr>
+            <a:r>
+              <a:rPr lang="en-GB" dirty="0"/>
+              <a:t>The trick to making it work is to resize the image to smaller values roughly around (300,200)</a:t>
+            </a:r>
+          </a:p>
+          <a:p>
+            <a:pPr marL="1085850" lvl="2" indent="-171450">
+              <a:buFontTx/>
+              <a:buChar char="-"/>
+            </a:pPr>
+            <a:r>
+              <a:rPr lang="en-GB" dirty="0"/>
+              <a:t>300 x 200 = 60000 pixels which gets scaled x2 =&gt; 120,000 , which is a lot even using the </a:t>
+            </a:r>
+            <a:r>
+              <a:rPr lang="en-GB" dirty="0" err="1"/>
+              <a:t>fourier</a:t>
+            </a:r>
+            <a:r>
+              <a:rPr lang="en-GB" dirty="0"/>
+              <a:t> transform on a simple machine like this</a:t>
+            </a:r>
+          </a:p>
+          <a:p>
+            <a:pPr marL="1085850" lvl="2" indent="-171450">
+              <a:buFontTx/>
+              <a:buChar char="-"/>
+            </a:pPr>
+            <a:r>
+              <a:rPr lang="en-GB" dirty="0"/>
+              <a:t>Imagine a larger image of around (500,500) =&gt; 500,000 pixels</a:t>
+            </a:r>
+          </a:p>
+          <a:p>
+            <a:pPr marL="1085850" lvl="2" indent="-171450">
+              <a:buFontTx/>
+              <a:buChar char="-"/>
+            </a:pPr>
+            <a:r>
+              <a:rPr lang="en-GB" dirty="0"/>
+              <a:t>For real time streaming, as shown in the code `stream`, its best a small image size is used (250,150)</a:t>
+            </a:r>
+          </a:p>
+          <a:p>
+            <a:pPr marL="1085850" lvl="2" indent="-171450">
+              <a:buFontTx/>
+              <a:buChar char="-"/>
+            </a:pPr>
+            <a:endParaRPr lang="en-GB" dirty="0"/>
+          </a:p>
+        </p:txBody>
+      </p:sp>
+      <p:sp>
+        <p:nvSpPr>
+          <p:cNvPr id="4" name="Slide Number Placeholder 3"/>
+          <p:cNvSpPr>
+            <a:spLocks noGrp="1"/>
+          </p:cNvSpPr>
+          <p:nvPr>
+            <p:ph type="sldNum" sz="quarter" idx="10"/>
+          </p:nvPr>
+        </p:nvSpPr>
+        <p:spPr/>
+        <p:txBody>
+          <a:bodyPr/>
+          <a:lstStyle/>
+          <a:p>
+            <a:fld id="{EF2D93C9-B2FF-4D76-8851-D84BA33B2773}" type="slidenum">
+              <a:rPr lang="en-GB" smtClean="0"/>
+              <a:t>18</a:t>
+            </a:fld>
+            <a:endParaRPr lang="en-GB"/>
+          </a:p>
+        </p:txBody>
+      </p:sp>
+    </p:spTree>
+    <p:extLst>
+      <p:ext uri="{BB962C8B-B14F-4D97-AF65-F5344CB8AC3E}">
+        <p14:creationId xmlns:p14="http://schemas.microsoft.com/office/powerpoint/2010/main" val="2645902026"/>
+      </p:ext>
+    </p:extLst>
+  </p:cSld>
+  <p:clrMapOvr>
+    <a:masterClrMapping/>
+  </p:clrMapOvr>
+</p:notes>
+</file>
+
+<file path=ppt/notesSlides/notesSlide16.xml><?xml version="1.0" encoding="utf-8"?>
+<p:notes xmlns:a="http://schemas.openxmlformats.org/drawingml/2006/main" xmlns:r="http://schemas.openxmlformats.org/officeDocument/2006/relationships" xmlns:p="http://schemas.openxmlformats.org/presentationml/2006/main">
+  <p:cSld>
+    <p:spTree>
+      <p:nvGrpSpPr>
+        <p:cNvPr id="1" name=""/>
+        <p:cNvGrpSpPr/>
+        <p:nvPr/>
+      </p:nvGrpSpPr>
+      <p:grpSpPr>
+        <a:xfrm>
+          <a:off x="0" y="0"/>
+          <a:ext cx="0" cy="0"/>
+          <a:chOff x="0" y="0"/>
+          <a:chExt cx="0" cy="0"/>
+        </a:xfrm>
+      </p:grpSpPr>
+      <p:sp>
+        <p:nvSpPr>
+          <p:cNvPr id="2" name="Slide Image Placeholder 1"/>
+          <p:cNvSpPr>
+            <a:spLocks noGrp="1" noRot="1" noChangeAspect="1"/>
+          </p:cNvSpPr>
+          <p:nvPr>
+            <p:ph type="sldImg"/>
+          </p:nvPr>
+        </p:nvSpPr>
+        <p:spPr/>
+      </p:sp>
+      <p:sp>
+        <p:nvSpPr>
+          <p:cNvPr id="3" name="Notes Placeholder 2"/>
+          <p:cNvSpPr>
+            <a:spLocks noGrp="1"/>
+          </p:cNvSpPr>
+          <p:nvPr>
+            <p:ph type="body" idx="1"/>
+          </p:nvPr>
+        </p:nvSpPr>
+        <p:spPr/>
+        <p:txBody>
+          <a:bodyPr/>
+          <a:lstStyle/>
+          <a:p>
+            <a:r>
+              <a:rPr lang="en-GB" dirty="0"/>
+              <a:t>1. It takes forever to compute using the brute force approach</a:t>
+            </a:r>
+            <a:endParaRPr lang="en-US" dirty="0"/>
+          </a:p>
+        </p:txBody>
+      </p:sp>
+      <p:sp>
+        <p:nvSpPr>
+          <p:cNvPr id="4" name="Slide Number Placeholder 3"/>
+          <p:cNvSpPr>
+            <a:spLocks noGrp="1"/>
+          </p:cNvSpPr>
+          <p:nvPr>
+            <p:ph type="sldNum" sz="quarter" idx="10"/>
+          </p:nvPr>
+        </p:nvSpPr>
+        <p:spPr/>
+        <p:txBody>
+          <a:bodyPr/>
+          <a:lstStyle/>
+          <a:p>
+            <a:fld id="{EF2D93C9-B2FF-4D76-8851-D84BA33B2773}" type="slidenum">
+              <a:rPr lang="en-GB" smtClean="0"/>
+              <a:t>19</a:t>
+            </a:fld>
+            <a:endParaRPr lang="en-GB"/>
+          </a:p>
+        </p:txBody>
+      </p:sp>
+    </p:spTree>
+    <p:extLst>
+      <p:ext uri="{BB962C8B-B14F-4D97-AF65-F5344CB8AC3E}">
+        <p14:creationId xmlns:p14="http://schemas.microsoft.com/office/powerpoint/2010/main" val="1854661798"/>
+      </p:ext>
+    </p:extLst>
+  </p:cSld>
+  <p:clrMapOvr>
+    <a:masterClrMapping/>
+  </p:clrMapOvr>
+</p:notes>
+</file>
+
+<file path=ppt/notesSlides/notesSlide17.xml><?xml version="1.0" encoding="utf-8"?>
+<p:notes xmlns:a="http://schemas.openxmlformats.org/drawingml/2006/main" xmlns:r="http://schemas.openxmlformats.org/officeDocument/2006/relationships" xmlns:p="http://schemas.openxmlformats.org/presentationml/2006/main">
+  <p:cSld>
+    <p:spTree>
+      <p:nvGrpSpPr>
+        <p:cNvPr id="1" name=""/>
+        <p:cNvGrpSpPr/>
+        <p:nvPr/>
+      </p:nvGrpSpPr>
+      <p:grpSpPr>
+        <a:xfrm>
+          <a:off x="0" y="0"/>
+          <a:ext cx="0" cy="0"/>
+          <a:chOff x="0" y="0"/>
+          <a:chExt cx="0" cy="0"/>
+        </a:xfrm>
+      </p:grpSpPr>
+      <p:sp>
+        <p:nvSpPr>
           <p:cNvPr id="2" name="Folienbildplatzhalter 1"/>
           <p:cNvSpPr>
             <a:spLocks noGrp="1" noRot="1" noChangeAspect="1"/>
@@ -3212,7 +3534,7 @@
 </p:notes>
 </file>
 
-<file path=ppt/notesSlides/notesSlide16.xml><?xml version="1.0" encoding="utf-8"?>
+<file path=ppt/notesSlides/notesSlide18.xml><?xml version="1.0" encoding="utf-8"?>
 <p:notes xmlns:a="http://schemas.openxmlformats.org/drawingml/2006/main" xmlns:r="http://schemas.openxmlformats.org/officeDocument/2006/relationships" xmlns:p="http://schemas.openxmlformats.org/presentationml/2006/main">
   <p:cSld>
     <p:spTree>
@@ -3287,6 +3609,90 @@
     <p:extLst>
       <p:ext uri="{BB962C8B-B14F-4D97-AF65-F5344CB8AC3E}">
         <p14:creationId xmlns:p14="http://schemas.microsoft.com/office/powerpoint/2010/main" val="2127599305"/>
+      </p:ext>
+    </p:extLst>
+  </p:cSld>
+  <p:clrMapOvr>
+    <a:masterClrMapping/>
+  </p:clrMapOvr>
+</p:notes>
+</file>
+
+<file path=ppt/notesSlides/notesSlide19.xml><?xml version="1.0" encoding="utf-8"?>
+<p:notes xmlns:a="http://schemas.openxmlformats.org/drawingml/2006/main" xmlns:r="http://schemas.openxmlformats.org/officeDocument/2006/relationships" xmlns:p="http://schemas.openxmlformats.org/presentationml/2006/main">
+  <p:cSld>
+    <p:spTree>
+      <p:nvGrpSpPr>
+        <p:cNvPr id="1" name=""/>
+        <p:cNvGrpSpPr/>
+        <p:nvPr/>
+      </p:nvGrpSpPr>
+      <p:grpSpPr>
+        <a:xfrm>
+          <a:off x="0" y="0"/>
+          <a:ext cx="0" cy="0"/>
+          <a:chOff x="0" y="0"/>
+          <a:chExt cx="0" cy="0"/>
+        </a:xfrm>
+      </p:grpSpPr>
+      <p:sp>
+        <p:nvSpPr>
+          <p:cNvPr id="2" name="Folienbildplatzhalter 1"/>
+          <p:cNvSpPr>
+            <a:spLocks noGrp="1" noRot="1" noChangeAspect="1"/>
+          </p:cNvSpPr>
+          <p:nvPr>
+            <p:ph type="sldImg"/>
+          </p:nvPr>
+        </p:nvSpPr>
+        <p:spPr/>
+      </p:sp>
+      <p:sp>
+        <p:nvSpPr>
+          <p:cNvPr id="3" name="Notizenplatzhalter 2"/>
+          <p:cNvSpPr>
+            <a:spLocks noGrp="1"/>
+          </p:cNvSpPr>
+          <p:nvPr>
+            <p:ph type="body" idx="1"/>
+          </p:nvPr>
+        </p:nvSpPr>
+        <p:spPr/>
+        <p:txBody>
+          <a:bodyPr/>
+          <a:lstStyle/>
+          <a:p>
+            <a:endParaRPr lang="en-GB" dirty="0"/>
+          </a:p>
+        </p:txBody>
+      </p:sp>
+      <p:sp>
+        <p:nvSpPr>
+          <p:cNvPr id="4" name="Foliennummernplatzhalter 3"/>
+          <p:cNvSpPr>
+            <a:spLocks noGrp="1"/>
+          </p:cNvSpPr>
+          <p:nvPr>
+            <p:ph type="sldNum" sz="quarter" idx="10"/>
+          </p:nvPr>
+        </p:nvSpPr>
+        <p:spPr/>
+        <p:txBody>
+          <a:bodyPr/>
+          <a:lstStyle/>
+          <a:p>
+            <a:fld id="{EF2D93C9-B2FF-4D76-8851-D84BA33B2773}" type="slidenum">
+              <a:rPr lang="en-GB" smtClean="0"/>
+              <a:t>24</a:t>
+            </a:fld>
+            <a:endParaRPr lang="en-GB"/>
+          </a:p>
+        </p:txBody>
+      </p:sp>
+    </p:spTree>
+    <p:extLst>
+      <p:ext uri="{BB962C8B-B14F-4D97-AF65-F5344CB8AC3E}">
+        <p14:creationId xmlns:p14="http://schemas.microsoft.com/office/powerpoint/2010/main" val="2614360665"/>
       </p:ext>
     </p:extLst>
   </p:cSld>
@@ -18337,7 +18743,7 @@
             <a:pPr lvl="0"/>
             <a:r>
               <a:rPr lang="en-GB" sz="2000" dirty="0"/>
-              <a:t>1. Initialisation		 2. Force Channels	 3. Superimposed wells</a:t>
+              <a:t>1. Initialisation		 2. Force channels	 3. Superimposed wells</a:t>
             </a:r>
           </a:p>
         </p:txBody>
@@ -18432,7 +18838,7 @@
           <a:p>
             <a:r>
               <a:rPr lang="en-GB" dirty="0"/>
-              <a:t>Affected by localized changes in illumination though</a:t>
+              <a:t>Affected by localized changes in illumination</a:t>
             </a:r>
           </a:p>
           <a:p>
@@ -19089,82 +19495,186 @@
           </a:p>
         </p:txBody>
       </p:sp>
-      <p:sp>
-        <p:nvSpPr>
-          <p:cNvPr id="3" name="Inhaltsplatzhalter 2"/>
-          <p:cNvSpPr>
-            <a:spLocks noGrp="1"/>
-          </p:cNvSpPr>
-          <p:nvPr>
-            <p:ph idx="1"/>
-          </p:nvPr>
-        </p:nvSpPr>
-        <p:spPr/>
-        <p:txBody>
-          <a:bodyPr>
-            <a:normAutofit/>
-          </a:bodyPr>
-          <a:lstStyle/>
-          <a:p>
-            <a:pPr marL="0" lvl="0" indent="0">
-              <a:buNone/>
-            </a:pPr>
-            <a:r>
-              <a:rPr lang="en-GB" dirty="0"/>
-              <a:t>Advantages:</a:t>
-            </a:r>
-          </a:p>
-          <a:p>
-            <a:pPr lvl="1"/>
-            <a:r>
-              <a:rPr lang="en-GB" dirty="0"/>
-              <a:t>Simplified implementation in time domain</a:t>
-            </a:r>
-          </a:p>
-          <a:p>
-            <a:pPr lvl="1"/>
-            <a:r>
-              <a:rPr lang="en-GB" dirty="0"/>
-              <a:t>Time complexity reduced due to working in frequency domain: O(n * log(n))</a:t>
-            </a:r>
-          </a:p>
-          <a:p>
-            <a:pPr lvl="1"/>
-            <a:r>
-              <a:rPr lang="en-GB" dirty="0"/>
-              <a:t>Finds application in edge detection</a:t>
-            </a:r>
-          </a:p>
-          <a:p>
-            <a:pPr lvl="1"/>
-            <a:r>
-              <a:rPr lang="en-GB" dirty="0"/>
-              <a:t>Higher efficiency (99.2%) as compared to other techniques</a:t>
-            </a:r>
-          </a:p>
-          <a:p>
-            <a:pPr lvl="1"/>
-            <a:r>
-              <a:rPr lang="en-GB" dirty="0"/>
-              <a:t>The Force Field Transforms are invertible</a:t>
-            </a:r>
-          </a:p>
-          <a:p>
-            <a:pPr lvl="1"/>
-            <a:r>
-              <a:rPr lang="en-GB" dirty="0"/>
-              <a:t>It is scale invariant and tolerant to low noise</a:t>
-            </a:r>
-          </a:p>
-          <a:p>
-            <a:pPr lvl="2"/>
-            <a:r>
-              <a:rPr lang="en-GB" dirty="0"/>
-              <a:t>Also invariant to different changes in illumination</a:t>
-            </a:r>
-          </a:p>
-        </p:txBody>
-      </p:sp>
+      <mc:AlternateContent xmlns:mc="http://schemas.openxmlformats.org/markup-compatibility/2006">
+        <mc:Choice xmlns:a14="http://schemas.microsoft.com/office/drawing/2010/main" Requires="a14">
+          <p:sp>
+            <p:nvSpPr>
+              <p:cNvPr id="3" name="Inhaltsplatzhalter 2"/>
+              <p:cNvSpPr>
+                <a:spLocks noGrp="1"/>
+              </p:cNvSpPr>
+              <p:nvPr>
+                <p:ph idx="1"/>
+              </p:nvPr>
+            </p:nvSpPr>
+            <p:spPr/>
+            <p:txBody>
+              <a:bodyPr>
+                <a:normAutofit/>
+              </a:bodyPr>
+              <a:lstStyle/>
+              <a:p>
+                <a:pPr marL="0" lvl="0" indent="0">
+                  <a:buNone/>
+                </a:pPr>
+                <a:r>
+                  <a:rPr lang="en-GB" dirty="0"/>
+                  <a:t>Advantages:</a:t>
+                </a:r>
+              </a:p>
+              <a:p>
+                <a:pPr lvl="1"/>
+                <a:r>
+                  <a:rPr lang="en-GB" dirty="0"/>
+                  <a:t>Simplified implementation in time domain</a:t>
+                </a:r>
+              </a:p>
+              <a:p>
+                <a:pPr lvl="1"/>
+                <a:r>
+                  <a:rPr lang="en-GB" dirty="0"/>
+                  <a:t>Time complexity reduced due to working in frequency domain: </a:t>
+                </a:r>
+                <a14:m>
+                  <m:oMath xmlns:m="http://schemas.openxmlformats.org/officeDocument/2006/math">
+                    <m:r>
+                      <a:rPr lang="en-GB" i="1" dirty="0" smtClean="0">
+                        <a:latin typeface="Cambria Math" panose="02040503050406030204" pitchFamily="18" charset="0"/>
+                      </a:rPr>
+                      <m:t>𝑂</m:t>
+                    </m:r>
+                    <m:r>
+                      <a:rPr lang="en-GB" i="1" dirty="0" smtClean="0">
+                        <a:latin typeface="Cambria Math" panose="02040503050406030204" pitchFamily="18" charset="0"/>
+                      </a:rPr>
+                      <m:t>(</m:t>
+                    </m:r>
+                    <m:r>
+                      <a:rPr lang="en-GB" i="1" dirty="0" smtClean="0">
+                        <a:latin typeface="Cambria Math" panose="02040503050406030204" pitchFamily="18" charset="0"/>
+                      </a:rPr>
+                      <m:t>𝑛</m:t>
+                    </m:r>
+                    <m:r>
+                      <a:rPr lang="en-GB" b="0" i="1" dirty="0" smtClean="0">
+                        <a:latin typeface="Cambria Math" panose="02040503050406030204" pitchFamily="18" charset="0"/>
+                      </a:rPr>
+                      <m:t>⋅</m:t>
+                    </m:r>
+                    <m:r>
+                      <a:rPr lang="en-GB" i="1" dirty="0" smtClean="0">
+                        <a:latin typeface="Cambria Math" panose="02040503050406030204" pitchFamily="18" charset="0"/>
+                      </a:rPr>
+                      <m:t> </m:t>
+                    </m:r>
+                    <m:r>
+                      <m:rPr>
+                        <m:sty m:val="p"/>
+                      </m:rPr>
+                      <a:rPr lang="en-GB" i="1" dirty="0">
+                        <a:latin typeface="Cambria Math" panose="02040503050406030204" pitchFamily="18" charset="0"/>
+                      </a:rPr>
+                      <m:t>log</m:t>
+                    </m:r>
+                    <m:r>
+                      <a:rPr lang="en-GB" i="1" dirty="0">
+                        <a:latin typeface="Cambria Math" panose="02040503050406030204" pitchFamily="18" charset="0"/>
+                      </a:rPr>
+                      <m:t>⁡(</m:t>
+                    </m:r>
+                    <m:r>
+                      <a:rPr lang="en-GB" i="1" dirty="0">
+                        <a:latin typeface="Cambria Math" panose="02040503050406030204" pitchFamily="18" charset="0"/>
+                      </a:rPr>
+                      <m:t>𝑛</m:t>
+                    </m:r>
+                    <m:r>
+                      <a:rPr lang="en-GB" i="1" dirty="0">
+                        <a:latin typeface="Cambria Math" panose="02040503050406030204" pitchFamily="18" charset="0"/>
+                      </a:rPr>
+                      <m:t>))</m:t>
+                    </m:r>
+                  </m:oMath>
+                </a14:m>
+                <a:endParaRPr lang="en-GB" dirty="0"/>
+              </a:p>
+              <a:p>
+                <a:pPr lvl="1"/>
+                <a:r>
+                  <a:rPr lang="en-GB" dirty="0"/>
+                  <a:t>Finds application in edge detection</a:t>
+                </a:r>
+              </a:p>
+              <a:p>
+                <a:pPr lvl="1"/>
+                <a:r>
+                  <a:rPr lang="en-GB" dirty="0"/>
+                  <a:t>Higher efficiency (99.2%) as compared to other techniques for </a:t>
+                </a:r>
+                <a:r>
+                  <a:rPr lang="en-GB"/>
+                  <a:t>ear biometrics</a:t>
+                </a:r>
+                <a:endParaRPr lang="en-GB" dirty="0"/>
+              </a:p>
+              <a:p>
+                <a:pPr lvl="1"/>
+                <a:r>
+                  <a:rPr lang="en-GB" dirty="0"/>
+                  <a:t>The Force Field Transforms are invertible</a:t>
+                </a:r>
+              </a:p>
+              <a:p>
+                <a:pPr lvl="1"/>
+                <a:r>
+                  <a:rPr lang="en-GB" dirty="0"/>
+                  <a:t>It is scale invariant and tolerant to low noise</a:t>
+                </a:r>
+              </a:p>
+              <a:p>
+                <a:pPr lvl="2"/>
+                <a:r>
+                  <a:rPr lang="en-GB" dirty="0"/>
+                  <a:t>Also invariant to changes in illumination</a:t>
+                </a:r>
+              </a:p>
+            </p:txBody>
+          </p:sp>
+        </mc:Choice>
+        <mc:Fallback>
+          <p:sp>
+            <p:nvSpPr>
+              <p:cNvPr id="3" name="Inhaltsplatzhalter 2"/>
+              <p:cNvSpPr>
+                <a:spLocks noGrp="1" noRot="1" noChangeAspect="1" noMove="1" noResize="1" noEditPoints="1" noAdjustHandles="1" noChangeArrowheads="1" noChangeShapeType="1" noTextEdit="1"/>
+              </p:cNvSpPr>
+              <p:nvPr>
+                <p:ph idx="1"/>
+              </p:nvPr>
+            </p:nvSpPr>
+            <p:spPr>
+              <a:blipFill>
+                <a:blip r:embed="rId3"/>
+                <a:stretch>
+                  <a:fillRect l="-1608" t="-1902"/>
+                </a:stretch>
+              </a:blipFill>
+            </p:spPr>
+            <p:txBody>
+              <a:bodyPr/>
+              <a:lstStyle/>
+              <a:p>
+                <a:r>
+                  <a:rPr lang="en-US">
+                    <a:noFill/>
+                  </a:rPr>
+                  <a:t> </a:t>
+                </a:r>
+              </a:p>
+            </p:txBody>
+          </p:sp>
+        </mc:Fallback>
+      </mc:AlternateContent>
       <p:sp>
         <p:nvSpPr>
           <p:cNvPr id="4" name="Datumsplatzhalter 3"/>
@@ -19779,7 +20289,14 @@
                                   <m:t>⋮</m:t>
                                 </m:r>
                               </m:e>
-                              <m:e/>
+                              <m:e>
+                                <m:r>
+                                  <a:rPr lang="en-GB" sz="2400" b="0" i="1" smtClean="0">
+                                    <a:latin typeface="Cambria Math" panose="02040503050406030204" pitchFamily="18" charset="0"/>
+                                  </a:rPr>
+                                  <m:t>⋅</m:t>
+                                </m:r>
+                              </m:e>
                               <m:e/>
                             </m:mr>
                             <m:mr>
@@ -19877,7 +20394,14 @@
                                       </a:rPr>
                                     </m:ctrlPr>
                                   </m:eqArrPr>
-                                  <m:e/>
+                                  <m:e>
+                                    <m:r>
+                                      <a:rPr lang="en-GB" sz="2400" i="1">
+                                        <a:latin typeface="Cambria Math" panose="02040503050406030204" pitchFamily="18" charset="0"/>
+                                      </a:rPr>
+                                      <m:t>⋅</m:t>
+                                    </m:r>
+                                  </m:e>
                                   <m:e>
                                     <m:sSub>
                                       <m:sSubPr>
@@ -22583,61 +23107,127 @@
           </a:p>
         </p:txBody>
       </p:sp>
-      <p:sp>
-        <p:nvSpPr>
-          <p:cNvPr id="3" name="Inhaltsplatzhalter 2"/>
-          <p:cNvSpPr>
-            <a:spLocks noGrp="1"/>
-          </p:cNvSpPr>
-          <p:nvPr>
-            <p:ph idx="1"/>
-          </p:nvPr>
-        </p:nvSpPr>
-        <p:spPr/>
-        <p:txBody>
-          <a:bodyPr>
-            <a:normAutofit/>
-          </a:bodyPr>
-          <a:lstStyle/>
-          <a:p>
-            <a:pPr marL="0" lvl="0" indent="0">
-              <a:buNone/>
-            </a:pPr>
-            <a:r>
-              <a:rPr lang="en-GB" dirty="0"/>
-              <a:t>Disadvantages:</a:t>
-            </a:r>
-          </a:p>
-          <a:p>
-            <a:pPr lvl="1"/>
-            <a:r>
-              <a:rPr lang="en-GB" dirty="0"/>
-              <a:t>At times, transform generates only one ‘well’</a:t>
-            </a:r>
-          </a:p>
-          <a:p>
-            <a:pPr lvl="1"/>
-            <a:r>
-              <a:rPr lang="en-GB" dirty="0"/>
-              <a:t>High computational costs for brute-force method: O(n²)</a:t>
-            </a:r>
-          </a:p>
-          <a:p>
-            <a:pPr lvl="1"/>
-            <a:r>
-              <a:rPr lang="en-GB" dirty="0"/>
-              <a:t>Not widely applicable</a:t>
-            </a:r>
-          </a:p>
-          <a:p>
-            <a:pPr lvl="1"/>
-            <a:r>
-              <a:rPr lang="en-GB" dirty="0"/>
-              <a:t>Occlusion by hair</a:t>
-            </a:r>
-          </a:p>
-        </p:txBody>
-      </p:sp>
+      <mc:AlternateContent xmlns:mc="http://schemas.openxmlformats.org/markup-compatibility/2006" xmlns:a14="http://schemas.microsoft.com/office/drawing/2010/main">
+        <mc:Choice Requires="a14">
+          <p:sp>
+            <p:nvSpPr>
+              <p:cNvPr id="3" name="Inhaltsplatzhalter 2"/>
+              <p:cNvSpPr>
+                <a:spLocks noGrp="1"/>
+              </p:cNvSpPr>
+              <p:nvPr>
+                <p:ph idx="1"/>
+              </p:nvPr>
+            </p:nvSpPr>
+            <p:spPr/>
+            <p:txBody>
+              <a:bodyPr>
+                <a:normAutofit/>
+              </a:bodyPr>
+              <a:lstStyle/>
+              <a:p>
+                <a:pPr marL="0" lvl="0" indent="0">
+                  <a:buNone/>
+                </a:pPr>
+                <a:r>
+                  <a:rPr lang="en-GB" dirty="0"/>
+                  <a:t>Disadvantages:</a:t>
+                </a:r>
+              </a:p>
+              <a:p>
+                <a:pPr lvl="1"/>
+                <a:r>
+                  <a:rPr lang="en-GB" dirty="0"/>
+                  <a:t>At times, transform generates only one ‘well’</a:t>
+                </a:r>
+              </a:p>
+              <a:p>
+                <a:pPr lvl="1"/>
+                <a:r>
+                  <a:rPr lang="en-GB" dirty="0"/>
+                  <a:t>High computational costs for brute-force method: </a:t>
+                </a:r>
+                <a14:m>
+                  <m:oMath xmlns:m="http://schemas.openxmlformats.org/officeDocument/2006/math">
+                    <m:r>
+                      <a:rPr lang="en-GB" i="1" dirty="0" smtClean="0">
+                        <a:latin typeface="Cambria Math" panose="02040503050406030204" pitchFamily="18" charset="0"/>
+                      </a:rPr>
+                      <m:t>𝑂</m:t>
+                    </m:r>
+                    <m:r>
+                      <a:rPr lang="en-GB" i="1" dirty="0" smtClean="0">
+                        <a:latin typeface="Cambria Math" panose="02040503050406030204" pitchFamily="18" charset="0"/>
+                      </a:rPr>
+                      <m:t>(</m:t>
+                    </m:r>
+                    <m:r>
+                      <a:rPr lang="en-GB" i="1" dirty="0" smtClean="0">
+                        <a:latin typeface="Cambria Math" panose="02040503050406030204" pitchFamily="18" charset="0"/>
+                      </a:rPr>
+                      <m:t>𝑛</m:t>
+                    </m:r>
+                    <m:r>
+                      <a:rPr lang="en-GB" i="1" dirty="0" smtClean="0">
+                        <a:latin typeface="Cambria Math" panose="02040503050406030204" pitchFamily="18" charset="0"/>
+                      </a:rPr>
+                      <m:t>²)</m:t>
+                    </m:r>
+                  </m:oMath>
+                </a14:m>
+                <a:endParaRPr lang="en-GB" dirty="0"/>
+              </a:p>
+              <a:p>
+                <a:pPr lvl="1"/>
+                <a:r>
+                  <a:rPr lang="en-GB" dirty="0"/>
+                  <a:t>Not widely applicable</a:t>
+                </a:r>
+              </a:p>
+              <a:p>
+                <a:pPr lvl="1"/>
+                <a:r>
+                  <a:rPr lang="en-GB" dirty="0"/>
+                  <a:t>Occlusion by hair</a:t>
+                </a:r>
+              </a:p>
+            </p:txBody>
+          </p:sp>
+        </mc:Choice>
+        <mc:Fallback xmlns="">
+          <p:sp>
+            <p:nvSpPr>
+              <p:cNvPr id="3" name="Inhaltsplatzhalter 2"/>
+              <p:cNvSpPr>
+                <a:spLocks noGrp="1" noRot="1" noChangeAspect="1" noMove="1" noResize="1" noEditPoints="1" noAdjustHandles="1" noChangeArrowheads="1" noChangeShapeType="1" noTextEdit="1"/>
+              </p:cNvSpPr>
+              <p:nvPr>
+                <p:ph idx="1"/>
+              </p:nvPr>
+            </p:nvSpPr>
+            <p:spPr>
+              <a:blipFill>
+                <a:blip r:embed="rId2"/>
+                <a:stretch>
+                  <a:fillRect l="-1546" t="-2225" r="-155"/>
+                </a:stretch>
+              </a:blipFill>
+            </p:spPr>
+            <p:txBody>
+              <a:bodyPr/>
+              <a:lstStyle/>
+              <a:p>
+                <a:r>
+                  <a:rPr lang="en-GB">
+                    <a:noFill/>
+                  </a:rPr>
+                  <a:t> </a:t>
+                </a:r>
+              </a:p>
+            </p:txBody>
+          </p:sp>
+        </mc:Fallback>
+      </mc:AlternateContent>
       <p:sp>
         <p:nvSpPr>
           <p:cNvPr id="4" name="Datumsplatzhalter 3"/>
@@ -23191,6 +23781,416 @@
           <a:p>
             <a:r>
               <a:rPr lang="en-GB" dirty="0"/>
+              <a:t>Work distribution</a:t>
+            </a:r>
+          </a:p>
+        </p:txBody>
+      </p:sp>
+      <p:sp>
+        <p:nvSpPr>
+          <p:cNvPr id="4" name="Datumsplatzhalter 3"/>
+          <p:cNvSpPr>
+            <a:spLocks noGrp="1"/>
+          </p:cNvSpPr>
+          <p:nvPr>
+            <p:ph type="dt" sz="half" idx="10"/>
+          </p:nvPr>
+        </p:nvSpPr>
+        <p:spPr/>
+        <p:txBody>
+          <a:bodyPr/>
+          <a:lstStyle/>
+          <a:p>
+            <a:r>
+              <a:rPr lang="en-US"/>
+              <a:t>Ganiyu Ibraheem  Philipp Seybold</a:t>
+            </a:r>
+            <a:endParaRPr lang="en-GB" dirty="0"/>
+          </a:p>
+        </p:txBody>
+      </p:sp>
+      <p:sp>
+        <p:nvSpPr>
+          <p:cNvPr id="5" name="Fußzeilenplatzhalter 4"/>
+          <p:cNvSpPr>
+            <a:spLocks noGrp="1"/>
+          </p:cNvSpPr>
+          <p:nvPr>
+            <p:ph type="ftr" sz="quarter" idx="11"/>
+          </p:nvPr>
+        </p:nvSpPr>
+        <p:spPr/>
+        <p:txBody>
+          <a:bodyPr/>
+          <a:lstStyle/>
+          <a:p>
+            <a:r>
+              <a:rPr lang="en-GB"/>
+              <a:t>COMP6206 Advanced Computer Vision</a:t>
+            </a:r>
+          </a:p>
+        </p:txBody>
+      </p:sp>
+      <p:sp>
+        <p:nvSpPr>
+          <p:cNvPr id="6" name="Foliennummernplatzhalter 5"/>
+          <p:cNvSpPr>
+            <a:spLocks noGrp="1"/>
+          </p:cNvSpPr>
+          <p:nvPr>
+            <p:ph type="sldNum" sz="quarter" idx="12"/>
+          </p:nvPr>
+        </p:nvSpPr>
+        <p:spPr/>
+        <p:txBody>
+          <a:bodyPr/>
+          <a:lstStyle/>
+          <a:p>
+            <a:fld id="{FB9D3F8E-99BC-4812-95D4-548B8E992B94}" type="slidenum">
+              <a:rPr lang="en-GB" smtClean="0"/>
+              <a:t>24</a:t>
+            </a:fld>
+            <a:endParaRPr lang="en-GB"/>
+          </a:p>
+        </p:txBody>
+      </p:sp>
+      <p:graphicFrame>
+        <p:nvGraphicFramePr>
+          <p:cNvPr id="8" name="Tabelle 7"/>
+          <p:cNvGraphicFramePr>
+            <a:graphicFrameLocks noGrp="1"/>
+          </p:cNvGraphicFramePr>
+          <p:nvPr>
+            <p:extLst>
+              <p:ext uri="{D42A27DB-BD31-4B8C-83A1-F6EECF244321}">
+                <p14:modId xmlns:p14="http://schemas.microsoft.com/office/powerpoint/2010/main" val="38162409"/>
+              </p:ext>
+            </p:extLst>
+          </p:nvPr>
+        </p:nvGraphicFramePr>
+        <p:xfrm>
+          <a:off x="628650" y="1482344"/>
+          <a:ext cx="7886700" cy="4390136"/>
+        </p:xfrm>
+        <a:graphic>
+          <a:graphicData uri="http://schemas.openxmlformats.org/drawingml/2006/table">
+            <a:tbl>
+              <a:tblPr firstRow="1" bandRow="1">
+                <a:tableStyleId>{2D5ABB26-0587-4C30-8999-92F81FD0307C}</a:tableStyleId>
+              </a:tblPr>
+              <a:tblGrid>
+                <a:gridCol w="960120">
+                  <a:extLst>
+                    <a:ext uri="{9D8B030D-6E8A-4147-A177-3AD203B41FA5}">
+                      <a16:colId xmlns:a16="http://schemas.microsoft.com/office/drawing/2014/main" val="1144154568"/>
+                    </a:ext>
+                  </a:extLst>
+                </a:gridCol>
+                <a:gridCol w="6926580">
+                  <a:extLst>
+                    <a:ext uri="{9D8B030D-6E8A-4147-A177-3AD203B41FA5}">
+                      <a16:colId xmlns:a16="http://schemas.microsoft.com/office/drawing/2014/main" val="2266596445"/>
+                    </a:ext>
+                  </a:extLst>
+                </a:gridCol>
+              </a:tblGrid>
+              <a:tr h="895096">
+                <a:tc gridSpan="2">
+                  <a:txBody>
+                    <a:bodyPr/>
+                    <a:lstStyle/>
+                    <a:p>
+                      <a:r>
+                        <a:rPr lang="en-GB" sz="2000" dirty="0"/>
+                        <a:t>Equal</a:t>
+                      </a:r>
+                      <a:r>
+                        <a:rPr lang="en-GB" sz="2000" baseline="0" dirty="0"/>
+                        <a:t> workload for both group members in every part of the project with different focusses for the presentation:</a:t>
+                      </a:r>
+                      <a:endParaRPr lang="en-GB" sz="2000" dirty="0"/>
+                    </a:p>
+                  </a:txBody>
+                  <a:tcPr/>
+                </a:tc>
+                <a:tc hMerge="1">
+                  <a:txBody>
+                    <a:bodyPr/>
+                    <a:lstStyle/>
+                    <a:p>
+                      <a:endParaRPr lang="en-GB" dirty="0"/>
+                    </a:p>
+                  </a:txBody>
+                  <a:tcPr/>
+                </a:tc>
+                <a:extLst>
+                  <a:ext uri="{0D108BD9-81ED-4DB2-BD59-A6C34878D82A}">
+                    <a16:rowId xmlns:a16="http://schemas.microsoft.com/office/drawing/2014/main" val="2091674178"/>
+                  </a:ext>
+                </a:extLst>
+              </a:tr>
+              <a:tr h="370840">
+                <a:tc>
+                  <a:txBody>
+                    <a:bodyPr/>
+                    <a:lstStyle/>
+                    <a:p>
+                      <a:r>
+                        <a:rPr lang="en-GB" sz="2000" dirty="0"/>
+                        <a:t>Ganiyu</a:t>
+                      </a:r>
+                    </a:p>
+                  </a:txBody>
+                  <a:tcPr/>
+                </a:tc>
+                <a:tc>
+                  <a:txBody>
+                    <a:bodyPr/>
+                    <a:lstStyle/>
+                    <a:p>
+                      <a:pPr marL="0" marR="0" indent="0" algn="l" defTabSz="914400" rtl="0" eaLnBrk="1" fontAlgn="auto" latinLnBrk="0" hangingPunct="1">
+                        <a:lnSpc>
+                          <a:spcPct val="100000"/>
+                        </a:lnSpc>
+                        <a:spcBef>
+                          <a:spcPts val="0"/>
+                        </a:spcBef>
+                        <a:spcAft>
+                          <a:spcPts val="0"/>
+                        </a:spcAft>
+                        <a:buClrTx/>
+                        <a:buSzTx/>
+                        <a:buFontTx/>
+                        <a:buNone/>
+                        <a:tabLst/>
+                        <a:defRPr/>
+                      </a:pPr>
+                      <a:r>
+                        <a:rPr lang="en-GB" sz="2000" dirty="0"/>
+                        <a:t>Implementation of stream feature and work</a:t>
+                      </a:r>
+                      <a:r>
+                        <a:rPr lang="en-GB" sz="2000" baseline="0" dirty="0"/>
+                        <a:t> </a:t>
+                      </a:r>
+                      <a:r>
+                        <a:rPr lang="en-GB" sz="2000" dirty="0"/>
+                        <a:t>on both approaches</a:t>
+                      </a:r>
+                      <a:r>
+                        <a:rPr lang="en-GB" sz="2000" baseline="0" dirty="0"/>
+                        <a:t> for the force field transformation; focused on math for implementation part</a:t>
+                      </a:r>
+                      <a:endParaRPr lang="en-GB" sz="2000" dirty="0"/>
+                    </a:p>
+                  </a:txBody>
+                  <a:tcPr/>
+                </a:tc>
+                <a:extLst>
+                  <a:ext uri="{0D108BD9-81ED-4DB2-BD59-A6C34878D82A}">
+                    <a16:rowId xmlns:a16="http://schemas.microsoft.com/office/drawing/2014/main" val="3571696316"/>
+                  </a:ext>
+                </a:extLst>
+              </a:tr>
+              <a:tr h="960120">
+                <a:tc>
+                  <a:txBody>
+                    <a:bodyPr/>
+                    <a:lstStyle/>
+                    <a:p>
+                      <a:r>
+                        <a:rPr lang="en-GB" sz="2000" dirty="0"/>
+                        <a:t>Philipp</a:t>
+                      </a:r>
+                    </a:p>
+                  </a:txBody>
+                  <a:tcPr/>
+                </a:tc>
+                <a:tc>
+                  <a:txBody>
+                    <a:bodyPr/>
+                    <a:lstStyle/>
+                    <a:p>
+                      <a:r>
+                        <a:rPr lang="en-GB" sz="2000" dirty="0"/>
+                        <a:t>Worked</a:t>
+                      </a:r>
+                      <a:r>
+                        <a:rPr lang="en-GB" sz="2000" baseline="0" dirty="0"/>
+                        <a:t> on both approaches when issues occurred and provided comparisons to other implementations; focused on theory of the approach as a whole</a:t>
+                      </a:r>
+                      <a:endParaRPr lang="en-GB" sz="2000" dirty="0"/>
+                    </a:p>
+                  </a:txBody>
+                  <a:tcPr/>
+                </a:tc>
+                <a:extLst>
+                  <a:ext uri="{0D108BD9-81ED-4DB2-BD59-A6C34878D82A}">
+                    <a16:rowId xmlns:a16="http://schemas.microsoft.com/office/drawing/2014/main" val="3944246603"/>
+                  </a:ext>
+                </a:extLst>
+              </a:tr>
+              <a:tr h="370840">
+                <a:tc>
+                  <a:txBody>
+                    <a:bodyPr/>
+                    <a:lstStyle/>
+                    <a:p>
+                      <a:endParaRPr lang="en-GB"/>
+                    </a:p>
+                  </a:txBody>
+                  <a:tcPr/>
+                </a:tc>
+                <a:tc>
+                  <a:txBody>
+                    <a:bodyPr/>
+                    <a:lstStyle/>
+                    <a:p>
+                      <a:endParaRPr lang="en-GB" dirty="0"/>
+                    </a:p>
+                  </a:txBody>
+                  <a:tcPr/>
+                </a:tc>
+                <a:extLst>
+                  <a:ext uri="{0D108BD9-81ED-4DB2-BD59-A6C34878D82A}">
+                    <a16:rowId xmlns:a16="http://schemas.microsoft.com/office/drawing/2014/main" val="479990301"/>
+                  </a:ext>
+                </a:extLst>
+              </a:tr>
+              <a:tr h="370840">
+                <a:tc>
+                  <a:txBody>
+                    <a:bodyPr/>
+                    <a:lstStyle/>
+                    <a:p>
+                      <a:endParaRPr lang="en-GB" dirty="0"/>
+                    </a:p>
+                  </a:txBody>
+                  <a:tcPr/>
+                </a:tc>
+                <a:tc>
+                  <a:txBody>
+                    <a:bodyPr/>
+                    <a:lstStyle/>
+                    <a:p>
+                      <a:endParaRPr lang="en-GB" dirty="0"/>
+                    </a:p>
+                  </a:txBody>
+                  <a:tcPr/>
+                </a:tc>
+                <a:extLst>
+                  <a:ext uri="{0D108BD9-81ED-4DB2-BD59-A6C34878D82A}">
+                    <a16:rowId xmlns:a16="http://schemas.microsoft.com/office/drawing/2014/main" val="337983444"/>
+                  </a:ext>
+                </a:extLst>
+              </a:tr>
+              <a:tr h="370840">
+                <a:tc>
+                  <a:txBody>
+                    <a:bodyPr/>
+                    <a:lstStyle/>
+                    <a:p>
+                      <a:endParaRPr lang="en-GB"/>
+                    </a:p>
+                  </a:txBody>
+                  <a:tcPr/>
+                </a:tc>
+                <a:tc>
+                  <a:txBody>
+                    <a:bodyPr/>
+                    <a:lstStyle/>
+                    <a:p>
+                      <a:endParaRPr lang="en-GB"/>
+                    </a:p>
+                  </a:txBody>
+                  <a:tcPr/>
+                </a:tc>
+                <a:extLst>
+                  <a:ext uri="{0D108BD9-81ED-4DB2-BD59-A6C34878D82A}">
+                    <a16:rowId xmlns:a16="http://schemas.microsoft.com/office/drawing/2014/main" val="1411202274"/>
+                  </a:ext>
+                </a:extLst>
+              </a:tr>
+              <a:tr h="370840">
+                <a:tc>
+                  <a:txBody>
+                    <a:bodyPr/>
+                    <a:lstStyle/>
+                    <a:p>
+                      <a:endParaRPr lang="en-GB" dirty="0"/>
+                    </a:p>
+                  </a:txBody>
+                  <a:tcPr/>
+                </a:tc>
+                <a:tc>
+                  <a:txBody>
+                    <a:bodyPr/>
+                    <a:lstStyle/>
+                    <a:p>
+                      <a:endParaRPr lang="en-GB" dirty="0"/>
+                    </a:p>
+                  </a:txBody>
+                  <a:tcPr/>
+                </a:tc>
+                <a:extLst>
+                  <a:ext uri="{0D108BD9-81ED-4DB2-BD59-A6C34878D82A}">
+                    <a16:rowId xmlns:a16="http://schemas.microsoft.com/office/drawing/2014/main" val="2242115957"/>
+                  </a:ext>
+                </a:extLst>
+              </a:tr>
+            </a:tbl>
+          </a:graphicData>
+        </a:graphic>
+      </p:graphicFrame>
+    </p:spTree>
+    <p:extLst>
+      <p:ext uri="{BB962C8B-B14F-4D97-AF65-F5344CB8AC3E}">
+        <p14:creationId xmlns:p14="http://schemas.microsoft.com/office/powerpoint/2010/main" val="3102007807"/>
+      </p:ext>
+    </p:extLst>
+  </p:cSld>
+  <p:clrMapOvr>
+    <a:masterClrMapping/>
+  </p:clrMapOvr>
+</p:sld>
+</file>
+
+<file path=ppt/slides/slide25.xml><?xml version="1.0" encoding="utf-8"?>
+<p:sld xmlns:a="http://schemas.openxmlformats.org/drawingml/2006/main" xmlns:r="http://schemas.openxmlformats.org/officeDocument/2006/relationships" xmlns:p="http://schemas.openxmlformats.org/presentationml/2006/main">
+  <p:cSld>
+    <p:spTree>
+      <p:nvGrpSpPr>
+        <p:cNvPr id="1" name=""/>
+        <p:cNvGrpSpPr/>
+        <p:nvPr/>
+      </p:nvGrpSpPr>
+      <p:grpSpPr>
+        <a:xfrm>
+          <a:off x="0" y="0"/>
+          <a:ext cx="0" cy="0"/>
+          <a:chOff x="0" y="0"/>
+          <a:chExt cx="0" cy="0"/>
+        </a:xfrm>
+      </p:grpSpPr>
+      <p:sp>
+        <p:nvSpPr>
+          <p:cNvPr id="2" name="Titel 1"/>
+          <p:cNvSpPr>
+            <a:spLocks noGrp="1"/>
+          </p:cNvSpPr>
+          <p:nvPr>
+            <p:ph type="title"/>
+          </p:nvPr>
+        </p:nvSpPr>
+        <p:spPr/>
+        <p:txBody>
+          <a:bodyPr>
+            <a:normAutofit/>
+          </a:bodyPr>
+          <a:lstStyle/>
+          <a:p>
+            <a:r>
+              <a:rPr lang="en-GB" dirty="0"/>
               <a:t>Discussion</a:t>
             </a:r>
           </a:p>
@@ -23292,7 +24292,7 @@
           <a:p>
             <a:fld id="{FB9D3F8E-99BC-4812-95D4-548B8E992B94}" type="slidenum">
               <a:rPr lang="en-GB" smtClean="0"/>
-              <a:t>24</a:t>
+              <a:t>25</a:t>
             </a:fld>
             <a:endParaRPr lang="en-GB"/>
           </a:p>
@@ -23598,33 +24598,6 @@
             </a:r>
           </a:p>
           <a:p>
-            <a:pPr lvl="0"/>
-            <a:r>
-              <a:rPr lang="en-GB" dirty="0"/>
-              <a:t>Approaches:</a:t>
-            </a:r>
-          </a:p>
-          <a:p>
-            <a:pPr marL="914400" lvl="1" indent="-457200">
-              <a:buFont typeface="+mj-lt"/>
-              <a:buAutoNum type="arabicPeriod"/>
-            </a:pPr>
-            <a:r>
-              <a:rPr lang="en-GB" dirty="0"/>
-              <a:t>Pixel by Pixel</a:t>
-            </a:r>
-          </a:p>
-          <a:p>
-            <a:pPr marL="914400" lvl="1" indent="-457200">
-              <a:buFont typeface="+mj-lt"/>
-              <a:buAutoNum type="arabicPeriod"/>
-            </a:pPr>
-            <a:r>
-              <a:rPr lang="en-GB" dirty="0"/>
-              <a:t>Frequency Domain Analysis</a:t>
-            </a:r>
-          </a:p>
-          <a:p>
             <a:r>
               <a:rPr lang="en-GB" dirty="0"/>
               <a:t>Steps:</a:t>
@@ -23649,6 +24622,40 @@
               <a:rPr lang="en-GB" dirty="0"/>
               <a:t>Potential well and channel extraction</a:t>
             </a:r>
+          </a:p>
+          <a:p>
+            <a:pPr lvl="0"/>
+            <a:r>
+              <a:rPr lang="en-GB" dirty="0"/>
+              <a:t>Approaches:</a:t>
+            </a:r>
+          </a:p>
+          <a:p>
+            <a:pPr marL="914400" lvl="1" indent="-457200">
+              <a:buFont typeface="+mj-lt"/>
+              <a:buAutoNum type="arabicPeriod"/>
+            </a:pPr>
+            <a:r>
+              <a:rPr lang="en-GB" dirty="0"/>
+              <a:t>Pixel by pixel</a:t>
+            </a:r>
+          </a:p>
+          <a:p>
+            <a:pPr marL="914400" lvl="1" indent="-457200">
+              <a:buFont typeface="+mj-lt"/>
+              <a:buAutoNum type="arabicPeriod"/>
+            </a:pPr>
+            <a:r>
+              <a:rPr lang="en-GB" dirty="0"/>
+              <a:t>Frequency domain analysis</a:t>
+            </a:r>
+          </a:p>
+          <a:p>
+            <a:pPr marL="914400" lvl="1" indent="-457200">
+              <a:buFont typeface="+mj-lt"/>
+              <a:buAutoNum type="arabicPeriod"/>
+            </a:pPr>
+            <a:endParaRPr lang="en-GB" dirty="0"/>
           </a:p>
         </p:txBody>
       </p:sp>
